--- a/Summary.pptx
+++ b/Summary.pptx
@@ -5,10 +5,13 @@
     <p:sldMasterId id="2147483648" r:id="rId1"/>
   </p:sldMasterIdLst>
   <p:notesMasterIdLst>
-    <p:notesMasterId r:id="rId3"/>
+    <p:notesMasterId r:id="rId6"/>
   </p:notesMasterIdLst>
   <p:sldIdLst>
     <p:sldId id="1446" r:id="rId2"/>
+    <p:sldId id="1448" r:id="rId3"/>
+    <p:sldId id="1449" r:id="rId4"/>
+    <p:sldId id="1447" r:id="rId5"/>
   </p:sldIdLst>
   <p:sldSz cx="12192000" cy="6858000"/>
   <p:notesSz cx="6858000" cy="9144000"/>
@@ -197,7 +200,7 @@
           <a:p>
             <a:fld id="{B2BC1989-2ADC-4D27-8872-418CF8BF6027}" type="datetimeFigureOut">
               <a:rPr lang="zh-CN" altLang="en-US" smtClean="0"/>
-              <a:t>2024/7/11</a:t>
+              <a:t>2024/7/15</a:t>
             </a:fld>
             <a:endParaRPr lang="zh-CN" altLang="en-US"/>
           </a:p>
@@ -538,6 +541,228 @@
 </p:notes>
 </file>
 
+<file path=ppt/notesSlides/notesSlide2.xml><?xml version="1.0" encoding="utf-8"?>
+<p:notes xmlns:a="http://schemas.openxmlformats.org/drawingml/2006/main" xmlns:r="http://schemas.openxmlformats.org/officeDocument/2006/relationships" xmlns:p="http://schemas.openxmlformats.org/presentationml/2006/main">
+  <p:cSld>
+    <p:spTree>
+      <p:nvGrpSpPr>
+        <p:cNvPr id="1" name=""/>
+        <p:cNvGrpSpPr/>
+        <p:nvPr/>
+      </p:nvGrpSpPr>
+      <p:grpSpPr>
+        <a:xfrm>
+          <a:off x="0" y="0"/>
+          <a:ext cx="0" cy="0"/>
+          <a:chOff x="0" y="0"/>
+          <a:chExt cx="0" cy="0"/>
+        </a:xfrm>
+      </p:grpSpPr>
+      <p:sp>
+        <p:nvSpPr>
+          <p:cNvPr id="2" name="幻灯片图像占位符 1"/>
+          <p:cNvSpPr>
+            <a:spLocks noGrp="1" noRot="1" noChangeAspect="1"/>
+          </p:cNvSpPr>
+          <p:nvPr>
+            <p:ph type="sldImg"/>
+          </p:nvPr>
+        </p:nvSpPr>
+        <p:spPr/>
+      </p:sp>
+      <p:sp>
+        <p:nvSpPr>
+          <p:cNvPr id="3" name="备注占位符 2"/>
+          <p:cNvSpPr>
+            <a:spLocks noGrp="1"/>
+          </p:cNvSpPr>
+          <p:nvPr>
+            <p:ph type="body" idx="1"/>
+          </p:nvPr>
+        </p:nvSpPr>
+        <p:spPr/>
+        <p:txBody>
+          <a:bodyPr/>
+          <a:lstStyle/>
+          <a:p>
+            <a:pPr marL="0" indent="-457200">
+              <a:lnSpc>
+                <a:spcPct val="135000"/>
+              </a:lnSpc>
+              <a:buNone/>
+            </a:pPr>
+            <a:endParaRPr lang="zh-CN" altLang="en-US" sz="1000" dirty="0">
+              <a:solidFill>
+                <a:srgbClr val="00246C"/>
+              </a:solidFill>
+              <a:ea typeface="+mn-ea"/>
+              <a:cs typeface="+mn-ea"/>
+              <a:sym typeface="+mn-lt"/>
+            </a:endParaRPr>
+          </a:p>
+        </p:txBody>
+      </p:sp>
+    </p:spTree>
+    <p:extLst>
+      <p:ext uri="{BB962C8B-B14F-4D97-AF65-F5344CB8AC3E}">
+        <p14:creationId xmlns:p14="http://schemas.microsoft.com/office/powerpoint/2010/main" val="2619340933"/>
+      </p:ext>
+    </p:extLst>
+  </p:cSld>
+  <p:clrMapOvr>
+    <a:masterClrMapping/>
+  </p:clrMapOvr>
+</p:notes>
+</file>
+
+<file path=ppt/notesSlides/notesSlide3.xml><?xml version="1.0" encoding="utf-8"?>
+<p:notes xmlns:a="http://schemas.openxmlformats.org/drawingml/2006/main" xmlns:r="http://schemas.openxmlformats.org/officeDocument/2006/relationships" xmlns:p="http://schemas.openxmlformats.org/presentationml/2006/main">
+  <p:cSld>
+    <p:spTree>
+      <p:nvGrpSpPr>
+        <p:cNvPr id="1" name=""/>
+        <p:cNvGrpSpPr/>
+        <p:nvPr/>
+      </p:nvGrpSpPr>
+      <p:grpSpPr>
+        <a:xfrm>
+          <a:off x="0" y="0"/>
+          <a:ext cx="0" cy="0"/>
+          <a:chOff x="0" y="0"/>
+          <a:chExt cx="0" cy="0"/>
+        </a:xfrm>
+      </p:grpSpPr>
+      <p:sp>
+        <p:nvSpPr>
+          <p:cNvPr id="2" name="幻灯片图像占位符 1"/>
+          <p:cNvSpPr>
+            <a:spLocks noGrp="1" noRot="1" noChangeAspect="1"/>
+          </p:cNvSpPr>
+          <p:nvPr>
+            <p:ph type="sldImg"/>
+          </p:nvPr>
+        </p:nvSpPr>
+        <p:spPr/>
+      </p:sp>
+      <p:sp>
+        <p:nvSpPr>
+          <p:cNvPr id="3" name="备注占位符 2"/>
+          <p:cNvSpPr>
+            <a:spLocks noGrp="1"/>
+          </p:cNvSpPr>
+          <p:nvPr>
+            <p:ph type="body" idx="1"/>
+          </p:nvPr>
+        </p:nvSpPr>
+        <p:spPr/>
+        <p:txBody>
+          <a:bodyPr/>
+          <a:lstStyle/>
+          <a:p>
+            <a:pPr marL="0" indent="-457200">
+              <a:lnSpc>
+                <a:spcPct val="135000"/>
+              </a:lnSpc>
+              <a:buNone/>
+            </a:pPr>
+            <a:endParaRPr lang="zh-CN" altLang="en-US" sz="1000" dirty="0">
+              <a:solidFill>
+                <a:srgbClr val="00246C"/>
+              </a:solidFill>
+              <a:ea typeface="+mn-ea"/>
+              <a:cs typeface="+mn-ea"/>
+              <a:sym typeface="+mn-lt"/>
+            </a:endParaRPr>
+          </a:p>
+        </p:txBody>
+      </p:sp>
+    </p:spTree>
+    <p:extLst>
+      <p:ext uri="{BB962C8B-B14F-4D97-AF65-F5344CB8AC3E}">
+        <p14:creationId xmlns:p14="http://schemas.microsoft.com/office/powerpoint/2010/main" val="2520108414"/>
+      </p:ext>
+    </p:extLst>
+  </p:cSld>
+  <p:clrMapOvr>
+    <a:masterClrMapping/>
+  </p:clrMapOvr>
+</p:notes>
+</file>
+
+<file path=ppt/notesSlides/notesSlide4.xml><?xml version="1.0" encoding="utf-8"?>
+<p:notes xmlns:a="http://schemas.openxmlformats.org/drawingml/2006/main" xmlns:r="http://schemas.openxmlformats.org/officeDocument/2006/relationships" xmlns:p="http://schemas.openxmlformats.org/presentationml/2006/main">
+  <p:cSld>
+    <p:spTree>
+      <p:nvGrpSpPr>
+        <p:cNvPr id="1" name=""/>
+        <p:cNvGrpSpPr/>
+        <p:nvPr/>
+      </p:nvGrpSpPr>
+      <p:grpSpPr>
+        <a:xfrm>
+          <a:off x="0" y="0"/>
+          <a:ext cx="0" cy="0"/>
+          <a:chOff x="0" y="0"/>
+          <a:chExt cx="0" cy="0"/>
+        </a:xfrm>
+      </p:grpSpPr>
+      <p:sp>
+        <p:nvSpPr>
+          <p:cNvPr id="2" name="幻灯片图像占位符 1"/>
+          <p:cNvSpPr>
+            <a:spLocks noGrp="1" noRot="1" noChangeAspect="1"/>
+          </p:cNvSpPr>
+          <p:nvPr>
+            <p:ph type="sldImg"/>
+          </p:nvPr>
+        </p:nvSpPr>
+        <p:spPr/>
+      </p:sp>
+      <p:sp>
+        <p:nvSpPr>
+          <p:cNvPr id="3" name="备注占位符 2"/>
+          <p:cNvSpPr>
+            <a:spLocks noGrp="1"/>
+          </p:cNvSpPr>
+          <p:nvPr>
+            <p:ph type="body" idx="1"/>
+          </p:nvPr>
+        </p:nvSpPr>
+        <p:spPr/>
+        <p:txBody>
+          <a:bodyPr/>
+          <a:lstStyle/>
+          <a:p>
+            <a:pPr marL="0" indent="-457200">
+              <a:lnSpc>
+                <a:spcPct val="135000"/>
+              </a:lnSpc>
+              <a:buNone/>
+            </a:pPr>
+            <a:endParaRPr lang="zh-CN" altLang="en-US" sz="1000" dirty="0">
+              <a:solidFill>
+                <a:srgbClr val="00246C"/>
+              </a:solidFill>
+              <a:ea typeface="+mn-ea"/>
+              <a:cs typeface="+mn-ea"/>
+              <a:sym typeface="+mn-lt"/>
+            </a:endParaRPr>
+          </a:p>
+        </p:txBody>
+      </p:sp>
+    </p:spTree>
+    <p:extLst>
+      <p:ext uri="{BB962C8B-B14F-4D97-AF65-F5344CB8AC3E}">
+        <p14:creationId xmlns:p14="http://schemas.microsoft.com/office/powerpoint/2010/main" val="470137994"/>
+      </p:ext>
+    </p:extLst>
+  </p:cSld>
+  <p:clrMapOvr>
+    <a:masterClrMapping/>
+  </p:clrMapOvr>
+</p:notes>
+</file>
+
 <file path=ppt/slideLayouts/slideLayout1.xml><?xml version="1.0" encoding="utf-8"?>
 <p:sldLayout xmlns:a="http://schemas.openxmlformats.org/drawingml/2006/main" xmlns:r="http://schemas.openxmlformats.org/officeDocument/2006/relationships" xmlns:p="http://schemas.openxmlformats.org/presentationml/2006/main" type="title" preserve="1">
   <p:cSld name="标题幻灯片">
@@ -685,7 +910,7 @@
           <a:p>
             <a:fld id="{CAD19A8C-0F1E-4ACF-B569-36D45F7D9616}" type="datetimeFigureOut">
               <a:rPr lang="zh-CN" altLang="en-US" smtClean="0"/>
-              <a:t>2024/7/11</a:t>
+              <a:t>2024/7/15</a:t>
             </a:fld>
             <a:endParaRPr lang="zh-CN" altLang="en-US"/>
           </a:p>
@@ -883,7 +1108,7 @@
           <a:p>
             <a:fld id="{CAD19A8C-0F1E-4ACF-B569-36D45F7D9616}" type="datetimeFigureOut">
               <a:rPr lang="zh-CN" altLang="en-US" smtClean="0"/>
-              <a:t>2024/7/11</a:t>
+              <a:t>2024/7/15</a:t>
             </a:fld>
             <a:endParaRPr lang="zh-CN" altLang="en-US"/>
           </a:p>
@@ -1091,7 +1316,7 @@
           <a:p>
             <a:fld id="{CAD19A8C-0F1E-4ACF-B569-36D45F7D9616}" type="datetimeFigureOut">
               <a:rPr lang="zh-CN" altLang="en-US" smtClean="0"/>
-              <a:t>2024/7/11</a:t>
+              <a:t>2024/7/15</a:t>
             </a:fld>
             <a:endParaRPr lang="zh-CN" altLang="en-US"/>
           </a:p>
@@ -1256,7 +1481,7 @@
             </a:pPr>
             <a:fld id="{B4079EA7-C98D-4F84-8E79-E8D84A8D7936}" type="datetime1">
               <a:rPr lang="zh-CN" altLang="en-US" smtClean="0"/>
-              <a:t>2024/7/11</a:t>
+              <a:t>2024/7/15</a:t>
             </a:fld>
             <a:endParaRPr lang="zh-CN" altLang="en-US"/>
           </a:p>
@@ -1566,7 +1791,7 @@
           <a:p>
             <a:fld id="{CAD19A8C-0F1E-4ACF-B569-36D45F7D9616}" type="datetimeFigureOut">
               <a:rPr lang="zh-CN" altLang="en-US" smtClean="0"/>
-              <a:t>2024/7/11</a:t>
+              <a:t>2024/7/15</a:t>
             </a:fld>
             <a:endParaRPr lang="zh-CN" altLang="en-US"/>
           </a:p>
@@ -1841,7 +2066,7 @@
           <a:p>
             <a:fld id="{CAD19A8C-0F1E-4ACF-B569-36D45F7D9616}" type="datetimeFigureOut">
               <a:rPr lang="zh-CN" altLang="en-US" smtClean="0"/>
-              <a:t>2024/7/11</a:t>
+              <a:t>2024/7/15</a:t>
             </a:fld>
             <a:endParaRPr lang="zh-CN" altLang="en-US"/>
           </a:p>
@@ -2106,7 +2331,7 @@
           <a:p>
             <a:fld id="{CAD19A8C-0F1E-4ACF-B569-36D45F7D9616}" type="datetimeFigureOut">
               <a:rPr lang="zh-CN" altLang="en-US" smtClean="0"/>
-              <a:t>2024/7/11</a:t>
+              <a:t>2024/7/15</a:t>
             </a:fld>
             <a:endParaRPr lang="zh-CN" altLang="en-US"/>
           </a:p>
@@ -2518,7 +2743,7 @@
           <a:p>
             <a:fld id="{CAD19A8C-0F1E-4ACF-B569-36D45F7D9616}" type="datetimeFigureOut">
               <a:rPr lang="zh-CN" altLang="en-US" smtClean="0"/>
-              <a:t>2024/7/11</a:t>
+              <a:t>2024/7/15</a:t>
             </a:fld>
             <a:endParaRPr lang="zh-CN" altLang="en-US"/>
           </a:p>
@@ -2659,7 +2884,7 @@
           <a:p>
             <a:fld id="{CAD19A8C-0F1E-4ACF-B569-36D45F7D9616}" type="datetimeFigureOut">
               <a:rPr lang="zh-CN" altLang="en-US" smtClean="0"/>
-              <a:t>2024/7/11</a:t>
+              <a:t>2024/7/15</a:t>
             </a:fld>
             <a:endParaRPr lang="zh-CN" altLang="en-US"/>
           </a:p>
@@ -2772,7 +2997,7 @@
           <a:p>
             <a:fld id="{CAD19A8C-0F1E-4ACF-B569-36D45F7D9616}" type="datetimeFigureOut">
               <a:rPr lang="zh-CN" altLang="en-US" smtClean="0"/>
-              <a:t>2024/7/11</a:t>
+              <a:t>2024/7/15</a:t>
             </a:fld>
             <a:endParaRPr lang="zh-CN" altLang="en-US"/>
           </a:p>
@@ -3083,7 +3308,7 @@
           <a:p>
             <a:fld id="{CAD19A8C-0F1E-4ACF-B569-36D45F7D9616}" type="datetimeFigureOut">
               <a:rPr lang="zh-CN" altLang="en-US" smtClean="0"/>
-              <a:t>2024/7/11</a:t>
+              <a:t>2024/7/15</a:t>
             </a:fld>
             <a:endParaRPr lang="zh-CN" altLang="en-US"/>
           </a:p>
@@ -3371,7 +3596,7 @@
           <a:p>
             <a:fld id="{CAD19A8C-0F1E-4ACF-B569-36D45F7D9616}" type="datetimeFigureOut">
               <a:rPr lang="zh-CN" altLang="en-US" smtClean="0"/>
-              <a:t>2024/7/11</a:t>
+              <a:t>2024/7/15</a:t>
             </a:fld>
             <a:endParaRPr lang="zh-CN" altLang="en-US"/>
           </a:p>
@@ -3612,7 +3837,7 @@
           <a:p>
             <a:fld id="{CAD19A8C-0F1E-4ACF-B569-36D45F7D9616}" type="datetimeFigureOut">
               <a:rPr lang="zh-CN" altLang="en-US" smtClean="0"/>
-              <a:t>2024/7/11</a:t>
+              <a:t>2024/7/15</a:t>
             </a:fld>
             <a:endParaRPr lang="zh-CN" altLang="en-US"/>
           </a:p>
@@ -5501,6 +5726,3186 @@
 </p:sld>
 </file>
 
+<file path=ppt/slides/slide2.xml><?xml version="1.0" encoding="utf-8"?>
+<p:sld xmlns:a="http://schemas.openxmlformats.org/drawingml/2006/main" xmlns:r="http://schemas.openxmlformats.org/officeDocument/2006/relationships" xmlns:p="http://schemas.openxmlformats.org/presentationml/2006/main">
+  <p:cSld>
+    <p:bg>
+      <p:bgPr>
+        <a:solidFill>
+          <a:schemeClr val="bg1"/>
+        </a:solidFill>
+        <a:effectLst/>
+      </p:bgPr>
+    </p:bg>
+    <p:spTree>
+      <p:nvGrpSpPr>
+        <p:cNvPr id="1" name=""/>
+        <p:cNvGrpSpPr/>
+        <p:nvPr/>
+      </p:nvGrpSpPr>
+      <p:grpSpPr>
+        <a:xfrm>
+          <a:off x="0" y="0"/>
+          <a:ext cx="0" cy="0"/>
+          <a:chOff x="0" y="0"/>
+          <a:chExt cx="0" cy="0"/>
+        </a:xfrm>
+      </p:grpSpPr>
+      <p:sp>
+        <p:nvSpPr>
+          <p:cNvPr id="4" name="矩形 12">
+            <a:extLst>
+              <a:ext uri="{FF2B5EF4-FFF2-40B4-BE49-F238E27FC236}">
+                <a16:creationId xmlns:a16="http://schemas.microsoft.com/office/drawing/2014/main" id="{F6BF20CA-7F00-436B-BCF9-2855E5BD74A3}"/>
+              </a:ext>
+            </a:extLst>
+          </p:cNvPr>
+          <p:cNvSpPr>
+            <a:spLocks noChangeArrowheads="1"/>
+          </p:cNvSpPr>
+          <p:nvPr/>
+        </p:nvSpPr>
+        <p:spPr bwMode="auto">
+          <a:xfrm>
+            <a:off x="385125" y="188641"/>
+            <a:ext cx="11568417" cy="584775"/>
+          </a:xfrm>
+          <a:prstGeom prst="rect">
+            <a:avLst/>
+          </a:prstGeom>
+          <a:noFill/>
+          <a:ln>
+            <a:noFill/>
+          </a:ln>
+          <a:extLst>
+            <a:ext uri="{909E8E84-426E-40DD-AFC4-6F175D3DCCD1}">
+              <a14:hiddenFill xmlns:a14="http://schemas.microsoft.com/office/drawing/2010/main">
+                <a:solidFill>
+                  <a:srgbClr val="FFFFFF"/>
+                </a:solidFill>
+              </a14:hiddenFill>
+            </a:ext>
+            <a:ext uri="{91240B29-F687-4F45-9708-019B960494DF}">
+              <a14:hiddenLine xmlns:a14="http://schemas.microsoft.com/office/drawing/2010/main" w="9525">
+                <a:solidFill>
+                  <a:srgbClr val="000000"/>
+                </a:solidFill>
+                <a:miter lim="800000"/>
+                <a:headEnd/>
+                <a:tailEnd/>
+              </a14:hiddenLine>
+            </a:ext>
+          </a:extLst>
+        </p:spPr>
+        <p:txBody>
+          <a:bodyPr wrap="square">
+            <a:spAutoFit/>
+          </a:bodyPr>
+          <a:lstStyle/>
+          <a:p>
+            <a:pPr marL="0" lvl="1" defTabSz="457200">
+              <a:buClr>
+                <a:srgbClr val="FF0000"/>
+              </a:buClr>
+              <a:buSzPct val="100000"/>
+            </a:pPr>
+            <a:r>
+              <a:rPr lang="en-US" altLang="zh-CN" sz="3200" b="1" dirty="0">
+                <a:solidFill>
+                  <a:schemeClr val="bg1"/>
+                </a:solidFill>
+                <a:latin typeface="Arial" panose="020B0604020202020204" pitchFamily="34" charset="0"/>
+                <a:ea typeface="微软雅黑" panose="020B0503020204020204" pitchFamily="34" charset="-122"/>
+                <a:cs typeface="+mn-ea"/>
+                <a:sym typeface="Arial" panose="020B0604020202020204" pitchFamily="34" charset="0"/>
+              </a:rPr>
+              <a:t>1.1 </a:t>
+            </a:r>
+            <a:r>
+              <a:rPr lang="zh-CN" altLang="en-US" sz="3200" b="1" dirty="0">
+                <a:solidFill>
+                  <a:schemeClr val="bg1"/>
+                </a:solidFill>
+                <a:latin typeface="Arial" panose="020B0604020202020204" pitchFamily="34" charset="0"/>
+                <a:ea typeface="微软雅黑" panose="020B0503020204020204" pitchFamily="34" charset="-122"/>
+                <a:cs typeface="+mn-ea"/>
+                <a:sym typeface="Arial" panose="020B0604020202020204" pitchFamily="34" charset="0"/>
+              </a:rPr>
+              <a:t>大气污染研究意义</a:t>
+            </a:r>
+          </a:p>
+        </p:txBody>
+      </p:sp>
+      <p:sp>
+        <p:nvSpPr>
+          <p:cNvPr id="3" name="标题 2">
+            <a:extLst>
+              <a:ext uri="{FF2B5EF4-FFF2-40B4-BE49-F238E27FC236}">
+                <a16:creationId xmlns:a16="http://schemas.microsoft.com/office/drawing/2014/main" id="{23511F03-0FA2-491A-BB93-1916D1A435B2}"/>
+              </a:ext>
+            </a:extLst>
+          </p:cNvPr>
+          <p:cNvSpPr>
+            <a:spLocks noGrp="1"/>
+          </p:cNvSpPr>
+          <p:nvPr>
+            <p:ph type="title"/>
+          </p:nvPr>
+        </p:nvSpPr>
+        <p:spPr/>
+        <p:txBody>
+          <a:bodyPr/>
+          <a:lstStyle/>
+          <a:p>
+            <a:r>
+              <a:rPr lang="en-US" altLang="zh-CN" dirty="0">
+                <a:latin typeface="Arial" panose="020B0604020202020204" pitchFamily="34" charset="0"/>
+                <a:sym typeface="Arial" panose="020B0604020202020204" pitchFamily="34" charset="0"/>
+              </a:rPr>
+              <a:t>2. Bigram</a:t>
+            </a:r>
+            <a:endParaRPr lang="zh-CN" altLang="en-US" dirty="0">
+              <a:latin typeface="Arial" panose="020B0604020202020204" pitchFamily="34" charset="0"/>
+              <a:sym typeface="Arial" panose="020B0604020202020204" pitchFamily="34" charset="0"/>
+            </a:endParaRPr>
+          </a:p>
+        </p:txBody>
+      </p:sp>
+      <p:sp>
+        <p:nvSpPr>
+          <p:cNvPr id="7" name="灯片编号占位符 6">
+            <a:extLst>
+              <a:ext uri="{FF2B5EF4-FFF2-40B4-BE49-F238E27FC236}">
+                <a16:creationId xmlns:a16="http://schemas.microsoft.com/office/drawing/2014/main" id="{E5A1D114-3409-4CE9-83C9-021FA211102E}"/>
+              </a:ext>
+            </a:extLst>
+          </p:cNvPr>
+          <p:cNvSpPr>
+            <a:spLocks noGrp="1"/>
+          </p:cNvSpPr>
+          <p:nvPr>
+            <p:ph type="sldNum" sz="quarter" idx="16"/>
+          </p:nvPr>
+        </p:nvSpPr>
+        <p:spPr/>
+        <p:txBody>
+          <a:bodyPr/>
+          <a:lstStyle/>
+          <a:p>
+            <a:pPr>
+              <a:defRPr/>
+            </a:pPr>
+            <a:fld id="{26F565BE-27A9-4834-BA3A-D46EFBA6086A}" type="slidenum">
+              <a:rPr lang="zh-CN" altLang="en-US" smtClean="0">
+                <a:latin typeface="Arial" panose="020B0604020202020204" pitchFamily="34" charset="0"/>
+                <a:sym typeface="Arial" panose="020B0604020202020204" pitchFamily="34" charset="0"/>
+              </a:rPr>
+              <a:pPr>
+                <a:defRPr/>
+              </a:pPr>
+              <a:t>2</a:t>
+            </a:fld>
+            <a:endParaRPr lang="zh-CN" altLang="en-US" dirty="0">
+              <a:latin typeface="Arial" panose="020B0604020202020204" pitchFamily="34" charset="0"/>
+              <a:sym typeface="Arial" panose="020B0604020202020204" pitchFamily="34" charset="0"/>
+            </a:endParaRPr>
+          </a:p>
+        </p:txBody>
+      </p:sp>
+      <p:cxnSp>
+        <p:nvCxnSpPr>
+          <p:cNvPr id="8" name="直接连接符 7">
+            <a:extLst>
+              <a:ext uri="{FF2B5EF4-FFF2-40B4-BE49-F238E27FC236}">
+                <a16:creationId xmlns:a16="http://schemas.microsoft.com/office/drawing/2014/main" id="{7DA522CE-2F4E-4377-944A-0BFC6047D076}"/>
+              </a:ext>
+            </a:extLst>
+          </p:cNvPr>
+          <p:cNvCxnSpPr>
+            <a:cxnSpLocks/>
+          </p:cNvCxnSpPr>
+          <p:nvPr/>
+        </p:nvCxnSpPr>
+        <p:spPr>
+          <a:xfrm>
+            <a:off x="0" y="824357"/>
+            <a:ext cx="3877337" cy="0"/>
+          </a:xfrm>
+          <a:prstGeom prst="line">
+            <a:avLst/>
+          </a:prstGeom>
+          <a:ln w="31750">
+            <a:gradFill flip="none" rotWithShape="1">
+              <a:gsLst>
+                <a:gs pos="0">
+                  <a:schemeClr val="accent1">
+                    <a:lumMod val="40000"/>
+                    <a:lumOff val="60000"/>
+                  </a:schemeClr>
+                </a:gs>
+                <a:gs pos="46000">
+                  <a:schemeClr val="accent1">
+                    <a:lumMod val="40000"/>
+                    <a:lumOff val="60000"/>
+                  </a:schemeClr>
+                </a:gs>
+                <a:gs pos="100000">
+                  <a:schemeClr val="accent1">
+                    <a:lumMod val="75000"/>
+                  </a:schemeClr>
+                </a:gs>
+              </a:gsLst>
+              <a:lin ang="10800000" scaled="0"/>
+              <a:tileRect/>
+            </a:gradFill>
+          </a:ln>
+        </p:spPr>
+        <p:style>
+          <a:lnRef idx="3">
+            <a:schemeClr val="dk1"/>
+          </a:lnRef>
+          <a:fillRef idx="0">
+            <a:schemeClr val="dk1"/>
+          </a:fillRef>
+          <a:effectRef idx="2">
+            <a:schemeClr val="dk1"/>
+          </a:effectRef>
+          <a:fontRef idx="minor">
+            <a:schemeClr val="tx1"/>
+          </a:fontRef>
+        </p:style>
+      </p:cxnSp>
+      <p:sp>
+        <p:nvSpPr>
+          <p:cNvPr id="6" name="标题 2">
+            <a:extLst>
+              <a:ext uri="{FF2B5EF4-FFF2-40B4-BE49-F238E27FC236}">
+                <a16:creationId xmlns:a16="http://schemas.microsoft.com/office/drawing/2014/main" id="{09993C9F-CEC6-4E4D-9B9C-77EB7EA7BD17}"/>
+              </a:ext>
+            </a:extLst>
+          </p:cNvPr>
+          <p:cNvSpPr txBox="1">
+            <a:spLocks/>
+          </p:cNvSpPr>
+          <p:nvPr/>
+        </p:nvSpPr>
+        <p:spPr>
+          <a:xfrm>
+            <a:off x="672774" y="1238845"/>
+            <a:ext cx="3537720" cy="650974"/>
+          </a:xfrm>
+          <a:prstGeom prst="rect">
+            <a:avLst/>
+          </a:prstGeom>
+        </p:spPr>
+        <p:txBody>
+          <a:bodyPr vert="horz" lIns="91440" tIns="45720" rIns="91440" bIns="45720" rtlCol="0" anchor="ctr">
+            <a:noAutofit/>
+          </a:bodyPr>
+          <a:lstStyle>
+            <a:lvl1pPr marL="0" algn="l" defTabSz="685800" rtl="0" eaLnBrk="1" latinLnBrk="0" hangingPunct="1">
+              <a:lnSpc>
+                <a:spcPct val="100000"/>
+              </a:lnSpc>
+              <a:spcBef>
+                <a:spcPct val="0"/>
+              </a:spcBef>
+              <a:buNone/>
+              <a:defRPr lang="en-US" sz="3200" b="1" kern="1200" dirty="0">
+                <a:solidFill>
+                  <a:srgbClr val="002060"/>
+                </a:solidFill>
+                <a:latin typeface="微软雅黑" panose="020B0503020204020204" pitchFamily="34" charset="-122"/>
+                <a:ea typeface="微软雅黑" pitchFamily="34" charset="-122"/>
+                <a:cs typeface="+mn-cs"/>
+              </a:defRPr>
+            </a:lvl1pPr>
+          </a:lstStyle>
+          <a:p>
+            <a:r>
+              <a:rPr lang="zh-CN" altLang="en-US" sz="2000" dirty="0">
+                <a:latin typeface="Arial" panose="020B0604020202020204" pitchFamily="34" charset="0"/>
+                <a:sym typeface="Arial" panose="020B0604020202020204" pitchFamily="34" charset="0"/>
+              </a:rPr>
+              <a:t>一种基于</a:t>
+            </a:r>
+            <a:r>
+              <a:rPr lang="zh-CN" altLang="en-US" sz="2000" dirty="0">
+                <a:solidFill>
+                  <a:srgbClr val="FF0000"/>
+                </a:solidFill>
+                <a:latin typeface="Arial" panose="020B0604020202020204" pitchFamily="34" charset="0"/>
+                <a:sym typeface="Arial" panose="020B0604020202020204" pitchFamily="34" charset="0"/>
+              </a:rPr>
+              <a:t>二元组</a:t>
+            </a:r>
+            <a:r>
+              <a:rPr lang="zh-CN" altLang="en-US" sz="2000" dirty="0">
+                <a:latin typeface="Arial" panose="020B0604020202020204" pitchFamily="34" charset="0"/>
+                <a:sym typeface="Arial" panose="020B0604020202020204" pitchFamily="34" charset="0"/>
+              </a:rPr>
+              <a:t>的单词生成器</a:t>
+            </a:r>
+            <a:endParaRPr lang="en-US" altLang="zh-CN" sz="2000" dirty="0">
+              <a:latin typeface="Arial" panose="020B0604020202020204" pitchFamily="34" charset="0"/>
+              <a:sym typeface="Arial" panose="020B0604020202020204" pitchFamily="34" charset="0"/>
+            </a:endParaRPr>
+          </a:p>
+        </p:txBody>
+      </p:sp>
+      <p:sp>
+        <p:nvSpPr>
+          <p:cNvPr id="2" name="矩形 1">
+            <a:extLst>
+              <a:ext uri="{FF2B5EF4-FFF2-40B4-BE49-F238E27FC236}">
+                <a16:creationId xmlns:a16="http://schemas.microsoft.com/office/drawing/2014/main" id="{39A705B8-0E19-4716-9E98-92CF0A6FFC1E}"/>
+              </a:ext>
+            </a:extLst>
+          </p:cNvPr>
+          <p:cNvSpPr/>
+          <p:nvPr/>
+        </p:nvSpPr>
+        <p:spPr>
+          <a:xfrm>
+            <a:off x="1245981" y="2532905"/>
+            <a:ext cx="1353879" cy="517450"/>
+          </a:xfrm>
+          <a:prstGeom prst="rect">
+            <a:avLst/>
+          </a:prstGeom>
+          <a:gradFill flip="none" rotWithShape="1">
+            <a:gsLst>
+              <a:gs pos="0">
+                <a:schemeClr val="accent1"/>
+              </a:gs>
+              <a:gs pos="48000">
+                <a:schemeClr val="accent1">
+                  <a:lumMod val="60000"/>
+                  <a:lumOff val="40000"/>
+                </a:schemeClr>
+              </a:gs>
+              <a:gs pos="100000">
+                <a:schemeClr val="accent1">
+                  <a:lumMod val="60000"/>
+                  <a:lumOff val="40000"/>
+                </a:schemeClr>
+              </a:gs>
+            </a:gsLst>
+            <a:path path="rect">
+              <a:fillToRect l="100000" t="100000"/>
+            </a:path>
+            <a:tileRect r="-100000" b="-100000"/>
+          </a:gradFill>
+          <a:ln>
+            <a:solidFill>
+              <a:schemeClr val="bg1"/>
+            </a:solidFill>
+          </a:ln>
+          <a:effectLst>
+            <a:outerShdw blurRad="50800" dist="38100" dir="2700000" algn="tl" rotWithShape="0">
+              <a:prstClr val="black">
+                <a:alpha val="40000"/>
+              </a:prstClr>
+            </a:outerShdw>
+            <a:softEdge rad="12700"/>
+          </a:effectLst>
+        </p:spPr>
+        <p:style>
+          <a:lnRef idx="2">
+            <a:schemeClr val="accent1">
+              <a:shade val="50000"/>
+            </a:schemeClr>
+          </a:lnRef>
+          <a:fillRef idx="1">
+            <a:schemeClr val="accent1"/>
+          </a:fillRef>
+          <a:effectRef idx="0">
+            <a:schemeClr val="accent1"/>
+          </a:effectRef>
+          <a:fontRef idx="minor">
+            <a:schemeClr val="lt1"/>
+          </a:fontRef>
+        </p:style>
+        <p:txBody>
+          <a:bodyPr rtlCol="0" anchor="ctr"/>
+          <a:lstStyle/>
+          <a:p>
+            <a:pPr algn="ctr"/>
+            <a:r>
+              <a:rPr lang="en-US" altLang="zh-CN" dirty="0"/>
+              <a:t>Words.txt</a:t>
+            </a:r>
+            <a:endParaRPr lang="zh-CN" altLang="en-US" dirty="0"/>
+          </a:p>
+        </p:txBody>
+      </p:sp>
+      <p:sp>
+        <p:nvSpPr>
+          <p:cNvPr id="5" name="箭头: 右 4">
+            <a:extLst>
+              <a:ext uri="{FF2B5EF4-FFF2-40B4-BE49-F238E27FC236}">
+                <a16:creationId xmlns:a16="http://schemas.microsoft.com/office/drawing/2014/main" id="{EC56E4B4-2EE3-4CF9-980B-94CD0271BEB1}"/>
+              </a:ext>
+            </a:extLst>
+          </p:cNvPr>
+          <p:cNvSpPr/>
+          <p:nvPr/>
+        </p:nvSpPr>
+        <p:spPr>
+          <a:xfrm>
+            <a:off x="2924521" y="2679241"/>
+            <a:ext cx="574766" cy="224779"/>
+          </a:xfrm>
+          <a:prstGeom prst="rightArrow">
+            <a:avLst/>
+          </a:prstGeom>
+          <a:gradFill flip="none" rotWithShape="1">
+            <a:gsLst>
+              <a:gs pos="0">
+                <a:schemeClr val="accent3">
+                  <a:lumMod val="5000"/>
+                  <a:lumOff val="95000"/>
+                </a:schemeClr>
+              </a:gs>
+              <a:gs pos="74000">
+                <a:schemeClr val="accent3">
+                  <a:lumMod val="45000"/>
+                  <a:lumOff val="55000"/>
+                </a:schemeClr>
+              </a:gs>
+              <a:gs pos="83000">
+                <a:schemeClr val="accent3">
+                  <a:lumMod val="45000"/>
+                  <a:lumOff val="55000"/>
+                </a:schemeClr>
+              </a:gs>
+              <a:gs pos="100000">
+                <a:schemeClr val="accent3">
+                  <a:lumMod val="30000"/>
+                  <a:lumOff val="70000"/>
+                </a:schemeClr>
+              </a:gs>
+            </a:gsLst>
+            <a:lin ang="5400000" scaled="1"/>
+            <a:tileRect/>
+          </a:gradFill>
+          <a:ln>
+            <a:solidFill>
+              <a:schemeClr val="bg1">
+                <a:lumMod val="85000"/>
+              </a:schemeClr>
+            </a:solidFill>
+          </a:ln>
+        </p:spPr>
+        <p:style>
+          <a:lnRef idx="2">
+            <a:schemeClr val="dk1"/>
+          </a:lnRef>
+          <a:fillRef idx="1">
+            <a:schemeClr val="lt1"/>
+          </a:fillRef>
+          <a:effectRef idx="0">
+            <a:schemeClr val="dk1"/>
+          </a:effectRef>
+          <a:fontRef idx="minor">
+            <a:schemeClr val="dk1"/>
+          </a:fontRef>
+        </p:style>
+        <p:txBody>
+          <a:bodyPr rtlCol="0" anchor="ctr"/>
+          <a:lstStyle/>
+          <a:p>
+            <a:pPr algn="ctr"/>
+            <a:endParaRPr lang="zh-CN" altLang="en-US"/>
+          </a:p>
+        </p:txBody>
+      </p:sp>
+      <p:sp>
+        <p:nvSpPr>
+          <p:cNvPr id="9" name="矩形 8">
+            <a:extLst>
+              <a:ext uri="{FF2B5EF4-FFF2-40B4-BE49-F238E27FC236}">
+                <a16:creationId xmlns:a16="http://schemas.microsoft.com/office/drawing/2014/main" id="{312F01FE-1CE4-4007-8227-FEC47A13F70D}"/>
+              </a:ext>
+            </a:extLst>
+          </p:cNvPr>
+          <p:cNvSpPr/>
+          <p:nvPr/>
+        </p:nvSpPr>
+        <p:spPr>
+          <a:xfrm>
+            <a:off x="3823948" y="2532905"/>
+            <a:ext cx="1353879" cy="517450"/>
+          </a:xfrm>
+          <a:prstGeom prst="rect">
+            <a:avLst/>
+          </a:prstGeom>
+          <a:gradFill flip="none" rotWithShape="1">
+            <a:gsLst>
+              <a:gs pos="0">
+                <a:schemeClr val="accent1"/>
+              </a:gs>
+              <a:gs pos="48000">
+                <a:schemeClr val="accent1">
+                  <a:lumMod val="60000"/>
+                  <a:lumOff val="40000"/>
+                </a:schemeClr>
+              </a:gs>
+              <a:gs pos="100000">
+                <a:schemeClr val="accent1">
+                  <a:lumMod val="60000"/>
+                  <a:lumOff val="40000"/>
+                </a:schemeClr>
+              </a:gs>
+            </a:gsLst>
+            <a:path path="rect">
+              <a:fillToRect l="100000" t="100000"/>
+            </a:path>
+            <a:tileRect r="-100000" b="-100000"/>
+          </a:gradFill>
+          <a:ln>
+            <a:solidFill>
+              <a:schemeClr val="bg1"/>
+            </a:solidFill>
+          </a:ln>
+          <a:effectLst>
+            <a:outerShdw blurRad="50800" dist="38100" dir="2700000" algn="tl" rotWithShape="0">
+              <a:prstClr val="black">
+                <a:alpha val="40000"/>
+              </a:prstClr>
+            </a:outerShdw>
+            <a:softEdge rad="12700"/>
+          </a:effectLst>
+        </p:spPr>
+        <p:style>
+          <a:lnRef idx="2">
+            <a:schemeClr val="accent1">
+              <a:shade val="50000"/>
+            </a:schemeClr>
+          </a:lnRef>
+          <a:fillRef idx="1">
+            <a:schemeClr val="accent1"/>
+          </a:fillRef>
+          <a:effectRef idx="0">
+            <a:schemeClr val="accent1"/>
+          </a:effectRef>
+          <a:fontRef idx="minor">
+            <a:schemeClr val="lt1"/>
+          </a:fontRef>
+        </p:style>
+        <p:txBody>
+          <a:bodyPr rtlCol="0" anchor="ctr"/>
+          <a:lstStyle/>
+          <a:p>
+            <a:pPr algn="ctr"/>
+            <a:r>
+              <a:rPr lang="en-US" altLang="zh-CN" dirty="0"/>
+              <a:t>Bigram</a:t>
+            </a:r>
+            <a:endParaRPr lang="zh-CN" altLang="en-US" dirty="0"/>
+          </a:p>
+        </p:txBody>
+      </p:sp>
+      <p:sp>
+        <p:nvSpPr>
+          <p:cNvPr id="10" name="箭头: 右 9">
+            <a:extLst>
+              <a:ext uri="{FF2B5EF4-FFF2-40B4-BE49-F238E27FC236}">
+                <a16:creationId xmlns:a16="http://schemas.microsoft.com/office/drawing/2014/main" id="{375EE4BA-2919-49AD-B3A4-B1FA4F5F05A2}"/>
+              </a:ext>
+            </a:extLst>
+          </p:cNvPr>
+          <p:cNvSpPr/>
+          <p:nvPr/>
+        </p:nvSpPr>
+        <p:spPr>
+          <a:xfrm>
+            <a:off x="5502488" y="2679241"/>
+            <a:ext cx="574766" cy="224779"/>
+          </a:xfrm>
+          <a:prstGeom prst="rightArrow">
+            <a:avLst/>
+          </a:prstGeom>
+          <a:gradFill flip="none" rotWithShape="1">
+            <a:gsLst>
+              <a:gs pos="0">
+                <a:schemeClr val="accent3">
+                  <a:lumMod val="5000"/>
+                  <a:lumOff val="95000"/>
+                </a:schemeClr>
+              </a:gs>
+              <a:gs pos="74000">
+                <a:schemeClr val="accent3">
+                  <a:lumMod val="45000"/>
+                  <a:lumOff val="55000"/>
+                </a:schemeClr>
+              </a:gs>
+              <a:gs pos="83000">
+                <a:schemeClr val="accent3">
+                  <a:lumMod val="45000"/>
+                  <a:lumOff val="55000"/>
+                </a:schemeClr>
+              </a:gs>
+              <a:gs pos="100000">
+                <a:schemeClr val="accent3">
+                  <a:lumMod val="30000"/>
+                  <a:lumOff val="70000"/>
+                </a:schemeClr>
+              </a:gs>
+            </a:gsLst>
+            <a:lin ang="5400000" scaled="1"/>
+            <a:tileRect/>
+          </a:gradFill>
+          <a:ln>
+            <a:solidFill>
+              <a:schemeClr val="bg1">
+                <a:lumMod val="85000"/>
+              </a:schemeClr>
+            </a:solidFill>
+          </a:ln>
+        </p:spPr>
+        <p:style>
+          <a:lnRef idx="2">
+            <a:schemeClr val="dk1"/>
+          </a:lnRef>
+          <a:fillRef idx="1">
+            <a:schemeClr val="lt1"/>
+          </a:fillRef>
+          <a:effectRef idx="0">
+            <a:schemeClr val="dk1"/>
+          </a:effectRef>
+          <a:fontRef idx="minor">
+            <a:schemeClr val="dk1"/>
+          </a:fontRef>
+        </p:style>
+        <p:txBody>
+          <a:bodyPr rtlCol="0" anchor="ctr"/>
+          <a:lstStyle/>
+          <a:p>
+            <a:pPr algn="ctr"/>
+            <a:endParaRPr lang="zh-CN" altLang="en-US"/>
+          </a:p>
+        </p:txBody>
+      </p:sp>
+      <p:sp>
+        <p:nvSpPr>
+          <p:cNvPr id="11" name="矩形 10">
+            <a:extLst>
+              <a:ext uri="{FF2B5EF4-FFF2-40B4-BE49-F238E27FC236}">
+                <a16:creationId xmlns:a16="http://schemas.microsoft.com/office/drawing/2014/main" id="{14A3AED2-3CB8-411E-8FD2-B5CF1C105FE2}"/>
+              </a:ext>
+            </a:extLst>
+          </p:cNvPr>
+          <p:cNvSpPr/>
+          <p:nvPr/>
+        </p:nvSpPr>
+        <p:spPr>
+          <a:xfrm>
+            <a:off x="6401915" y="2532905"/>
+            <a:ext cx="1353879" cy="517450"/>
+          </a:xfrm>
+          <a:prstGeom prst="rect">
+            <a:avLst/>
+          </a:prstGeom>
+          <a:gradFill flip="none" rotWithShape="1">
+            <a:gsLst>
+              <a:gs pos="0">
+                <a:schemeClr val="accent1"/>
+              </a:gs>
+              <a:gs pos="48000">
+                <a:schemeClr val="accent1">
+                  <a:lumMod val="60000"/>
+                  <a:lumOff val="40000"/>
+                </a:schemeClr>
+              </a:gs>
+              <a:gs pos="100000">
+                <a:schemeClr val="accent1">
+                  <a:lumMod val="60000"/>
+                  <a:lumOff val="40000"/>
+                </a:schemeClr>
+              </a:gs>
+            </a:gsLst>
+            <a:path path="rect">
+              <a:fillToRect l="100000" t="100000"/>
+            </a:path>
+            <a:tileRect r="-100000" b="-100000"/>
+          </a:gradFill>
+          <a:ln>
+            <a:solidFill>
+              <a:schemeClr val="bg1"/>
+            </a:solidFill>
+          </a:ln>
+          <a:effectLst>
+            <a:outerShdw blurRad="50800" dist="38100" dir="2700000" algn="tl" rotWithShape="0">
+              <a:prstClr val="black">
+                <a:alpha val="40000"/>
+              </a:prstClr>
+            </a:outerShdw>
+            <a:softEdge rad="12700"/>
+          </a:effectLst>
+        </p:spPr>
+        <p:style>
+          <a:lnRef idx="2">
+            <a:schemeClr val="accent1">
+              <a:shade val="50000"/>
+            </a:schemeClr>
+          </a:lnRef>
+          <a:fillRef idx="1">
+            <a:schemeClr val="accent1"/>
+          </a:fillRef>
+          <a:effectRef idx="0">
+            <a:schemeClr val="accent1"/>
+          </a:effectRef>
+          <a:fontRef idx="minor">
+            <a:schemeClr val="lt1"/>
+          </a:fontRef>
+        </p:style>
+        <p:txBody>
+          <a:bodyPr rtlCol="0" anchor="ctr"/>
+          <a:lstStyle/>
+          <a:p>
+            <a:pPr algn="ctr"/>
+            <a:r>
+              <a:rPr lang="en-US" altLang="zh-CN" dirty="0"/>
+              <a:t>Train</a:t>
+            </a:r>
+            <a:endParaRPr lang="zh-CN" altLang="en-US" dirty="0"/>
+          </a:p>
+        </p:txBody>
+      </p:sp>
+      <p:sp>
+        <p:nvSpPr>
+          <p:cNvPr id="12" name="箭头: 右 11">
+            <a:extLst>
+              <a:ext uri="{FF2B5EF4-FFF2-40B4-BE49-F238E27FC236}">
+                <a16:creationId xmlns:a16="http://schemas.microsoft.com/office/drawing/2014/main" id="{7EEA3C32-AAA4-4CFE-93BB-95EAEBE2CDCC}"/>
+              </a:ext>
+            </a:extLst>
+          </p:cNvPr>
+          <p:cNvSpPr/>
+          <p:nvPr/>
+        </p:nvSpPr>
+        <p:spPr>
+          <a:xfrm>
+            <a:off x="8080455" y="2679241"/>
+            <a:ext cx="574766" cy="224779"/>
+          </a:xfrm>
+          <a:prstGeom prst="rightArrow">
+            <a:avLst/>
+          </a:prstGeom>
+          <a:gradFill flip="none" rotWithShape="1">
+            <a:gsLst>
+              <a:gs pos="0">
+                <a:schemeClr val="accent3">
+                  <a:lumMod val="5000"/>
+                  <a:lumOff val="95000"/>
+                </a:schemeClr>
+              </a:gs>
+              <a:gs pos="74000">
+                <a:schemeClr val="accent3">
+                  <a:lumMod val="45000"/>
+                  <a:lumOff val="55000"/>
+                </a:schemeClr>
+              </a:gs>
+              <a:gs pos="83000">
+                <a:schemeClr val="accent3">
+                  <a:lumMod val="45000"/>
+                  <a:lumOff val="55000"/>
+                </a:schemeClr>
+              </a:gs>
+              <a:gs pos="100000">
+                <a:schemeClr val="accent3">
+                  <a:lumMod val="30000"/>
+                  <a:lumOff val="70000"/>
+                </a:schemeClr>
+              </a:gs>
+            </a:gsLst>
+            <a:lin ang="5400000" scaled="1"/>
+            <a:tileRect/>
+          </a:gradFill>
+          <a:ln>
+            <a:solidFill>
+              <a:schemeClr val="bg1">
+                <a:lumMod val="85000"/>
+              </a:schemeClr>
+            </a:solidFill>
+          </a:ln>
+        </p:spPr>
+        <p:style>
+          <a:lnRef idx="2">
+            <a:schemeClr val="dk1"/>
+          </a:lnRef>
+          <a:fillRef idx="1">
+            <a:schemeClr val="lt1"/>
+          </a:fillRef>
+          <a:effectRef idx="0">
+            <a:schemeClr val="dk1"/>
+          </a:effectRef>
+          <a:fontRef idx="minor">
+            <a:schemeClr val="dk1"/>
+          </a:fontRef>
+        </p:style>
+        <p:txBody>
+          <a:bodyPr rtlCol="0" anchor="ctr"/>
+          <a:lstStyle/>
+          <a:p>
+            <a:pPr algn="ctr"/>
+            <a:endParaRPr lang="zh-CN" altLang="en-US"/>
+          </a:p>
+        </p:txBody>
+      </p:sp>
+      <p:sp>
+        <p:nvSpPr>
+          <p:cNvPr id="13" name="矩形 12">
+            <a:extLst>
+              <a:ext uri="{FF2B5EF4-FFF2-40B4-BE49-F238E27FC236}">
+                <a16:creationId xmlns:a16="http://schemas.microsoft.com/office/drawing/2014/main" id="{126D8DA4-5615-4575-A3F7-C439CDE31D46}"/>
+              </a:ext>
+            </a:extLst>
+          </p:cNvPr>
+          <p:cNvSpPr/>
+          <p:nvPr/>
+        </p:nvSpPr>
+        <p:spPr>
+          <a:xfrm>
+            <a:off x="8979882" y="2532905"/>
+            <a:ext cx="1767731" cy="517450"/>
+          </a:xfrm>
+          <a:prstGeom prst="rect">
+            <a:avLst/>
+          </a:prstGeom>
+          <a:gradFill flip="none" rotWithShape="1">
+            <a:gsLst>
+              <a:gs pos="0">
+                <a:schemeClr val="accent1"/>
+              </a:gs>
+              <a:gs pos="48000">
+                <a:schemeClr val="accent1">
+                  <a:lumMod val="60000"/>
+                  <a:lumOff val="40000"/>
+                </a:schemeClr>
+              </a:gs>
+              <a:gs pos="100000">
+                <a:schemeClr val="accent1">
+                  <a:lumMod val="60000"/>
+                  <a:lumOff val="40000"/>
+                </a:schemeClr>
+              </a:gs>
+            </a:gsLst>
+            <a:path path="rect">
+              <a:fillToRect l="100000" t="100000"/>
+            </a:path>
+            <a:tileRect r="-100000" b="-100000"/>
+          </a:gradFill>
+          <a:ln>
+            <a:solidFill>
+              <a:schemeClr val="bg1"/>
+            </a:solidFill>
+          </a:ln>
+          <a:effectLst>
+            <a:outerShdw blurRad="50800" dist="38100" dir="2700000" algn="tl" rotWithShape="0">
+              <a:prstClr val="black">
+                <a:alpha val="40000"/>
+              </a:prstClr>
+            </a:outerShdw>
+            <a:softEdge rad="12700"/>
+          </a:effectLst>
+        </p:spPr>
+        <p:style>
+          <a:lnRef idx="2">
+            <a:schemeClr val="accent1">
+              <a:shade val="50000"/>
+            </a:schemeClr>
+          </a:lnRef>
+          <a:fillRef idx="1">
+            <a:schemeClr val="accent1"/>
+          </a:fillRef>
+          <a:effectRef idx="0">
+            <a:schemeClr val="accent1"/>
+          </a:effectRef>
+          <a:fontRef idx="minor">
+            <a:schemeClr val="lt1"/>
+          </a:fontRef>
+        </p:style>
+        <p:txBody>
+          <a:bodyPr rtlCol="0" anchor="ctr"/>
+          <a:lstStyle/>
+          <a:p>
+            <a:pPr algn="ctr"/>
+            <a:r>
+              <a:rPr lang="en-US" altLang="zh-CN" dirty="0"/>
+              <a:t>Create Words</a:t>
+            </a:r>
+            <a:endParaRPr lang="zh-CN" altLang="en-US" dirty="0"/>
+          </a:p>
+        </p:txBody>
+      </p:sp>
+      <p:sp>
+        <p:nvSpPr>
+          <p:cNvPr id="15" name="文本框 14">
+            <a:extLst>
+              <a:ext uri="{FF2B5EF4-FFF2-40B4-BE49-F238E27FC236}">
+                <a16:creationId xmlns:a16="http://schemas.microsoft.com/office/drawing/2014/main" id="{FD4AC711-8986-4CD4-90A5-C680CE7632C1}"/>
+              </a:ext>
+            </a:extLst>
+          </p:cNvPr>
+          <p:cNvSpPr txBox="1"/>
+          <p:nvPr/>
+        </p:nvSpPr>
+        <p:spPr>
+          <a:xfrm>
+            <a:off x="1125726" y="5798126"/>
+            <a:ext cx="9737892" cy="646331"/>
+          </a:xfrm>
+          <a:prstGeom prst="rect">
+            <a:avLst/>
+          </a:prstGeom>
+          <a:noFill/>
+        </p:spPr>
+        <p:txBody>
+          <a:bodyPr wrap="square">
+            <a:spAutoFit/>
+          </a:bodyPr>
+          <a:lstStyle/>
+          <a:p>
+            <a:r>
+              <a:rPr lang="en-US" altLang="zh-CN" dirty="0" err="1">
+                <a:hlinkClick r:id="rId3"/>
+              </a:rPr>
+              <a:t>karpathy</a:t>
+            </a:r>
+            <a:r>
+              <a:rPr lang="en-US" altLang="zh-CN" dirty="0">
+                <a:hlinkClick r:id="rId3"/>
+              </a:rPr>
+              <a:t>/</a:t>
+            </a:r>
+            <a:r>
+              <a:rPr lang="en-US" altLang="zh-CN" dirty="0" err="1">
+                <a:hlinkClick r:id="rId3"/>
+              </a:rPr>
+              <a:t>makemore</a:t>
+            </a:r>
+            <a:r>
+              <a:rPr lang="en-US" altLang="zh-CN" dirty="0">
+                <a:hlinkClick r:id="rId3"/>
+              </a:rPr>
+              <a:t>: An autoregressive character-level language model for making more things (github.com)</a:t>
+            </a:r>
+            <a:endParaRPr lang="zh-CN" altLang="en-US" dirty="0"/>
+          </a:p>
+        </p:txBody>
+      </p:sp>
+      <p:sp>
+        <p:nvSpPr>
+          <p:cNvPr id="16" name="标题 2">
+            <a:extLst>
+              <a:ext uri="{FF2B5EF4-FFF2-40B4-BE49-F238E27FC236}">
+                <a16:creationId xmlns:a16="http://schemas.microsoft.com/office/drawing/2014/main" id="{C00E8BEA-61E3-44D6-932C-C6068D7DF0B2}"/>
+              </a:ext>
+            </a:extLst>
+          </p:cNvPr>
+          <p:cNvSpPr txBox="1">
+            <a:spLocks/>
+          </p:cNvSpPr>
+          <p:nvPr/>
+        </p:nvSpPr>
+        <p:spPr>
+          <a:xfrm>
+            <a:off x="4094114" y="3446060"/>
+            <a:ext cx="2698222" cy="1943087"/>
+          </a:xfrm>
+          <a:prstGeom prst="rect">
+            <a:avLst/>
+          </a:prstGeom>
+        </p:spPr>
+        <p:txBody>
+          <a:bodyPr vert="horz" lIns="91440" tIns="45720" rIns="91440" bIns="45720" rtlCol="0" anchor="ctr">
+            <a:noAutofit/>
+          </a:bodyPr>
+          <a:lstStyle>
+            <a:lvl1pPr marL="0" algn="l" defTabSz="685800" rtl="0" eaLnBrk="1" latinLnBrk="0" hangingPunct="1">
+              <a:lnSpc>
+                <a:spcPct val="100000"/>
+              </a:lnSpc>
+              <a:spcBef>
+                <a:spcPct val="0"/>
+              </a:spcBef>
+              <a:buNone/>
+              <a:defRPr lang="en-US" sz="3200" b="1" kern="1200" dirty="0">
+                <a:solidFill>
+                  <a:srgbClr val="002060"/>
+                </a:solidFill>
+                <a:latin typeface="微软雅黑" panose="020B0503020204020204" pitchFamily="34" charset="-122"/>
+                <a:ea typeface="微软雅黑" pitchFamily="34" charset="-122"/>
+                <a:cs typeface="+mn-cs"/>
+              </a:defRPr>
+            </a:lvl1pPr>
+          </a:lstStyle>
+          <a:p>
+            <a:r>
+              <a:rPr lang="zh-CN" altLang="en-US" sz="2000" dirty="0">
+                <a:latin typeface="Arial" panose="020B0604020202020204" pitchFamily="34" charset="0"/>
+                <a:sym typeface="Arial" panose="020B0604020202020204" pitchFamily="34" charset="0"/>
+              </a:rPr>
+              <a:t>基于</a:t>
+            </a:r>
+            <a:r>
+              <a:rPr lang="en-US" altLang="zh-CN" sz="2000" dirty="0">
+                <a:solidFill>
+                  <a:srgbClr val="FF0000"/>
+                </a:solidFill>
+                <a:latin typeface="Arial" panose="020B0604020202020204" pitchFamily="34" charset="0"/>
+                <a:sym typeface="Arial" panose="020B0604020202020204" pitchFamily="34" charset="0"/>
+              </a:rPr>
+              <a:t>Pytorch</a:t>
+            </a:r>
+            <a:r>
+              <a:rPr lang="zh-CN" altLang="en-US" sz="2000" dirty="0">
+                <a:latin typeface="Arial" panose="020B0604020202020204" pitchFamily="34" charset="0"/>
+                <a:sym typeface="Arial" panose="020B0604020202020204" pitchFamily="34" charset="0"/>
+              </a:rPr>
+              <a:t>实现：</a:t>
+            </a:r>
+            <a:endParaRPr lang="en-US" altLang="zh-CN" sz="2000" dirty="0">
+              <a:latin typeface="Arial" panose="020B0604020202020204" pitchFamily="34" charset="0"/>
+              <a:sym typeface="Arial" panose="020B0604020202020204" pitchFamily="34" charset="0"/>
+            </a:endParaRPr>
+          </a:p>
+          <a:p>
+            <a:r>
+              <a:rPr lang="en-US" altLang="zh-CN" sz="2000" dirty="0">
+                <a:latin typeface="Arial" panose="020B0604020202020204" pitchFamily="34" charset="0"/>
+                <a:sym typeface="Arial" panose="020B0604020202020204" pitchFamily="34" charset="0"/>
+              </a:rPr>
+              <a:t>	1. one_hot</a:t>
+            </a:r>
+          </a:p>
+          <a:p>
+            <a:r>
+              <a:rPr lang="en-US" altLang="zh-CN" sz="2000" dirty="0">
+                <a:latin typeface="Arial" panose="020B0604020202020204" pitchFamily="34" charset="0"/>
+                <a:sym typeface="Arial" panose="020B0604020202020204" pitchFamily="34" charset="0"/>
+              </a:rPr>
+              <a:t>	2. arrange</a:t>
+            </a:r>
+          </a:p>
+          <a:p>
+            <a:r>
+              <a:rPr lang="en-US" altLang="zh-CN" sz="2000" dirty="0">
+                <a:latin typeface="Arial" panose="020B0604020202020204" pitchFamily="34" charset="0"/>
+                <a:sym typeface="Arial" panose="020B0604020202020204" pitchFamily="34" charset="0"/>
+              </a:rPr>
+              <a:t>	3. Generator</a:t>
+            </a:r>
+          </a:p>
+          <a:p>
+            <a:r>
+              <a:rPr lang="en-US" altLang="zh-CN" sz="2000" dirty="0">
+                <a:latin typeface="Arial" panose="020B0604020202020204" pitchFamily="34" charset="0"/>
+                <a:sym typeface="Arial" panose="020B0604020202020204" pitchFamily="34" charset="0"/>
+              </a:rPr>
+              <a:t>	4. multinomial</a:t>
+            </a:r>
+          </a:p>
+          <a:p>
+            <a:r>
+              <a:rPr lang="en-US" altLang="zh-CN" sz="2000" dirty="0">
+                <a:latin typeface="Arial" panose="020B0604020202020204" pitchFamily="34" charset="0"/>
+                <a:sym typeface="Arial" panose="020B0604020202020204" pitchFamily="34" charset="0"/>
+              </a:rPr>
+              <a:t>	……</a:t>
+            </a:r>
+          </a:p>
+        </p:txBody>
+      </p:sp>
+    </p:spTree>
+    <p:extLst>
+      <p:ext uri="{BB962C8B-B14F-4D97-AF65-F5344CB8AC3E}">
+        <p14:creationId xmlns:p14="http://schemas.microsoft.com/office/powerpoint/2010/main" val="640198791"/>
+      </p:ext>
+    </p:extLst>
+  </p:cSld>
+  <p:clrMapOvr>
+    <a:masterClrMapping/>
+  </p:clrMapOvr>
+  <p:transition advClick="0" advTm="0"/>
+</p:sld>
+</file>
+
+<file path=ppt/slides/slide3.xml><?xml version="1.0" encoding="utf-8"?>
+<p:sld xmlns:a="http://schemas.openxmlformats.org/drawingml/2006/main" xmlns:r="http://schemas.openxmlformats.org/officeDocument/2006/relationships" xmlns:p="http://schemas.openxmlformats.org/presentationml/2006/main">
+  <p:cSld>
+    <p:spTree>
+      <p:nvGrpSpPr>
+        <p:cNvPr id="1" name=""/>
+        <p:cNvGrpSpPr/>
+        <p:nvPr/>
+      </p:nvGrpSpPr>
+      <p:grpSpPr>
+        <a:xfrm>
+          <a:off x="0" y="0"/>
+          <a:ext cx="0" cy="0"/>
+          <a:chOff x="0" y="0"/>
+          <a:chExt cx="0" cy="0"/>
+        </a:xfrm>
+      </p:grpSpPr>
+      <p:sp>
+        <p:nvSpPr>
+          <p:cNvPr id="4" name="矩形 12">
+            <a:extLst>
+              <a:ext uri="{FF2B5EF4-FFF2-40B4-BE49-F238E27FC236}">
+                <a16:creationId xmlns:a16="http://schemas.microsoft.com/office/drawing/2014/main" id="{F6BF20CA-7F00-436B-BCF9-2855E5BD74A3}"/>
+              </a:ext>
+            </a:extLst>
+          </p:cNvPr>
+          <p:cNvSpPr>
+            <a:spLocks noChangeArrowheads="1"/>
+          </p:cNvSpPr>
+          <p:nvPr/>
+        </p:nvSpPr>
+        <p:spPr bwMode="auto">
+          <a:xfrm>
+            <a:off x="385125" y="188641"/>
+            <a:ext cx="11568417" cy="584775"/>
+          </a:xfrm>
+          <a:prstGeom prst="rect">
+            <a:avLst/>
+          </a:prstGeom>
+          <a:noFill/>
+          <a:ln>
+            <a:noFill/>
+          </a:ln>
+          <a:extLst>
+            <a:ext uri="{909E8E84-426E-40DD-AFC4-6F175D3DCCD1}">
+              <a14:hiddenFill xmlns:a14="http://schemas.microsoft.com/office/drawing/2010/main">
+                <a:solidFill>
+                  <a:srgbClr val="FFFFFF"/>
+                </a:solidFill>
+              </a14:hiddenFill>
+            </a:ext>
+            <a:ext uri="{91240B29-F687-4F45-9708-019B960494DF}">
+              <a14:hiddenLine xmlns:a14="http://schemas.microsoft.com/office/drawing/2010/main" w="9525">
+                <a:solidFill>
+                  <a:srgbClr val="000000"/>
+                </a:solidFill>
+                <a:miter lim="800000"/>
+                <a:headEnd/>
+                <a:tailEnd/>
+              </a14:hiddenLine>
+            </a:ext>
+          </a:extLst>
+        </p:spPr>
+        <p:txBody>
+          <a:bodyPr wrap="square">
+            <a:spAutoFit/>
+          </a:bodyPr>
+          <a:lstStyle/>
+          <a:p>
+            <a:pPr marL="0" lvl="1" defTabSz="457200">
+              <a:buClr>
+                <a:srgbClr val="FF0000"/>
+              </a:buClr>
+              <a:buSzPct val="100000"/>
+            </a:pPr>
+            <a:r>
+              <a:rPr lang="en-US" altLang="zh-CN" sz="3200" b="1" dirty="0">
+                <a:solidFill>
+                  <a:schemeClr val="bg1"/>
+                </a:solidFill>
+                <a:latin typeface="Arial" panose="020B0604020202020204" pitchFamily="34" charset="0"/>
+                <a:ea typeface="微软雅黑" panose="020B0503020204020204" pitchFamily="34" charset="-122"/>
+                <a:cs typeface="+mn-ea"/>
+                <a:sym typeface="Arial" panose="020B0604020202020204" pitchFamily="34" charset="0"/>
+              </a:rPr>
+              <a:t>1.1 </a:t>
+            </a:r>
+            <a:r>
+              <a:rPr lang="zh-CN" altLang="en-US" sz="3200" b="1" dirty="0">
+                <a:solidFill>
+                  <a:schemeClr val="bg1"/>
+                </a:solidFill>
+                <a:latin typeface="Arial" panose="020B0604020202020204" pitchFamily="34" charset="0"/>
+                <a:ea typeface="微软雅黑" panose="020B0503020204020204" pitchFamily="34" charset="-122"/>
+                <a:cs typeface="+mn-ea"/>
+                <a:sym typeface="Arial" panose="020B0604020202020204" pitchFamily="34" charset="0"/>
+              </a:rPr>
+              <a:t>大气污染研究意义</a:t>
+            </a:r>
+          </a:p>
+        </p:txBody>
+      </p:sp>
+      <p:sp>
+        <p:nvSpPr>
+          <p:cNvPr id="3" name="标题 2">
+            <a:extLst>
+              <a:ext uri="{FF2B5EF4-FFF2-40B4-BE49-F238E27FC236}">
+                <a16:creationId xmlns:a16="http://schemas.microsoft.com/office/drawing/2014/main" id="{23511F03-0FA2-491A-BB93-1916D1A435B2}"/>
+              </a:ext>
+            </a:extLst>
+          </p:cNvPr>
+          <p:cNvSpPr>
+            <a:spLocks noGrp="1"/>
+          </p:cNvSpPr>
+          <p:nvPr>
+            <p:ph type="title"/>
+          </p:nvPr>
+        </p:nvSpPr>
+        <p:spPr/>
+        <p:txBody>
+          <a:bodyPr/>
+          <a:lstStyle/>
+          <a:p>
+            <a:r>
+              <a:rPr lang="en-US" altLang="zh-CN" dirty="0">
+                <a:latin typeface="Arial" panose="020B0604020202020204" pitchFamily="34" charset="0"/>
+                <a:sym typeface="Arial" panose="020B0604020202020204" pitchFamily="34" charset="0"/>
+              </a:rPr>
+              <a:t>2. Bigram</a:t>
+            </a:r>
+            <a:endParaRPr lang="zh-CN" altLang="en-US" dirty="0">
+              <a:latin typeface="Arial" panose="020B0604020202020204" pitchFamily="34" charset="0"/>
+              <a:sym typeface="Arial" panose="020B0604020202020204" pitchFamily="34" charset="0"/>
+            </a:endParaRPr>
+          </a:p>
+        </p:txBody>
+      </p:sp>
+      <p:sp>
+        <p:nvSpPr>
+          <p:cNvPr id="7" name="灯片编号占位符 6">
+            <a:extLst>
+              <a:ext uri="{FF2B5EF4-FFF2-40B4-BE49-F238E27FC236}">
+                <a16:creationId xmlns:a16="http://schemas.microsoft.com/office/drawing/2014/main" id="{E5A1D114-3409-4CE9-83C9-021FA211102E}"/>
+              </a:ext>
+            </a:extLst>
+          </p:cNvPr>
+          <p:cNvSpPr>
+            <a:spLocks noGrp="1"/>
+          </p:cNvSpPr>
+          <p:nvPr>
+            <p:ph type="sldNum" sz="quarter" idx="16"/>
+          </p:nvPr>
+        </p:nvSpPr>
+        <p:spPr/>
+        <p:txBody>
+          <a:bodyPr/>
+          <a:lstStyle/>
+          <a:p>
+            <a:pPr>
+              <a:defRPr/>
+            </a:pPr>
+            <a:fld id="{26F565BE-27A9-4834-BA3A-D46EFBA6086A}" type="slidenum">
+              <a:rPr lang="zh-CN" altLang="en-US" smtClean="0">
+                <a:latin typeface="Arial" panose="020B0604020202020204" pitchFamily="34" charset="0"/>
+                <a:sym typeface="Arial" panose="020B0604020202020204" pitchFamily="34" charset="0"/>
+              </a:rPr>
+              <a:pPr>
+                <a:defRPr/>
+              </a:pPr>
+              <a:t>3</a:t>
+            </a:fld>
+            <a:endParaRPr lang="zh-CN" altLang="en-US" dirty="0">
+              <a:latin typeface="Arial" panose="020B0604020202020204" pitchFamily="34" charset="0"/>
+              <a:sym typeface="Arial" panose="020B0604020202020204" pitchFamily="34" charset="0"/>
+            </a:endParaRPr>
+          </a:p>
+        </p:txBody>
+      </p:sp>
+      <p:cxnSp>
+        <p:nvCxnSpPr>
+          <p:cNvPr id="8" name="直接连接符 7">
+            <a:extLst>
+              <a:ext uri="{FF2B5EF4-FFF2-40B4-BE49-F238E27FC236}">
+                <a16:creationId xmlns:a16="http://schemas.microsoft.com/office/drawing/2014/main" id="{7DA522CE-2F4E-4377-944A-0BFC6047D076}"/>
+              </a:ext>
+            </a:extLst>
+          </p:cNvPr>
+          <p:cNvCxnSpPr>
+            <a:cxnSpLocks/>
+          </p:cNvCxnSpPr>
+          <p:nvPr/>
+        </p:nvCxnSpPr>
+        <p:spPr>
+          <a:xfrm>
+            <a:off x="0" y="824357"/>
+            <a:ext cx="3877337" cy="0"/>
+          </a:xfrm>
+          <a:prstGeom prst="line">
+            <a:avLst/>
+          </a:prstGeom>
+          <a:ln w="31750">
+            <a:gradFill flip="none" rotWithShape="1">
+              <a:gsLst>
+                <a:gs pos="0">
+                  <a:schemeClr val="accent1">
+                    <a:lumMod val="40000"/>
+                    <a:lumOff val="60000"/>
+                  </a:schemeClr>
+                </a:gs>
+                <a:gs pos="46000">
+                  <a:schemeClr val="accent1">
+                    <a:lumMod val="40000"/>
+                    <a:lumOff val="60000"/>
+                  </a:schemeClr>
+                </a:gs>
+                <a:gs pos="100000">
+                  <a:schemeClr val="accent1">
+                    <a:lumMod val="75000"/>
+                  </a:schemeClr>
+                </a:gs>
+              </a:gsLst>
+              <a:lin ang="10800000" scaled="0"/>
+              <a:tileRect/>
+            </a:gradFill>
+          </a:ln>
+        </p:spPr>
+        <p:style>
+          <a:lnRef idx="3">
+            <a:schemeClr val="dk1"/>
+          </a:lnRef>
+          <a:fillRef idx="0">
+            <a:schemeClr val="dk1"/>
+          </a:fillRef>
+          <a:effectRef idx="2">
+            <a:schemeClr val="dk1"/>
+          </a:effectRef>
+          <a:fontRef idx="minor">
+            <a:schemeClr val="tx1"/>
+          </a:fontRef>
+        </p:style>
+      </p:cxnSp>
+      <p:sp>
+        <p:nvSpPr>
+          <p:cNvPr id="6" name="标题 2">
+            <a:extLst>
+              <a:ext uri="{FF2B5EF4-FFF2-40B4-BE49-F238E27FC236}">
+                <a16:creationId xmlns:a16="http://schemas.microsoft.com/office/drawing/2014/main" id="{09993C9F-CEC6-4E4D-9B9C-77EB7EA7BD17}"/>
+              </a:ext>
+            </a:extLst>
+          </p:cNvPr>
+          <p:cNvSpPr txBox="1">
+            <a:spLocks/>
+          </p:cNvSpPr>
+          <p:nvPr/>
+        </p:nvSpPr>
+        <p:spPr>
+          <a:xfrm>
+            <a:off x="2548882" y="691840"/>
+            <a:ext cx="1275066" cy="650974"/>
+          </a:xfrm>
+          <a:prstGeom prst="rect">
+            <a:avLst/>
+          </a:prstGeom>
+        </p:spPr>
+        <p:txBody>
+          <a:bodyPr vert="horz" lIns="91440" tIns="45720" rIns="91440" bIns="45720" rtlCol="0" anchor="ctr">
+            <a:noAutofit/>
+          </a:bodyPr>
+          <a:lstStyle>
+            <a:lvl1pPr marL="0" algn="l" defTabSz="685800" rtl="0" eaLnBrk="1" latinLnBrk="0" hangingPunct="1">
+              <a:lnSpc>
+                <a:spcPct val="100000"/>
+              </a:lnSpc>
+              <a:spcBef>
+                <a:spcPct val="0"/>
+              </a:spcBef>
+              <a:buNone/>
+              <a:defRPr lang="en-US" sz="3200" b="1" kern="1200" dirty="0">
+                <a:solidFill>
+                  <a:srgbClr val="002060"/>
+                </a:solidFill>
+                <a:latin typeface="微软雅黑" panose="020B0503020204020204" pitchFamily="34" charset="-122"/>
+                <a:ea typeface="微软雅黑" pitchFamily="34" charset="-122"/>
+                <a:cs typeface="+mn-cs"/>
+              </a:defRPr>
+            </a:lvl1pPr>
+          </a:lstStyle>
+          <a:p>
+            <a:r>
+              <a:rPr lang="zh-CN" altLang="en-US" sz="2000" dirty="0">
+                <a:latin typeface="Arial" panose="020B0604020202020204" pitchFamily="34" charset="0"/>
+                <a:sym typeface="Arial" panose="020B0604020202020204" pitchFamily="34" charset="0"/>
+              </a:rPr>
+              <a:t>核心结构</a:t>
+            </a:r>
+            <a:endParaRPr lang="en-US" altLang="zh-CN" sz="2000" dirty="0">
+              <a:latin typeface="Arial" panose="020B0604020202020204" pitchFamily="34" charset="0"/>
+              <a:sym typeface="Arial" panose="020B0604020202020204" pitchFamily="34" charset="0"/>
+            </a:endParaRPr>
+          </a:p>
+        </p:txBody>
+      </p:sp>
+      <p:grpSp>
+        <p:nvGrpSpPr>
+          <p:cNvPr id="53" name="组合 52">
+            <a:extLst>
+              <a:ext uri="{FF2B5EF4-FFF2-40B4-BE49-F238E27FC236}">
+                <a16:creationId xmlns:a16="http://schemas.microsoft.com/office/drawing/2014/main" id="{3D059B85-8AE6-4AD8-B01B-9FBE10964736}"/>
+              </a:ext>
+            </a:extLst>
+          </p:cNvPr>
+          <p:cNvGrpSpPr/>
+          <p:nvPr/>
+        </p:nvGrpSpPr>
+        <p:grpSpPr>
+          <a:xfrm>
+            <a:off x="385125" y="1846013"/>
+            <a:ext cx="5184557" cy="4358602"/>
+            <a:chOff x="1066116" y="1846013"/>
+            <a:chExt cx="5184557" cy="4358602"/>
+          </a:xfrm>
+        </p:grpSpPr>
+        <p:sp>
+          <p:nvSpPr>
+            <p:cNvPr id="14" name="椭圆 13">
+              <a:extLst>
+                <a:ext uri="{FF2B5EF4-FFF2-40B4-BE49-F238E27FC236}">
+                  <a16:creationId xmlns:a16="http://schemas.microsoft.com/office/drawing/2014/main" id="{052F4CDD-71A4-4BCB-B192-4F8E6BCBAABF}"/>
+                </a:ext>
+              </a:extLst>
+            </p:cNvPr>
+            <p:cNvSpPr/>
+            <p:nvPr/>
+          </p:nvSpPr>
+          <p:spPr>
+            <a:xfrm>
+              <a:off x="1066116" y="3585547"/>
+              <a:ext cx="597541" cy="609190"/>
+            </a:xfrm>
+            <a:prstGeom prst="ellipse">
+              <a:avLst/>
+            </a:prstGeom>
+          </p:spPr>
+          <p:style>
+            <a:lnRef idx="2">
+              <a:schemeClr val="dk1"/>
+            </a:lnRef>
+            <a:fillRef idx="1">
+              <a:schemeClr val="lt1"/>
+            </a:fillRef>
+            <a:effectRef idx="0">
+              <a:schemeClr val="dk1"/>
+            </a:effectRef>
+            <a:fontRef idx="minor">
+              <a:schemeClr val="dk1"/>
+            </a:fontRef>
+          </p:style>
+          <p:txBody>
+            <a:bodyPr rtlCol="0" anchor="ctr"/>
+            <a:lstStyle/>
+            <a:p>
+              <a:pPr algn="ctr"/>
+              <a:endParaRPr lang="zh-CN" altLang="en-US"/>
+            </a:p>
+          </p:txBody>
+        </p:sp>
+        <p:sp>
+          <p:nvSpPr>
+            <p:cNvPr id="17" name="椭圆 16">
+              <a:extLst>
+                <a:ext uri="{FF2B5EF4-FFF2-40B4-BE49-F238E27FC236}">
+                  <a16:creationId xmlns:a16="http://schemas.microsoft.com/office/drawing/2014/main" id="{91CC7830-EF21-47C6-AC67-D54C6B33D870}"/>
+                </a:ext>
+              </a:extLst>
+            </p:cNvPr>
+            <p:cNvSpPr/>
+            <p:nvPr/>
+          </p:nvSpPr>
+          <p:spPr>
+            <a:xfrm>
+              <a:off x="3279796" y="1846013"/>
+              <a:ext cx="597541" cy="609190"/>
+            </a:xfrm>
+            <a:prstGeom prst="ellipse">
+              <a:avLst/>
+            </a:prstGeom>
+          </p:spPr>
+          <p:style>
+            <a:lnRef idx="2">
+              <a:schemeClr val="dk1"/>
+            </a:lnRef>
+            <a:fillRef idx="1">
+              <a:schemeClr val="lt1"/>
+            </a:fillRef>
+            <a:effectRef idx="0">
+              <a:schemeClr val="dk1"/>
+            </a:effectRef>
+            <a:fontRef idx="minor">
+              <a:schemeClr val="dk1"/>
+            </a:fontRef>
+          </p:style>
+          <p:txBody>
+            <a:bodyPr rtlCol="0" anchor="ctr"/>
+            <a:lstStyle/>
+            <a:p>
+              <a:pPr algn="ctr"/>
+              <a:endParaRPr lang="zh-CN" altLang="en-US"/>
+            </a:p>
+          </p:txBody>
+        </p:sp>
+        <p:sp>
+          <p:nvSpPr>
+            <p:cNvPr id="18" name="椭圆 17">
+              <a:extLst>
+                <a:ext uri="{FF2B5EF4-FFF2-40B4-BE49-F238E27FC236}">
+                  <a16:creationId xmlns:a16="http://schemas.microsoft.com/office/drawing/2014/main" id="{84BB8BAB-F6B5-4E75-852B-C48B78E5CE9E}"/>
+                </a:ext>
+              </a:extLst>
+            </p:cNvPr>
+            <p:cNvSpPr/>
+            <p:nvPr/>
+          </p:nvSpPr>
+          <p:spPr>
+            <a:xfrm>
+              <a:off x="3279796" y="2733117"/>
+              <a:ext cx="597541" cy="609190"/>
+            </a:xfrm>
+            <a:prstGeom prst="ellipse">
+              <a:avLst/>
+            </a:prstGeom>
+          </p:spPr>
+          <p:style>
+            <a:lnRef idx="2">
+              <a:schemeClr val="dk1"/>
+            </a:lnRef>
+            <a:fillRef idx="1">
+              <a:schemeClr val="lt1"/>
+            </a:fillRef>
+            <a:effectRef idx="0">
+              <a:schemeClr val="dk1"/>
+            </a:effectRef>
+            <a:fontRef idx="minor">
+              <a:schemeClr val="dk1"/>
+            </a:fontRef>
+          </p:style>
+          <p:txBody>
+            <a:bodyPr rtlCol="0" anchor="ctr"/>
+            <a:lstStyle/>
+            <a:p>
+              <a:pPr algn="ctr"/>
+              <a:endParaRPr lang="zh-CN" altLang="en-US"/>
+            </a:p>
+          </p:txBody>
+        </p:sp>
+        <p:sp>
+          <p:nvSpPr>
+            <p:cNvPr id="19" name="椭圆 18">
+              <a:extLst>
+                <a:ext uri="{FF2B5EF4-FFF2-40B4-BE49-F238E27FC236}">
+                  <a16:creationId xmlns:a16="http://schemas.microsoft.com/office/drawing/2014/main" id="{77E1EA5A-7A19-4083-984D-B2B2F730E7DB}"/>
+                </a:ext>
+              </a:extLst>
+            </p:cNvPr>
+            <p:cNvSpPr/>
+            <p:nvPr/>
+          </p:nvSpPr>
+          <p:spPr>
+            <a:xfrm>
+              <a:off x="3279795" y="3585547"/>
+              <a:ext cx="597541" cy="609190"/>
+            </a:xfrm>
+            <a:prstGeom prst="ellipse">
+              <a:avLst/>
+            </a:prstGeom>
+          </p:spPr>
+          <p:style>
+            <a:lnRef idx="2">
+              <a:schemeClr val="dk1"/>
+            </a:lnRef>
+            <a:fillRef idx="1">
+              <a:schemeClr val="lt1"/>
+            </a:fillRef>
+            <a:effectRef idx="0">
+              <a:schemeClr val="dk1"/>
+            </a:effectRef>
+            <a:fontRef idx="minor">
+              <a:schemeClr val="dk1"/>
+            </a:fontRef>
+          </p:style>
+          <p:txBody>
+            <a:bodyPr rtlCol="0" anchor="ctr"/>
+            <a:lstStyle/>
+            <a:p>
+              <a:pPr algn="ctr"/>
+              <a:endParaRPr lang="zh-CN" altLang="en-US"/>
+            </a:p>
+          </p:txBody>
+        </p:sp>
+        <p:sp>
+          <p:nvSpPr>
+            <p:cNvPr id="20" name="标题 2">
+              <a:extLst>
+                <a:ext uri="{FF2B5EF4-FFF2-40B4-BE49-F238E27FC236}">
+                  <a16:creationId xmlns:a16="http://schemas.microsoft.com/office/drawing/2014/main" id="{619BA51B-FD74-478E-9D6F-72425407E35A}"/>
+                </a:ext>
+              </a:extLst>
+            </p:cNvPr>
+            <p:cNvSpPr txBox="1">
+              <a:spLocks/>
+            </p:cNvSpPr>
+            <p:nvPr/>
+          </p:nvSpPr>
+          <p:spPr>
+            <a:xfrm>
+              <a:off x="3461711" y="4444752"/>
+              <a:ext cx="229216" cy="716327"/>
+            </a:xfrm>
+            <a:prstGeom prst="rect">
+              <a:avLst/>
+            </a:prstGeom>
+          </p:spPr>
+          <p:txBody>
+            <a:bodyPr vert="horz" lIns="91440" tIns="45720" rIns="91440" bIns="45720" rtlCol="0" anchor="ctr">
+              <a:noAutofit/>
+            </a:bodyPr>
+            <a:lstStyle>
+              <a:lvl1pPr marL="0" algn="l" defTabSz="685800" rtl="0" eaLnBrk="1" latinLnBrk="0" hangingPunct="1">
+                <a:lnSpc>
+                  <a:spcPct val="100000"/>
+                </a:lnSpc>
+                <a:spcBef>
+                  <a:spcPct val="0"/>
+                </a:spcBef>
+                <a:buNone/>
+                <a:defRPr lang="en-US" sz="3200" b="1" kern="1200" dirty="0">
+                  <a:solidFill>
+                    <a:srgbClr val="002060"/>
+                  </a:solidFill>
+                  <a:latin typeface="微软雅黑" panose="020B0503020204020204" pitchFamily="34" charset="-122"/>
+                  <a:ea typeface="微软雅黑" pitchFamily="34" charset="-122"/>
+                  <a:cs typeface="+mn-cs"/>
+                </a:defRPr>
+              </a:lvl1pPr>
+            </a:lstStyle>
+            <a:p>
+              <a:r>
+                <a:rPr lang="en-US" altLang="zh-CN" sz="1000" dirty="0">
+                  <a:solidFill>
+                    <a:schemeClr val="tx1"/>
+                  </a:solidFill>
+                  <a:latin typeface="Arial" panose="020B0604020202020204" pitchFamily="34" charset="0"/>
+                  <a:sym typeface="Arial" panose="020B0604020202020204" pitchFamily="34" charset="0"/>
+                </a:rPr>
+                <a:t>.</a:t>
+              </a:r>
+            </a:p>
+            <a:p>
+              <a:r>
+                <a:rPr lang="en-US" altLang="zh-CN" sz="1000" dirty="0">
+                  <a:solidFill>
+                    <a:schemeClr val="tx1"/>
+                  </a:solidFill>
+                  <a:latin typeface="Arial" panose="020B0604020202020204" pitchFamily="34" charset="0"/>
+                  <a:sym typeface="Arial" panose="020B0604020202020204" pitchFamily="34" charset="0"/>
+                </a:rPr>
+                <a:t>.</a:t>
+              </a:r>
+            </a:p>
+            <a:p>
+              <a:r>
+                <a:rPr lang="en-US" altLang="zh-CN" sz="1000" dirty="0">
+                  <a:solidFill>
+                    <a:schemeClr val="tx1"/>
+                  </a:solidFill>
+                  <a:latin typeface="Arial" panose="020B0604020202020204" pitchFamily="34" charset="0"/>
+                  <a:sym typeface="Arial" panose="020B0604020202020204" pitchFamily="34" charset="0"/>
+                </a:rPr>
+                <a:t>.</a:t>
+              </a:r>
+            </a:p>
+            <a:p>
+              <a:endParaRPr lang="en-US" altLang="zh-CN" sz="1000" dirty="0">
+                <a:solidFill>
+                  <a:schemeClr val="tx1"/>
+                </a:solidFill>
+                <a:latin typeface="Arial" panose="020B0604020202020204" pitchFamily="34" charset="0"/>
+                <a:sym typeface="Arial" panose="020B0604020202020204" pitchFamily="34" charset="0"/>
+              </a:endParaRPr>
+            </a:p>
+          </p:txBody>
+        </p:sp>
+        <p:sp>
+          <p:nvSpPr>
+            <p:cNvPr id="21" name="椭圆 20">
+              <a:extLst>
+                <a:ext uri="{FF2B5EF4-FFF2-40B4-BE49-F238E27FC236}">
+                  <a16:creationId xmlns:a16="http://schemas.microsoft.com/office/drawing/2014/main" id="{60BBADA9-5BEE-4B45-A6A6-73EA349C6F85}"/>
+                </a:ext>
+              </a:extLst>
+            </p:cNvPr>
+            <p:cNvSpPr/>
+            <p:nvPr/>
+          </p:nvSpPr>
+          <p:spPr>
+            <a:xfrm>
+              <a:off x="3277548" y="5161079"/>
+              <a:ext cx="597541" cy="609190"/>
+            </a:xfrm>
+            <a:prstGeom prst="ellipse">
+              <a:avLst/>
+            </a:prstGeom>
+          </p:spPr>
+          <p:style>
+            <a:lnRef idx="2">
+              <a:schemeClr val="dk1"/>
+            </a:lnRef>
+            <a:fillRef idx="1">
+              <a:schemeClr val="lt1"/>
+            </a:fillRef>
+            <a:effectRef idx="0">
+              <a:schemeClr val="dk1"/>
+            </a:effectRef>
+            <a:fontRef idx="minor">
+              <a:schemeClr val="dk1"/>
+            </a:fontRef>
+          </p:style>
+          <p:txBody>
+            <a:bodyPr rtlCol="0" anchor="ctr"/>
+            <a:lstStyle/>
+            <a:p>
+              <a:pPr algn="ctr"/>
+              <a:endParaRPr lang="zh-CN" altLang="en-US"/>
+            </a:p>
+          </p:txBody>
+        </p:sp>
+        <p:cxnSp>
+          <p:nvCxnSpPr>
+            <p:cNvPr id="23" name="直接箭头连接符 22">
+              <a:extLst>
+                <a:ext uri="{FF2B5EF4-FFF2-40B4-BE49-F238E27FC236}">
+                  <a16:creationId xmlns:a16="http://schemas.microsoft.com/office/drawing/2014/main" id="{8C148F11-213D-4016-8846-1793D7F4E956}"/>
+                </a:ext>
+              </a:extLst>
+            </p:cNvPr>
+            <p:cNvCxnSpPr>
+              <a:stCxn id="14" idx="6"/>
+              <a:endCxn id="17" idx="2"/>
+            </p:cNvCxnSpPr>
+            <p:nvPr/>
+          </p:nvCxnSpPr>
+          <p:spPr>
+            <a:xfrm flipV="1">
+              <a:off x="1663657" y="2150608"/>
+              <a:ext cx="1616139" cy="1739534"/>
+            </a:xfrm>
+            <a:prstGeom prst="straightConnector1">
+              <a:avLst/>
+            </a:prstGeom>
+            <a:ln>
+              <a:tailEnd type="triangle"/>
+            </a:ln>
+          </p:spPr>
+          <p:style>
+            <a:lnRef idx="1">
+              <a:schemeClr val="dk1"/>
+            </a:lnRef>
+            <a:fillRef idx="0">
+              <a:schemeClr val="dk1"/>
+            </a:fillRef>
+            <a:effectRef idx="0">
+              <a:schemeClr val="dk1"/>
+            </a:effectRef>
+            <a:fontRef idx="minor">
+              <a:schemeClr val="tx1"/>
+            </a:fontRef>
+          </p:style>
+        </p:cxnSp>
+        <p:cxnSp>
+          <p:nvCxnSpPr>
+            <p:cNvPr id="24" name="直接箭头连接符 23">
+              <a:extLst>
+                <a:ext uri="{FF2B5EF4-FFF2-40B4-BE49-F238E27FC236}">
+                  <a16:creationId xmlns:a16="http://schemas.microsoft.com/office/drawing/2014/main" id="{0F12EBFF-67E4-46A4-AFD3-6616F1FCECD9}"/>
+                </a:ext>
+              </a:extLst>
+            </p:cNvPr>
+            <p:cNvCxnSpPr>
+              <a:cxnSpLocks/>
+              <a:stCxn id="14" idx="6"/>
+              <a:endCxn id="18" idx="2"/>
+            </p:cNvCxnSpPr>
+            <p:nvPr/>
+          </p:nvCxnSpPr>
+          <p:spPr>
+            <a:xfrm flipV="1">
+              <a:off x="1663657" y="3037712"/>
+              <a:ext cx="1616139" cy="852430"/>
+            </a:xfrm>
+            <a:prstGeom prst="straightConnector1">
+              <a:avLst/>
+            </a:prstGeom>
+            <a:ln>
+              <a:tailEnd type="triangle"/>
+            </a:ln>
+          </p:spPr>
+          <p:style>
+            <a:lnRef idx="1">
+              <a:schemeClr val="dk1"/>
+            </a:lnRef>
+            <a:fillRef idx="0">
+              <a:schemeClr val="dk1"/>
+            </a:fillRef>
+            <a:effectRef idx="0">
+              <a:schemeClr val="dk1"/>
+            </a:effectRef>
+            <a:fontRef idx="minor">
+              <a:schemeClr val="tx1"/>
+            </a:fontRef>
+          </p:style>
+        </p:cxnSp>
+        <p:cxnSp>
+          <p:nvCxnSpPr>
+            <p:cNvPr id="27" name="直接箭头连接符 26">
+              <a:extLst>
+                <a:ext uri="{FF2B5EF4-FFF2-40B4-BE49-F238E27FC236}">
+                  <a16:creationId xmlns:a16="http://schemas.microsoft.com/office/drawing/2014/main" id="{639348B0-A0B2-45A5-B74D-FB179B744C49}"/>
+                </a:ext>
+              </a:extLst>
+            </p:cNvPr>
+            <p:cNvCxnSpPr>
+              <a:cxnSpLocks/>
+              <a:stCxn id="14" idx="6"/>
+              <a:endCxn id="19" idx="2"/>
+            </p:cNvCxnSpPr>
+            <p:nvPr/>
+          </p:nvCxnSpPr>
+          <p:spPr>
+            <a:xfrm>
+              <a:off x="1663657" y="3890142"/>
+              <a:ext cx="1616138" cy="0"/>
+            </a:xfrm>
+            <a:prstGeom prst="straightConnector1">
+              <a:avLst/>
+            </a:prstGeom>
+            <a:ln>
+              <a:tailEnd type="triangle"/>
+            </a:ln>
+          </p:spPr>
+          <p:style>
+            <a:lnRef idx="1">
+              <a:schemeClr val="dk1"/>
+            </a:lnRef>
+            <a:fillRef idx="0">
+              <a:schemeClr val="dk1"/>
+            </a:fillRef>
+            <a:effectRef idx="0">
+              <a:schemeClr val="dk1"/>
+            </a:effectRef>
+            <a:fontRef idx="minor">
+              <a:schemeClr val="tx1"/>
+            </a:fontRef>
+          </p:style>
+        </p:cxnSp>
+        <p:cxnSp>
+          <p:nvCxnSpPr>
+            <p:cNvPr id="30" name="直接箭头连接符 29">
+              <a:extLst>
+                <a:ext uri="{FF2B5EF4-FFF2-40B4-BE49-F238E27FC236}">
+                  <a16:creationId xmlns:a16="http://schemas.microsoft.com/office/drawing/2014/main" id="{46691D90-2D8A-4715-B59E-A36D7DA8CE46}"/>
+                </a:ext>
+              </a:extLst>
+            </p:cNvPr>
+            <p:cNvCxnSpPr>
+              <a:cxnSpLocks/>
+              <a:stCxn id="14" idx="6"/>
+              <a:endCxn id="21" idx="2"/>
+            </p:cNvCxnSpPr>
+            <p:nvPr/>
+          </p:nvCxnSpPr>
+          <p:spPr>
+            <a:xfrm>
+              <a:off x="1663657" y="3890142"/>
+              <a:ext cx="1613891" cy="1575532"/>
+            </a:xfrm>
+            <a:prstGeom prst="straightConnector1">
+              <a:avLst/>
+            </a:prstGeom>
+            <a:ln>
+              <a:tailEnd type="triangle"/>
+            </a:ln>
+          </p:spPr>
+          <p:style>
+            <a:lnRef idx="1">
+              <a:schemeClr val="dk1"/>
+            </a:lnRef>
+            <a:fillRef idx="0">
+              <a:schemeClr val="dk1"/>
+            </a:fillRef>
+            <a:effectRef idx="0">
+              <a:schemeClr val="dk1"/>
+            </a:effectRef>
+            <a:fontRef idx="minor">
+              <a:schemeClr val="tx1"/>
+            </a:fontRef>
+          </p:style>
+        </p:cxnSp>
+        <p:sp>
+          <p:nvSpPr>
+            <p:cNvPr id="34" name="椭圆 33">
+              <a:extLst>
+                <a:ext uri="{FF2B5EF4-FFF2-40B4-BE49-F238E27FC236}">
+                  <a16:creationId xmlns:a16="http://schemas.microsoft.com/office/drawing/2014/main" id="{4D564C45-DC16-48FE-9311-F55EA98994F8}"/>
+                </a:ext>
+              </a:extLst>
+            </p:cNvPr>
+            <p:cNvSpPr/>
+            <p:nvPr/>
+          </p:nvSpPr>
+          <p:spPr>
+            <a:xfrm>
+              <a:off x="5498459" y="3585547"/>
+              <a:ext cx="597541" cy="609190"/>
+            </a:xfrm>
+            <a:prstGeom prst="ellipse">
+              <a:avLst/>
+            </a:prstGeom>
+          </p:spPr>
+          <p:style>
+            <a:lnRef idx="2">
+              <a:schemeClr val="dk1"/>
+            </a:lnRef>
+            <a:fillRef idx="1">
+              <a:schemeClr val="lt1"/>
+            </a:fillRef>
+            <a:effectRef idx="0">
+              <a:schemeClr val="dk1"/>
+            </a:effectRef>
+            <a:fontRef idx="minor">
+              <a:schemeClr val="dk1"/>
+            </a:fontRef>
+          </p:style>
+          <p:txBody>
+            <a:bodyPr rtlCol="0" anchor="ctr"/>
+            <a:lstStyle/>
+            <a:p>
+              <a:pPr algn="ctr"/>
+              <a:endParaRPr lang="zh-CN" altLang="en-US"/>
+            </a:p>
+          </p:txBody>
+        </p:sp>
+        <p:cxnSp>
+          <p:nvCxnSpPr>
+            <p:cNvPr id="35" name="直接箭头连接符 34">
+              <a:extLst>
+                <a:ext uri="{FF2B5EF4-FFF2-40B4-BE49-F238E27FC236}">
+                  <a16:creationId xmlns:a16="http://schemas.microsoft.com/office/drawing/2014/main" id="{A992D83D-84B4-4F2D-86C0-516964585977}"/>
+                </a:ext>
+              </a:extLst>
+            </p:cNvPr>
+            <p:cNvCxnSpPr>
+              <a:cxnSpLocks/>
+              <a:stCxn id="21" idx="6"/>
+              <a:endCxn id="34" idx="2"/>
+            </p:cNvCxnSpPr>
+            <p:nvPr/>
+          </p:nvCxnSpPr>
+          <p:spPr>
+            <a:xfrm flipV="1">
+              <a:off x="3875089" y="3890142"/>
+              <a:ext cx="1623370" cy="1575532"/>
+            </a:xfrm>
+            <a:prstGeom prst="straightConnector1">
+              <a:avLst/>
+            </a:prstGeom>
+            <a:ln>
+              <a:tailEnd type="triangle"/>
+            </a:ln>
+          </p:spPr>
+          <p:style>
+            <a:lnRef idx="1">
+              <a:schemeClr val="dk1"/>
+            </a:lnRef>
+            <a:fillRef idx="0">
+              <a:schemeClr val="dk1"/>
+            </a:fillRef>
+            <a:effectRef idx="0">
+              <a:schemeClr val="dk1"/>
+            </a:effectRef>
+            <a:fontRef idx="minor">
+              <a:schemeClr val="tx1"/>
+            </a:fontRef>
+          </p:style>
+        </p:cxnSp>
+        <p:cxnSp>
+          <p:nvCxnSpPr>
+            <p:cNvPr id="37" name="直接箭头连接符 36">
+              <a:extLst>
+                <a:ext uri="{FF2B5EF4-FFF2-40B4-BE49-F238E27FC236}">
+                  <a16:creationId xmlns:a16="http://schemas.microsoft.com/office/drawing/2014/main" id="{0A280828-8BFF-42B9-A873-4198A1557B45}"/>
+                </a:ext>
+              </a:extLst>
+            </p:cNvPr>
+            <p:cNvCxnSpPr>
+              <a:cxnSpLocks/>
+              <a:stCxn id="19" idx="6"/>
+              <a:endCxn id="34" idx="2"/>
+            </p:cNvCxnSpPr>
+            <p:nvPr/>
+          </p:nvCxnSpPr>
+          <p:spPr>
+            <a:xfrm>
+              <a:off x="3877336" y="3890142"/>
+              <a:ext cx="1621123" cy="0"/>
+            </a:xfrm>
+            <a:prstGeom prst="straightConnector1">
+              <a:avLst/>
+            </a:prstGeom>
+            <a:ln>
+              <a:tailEnd type="triangle"/>
+            </a:ln>
+          </p:spPr>
+          <p:style>
+            <a:lnRef idx="1">
+              <a:schemeClr val="dk1"/>
+            </a:lnRef>
+            <a:fillRef idx="0">
+              <a:schemeClr val="dk1"/>
+            </a:fillRef>
+            <a:effectRef idx="0">
+              <a:schemeClr val="dk1"/>
+            </a:effectRef>
+            <a:fontRef idx="minor">
+              <a:schemeClr val="tx1"/>
+            </a:fontRef>
+          </p:style>
+        </p:cxnSp>
+        <p:cxnSp>
+          <p:nvCxnSpPr>
+            <p:cNvPr id="44" name="直接箭头连接符 43">
+              <a:extLst>
+                <a:ext uri="{FF2B5EF4-FFF2-40B4-BE49-F238E27FC236}">
+                  <a16:creationId xmlns:a16="http://schemas.microsoft.com/office/drawing/2014/main" id="{E80DC1E4-C1CC-4F39-960F-397EDE691866}"/>
+                </a:ext>
+              </a:extLst>
+            </p:cNvPr>
+            <p:cNvCxnSpPr>
+              <a:cxnSpLocks/>
+              <a:stCxn id="18" idx="6"/>
+              <a:endCxn id="34" idx="2"/>
+            </p:cNvCxnSpPr>
+            <p:nvPr/>
+          </p:nvCxnSpPr>
+          <p:spPr>
+            <a:xfrm>
+              <a:off x="3877337" y="3037712"/>
+              <a:ext cx="1621122" cy="852430"/>
+            </a:xfrm>
+            <a:prstGeom prst="straightConnector1">
+              <a:avLst/>
+            </a:prstGeom>
+            <a:ln>
+              <a:tailEnd type="triangle"/>
+            </a:ln>
+          </p:spPr>
+          <p:style>
+            <a:lnRef idx="1">
+              <a:schemeClr val="dk1"/>
+            </a:lnRef>
+            <a:fillRef idx="0">
+              <a:schemeClr val="dk1"/>
+            </a:fillRef>
+            <a:effectRef idx="0">
+              <a:schemeClr val="dk1"/>
+            </a:effectRef>
+            <a:fontRef idx="minor">
+              <a:schemeClr val="tx1"/>
+            </a:fontRef>
+          </p:style>
+        </p:cxnSp>
+        <p:cxnSp>
+          <p:nvCxnSpPr>
+            <p:cNvPr id="47" name="直接箭头连接符 46">
+              <a:extLst>
+                <a:ext uri="{FF2B5EF4-FFF2-40B4-BE49-F238E27FC236}">
+                  <a16:creationId xmlns:a16="http://schemas.microsoft.com/office/drawing/2014/main" id="{BEB0D2D5-BAFE-4704-9307-C8DE98359C05}"/>
+                </a:ext>
+              </a:extLst>
+            </p:cNvPr>
+            <p:cNvCxnSpPr>
+              <a:cxnSpLocks/>
+              <a:stCxn id="17" idx="6"/>
+              <a:endCxn id="34" idx="2"/>
+            </p:cNvCxnSpPr>
+            <p:nvPr/>
+          </p:nvCxnSpPr>
+          <p:spPr>
+            <a:xfrm>
+              <a:off x="3877337" y="2150608"/>
+              <a:ext cx="1621122" cy="1739534"/>
+            </a:xfrm>
+            <a:prstGeom prst="straightConnector1">
+              <a:avLst/>
+            </a:prstGeom>
+            <a:ln>
+              <a:tailEnd type="triangle"/>
+            </a:ln>
+          </p:spPr>
+          <p:style>
+            <a:lnRef idx="1">
+              <a:schemeClr val="dk1"/>
+            </a:lnRef>
+            <a:fillRef idx="0">
+              <a:schemeClr val="dk1"/>
+            </a:fillRef>
+            <a:effectRef idx="0">
+              <a:schemeClr val="dk1"/>
+            </a:effectRef>
+            <a:fontRef idx="minor">
+              <a:schemeClr val="tx1"/>
+            </a:fontRef>
+          </p:style>
+        </p:cxnSp>
+        <p:sp>
+          <p:nvSpPr>
+            <p:cNvPr id="50" name="标题 2">
+              <a:extLst>
+                <a:ext uri="{FF2B5EF4-FFF2-40B4-BE49-F238E27FC236}">
+                  <a16:creationId xmlns:a16="http://schemas.microsoft.com/office/drawing/2014/main" id="{70CFC5E4-63EC-47FE-A6AB-F245F3FDF0A2}"/>
+                </a:ext>
+              </a:extLst>
+            </p:cNvPr>
+            <p:cNvSpPr txBox="1">
+              <a:spLocks/>
+            </p:cNvSpPr>
+            <p:nvPr/>
+          </p:nvSpPr>
+          <p:spPr>
+            <a:xfrm>
+              <a:off x="1086588" y="4267187"/>
+              <a:ext cx="597541" cy="382212"/>
+            </a:xfrm>
+            <a:prstGeom prst="rect">
+              <a:avLst/>
+            </a:prstGeom>
+          </p:spPr>
+          <p:txBody>
+            <a:bodyPr vert="horz" lIns="91440" tIns="45720" rIns="91440" bIns="45720" rtlCol="0" anchor="ctr">
+              <a:noAutofit/>
+            </a:bodyPr>
+            <a:lstStyle>
+              <a:lvl1pPr marL="0" algn="l" defTabSz="685800" rtl="0" eaLnBrk="1" latinLnBrk="0" hangingPunct="1">
+                <a:lnSpc>
+                  <a:spcPct val="100000"/>
+                </a:lnSpc>
+                <a:spcBef>
+                  <a:spcPct val="0"/>
+                </a:spcBef>
+                <a:buNone/>
+                <a:defRPr lang="en-US" sz="3200" b="1" kern="1200" dirty="0">
+                  <a:solidFill>
+                    <a:srgbClr val="002060"/>
+                  </a:solidFill>
+                  <a:latin typeface="微软雅黑" panose="020B0503020204020204" pitchFamily="34" charset="-122"/>
+                  <a:ea typeface="微软雅黑" pitchFamily="34" charset="-122"/>
+                  <a:cs typeface="+mn-cs"/>
+                </a:defRPr>
+              </a:lvl1pPr>
+            </a:lstStyle>
+            <a:p>
+              <a:r>
+                <a:rPr lang="en-US" altLang="zh-CN" sz="1200" dirty="0">
+                  <a:latin typeface="Arial" panose="020B0604020202020204" pitchFamily="34" charset="0"/>
+                  <a:sym typeface="Arial" panose="020B0604020202020204" pitchFamily="34" charset="0"/>
+                </a:rPr>
+                <a:t>Input</a:t>
+              </a:r>
+            </a:p>
+          </p:txBody>
+        </p:sp>
+        <p:sp>
+          <p:nvSpPr>
+            <p:cNvPr id="51" name="标题 2">
+              <a:extLst>
+                <a:ext uri="{FF2B5EF4-FFF2-40B4-BE49-F238E27FC236}">
+                  <a16:creationId xmlns:a16="http://schemas.microsoft.com/office/drawing/2014/main" id="{A648D566-D8DF-4F50-B3F6-5D265C3D148E}"/>
+                </a:ext>
+              </a:extLst>
+            </p:cNvPr>
+            <p:cNvSpPr txBox="1">
+              <a:spLocks/>
+            </p:cNvSpPr>
+            <p:nvPr/>
+          </p:nvSpPr>
+          <p:spPr>
+            <a:xfrm>
+              <a:off x="3116979" y="5822403"/>
+              <a:ext cx="997818" cy="382212"/>
+            </a:xfrm>
+            <a:prstGeom prst="rect">
+              <a:avLst/>
+            </a:prstGeom>
+          </p:spPr>
+          <p:txBody>
+            <a:bodyPr vert="horz" lIns="91440" tIns="45720" rIns="91440" bIns="45720" rtlCol="0" anchor="ctr">
+              <a:noAutofit/>
+            </a:bodyPr>
+            <a:lstStyle>
+              <a:lvl1pPr marL="0" algn="l" defTabSz="685800" rtl="0" eaLnBrk="1" latinLnBrk="0" hangingPunct="1">
+                <a:lnSpc>
+                  <a:spcPct val="100000"/>
+                </a:lnSpc>
+                <a:spcBef>
+                  <a:spcPct val="0"/>
+                </a:spcBef>
+                <a:buNone/>
+                <a:defRPr lang="en-US" sz="3200" b="1" kern="1200" dirty="0">
+                  <a:solidFill>
+                    <a:srgbClr val="002060"/>
+                  </a:solidFill>
+                  <a:latin typeface="微软雅黑" panose="020B0503020204020204" pitchFamily="34" charset="-122"/>
+                  <a:ea typeface="微软雅黑" pitchFamily="34" charset="-122"/>
+                  <a:cs typeface="+mn-cs"/>
+                </a:defRPr>
+              </a:lvl1pPr>
+            </a:lstStyle>
+            <a:p>
+              <a:r>
+                <a:rPr lang="en-US" altLang="zh-CN" sz="1200" dirty="0">
+                  <a:latin typeface="Arial" panose="020B0604020202020204" pitchFamily="34" charset="0"/>
+                  <a:sym typeface="Arial" panose="020B0604020202020204" pitchFamily="34" charset="0"/>
+                </a:rPr>
+                <a:t>Neural Net</a:t>
+              </a:r>
+            </a:p>
+          </p:txBody>
+        </p:sp>
+        <p:sp>
+          <p:nvSpPr>
+            <p:cNvPr id="52" name="标题 2">
+              <a:extLst>
+                <a:ext uri="{FF2B5EF4-FFF2-40B4-BE49-F238E27FC236}">
+                  <a16:creationId xmlns:a16="http://schemas.microsoft.com/office/drawing/2014/main" id="{490EF62C-CF04-4D15-9EF5-E9F8A317B9F2}"/>
+                </a:ext>
+              </a:extLst>
+            </p:cNvPr>
+            <p:cNvSpPr txBox="1">
+              <a:spLocks/>
+            </p:cNvSpPr>
+            <p:nvPr/>
+          </p:nvSpPr>
+          <p:spPr>
+            <a:xfrm>
+              <a:off x="5483080" y="4267187"/>
+              <a:ext cx="767593" cy="382212"/>
+            </a:xfrm>
+            <a:prstGeom prst="rect">
+              <a:avLst/>
+            </a:prstGeom>
+          </p:spPr>
+          <p:txBody>
+            <a:bodyPr vert="horz" lIns="91440" tIns="45720" rIns="91440" bIns="45720" rtlCol="0" anchor="ctr">
+              <a:noAutofit/>
+            </a:bodyPr>
+            <a:lstStyle>
+              <a:lvl1pPr marL="0" algn="l" defTabSz="685800" rtl="0" eaLnBrk="1" latinLnBrk="0" hangingPunct="1">
+                <a:lnSpc>
+                  <a:spcPct val="100000"/>
+                </a:lnSpc>
+                <a:spcBef>
+                  <a:spcPct val="0"/>
+                </a:spcBef>
+                <a:buNone/>
+                <a:defRPr lang="en-US" sz="3200" b="1" kern="1200" dirty="0">
+                  <a:solidFill>
+                    <a:srgbClr val="002060"/>
+                  </a:solidFill>
+                  <a:latin typeface="微软雅黑" panose="020B0503020204020204" pitchFamily="34" charset="-122"/>
+                  <a:ea typeface="微软雅黑" pitchFamily="34" charset="-122"/>
+                  <a:cs typeface="+mn-cs"/>
+                </a:defRPr>
+              </a:lvl1pPr>
+            </a:lstStyle>
+            <a:p>
+              <a:r>
+                <a:rPr lang="en-US" altLang="zh-CN" sz="1200" dirty="0">
+                  <a:latin typeface="Arial" panose="020B0604020202020204" pitchFamily="34" charset="0"/>
+                  <a:sym typeface="Arial" panose="020B0604020202020204" pitchFamily="34" charset="0"/>
+                </a:rPr>
+                <a:t>Output</a:t>
+              </a:r>
+            </a:p>
+          </p:txBody>
+        </p:sp>
+      </p:grpSp>
+      <p:sp>
+        <p:nvSpPr>
+          <p:cNvPr id="54" name="标题 2">
+            <a:extLst>
+              <a:ext uri="{FF2B5EF4-FFF2-40B4-BE49-F238E27FC236}">
+                <a16:creationId xmlns:a16="http://schemas.microsoft.com/office/drawing/2014/main" id="{DE795099-4381-437C-9E9C-A1C8C6BDEAF3}"/>
+              </a:ext>
+            </a:extLst>
+          </p:cNvPr>
+          <p:cNvSpPr txBox="1">
+            <a:spLocks/>
+          </p:cNvSpPr>
+          <p:nvPr/>
+        </p:nvSpPr>
+        <p:spPr>
+          <a:xfrm>
+            <a:off x="5619739" y="691840"/>
+            <a:ext cx="6602743" cy="1869570"/>
+          </a:xfrm>
+          <a:prstGeom prst="rect">
+            <a:avLst/>
+          </a:prstGeom>
+        </p:spPr>
+        <p:txBody>
+          <a:bodyPr vert="horz" lIns="91440" tIns="45720" rIns="91440" bIns="45720" rtlCol="0" anchor="ctr">
+            <a:noAutofit/>
+          </a:bodyPr>
+          <a:lstStyle>
+            <a:lvl1pPr marL="0" algn="l" defTabSz="685800" rtl="0" eaLnBrk="1" latinLnBrk="0" hangingPunct="1">
+              <a:lnSpc>
+                <a:spcPct val="100000"/>
+              </a:lnSpc>
+              <a:spcBef>
+                <a:spcPct val="0"/>
+              </a:spcBef>
+              <a:buNone/>
+              <a:defRPr lang="en-US" sz="3200" b="1" kern="1200" dirty="0">
+                <a:solidFill>
+                  <a:srgbClr val="002060"/>
+                </a:solidFill>
+                <a:latin typeface="微软雅黑" panose="020B0503020204020204" pitchFamily="34" charset="-122"/>
+                <a:ea typeface="微软雅黑" pitchFamily="34" charset="-122"/>
+                <a:cs typeface="+mn-cs"/>
+              </a:defRPr>
+            </a:lvl1pPr>
+          </a:lstStyle>
+          <a:p>
+            <a:r>
+              <a:rPr lang="en-US" altLang="zh-CN" sz="2000" dirty="0">
+                <a:solidFill>
+                  <a:srgbClr val="FF0000"/>
+                </a:solidFill>
+                <a:latin typeface="Arial" panose="020B0604020202020204" pitchFamily="34" charset="0"/>
+                <a:sym typeface="Arial" panose="020B0604020202020204" pitchFamily="34" charset="0"/>
+              </a:rPr>
+              <a:t>Input</a:t>
+            </a:r>
+            <a:r>
+              <a:rPr lang="en-US" altLang="zh-CN" sz="2000" dirty="0">
+                <a:latin typeface="Arial" panose="020B0604020202020204" pitchFamily="34" charset="0"/>
+                <a:sym typeface="Arial" panose="020B0604020202020204" pitchFamily="34" charset="0"/>
+              </a:rPr>
+              <a:t>:</a:t>
+            </a:r>
+            <a:r>
+              <a:rPr lang="zh-CN" altLang="en-US" sz="2000" dirty="0">
+                <a:latin typeface="Arial" panose="020B0604020202020204" pitchFamily="34" charset="0"/>
+                <a:sym typeface="Arial" panose="020B0604020202020204" pitchFamily="34" charset="0"/>
+              </a:rPr>
+              <a:t> </a:t>
+            </a:r>
+            <a:r>
+              <a:rPr lang="en-US" altLang="zh-CN" sz="2000" dirty="0">
+                <a:latin typeface="Arial" panose="020B0604020202020204" pitchFamily="34" charset="0"/>
+                <a:sym typeface="Arial" panose="020B0604020202020204" pitchFamily="34" charset="0"/>
+              </a:rPr>
+              <a:t> (1, 27)</a:t>
+            </a:r>
+          </a:p>
+          <a:p>
+            <a:r>
+              <a:rPr lang="en-US" altLang="zh-CN" sz="2000" dirty="0">
+                <a:solidFill>
+                  <a:srgbClr val="FF0000"/>
+                </a:solidFill>
+                <a:latin typeface="Arial" panose="020B0604020202020204" pitchFamily="34" charset="0"/>
+                <a:sym typeface="Arial" panose="020B0604020202020204" pitchFamily="34" charset="0"/>
+              </a:rPr>
+              <a:t>Neural Net</a:t>
+            </a:r>
+            <a:r>
+              <a:rPr lang="zh-CN" altLang="en-US" sz="2000" dirty="0">
+                <a:latin typeface="Arial" panose="020B0604020202020204" pitchFamily="34" charset="0"/>
+                <a:sym typeface="Arial" panose="020B0604020202020204" pitchFamily="34" charset="0"/>
+              </a:rPr>
+              <a:t>： </a:t>
+            </a:r>
+            <a:r>
+              <a:rPr lang="en-US" altLang="zh-CN" sz="2000" dirty="0">
+                <a:latin typeface="Arial" panose="020B0604020202020204" pitchFamily="34" charset="0"/>
+                <a:sym typeface="Arial" panose="020B0604020202020204" pitchFamily="34" charset="0"/>
+              </a:rPr>
+              <a:t>(27, 27)</a:t>
+            </a:r>
+          </a:p>
+          <a:p>
+            <a:r>
+              <a:rPr lang="en-US" altLang="zh-CN" sz="2000" dirty="0">
+                <a:solidFill>
+                  <a:srgbClr val="FF0000"/>
+                </a:solidFill>
+                <a:latin typeface="Arial" panose="020B0604020202020204" pitchFamily="34" charset="0"/>
+                <a:sym typeface="Arial" panose="020B0604020202020204" pitchFamily="34" charset="0"/>
+              </a:rPr>
+              <a:t>Output</a:t>
+            </a:r>
+            <a:r>
+              <a:rPr lang="en-US" altLang="zh-CN" sz="2000" dirty="0">
+                <a:latin typeface="Arial" panose="020B0604020202020204" pitchFamily="34" charset="0"/>
+                <a:sym typeface="Arial" panose="020B0604020202020204" pitchFamily="34" charset="0"/>
+              </a:rPr>
+              <a:t>: (1, 27)</a:t>
+            </a:r>
+          </a:p>
+          <a:p>
+            <a:r>
+              <a:rPr lang="en-US" altLang="zh-CN" sz="2000" dirty="0">
+                <a:solidFill>
+                  <a:srgbClr val="FF0000"/>
+                </a:solidFill>
+                <a:latin typeface="Arial" panose="020B0604020202020204" pitchFamily="34" charset="0"/>
+                <a:sym typeface="Arial" panose="020B0604020202020204" pitchFamily="34" charset="0"/>
+              </a:rPr>
+              <a:t>Loss</a:t>
+            </a:r>
+            <a:r>
+              <a:rPr lang="en-US" altLang="zh-CN" sz="2000" dirty="0">
+                <a:latin typeface="Arial" panose="020B0604020202020204" pitchFamily="34" charset="0"/>
+                <a:sym typeface="Arial" panose="020B0604020202020204" pitchFamily="34" charset="0"/>
+              </a:rPr>
+              <a:t>:-probs[</a:t>
+            </a:r>
+            <a:r>
+              <a:rPr lang="en-US" altLang="zh-CN" sz="2000" dirty="0" err="1">
+                <a:latin typeface="Arial" panose="020B0604020202020204" pitchFamily="34" charset="0"/>
+                <a:sym typeface="Arial" panose="020B0604020202020204" pitchFamily="34" charset="0"/>
+              </a:rPr>
+              <a:t>torch.arange</a:t>
+            </a:r>
+            <a:r>
+              <a:rPr lang="en-US" altLang="zh-CN" sz="2000" dirty="0">
+                <a:latin typeface="Arial" panose="020B0604020202020204" pitchFamily="34" charset="0"/>
+                <a:sym typeface="Arial" panose="020B0604020202020204" pitchFamily="34" charset="0"/>
+              </a:rPr>
+              <a:t>(num),</a:t>
+            </a:r>
+            <a:r>
+              <a:rPr lang="en-US" altLang="zh-CN" sz="2000" dirty="0" err="1">
+                <a:latin typeface="Arial" panose="020B0604020202020204" pitchFamily="34" charset="0"/>
+                <a:sym typeface="Arial" panose="020B0604020202020204" pitchFamily="34" charset="0"/>
+              </a:rPr>
+              <a:t>ys</a:t>
+            </a:r>
+            <a:r>
+              <a:rPr lang="en-US" altLang="zh-CN" sz="2000" dirty="0">
+                <a:latin typeface="Arial" panose="020B0604020202020204" pitchFamily="34" charset="0"/>
+                <a:sym typeface="Arial" panose="020B0604020202020204" pitchFamily="34" charset="0"/>
+              </a:rPr>
+              <a:t>].log().mean() + 0.01 * (W**2).mean()</a:t>
+            </a:r>
+          </a:p>
+        </p:txBody>
+      </p:sp>
+      <p:grpSp>
+        <p:nvGrpSpPr>
+          <p:cNvPr id="64" name="组合 63">
+            <a:extLst>
+              <a:ext uri="{FF2B5EF4-FFF2-40B4-BE49-F238E27FC236}">
+                <a16:creationId xmlns:a16="http://schemas.microsoft.com/office/drawing/2014/main" id="{3E40982C-7486-43BC-8764-D730F1145ADD}"/>
+              </a:ext>
+            </a:extLst>
+          </p:cNvPr>
+          <p:cNvGrpSpPr/>
+          <p:nvPr/>
+        </p:nvGrpSpPr>
+        <p:grpSpPr>
+          <a:xfrm>
+            <a:off x="7787345" y="3372056"/>
+            <a:ext cx="1686476" cy="2611704"/>
+            <a:chOff x="7773697" y="3158565"/>
+            <a:chExt cx="1686476" cy="2611704"/>
+          </a:xfrm>
+        </p:grpSpPr>
+        <p:sp>
+          <p:nvSpPr>
+            <p:cNvPr id="59" name="标题 2">
+              <a:extLst>
+                <a:ext uri="{FF2B5EF4-FFF2-40B4-BE49-F238E27FC236}">
+                  <a16:creationId xmlns:a16="http://schemas.microsoft.com/office/drawing/2014/main" id="{7D66A3EE-90EB-459E-9EE2-3A52F9D22CDB}"/>
+                </a:ext>
+              </a:extLst>
+            </p:cNvPr>
+            <p:cNvSpPr txBox="1">
+              <a:spLocks/>
+            </p:cNvSpPr>
+            <p:nvPr/>
+          </p:nvSpPr>
+          <p:spPr>
+            <a:xfrm>
+              <a:off x="7930649" y="4111975"/>
+              <a:ext cx="1529524" cy="650974"/>
+            </a:xfrm>
+            <a:prstGeom prst="rect">
+              <a:avLst/>
+            </a:prstGeom>
+          </p:spPr>
+          <p:txBody>
+            <a:bodyPr vert="horz" lIns="91440" tIns="45720" rIns="91440" bIns="45720" rtlCol="0" anchor="ctr">
+              <a:noAutofit/>
+            </a:bodyPr>
+            <a:lstStyle>
+              <a:lvl1pPr marL="0" algn="l" defTabSz="685800" rtl="0" eaLnBrk="1" latinLnBrk="0" hangingPunct="1">
+                <a:lnSpc>
+                  <a:spcPct val="100000"/>
+                </a:lnSpc>
+                <a:spcBef>
+                  <a:spcPct val="0"/>
+                </a:spcBef>
+                <a:buNone/>
+                <a:defRPr lang="en-US" sz="3200" b="1" kern="1200" dirty="0">
+                  <a:solidFill>
+                    <a:srgbClr val="002060"/>
+                  </a:solidFill>
+                  <a:latin typeface="微软雅黑" panose="020B0503020204020204" pitchFamily="34" charset="-122"/>
+                  <a:ea typeface="微软雅黑" pitchFamily="34" charset="-122"/>
+                  <a:cs typeface="+mn-cs"/>
+                </a:defRPr>
+              </a:lvl1pPr>
+            </a:lstStyle>
+            <a:p>
+              <a:r>
+                <a:rPr lang="zh-CN" altLang="en-US" sz="2000" dirty="0">
+                  <a:latin typeface="Arial" panose="020B0604020202020204" pitchFamily="34" charset="0"/>
+                  <a:sym typeface="Arial" panose="020B0604020202020204" pitchFamily="34" charset="0"/>
+                </a:rPr>
+                <a:t>训练模型</a:t>
+              </a:r>
+              <a:endParaRPr lang="en-US" altLang="zh-CN" sz="2000" dirty="0">
+                <a:latin typeface="Arial" panose="020B0604020202020204" pitchFamily="34" charset="0"/>
+                <a:sym typeface="Arial" panose="020B0604020202020204" pitchFamily="34" charset="0"/>
+              </a:endParaRPr>
+            </a:p>
+          </p:txBody>
+        </p:sp>
+        <p:sp>
+          <p:nvSpPr>
+            <p:cNvPr id="60" name="标题 2">
+              <a:extLst>
+                <a:ext uri="{FF2B5EF4-FFF2-40B4-BE49-F238E27FC236}">
+                  <a16:creationId xmlns:a16="http://schemas.microsoft.com/office/drawing/2014/main" id="{D96E1CF9-8ACF-4A4B-9899-2EA400AA7148}"/>
+                </a:ext>
+              </a:extLst>
+            </p:cNvPr>
+            <p:cNvSpPr txBox="1">
+              <a:spLocks/>
+            </p:cNvSpPr>
+            <p:nvPr/>
+          </p:nvSpPr>
+          <p:spPr>
+            <a:xfrm>
+              <a:off x="7773697" y="3158565"/>
+              <a:ext cx="1529524" cy="650974"/>
+            </a:xfrm>
+            <a:prstGeom prst="rect">
+              <a:avLst/>
+            </a:prstGeom>
+          </p:spPr>
+          <p:txBody>
+            <a:bodyPr vert="horz" lIns="91440" tIns="45720" rIns="91440" bIns="45720" rtlCol="0" anchor="ctr">
+              <a:noAutofit/>
+            </a:bodyPr>
+            <a:lstStyle>
+              <a:lvl1pPr marL="0" algn="l" defTabSz="685800" rtl="0" eaLnBrk="1" latinLnBrk="0" hangingPunct="1">
+                <a:lnSpc>
+                  <a:spcPct val="100000"/>
+                </a:lnSpc>
+                <a:spcBef>
+                  <a:spcPct val="0"/>
+                </a:spcBef>
+                <a:buNone/>
+                <a:defRPr lang="en-US" sz="3200" b="1" kern="1200" dirty="0">
+                  <a:solidFill>
+                    <a:srgbClr val="002060"/>
+                  </a:solidFill>
+                  <a:latin typeface="微软雅黑" panose="020B0503020204020204" pitchFamily="34" charset="-122"/>
+                  <a:ea typeface="微软雅黑" pitchFamily="34" charset="-122"/>
+                  <a:cs typeface="+mn-cs"/>
+                </a:defRPr>
+              </a:lvl1pPr>
+            </a:lstStyle>
+            <a:p>
+              <a:r>
+                <a:rPr lang="zh-CN" altLang="en-US" sz="2000" dirty="0">
+                  <a:latin typeface="Arial" panose="020B0604020202020204" pitchFamily="34" charset="0"/>
+                  <a:sym typeface="Arial" panose="020B0604020202020204" pitchFamily="34" charset="0"/>
+                </a:rPr>
+                <a:t>生成数据集</a:t>
+              </a:r>
+              <a:endParaRPr lang="en-US" altLang="zh-CN" sz="2000" dirty="0">
+                <a:latin typeface="Arial" panose="020B0604020202020204" pitchFamily="34" charset="0"/>
+                <a:sym typeface="Arial" panose="020B0604020202020204" pitchFamily="34" charset="0"/>
+              </a:endParaRPr>
+            </a:p>
+          </p:txBody>
+        </p:sp>
+        <p:sp>
+          <p:nvSpPr>
+            <p:cNvPr id="61" name="标题 2">
+              <a:extLst>
+                <a:ext uri="{FF2B5EF4-FFF2-40B4-BE49-F238E27FC236}">
+                  <a16:creationId xmlns:a16="http://schemas.microsoft.com/office/drawing/2014/main" id="{B09413A0-1FB0-4830-A853-7BB5BA2BFDD4}"/>
+                </a:ext>
+              </a:extLst>
+            </p:cNvPr>
+            <p:cNvSpPr txBox="1">
+              <a:spLocks/>
+            </p:cNvSpPr>
+            <p:nvPr/>
+          </p:nvSpPr>
+          <p:spPr>
+            <a:xfrm>
+              <a:off x="7930649" y="5119295"/>
+              <a:ext cx="1529524" cy="650974"/>
+            </a:xfrm>
+            <a:prstGeom prst="rect">
+              <a:avLst/>
+            </a:prstGeom>
+          </p:spPr>
+          <p:txBody>
+            <a:bodyPr vert="horz" lIns="91440" tIns="45720" rIns="91440" bIns="45720" rtlCol="0" anchor="ctr">
+              <a:noAutofit/>
+            </a:bodyPr>
+            <a:lstStyle>
+              <a:lvl1pPr marL="0" algn="l" defTabSz="685800" rtl="0" eaLnBrk="1" latinLnBrk="0" hangingPunct="1">
+                <a:lnSpc>
+                  <a:spcPct val="100000"/>
+                </a:lnSpc>
+                <a:spcBef>
+                  <a:spcPct val="0"/>
+                </a:spcBef>
+                <a:buNone/>
+                <a:defRPr lang="en-US" sz="3200" b="1" kern="1200" dirty="0">
+                  <a:solidFill>
+                    <a:srgbClr val="002060"/>
+                  </a:solidFill>
+                  <a:latin typeface="微软雅黑" panose="020B0503020204020204" pitchFamily="34" charset="-122"/>
+                  <a:ea typeface="微软雅黑" pitchFamily="34" charset="-122"/>
+                  <a:cs typeface="+mn-cs"/>
+                </a:defRPr>
+              </a:lvl1pPr>
+            </a:lstStyle>
+            <a:p>
+              <a:r>
+                <a:rPr lang="zh-CN" altLang="en-US" sz="2000" dirty="0">
+                  <a:latin typeface="Arial" panose="020B0604020202020204" pitchFamily="34" charset="0"/>
+                  <a:sym typeface="Arial" panose="020B0604020202020204" pitchFamily="34" charset="0"/>
+                </a:rPr>
+                <a:t>生成单词</a:t>
+              </a:r>
+              <a:endParaRPr lang="en-US" altLang="zh-CN" sz="2000" dirty="0">
+                <a:latin typeface="Arial" panose="020B0604020202020204" pitchFamily="34" charset="0"/>
+                <a:sym typeface="Arial" panose="020B0604020202020204" pitchFamily="34" charset="0"/>
+              </a:endParaRPr>
+            </a:p>
+          </p:txBody>
+        </p:sp>
+        <p:sp>
+          <p:nvSpPr>
+            <p:cNvPr id="62" name="箭头: 下 61">
+              <a:extLst>
+                <a:ext uri="{FF2B5EF4-FFF2-40B4-BE49-F238E27FC236}">
+                  <a16:creationId xmlns:a16="http://schemas.microsoft.com/office/drawing/2014/main" id="{D2327C7A-2A58-4E28-8E1D-E9E35801DF87}"/>
+                </a:ext>
+              </a:extLst>
+            </p:cNvPr>
+            <p:cNvSpPr/>
+            <p:nvPr/>
+          </p:nvSpPr>
+          <p:spPr>
+            <a:xfrm>
+              <a:off x="8442891" y="3703543"/>
+              <a:ext cx="170597" cy="460518"/>
+            </a:xfrm>
+            <a:prstGeom prst="downArrow">
+              <a:avLst/>
+            </a:prstGeom>
+            <a:gradFill flip="none" rotWithShape="1">
+              <a:gsLst>
+                <a:gs pos="0">
+                  <a:schemeClr val="accent6">
+                    <a:lumMod val="67000"/>
+                  </a:schemeClr>
+                </a:gs>
+                <a:gs pos="48000">
+                  <a:schemeClr val="accent6">
+                    <a:lumMod val="97000"/>
+                    <a:lumOff val="3000"/>
+                  </a:schemeClr>
+                </a:gs>
+                <a:gs pos="100000">
+                  <a:schemeClr val="accent6">
+                    <a:lumMod val="60000"/>
+                    <a:lumOff val="40000"/>
+                  </a:schemeClr>
+                </a:gs>
+              </a:gsLst>
+              <a:path path="rect">
+                <a:fillToRect l="100000" t="100000"/>
+              </a:path>
+              <a:tileRect r="-100000" b="-100000"/>
+            </a:gradFill>
+            <a:ln>
+              <a:solidFill>
+                <a:schemeClr val="bg1"/>
+              </a:solidFill>
+            </a:ln>
+            <a:effectLst>
+              <a:innerShdw blurRad="63500" dist="50800" dir="13500000">
+                <a:prstClr val="black">
+                  <a:alpha val="50000"/>
+                </a:prstClr>
+              </a:innerShdw>
+            </a:effectLst>
+          </p:spPr>
+          <p:style>
+            <a:lnRef idx="2">
+              <a:schemeClr val="accent1">
+                <a:shade val="50000"/>
+              </a:schemeClr>
+            </a:lnRef>
+            <a:fillRef idx="1">
+              <a:schemeClr val="accent1"/>
+            </a:fillRef>
+            <a:effectRef idx="0">
+              <a:schemeClr val="accent1"/>
+            </a:effectRef>
+            <a:fontRef idx="minor">
+              <a:schemeClr val="lt1"/>
+            </a:fontRef>
+          </p:style>
+          <p:txBody>
+            <a:bodyPr rtlCol="0" anchor="ctr"/>
+            <a:lstStyle/>
+            <a:p>
+              <a:pPr algn="ctr"/>
+              <a:endParaRPr lang="zh-CN" altLang="en-US"/>
+            </a:p>
+          </p:txBody>
+        </p:sp>
+        <p:sp>
+          <p:nvSpPr>
+            <p:cNvPr id="63" name="箭头: 下 62">
+              <a:extLst>
+                <a:ext uri="{FF2B5EF4-FFF2-40B4-BE49-F238E27FC236}">
+                  <a16:creationId xmlns:a16="http://schemas.microsoft.com/office/drawing/2014/main" id="{C2C028C0-3AB6-4673-A85B-F895AC97A013}"/>
+                </a:ext>
+              </a:extLst>
+            </p:cNvPr>
+            <p:cNvSpPr/>
+            <p:nvPr/>
+          </p:nvSpPr>
+          <p:spPr>
+            <a:xfrm>
+              <a:off x="8453160" y="4677908"/>
+              <a:ext cx="170597" cy="460518"/>
+            </a:xfrm>
+            <a:prstGeom prst="downArrow">
+              <a:avLst/>
+            </a:prstGeom>
+            <a:gradFill flip="none" rotWithShape="1">
+              <a:gsLst>
+                <a:gs pos="0">
+                  <a:schemeClr val="accent6">
+                    <a:lumMod val="67000"/>
+                  </a:schemeClr>
+                </a:gs>
+                <a:gs pos="48000">
+                  <a:schemeClr val="accent6">
+                    <a:lumMod val="97000"/>
+                    <a:lumOff val="3000"/>
+                  </a:schemeClr>
+                </a:gs>
+                <a:gs pos="100000">
+                  <a:schemeClr val="accent6">
+                    <a:lumMod val="60000"/>
+                    <a:lumOff val="40000"/>
+                  </a:schemeClr>
+                </a:gs>
+              </a:gsLst>
+              <a:path path="rect">
+                <a:fillToRect l="100000" t="100000"/>
+              </a:path>
+              <a:tileRect r="-100000" b="-100000"/>
+            </a:gradFill>
+            <a:ln>
+              <a:solidFill>
+                <a:schemeClr val="bg1"/>
+              </a:solidFill>
+            </a:ln>
+            <a:effectLst>
+              <a:innerShdw blurRad="63500" dist="50800" dir="13500000">
+                <a:prstClr val="black">
+                  <a:alpha val="50000"/>
+                </a:prstClr>
+              </a:innerShdw>
+            </a:effectLst>
+          </p:spPr>
+          <p:style>
+            <a:lnRef idx="2">
+              <a:schemeClr val="accent1">
+                <a:shade val="50000"/>
+              </a:schemeClr>
+            </a:lnRef>
+            <a:fillRef idx="1">
+              <a:schemeClr val="accent1"/>
+            </a:fillRef>
+            <a:effectRef idx="0">
+              <a:schemeClr val="accent1"/>
+            </a:effectRef>
+            <a:fontRef idx="minor">
+              <a:schemeClr val="lt1"/>
+            </a:fontRef>
+          </p:style>
+          <p:txBody>
+            <a:bodyPr rtlCol="0" anchor="ctr"/>
+            <a:lstStyle/>
+            <a:p>
+              <a:pPr algn="ctr"/>
+              <a:endParaRPr lang="zh-CN" altLang="en-US"/>
+            </a:p>
+          </p:txBody>
+        </p:sp>
+      </p:grpSp>
+      <p:sp>
+        <p:nvSpPr>
+          <p:cNvPr id="65" name="标题 2">
+            <a:extLst>
+              <a:ext uri="{FF2B5EF4-FFF2-40B4-BE49-F238E27FC236}">
+                <a16:creationId xmlns:a16="http://schemas.microsoft.com/office/drawing/2014/main" id="{512DB16F-AAEE-4463-B4B7-79A53B069661}"/>
+              </a:ext>
+            </a:extLst>
+          </p:cNvPr>
+          <p:cNvSpPr txBox="1">
+            <a:spLocks/>
+          </p:cNvSpPr>
+          <p:nvPr/>
+        </p:nvSpPr>
+        <p:spPr>
+          <a:xfrm>
+            <a:off x="5664873" y="2741810"/>
+            <a:ext cx="1275066" cy="650974"/>
+          </a:xfrm>
+          <a:prstGeom prst="rect">
+            <a:avLst/>
+          </a:prstGeom>
+        </p:spPr>
+        <p:txBody>
+          <a:bodyPr vert="horz" lIns="91440" tIns="45720" rIns="91440" bIns="45720" rtlCol="0" anchor="ctr">
+            <a:noAutofit/>
+          </a:bodyPr>
+          <a:lstStyle>
+            <a:lvl1pPr marL="0" algn="l" defTabSz="685800" rtl="0" eaLnBrk="1" latinLnBrk="0" hangingPunct="1">
+              <a:lnSpc>
+                <a:spcPct val="100000"/>
+              </a:lnSpc>
+              <a:spcBef>
+                <a:spcPct val="0"/>
+              </a:spcBef>
+              <a:buNone/>
+              <a:defRPr lang="en-US" sz="3200" b="1" kern="1200" dirty="0">
+                <a:solidFill>
+                  <a:srgbClr val="002060"/>
+                </a:solidFill>
+                <a:latin typeface="微软雅黑" panose="020B0503020204020204" pitchFamily="34" charset="-122"/>
+                <a:ea typeface="微软雅黑" pitchFamily="34" charset="-122"/>
+                <a:cs typeface="+mn-cs"/>
+              </a:defRPr>
+            </a:lvl1pPr>
+          </a:lstStyle>
+          <a:p>
+            <a:r>
+              <a:rPr lang="zh-CN" altLang="en-US" sz="2000" dirty="0">
+                <a:solidFill>
+                  <a:srgbClr val="FF0000"/>
+                </a:solidFill>
+                <a:latin typeface="Arial" panose="020B0604020202020204" pitchFamily="34" charset="0"/>
+                <a:sym typeface="Arial" panose="020B0604020202020204" pitchFamily="34" charset="0"/>
+              </a:rPr>
+              <a:t>代码逻辑：</a:t>
+            </a:r>
+            <a:endParaRPr lang="en-US" altLang="zh-CN" sz="2000" dirty="0">
+              <a:solidFill>
+                <a:srgbClr val="FF0000"/>
+              </a:solidFill>
+              <a:latin typeface="Arial" panose="020B0604020202020204" pitchFamily="34" charset="0"/>
+              <a:sym typeface="Arial" panose="020B0604020202020204" pitchFamily="34" charset="0"/>
+            </a:endParaRPr>
+          </a:p>
+        </p:txBody>
+      </p:sp>
+    </p:spTree>
+    <p:extLst>
+      <p:ext uri="{BB962C8B-B14F-4D97-AF65-F5344CB8AC3E}">
+        <p14:creationId xmlns:p14="http://schemas.microsoft.com/office/powerpoint/2010/main" val="2777960810"/>
+      </p:ext>
+    </p:extLst>
+  </p:cSld>
+  <p:clrMapOvr>
+    <a:masterClrMapping/>
+  </p:clrMapOvr>
+  <p:transition advClick="0" advTm="0"/>
+</p:sld>
+</file>
+
+<file path=ppt/slides/slide4.xml><?xml version="1.0" encoding="utf-8"?>
+<p:sld xmlns:a="http://schemas.openxmlformats.org/drawingml/2006/main" xmlns:r="http://schemas.openxmlformats.org/officeDocument/2006/relationships" xmlns:p="http://schemas.openxmlformats.org/presentationml/2006/main">
+  <p:cSld>
+    <p:spTree>
+      <p:nvGrpSpPr>
+        <p:cNvPr id="1" name=""/>
+        <p:cNvGrpSpPr/>
+        <p:nvPr/>
+      </p:nvGrpSpPr>
+      <p:grpSpPr>
+        <a:xfrm>
+          <a:off x="0" y="0"/>
+          <a:ext cx="0" cy="0"/>
+          <a:chOff x="0" y="0"/>
+          <a:chExt cx="0" cy="0"/>
+        </a:xfrm>
+      </p:grpSpPr>
+      <p:sp>
+        <p:nvSpPr>
+          <p:cNvPr id="4" name="矩形 12">
+            <a:extLst>
+              <a:ext uri="{FF2B5EF4-FFF2-40B4-BE49-F238E27FC236}">
+                <a16:creationId xmlns:a16="http://schemas.microsoft.com/office/drawing/2014/main" id="{F6BF20CA-7F00-436B-BCF9-2855E5BD74A3}"/>
+              </a:ext>
+            </a:extLst>
+          </p:cNvPr>
+          <p:cNvSpPr>
+            <a:spLocks noChangeArrowheads="1"/>
+          </p:cNvSpPr>
+          <p:nvPr/>
+        </p:nvSpPr>
+        <p:spPr bwMode="auto">
+          <a:xfrm>
+            <a:off x="385125" y="188641"/>
+            <a:ext cx="11568417" cy="584775"/>
+          </a:xfrm>
+          <a:prstGeom prst="rect">
+            <a:avLst/>
+          </a:prstGeom>
+          <a:noFill/>
+          <a:ln>
+            <a:noFill/>
+          </a:ln>
+          <a:extLst>
+            <a:ext uri="{909E8E84-426E-40DD-AFC4-6F175D3DCCD1}">
+              <a14:hiddenFill xmlns:a14="http://schemas.microsoft.com/office/drawing/2010/main">
+                <a:solidFill>
+                  <a:srgbClr val="FFFFFF"/>
+                </a:solidFill>
+              </a14:hiddenFill>
+            </a:ext>
+            <a:ext uri="{91240B29-F687-4F45-9708-019B960494DF}">
+              <a14:hiddenLine xmlns:a14="http://schemas.microsoft.com/office/drawing/2010/main" w="9525">
+                <a:solidFill>
+                  <a:srgbClr val="000000"/>
+                </a:solidFill>
+                <a:miter lim="800000"/>
+                <a:headEnd/>
+                <a:tailEnd/>
+              </a14:hiddenLine>
+            </a:ext>
+          </a:extLst>
+        </p:spPr>
+        <p:txBody>
+          <a:bodyPr wrap="square">
+            <a:spAutoFit/>
+          </a:bodyPr>
+          <a:lstStyle/>
+          <a:p>
+            <a:pPr marL="0" lvl="1" defTabSz="457200">
+              <a:buClr>
+                <a:srgbClr val="FF0000"/>
+              </a:buClr>
+              <a:buSzPct val="100000"/>
+            </a:pPr>
+            <a:r>
+              <a:rPr lang="en-US" altLang="zh-CN" sz="3200" b="1" dirty="0">
+                <a:solidFill>
+                  <a:schemeClr val="bg1"/>
+                </a:solidFill>
+                <a:latin typeface="Arial" panose="020B0604020202020204" pitchFamily="34" charset="0"/>
+                <a:ea typeface="微软雅黑" panose="020B0503020204020204" pitchFamily="34" charset="-122"/>
+                <a:cs typeface="+mn-ea"/>
+                <a:sym typeface="Arial" panose="020B0604020202020204" pitchFamily="34" charset="0"/>
+              </a:rPr>
+              <a:t>1.1 </a:t>
+            </a:r>
+            <a:r>
+              <a:rPr lang="zh-CN" altLang="en-US" sz="3200" b="1" dirty="0">
+                <a:solidFill>
+                  <a:schemeClr val="bg1"/>
+                </a:solidFill>
+                <a:latin typeface="Arial" panose="020B0604020202020204" pitchFamily="34" charset="0"/>
+                <a:ea typeface="微软雅黑" panose="020B0503020204020204" pitchFamily="34" charset="-122"/>
+                <a:cs typeface="+mn-ea"/>
+                <a:sym typeface="Arial" panose="020B0604020202020204" pitchFamily="34" charset="0"/>
+              </a:rPr>
+              <a:t>大气污染研究意义</a:t>
+            </a:r>
+          </a:p>
+        </p:txBody>
+      </p:sp>
+      <p:sp>
+        <p:nvSpPr>
+          <p:cNvPr id="3" name="标题 2">
+            <a:extLst>
+              <a:ext uri="{FF2B5EF4-FFF2-40B4-BE49-F238E27FC236}">
+                <a16:creationId xmlns:a16="http://schemas.microsoft.com/office/drawing/2014/main" id="{23511F03-0FA2-491A-BB93-1916D1A435B2}"/>
+              </a:ext>
+            </a:extLst>
+          </p:cNvPr>
+          <p:cNvSpPr>
+            <a:spLocks noGrp="1"/>
+          </p:cNvSpPr>
+          <p:nvPr>
+            <p:ph type="title"/>
+          </p:nvPr>
+        </p:nvSpPr>
+        <p:spPr/>
+        <p:txBody>
+          <a:bodyPr/>
+          <a:lstStyle/>
+          <a:p>
+            <a:r>
+              <a:rPr lang="en-US" altLang="zh-CN" dirty="0">
+                <a:latin typeface="Arial" panose="020B0604020202020204" pitchFamily="34" charset="0"/>
+                <a:sym typeface="Arial" panose="020B0604020202020204" pitchFamily="34" charset="0"/>
+              </a:rPr>
+              <a:t>1. XXX</a:t>
+            </a:r>
+            <a:endParaRPr lang="zh-CN" altLang="en-US" dirty="0">
+              <a:latin typeface="Arial" panose="020B0604020202020204" pitchFamily="34" charset="0"/>
+              <a:sym typeface="Arial" panose="020B0604020202020204" pitchFamily="34" charset="0"/>
+            </a:endParaRPr>
+          </a:p>
+        </p:txBody>
+      </p:sp>
+      <p:sp>
+        <p:nvSpPr>
+          <p:cNvPr id="7" name="灯片编号占位符 6">
+            <a:extLst>
+              <a:ext uri="{FF2B5EF4-FFF2-40B4-BE49-F238E27FC236}">
+                <a16:creationId xmlns:a16="http://schemas.microsoft.com/office/drawing/2014/main" id="{E5A1D114-3409-4CE9-83C9-021FA211102E}"/>
+              </a:ext>
+            </a:extLst>
+          </p:cNvPr>
+          <p:cNvSpPr>
+            <a:spLocks noGrp="1"/>
+          </p:cNvSpPr>
+          <p:nvPr>
+            <p:ph type="sldNum" sz="quarter" idx="16"/>
+          </p:nvPr>
+        </p:nvSpPr>
+        <p:spPr/>
+        <p:txBody>
+          <a:bodyPr/>
+          <a:lstStyle/>
+          <a:p>
+            <a:pPr>
+              <a:defRPr/>
+            </a:pPr>
+            <a:fld id="{26F565BE-27A9-4834-BA3A-D46EFBA6086A}" type="slidenum">
+              <a:rPr lang="zh-CN" altLang="en-US" smtClean="0">
+                <a:latin typeface="Arial" panose="020B0604020202020204" pitchFamily="34" charset="0"/>
+                <a:sym typeface="Arial" panose="020B0604020202020204" pitchFamily="34" charset="0"/>
+              </a:rPr>
+              <a:pPr>
+                <a:defRPr/>
+              </a:pPr>
+              <a:t>4</a:t>
+            </a:fld>
+            <a:endParaRPr lang="zh-CN" altLang="en-US" dirty="0">
+              <a:latin typeface="Arial" panose="020B0604020202020204" pitchFamily="34" charset="0"/>
+              <a:sym typeface="Arial" panose="020B0604020202020204" pitchFamily="34" charset="0"/>
+            </a:endParaRPr>
+          </a:p>
+        </p:txBody>
+      </p:sp>
+      <p:cxnSp>
+        <p:nvCxnSpPr>
+          <p:cNvPr id="8" name="直接连接符 7">
+            <a:extLst>
+              <a:ext uri="{FF2B5EF4-FFF2-40B4-BE49-F238E27FC236}">
+                <a16:creationId xmlns:a16="http://schemas.microsoft.com/office/drawing/2014/main" id="{7DA522CE-2F4E-4377-944A-0BFC6047D076}"/>
+              </a:ext>
+            </a:extLst>
+          </p:cNvPr>
+          <p:cNvCxnSpPr>
+            <a:cxnSpLocks/>
+          </p:cNvCxnSpPr>
+          <p:nvPr/>
+        </p:nvCxnSpPr>
+        <p:spPr>
+          <a:xfrm>
+            <a:off x="0" y="824357"/>
+            <a:ext cx="3877337" cy="0"/>
+          </a:xfrm>
+          <a:prstGeom prst="line">
+            <a:avLst/>
+          </a:prstGeom>
+          <a:ln w="31750">
+            <a:gradFill flip="none" rotWithShape="1">
+              <a:gsLst>
+                <a:gs pos="0">
+                  <a:schemeClr val="accent1">
+                    <a:lumMod val="40000"/>
+                    <a:lumOff val="60000"/>
+                  </a:schemeClr>
+                </a:gs>
+                <a:gs pos="46000">
+                  <a:schemeClr val="accent1">
+                    <a:lumMod val="40000"/>
+                    <a:lumOff val="60000"/>
+                  </a:schemeClr>
+                </a:gs>
+                <a:gs pos="100000">
+                  <a:schemeClr val="accent1">
+                    <a:lumMod val="75000"/>
+                  </a:schemeClr>
+                </a:gs>
+              </a:gsLst>
+              <a:lin ang="10800000" scaled="0"/>
+              <a:tileRect/>
+            </a:gradFill>
+          </a:ln>
+        </p:spPr>
+        <p:style>
+          <a:lnRef idx="3">
+            <a:schemeClr val="dk1"/>
+          </a:lnRef>
+          <a:fillRef idx="0">
+            <a:schemeClr val="dk1"/>
+          </a:fillRef>
+          <a:effectRef idx="2">
+            <a:schemeClr val="dk1"/>
+          </a:effectRef>
+          <a:fontRef idx="minor">
+            <a:schemeClr val="tx1"/>
+          </a:fontRef>
+        </p:style>
+      </p:cxnSp>
+    </p:spTree>
+    <p:extLst>
+      <p:ext uri="{BB962C8B-B14F-4D97-AF65-F5344CB8AC3E}">
+        <p14:creationId xmlns:p14="http://schemas.microsoft.com/office/powerpoint/2010/main" val="2432638051"/>
+      </p:ext>
+    </p:extLst>
+  </p:cSld>
+  <p:clrMapOvr>
+    <a:masterClrMapping/>
+  </p:clrMapOvr>
+  <p:transition advClick="0" advTm="0"/>
+</p:sld>
+</file>
+
 <file path=ppt/theme/theme1.xml><?xml version="1.0" encoding="utf-8"?>
 <a:theme xmlns:a="http://schemas.openxmlformats.org/drawingml/2006/main" name="Office 主题​​">
   <a:themeElements>

--- a/Summary.pptx
+++ b/Summary.pptx
@@ -1,20 +1,26 @@
 
 <file path=ppt/presentation.xml><?xml version="1.0" encoding="utf-8"?>
-<p:presentation xmlns:a="http://schemas.openxmlformats.org/drawingml/2006/main" xmlns:r="http://schemas.openxmlformats.org/officeDocument/2006/relationships" xmlns:p="http://schemas.openxmlformats.org/presentationml/2006/main" saveSubsetFonts="1">
+<p:presentation xmlns:a="http://schemas.openxmlformats.org/drawingml/2006/main" xmlns:r="http://schemas.openxmlformats.org/officeDocument/2006/relationships" xmlns:p="http://schemas.openxmlformats.org/presentationml/2006/main">
   <p:sldMasterIdLst>
     <p:sldMasterId id="2147483648" r:id="rId1"/>
+    <p:sldMasterId id="2147483661" r:id="rId3"/>
   </p:sldMasterIdLst>
   <p:notesMasterIdLst>
-    <p:notesMasterId r:id="rId6"/>
+    <p:notesMasterId r:id="rId5"/>
   </p:notesMasterIdLst>
   <p:sldIdLst>
-    <p:sldId id="1446" r:id="rId2"/>
-    <p:sldId id="1448" r:id="rId3"/>
-    <p:sldId id="1449" r:id="rId4"/>
-    <p:sldId id="1447" r:id="rId5"/>
+    <p:sldId id="1446" r:id="rId4"/>
+    <p:sldId id="1448" r:id="rId6"/>
+    <p:sldId id="1449" r:id="rId7"/>
+    <p:sldId id="1451" r:id="rId8"/>
+    <p:sldId id="1452" r:id="rId9"/>
+    <p:sldId id="1447" r:id="rId10"/>
   </p:sldIdLst>
   <p:sldSz cx="12192000" cy="6858000"/>
   <p:notesSz cx="6858000" cy="9144000"/>
+  <p:custDataLst>
+    <p:tags r:id="rId14"/>
+  </p:custDataLst>
   <p:defaultTextStyle>
     <a:defPPr>
       <a:defRPr lang="zh-CN"/>
@@ -110,11 +116,6 @@
       </a:defRPr>
     </a:lvl9pPr>
   </p:defaultTextStyle>
-  <p:extLst>
-    <p:ext uri="{EFAFB233-063F-42B5-8137-9DF3F51BA10A}">
-      <p15:sldGuideLst xmlns:p15="http://schemas.microsoft.com/office/powerpoint/2012/main"/>
-    </p:ext>
-  </p:extLst>
 </p:presentation>
 </file>
 
@@ -200,7 +201,6 @@
           <a:p>
             <a:fld id="{B2BC1989-2ADC-4D27-8872-418CF8BF6027}" type="datetimeFigureOut">
               <a:rPr lang="zh-CN" altLang="en-US" smtClean="0"/>
-              <a:t>2024/7/15</a:t>
             </a:fld>
             <a:endParaRPr lang="zh-CN" altLang="en-US"/>
           </a:p>
@@ -267,6 +267,7 @@
               <a:rPr lang="zh-CN" altLang="en-US"/>
               <a:t>单击此处编辑母版文本样式</a:t>
             </a:r>
+            <a:endParaRPr lang="zh-CN" altLang="en-US"/>
           </a:p>
           <a:p>
             <a:pPr lvl="1"/>
@@ -274,6 +275,7 @@
               <a:rPr lang="zh-CN" altLang="en-US"/>
               <a:t>二级</a:t>
             </a:r>
+            <a:endParaRPr lang="zh-CN" altLang="en-US"/>
           </a:p>
           <a:p>
             <a:pPr lvl="2"/>
@@ -281,6 +283,7 @@
               <a:rPr lang="zh-CN" altLang="en-US"/>
               <a:t>三级</a:t>
             </a:r>
+            <a:endParaRPr lang="zh-CN" altLang="en-US"/>
           </a:p>
           <a:p>
             <a:pPr lvl="3"/>
@@ -288,6 +291,7 @@
               <a:rPr lang="zh-CN" altLang="en-US"/>
               <a:t>四级</a:t>
             </a:r>
+            <a:endParaRPr lang="zh-CN" altLang="en-US"/>
           </a:p>
           <a:p>
             <a:pPr lvl="4"/>
@@ -295,6 +299,7 @@
               <a:rPr lang="zh-CN" altLang="en-US"/>
               <a:t>五级</a:t>
             </a:r>
+            <a:endParaRPr lang="zh-CN" altLang="en-US"/>
           </a:p>
         </p:txBody>
       </p:sp>
@@ -358,18 +363,12 @@
           <a:p>
             <a:fld id="{C4AE7525-DAD7-4EF4-8B64-4EE4E354A64A}" type="slidenum">
               <a:rPr lang="zh-CN" altLang="en-US" smtClean="0"/>
-              <a:t>‹#›</a:t>
             </a:fld>
             <a:endParaRPr lang="zh-CN" altLang="en-US"/>
           </a:p>
         </p:txBody>
       </p:sp>
     </p:spTree>
-    <p:extLst>
-      <p:ext uri="{BB962C8B-B14F-4D97-AF65-F5344CB8AC3E}">
-        <p14:creationId xmlns:p14="http://schemas.microsoft.com/office/powerpoint/2010/main" val="2881803909"/>
-      </p:ext>
-    </p:extLst>
   </p:cSld>
   <p:clrMap bg1="lt1" tx1="dk1" bg2="lt2" tx2="dk2" accent1="accent1" accent2="accent2" accent3="accent3" accent4="accent4" accent5="accent5" accent6="accent6" hlink="hlink" folHlink="folHlink"/>
   <p:notesStyle>
@@ -529,11 +528,6 @@
         </p:txBody>
       </p:sp>
     </p:spTree>
-    <p:extLst>
-      <p:ext uri="{BB962C8B-B14F-4D97-AF65-F5344CB8AC3E}">
-        <p14:creationId xmlns:p14="http://schemas.microsoft.com/office/powerpoint/2010/main" val="930960897"/>
-      </p:ext>
-    </p:extLst>
   </p:cSld>
   <p:clrMapOvr>
     <a:masterClrMapping/>
@@ -603,11 +597,6 @@
         </p:txBody>
       </p:sp>
     </p:spTree>
-    <p:extLst>
-      <p:ext uri="{BB962C8B-B14F-4D97-AF65-F5344CB8AC3E}">
-        <p14:creationId xmlns:p14="http://schemas.microsoft.com/office/powerpoint/2010/main" val="2619340933"/>
-      </p:ext>
-    </p:extLst>
   </p:cSld>
   <p:clrMapOvr>
     <a:masterClrMapping/>
@@ -677,11 +666,6 @@
         </p:txBody>
       </p:sp>
     </p:spTree>
-    <p:extLst>
-      <p:ext uri="{BB962C8B-B14F-4D97-AF65-F5344CB8AC3E}">
-        <p14:creationId xmlns:p14="http://schemas.microsoft.com/office/powerpoint/2010/main" val="2520108414"/>
-      </p:ext>
-    </p:extLst>
   </p:cSld>
   <p:clrMapOvr>
     <a:masterClrMapping/>
@@ -751,11 +735,144 @@
         </p:txBody>
       </p:sp>
     </p:spTree>
-    <p:extLst>
-      <p:ext uri="{BB962C8B-B14F-4D97-AF65-F5344CB8AC3E}">
-        <p14:creationId xmlns:p14="http://schemas.microsoft.com/office/powerpoint/2010/main" val="470137994"/>
-      </p:ext>
-    </p:extLst>
+  </p:cSld>
+  <p:clrMapOvr>
+    <a:masterClrMapping/>
+  </p:clrMapOvr>
+</p:notes>
+</file>
+
+<file path=ppt/notesSlides/notesSlide5.xml><?xml version="1.0" encoding="utf-8"?>
+<p:notes xmlns:a="http://schemas.openxmlformats.org/drawingml/2006/main" xmlns:r="http://schemas.openxmlformats.org/officeDocument/2006/relationships" xmlns:p="http://schemas.openxmlformats.org/presentationml/2006/main">
+  <p:cSld>
+    <p:spTree>
+      <p:nvGrpSpPr>
+        <p:cNvPr id="1" name=""/>
+        <p:cNvGrpSpPr/>
+        <p:nvPr/>
+      </p:nvGrpSpPr>
+      <p:grpSpPr>
+        <a:xfrm>
+          <a:off x="0" y="0"/>
+          <a:ext cx="0" cy="0"/>
+          <a:chOff x="0" y="0"/>
+          <a:chExt cx="0" cy="0"/>
+        </a:xfrm>
+      </p:grpSpPr>
+      <p:sp>
+        <p:nvSpPr>
+          <p:cNvPr id="2" name="幻灯片图像占位符 1"/>
+          <p:cNvSpPr>
+            <a:spLocks noGrp="1" noRot="1" noChangeAspect="1"/>
+          </p:cNvSpPr>
+          <p:nvPr>
+            <p:ph type="sldImg"/>
+          </p:nvPr>
+        </p:nvSpPr>
+        <p:spPr/>
+      </p:sp>
+      <p:sp>
+        <p:nvSpPr>
+          <p:cNvPr id="3" name="备注占位符 2"/>
+          <p:cNvSpPr>
+            <a:spLocks noGrp="1"/>
+          </p:cNvSpPr>
+          <p:nvPr>
+            <p:ph type="body" idx="1"/>
+          </p:nvPr>
+        </p:nvSpPr>
+        <p:spPr/>
+        <p:txBody>
+          <a:bodyPr/>
+          <a:lstStyle/>
+          <a:p>
+            <a:pPr marL="0" indent="-457200">
+              <a:lnSpc>
+                <a:spcPct val="135000"/>
+              </a:lnSpc>
+              <a:buNone/>
+            </a:pPr>
+            <a:endParaRPr lang="zh-CN" altLang="en-US" sz="1000" dirty="0">
+              <a:solidFill>
+                <a:srgbClr val="00246C"/>
+              </a:solidFill>
+              <a:ea typeface="+mn-ea"/>
+              <a:cs typeface="+mn-ea"/>
+              <a:sym typeface="+mn-lt"/>
+            </a:endParaRPr>
+          </a:p>
+        </p:txBody>
+      </p:sp>
+    </p:spTree>
+  </p:cSld>
+  <p:clrMapOvr>
+    <a:masterClrMapping/>
+  </p:clrMapOvr>
+</p:notes>
+</file>
+
+<file path=ppt/notesSlides/notesSlide6.xml><?xml version="1.0" encoding="utf-8"?>
+<p:notes xmlns:a="http://schemas.openxmlformats.org/drawingml/2006/main" xmlns:r="http://schemas.openxmlformats.org/officeDocument/2006/relationships" xmlns:p="http://schemas.openxmlformats.org/presentationml/2006/main">
+  <p:cSld>
+    <p:spTree>
+      <p:nvGrpSpPr>
+        <p:cNvPr id="1" name=""/>
+        <p:cNvGrpSpPr/>
+        <p:nvPr/>
+      </p:nvGrpSpPr>
+      <p:grpSpPr>
+        <a:xfrm>
+          <a:off x="0" y="0"/>
+          <a:ext cx="0" cy="0"/>
+          <a:chOff x="0" y="0"/>
+          <a:chExt cx="0" cy="0"/>
+        </a:xfrm>
+      </p:grpSpPr>
+      <p:sp>
+        <p:nvSpPr>
+          <p:cNvPr id="2" name="幻灯片图像占位符 1"/>
+          <p:cNvSpPr>
+            <a:spLocks noGrp="1" noRot="1" noChangeAspect="1"/>
+          </p:cNvSpPr>
+          <p:nvPr>
+            <p:ph type="sldImg"/>
+          </p:nvPr>
+        </p:nvSpPr>
+        <p:spPr/>
+      </p:sp>
+      <p:sp>
+        <p:nvSpPr>
+          <p:cNvPr id="3" name="备注占位符 2"/>
+          <p:cNvSpPr>
+            <a:spLocks noGrp="1"/>
+          </p:cNvSpPr>
+          <p:nvPr>
+            <p:ph type="body" idx="1"/>
+          </p:nvPr>
+        </p:nvSpPr>
+        <p:spPr/>
+        <p:txBody>
+          <a:bodyPr/>
+          <a:lstStyle/>
+          <a:p>
+            <a:pPr marL="0" indent="-457200">
+              <a:lnSpc>
+                <a:spcPct val="135000"/>
+              </a:lnSpc>
+              <a:buNone/>
+            </a:pPr>
+            <a:endParaRPr lang="zh-CN" altLang="en-US" sz="1000" dirty="0">
+              <a:solidFill>
+                <a:srgbClr val="00246C"/>
+              </a:solidFill>
+              <a:ea typeface="+mn-ea"/>
+              <a:cs typeface="+mn-ea"/>
+              <a:sym typeface="+mn-lt"/>
+            </a:endParaRPr>
+          </a:p>
+        </p:txBody>
+      </p:sp>
+    </p:spTree>
   </p:cSld>
   <p:clrMapOvr>
     <a:masterClrMapping/>
@@ -782,13 +899,7 @@
       </p:grpSpPr>
       <p:sp>
         <p:nvSpPr>
-          <p:cNvPr id="2" name="标题 1">
-            <a:extLst>
-              <a:ext uri="{FF2B5EF4-FFF2-40B4-BE49-F238E27FC236}">
-                <a16:creationId xmlns:a16="http://schemas.microsoft.com/office/drawing/2014/main" id="{249BAAF0-731A-4AC2-9D1B-7549A572E21F}"/>
-              </a:ext>
-            </a:extLst>
-          </p:cNvPr>
+          <p:cNvPr id="2" name="标题 1"/>
           <p:cNvSpPr>
             <a:spLocks noGrp="1"/>
           </p:cNvSpPr>
@@ -814,18 +925,13 @@
               <a:rPr lang="zh-CN" altLang="en-US"/>
               <a:t>单击此处编辑母版标题样式</a:t>
             </a:r>
-          </a:p>
-        </p:txBody>
-      </p:sp>
-      <p:sp>
-        <p:nvSpPr>
-          <p:cNvPr id="3" name="副标题 2">
-            <a:extLst>
-              <a:ext uri="{FF2B5EF4-FFF2-40B4-BE49-F238E27FC236}">
-                <a16:creationId xmlns:a16="http://schemas.microsoft.com/office/drawing/2014/main" id="{F428BA28-7477-481F-BB1E-6CB0A18CE0D7}"/>
-              </a:ext>
-            </a:extLst>
-          </p:cNvPr>
+            <a:endParaRPr lang="zh-CN" altLang="en-US"/>
+          </a:p>
+        </p:txBody>
+      </p:sp>
+      <p:sp>
+        <p:nvSpPr>
+          <p:cNvPr id="3" name="副标题 2"/>
           <p:cNvSpPr>
             <a:spLocks noGrp="1"/>
           </p:cNvSpPr>
@@ -884,18 +990,13 @@
               <a:rPr lang="zh-CN" altLang="en-US"/>
               <a:t>单击此处编辑母版副标题样式</a:t>
             </a:r>
-          </a:p>
-        </p:txBody>
-      </p:sp>
-      <p:sp>
-        <p:nvSpPr>
-          <p:cNvPr id="4" name="日期占位符 3">
-            <a:extLst>
-              <a:ext uri="{FF2B5EF4-FFF2-40B4-BE49-F238E27FC236}">
-                <a16:creationId xmlns:a16="http://schemas.microsoft.com/office/drawing/2014/main" id="{32525D74-656F-42D9-8E6C-FCB59477DBA7}"/>
-              </a:ext>
-            </a:extLst>
-          </p:cNvPr>
+            <a:endParaRPr lang="zh-CN" altLang="en-US"/>
+          </a:p>
+        </p:txBody>
+      </p:sp>
+      <p:sp>
+        <p:nvSpPr>
+          <p:cNvPr id="4" name="日期占位符 3"/>
           <p:cNvSpPr>
             <a:spLocks noGrp="1"/>
           </p:cNvSpPr>
@@ -910,7 +1011,6 @@
           <a:p>
             <a:fld id="{CAD19A8C-0F1E-4ACF-B569-36D45F7D9616}" type="datetimeFigureOut">
               <a:rPr lang="zh-CN" altLang="en-US" smtClean="0"/>
-              <a:t>2024/7/15</a:t>
             </a:fld>
             <a:endParaRPr lang="zh-CN" altLang="en-US"/>
           </a:p>
@@ -918,13 +1018,7 @@
       </p:sp>
       <p:sp>
         <p:nvSpPr>
-          <p:cNvPr id="5" name="页脚占位符 4">
-            <a:extLst>
-              <a:ext uri="{FF2B5EF4-FFF2-40B4-BE49-F238E27FC236}">
-                <a16:creationId xmlns:a16="http://schemas.microsoft.com/office/drawing/2014/main" id="{1FA6CDF0-848F-46E7-99AC-6A9DDB5E0971}"/>
-              </a:ext>
-            </a:extLst>
-          </p:cNvPr>
+          <p:cNvPr id="5" name="页脚占位符 4"/>
           <p:cNvSpPr>
             <a:spLocks noGrp="1"/>
           </p:cNvSpPr>
@@ -943,13 +1037,7 @@
       </p:sp>
       <p:sp>
         <p:nvSpPr>
-          <p:cNvPr id="6" name="灯片编号占位符 5">
-            <a:extLst>
-              <a:ext uri="{FF2B5EF4-FFF2-40B4-BE49-F238E27FC236}">
-                <a16:creationId xmlns:a16="http://schemas.microsoft.com/office/drawing/2014/main" id="{BD7FB891-8556-4F4E-98A6-186BAAC5D134}"/>
-              </a:ext>
-            </a:extLst>
-          </p:cNvPr>
+          <p:cNvPr id="6" name="灯片编号占位符 5"/>
           <p:cNvSpPr>
             <a:spLocks noGrp="1"/>
           </p:cNvSpPr>
@@ -964,18 +1052,12 @@
           <a:p>
             <a:fld id="{DB0D736F-E149-47EA-BA4B-81F4DB81E2B5}" type="slidenum">
               <a:rPr lang="zh-CN" altLang="en-US" smtClean="0"/>
-              <a:t>‹#›</a:t>
             </a:fld>
             <a:endParaRPr lang="zh-CN" altLang="en-US"/>
           </a:p>
         </p:txBody>
       </p:sp>
     </p:spTree>
-    <p:extLst>
-      <p:ext uri="{BB962C8B-B14F-4D97-AF65-F5344CB8AC3E}">
-        <p14:creationId xmlns:p14="http://schemas.microsoft.com/office/powerpoint/2010/main" val="1138350991"/>
-      </p:ext>
-    </p:extLst>
   </p:cSld>
   <p:clrMapOvr>
     <a:masterClrMapping/>
@@ -1002,13 +1084,7 @@
       </p:grpSpPr>
       <p:sp>
         <p:nvSpPr>
-          <p:cNvPr id="2" name="标题 1">
-            <a:extLst>
-              <a:ext uri="{FF2B5EF4-FFF2-40B4-BE49-F238E27FC236}">
-                <a16:creationId xmlns:a16="http://schemas.microsoft.com/office/drawing/2014/main" id="{CC896E0B-FC9A-45CE-B34E-0071BC9D48E2}"/>
-              </a:ext>
-            </a:extLst>
-          </p:cNvPr>
+          <p:cNvPr id="2" name="标题 1"/>
           <p:cNvSpPr>
             <a:spLocks noGrp="1"/>
           </p:cNvSpPr>
@@ -1025,18 +1101,13 @@
               <a:rPr lang="zh-CN" altLang="en-US"/>
               <a:t>单击此处编辑母版标题样式</a:t>
             </a:r>
-          </a:p>
-        </p:txBody>
-      </p:sp>
-      <p:sp>
-        <p:nvSpPr>
-          <p:cNvPr id="3" name="竖排文字占位符 2">
-            <a:extLst>
-              <a:ext uri="{FF2B5EF4-FFF2-40B4-BE49-F238E27FC236}">
-                <a16:creationId xmlns:a16="http://schemas.microsoft.com/office/drawing/2014/main" id="{4C167A7B-AD4E-41F9-8B05-3183C8815A42}"/>
-              </a:ext>
-            </a:extLst>
-          </p:cNvPr>
+            <a:endParaRPr lang="zh-CN" altLang="en-US"/>
+          </a:p>
+        </p:txBody>
+      </p:sp>
+      <p:sp>
+        <p:nvSpPr>
+          <p:cNvPr id="3" name="竖排文字占位符 2"/>
           <p:cNvSpPr>
             <a:spLocks noGrp="1"/>
           </p:cNvSpPr>
@@ -1054,6 +1125,7 @@
               <a:rPr lang="zh-CN" altLang="en-US"/>
               <a:t>单击此处编辑母版文本样式</a:t>
             </a:r>
+            <a:endParaRPr lang="zh-CN" altLang="en-US"/>
           </a:p>
           <a:p>
             <a:pPr lvl="1"/>
@@ -1061,6 +1133,7 @@
               <a:rPr lang="zh-CN" altLang="en-US"/>
               <a:t>二级</a:t>
             </a:r>
+            <a:endParaRPr lang="zh-CN" altLang="en-US"/>
           </a:p>
           <a:p>
             <a:pPr lvl="2"/>
@@ -1068,6 +1141,7 @@
               <a:rPr lang="zh-CN" altLang="en-US"/>
               <a:t>三级</a:t>
             </a:r>
+            <a:endParaRPr lang="zh-CN" altLang="en-US"/>
           </a:p>
           <a:p>
             <a:pPr lvl="3"/>
@@ -1075,6 +1149,7 @@
               <a:rPr lang="zh-CN" altLang="en-US"/>
               <a:t>四级</a:t>
             </a:r>
+            <a:endParaRPr lang="zh-CN" altLang="en-US"/>
           </a:p>
           <a:p>
             <a:pPr lvl="4"/>
@@ -1082,18 +1157,13 @@
               <a:rPr lang="zh-CN" altLang="en-US"/>
               <a:t>五级</a:t>
             </a:r>
-          </a:p>
-        </p:txBody>
-      </p:sp>
-      <p:sp>
-        <p:nvSpPr>
-          <p:cNvPr id="4" name="日期占位符 3">
-            <a:extLst>
-              <a:ext uri="{FF2B5EF4-FFF2-40B4-BE49-F238E27FC236}">
-                <a16:creationId xmlns:a16="http://schemas.microsoft.com/office/drawing/2014/main" id="{35B33E4A-9A82-4C56-B629-2DF174682010}"/>
-              </a:ext>
-            </a:extLst>
-          </p:cNvPr>
+            <a:endParaRPr lang="zh-CN" altLang="en-US"/>
+          </a:p>
+        </p:txBody>
+      </p:sp>
+      <p:sp>
+        <p:nvSpPr>
+          <p:cNvPr id="4" name="日期占位符 3"/>
           <p:cNvSpPr>
             <a:spLocks noGrp="1"/>
           </p:cNvSpPr>
@@ -1108,7 +1178,6 @@
           <a:p>
             <a:fld id="{CAD19A8C-0F1E-4ACF-B569-36D45F7D9616}" type="datetimeFigureOut">
               <a:rPr lang="zh-CN" altLang="en-US" smtClean="0"/>
-              <a:t>2024/7/15</a:t>
             </a:fld>
             <a:endParaRPr lang="zh-CN" altLang="en-US"/>
           </a:p>
@@ -1116,13 +1185,7 @@
       </p:sp>
       <p:sp>
         <p:nvSpPr>
-          <p:cNvPr id="5" name="页脚占位符 4">
-            <a:extLst>
-              <a:ext uri="{FF2B5EF4-FFF2-40B4-BE49-F238E27FC236}">
-                <a16:creationId xmlns:a16="http://schemas.microsoft.com/office/drawing/2014/main" id="{7FDDAFE3-A5E3-4FF8-8DF3-99BA6E51A0E0}"/>
-              </a:ext>
-            </a:extLst>
-          </p:cNvPr>
+          <p:cNvPr id="5" name="页脚占位符 4"/>
           <p:cNvSpPr>
             <a:spLocks noGrp="1"/>
           </p:cNvSpPr>
@@ -1141,13 +1204,7 @@
       </p:sp>
       <p:sp>
         <p:nvSpPr>
-          <p:cNvPr id="6" name="灯片编号占位符 5">
-            <a:extLst>
-              <a:ext uri="{FF2B5EF4-FFF2-40B4-BE49-F238E27FC236}">
-                <a16:creationId xmlns:a16="http://schemas.microsoft.com/office/drawing/2014/main" id="{6CC65C87-C7F4-4D19-9E6E-4966B5309A05}"/>
-              </a:ext>
-            </a:extLst>
-          </p:cNvPr>
+          <p:cNvPr id="6" name="灯片编号占位符 5"/>
           <p:cNvSpPr>
             <a:spLocks noGrp="1"/>
           </p:cNvSpPr>
@@ -1162,18 +1219,12 @@
           <a:p>
             <a:fld id="{DB0D736F-E149-47EA-BA4B-81F4DB81E2B5}" type="slidenum">
               <a:rPr lang="zh-CN" altLang="en-US" smtClean="0"/>
-              <a:t>‹#›</a:t>
             </a:fld>
             <a:endParaRPr lang="zh-CN" altLang="en-US"/>
           </a:p>
         </p:txBody>
       </p:sp>
     </p:spTree>
-    <p:extLst>
-      <p:ext uri="{BB962C8B-B14F-4D97-AF65-F5344CB8AC3E}">
-        <p14:creationId xmlns:p14="http://schemas.microsoft.com/office/powerpoint/2010/main" val="1380071440"/>
-      </p:ext>
-    </p:extLst>
   </p:cSld>
   <p:clrMapOvr>
     <a:masterClrMapping/>
@@ -1200,13 +1251,7 @@
       </p:grpSpPr>
       <p:sp>
         <p:nvSpPr>
-          <p:cNvPr id="2" name="竖排标题 1">
-            <a:extLst>
-              <a:ext uri="{FF2B5EF4-FFF2-40B4-BE49-F238E27FC236}">
-                <a16:creationId xmlns:a16="http://schemas.microsoft.com/office/drawing/2014/main" id="{83DF38E9-4117-4064-9181-A916620CF926}"/>
-              </a:ext>
-            </a:extLst>
-          </p:cNvPr>
+          <p:cNvPr id="2" name="竖排标题 1"/>
           <p:cNvSpPr>
             <a:spLocks noGrp="1"/>
           </p:cNvSpPr>
@@ -1228,18 +1273,13 @@
               <a:rPr lang="zh-CN" altLang="en-US"/>
               <a:t>单击此处编辑母版标题样式</a:t>
             </a:r>
-          </a:p>
-        </p:txBody>
-      </p:sp>
-      <p:sp>
-        <p:nvSpPr>
-          <p:cNvPr id="3" name="竖排文字占位符 2">
-            <a:extLst>
-              <a:ext uri="{FF2B5EF4-FFF2-40B4-BE49-F238E27FC236}">
-                <a16:creationId xmlns:a16="http://schemas.microsoft.com/office/drawing/2014/main" id="{6515DA04-D283-4568-94C0-E956D6802FC5}"/>
-              </a:ext>
-            </a:extLst>
-          </p:cNvPr>
+            <a:endParaRPr lang="zh-CN" altLang="en-US"/>
+          </a:p>
+        </p:txBody>
+      </p:sp>
+      <p:sp>
+        <p:nvSpPr>
+          <p:cNvPr id="3" name="竖排文字占位符 2"/>
           <p:cNvSpPr>
             <a:spLocks noGrp="1"/>
           </p:cNvSpPr>
@@ -1262,6 +1302,7 @@
               <a:rPr lang="zh-CN" altLang="en-US"/>
               <a:t>单击此处编辑母版文本样式</a:t>
             </a:r>
+            <a:endParaRPr lang="zh-CN" altLang="en-US"/>
           </a:p>
           <a:p>
             <a:pPr lvl="1"/>
@@ -1269,6 +1310,7 @@
               <a:rPr lang="zh-CN" altLang="en-US"/>
               <a:t>二级</a:t>
             </a:r>
+            <a:endParaRPr lang="zh-CN" altLang="en-US"/>
           </a:p>
           <a:p>
             <a:pPr lvl="2"/>
@@ -1276,6 +1318,7 @@
               <a:rPr lang="zh-CN" altLang="en-US"/>
               <a:t>三级</a:t>
             </a:r>
+            <a:endParaRPr lang="zh-CN" altLang="en-US"/>
           </a:p>
           <a:p>
             <a:pPr lvl="3"/>
@@ -1283,6 +1326,7 @@
               <a:rPr lang="zh-CN" altLang="en-US"/>
               <a:t>四级</a:t>
             </a:r>
+            <a:endParaRPr lang="zh-CN" altLang="en-US"/>
           </a:p>
           <a:p>
             <a:pPr lvl="4"/>
@@ -1290,18 +1334,13 @@
               <a:rPr lang="zh-CN" altLang="en-US"/>
               <a:t>五级</a:t>
             </a:r>
-          </a:p>
-        </p:txBody>
-      </p:sp>
-      <p:sp>
-        <p:nvSpPr>
-          <p:cNvPr id="4" name="日期占位符 3">
-            <a:extLst>
-              <a:ext uri="{FF2B5EF4-FFF2-40B4-BE49-F238E27FC236}">
-                <a16:creationId xmlns:a16="http://schemas.microsoft.com/office/drawing/2014/main" id="{AD3A0D20-D534-49DE-B69F-ACA0497D3A64}"/>
-              </a:ext>
-            </a:extLst>
-          </p:cNvPr>
+            <a:endParaRPr lang="zh-CN" altLang="en-US"/>
+          </a:p>
+        </p:txBody>
+      </p:sp>
+      <p:sp>
+        <p:nvSpPr>
+          <p:cNvPr id="4" name="日期占位符 3"/>
           <p:cNvSpPr>
             <a:spLocks noGrp="1"/>
           </p:cNvSpPr>
@@ -1316,7 +1355,6 @@
           <a:p>
             <a:fld id="{CAD19A8C-0F1E-4ACF-B569-36D45F7D9616}" type="datetimeFigureOut">
               <a:rPr lang="zh-CN" altLang="en-US" smtClean="0"/>
-              <a:t>2024/7/15</a:t>
             </a:fld>
             <a:endParaRPr lang="zh-CN" altLang="en-US"/>
           </a:p>
@@ -1324,13 +1362,7 @@
       </p:sp>
       <p:sp>
         <p:nvSpPr>
-          <p:cNvPr id="5" name="页脚占位符 4">
-            <a:extLst>
-              <a:ext uri="{FF2B5EF4-FFF2-40B4-BE49-F238E27FC236}">
-                <a16:creationId xmlns:a16="http://schemas.microsoft.com/office/drawing/2014/main" id="{9A1BD62F-A07C-493E-933D-E14EAEDBA958}"/>
-              </a:ext>
-            </a:extLst>
-          </p:cNvPr>
+          <p:cNvPr id="5" name="页脚占位符 4"/>
           <p:cNvSpPr>
             <a:spLocks noGrp="1"/>
           </p:cNvSpPr>
@@ -1349,13 +1381,7 @@
       </p:sp>
       <p:sp>
         <p:nvSpPr>
-          <p:cNvPr id="6" name="灯片编号占位符 5">
-            <a:extLst>
-              <a:ext uri="{FF2B5EF4-FFF2-40B4-BE49-F238E27FC236}">
-                <a16:creationId xmlns:a16="http://schemas.microsoft.com/office/drawing/2014/main" id="{3DA35014-D2BD-4FA1-B9E3-58E15192C033}"/>
-              </a:ext>
-            </a:extLst>
-          </p:cNvPr>
+          <p:cNvPr id="6" name="灯片编号占位符 5"/>
           <p:cNvSpPr>
             <a:spLocks noGrp="1"/>
           </p:cNvSpPr>
@@ -1370,18 +1396,12 @@
           <a:p>
             <a:fld id="{DB0D736F-E149-47EA-BA4B-81F4DB81E2B5}" type="slidenum">
               <a:rPr lang="zh-CN" altLang="en-US" smtClean="0"/>
-              <a:t>‹#›</a:t>
             </a:fld>
             <a:endParaRPr lang="zh-CN" altLang="en-US"/>
           </a:p>
         </p:txBody>
       </p:sp>
     </p:spTree>
-    <p:extLst>
-      <p:ext uri="{BB962C8B-B14F-4D97-AF65-F5344CB8AC3E}">
-        <p14:creationId xmlns:p14="http://schemas.microsoft.com/office/powerpoint/2010/main" val="2964364723"/>
-      </p:ext>
-    </p:extLst>
   </p:cSld>
   <p:clrMapOvr>
     <a:masterClrMapping/>
@@ -1439,7 +1459,7 @@
                   <a:srgbClr val="002060"/>
                 </a:solidFill>
                 <a:latin typeface="微软雅黑" panose="020B0503020204020204" pitchFamily="34" charset="-122"/>
-                <a:ea typeface="微软雅黑" pitchFamily="34" charset="-122"/>
+                <a:ea typeface="微软雅黑" panose="020B0503020204020204" pitchFamily="34" charset="-122"/>
                 <a:cs typeface="+mn-cs"/>
               </a:defRPr>
             </a:lvl1pPr>
@@ -1481,7 +1501,6 @@
             </a:pPr>
             <a:fld id="{B4079EA7-C98D-4F84-8E79-E8D84A8D7936}" type="datetime1">
               <a:rPr lang="zh-CN" altLang="en-US" smtClean="0"/>
-              <a:t>2024/7/15</a:t>
             </a:fld>
             <a:endParaRPr lang="zh-CN" altLang="en-US"/>
           </a:p>
@@ -1550,10 +1569,6 @@
             </a:pPr>
             <a:fld id="{E573FF62-F927-4949-8195-3D0EF571EDBF}" type="slidenum">
               <a:rPr lang="zh-CN" altLang="en-US"/>
-              <a:pPr>
-                <a:defRPr/>
-              </a:pPr>
-              <a:t>‹#›</a:t>
             </a:fld>
             <a:endParaRPr lang="zh-CN" altLang="en-US" dirty="0"/>
           </a:p>
@@ -1561,13 +1576,7 @@
       </p:sp>
       <p:sp>
         <p:nvSpPr>
-          <p:cNvPr id="8" name="内容占位符 2">
-            <a:extLst>
-              <a:ext uri="{FF2B5EF4-FFF2-40B4-BE49-F238E27FC236}">
-                <a16:creationId xmlns:a16="http://schemas.microsoft.com/office/drawing/2014/main" id="{4F17D5FC-8C00-4AA8-A17A-4E1303363766}"/>
-              </a:ext>
-            </a:extLst>
-          </p:cNvPr>
+          <p:cNvPr id="8" name="内容占位符 2"/>
           <p:cNvSpPr>
             <a:spLocks noGrp="1"/>
           </p:cNvSpPr>
@@ -1636,6 +1645,7 @@
               <a:rPr lang="zh-CN" altLang="en-US" dirty="0"/>
               <a:t>单击此处编辑母版文本样式</a:t>
             </a:r>
+            <a:endParaRPr lang="zh-CN" altLang="en-US" dirty="0"/>
           </a:p>
           <a:p>
             <a:pPr lvl="1"/>
@@ -1643,6 +1653,7 @@
               <a:rPr lang="zh-CN" altLang="en-US" dirty="0"/>
               <a:t>二级</a:t>
             </a:r>
+            <a:endParaRPr lang="zh-CN" altLang="en-US" dirty="0"/>
           </a:p>
           <a:p>
             <a:pPr lvl="2"/>
@@ -1650,15 +1661,1405 @@
               <a:rPr lang="zh-CN" altLang="en-US" dirty="0"/>
               <a:t>三级</a:t>
             </a:r>
+            <a:endParaRPr lang="zh-CN" altLang="en-US" dirty="0"/>
           </a:p>
         </p:txBody>
       </p:sp>
     </p:spTree>
-    <p:extLst>
-      <p:ext uri="{BB962C8B-B14F-4D97-AF65-F5344CB8AC3E}">
-        <p14:creationId xmlns:p14="http://schemas.microsoft.com/office/powerpoint/2010/main" val="3132776463"/>
-      </p:ext>
-    </p:extLst>
+  </p:cSld>
+  <p:clrMapOvr>
+    <a:masterClrMapping/>
+  </p:clrMapOvr>
+</p:sldLayout>
+</file>
+
+<file path=ppt/slideLayouts/slideLayout13.xml><?xml version="1.0" encoding="utf-8"?>
+<p:sldLayout xmlns:a="http://schemas.openxmlformats.org/drawingml/2006/main" xmlns:r="http://schemas.openxmlformats.org/officeDocument/2006/relationships" xmlns:p="http://schemas.openxmlformats.org/presentationml/2006/main" type="title" preserve="1">
+  <p:cSld name="标题幻灯片">
+    <p:spTree>
+      <p:nvGrpSpPr>
+        <p:cNvPr id="1" name=""/>
+        <p:cNvGrpSpPr/>
+        <p:nvPr/>
+      </p:nvGrpSpPr>
+      <p:grpSpPr>
+        <a:xfrm>
+          <a:off x="0" y="0"/>
+          <a:ext cx="0" cy="0"/>
+          <a:chOff x="0" y="0"/>
+          <a:chExt cx="0" cy="0"/>
+        </a:xfrm>
+      </p:grpSpPr>
+      <p:sp>
+        <p:nvSpPr>
+          <p:cNvPr id="2" name="标题 1"/>
+          <p:cNvSpPr>
+            <a:spLocks noGrp="1"/>
+          </p:cNvSpPr>
+          <p:nvPr>
+            <p:ph type="ctrTitle"/>
+          </p:nvPr>
+        </p:nvSpPr>
+        <p:spPr>
+          <a:xfrm>
+            <a:off x="1524000" y="1122363"/>
+            <a:ext cx="9144000" cy="2387600"/>
+          </a:xfrm>
+        </p:spPr>
+        <p:txBody>
+          <a:bodyPr anchor="b"/>
+          <a:lstStyle>
+            <a:lvl1pPr algn="ctr">
+              <a:defRPr sz="6000"/>
+            </a:lvl1pPr>
+          </a:lstStyle>
+          <a:p>
+            <a:r>
+              <a:rPr lang="zh-CN" altLang="en-US"/>
+              <a:t>单击此处编辑母版标题样式</a:t>
+            </a:r>
+            <a:endParaRPr lang="zh-CN" altLang="en-US"/>
+          </a:p>
+        </p:txBody>
+      </p:sp>
+      <p:sp>
+        <p:nvSpPr>
+          <p:cNvPr id="3" name="副标题 2"/>
+          <p:cNvSpPr>
+            <a:spLocks noGrp="1"/>
+          </p:cNvSpPr>
+          <p:nvPr>
+            <p:ph type="subTitle" idx="1"/>
+          </p:nvPr>
+        </p:nvSpPr>
+        <p:spPr>
+          <a:xfrm>
+            <a:off x="1524000" y="3602038"/>
+            <a:ext cx="9144000" cy="1655762"/>
+          </a:xfrm>
+        </p:spPr>
+        <p:txBody>
+          <a:bodyPr/>
+          <a:lstStyle>
+            <a:lvl1pPr marL="0" indent="0" algn="ctr">
+              <a:buNone/>
+              <a:defRPr sz="2400"/>
+            </a:lvl1pPr>
+            <a:lvl2pPr marL="457200" indent="0" algn="ctr">
+              <a:buNone/>
+              <a:defRPr sz="2000"/>
+            </a:lvl2pPr>
+            <a:lvl3pPr marL="914400" indent="0" algn="ctr">
+              <a:buNone/>
+              <a:defRPr sz="1800"/>
+            </a:lvl3pPr>
+            <a:lvl4pPr marL="1371600" indent="0" algn="ctr">
+              <a:buNone/>
+              <a:defRPr sz="1600"/>
+            </a:lvl4pPr>
+            <a:lvl5pPr marL="1828800" indent="0" algn="ctr">
+              <a:buNone/>
+              <a:defRPr sz="1600"/>
+            </a:lvl5pPr>
+            <a:lvl6pPr marL="2286000" indent="0" algn="ctr">
+              <a:buNone/>
+              <a:defRPr sz="1600"/>
+            </a:lvl6pPr>
+            <a:lvl7pPr marL="2743200" indent="0" algn="ctr">
+              <a:buNone/>
+              <a:defRPr sz="1600"/>
+            </a:lvl7pPr>
+            <a:lvl8pPr marL="3200400" indent="0" algn="ctr">
+              <a:buNone/>
+              <a:defRPr sz="1600"/>
+            </a:lvl8pPr>
+            <a:lvl9pPr marL="3657600" indent="0" algn="ctr">
+              <a:buNone/>
+              <a:defRPr sz="1600"/>
+            </a:lvl9pPr>
+          </a:lstStyle>
+          <a:p>
+            <a:r>
+              <a:rPr lang="zh-CN" altLang="en-US"/>
+              <a:t>单击此处编辑母版副标题样式</a:t>
+            </a:r>
+            <a:endParaRPr lang="zh-CN" altLang="en-US"/>
+          </a:p>
+        </p:txBody>
+      </p:sp>
+      <p:sp>
+        <p:nvSpPr>
+          <p:cNvPr id="4" name="日期占位符 3"/>
+          <p:cNvSpPr>
+            <a:spLocks noGrp="1"/>
+          </p:cNvSpPr>
+          <p:nvPr>
+            <p:ph type="dt" sz="half" idx="10"/>
+          </p:nvPr>
+        </p:nvSpPr>
+        <p:spPr/>
+        <p:txBody>
+          <a:bodyPr/>
+          <a:lstStyle/>
+          <a:p>
+            <a:fld id="{CAD19A8C-0F1E-4ACF-B569-36D45F7D9616}" type="datetimeFigureOut">
+              <a:rPr lang="zh-CN" altLang="en-US" smtClean="0"/>
+            </a:fld>
+            <a:endParaRPr lang="zh-CN" altLang="en-US"/>
+          </a:p>
+        </p:txBody>
+      </p:sp>
+      <p:sp>
+        <p:nvSpPr>
+          <p:cNvPr id="5" name="页脚占位符 4"/>
+          <p:cNvSpPr>
+            <a:spLocks noGrp="1"/>
+          </p:cNvSpPr>
+          <p:nvPr>
+            <p:ph type="ftr" sz="quarter" idx="11"/>
+          </p:nvPr>
+        </p:nvSpPr>
+        <p:spPr/>
+        <p:txBody>
+          <a:bodyPr/>
+          <a:lstStyle/>
+          <a:p>
+            <a:endParaRPr lang="zh-CN" altLang="en-US"/>
+          </a:p>
+        </p:txBody>
+      </p:sp>
+      <p:sp>
+        <p:nvSpPr>
+          <p:cNvPr id="6" name="灯片编号占位符 5"/>
+          <p:cNvSpPr>
+            <a:spLocks noGrp="1"/>
+          </p:cNvSpPr>
+          <p:nvPr>
+            <p:ph type="sldNum" sz="quarter" idx="12"/>
+          </p:nvPr>
+        </p:nvSpPr>
+        <p:spPr/>
+        <p:txBody>
+          <a:bodyPr/>
+          <a:lstStyle/>
+          <a:p>
+            <a:fld id="{DB0D736F-E149-47EA-BA4B-81F4DB81E2B5}" type="slidenum">
+              <a:rPr lang="zh-CN" altLang="en-US" smtClean="0"/>
+            </a:fld>
+            <a:endParaRPr lang="zh-CN" altLang="en-US"/>
+          </a:p>
+        </p:txBody>
+      </p:sp>
+    </p:spTree>
+  </p:cSld>
+  <p:clrMapOvr>
+    <a:masterClrMapping/>
+  </p:clrMapOvr>
+</p:sldLayout>
+</file>
+
+<file path=ppt/slideLayouts/slideLayout14.xml><?xml version="1.0" encoding="utf-8"?>
+<p:sldLayout xmlns:a="http://schemas.openxmlformats.org/drawingml/2006/main" xmlns:r="http://schemas.openxmlformats.org/officeDocument/2006/relationships" xmlns:p="http://schemas.openxmlformats.org/presentationml/2006/main" type="obj" preserve="1">
+  <p:cSld name="标题和内容">
+    <p:spTree>
+      <p:nvGrpSpPr>
+        <p:cNvPr id="1" name=""/>
+        <p:cNvGrpSpPr/>
+        <p:nvPr/>
+      </p:nvGrpSpPr>
+      <p:grpSpPr>
+        <a:xfrm>
+          <a:off x="0" y="0"/>
+          <a:ext cx="0" cy="0"/>
+          <a:chOff x="0" y="0"/>
+          <a:chExt cx="0" cy="0"/>
+        </a:xfrm>
+      </p:grpSpPr>
+      <p:sp>
+        <p:nvSpPr>
+          <p:cNvPr id="2" name="标题 1"/>
+          <p:cNvSpPr>
+            <a:spLocks noGrp="1"/>
+          </p:cNvSpPr>
+          <p:nvPr>
+            <p:ph type="title"/>
+          </p:nvPr>
+        </p:nvSpPr>
+        <p:spPr/>
+        <p:txBody>
+          <a:bodyPr/>
+          <a:lstStyle/>
+          <a:p>
+            <a:r>
+              <a:rPr lang="zh-CN" altLang="en-US"/>
+              <a:t>单击此处编辑母版标题样式</a:t>
+            </a:r>
+            <a:endParaRPr lang="zh-CN" altLang="en-US"/>
+          </a:p>
+        </p:txBody>
+      </p:sp>
+      <p:sp>
+        <p:nvSpPr>
+          <p:cNvPr id="3" name="内容占位符 2"/>
+          <p:cNvSpPr>
+            <a:spLocks noGrp="1"/>
+          </p:cNvSpPr>
+          <p:nvPr>
+            <p:ph idx="1"/>
+          </p:nvPr>
+        </p:nvSpPr>
+        <p:spPr/>
+        <p:txBody>
+          <a:bodyPr/>
+          <a:lstStyle/>
+          <a:p>
+            <a:pPr lvl="0"/>
+            <a:r>
+              <a:rPr lang="zh-CN" altLang="en-US"/>
+              <a:t>单击此处编辑母版文本样式</a:t>
+            </a:r>
+            <a:endParaRPr lang="zh-CN" altLang="en-US"/>
+          </a:p>
+          <a:p>
+            <a:pPr lvl="1"/>
+            <a:r>
+              <a:rPr lang="zh-CN" altLang="en-US"/>
+              <a:t>二级</a:t>
+            </a:r>
+            <a:endParaRPr lang="zh-CN" altLang="en-US"/>
+          </a:p>
+          <a:p>
+            <a:pPr lvl="2"/>
+            <a:r>
+              <a:rPr lang="zh-CN" altLang="en-US"/>
+              <a:t>三级</a:t>
+            </a:r>
+            <a:endParaRPr lang="zh-CN" altLang="en-US"/>
+          </a:p>
+          <a:p>
+            <a:pPr lvl="3"/>
+            <a:r>
+              <a:rPr lang="zh-CN" altLang="en-US"/>
+              <a:t>四级</a:t>
+            </a:r>
+            <a:endParaRPr lang="zh-CN" altLang="en-US"/>
+          </a:p>
+          <a:p>
+            <a:pPr lvl="4"/>
+            <a:r>
+              <a:rPr lang="zh-CN" altLang="en-US"/>
+              <a:t>五级</a:t>
+            </a:r>
+            <a:endParaRPr lang="zh-CN" altLang="en-US"/>
+          </a:p>
+        </p:txBody>
+      </p:sp>
+      <p:sp>
+        <p:nvSpPr>
+          <p:cNvPr id="4" name="日期占位符 3"/>
+          <p:cNvSpPr>
+            <a:spLocks noGrp="1"/>
+          </p:cNvSpPr>
+          <p:nvPr>
+            <p:ph type="dt" sz="half" idx="10"/>
+          </p:nvPr>
+        </p:nvSpPr>
+        <p:spPr/>
+        <p:txBody>
+          <a:bodyPr/>
+          <a:lstStyle/>
+          <a:p>
+            <a:fld id="{CAD19A8C-0F1E-4ACF-B569-36D45F7D9616}" type="datetimeFigureOut">
+              <a:rPr lang="zh-CN" altLang="en-US" smtClean="0"/>
+            </a:fld>
+            <a:endParaRPr lang="zh-CN" altLang="en-US"/>
+          </a:p>
+        </p:txBody>
+      </p:sp>
+      <p:sp>
+        <p:nvSpPr>
+          <p:cNvPr id="5" name="页脚占位符 4"/>
+          <p:cNvSpPr>
+            <a:spLocks noGrp="1"/>
+          </p:cNvSpPr>
+          <p:nvPr>
+            <p:ph type="ftr" sz="quarter" idx="11"/>
+          </p:nvPr>
+        </p:nvSpPr>
+        <p:spPr/>
+        <p:txBody>
+          <a:bodyPr/>
+          <a:lstStyle/>
+          <a:p>
+            <a:endParaRPr lang="zh-CN" altLang="en-US"/>
+          </a:p>
+        </p:txBody>
+      </p:sp>
+      <p:sp>
+        <p:nvSpPr>
+          <p:cNvPr id="6" name="灯片编号占位符 5"/>
+          <p:cNvSpPr>
+            <a:spLocks noGrp="1"/>
+          </p:cNvSpPr>
+          <p:nvPr>
+            <p:ph type="sldNum" sz="quarter" idx="12"/>
+          </p:nvPr>
+        </p:nvSpPr>
+        <p:spPr/>
+        <p:txBody>
+          <a:bodyPr/>
+          <a:lstStyle/>
+          <a:p>
+            <a:fld id="{DB0D736F-E149-47EA-BA4B-81F4DB81E2B5}" type="slidenum">
+              <a:rPr lang="zh-CN" altLang="en-US" smtClean="0"/>
+            </a:fld>
+            <a:endParaRPr lang="zh-CN" altLang="en-US"/>
+          </a:p>
+        </p:txBody>
+      </p:sp>
+    </p:spTree>
+  </p:cSld>
+  <p:clrMapOvr>
+    <a:masterClrMapping/>
+  </p:clrMapOvr>
+</p:sldLayout>
+</file>
+
+<file path=ppt/slideLayouts/slideLayout15.xml><?xml version="1.0" encoding="utf-8"?>
+<p:sldLayout xmlns:a="http://schemas.openxmlformats.org/drawingml/2006/main" xmlns:r="http://schemas.openxmlformats.org/officeDocument/2006/relationships" xmlns:p="http://schemas.openxmlformats.org/presentationml/2006/main" type="secHead" preserve="1">
+  <p:cSld name="节标题">
+    <p:spTree>
+      <p:nvGrpSpPr>
+        <p:cNvPr id="1" name=""/>
+        <p:cNvGrpSpPr/>
+        <p:nvPr/>
+      </p:nvGrpSpPr>
+      <p:grpSpPr>
+        <a:xfrm>
+          <a:off x="0" y="0"/>
+          <a:ext cx="0" cy="0"/>
+          <a:chOff x="0" y="0"/>
+          <a:chExt cx="0" cy="0"/>
+        </a:xfrm>
+      </p:grpSpPr>
+      <p:sp>
+        <p:nvSpPr>
+          <p:cNvPr id="2" name="标题 1"/>
+          <p:cNvSpPr>
+            <a:spLocks noGrp="1"/>
+          </p:cNvSpPr>
+          <p:nvPr>
+            <p:ph type="title"/>
+          </p:nvPr>
+        </p:nvSpPr>
+        <p:spPr>
+          <a:xfrm>
+            <a:off x="831850" y="1709738"/>
+            <a:ext cx="10515600" cy="2852737"/>
+          </a:xfrm>
+        </p:spPr>
+        <p:txBody>
+          <a:bodyPr anchor="b"/>
+          <a:lstStyle>
+            <a:lvl1pPr>
+              <a:defRPr sz="6000"/>
+            </a:lvl1pPr>
+          </a:lstStyle>
+          <a:p>
+            <a:r>
+              <a:rPr lang="zh-CN" altLang="en-US"/>
+              <a:t>单击此处编辑母版标题样式</a:t>
+            </a:r>
+            <a:endParaRPr lang="zh-CN" altLang="en-US"/>
+          </a:p>
+        </p:txBody>
+      </p:sp>
+      <p:sp>
+        <p:nvSpPr>
+          <p:cNvPr id="3" name="文本占位符 2"/>
+          <p:cNvSpPr>
+            <a:spLocks noGrp="1"/>
+          </p:cNvSpPr>
+          <p:nvPr>
+            <p:ph type="body" idx="1"/>
+          </p:nvPr>
+        </p:nvSpPr>
+        <p:spPr>
+          <a:xfrm>
+            <a:off x="831850" y="4589463"/>
+            <a:ext cx="10515600" cy="1500187"/>
+          </a:xfrm>
+        </p:spPr>
+        <p:txBody>
+          <a:bodyPr/>
+          <a:lstStyle>
+            <a:lvl1pPr marL="0" indent="0">
+              <a:buNone/>
+              <a:defRPr sz="2400">
+                <a:solidFill>
+                  <a:schemeClr val="tx1">
+                    <a:tint val="75000"/>
+                  </a:schemeClr>
+                </a:solidFill>
+              </a:defRPr>
+            </a:lvl1pPr>
+            <a:lvl2pPr marL="457200" indent="0">
+              <a:buNone/>
+              <a:defRPr sz="2000">
+                <a:solidFill>
+                  <a:schemeClr val="tx1">
+                    <a:tint val="75000"/>
+                  </a:schemeClr>
+                </a:solidFill>
+              </a:defRPr>
+            </a:lvl2pPr>
+            <a:lvl3pPr marL="914400" indent="0">
+              <a:buNone/>
+              <a:defRPr sz="1800">
+                <a:solidFill>
+                  <a:schemeClr val="tx1">
+                    <a:tint val="75000"/>
+                  </a:schemeClr>
+                </a:solidFill>
+              </a:defRPr>
+            </a:lvl3pPr>
+            <a:lvl4pPr marL="1371600" indent="0">
+              <a:buNone/>
+              <a:defRPr sz="1600">
+                <a:solidFill>
+                  <a:schemeClr val="tx1">
+                    <a:tint val="75000"/>
+                  </a:schemeClr>
+                </a:solidFill>
+              </a:defRPr>
+            </a:lvl4pPr>
+            <a:lvl5pPr marL="1828800" indent="0">
+              <a:buNone/>
+              <a:defRPr sz="1600">
+                <a:solidFill>
+                  <a:schemeClr val="tx1">
+                    <a:tint val="75000"/>
+                  </a:schemeClr>
+                </a:solidFill>
+              </a:defRPr>
+            </a:lvl5pPr>
+            <a:lvl6pPr marL="2286000" indent="0">
+              <a:buNone/>
+              <a:defRPr sz="1600">
+                <a:solidFill>
+                  <a:schemeClr val="tx1">
+                    <a:tint val="75000"/>
+                  </a:schemeClr>
+                </a:solidFill>
+              </a:defRPr>
+            </a:lvl6pPr>
+            <a:lvl7pPr marL="2743200" indent="0">
+              <a:buNone/>
+              <a:defRPr sz="1600">
+                <a:solidFill>
+                  <a:schemeClr val="tx1">
+                    <a:tint val="75000"/>
+                  </a:schemeClr>
+                </a:solidFill>
+              </a:defRPr>
+            </a:lvl7pPr>
+            <a:lvl8pPr marL="3200400" indent="0">
+              <a:buNone/>
+              <a:defRPr sz="1600">
+                <a:solidFill>
+                  <a:schemeClr val="tx1">
+                    <a:tint val="75000"/>
+                  </a:schemeClr>
+                </a:solidFill>
+              </a:defRPr>
+            </a:lvl8pPr>
+            <a:lvl9pPr marL="3657600" indent="0">
+              <a:buNone/>
+              <a:defRPr sz="1600">
+                <a:solidFill>
+                  <a:schemeClr val="tx1">
+                    <a:tint val="75000"/>
+                  </a:schemeClr>
+                </a:solidFill>
+              </a:defRPr>
+            </a:lvl9pPr>
+          </a:lstStyle>
+          <a:p>
+            <a:pPr lvl="0"/>
+            <a:r>
+              <a:rPr lang="zh-CN" altLang="en-US"/>
+              <a:t>单击此处编辑母版文本样式</a:t>
+            </a:r>
+            <a:endParaRPr lang="zh-CN" altLang="en-US"/>
+          </a:p>
+        </p:txBody>
+      </p:sp>
+      <p:sp>
+        <p:nvSpPr>
+          <p:cNvPr id="4" name="日期占位符 3"/>
+          <p:cNvSpPr>
+            <a:spLocks noGrp="1"/>
+          </p:cNvSpPr>
+          <p:nvPr>
+            <p:ph type="dt" sz="half" idx="10"/>
+          </p:nvPr>
+        </p:nvSpPr>
+        <p:spPr/>
+        <p:txBody>
+          <a:bodyPr/>
+          <a:lstStyle/>
+          <a:p>
+            <a:fld id="{CAD19A8C-0F1E-4ACF-B569-36D45F7D9616}" type="datetimeFigureOut">
+              <a:rPr lang="zh-CN" altLang="en-US" smtClean="0"/>
+            </a:fld>
+            <a:endParaRPr lang="zh-CN" altLang="en-US"/>
+          </a:p>
+        </p:txBody>
+      </p:sp>
+      <p:sp>
+        <p:nvSpPr>
+          <p:cNvPr id="5" name="页脚占位符 4"/>
+          <p:cNvSpPr>
+            <a:spLocks noGrp="1"/>
+          </p:cNvSpPr>
+          <p:nvPr>
+            <p:ph type="ftr" sz="quarter" idx="11"/>
+          </p:nvPr>
+        </p:nvSpPr>
+        <p:spPr/>
+        <p:txBody>
+          <a:bodyPr/>
+          <a:lstStyle/>
+          <a:p>
+            <a:endParaRPr lang="zh-CN" altLang="en-US"/>
+          </a:p>
+        </p:txBody>
+      </p:sp>
+      <p:sp>
+        <p:nvSpPr>
+          <p:cNvPr id="6" name="灯片编号占位符 5"/>
+          <p:cNvSpPr>
+            <a:spLocks noGrp="1"/>
+          </p:cNvSpPr>
+          <p:nvPr>
+            <p:ph type="sldNum" sz="quarter" idx="12"/>
+          </p:nvPr>
+        </p:nvSpPr>
+        <p:spPr/>
+        <p:txBody>
+          <a:bodyPr/>
+          <a:lstStyle/>
+          <a:p>
+            <a:fld id="{DB0D736F-E149-47EA-BA4B-81F4DB81E2B5}" type="slidenum">
+              <a:rPr lang="zh-CN" altLang="en-US" smtClean="0"/>
+            </a:fld>
+            <a:endParaRPr lang="zh-CN" altLang="en-US"/>
+          </a:p>
+        </p:txBody>
+      </p:sp>
+    </p:spTree>
+  </p:cSld>
+  <p:clrMapOvr>
+    <a:masterClrMapping/>
+  </p:clrMapOvr>
+</p:sldLayout>
+</file>
+
+<file path=ppt/slideLayouts/slideLayout16.xml><?xml version="1.0" encoding="utf-8"?>
+<p:sldLayout xmlns:a="http://schemas.openxmlformats.org/drawingml/2006/main" xmlns:r="http://schemas.openxmlformats.org/officeDocument/2006/relationships" xmlns:p="http://schemas.openxmlformats.org/presentationml/2006/main" type="twoObj" preserve="1">
+  <p:cSld name="两栏内容">
+    <p:spTree>
+      <p:nvGrpSpPr>
+        <p:cNvPr id="1" name=""/>
+        <p:cNvGrpSpPr/>
+        <p:nvPr/>
+      </p:nvGrpSpPr>
+      <p:grpSpPr>
+        <a:xfrm>
+          <a:off x="0" y="0"/>
+          <a:ext cx="0" cy="0"/>
+          <a:chOff x="0" y="0"/>
+          <a:chExt cx="0" cy="0"/>
+        </a:xfrm>
+      </p:grpSpPr>
+      <p:sp>
+        <p:nvSpPr>
+          <p:cNvPr id="2" name="标题 1"/>
+          <p:cNvSpPr>
+            <a:spLocks noGrp="1"/>
+          </p:cNvSpPr>
+          <p:nvPr>
+            <p:ph type="title"/>
+          </p:nvPr>
+        </p:nvSpPr>
+        <p:spPr/>
+        <p:txBody>
+          <a:bodyPr/>
+          <a:lstStyle/>
+          <a:p>
+            <a:r>
+              <a:rPr lang="zh-CN" altLang="en-US"/>
+              <a:t>单击此处编辑母版标题样式</a:t>
+            </a:r>
+            <a:endParaRPr lang="zh-CN" altLang="en-US"/>
+          </a:p>
+        </p:txBody>
+      </p:sp>
+      <p:sp>
+        <p:nvSpPr>
+          <p:cNvPr id="3" name="内容占位符 2"/>
+          <p:cNvSpPr>
+            <a:spLocks noGrp="1"/>
+          </p:cNvSpPr>
+          <p:nvPr>
+            <p:ph sz="half" idx="1"/>
+          </p:nvPr>
+        </p:nvSpPr>
+        <p:spPr>
+          <a:xfrm>
+            <a:off x="838200" y="1825625"/>
+            <a:ext cx="5181600" cy="4351338"/>
+          </a:xfrm>
+        </p:spPr>
+        <p:txBody>
+          <a:bodyPr/>
+          <a:lstStyle/>
+          <a:p>
+            <a:pPr lvl="0"/>
+            <a:r>
+              <a:rPr lang="zh-CN" altLang="en-US"/>
+              <a:t>单击此处编辑母版文本样式</a:t>
+            </a:r>
+            <a:endParaRPr lang="zh-CN" altLang="en-US"/>
+          </a:p>
+          <a:p>
+            <a:pPr lvl="1"/>
+            <a:r>
+              <a:rPr lang="zh-CN" altLang="en-US"/>
+              <a:t>二级</a:t>
+            </a:r>
+            <a:endParaRPr lang="zh-CN" altLang="en-US"/>
+          </a:p>
+          <a:p>
+            <a:pPr lvl="2"/>
+            <a:r>
+              <a:rPr lang="zh-CN" altLang="en-US"/>
+              <a:t>三级</a:t>
+            </a:r>
+            <a:endParaRPr lang="zh-CN" altLang="en-US"/>
+          </a:p>
+          <a:p>
+            <a:pPr lvl="3"/>
+            <a:r>
+              <a:rPr lang="zh-CN" altLang="en-US"/>
+              <a:t>四级</a:t>
+            </a:r>
+            <a:endParaRPr lang="zh-CN" altLang="en-US"/>
+          </a:p>
+          <a:p>
+            <a:pPr lvl="4"/>
+            <a:r>
+              <a:rPr lang="zh-CN" altLang="en-US"/>
+              <a:t>五级</a:t>
+            </a:r>
+            <a:endParaRPr lang="zh-CN" altLang="en-US"/>
+          </a:p>
+        </p:txBody>
+      </p:sp>
+      <p:sp>
+        <p:nvSpPr>
+          <p:cNvPr id="4" name="内容占位符 3"/>
+          <p:cNvSpPr>
+            <a:spLocks noGrp="1"/>
+          </p:cNvSpPr>
+          <p:nvPr>
+            <p:ph sz="half" idx="2"/>
+          </p:nvPr>
+        </p:nvSpPr>
+        <p:spPr>
+          <a:xfrm>
+            <a:off x="6172200" y="1825625"/>
+            <a:ext cx="5181600" cy="4351338"/>
+          </a:xfrm>
+        </p:spPr>
+        <p:txBody>
+          <a:bodyPr/>
+          <a:lstStyle/>
+          <a:p>
+            <a:pPr lvl="0"/>
+            <a:r>
+              <a:rPr lang="zh-CN" altLang="en-US"/>
+              <a:t>单击此处编辑母版文本样式</a:t>
+            </a:r>
+            <a:endParaRPr lang="zh-CN" altLang="en-US"/>
+          </a:p>
+          <a:p>
+            <a:pPr lvl="1"/>
+            <a:r>
+              <a:rPr lang="zh-CN" altLang="en-US"/>
+              <a:t>二级</a:t>
+            </a:r>
+            <a:endParaRPr lang="zh-CN" altLang="en-US"/>
+          </a:p>
+          <a:p>
+            <a:pPr lvl="2"/>
+            <a:r>
+              <a:rPr lang="zh-CN" altLang="en-US"/>
+              <a:t>三级</a:t>
+            </a:r>
+            <a:endParaRPr lang="zh-CN" altLang="en-US"/>
+          </a:p>
+          <a:p>
+            <a:pPr lvl="3"/>
+            <a:r>
+              <a:rPr lang="zh-CN" altLang="en-US"/>
+              <a:t>四级</a:t>
+            </a:r>
+            <a:endParaRPr lang="zh-CN" altLang="en-US"/>
+          </a:p>
+          <a:p>
+            <a:pPr lvl="4"/>
+            <a:r>
+              <a:rPr lang="zh-CN" altLang="en-US"/>
+              <a:t>五级</a:t>
+            </a:r>
+            <a:endParaRPr lang="zh-CN" altLang="en-US"/>
+          </a:p>
+        </p:txBody>
+      </p:sp>
+      <p:sp>
+        <p:nvSpPr>
+          <p:cNvPr id="5" name="日期占位符 4"/>
+          <p:cNvSpPr>
+            <a:spLocks noGrp="1"/>
+          </p:cNvSpPr>
+          <p:nvPr>
+            <p:ph type="dt" sz="half" idx="10"/>
+          </p:nvPr>
+        </p:nvSpPr>
+        <p:spPr/>
+        <p:txBody>
+          <a:bodyPr/>
+          <a:lstStyle/>
+          <a:p>
+            <a:fld id="{CAD19A8C-0F1E-4ACF-B569-36D45F7D9616}" type="datetimeFigureOut">
+              <a:rPr lang="zh-CN" altLang="en-US" smtClean="0"/>
+            </a:fld>
+            <a:endParaRPr lang="zh-CN" altLang="en-US"/>
+          </a:p>
+        </p:txBody>
+      </p:sp>
+      <p:sp>
+        <p:nvSpPr>
+          <p:cNvPr id="6" name="页脚占位符 5"/>
+          <p:cNvSpPr>
+            <a:spLocks noGrp="1"/>
+          </p:cNvSpPr>
+          <p:nvPr>
+            <p:ph type="ftr" sz="quarter" idx="11"/>
+          </p:nvPr>
+        </p:nvSpPr>
+        <p:spPr/>
+        <p:txBody>
+          <a:bodyPr/>
+          <a:lstStyle/>
+          <a:p>
+            <a:endParaRPr lang="zh-CN" altLang="en-US"/>
+          </a:p>
+        </p:txBody>
+      </p:sp>
+      <p:sp>
+        <p:nvSpPr>
+          <p:cNvPr id="7" name="灯片编号占位符 6"/>
+          <p:cNvSpPr>
+            <a:spLocks noGrp="1"/>
+          </p:cNvSpPr>
+          <p:nvPr>
+            <p:ph type="sldNum" sz="quarter" idx="12"/>
+          </p:nvPr>
+        </p:nvSpPr>
+        <p:spPr/>
+        <p:txBody>
+          <a:bodyPr/>
+          <a:lstStyle/>
+          <a:p>
+            <a:fld id="{DB0D736F-E149-47EA-BA4B-81F4DB81E2B5}" type="slidenum">
+              <a:rPr lang="zh-CN" altLang="en-US" smtClean="0"/>
+            </a:fld>
+            <a:endParaRPr lang="zh-CN" altLang="en-US"/>
+          </a:p>
+        </p:txBody>
+      </p:sp>
+    </p:spTree>
+  </p:cSld>
+  <p:clrMapOvr>
+    <a:masterClrMapping/>
+  </p:clrMapOvr>
+</p:sldLayout>
+</file>
+
+<file path=ppt/slideLayouts/slideLayout17.xml><?xml version="1.0" encoding="utf-8"?>
+<p:sldLayout xmlns:a="http://schemas.openxmlformats.org/drawingml/2006/main" xmlns:r="http://schemas.openxmlformats.org/officeDocument/2006/relationships" xmlns:p="http://schemas.openxmlformats.org/presentationml/2006/main" type="twoTxTwoObj" preserve="1">
+  <p:cSld name="比较">
+    <p:spTree>
+      <p:nvGrpSpPr>
+        <p:cNvPr id="1" name=""/>
+        <p:cNvGrpSpPr/>
+        <p:nvPr/>
+      </p:nvGrpSpPr>
+      <p:grpSpPr>
+        <a:xfrm>
+          <a:off x="0" y="0"/>
+          <a:ext cx="0" cy="0"/>
+          <a:chOff x="0" y="0"/>
+          <a:chExt cx="0" cy="0"/>
+        </a:xfrm>
+      </p:grpSpPr>
+      <p:sp>
+        <p:nvSpPr>
+          <p:cNvPr id="2" name="标题 1"/>
+          <p:cNvSpPr>
+            <a:spLocks noGrp="1"/>
+          </p:cNvSpPr>
+          <p:nvPr>
+            <p:ph type="title"/>
+          </p:nvPr>
+        </p:nvSpPr>
+        <p:spPr>
+          <a:xfrm>
+            <a:off x="839788" y="365125"/>
+            <a:ext cx="10515600" cy="1325563"/>
+          </a:xfrm>
+        </p:spPr>
+        <p:txBody>
+          <a:bodyPr/>
+          <a:lstStyle/>
+          <a:p>
+            <a:r>
+              <a:rPr lang="zh-CN" altLang="en-US"/>
+              <a:t>单击此处编辑母版标题样式</a:t>
+            </a:r>
+            <a:endParaRPr lang="zh-CN" altLang="en-US"/>
+          </a:p>
+        </p:txBody>
+      </p:sp>
+      <p:sp>
+        <p:nvSpPr>
+          <p:cNvPr id="3" name="文本占位符 2"/>
+          <p:cNvSpPr>
+            <a:spLocks noGrp="1"/>
+          </p:cNvSpPr>
+          <p:nvPr>
+            <p:ph type="body" idx="1"/>
+          </p:nvPr>
+        </p:nvSpPr>
+        <p:spPr>
+          <a:xfrm>
+            <a:off x="839788" y="1681163"/>
+            <a:ext cx="5157787" cy="823912"/>
+          </a:xfrm>
+        </p:spPr>
+        <p:txBody>
+          <a:bodyPr anchor="b"/>
+          <a:lstStyle>
+            <a:lvl1pPr marL="0" indent="0">
+              <a:buNone/>
+              <a:defRPr sz="2400" b="1"/>
+            </a:lvl1pPr>
+            <a:lvl2pPr marL="457200" indent="0">
+              <a:buNone/>
+              <a:defRPr sz="2000" b="1"/>
+            </a:lvl2pPr>
+            <a:lvl3pPr marL="914400" indent="0">
+              <a:buNone/>
+              <a:defRPr sz="1800" b="1"/>
+            </a:lvl3pPr>
+            <a:lvl4pPr marL="1371600" indent="0">
+              <a:buNone/>
+              <a:defRPr sz="1600" b="1"/>
+            </a:lvl4pPr>
+            <a:lvl5pPr marL="1828800" indent="0">
+              <a:buNone/>
+              <a:defRPr sz="1600" b="1"/>
+            </a:lvl5pPr>
+            <a:lvl6pPr marL="2286000" indent="0">
+              <a:buNone/>
+              <a:defRPr sz="1600" b="1"/>
+            </a:lvl6pPr>
+            <a:lvl7pPr marL="2743200" indent="0">
+              <a:buNone/>
+              <a:defRPr sz="1600" b="1"/>
+            </a:lvl7pPr>
+            <a:lvl8pPr marL="3200400" indent="0">
+              <a:buNone/>
+              <a:defRPr sz="1600" b="1"/>
+            </a:lvl8pPr>
+            <a:lvl9pPr marL="3657600" indent="0">
+              <a:buNone/>
+              <a:defRPr sz="1600" b="1"/>
+            </a:lvl9pPr>
+          </a:lstStyle>
+          <a:p>
+            <a:pPr lvl="0"/>
+            <a:r>
+              <a:rPr lang="zh-CN" altLang="en-US"/>
+              <a:t>单击此处编辑母版文本样式</a:t>
+            </a:r>
+            <a:endParaRPr lang="zh-CN" altLang="en-US"/>
+          </a:p>
+        </p:txBody>
+      </p:sp>
+      <p:sp>
+        <p:nvSpPr>
+          <p:cNvPr id="4" name="内容占位符 3"/>
+          <p:cNvSpPr>
+            <a:spLocks noGrp="1"/>
+          </p:cNvSpPr>
+          <p:nvPr>
+            <p:ph sz="half" idx="2"/>
+          </p:nvPr>
+        </p:nvSpPr>
+        <p:spPr>
+          <a:xfrm>
+            <a:off x="839788" y="2505075"/>
+            <a:ext cx="5157787" cy="3684588"/>
+          </a:xfrm>
+        </p:spPr>
+        <p:txBody>
+          <a:bodyPr/>
+          <a:lstStyle/>
+          <a:p>
+            <a:pPr lvl="0"/>
+            <a:r>
+              <a:rPr lang="zh-CN" altLang="en-US"/>
+              <a:t>单击此处编辑母版文本样式</a:t>
+            </a:r>
+            <a:endParaRPr lang="zh-CN" altLang="en-US"/>
+          </a:p>
+          <a:p>
+            <a:pPr lvl="1"/>
+            <a:r>
+              <a:rPr lang="zh-CN" altLang="en-US"/>
+              <a:t>二级</a:t>
+            </a:r>
+            <a:endParaRPr lang="zh-CN" altLang="en-US"/>
+          </a:p>
+          <a:p>
+            <a:pPr lvl="2"/>
+            <a:r>
+              <a:rPr lang="zh-CN" altLang="en-US"/>
+              <a:t>三级</a:t>
+            </a:r>
+            <a:endParaRPr lang="zh-CN" altLang="en-US"/>
+          </a:p>
+          <a:p>
+            <a:pPr lvl="3"/>
+            <a:r>
+              <a:rPr lang="zh-CN" altLang="en-US"/>
+              <a:t>四级</a:t>
+            </a:r>
+            <a:endParaRPr lang="zh-CN" altLang="en-US"/>
+          </a:p>
+          <a:p>
+            <a:pPr lvl="4"/>
+            <a:r>
+              <a:rPr lang="zh-CN" altLang="en-US"/>
+              <a:t>五级</a:t>
+            </a:r>
+            <a:endParaRPr lang="zh-CN" altLang="en-US"/>
+          </a:p>
+        </p:txBody>
+      </p:sp>
+      <p:sp>
+        <p:nvSpPr>
+          <p:cNvPr id="5" name="文本占位符 4"/>
+          <p:cNvSpPr>
+            <a:spLocks noGrp="1"/>
+          </p:cNvSpPr>
+          <p:nvPr>
+            <p:ph type="body" sz="quarter" idx="3"/>
+          </p:nvPr>
+        </p:nvSpPr>
+        <p:spPr>
+          <a:xfrm>
+            <a:off x="6172200" y="1681163"/>
+            <a:ext cx="5183188" cy="823912"/>
+          </a:xfrm>
+        </p:spPr>
+        <p:txBody>
+          <a:bodyPr anchor="b"/>
+          <a:lstStyle>
+            <a:lvl1pPr marL="0" indent="0">
+              <a:buNone/>
+              <a:defRPr sz="2400" b="1"/>
+            </a:lvl1pPr>
+            <a:lvl2pPr marL="457200" indent="0">
+              <a:buNone/>
+              <a:defRPr sz="2000" b="1"/>
+            </a:lvl2pPr>
+            <a:lvl3pPr marL="914400" indent="0">
+              <a:buNone/>
+              <a:defRPr sz="1800" b="1"/>
+            </a:lvl3pPr>
+            <a:lvl4pPr marL="1371600" indent="0">
+              <a:buNone/>
+              <a:defRPr sz="1600" b="1"/>
+            </a:lvl4pPr>
+            <a:lvl5pPr marL="1828800" indent="0">
+              <a:buNone/>
+              <a:defRPr sz="1600" b="1"/>
+            </a:lvl5pPr>
+            <a:lvl6pPr marL="2286000" indent="0">
+              <a:buNone/>
+              <a:defRPr sz="1600" b="1"/>
+            </a:lvl6pPr>
+            <a:lvl7pPr marL="2743200" indent="0">
+              <a:buNone/>
+              <a:defRPr sz="1600" b="1"/>
+            </a:lvl7pPr>
+            <a:lvl8pPr marL="3200400" indent="0">
+              <a:buNone/>
+              <a:defRPr sz="1600" b="1"/>
+            </a:lvl8pPr>
+            <a:lvl9pPr marL="3657600" indent="0">
+              <a:buNone/>
+              <a:defRPr sz="1600" b="1"/>
+            </a:lvl9pPr>
+          </a:lstStyle>
+          <a:p>
+            <a:pPr lvl="0"/>
+            <a:r>
+              <a:rPr lang="zh-CN" altLang="en-US"/>
+              <a:t>单击此处编辑母版文本样式</a:t>
+            </a:r>
+            <a:endParaRPr lang="zh-CN" altLang="en-US"/>
+          </a:p>
+        </p:txBody>
+      </p:sp>
+      <p:sp>
+        <p:nvSpPr>
+          <p:cNvPr id="6" name="内容占位符 5"/>
+          <p:cNvSpPr>
+            <a:spLocks noGrp="1"/>
+          </p:cNvSpPr>
+          <p:nvPr>
+            <p:ph sz="quarter" idx="4"/>
+          </p:nvPr>
+        </p:nvSpPr>
+        <p:spPr>
+          <a:xfrm>
+            <a:off x="6172200" y="2505075"/>
+            <a:ext cx="5183188" cy="3684588"/>
+          </a:xfrm>
+        </p:spPr>
+        <p:txBody>
+          <a:bodyPr/>
+          <a:lstStyle/>
+          <a:p>
+            <a:pPr lvl="0"/>
+            <a:r>
+              <a:rPr lang="zh-CN" altLang="en-US"/>
+              <a:t>单击此处编辑母版文本样式</a:t>
+            </a:r>
+            <a:endParaRPr lang="zh-CN" altLang="en-US"/>
+          </a:p>
+          <a:p>
+            <a:pPr lvl="1"/>
+            <a:r>
+              <a:rPr lang="zh-CN" altLang="en-US"/>
+              <a:t>二级</a:t>
+            </a:r>
+            <a:endParaRPr lang="zh-CN" altLang="en-US"/>
+          </a:p>
+          <a:p>
+            <a:pPr lvl="2"/>
+            <a:r>
+              <a:rPr lang="zh-CN" altLang="en-US"/>
+              <a:t>三级</a:t>
+            </a:r>
+            <a:endParaRPr lang="zh-CN" altLang="en-US"/>
+          </a:p>
+          <a:p>
+            <a:pPr lvl="3"/>
+            <a:r>
+              <a:rPr lang="zh-CN" altLang="en-US"/>
+              <a:t>四级</a:t>
+            </a:r>
+            <a:endParaRPr lang="zh-CN" altLang="en-US"/>
+          </a:p>
+          <a:p>
+            <a:pPr lvl="4"/>
+            <a:r>
+              <a:rPr lang="zh-CN" altLang="en-US"/>
+              <a:t>五级</a:t>
+            </a:r>
+            <a:endParaRPr lang="zh-CN" altLang="en-US"/>
+          </a:p>
+        </p:txBody>
+      </p:sp>
+      <p:sp>
+        <p:nvSpPr>
+          <p:cNvPr id="7" name="日期占位符 6"/>
+          <p:cNvSpPr>
+            <a:spLocks noGrp="1"/>
+          </p:cNvSpPr>
+          <p:nvPr>
+            <p:ph type="dt" sz="half" idx="10"/>
+          </p:nvPr>
+        </p:nvSpPr>
+        <p:spPr/>
+        <p:txBody>
+          <a:bodyPr/>
+          <a:lstStyle/>
+          <a:p>
+            <a:fld id="{CAD19A8C-0F1E-4ACF-B569-36D45F7D9616}" type="datetimeFigureOut">
+              <a:rPr lang="zh-CN" altLang="en-US" smtClean="0"/>
+            </a:fld>
+            <a:endParaRPr lang="zh-CN" altLang="en-US"/>
+          </a:p>
+        </p:txBody>
+      </p:sp>
+      <p:sp>
+        <p:nvSpPr>
+          <p:cNvPr id="8" name="页脚占位符 7"/>
+          <p:cNvSpPr>
+            <a:spLocks noGrp="1"/>
+          </p:cNvSpPr>
+          <p:nvPr>
+            <p:ph type="ftr" sz="quarter" idx="11"/>
+          </p:nvPr>
+        </p:nvSpPr>
+        <p:spPr/>
+        <p:txBody>
+          <a:bodyPr/>
+          <a:lstStyle/>
+          <a:p>
+            <a:endParaRPr lang="zh-CN" altLang="en-US"/>
+          </a:p>
+        </p:txBody>
+      </p:sp>
+      <p:sp>
+        <p:nvSpPr>
+          <p:cNvPr id="9" name="灯片编号占位符 8"/>
+          <p:cNvSpPr>
+            <a:spLocks noGrp="1"/>
+          </p:cNvSpPr>
+          <p:nvPr>
+            <p:ph type="sldNum" sz="quarter" idx="12"/>
+          </p:nvPr>
+        </p:nvSpPr>
+        <p:spPr/>
+        <p:txBody>
+          <a:bodyPr/>
+          <a:lstStyle/>
+          <a:p>
+            <a:fld id="{DB0D736F-E149-47EA-BA4B-81F4DB81E2B5}" type="slidenum">
+              <a:rPr lang="zh-CN" altLang="en-US" smtClean="0"/>
+            </a:fld>
+            <a:endParaRPr lang="zh-CN" altLang="en-US"/>
+          </a:p>
+        </p:txBody>
+      </p:sp>
+    </p:spTree>
+  </p:cSld>
+  <p:clrMapOvr>
+    <a:masterClrMapping/>
+  </p:clrMapOvr>
+</p:sldLayout>
+</file>
+
+<file path=ppt/slideLayouts/slideLayout18.xml><?xml version="1.0" encoding="utf-8"?>
+<p:sldLayout xmlns:a="http://schemas.openxmlformats.org/drawingml/2006/main" xmlns:r="http://schemas.openxmlformats.org/officeDocument/2006/relationships" xmlns:p="http://schemas.openxmlformats.org/presentationml/2006/main" type="titleOnly" preserve="1">
+  <p:cSld name="仅标题">
+    <p:spTree>
+      <p:nvGrpSpPr>
+        <p:cNvPr id="1" name=""/>
+        <p:cNvGrpSpPr/>
+        <p:nvPr/>
+      </p:nvGrpSpPr>
+      <p:grpSpPr>
+        <a:xfrm>
+          <a:off x="0" y="0"/>
+          <a:ext cx="0" cy="0"/>
+          <a:chOff x="0" y="0"/>
+          <a:chExt cx="0" cy="0"/>
+        </a:xfrm>
+      </p:grpSpPr>
+      <p:sp>
+        <p:nvSpPr>
+          <p:cNvPr id="2" name="标题 1"/>
+          <p:cNvSpPr>
+            <a:spLocks noGrp="1"/>
+          </p:cNvSpPr>
+          <p:nvPr>
+            <p:ph type="title"/>
+          </p:nvPr>
+        </p:nvSpPr>
+        <p:spPr/>
+        <p:txBody>
+          <a:bodyPr/>
+          <a:lstStyle/>
+          <a:p>
+            <a:r>
+              <a:rPr lang="zh-CN" altLang="en-US"/>
+              <a:t>单击此处编辑母版标题样式</a:t>
+            </a:r>
+            <a:endParaRPr lang="zh-CN" altLang="en-US"/>
+          </a:p>
+        </p:txBody>
+      </p:sp>
+      <p:sp>
+        <p:nvSpPr>
+          <p:cNvPr id="3" name="日期占位符 2"/>
+          <p:cNvSpPr>
+            <a:spLocks noGrp="1"/>
+          </p:cNvSpPr>
+          <p:nvPr>
+            <p:ph type="dt" sz="half" idx="10"/>
+          </p:nvPr>
+        </p:nvSpPr>
+        <p:spPr/>
+        <p:txBody>
+          <a:bodyPr/>
+          <a:lstStyle/>
+          <a:p>
+            <a:fld id="{CAD19A8C-0F1E-4ACF-B569-36D45F7D9616}" type="datetimeFigureOut">
+              <a:rPr lang="zh-CN" altLang="en-US" smtClean="0"/>
+            </a:fld>
+            <a:endParaRPr lang="zh-CN" altLang="en-US"/>
+          </a:p>
+        </p:txBody>
+      </p:sp>
+      <p:sp>
+        <p:nvSpPr>
+          <p:cNvPr id="4" name="页脚占位符 3"/>
+          <p:cNvSpPr>
+            <a:spLocks noGrp="1"/>
+          </p:cNvSpPr>
+          <p:nvPr>
+            <p:ph type="ftr" sz="quarter" idx="11"/>
+          </p:nvPr>
+        </p:nvSpPr>
+        <p:spPr/>
+        <p:txBody>
+          <a:bodyPr/>
+          <a:lstStyle/>
+          <a:p>
+            <a:endParaRPr lang="zh-CN" altLang="en-US"/>
+          </a:p>
+        </p:txBody>
+      </p:sp>
+      <p:sp>
+        <p:nvSpPr>
+          <p:cNvPr id="5" name="灯片编号占位符 4"/>
+          <p:cNvSpPr>
+            <a:spLocks noGrp="1"/>
+          </p:cNvSpPr>
+          <p:nvPr>
+            <p:ph type="sldNum" sz="quarter" idx="12"/>
+          </p:nvPr>
+        </p:nvSpPr>
+        <p:spPr/>
+        <p:txBody>
+          <a:bodyPr/>
+          <a:lstStyle/>
+          <a:p>
+            <a:fld id="{DB0D736F-E149-47EA-BA4B-81F4DB81E2B5}" type="slidenum">
+              <a:rPr lang="zh-CN" altLang="en-US" smtClean="0"/>
+            </a:fld>
+            <a:endParaRPr lang="zh-CN" altLang="en-US"/>
+          </a:p>
+        </p:txBody>
+      </p:sp>
+    </p:spTree>
+  </p:cSld>
+  <p:clrMapOvr>
+    <a:masterClrMapping/>
+  </p:clrMapOvr>
+</p:sldLayout>
+</file>
+
+<file path=ppt/slideLayouts/slideLayout19.xml><?xml version="1.0" encoding="utf-8"?>
+<p:sldLayout xmlns:a="http://schemas.openxmlformats.org/drawingml/2006/main" xmlns:r="http://schemas.openxmlformats.org/officeDocument/2006/relationships" xmlns:p="http://schemas.openxmlformats.org/presentationml/2006/main" type="blank" preserve="1">
+  <p:cSld name="空白">
+    <p:spTree>
+      <p:nvGrpSpPr>
+        <p:cNvPr id="1" name=""/>
+        <p:cNvGrpSpPr/>
+        <p:nvPr/>
+      </p:nvGrpSpPr>
+      <p:grpSpPr>
+        <a:xfrm>
+          <a:off x="0" y="0"/>
+          <a:ext cx="0" cy="0"/>
+          <a:chOff x="0" y="0"/>
+          <a:chExt cx="0" cy="0"/>
+        </a:xfrm>
+      </p:grpSpPr>
+      <p:sp>
+        <p:nvSpPr>
+          <p:cNvPr id="2" name="日期占位符 1"/>
+          <p:cNvSpPr>
+            <a:spLocks noGrp="1"/>
+          </p:cNvSpPr>
+          <p:nvPr>
+            <p:ph type="dt" sz="half" idx="10"/>
+          </p:nvPr>
+        </p:nvSpPr>
+        <p:spPr/>
+        <p:txBody>
+          <a:bodyPr/>
+          <a:lstStyle/>
+          <a:p>
+            <a:fld id="{CAD19A8C-0F1E-4ACF-B569-36D45F7D9616}" type="datetimeFigureOut">
+              <a:rPr lang="zh-CN" altLang="en-US" smtClean="0"/>
+            </a:fld>
+            <a:endParaRPr lang="zh-CN" altLang="en-US"/>
+          </a:p>
+        </p:txBody>
+      </p:sp>
+      <p:sp>
+        <p:nvSpPr>
+          <p:cNvPr id="3" name="页脚占位符 2"/>
+          <p:cNvSpPr>
+            <a:spLocks noGrp="1"/>
+          </p:cNvSpPr>
+          <p:nvPr>
+            <p:ph type="ftr" sz="quarter" idx="11"/>
+          </p:nvPr>
+        </p:nvSpPr>
+        <p:spPr/>
+        <p:txBody>
+          <a:bodyPr/>
+          <a:lstStyle/>
+          <a:p>
+            <a:endParaRPr lang="zh-CN" altLang="en-US"/>
+          </a:p>
+        </p:txBody>
+      </p:sp>
+      <p:sp>
+        <p:nvSpPr>
+          <p:cNvPr id="4" name="灯片编号占位符 3"/>
+          <p:cNvSpPr>
+            <a:spLocks noGrp="1"/>
+          </p:cNvSpPr>
+          <p:nvPr>
+            <p:ph type="sldNum" sz="quarter" idx="12"/>
+          </p:nvPr>
+        </p:nvSpPr>
+        <p:spPr/>
+        <p:txBody>
+          <a:bodyPr/>
+          <a:lstStyle/>
+          <a:p>
+            <a:fld id="{DB0D736F-E149-47EA-BA4B-81F4DB81E2B5}" type="slidenum">
+              <a:rPr lang="zh-CN" altLang="en-US" smtClean="0"/>
+            </a:fld>
+            <a:endParaRPr lang="zh-CN" altLang="en-US"/>
+          </a:p>
+        </p:txBody>
+      </p:sp>
+    </p:spTree>
   </p:cSld>
   <p:clrMapOvr>
     <a:masterClrMapping/>
@@ -1685,13 +3086,7 @@
       </p:grpSpPr>
       <p:sp>
         <p:nvSpPr>
-          <p:cNvPr id="2" name="标题 1">
-            <a:extLst>
-              <a:ext uri="{FF2B5EF4-FFF2-40B4-BE49-F238E27FC236}">
-                <a16:creationId xmlns:a16="http://schemas.microsoft.com/office/drawing/2014/main" id="{2BE2A295-07AB-4F4B-969B-7016D1048744}"/>
-              </a:ext>
-            </a:extLst>
-          </p:cNvPr>
+          <p:cNvPr id="2" name="标题 1"/>
           <p:cNvSpPr>
             <a:spLocks noGrp="1"/>
           </p:cNvSpPr>
@@ -1708,18 +3103,13 @@
               <a:rPr lang="zh-CN" altLang="en-US"/>
               <a:t>单击此处编辑母版标题样式</a:t>
             </a:r>
-          </a:p>
-        </p:txBody>
-      </p:sp>
-      <p:sp>
-        <p:nvSpPr>
-          <p:cNvPr id="3" name="内容占位符 2">
-            <a:extLst>
-              <a:ext uri="{FF2B5EF4-FFF2-40B4-BE49-F238E27FC236}">
-                <a16:creationId xmlns:a16="http://schemas.microsoft.com/office/drawing/2014/main" id="{A3F5F235-E725-4416-BA9B-3ED9C8A68ED8}"/>
-              </a:ext>
-            </a:extLst>
-          </p:cNvPr>
+            <a:endParaRPr lang="zh-CN" altLang="en-US"/>
+          </a:p>
+        </p:txBody>
+      </p:sp>
+      <p:sp>
+        <p:nvSpPr>
+          <p:cNvPr id="3" name="内容占位符 2"/>
           <p:cNvSpPr>
             <a:spLocks noGrp="1"/>
           </p:cNvSpPr>
@@ -1737,6 +3127,7 @@
               <a:rPr lang="zh-CN" altLang="en-US"/>
               <a:t>单击此处编辑母版文本样式</a:t>
             </a:r>
+            <a:endParaRPr lang="zh-CN" altLang="en-US"/>
           </a:p>
           <a:p>
             <a:pPr lvl="1"/>
@@ -1744,6 +3135,7 @@
               <a:rPr lang="zh-CN" altLang="en-US"/>
               <a:t>二级</a:t>
             </a:r>
+            <a:endParaRPr lang="zh-CN" altLang="en-US"/>
           </a:p>
           <a:p>
             <a:pPr lvl="2"/>
@@ -1751,6 +3143,7 @@
               <a:rPr lang="zh-CN" altLang="en-US"/>
               <a:t>三级</a:t>
             </a:r>
+            <a:endParaRPr lang="zh-CN" altLang="en-US"/>
           </a:p>
           <a:p>
             <a:pPr lvl="3"/>
@@ -1758,6 +3151,7 @@
               <a:rPr lang="zh-CN" altLang="en-US"/>
               <a:t>四级</a:t>
             </a:r>
+            <a:endParaRPr lang="zh-CN" altLang="en-US"/>
           </a:p>
           <a:p>
             <a:pPr lvl="4"/>
@@ -1765,18 +3159,13 @@
               <a:rPr lang="zh-CN" altLang="en-US"/>
               <a:t>五级</a:t>
             </a:r>
-          </a:p>
-        </p:txBody>
-      </p:sp>
-      <p:sp>
-        <p:nvSpPr>
-          <p:cNvPr id="4" name="日期占位符 3">
-            <a:extLst>
-              <a:ext uri="{FF2B5EF4-FFF2-40B4-BE49-F238E27FC236}">
-                <a16:creationId xmlns:a16="http://schemas.microsoft.com/office/drawing/2014/main" id="{46F3F6FC-9013-4AC2-9673-ABDF0EA7D6E1}"/>
-              </a:ext>
-            </a:extLst>
-          </p:cNvPr>
+            <a:endParaRPr lang="zh-CN" altLang="en-US"/>
+          </a:p>
+        </p:txBody>
+      </p:sp>
+      <p:sp>
+        <p:nvSpPr>
+          <p:cNvPr id="4" name="日期占位符 3"/>
           <p:cNvSpPr>
             <a:spLocks noGrp="1"/>
           </p:cNvSpPr>
@@ -1791,7 +3180,6 @@
           <a:p>
             <a:fld id="{CAD19A8C-0F1E-4ACF-B569-36D45F7D9616}" type="datetimeFigureOut">
               <a:rPr lang="zh-CN" altLang="en-US" smtClean="0"/>
-              <a:t>2024/7/15</a:t>
             </a:fld>
             <a:endParaRPr lang="zh-CN" altLang="en-US"/>
           </a:p>
@@ -1799,13 +3187,7 @@
       </p:sp>
       <p:sp>
         <p:nvSpPr>
-          <p:cNvPr id="5" name="页脚占位符 4">
-            <a:extLst>
-              <a:ext uri="{FF2B5EF4-FFF2-40B4-BE49-F238E27FC236}">
-                <a16:creationId xmlns:a16="http://schemas.microsoft.com/office/drawing/2014/main" id="{64FABD4D-7B52-4421-84BD-6B5DE2F2B65B}"/>
-              </a:ext>
-            </a:extLst>
-          </p:cNvPr>
+          <p:cNvPr id="5" name="页脚占位符 4"/>
           <p:cNvSpPr>
             <a:spLocks noGrp="1"/>
           </p:cNvSpPr>
@@ -1824,13 +3206,7 @@
       </p:sp>
       <p:sp>
         <p:nvSpPr>
-          <p:cNvPr id="6" name="灯片编号占位符 5">
-            <a:extLst>
-              <a:ext uri="{FF2B5EF4-FFF2-40B4-BE49-F238E27FC236}">
-                <a16:creationId xmlns:a16="http://schemas.microsoft.com/office/drawing/2014/main" id="{970F5D22-6A40-4273-87B1-143F986469CA}"/>
-              </a:ext>
-            </a:extLst>
-          </p:cNvPr>
+          <p:cNvPr id="6" name="灯片编号占位符 5"/>
           <p:cNvSpPr>
             <a:spLocks noGrp="1"/>
           </p:cNvSpPr>
@@ -1845,18 +3221,12 @@
           <a:p>
             <a:fld id="{DB0D736F-E149-47EA-BA4B-81F4DB81E2B5}" type="slidenum">
               <a:rPr lang="zh-CN" altLang="en-US" smtClean="0"/>
-              <a:t>‹#›</a:t>
             </a:fld>
             <a:endParaRPr lang="zh-CN" altLang="en-US"/>
           </a:p>
         </p:txBody>
       </p:sp>
     </p:spTree>
-    <p:extLst>
-      <p:ext uri="{BB962C8B-B14F-4D97-AF65-F5344CB8AC3E}">
-        <p14:creationId xmlns:p14="http://schemas.microsoft.com/office/powerpoint/2010/main" val="2636322802"/>
-      </p:ext>
-    </p:extLst>
   </p:cSld>
   <p:clrMapOvr>
     <a:masterClrMapping/>
@@ -1864,1213 +3234,7 @@
 </p:sldLayout>
 </file>
 
-<file path=ppt/slideLayouts/slideLayout3.xml><?xml version="1.0" encoding="utf-8"?>
-<p:sldLayout xmlns:a="http://schemas.openxmlformats.org/drawingml/2006/main" xmlns:r="http://schemas.openxmlformats.org/officeDocument/2006/relationships" xmlns:p="http://schemas.openxmlformats.org/presentationml/2006/main" type="secHead" preserve="1">
-  <p:cSld name="节标题">
-    <p:spTree>
-      <p:nvGrpSpPr>
-        <p:cNvPr id="1" name=""/>
-        <p:cNvGrpSpPr/>
-        <p:nvPr/>
-      </p:nvGrpSpPr>
-      <p:grpSpPr>
-        <a:xfrm>
-          <a:off x="0" y="0"/>
-          <a:ext cx="0" cy="0"/>
-          <a:chOff x="0" y="0"/>
-          <a:chExt cx="0" cy="0"/>
-        </a:xfrm>
-      </p:grpSpPr>
-      <p:sp>
-        <p:nvSpPr>
-          <p:cNvPr id="2" name="标题 1">
-            <a:extLst>
-              <a:ext uri="{FF2B5EF4-FFF2-40B4-BE49-F238E27FC236}">
-                <a16:creationId xmlns:a16="http://schemas.microsoft.com/office/drawing/2014/main" id="{31D55513-0E86-44A6-B8AF-2755446319D5}"/>
-              </a:ext>
-            </a:extLst>
-          </p:cNvPr>
-          <p:cNvSpPr>
-            <a:spLocks noGrp="1"/>
-          </p:cNvSpPr>
-          <p:nvPr>
-            <p:ph type="title"/>
-          </p:nvPr>
-        </p:nvSpPr>
-        <p:spPr>
-          <a:xfrm>
-            <a:off x="831850" y="1709738"/>
-            <a:ext cx="10515600" cy="2852737"/>
-          </a:xfrm>
-        </p:spPr>
-        <p:txBody>
-          <a:bodyPr anchor="b"/>
-          <a:lstStyle>
-            <a:lvl1pPr>
-              <a:defRPr sz="6000"/>
-            </a:lvl1pPr>
-          </a:lstStyle>
-          <a:p>
-            <a:r>
-              <a:rPr lang="zh-CN" altLang="en-US"/>
-              <a:t>单击此处编辑母版标题样式</a:t>
-            </a:r>
-          </a:p>
-        </p:txBody>
-      </p:sp>
-      <p:sp>
-        <p:nvSpPr>
-          <p:cNvPr id="3" name="文本占位符 2">
-            <a:extLst>
-              <a:ext uri="{FF2B5EF4-FFF2-40B4-BE49-F238E27FC236}">
-                <a16:creationId xmlns:a16="http://schemas.microsoft.com/office/drawing/2014/main" id="{081BE7D1-68B0-48BD-9088-7790105A4065}"/>
-              </a:ext>
-            </a:extLst>
-          </p:cNvPr>
-          <p:cNvSpPr>
-            <a:spLocks noGrp="1"/>
-          </p:cNvSpPr>
-          <p:nvPr>
-            <p:ph type="body" idx="1"/>
-          </p:nvPr>
-        </p:nvSpPr>
-        <p:spPr>
-          <a:xfrm>
-            <a:off x="831850" y="4589463"/>
-            <a:ext cx="10515600" cy="1500187"/>
-          </a:xfrm>
-        </p:spPr>
-        <p:txBody>
-          <a:bodyPr/>
-          <a:lstStyle>
-            <a:lvl1pPr marL="0" indent="0">
-              <a:buNone/>
-              <a:defRPr sz="2400">
-                <a:solidFill>
-                  <a:schemeClr val="tx1">
-                    <a:tint val="75000"/>
-                  </a:schemeClr>
-                </a:solidFill>
-              </a:defRPr>
-            </a:lvl1pPr>
-            <a:lvl2pPr marL="457200" indent="0">
-              <a:buNone/>
-              <a:defRPr sz="2000">
-                <a:solidFill>
-                  <a:schemeClr val="tx1">
-                    <a:tint val="75000"/>
-                  </a:schemeClr>
-                </a:solidFill>
-              </a:defRPr>
-            </a:lvl2pPr>
-            <a:lvl3pPr marL="914400" indent="0">
-              <a:buNone/>
-              <a:defRPr sz="1800">
-                <a:solidFill>
-                  <a:schemeClr val="tx1">
-                    <a:tint val="75000"/>
-                  </a:schemeClr>
-                </a:solidFill>
-              </a:defRPr>
-            </a:lvl3pPr>
-            <a:lvl4pPr marL="1371600" indent="0">
-              <a:buNone/>
-              <a:defRPr sz="1600">
-                <a:solidFill>
-                  <a:schemeClr val="tx1">
-                    <a:tint val="75000"/>
-                  </a:schemeClr>
-                </a:solidFill>
-              </a:defRPr>
-            </a:lvl4pPr>
-            <a:lvl5pPr marL="1828800" indent="0">
-              <a:buNone/>
-              <a:defRPr sz="1600">
-                <a:solidFill>
-                  <a:schemeClr val="tx1">
-                    <a:tint val="75000"/>
-                  </a:schemeClr>
-                </a:solidFill>
-              </a:defRPr>
-            </a:lvl5pPr>
-            <a:lvl6pPr marL="2286000" indent="0">
-              <a:buNone/>
-              <a:defRPr sz="1600">
-                <a:solidFill>
-                  <a:schemeClr val="tx1">
-                    <a:tint val="75000"/>
-                  </a:schemeClr>
-                </a:solidFill>
-              </a:defRPr>
-            </a:lvl6pPr>
-            <a:lvl7pPr marL="2743200" indent="0">
-              <a:buNone/>
-              <a:defRPr sz="1600">
-                <a:solidFill>
-                  <a:schemeClr val="tx1">
-                    <a:tint val="75000"/>
-                  </a:schemeClr>
-                </a:solidFill>
-              </a:defRPr>
-            </a:lvl7pPr>
-            <a:lvl8pPr marL="3200400" indent="0">
-              <a:buNone/>
-              <a:defRPr sz="1600">
-                <a:solidFill>
-                  <a:schemeClr val="tx1">
-                    <a:tint val="75000"/>
-                  </a:schemeClr>
-                </a:solidFill>
-              </a:defRPr>
-            </a:lvl8pPr>
-            <a:lvl9pPr marL="3657600" indent="0">
-              <a:buNone/>
-              <a:defRPr sz="1600">
-                <a:solidFill>
-                  <a:schemeClr val="tx1">
-                    <a:tint val="75000"/>
-                  </a:schemeClr>
-                </a:solidFill>
-              </a:defRPr>
-            </a:lvl9pPr>
-          </a:lstStyle>
-          <a:p>
-            <a:pPr lvl="0"/>
-            <a:r>
-              <a:rPr lang="zh-CN" altLang="en-US"/>
-              <a:t>单击此处编辑母版文本样式</a:t>
-            </a:r>
-          </a:p>
-        </p:txBody>
-      </p:sp>
-      <p:sp>
-        <p:nvSpPr>
-          <p:cNvPr id="4" name="日期占位符 3">
-            <a:extLst>
-              <a:ext uri="{FF2B5EF4-FFF2-40B4-BE49-F238E27FC236}">
-                <a16:creationId xmlns:a16="http://schemas.microsoft.com/office/drawing/2014/main" id="{AB89FC59-E70F-4A53-872B-6158DB42C059}"/>
-              </a:ext>
-            </a:extLst>
-          </p:cNvPr>
-          <p:cNvSpPr>
-            <a:spLocks noGrp="1"/>
-          </p:cNvSpPr>
-          <p:nvPr>
-            <p:ph type="dt" sz="half" idx="10"/>
-          </p:nvPr>
-        </p:nvSpPr>
-        <p:spPr/>
-        <p:txBody>
-          <a:bodyPr/>
-          <a:lstStyle/>
-          <a:p>
-            <a:fld id="{CAD19A8C-0F1E-4ACF-B569-36D45F7D9616}" type="datetimeFigureOut">
-              <a:rPr lang="zh-CN" altLang="en-US" smtClean="0"/>
-              <a:t>2024/7/15</a:t>
-            </a:fld>
-            <a:endParaRPr lang="zh-CN" altLang="en-US"/>
-          </a:p>
-        </p:txBody>
-      </p:sp>
-      <p:sp>
-        <p:nvSpPr>
-          <p:cNvPr id="5" name="页脚占位符 4">
-            <a:extLst>
-              <a:ext uri="{FF2B5EF4-FFF2-40B4-BE49-F238E27FC236}">
-                <a16:creationId xmlns:a16="http://schemas.microsoft.com/office/drawing/2014/main" id="{41EF8460-8340-4DA8-B939-D688D03E21F2}"/>
-              </a:ext>
-            </a:extLst>
-          </p:cNvPr>
-          <p:cNvSpPr>
-            <a:spLocks noGrp="1"/>
-          </p:cNvSpPr>
-          <p:nvPr>
-            <p:ph type="ftr" sz="quarter" idx="11"/>
-          </p:nvPr>
-        </p:nvSpPr>
-        <p:spPr/>
-        <p:txBody>
-          <a:bodyPr/>
-          <a:lstStyle/>
-          <a:p>
-            <a:endParaRPr lang="zh-CN" altLang="en-US"/>
-          </a:p>
-        </p:txBody>
-      </p:sp>
-      <p:sp>
-        <p:nvSpPr>
-          <p:cNvPr id="6" name="灯片编号占位符 5">
-            <a:extLst>
-              <a:ext uri="{FF2B5EF4-FFF2-40B4-BE49-F238E27FC236}">
-                <a16:creationId xmlns:a16="http://schemas.microsoft.com/office/drawing/2014/main" id="{7D32FC5B-3D42-43D0-AF57-30390ED6220B}"/>
-              </a:ext>
-            </a:extLst>
-          </p:cNvPr>
-          <p:cNvSpPr>
-            <a:spLocks noGrp="1"/>
-          </p:cNvSpPr>
-          <p:nvPr>
-            <p:ph type="sldNum" sz="quarter" idx="12"/>
-          </p:nvPr>
-        </p:nvSpPr>
-        <p:spPr/>
-        <p:txBody>
-          <a:bodyPr/>
-          <a:lstStyle/>
-          <a:p>
-            <a:fld id="{DB0D736F-E149-47EA-BA4B-81F4DB81E2B5}" type="slidenum">
-              <a:rPr lang="zh-CN" altLang="en-US" smtClean="0"/>
-              <a:t>‹#›</a:t>
-            </a:fld>
-            <a:endParaRPr lang="zh-CN" altLang="en-US"/>
-          </a:p>
-        </p:txBody>
-      </p:sp>
-    </p:spTree>
-    <p:extLst>
-      <p:ext uri="{BB962C8B-B14F-4D97-AF65-F5344CB8AC3E}">
-        <p14:creationId xmlns:p14="http://schemas.microsoft.com/office/powerpoint/2010/main" val="3545732172"/>
-      </p:ext>
-    </p:extLst>
-  </p:cSld>
-  <p:clrMapOvr>
-    <a:masterClrMapping/>
-  </p:clrMapOvr>
-</p:sldLayout>
-</file>
-
-<file path=ppt/slideLayouts/slideLayout4.xml><?xml version="1.0" encoding="utf-8"?>
-<p:sldLayout xmlns:a="http://schemas.openxmlformats.org/drawingml/2006/main" xmlns:r="http://schemas.openxmlformats.org/officeDocument/2006/relationships" xmlns:p="http://schemas.openxmlformats.org/presentationml/2006/main" type="twoObj" preserve="1">
-  <p:cSld name="两栏内容">
-    <p:spTree>
-      <p:nvGrpSpPr>
-        <p:cNvPr id="1" name=""/>
-        <p:cNvGrpSpPr/>
-        <p:nvPr/>
-      </p:nvGrpSpPr>
-      <p:grpSpPr>
-        <a:xfrm>
-          <a:off x="0" y="0"/>
-          <a:ext cx="0" cy="0"/>
-          <a:chOff x="0" y="0"/>
-          <a:chExt cx="0" cy="0"/>
-        </a:xfrm>
-      </p:grpSpPr>
-      <p:sp>
-        <p:nvSpPr>
-          <p:cNvPr id="2" name="标题 1">
-            <a:extLst>
-              <a:ext uri="{FF2B5EF4-FFF2-40B4-BE49-F238E27FC236}">
-                <a16:creationId xmlns:a16="http://schemas.microsoft.com/office/drawing/2014/main" id="{0A3BD6A7-16C7-4A5F-85EE-CFC49586A99E}"/>
-              </a:ext>
-            </a:extLst>
-          </p:cNvPr>
-          <p:cNvSpPr>
-            <a:spLocks noGrp="1"/>
-          </p:cNvSpPr>
-          <p:nvPr>
-            <p:ph type="title"/>
-          </p:nvPr>
-        </p:nvSpPr>
-        <p:spPr/>
-        <p:txBody>
-          <a:bodyPr/>
-          <a:lstStyle/>
-          <a:p>
-            <a:r>
-              <a:rPr lang="zh-CN" altLang="en-US"/>
-              <a:t>单击此处编辑母版标题样式</a:t>
-            </a:r>
-          </a:p>
-        </p:txBody>
-      </p:sp>
-      <p:sp>
-        <p:nvSpPr>
-          <p:cNvPr id="3" name="内容占位符 2">
-            <a:extLst>
-              <a:ext uri="{FF2B5EF4-FFF2-40B4-BE49-F238E27FC236}">
-                <a16:creationId xmlns:a16="http://schemas.microsoft.com/office/drawing/2014/main" id="{BCDA5448-D4EB-4847-BE0F-00C3B37E4F14}"/>
-              </a:ext>
-            </a:extLst>
-          </p:cNvPr>
-          <p:cNvSpPr>
-            <a:spLocks noGrp="1"/>
-          </p:cNvSpPr>
-          <p:nvPr>
-            <p:ph sz="half" idx="1"/>
-          </p:nvPr>
-        </p:nvSpPr>
-        <p:spPr>
-          <a:xfrm>
-            <a:off x="838200" y="1825625"/>
-            <a:ext cx="5181600" cy="4351338"/>
-          </a:xfrm>
-        </p:spPr>
-        <p:txBody>
-          <a:bodyPr/>
-          <a:lstStyle/>
-          <a:p>
-            <a:pPr lvl="0"/>
-            <a:r>
-              <a:rPr lang="zh-CN" altLang="en-US"/>
-              <a:t>单击此处编辑母版文本样式</a:t>
-            </a:r>
-          </a:p>
-          <a:p>
-            <a:pPr lvl="1"/>
-            <a:r>
-              <a:rPr lang="zh-CN" altLang="en-US"/>
-              <a:t>二级</a:t>
-            </a:r>
-          </a:p>
-          <a:p>
-            <a:pPr lvl="2"/>
-            <a:r>
-              <a:rPr lang="zh-CN" altLang="en-US"/>
-              <a:t>三级</a:t>
-            </a:r>
-          </a:p>
-          <a:p>
-            <a:pPr lvl="3"/>
-            <a:r>
-              <a:rPr lang="zh-CN" altLang="en-US"/>
-              <a:t>四级</a:t>
-            </a:r>
-          </a:p>
-          <a:p>
-            <a:pPr lvl="4"/>
-            <a:r>
-              <a:rPr lang="zh-CN" altLang="en-US"/>
-              <a:t>五级</a:t>
-            </a:r>
-          </a:p>
-        </p:txBody>
-      </p:sp>
-      <p:sp>
-        <p:nvSpPr>
-          <p:cNvPr id="4" name="内容占位符 3">
-            <a:extLst>
-              <a:ext uri="{FF2B5EF4-FFF2-40B4-BE49-F238E27FC236}">
-                <a16:creationId xmlns:a16="http://schemas.microsoft.com/office/drawing/2014/main" id="{B025166A-62D1-4AAF-BD4B-A24ABD1FDF7D}"/>
-              </a:ext>
-            </a:extLst>
-          </p:cNvPr>
-          <p:cNvSpPr>
-            <a:spLocks noGrp="1"/>
-          </p:cNvSpPr>
-          <p:nvPr>
-            <p:ph sz="half" idx="2"/>
-          </p:nvPr>
-        </p:nvSpPr>
-        <p:spPr>
-          <a:xfrm>
-            <a:off x="6172200" y="1825625"/>
-            <a:ext cx="5181600" cy="4351338"/>
-          </a:xfrm>
-        </p:spPr>
-        <p:txBody>
-          <a:bodyPr/>
-          <a:lstStyle/>
-          <a:p>
-            <a:pPr lvl="0"/>
-            <a:r>
-              <a:rPr lang="zh-CN" altLang="en-US"/>
-              <a:t>单击此处编辑母版文本样式</a:t>
-            </a:r>
-          </a:p>
-          <a:p>
-            <a:pPr lvl="1"/>
-            <a:r>
-              <a:rPr lang="zh-CN" altLang="en-US"/>
-              <a:t>二级</a:t>
-            </a:r>
-          </a:p>
-          <a:p>
-            <a:pPr lvl="2"/>
-            <a:r>
-              <a:rPr lang="zh-CN" altLang="en-US"/>
-              <a:t>三级</a:t>
-            </a:r>
-          </a:p>
-          <a:p>
-            <a:pPr lvl="3"/>
-            <a:r>
-              <a:rPr lang="zh-CN" altLang="en-US"/>
-              <a:t>四级</a:t>
-            </a:r>
-          </a:p>
-          <a:p>
-            <a:pPr lvl="4"/>
-            <a:r>
-              <a:rPr lang="zh-CN" altLang="en-US"/>
-              <a:t>五级</a:t>
-            </a:r>
-          </a:p>
-        </p:txBody>
-      </p:sp>
-      <p:sp>
-        <p:nvSpPr>
-          <p:cNvPr id="5" name="日期占位符 4">
-            <a:extLst>
-              <a:ext uri="{FF2B5EF4-FFF2-40B4-BE49-F238E27FC236}">
-                <a16:creationId xmlns:a16="http://schemas.microsoft.com/office/drawing/2014/main" id="{6F2098F9-D616-4E75-B7F3-D01376A57347}"/>
-              </a:ext>
-            </a:extLst>
-          </p:cNvPr>
-          <p:cNvSpPr>
-            <a:spLocks noGrp="1"/>
-          </p:cNvSpPr>
-          <p:nvPr>
-            <p:ph type="dt" sz="half" idx="10"/>
-          </p:nvPr>
-        </p:nvSpPr>
-        <p:spPr/>
-        <p:txBody>
-          <a:bodyPr/>
-          <a:lstStyle/>
-          <a:p>
-            <a:fld id="{CAD19A8C-0F1E-4ACF-B569-36D45F7D9616}" type="datetimeFigureOut">
-              <a:rPr lang="zh-CN" altLang="en-US" smtClean="0"/>
-              <a:t>2024/7/15</a:t>
-            </a:fld>
-            <a:endParaRPr lang="zh-CN" altLang="en-US"/>
-          </a:p>
-        </p:txBody>
-      </p:sp>
-      <p:sp>
-        <p:nvSpPr>
-          <p:cNvPr id="6" name="页脚占位符 5">
-            <a:extLst>
-              <a:ext uri="{FF2B5EF4-FFF2-40B4-BE49-F238E27FC236}">
-                <a16:creationId xmlns:a16="http://schemas.microsoft.com/office/drawing/2014/main" id="{AB2D0D69-69CB-4B22-8CB8-54B013926661}"/>
-              </a:ext>
-            </a:extLst>
-          </p:cNvPr>
-          <p:cNvSpPr>
-            <a:spLocks noGrp="1"/>
-          </p:cNvSpPr>
-          <p:nvPr>
-            <p:ph type="ftr" sz="quarter" idx="11"/>
-          </p:nvPr>
-        </p:nvSpPr>
-        <p:spPr/>
-        <p:txBody>
-          <a:bodyPr/>
-          <a:lstStyle/>
-          <a:p>
-            <a:endParaRPr lang="zh-CN" altLang="en-US"/>
-          </a:p>
-        </p:txBody>
-      </p:sp>
-      <p:sp>
-        <p:nvSpPr>
-          <p:cNvPr id="7" name="灯片编号占位符 6">
-            <a:extLst>
-              <a:ext uri="{FF2B5EF4-FFF2-40B4-BE49-F238E27FC236}">
-                <a16:creationId xmlns:a16="http://schemas.microsoft.com/office/drawing/2014/main" id="{68875F6A-6A8A-4188-8EFB-7BEF301D2CB9}"/>
-              </a:ext>
-            </a:extLst>
-          </p:cNvPr>
-          <p:cNvSpPr>
-            <a:spLocks noGrp="1"/>
-          </p:cNvSpPr>
-          <p:nvPr>
-            <p:ph type="sldNum" sz="quarter" idx="12"/>
-          </p:nvPr>
-        </p:nvSpPr>
-        <p:spPr/>
-        <p:txBody>
-          <a:bodyPr/>
-          <a:lstStyle/>
-          <a:p>
-            <a:fld id="{DB0D736F-E149-47EA-BA4B-81F4DB81E2B5}" type="slidenum">
-              <a:rPr lang="zh-CN" altLang="en-US" smtClean="0"/>
-              <a:t>‹#›</a:t>
-            </a:fld>
-            <a:endParaRPr lang="zh-CN" altLang="en-US"/>
-          </a:p>
-        </p:txBody>
-      </p:sp>
-    </p:spTree>
-    <p:extLst>
-      <p:ext uri="{BB962C8B-B14F-4D97-AF65-F5344CB8AC3E}">
-        <p14:creationId xmlns:p14="http://schemas.microsoft.com/office/powerpoint/2010/main" val="400112067"/>
-      </p:ext>
-    </p:extLst>
-  </p:cSld>
-  <p:clrMapOvr>
-    <a:masterClrMapping/>
-  </p:clrMapOvr>
-</p:sldLayout>
-</file>
-
-<file path=ppt/slideLayouts/slideLayout5.xml><?xml version="1.0" encoding="utf-8"?>
-<p:sldLayout xmlns:a="http://schemas.openxmlformats.org/drawingml/2006/main" xmlns:r="http://schemas.openxmlformats.org/officeDocument/2006/relationships" xmlns:p="http://schemas.openxmlformats.org/presentationml/2006/main" type="twoTxTwoObj" preserve="1">
-  <p:cSld name="比较">
-    <p:spTree>
-      <p:nvGrpSpPr>
-        <p:cNvPr id="1" name=""/>
-        <p:cNvGrpSpPr/>
-        <p:nvPr/>
-      </p:nvGrpSpPr>
-      <p:grpSpPr>
-        <a:xfrm>
-          <a:off x="0" y="0"/>
-          <a:ext cx="0" cy="0"/>
-          <a:chOff x="0" y="0"/>
-          <a:chExt cx="0" cy="0"/>
-        </a:xfrm>
-      </p:grpSpPr>
-      <p:sp>
-        <p:nvSpPr>
-          <p:cNvPr id="2" name="标题 1">
-            <a:extLst>
-              <a:ext uri="{FF2B5EF4-FFF2-40B4-BE49-F238E27FC236}">
-                <a16:creationId xmlns:a16="http://schemas.microsoft.com/office/drawing/2014/main" id="{76F37962-FFAC-4048-938E-9365189791F6}"/>
-              </a:ext>
-            </a:extLst>
-          </p:cNvPr>
-          <p:cNvSpPr>
-            <a:spLocks noGrp="1"/>
-          </p:cNvSpPr>
-          <p:nvPr>
-            <p:ph type="title"/>
-          </p:nvPr>
-        </p:nvSpPr>
-        <p:spPr>
-          <a:xfrm>
-            <a:off x="839788" y="365125"/>
-            <a:ext cx="10515600" cy="1325563"/>
-          </a:xfrm>
-        </p:spPr>
-        <p:txBody>
-          <a:bodyPr/>
-          <a:lstStyle/>
-          <a:p>
-            <a:r>
-              <a:rPr lang="zh-CN" altLang="en-US"/>
-              <a:t>单击此处编辑母版标题样式</a:t>
-            </a:r>
-          </a:p>
-        </p:txBody>
-      </p:sp>
-      <p:sp>
-        <p:nvSpPr>
-          <p:cNvPr id="3" name="文本占位符 2">
-            <a:extLst>
-              <a:ext uri="{FF2B5EF4-FFF2-40B4-BE49-F238E27FC236}">
-                <a16:creationId xmlns:a16="http://schemas.microsoft.com/office/drawing/2014/main" id="{B04900B3-DDB6-40F0-BE33-824BDED8CBBC}"/>
-              </a:ext>
-            </a:extLst>
-          </p:cNvPr>
-          <p:cNvSpPr>
-            <a:spLocks noGrp="1"/>
-          </p:cNvSpPr>
-          <p:nvPr>
-            <p:ph type="body" idx="1"/>
-          </p:nvPr>
-        </p:nvSpPr>
-        <p:spPr>
-          <a:xfrm>
-            <a:off x="839788" y="1681163"/>
-            <a:ext cx="5157787" cy="823912"/>
-          </a:xfrm>
-        </p:spPr>
-        <p:txBody>
-          <a:bodyPr anchor="b"/>
-          <a:lstStyle>
-            <a:lvl1pPr marL="0" indent="0">
-              <a:buNone/>
-              <a:defRPr sz="2400" b="1"/>
-            </a:lvl1pPr>
-            <a:lvl2pPr marL="457200" indent="0">
-              <a:buNone/>
-              <a:defRPr sz="2000" b="1"/>
-            </a:lvl2pPr>
-            <a:lvl3pPr marL="914400" indent="0">
-              <a:buNone/>
-              <a:defRPr sz="1800" b="1"/>
-            </a:lvl3pPr>
-            <a:lvl4pPr marL="1371600" indent="0">
-              <a:buNone/>
-              <a:defRPr sz="1600" b="1"/>
-            </a:lvl4pPr>
-            <a:lvl5pPr marL="1828800" indent="0">
-              <a:buNone/>
-              <a:defRPr sz="1600" b="1"/>
-            </a:lvl5pPr>
-            <a:lvl6pPr marL="2286000" indent="0">
-              <a:buNone/>
-              <a:defRPr sz="1600" b="1"/>
-            </a:lvl6pPr>
-            <a:lvl7pPr marL="2743200" indent="0">
-              <a:buNone/>
-              <a:defRPr sz="1600" b="1"/>
-            </a:lvl7pPr>
-            <a:lvl8pPr marL="3200400" indent="0">
-              <a:buNone/>
-              <a:defRPr sz="1600" b="1"/>
-            </a:lvl8pPr>
-            <a:lvl9pPr marL="3657600" indent="0">
-              <a:buNone/>
-              <a:defRPr sz="1600" b="1"/>
-            </a:lvl9pPr>
-          </a:lstStyle>
-          <a:p>
-            <a:pPr lvl="0"/>
-            <a:r>
-              <a:rPr lang="zh-CN" altLang="en-US"/>
-              <a:t>单击此处编辑母版文本样式</a:t>
-            </a:r>
-          </a:p>
-        </p:txBody>
-      </p:sp>
-      <p:sp>
-        <p:nvSpPr>
-          <p:cNvPr id="4" name="内容占位符 3">
-            <a:extLst>
-              <a:ext uri="{FF2B5EF4-FFF2-40B4-BE49-F238E27FC236}">
-                <a16:creationId xmlns:a16="http://schemas.microsoft.com/office/drawing/2014/main" id="{DA46C28F-D5E5-41A9-A5A4-010631AEBAF6}"/>
-              </a:ext>
-            </a:extLst>
-          </p:cNvPr>
-          <p:cNvSpPr>
-            <a:spLocks noGrp="1"/>
-          </p:cNvSpPr>
-          <p:nvPr>
-            <p:ph sz="half" idx="2"/>
-          </p:nvPr>
-        </p:nvSpPr>
-        <p:spPr>
-          <a:xfrm>
-            <a:off x="839788" y="2505075"/>
-            <a:ext cx="5157787" cy="3684588"/>
-          </a:xfrm>
-        </p:spPr>
-        <p:txBody>
-          <a:bodyPr/>
-          <a:lstStyle/>
-          <a:p>
-            <a:pPr lvl="0"/>
-            <a:r>
-              <a:rPr lang="zh-CN" altLang="en-US"/>
-              <a:t>单击此处编辑母版文本样式</a:t>
-            </a:r>
-          </a:p>
-          <a:p>
-            <a:pPr lvl="1"/>
-            <a:r>
-              <a:rPr lang="zh-CN" altLang="en-US"/>
-              <a:t>二级</a:t>
-            </a:r>
-          </a:p>
-          <a:p>
-            <a:pPr lvl="2"/>
-            <a:r>
-              <a:rPr lang="zh-CN" altLang="en-US"/>
-              <a:t>三级</a:t>
-            </a:r>
-          </a:p>
-          <a:p>
-            <a:pPr lvl="3"/>
-            <a:r>
-              <a:rPr lang="zh-CN" altLang="en-US"/>
-              <a:t>四级</a:t>
-            </a:r>
-          </a:p>
-          <a:p>
-            <a:pPr lvl="4"/>
-            <a:r>
-              <a:rPr lang="zh-CN" altLang="en-US"/>
-              <a:t>五级</a:t>
-            </a:r>
-          </a:p>
-        </p:txBody>
-      </p:sp>
-      <p:sp>
-        <p:nvSpPr>
-          <p:cNvPr id="5" name="文本占位符 4">
-            <a:extLst>
-              <a:ext uri="{FF2B5EF4-FFF2-40B4-BE49-F238E27FC236}">
-                <a16:creationId xmlns:a16="http://schemas.microsoft.com/office/drawing/2014/main" id="{8F9F1AD0-6C76-4971-A517-E2278AF49267}"/>
-              </a:ext>
-            </a:extLst>
-          </p:cNvPr>
-          <p:cNvSpPr>
-            <a:spLocks noGrp="1"/>
-          </p:cNvSpPr>
-          <p:nvPr>
-            <p:ph type="body" sz="quarter" idx="3"/>
-          </p:nvPr>
-        </p:nvSpPr>
-        <p:spPr>
-          <a:xfrm>
-            <a:off x="6172200" y="1681163"/>
-            <a:ext cx="5183188" cy="823912"/>
-          </a:xfrm>
-        </p:spPr>
-        <p:txBody>
-          <a:bodyPr anchor="b"/>
-          <a:lstStyle>
-            <a:lvl1pPr marL="0" indent="0">
-              <a:buNone/>
-              <a:defRPr sz="2400" b="1"/>
-            </a:lvl1pPr>
-            <a:lvl2pPr marL="457200" indent="0">
-              <a:buNone/>
-              <a:defRPr sz="2000" b="1"/>
-            </a:lvl2pPr>
-            <a:lvl3pPr marL="914400" indent="0">
-              <a:buNone/>
-              <a:defRPr sz="1800" b="1"/>
-            </a:lvl3pPr>
-            <a:lvl4pPr marL="1371600" indent="0">
-              <a:buNone/>
-              <a:defRPr sz="1600" b="1"/>
-            </a:lvl4pPr>
-            <a:lvl5pPr marL="1828800" indent="0">
-              <a:buNone/>
-              <a:defRPr sz="1600" b="1"/>
-            </a:lvl5pPr>
-            <a:lvl6pPr marL="2286000" indent="0">
-              <a:buNone/>
-              <a:defRPr sz="1600" b="1"/>
-            </a:lvl6pPr>
-            <a:lvl7pPr marL="2743200" indent="0">
-              <a:buNone/>
-              <a:defRPr sz="1600" b="1"/>
-            </a:lvl7pPr>
-            <a:lvl8pPr marL="3200400" indent="0">
-              <a:buNone/>
-              <a:defRPr sz="1600" b="1"/>
-            </a:lvl8pPr>
-            <a:lvl9pPr marL="3657600" indent="0">
-              <a:buNone/>
-              <a:defRPr sz="1600" b="1"/>
-            </a:lvl9pPr>
-          </a:lstStyle>
-          <a:p>
-            <a:pPr lvl="0"/>
-            <a:r>
-              <a:rPr lang="zh-CN" altLang="en-US"/>
-              <a:t>单击此处编辑母版文本样式</a:t>
-            </a:r>
-          </a:p>
-        </p:txBody>
-      </p:sp>
-      <p:sp>
-        <p:nvSpPr>
-          <p:cNvPr id="6" name="内容占位符 5">
-            <a:extLst>
-              <a:ext uri="{FF2B5EF4-FFF2-40B4-BE49-F238E27FC236}">
-                <a16:creationId xmlns:a16="http://schemas.microsoft.com/office/drawing/2014/main" id="{76D15B09-F102-49AA-9DF8-10AACA8465A2}"/>
-              </a:ext>
-            </a:extLst>
-          </p:cNvPr>
-          <p:cNvSpPr>
-            <a:spLocks noGrp="1"/>
-          </p:cNvSpPr>
-          <p:nvPr>
-            <p:ph sz="quarter" idx="4"/>
-          </p:nvPr>
-        </p:nvSpPr>
-        <p:spPr>
-          <a:xfrm>
-            <a:off x="6172200" y="2505075"/>
-            <a:ext cx="5183188" cy="3684588"/>
-          </a:xfrm>
-        </p:spPr>
-        <p:txBody>
-          <a:bodyPr/>
-          <a:lstStyle/>
-          <a:p>
-            <a:pPr lvl="0"/>
-            <a:r>
-              <a:rPr lang="zh-CN" altLang="en-US"/>
-              <a:t>单击此处编辑母版文本样式</a:t>
-            </a:r>
-          </a:p>
-          <a:p>
-            <a:pPr lvl="1"/>
-            <a:r>
-              <a:rPr lang="zh-CN" altLang="en-US"/>
-              <a:t>二级</a:t>
-            </a:r>
-          </a:p>
-          <a:p>
-            <a:pPr lvl="2"/>
-            <a:r>
-              <a:rPr lang="zh-CN" altLang="en-US"/>
-              <a:t>三级</a:t>
-            </a:r>
-          </a:p>
-          <a:p>
-            <a:pPr lvl="3"/>
-            <a:r>
-              <a:rPr lang="zh-CN" altLang="en-US"/>
-              <a:t>四级</a:t>
-            </a:r>
-          </a:p>
-          <a:p>
-            <a:pPr lvl="4"/>
-            <a:r>
-              <a:rPr lang="zh-CN" altLang="en-US"/>
-              <a:t>五级</a:t>
-            </a:r>
-          </a:p>
-        </p:txBody>
-      </p:sp>
-      <p:sp>
-        <p:nvSpPr>
-          <p:cNvPr id="7" name="日期占位符 6">
-            <a:extLst>
-              <a:ext uri="{FF2B5EF4-FFF2-40B4-BE49-F238E27FC236}">
-                <a16:creationId xmlns:a16="http://schemas.microsoft.com/office/drawing/2014/main" id="{BD6857D0-87A0-45F6-91B0-9AECCA2F12BB}"/>
-              </a:ext>
-            </a:extLst>
-          </p:cNvPr>
-          <p:cNvSpPr>
-            <a:spLocks noGrp="1"/>
-          </p:cNvSpPr>
-          <p:nvPr>
-            <p:ph type="dt" sz="half" idx="10"/>
-          </p:nvPr>
-        </p:nvSpPr>
-        <p:spPr/>
-        <p:txBody>
-          <a:bodyPr/>
-          <a:lstStyle/>
-          <a:p>
-            <a:fld id="{CAD19A8C-0F1E-4ACF-B569-36D45F7D9616}" type="datetimeFigureOut">
-              <a:rPr lang="zh-CN" altLang="en-US" smtClean="0"/>
-              <a:t>2024/7/15</a:t>
-            </a:fld>
-            <a:endParaRPr lang="zh-CN" altLang="en-US"/>
-          </a:p>
-        </p:txBody>
-      </p:sp>
-      <p:sp>
-        <p:nvSpPr>
-          <p:cNvPr id="8" name="页脚占位符 7">
-            <a:extLst>
-              <a:ext uri="{FF2B5EF4-FFF2-40B4-BE49-F238E27FC236}">
-                <a16:creationId xmlns:a16="http://schemas.microsoft.com/office/drawing/2014/main" id="{FBCBDC0F-7ECD-4F5B-9018-C344069DF692}"/>
-              </a:ext>
-            </a:extLst>
-          </p:cNvPr>
-          <p:cNvSpPr>
-            <a:spLocks noGrp="1"/>
-          </p:cNvSpPr>
-          <p:nvPr>
-            <p:ph type="ftr" sz="quarter" idx="11"/>
-          </p:nvPr>
-        </p:nvSpPr>
-        <p:spPr/>
-        <p:txBody>
-          <a:bodyPr/>
-          <a:lstStyle/>
-          <a:p>
-            <a:endParaRPr lang="zh-CN" altLang="en-US"/>
-          </a:p>
-        </p:txBody>
-      </p:sp>
-      <p:sp>
-        <p:nvSpPr>
-          <p:cNvPr id="9" name="灯片编号占位符 8">
-            <a:extLst>
-              <a:ext uri="{FF2B5EF4-FFF2-40B4-BE49-F238E27FC236}">
-                <a16:creationId xmlns:a16="http://schemas.microsoft.com/office/drawing/2014/main" id="{5DBEFA06-53AD-44C8-8C00-B822418AF595}"/>
-              </a:ext>
-            </a:extLst>
-          </p:cNvPr>
-          <p:cNvSpPr>
-            <a:spLocks noGrp="1"/>
-          </p:cNvSpPr>
-          <p:nvPr>
-            <p:ph type="sldNum" sz="quarter" idx="12"/>
-          </p:nvPr>
-        </p:nvSpPr>
-        <p:spPr/>
-        <p:txBody>
-          <a:bodyPr/>
-          <a:lstStyle/>
-          <a:p>
-            <a:fld id="{DB0D736F-E149-47EA-BA4B-81F4DB81E2B5}" type="slidenum">
-              <a:rPr lang="zh-CN" altLang="en-US" smtClean="0"/>
-              <a:t>‹#›</a:t>
-            </a:fld>
-            <a:endParaRPr lang="zh-CN" altLang="en-US"/>
-          </a:p>
-        </p:txBody>
-      </p:sp>
-    </p:spTree>
-    <p:extLst>
-      <p:ext uri="{BB962C8B-B14F-4D97-AF65-F5344CB8AC3E}">
-        <p14:creationId xmlns:p14="http://schemas.microsoft.com/office/powerpoint/2010/main" val="1236886264"/>
-      </p:ext>
-    </p:extLst>
-  </p:cSld>
-  <p:clrMapOvr>
-    <a:masterClrMapping/>
-  </p:clrMapOvr>
-</p:sldLayout>
-</file>
-
-<file path=ppt/slideLayouts/slideLayout6.xml><?xml version="1.0" encoding="utf-8"?>
-<p:sldLayout xmlns:a="http://schemas.openxmlformats.org/drawingml/2006/main" xmlns:r="http://schemas.openxmlformats.org/officeDocument/2006/relationships" xmlns:p="http://schemas.openxmlformats.org/presentationml/2006/main" type="titleOnly" preserve="1">
-  <p:cSld name="仅标题">
-    <p:spTree>
-      <p:nvGrpSpPr>
-        <p:cNvPr id="1" name=""/>
-        <p:cNvGrpSpPr/>
-        <p:nvPr/>
-      </p:nvGrpSpPr>
-      <p:grpSpPr>
-        <a:xfrm>
-          <a:off x="0" y="0"/>
-          <a:ext cx="0" cy="0"/>
-          <a:chOff x="0" y="0"/>
-          <a:chExt cx="0" cy="0"/>
-        </a:xfrm>
-      </p:grpSpPr>
-      <p:sp>
-        <p:nvSpPr>
-          <p:cNvPr id="2" name="标题 1">
-            <a:extLst>
-              <a:ext uri="{FF2B5EF4-FFF2-40B4-BE49-F238E27FC236}">
-                <a16:creationId xmlns:a16="http://schemas.microsoft.com/office/drawing/2014/main" id="{5C088E19-5C81-474F-AE42-EE3E9C5EA635}"/>
-              </a:ext>
-            </a:extLst>
-          </p:cNvPr>
-          <p:cNvSpPr>
-            <a:spLocks noGrp="1"/>
-          </p:cNvSpPr>
-          <p:nvPr>
-            <p:ph type="title"/>
-          </p:nvPr>
-        </p:nvSpPr>
-        <p:spPr/>
-        <p:txBody>
-          <a:bodyPr/>
-          <a:lstStyle/>
-          <a:p>
-            <a:r>
-              <a:rPr lang="zh-CN" altLang="en-US"/>
-              <a:t>单击此处编辑母版标题样式</a:t>
-            </a:r>
-          </a:p>
-        </p:txBody>
-      </p:sp>
-      <p:sp>
-        <p:nvSpPr>
-          <p:cNvPr id="3" name="日期占位符 2">
-            <a:extLst>
-              <a:ext uri="{FF2B5EF4-FFF2-40B4-BE49-F238E27FC236}">
-                <a16:creationId xmlns:a16="http://schemas.microsoft.com/office/drawing/2014/main" id="{EF99A274-A873-4427-B958-33F2A0D5BA05}"/>
-              </a:ext>
-            </a:extLst>
-          </p:cNvPr>
-          <p:cNvSpPr>
-            <a:spLocks noGrp="1"/>
-          </p:cNvSpPr>
-          <p:nvPr>
-            <p:ph type="dt" sz="half" idx="10"/>
-          </p:nvPr>
-        </p:nvSpPr>
-        <p:spPr/>
-        <p:txBody>
-          <a:bodyPr/>
-          <a:lstStyle/>
-          <a:p>
-            <a:fld id="{CAD19A8C-0F1E-4ACF-B569-36D45F7D9616}" type="datetimeFigureOut">
-              <a:rPr lang="zh-CN" altLang="en-US" smtClean="0"/>
-              <a:t>2024/7/15</a:t>
-            </a:fld>
-            <a:endParaRPr lang="zh-CN" altLang="en-US"/>
-          </a:p>
-        </p:txBody>
-      </p:sp>
-      <p:sp>
-        <p:nvSpPr>
-          <p:cNvPr id="4" name="页脚占位符 3">
-            <a:extLst>
-              <a:ext uri="{FF2B5EF4-FFF2-40B4-BE49-F238E27FC236}">
-                <a16:creationId xmlns:a16="http://schemas.microsoft.com/office/drawing/2014/main" id="{397D009D-F125-43AC-8A27-179D43BCD13A}"/>
-              </a:ext>
-            </a:extLst>
-          </p:cNvPr>
-          <p:cNvSpPr>
-            <a:spLocks noGrp="1"/>
-          </p:cNvSpPr>
-          <p:nvPr>
-            <p:ph type="ftr" sz="quarter" idx="11"/>
-          </p:nvPr>
-        </p:nvSpPr>
-        <p:spPr/>
-        <p:txBody>
-          <a:bodyPr/>
-          <a:lstStyle/>
-          <a:p>
-            <a:endParaRPr lang="zh-CN" altLang="en-US"/>
-          </a:p>
-        </p:txBody>
-      </p:sp>
-      <p:sp>
-        <p:nvSpPr>
-          <p:cNvPr id="5" name="灯片编号占位符 4">
-            <a:extLst>
-              <a:ext uri="{FF2B5EF4-FFF2-40B4-BE49-F238E27FC236}">
-                <a16:creationId xmlns:a16="http://schemas.microsoft.com/office/drawing/2014/main" id="{55473E7D-6B0A-45BA-AE5C-C5DEA8E38BCF}"/>
-              </a:ext>
-            </a:extLst>
-          </p:cNvPr>
-          <p:cNvSpPr>
-            <a:spLocks noGrp="1"/>
-          </p:cNvSpPr>
-          <p:nvPr>
-            <p:ph type="sldNum" sz="quarter" idx="12"/>
-          </p:nvPr>
-        </p:nvSpPr>
-        <p:spPr/>
-        <p:txBody>
-          <a:bodyPr/>
-          <a:lstStyle/>
-          <a:p>
-            <a:fld id="{DB0D736F-E149-47EA-BA4B-81F4DB81E2B5}" type="slidenum">
-              <a:rPr lang="zh-CN" altLang="en-US" smtClean="0"/>
-              <a:t>‹#›</a:t>
-            </a:fld>
-            <a:endParaRPr lang="zh-CN" altLang="en-US"/>
-          </a:p>
-        </p:txBody>
-      </p:sp>
-    </p:spTree>
-    <p:extLst>
-      <p:ext uri="{BB962C8B-B14F-4D97-AF65-F5344CB8AC3E}">
-        <p14:creationId xmlns:p14="http://schemas.microsoft.com/office/powerpoint/2010/main" val="2108905626"/>
-      </p:ext>
-    </p:extLst>
-  </p:cSld>
-  <p:clrMapOvr>
-    <a:masterClrMapping/>
-  </p:clrMapOvr>
-</p:sldLayout>
-</file>
-
-<file path=ppt/slideLayouts/slideLayout7.xml><?xml version="1.0" encoding="utf-8"?>
-<p:sldLayout xmlns:a="http://schemas.openxmlformats.org/drawingml/2006/main" xmlns:r="http://schemas.openxmlformats.org/officeDocument/2006/relationships" xmlns:p="http://schemas.openxmlformats.org/presentationml/2006/main" type="blank" preserve="1">
-  <p:cSld name="空白">
-    <p:spTree>
-      <p:nvGrpSpPr>
-        <p:cNvPr id="1" name=""/>
-        <p:cNvGrpSpPr/>
-        <p:nvPr/>
-      </p:nvGrpSpPr>
-      <p:grpSpPr>
-        <a:xfrm>
-          <a:off x="0" y="0"/>
-          <a:ext cx="0" cy="0"/>
-          <a:chOff x="0" y="0"/>
-          <a:chExt cx="0" cy="0"/>
-        </a:xfrm>
-      </p:grpSpPr>
-      <p:sp>
-        <p:nvSpPr>
-          <p:cNvPr id="2" name="日期占位符 1">
-            <a:extLst>
-              <a:ext uri="{FF2B5EF4-FFF2-40B4-BE49-F238E27FC236}">
-                <a16:creationId xmlns:a16="http://schemas.microsoft.com/office/drawing/2014/main" id="{DEE45900-A8B0-4F50-B578-622F7F45AA3E}"/>
-              </a:ext>
-            </a:extLst>
-          </p:cNvPr>
-          <p:cNvSpPr>
-            <a:spLocks noGrp="1"/>
-          </p:cNvSpPr>
-          <p:nvPr>
-            <p:ph type="dt" sz="half" idx="10"/>
-          </p:nvPr>
-        </p:nvSpPr>
-        <p:spPr/>
-        <p:txBody>
-          <a:bodyPr/>
-          <a:lstStyle/>
-          <a:p>
-            <a:fld id="{CAD19A8C-0F1E-4ACF-B569-36D45F7D9616}" type="datetimeFigureOut">
-              <a:rPr lang="zh-CN" altLang="en-US" smtClean="0"/>
-              <a:t>2024/7/15</a:t>
-            </a:fld>
-            <a:endParaRPr lang="zh-CN" altLang="en-US"/>
-          </a:p>
-        </p:txBody>
-      </p:sp>
-      <p:sp>
-        <p:nvSpPr>
-          <p:cNvPr id="3" name="页脚占位符 2">
-            <a:extLst>
-              <a:ext uri="{FF2B5EF4-FFF2-40B4-BE49-F238E27FC236}">
-                <a16:creationId xmlns:a16="http://schemas.microsoft.com/office/drawing/2014/main" id="{688A9A35-DE8D-4178-8553-AC28DF52BD34}"/>
-              </a:ext>
-            </a:extLst>
-          </p:cNvPr>
-          <p:cNvSpPr>
-            <a:spLocks noGrp="1"/>
-          </p:cNvSpPr>
-          <p:nvPr>
-            <p:ph type="ftr" sz="quarter" idx="11"/>
-          </p:nvPr>
-        </p:nvSpPr>
-        <p:spPr/>
-        <p:txBody>
-          <a:bodyPr/>
-          <a:lstStyle/>
-          <a:p>
-            <a:endParaRPr lang="zh-CN" altLang="en-US"/>
-          </a:p>
-        </p:txBody>
-      </p:sp>
-      <p:sp>
-        <p:nvSpPr>
-          <p:cNvPr id="4" name="灯片编号占位符 3">
-            <a:extLst>
-              <a:ext uri="{FF2B5EF4-FFF2-40B4-BE49-F238E27FC236}">
-                <a16:creationId xmlns:a16="http://schemas.microsoft.com/office/drawing/2014/main" id="{5FA1C6A5-FBC0-4A31-8A7E-CFFDDA6F7572}"/>
-              </a:ext>
-            </a:extLst>
-          </p:cNvPr>
-          <p:cNvSpPr>
-            <a:spLocks noGrp="1"/>
-          </p:cNvSpPr>
-          <p:nvPr>
-            <p:ph type="sldNum" sz="quarter" idx="12"/>
-          </p:nvPr>
-        </p:nvSpPr>
-        <p:spPr/>
-        <p:txBody>
-          <a:bodyPr/>
-          <a:lstStyle/>
-          <a:p>
-            <a:fld id="{DB0D736F-E149-47EA-BA4B-81F4DB81E2B5}" type="slidenum">
-              <a:rPr lang="zh-CN" altLang="en-US" smtClean="0"/>
-              <a:t>‹#›</a:t>
-            </a:fld>
-            <a:endParaRPr lang="zh-CN" altLang="en-US"/>
-          </a:p>
-        </p:txBody>
-      </p:sp>
-    </p:spTree>
-    <p:extLst>
-      <p:ext uri="{BB962C8B-B14F-4D97-AF65-F5344CB8AC3E}">
-        <p14:creationId xmlns:p14="http://schemas.microsoft.com/office/powerpoint/2010/main" val="1941935681"/>
-      </p:ext>
-    </p:extLst>
-  </p:cSld>
-  <p:clrMapOvr>
-    <a:masterClrMapping/>
-  </p:clrMapOvr>
-</p:sldLayout>
-</file>
-
-<file path=ppt/slideLayouts/slideLayout8.xml><?xml version="1.0" encoding="utf-8"?>
+<file path=ppt/slideLayouts/slideLayout20.xml><?xml version="1.0" encoding="utf-8"?>
 <p:sldLayout xmlns:a="http://schemas.openxmlformats.org/drawingml/2006/main" xmlns:r="http://schemas.openxmlformats.org/officeDocument/2006/relationships" xmlns:p="http://schemas.openxmlformats.org/presentationml/2006/main" type="objTx" preserve="1">
   <p:cSld name="内容与标题">
     <p:spTree>
@@ -3089,13 +3253,7 @@
       </p:grpSpPr>
       <p:sp>
         <p:nvSpPr>
-          <p:cNvPr id="2" name="标题 1">
-            <a:extLst>
-              <a:ext uri="{FF2B5EF4-FFF2-40B4-BE49-F238E27FC236}">
-                <a16:creationId xmlns:a16="http://schemas.microsoft.com/office/drawing/2014/main" id="{A3E00261-C354-4E14-A28A-A25A48EA8D95}"/>
-              </a:ext>
-            </a:extLst>
-          </p:cNvPr>
+          <p:cNvPr id="2" name="标题 1"/>
           <p:cNvSpPr>
             <a:spLocks noGrp="1"/>
           </p:cNvSpPr>
@@ -3121,18 +3279,13 @@
               <a:rPr lang="zh-CN" altLang="en-US"/>
               <a:t>单击此处编辑母版标题样式</a:t>
             </a:r>
-          </a:p>
-        </p:txBody>
-      </p:sp>
-      <p:sp>
-        <p:nvSpPr>
-          <p:cNvPr id="3" name="内容占位符 2">
-            <a:extLst>
-              <a:ext uri="{FF2B5EF4-FFF2-40B4-BE49-F238E27FC236}">
-                <a16:creationId xmlns:a16="http://schemas.microsoft.com/office/drawing/2014/main" id="{14230889-BCC5-47D8-B8A4-745FB124F250}"/>
-              </a:ext>
-            </a:extLst>
-          </p:cNvPr>
+            <a:endParaRPr lang="zh-CN" altLang="en-US"/>
+          </a:p>
+        </p:txBody>
+      </p:sp>
+      <p:sp>
+        <p:nvSpPr>
+          <p:cNvPr id="3" name="内容占位符 2"/>
           <p:cNvSpPr>
             <a:spLocks noGrp="1"/>
           </p:cNvSpPr>
@@ -3183,6 +3336,7 @@
               <a:rPr lang="zh-CN" altLang="en-US"/>
               <a:t>单击此处编辑母版文本样式</a:t>
             </a:r>
+            <a:endParaRPr lang="zh-CN" altLang="en-US"/>
           </a:p>
           <a:p>
             <a:pPr lvl="1"/>
@@ -3190,6 +3344,7 @@
               <a:rPr lang="zh-CN" altLang="en-US"/>
               <a:t>二级</a:t>
             </a:r>
+            <a:endParaRPr lang="zh-CN" altLang="en-US"/>
           </a:p>
           <a:p>
             <a:pPr lvl="2"/>
@@ -3197,6 +3352,7 @@
               <a:rPr lang="zh-CN" altLang="en-US"/>
               <a:t>三级</a:t>
             </a:r>
+            <a:endParaRPr lang="zh-CN" altLang="en-US"/>
           </a:p>
           <a:p>
             <a:pPr lvl="3"/>
@@ -3204,6 +3360,7 @@
               <a:rPr lang="zh-CN" altLang="en-US"/>
               <a:t>四级</a:t>
             </a:r>
+            <a:endParaRPr lang="zh-CN" altLang="en-US"/>
           </a:p>
           <a:p>
             <a:pPr lvl="4"/>
@@ -3211,18 +3368,13 @@
               <a:rPr lang="zh-CN" altLang="en-US"/>
               <a:t>五级</a:t>
             </a:r>
-          </a:p>
-        </p:txBody>
-      </p:sp>
-      <p:sp>
-        <p:nvSpPr>
-          <p:cNvPr id="4" name="文本占位符 3">
-            <a:extLst>
-              <a:ext uri="{FF2B5EF4-FFF2-40B4-BE49-F238E27FC236}">
-                <a16:creationId xmlns:a16="http://schemas.microsoft.com/office/drawing/2014/main" id="{8CC16B0D-8E8E-4E1D-BC92-9D853BA04BBB}"/>
-              </a:ext>
-            </a:extLst>
-          </p:cNvPr>
+            <a:endParaRPr lang="zh-CN" altLang="en-US"/>
+          </a:p>
+        </p:txBody>
+      </p:sp>
+      <p:sp>
+        <p:nvSpPr>
+          <p:cNvPr id="4" name="文本占位符 3"/>
           <p:cNvSpPr>
             <a:spLocks noGrp="1"/>
           </p:cNvSpPr>
@@ -3282,18 +3434,13 @@
               <a:rPr lang="zh-CN" altLang="en-US"/>
               <a:t>单击此处编辑母版文本样式</a:t>
             </a:r>
-          </a:p>
-        </p:txBody>
-      </p:sp>
-      <p:sp>
-        <p:nvSpPr>
-          <p:cNvPr id="5" name="日期占位符 4">
-            <a:extLst>
-              <a:ext uri="{FF2B5EF4-FFF2-40B4-BE49-F238E27FC236}">
-                <a16:creationId xmlns:a16="http://schemas.microsoft.com/office/drawing/2014/main" id="{ECDF7B40-A30D-4E82-BB26-B8B814189B93}"/>
-              </a:ext>
-            </a:extLst>
-          </p:cNvPr>
+            <a:endParaRPr lang="zh-CN" altLang="en-US"/>
+          </a:p>
+        </p:txBody>
+      </p:sp>
+      <p:sp>
+        <p:nvSpPr>
+          <p:cNvPr id="5" name="日期占位符 4"/>
           <p:cNvSpPr>
             <a:spLocks noGrp="1"/>
           </p:cNvSpPr>
@@ -3308,7 +3455,6 @@
           <a:p>
             <a:fld id="{CAD19A8C-0F1E-4ACF-B569-36D45F7D9616}" type="datetimeFigureOut">
               <a:rPr lang="zh-CN" altLang="en-US" smtClean="0"/>
-              <a:t>2024/7/15</a:t>
             </a:fld>
             <a:endParaRPr lang="zh-CN" altLang="en-US"/>
           </a:p>
@@ -3316,13 +3462,7 @@
       </p:sp>
       <p:sp>
         <p:nvSpPr>
-          <p:cNvPr id="6" name="页脚占位符 5">
-            <a:extLst>
-              <a:ext uri="{FF2B5EF4-FFF2-40B4-BE49-F238E27FC236}">
-                <a16:creationId xmlns:a16="http://schemas.microsoft.com/office/drawing/2014/main" id="{FB626AA0-A5D8-4C99-9847-6AA5F19159F0}"/>
-              </a:ext>
-            </a:extLst>
-          </p:cNvPr>
+          <p:cNvPr id="6" name="页脚占位符 5"/>
           <p:cNvSpPr>
             <a:spLocks noGrp="1"/>
           </p:cNvSpPr>
@@ -3341,13 +3481,7 @@
       </p:sp>
       <p:sp>
         <p:nvSpPr>
-          <p:cNvPr id="7" name="灯片编号占位符 6">
-            <a:extLst>
-              <a:ext uri="{FF2B5EF4-FFF2-40B4-BE49-F238E27FC236}">
-                <a16:creationId xmlns:a16="http://schemas.microsoft.com/office/drawing/2014/main" id="{448BCA46-0461-4459-A706-6CAD7AF9E20A}"/>
-              </a:ext>
-            </a:extLst>
-          </p:cNvPr>
+          <p:cNvPr id="7" name="灯片编号占位符 6"/>
           <p:cNvSpPr>
             <a:spLocks noGrp="1"/>
           </p:cNvSpPr>
@@ -3362,18 +3496,2184 @@
           <a:p>
             <a:fld id="{DB0D736F-E149-47EA-BA4B-81F4DB81E2B5}" type="slidenum">
               <a:rPr lang="zh-CN" altLang="en-US" smtClean="0"/>
-              <a:t>‹#›</a:t>
             </a:fld>
             <a:endParaRPr lang="zh-CN" altLang="en-US"/>
           </a:p>
         </p:txBody>
       </p:sp>
     </p:spTree>
-    <p:extLst>
-      <p:ext uri="{BB962C8B-B14F-4D97-AF65-F5344CB8AC3E}">
-        <p14:creationId xmlns:p14="http://schemas.microsoft.com/office/powerpoint/2010/main" val="2091652528"/>
-      </p:ext>
-    </p:extLst>
+  </p:cSld>
+  <p:clrMapOvr>
+    <a:masterClrMapping/>
+  </p:clrMapOvr>
+</p:sldLayout>
+</file>
+
+<file path=ppt/slideLayouts/slideLayout21.xml><?xml version="1.0" encoding="utf-8"?>
+<p:sldLayout xmlns:a="http://schemas.openxmlformats.org/drawingml/2006/main" xmlns:r="http://schemas.openxmlformats.org/officeDocument/2006/relationships" xmlns:p="http://schemas.openxmlformats.org/presentationml/2006/main" type="picTx" preserve="1">
+  <p:cSld name="图片与标题">
+    <p:spTree>
+      <p:nvGrpSpPr>
+        <p:cNvPr id="1" name=""/>
+        <p:cNvGrpSpPr/>
+        <p:nvPr/>
+      </p:nvGrpSpPr>
+      <p:grpSpPr>
+        <a:xfrm>
+          <a:off x="0" y="0"/>
+          <a:ext cx="0" cy="0"/>
+          <a:chOff x="0" y="0"/>
+          <a:chExt cx="0" cy="0"/>
+        </a:xfrm>
+      </p:grpSpPr>
+      <p:sp>
+        <p:nvSpPr>
+          <p:cNvPr id="2" name="标题 1"/>
+          <p:cNvSpPr>
+            <a:spLocks noGrp="1"/>
+          </p:cNvSpPr>
+          <p:nvPr>
+            <p:ph type="title"/>
+          </p:nvPr>
+        </p:nvSpPr>
+        <p:spPr>
+          <a:xfrm>
+            <a:off x="839788" y="457200"/>
+            <a:ext cx="3932237" cy="1600200"/>
+          </a:xfrm>
+        </p:spPr>
+        <p:txBody>
+          <a:bodyPr anchor="b"/>
+          <a:lstStyle>
+            <a:lvl1pPr>
+              <a:defRPr sz="3200"/>
+            </a:lvl1pPr>
+          </a:lstStyle>
+          <a:p>
+            <a:r>
+              <a:rPr lang="zh-CN" altLang="en-US"/>
+              <a:t>单击此处编辑母版标题样式</a:t>
+            </a:r>
+            <a:endParaRPr lang="zh-CN" altLang="en-US"/>
+          </a:p>
+        </p:txBody>
+      </p:sp>
+      <p:sp>
+        <p:nvSpPr>
+          <p:cNvPr id="3" name="图片占位符 2"/>
+          <p:cNvSpPr>
+            <a:spLocks noGrp="1"/>
+          </p:cNvSpPr>
+          <p:nvPr>
+            <p:ph type="pic" idx="1"/>
+          </p:nvPr>
+        </p:nvSpPr>
+        <p:spPr>
+          <a:xfrm>
+            <a:off x="5183188" y="987425"/>
+            <a:ext cx="6172200" cy="4873625"/>
+          </a:xfrm>
+        </p:spPr>
+        <p:txBody>
+          <a:bodyPr/>
+          <a:lstStyle>
+            <a:lvl1pPr marL="0" indent="0">
+              <a:buNone/>
+              <a:defRPr sz="3200"/>
+            </a:lvl1pPr>
+            <a:lvl2pPr marL="457200" indent="0">
+              <a:buNone/>
+              <a:defRPr sz="2800"/>
+            </a:lvl2pPr>
+            <a:lvl3pPr marL="914400" indent="0">
+              <a:buNone/>
+              <a:defRPr sz="2400"/>
+            </a:lvl3pPr>
+            <a:lvl4pPr marL="1371600" indent="0">
+              <a:buNone/>
+              <a:defRPr sz="2000"/>
+            </a:lvl4pPr>
+            <a:lvl5pPr marL="1828800" indent="0">
+              <a:buNone/>
+              <a:defRPr sz="2000"/>
+            </a:lvl5pPr>
+            <a:lvl6pPr marL="2286000" indent="0">
+              <a:buNone/>
+              <a:defRPr sz="2000"/>
+            </a:lvl6pPr>
+            <a:lvl7pPr marL="2743200" indent="0">
+              <a:buNone/>
+              <a:defRPr sz="2000"/>
+            </a:lvl7pPr>
+            <a:lvl8pPr marL="3200400" indent="0">
+              <a:buNone/>
+              <a:defRPr sz="2000"/>
+            </a:lvl8pPr>
+            <a:lvl9pPr marL="3657600" indent="0">
+              <a:buNone/>
+              <a:defRPr sz="2000"/>
+            </a:lvl9pPr>
+          </a:lstStyle>
+          <a:p>
+            <a:endParaRPr lang="zh-CN" altLang="en-US"/>
+          </a:p>
+        </p:txBody>
+      </p:sp>
+      <p:sp>
+        <p:nvSpPr>
+          <p:cNvPr id="4" name="文本占位符 3"/>
+          <p:cNvSpPr>
+            <a:spLocks noGrp="1"/>
+          </p:cNvSpPr>
+          <p:nvPr>
+            <p:ph type="body" sz="half" idx="2"/>
+          </p:nvPr>
+        </p:nvSpPr>
+        <p:spPr>
+          <a:xfrm>
+            <a:off x="839788" y="2057400"/>
+            <a:ext cx="3932237" cy="3811588"/>
+          </a:xfrm>
+        </p:spPr>
+        <p:txBody>
+          <a:bodyPr/>
+          <a:lstStyle>
+            <a:lvl1pPr marL="0" indent="0">
+              <a:buNone/>
+              <a:defRPr sz="1600"/>
+            </a:lvl1pPr>
+            <a:lvl2pPr marL="457200" indent="0">
+              <a:buNone/>
+              <a:defRPr sz="1400"/>
+            </a:lvl2pPr>
+            <a:lvl3pPr marL="914400" indent="0">
+              <a:buNone/>
+              <a:defRPr sz="1200"/>
+            </a:lvl3pPr>
+            <a:lvl4pPr marL="1371600" indent="0">
+              <a:buNone/>
+              <a:defRPr sz="1000"/>
+            </a:lvl4pPr>
+            <a:lvl5pPr marL="1828800" indent="0">
+              <a:buNone/>
+              <a:defRPr sz="1000"/>
+            </a:lvl5pPr>
+            <a:lvl6pPr marL="2286000" indent="0">
+              <a:buNone/>
+              <a:defRPr sz="1000"/>
+            </a:lvl6pPr>
+            <a:lvl7pPr marL="2743200" indent="0">
+              <a:buNone/>
+              <a:defRPr sz="1000"/>
+            </a:lvl7pPr>
+            <a:lvl8pPr marL="3200400" indent="0">
+              <a:buNone/>
+              <a:defRPr sz="1000"/>
+            </a:lvl8pPr>
+            <a:lvl9pPr marL="3657600" indent="0">
+              <a:buNone/>
+              <a:defRPr sz="1000"/>
+            </a:lvl9pPr>
+          </a:lstStyle>
+          <a:p>
+            <a:pPr lvl="0"/>
+            <a:r>
+              <a:rPr lang="zh-CN" altLang="en-US"/>
+              <a:t>单击此处编辑母版文本样式</a:t>
+            </a:r>
+            <a:endParaRPr lang="zh-CN" altLang="en-US"/>
+          </a:p>
+        </p:txBody>
+      </p:sp>
+      <p:sp>
+        <p:nvSpPr>
+          <p:cNvPr id="5" name="日期占位符 4"/>
+          <p:cNvSpPr>
+            <a:spLocks noGrp="1"/>
+          </p:cNvSpPr>
+          <p:nvPr>
+            <p:ph type="dt" sz="half" idx="10"/>
+          </p:nvPr>
+        </p:nvSpPr>
+        <p:spPr/>
+        <p:txBody>
+          <a:bodyPr/>
+          <a:lstStyle/>
+          <a:p>
+            <a:fld id="{CAD19A8C-0F1E-4ACF-B569-36D45F7D9616}" type="datetimeFigureOut">
+              <a:rPr lang="zh-CN" altLang="en-US" smtClean="0"/>
+            </a:fld>
+            <a:endParaRPr lang="zh-CN" altLang="en-US"/>
+          </a:p>
+        </p:txBody>
+      </p:sp>
+      <p:sp>
+        <p:nvSpPr>
+          <p:cNvPr id="6" name="页脚占位符 5"/>
+          <p:cNvSpPr>
+            <a:spLocks noGrp="1"/>
+          </p:cNvSpPr>
+          <p:nvPr>
+            <p:ph type="ftr" sz="quarter" idx="11"/>
+          </p:nvPr>
+        </p:nvSpPr>
+        <p:spPr/>
+        <p:txBody>
+          <a:bodyPr/>
+          <a:lstStyle/>
+          <a:p>
+            <a:endParaRPr lang="zh-CN" altLang="en-US"/>
+          </a:p>
+        </p:txBody>
+      </p:sp>
+      <p:sp>
+        <p:nvSpPr>
+          <p:cNvPr id="7" name="灯片编号占位符 6"/>
+          <p:cNvSpPr>
+            <a:spLocks noGrp="1"/>
+          </p:cNvSpPr>
+          <p:nvPr>
+            <p:ph type="sldNum" sz="quarter" idx="12"/>
+          </p:nvPr>
+        </p:nvSpPr>
+        <p:spPr/>
+        <p:txBody>
+          <a:bodyPr/>
+          <a:lstStyle/>
+          <a:p>
+            <a:fld id="{DB0D736F-E149-47EA-BA4B-81F4DB81E2B5}" type="slidenum">
+              <a:rPr lang="zh-CN" altLang="en-US" smtClean="0"/>
+            </a:fld>
+            <a:endParaRPr lang="zh-CN" altLang="en-US"/>
+          </a:p>
+        </p:txBody>
+      </p:sp>
+    </p:spTree>
+  </p:cSld>
+  <p:clrMapOvr>
+    <a:masterClrMapping/>
+  </p:clrMapOvr>
+</p:sldLayout>
+</file>
+
+<file path=ppt/slideLayouts/slideLayout22.xml><?xml version="1.0" encoding="utf-8"?>
+<p:sldLayout xmlns:a="http://schemas.openxmlformats.org/drawingml/2006/main" xmlns:r="http://schemas.openxmlformats.org/officeDocument/2006/relationships" xmlns:p="http://schemas.openxmlformats.org/presentationml/2006/main" type="vertTx" preserve="1">
+  <p:cSld name="标题和竖排文字">
+    <p:spTree>
+      <p:nvGrpSpPr>
+        <p:cNvPr id="1" name=""/>
+        <p:cNvGrpSpPr/>
+        <p:nvPr/>
+      </p:nvGrpSpPr>
+      <p:grpSpPr>
+        <a:xfrm>
+          <a:off x="0" y="0"/>
+          <a:ext cx="0" cy="0"/>
+          <a:chOff x="0" y="0"/>
+          <a:chExt cx="0" cy="0"/>
+        </a:xfrm>
+      </p:grpSpPr>
+      <p:sp>
+        <p:nvSpPr>
+          <p:cNvPr id="2" name="标题 1"/>
+          <p:cNvSpPr>
+            <a:spLocks noGrp="1"/>
+          </p:cNvSpPr>
+          <p:nvPr>
+            <p:ph type="title"/>
+          </p:nvPr>
+        </p:nvSpPr>
+        <p:spPr/>
+        <p:txBody>
+          <a:bodyPr/>
+          <a:lstStyle/>
+          <a:p>
+            <a:r>
+              <a:rPr lang="zh-CN" altLang="en-US"/>
+              <a:t>单击此处编辑母版标题样式</a:t>
+            </a:r>
+            <a:endParaRPr lang="zh-CN" altLang="en-US"/>
+          </a:p>
+        </p:txBody>
+      </p:sp>
+      <p:sp>
+        <p:nvSpPr>
+          <p:cNvPr id="3" name="竖排文字占位符 2"/>
+          <p:cNvSpPr>
+            <a:spLocks noGrp="1"/>
+          </p:cNvSpPr>
+          <p:nvPr>
+            <p:ph type="body" orient="vert" idx="1"/>
+          </p:nvPr>
+        </p:nvSpPr>
+        <p:spPr/>
+        <p:txBody>
+          <a:bodyPr vert="eaVert"/>
+          <a:lstStyle/>
+          <a:p>
+            <a:pPr lvl="0"/>
+            <a:r>
+              <a:rPr lang="zh-CN" altLang="en-US"/>
+              <a:t>单击此处编辑母版文本样式</a:t>
+            </a:r>
+            <a:endParaRPr lang="zh-CN" altLang="en-US"/>
+          </a:p>
+          <a:p>
+            <a:pPr lvl="1"/>
+            <a:r>
+              <a:rPr lang="zh-CN" altLang="en-US"/>
+              <a:t>二级</a:t>
+            </a:r>
+            <a:endParaRPr lang="zh-CN" altLang="en-US"/>
+          </a:p>
+          <a:p>
+            <a:pPr lvl="2"/>
+            <a:r>
+              <a:rPr lang="zh-CN" altLang="en-US"/>
+              <a:t>三级</a:t>
+            </a:r>
+            <a:endParaRPr lang="zh-CN" altLang="en-US"/>
+          </a:p>
+          <a:p>
+            <a:pPr lvl="3"/>
+            <a:r>
+              <a:rPr lang="zh-CN" altLang="en-US"/>
+              <a:t>四级</a:t>
+            </a:r>
+            <a:endParaRPr lang="zh-CN" altLang="en-US"/>
+          </a:p>
+          <a:p>
+            <a:pPr lvl="4"/>
+            <a:r>
+              <a:rPr lang="zh-CN" altLang="en-US"/>
+              <a:t>五级</a:t>
+            </a:r>
+            <a:endParaRPr lang="zh-CN" altLang="en-US"/>
+          </a:p>
+        </p:txBody>
+      </p:sp>
+      <p:sp>
+        <p:nvSpPr>
+          <p:cNvPr id="4" name="日期占位符 3"/>
+          <p:cNvSpPr>
+            <a:spLocks noGrp="1"/>
+          </p:cNvSpPr>
+          <p:nvPr>
+            <p:ph type="dt" sz="half" idx="10"/>
+          </p:nvPr>
+        </p:nvSpPr>
+        <p:spPr/>
+        <p:txBody>
+          <a:bodyPr/>
+          <a:lstStyle/>
+          <a:p>
+            <a:fld id="{CAD19A8C-0F1E-4ACF-B569-36D45F7D9616}" type="datetimeFigureOut">
+              <a:rPr lang="zh-CN" altLang="en-US" smtClean="0"/>
+            </a:fld>
+            <a:endParaRPr lang="zh-CN" altLang="en-US"/>
+          </a:p>
+        </p:txBody>
+      </p:sp>
+      <p:sp>
+        <p:nvSpPr>
+          <p:cNvPr id="5" name="页脚占位符 4"/>
+          <p:cNvSpPr>
+            <a:spLocks noGrp="1"/>
+          </p:cNvSpPr>
+          <p:nvPr>
+            <p:ph type="ftr" sz="quarter" idx="11"/>
+          </p:nvPr>
+        </p:nvSpPr>
+        <p:spPr/>
+        <p:txBody>
+          <a:bodyPr/>
+          <a:lstStyle/>
+          <a:p>
+            <a:endParaRPr lang="zh-CN" altLang="en-US"/>
+          </a:p>
+        </p:txBody>
+      </p:sp>
+      <p:sp>
+        <p:nvSpPr>
+          <p:cNvPr id="6" name="灯片编号占位符 5"/>
+          <p:cNvSpPr>
+            <a:spLocks noGrp="1"/>
+          </p:cNvSpPr>
+          <p:nvPr>
+            <p:ph type="sldNum" sz="quarter" idx="12"/>
+          </p:nvPr>
+        </p:nvSpPr>
+        <p:spPr/>
+        <p:txBody>
+          <a:bodyPr/>
+          <a:lstStyle/>
+          <a:p>
+            <a:fld id="{DB0D736F-E149-47EA-BA4B-81F4DB81E2B5}" type="slidenum">
+              <a:rPr lang="zh-CN" altLang="en-US" smtClean="0"/>
+            </a:fld>
+            <a:endParaRPr lang="zh-CN" altLang="en-US"/>
+          </a:p>
+        </p:txBody>
+      </p:sp>
+    </p:spTree>
+  </p:cSld>
+  <p:clrMapOvr>
+    <a:masterClrMapping/>
+  </p:clrMapOvr>
+</p:sldLayout>
+</file>
+
+<file path=ppt/slideLayouts/slideLayout23.xml><?xml version="1.0" encoding="utf-8"?>
+<p:sldLayout xmlns:a="http://schemas.openxmlformats.org/drawingml/2006/main" xmlns:r="http://schemas.openxmlformats.org/officeDocument/2006/relationships" xmlns:p="http://schemas.openxmlformats.org/presentationml/2006/main" type="vertTitleAndTx" preserve="1">
+  <p:cSld name="竖排标题与文本">
+    <p:spTree>
+      <p:nvGrpSpPr>
+        <p:cNvPr id="1" name=""/>
+        <p:cNvGrpSpPr/>
+        <p:nvPr/>
+      </p:nvGrpSpPr>
+      <p:grpSpPr>
+        <a:xfrm>
+          <a:off x="0" y="0"/>
+          <a:ext cx="0" cy="0"/>
+          <a:chOff x="0" y="0"/>
+          <a:chExt cx="0" cy="0"/>
+        </a:xfrm>
+      </p:grpSpPr>
+      <p:sp>
+        <p:nvSpPr>
+          <p:cNvPr id="2" name="竖排标题 1"/>
+          <p:cNvSpPr>
+            <a:spLocks noGrp="1"/>
+          </p:cNvSpPr>
+          <p:nvPr>
+            <p:ph type="title" orient="vert"/>
+          </p:nvPr>
+        </p:nvSpPr>
+        <p:spPr>
+          <a:xfrm>
+            <a:off x="8724900" y="365125"/>
+            <a:ext cx="2628900" cy="5811838"/>
+          </a:xfrm>
+        </p:spPr>
+        <p:txBody>
+          <a:bodyPr vert="eaVert"/>
+          <a:lstStyle/>
+          <a:p>
+            <a:r>
+              <a:rPr lang="zh-CN" altLang="en-US"/>
+              <a:t>单击此处编辑母版标题样式</a:t>
+            </a:r>
+            <a:endParaRPr lang="zh-CN" altLang="en-US"/>
+          </a:p>
+        </p:txBody>
+      </p:sp>
+      <p:sp>
+        <p:nvSpPr>
+          <p:cNvPr id="3" name="竖排文字占位符 2"/>
+          <p:cNvSpPr>
+            <a:spLocks noGrp="1"/>
+          </p:cNvSpPr>
+          <p:nvPr>
+            <p:ph type="body" orient="vert" idx="1"/>
+          </p:nvPr>
+        </p:nvSpPr>
+        <p:spPr>
+          <a:xfrm>
+            <a:off x="838200" y="365125"/>
+            <a:ext cx="7734300" cy="5811838"/>
+          </a:xfrm>
+        </p:spPr>
+        <p:txBody>
+          <a:bodyPr vert="eaVert"/>
+          <a:lstStyle/>
+          <a:p>
+            <a:pPr lvl="0"/>
+            <a:r>
+              <a:rPr lang="zh-CN" altLang="en-US"/>
+              <a:t>单击此处编辑母版文本样式</a:t>
+            </a:r>
+            <a:endParaRPr lang="zh-CN" altLang="en-US"/>
+          </a:p>
+          <a:p>
+            <a:pPr lvl="1"/>
+            <a:r>
+              <a:rPr lang="zh-CN" altLang="en-US"/>
+              <a:t>二级</a:t>
+            </a:r>
+            <a:endParaRPr lang="zh-CN" altLang="en-US"/>
+          </a:p>
+          <a:p>
+            <a:pPr lvl="2"/>
+            <a:r>
+              <a:rPr lang="zh-CN" altLang="en-US"/>
+              <a:t>三级</a:t>
+            </a:r>
+            <a:endParaRPr lang="zh-CN" altLang="en-US"/>
+          </a:p>
+          <a:p>
+            <a:pPr lvl="3"/>
+            <a:r>
+              <a:rPr lang="zh-CN" altLang="en-US"/>
+              <a:t>四级</a:t>
+            </a:r>
+            <a:endParaRPr lang="zh-CN" altLang="en-US"/>
+          </a:p>
+          <a:p>
+            <a:pPr lvl="4"/>
+            <a:r>
+              <a:rPr lang="zh-CN" altLang="en-US"/>
+              <a:t>五级</a:t>
+            </a:r>
+            <a:endParaRPr lang="zh-CN" altLang="en-US"/>
+          </a:p>
+        </p:txBody>
+      </p:sp>
+      <p:sp>
+        <p:nvSpPr>
+          <p:cNvPr id="4" name="日期占位符 3"/>
+          <p:cNvSpPr>
+            <a:spLocks noGrp="1"/>
+          </p:cNvSpPr>
+          <p:nvPr>
+            <p:ph type="dt" sz="half" idx="10"/>
+          </p:nvPr>
+        </p:nvSpPr>
+        <p:spPr/>
+        <p:txBody>
+          <a:bodyPr/>
+          <a:lstStyle/>
+          <a:p>
+            <a:fld id="{CAD19A8C-0F1E-4ACF-B569-36D45F7D9616}" type="datetimeFigureOut">
+              <a:rPr lang="zh-CN" altLang="en-US" smtClean="0"/>
+            </a:fld>
+            <a:endParaRPr lang="zh-CN" altLang="en-US"/>
+          </a:p>
+        </p:txBody>
+      </p:sp>
+      <p:sp>
+        <p:nvSpPr>
+          <p:cNvPr id="5" name="页脚占位符 4"/>
+          <p:cNvSpPr>
+            <a:spLocks noGrp="1"/>
+          </p:cNvSpPr>
+          <p:nvPr>
+            <p:ph type="ftr" sz="quarter" idx="11"/>
+          </p:nvPr>
+        </p:nvSpPr>
+        <p:spPr/>
+        <p:txBody>
+          <a:bodyPr/>
+          <a:lstStyle/>
+          <a:p>
+            <a:endParaRPr lang="zh-CN" altLang="en-US"/>
+          </a:p>
+        </p:txBody>
+      </p:sp>
+      <p:sp>
+        <p:nvSpPr>
+          <p:cNvPr id="6" name="灯片编号占位符 5"/>
+          <p:cNvSpPr>
+            <a:spLocks noGrp="1"/>
+          </p:cNvSpPr>
+          <p:nvPr>
+            <p:ph type="sldNum" sz="quarter" idx="12"/>
+          </p:nvPr>
+        </p:nvSpPr>
+        <p:spPr/>
+        <p:txBody>
+          <a:bodyPr/>
+          <a:lstStyle/>
+          <a:p>
+            <a:fld id="{DB0D736F-E149-47EA-BA4B-81F4DB81E2B5}" type="slidenum">
+              <a:rPr lang="zh-CN" altLang="en-US" smtClean="0"/>
+            </a:fld>
+            <a:endParaRPr lang="zh-CN" altLang="en-US"/>
+          </a:p>
+        </p:txBody>
+      </p:sp>
+    </p:spTree>
+  </p:cSld>
+  <p:clrMapOvr>
+    <a:masterClrMapping/>
+  </p:clrMapOvr>
+</p:sldLayout>
+</file>
+
+<file path=ppt/slideLayouts/slideLayout24.xml><?xml version="1.0" encoding="utf-8"?>
+<p:sldLayout xmlns:a="http://schemas.openxmlformats.org/drawingml/2006/main" xmlns:r="http://schemas.openxmlformats.org/officeDocument/2006/relationships" xmlns:p="http://schemas.openxmlformats.org/presentationml/2006/main" userDrawn="1">
+  <p:cSld name="6_标题和内容">
+    <p:spTree>
+      <p:nvGrpSpPr>
+        <p:cNvPr id="1" name=""/>
+        <p:cNvGrpSpPr/>
+        <p:nvPr/>
+      </p:nvGrpSpPr>
+      <p:grpSpPr>
+        <a:xfrm>
+          <a:off x="0" y="0"/>
+          <a:ext cx="0" cy="0"/>
+          <a:chOff x="0" y="0"/>
+          <a:chExt cx="0" cy="0"/>
+        </a:xfrm>
+      </p:grpSpPr>
+      <p:sp>
+        <p:nvSpPr>
+          <p:cNvPr id="2" name="Title 1"/>
+          <p:cNvSpPr>
+            <a:spLocks noGrp="1"/>
+          </p:cNvSpPr>
+          <p:nvPr>
+            <p:ph type="title"/>
+          </p:nvPr>
+        </p:nvSpPr>
+        <p:spPr>
+          <a:xfrm>
+            <a:off x="462281" y="168500"/>
+            <a:ext cx="11297920" cy="650974"/>
+          </a:xfrm>
+          <a:prstGeom prst="rect">
+            <a:avLst/>
+          </a:prstGeom>
+        </p:spPr>
+        <p:txBody>
+          <a:bodyPr>
+            <a:noAutofit/>
+          </a:bodyPr>
+          <a:lstStyle>
+            <a:lvl1pPr marL="0" algn="l" defTabSz="685800" rtl="0" eaLnBrk="1" latinLnBrk="0" hangingPunct="1">
+              <a:lnSpc>
+                <a:spcPct val="100000"/>
+              </a:lnSpc>
+              <a:defRPr lang="en-US" sz="3200" b="1" kern="1200" dirty="0">
+                <a:solidFill>
+                  <a:srgbClr val="002060"/>
+                </a:solidFill>
+                <a:latin typeface="微软雅黑" panose="020B0503020204020204" pitchFamily="34" charset="-122"/>
+                <a:ea typeface="微软雅黑" panose="020B0503020204020204" pitchFamily="34" charset="-122"/>
+                <a:cs typeface="+mn-cs"/>
+              </a:defRPr>
+            </a:lvl1pPr>
+          </a:lstStyle>
+          <a:p>
+            <a:r>
+              <a:rPr lang="zh-CN" altLang="en-US" dirty="0"/>
+              <a:t>单击此处编辑母版标题样式</a:t>
+            </a:r>
+            <a:endParaRPr lang="en-US" dirty="0"/>
+          </a:p>
+        </p:txBody>
+      </p:sp>
+      <p:sp>
+        <p:nvSpPr>
+          <p:cNvPr id="4" name="Date Placeholder 3"/>
+          <p:cNvSpPr>
+            <a:spLocks noGrp="1"/>
+          </p:cNvSpPr>
+          <p:nvPr>
+            <p:ph type="dt" sz="half" idx="14"/>
+          </p:nvPr>
+        </p:nvSpPr>
+        <p:spPr/>
+        <p:txBody>
+          <a:bodyPr/>
+          <a:lstStyle>
+            <a:lvl1pPr>
+              <a:defRPr>
+                <a:solidFill>
+                  <a:prstClr val="white"/>
+                </a:solidFill>
+              </a:defRPr>
+            </a:lvl1pPr>
+          </a:lstStyle>
+          <a:p>
+            <a:pPr>
+              <a:defRPr/>
+            </a:pPr>
+            <a:fld id="{B4079EA7-C98D-4F84-8E79-E8D84A8D7936}" type="datetime1">
+              <a:rPr lang="zh-CN" altLang="en-US" smtClean="0"/>
+            </a:fld>
+            <a:endParaRPr lang="zh-CN" altLang="en-US"/>
+          </a:p>
+        </p:txBody>
+      </p:sp>
+      <p:sp>
+        <p:nvSpPr>
+          <p:cNvPr id="5" name="Footer Placeholder 4"/>
+          <p:cNvSpPr>
+            <a:spLocks noGrp="1"/>
+          </p:cNvSpPr>
+          <p:nvPr>
+            <p:ph type="ftr" sz="quarter" idx="15"/>
+          </p:nvPr>
+        </p:nvSpPr>
+        <p:spPr/>
+        <p:txBody>
+          <a:bodyPr/>
+          <a:lstStyle>
+            <a:lvl1pPr>
+              <a:defRPr>
+                <a:solidFill>
+                  <a:prstClr val="white"/>
+                </a:solidFill>
+              </a:defRPr>
+            </a:lvl1pPr>
+          </a:lstStyle>
+          <a:p>
+            <a:pPr>
+              <a:defRPr/>
+            </a:pPr>
+            <a:endParaRPr lang="zh-CN" altLang="en-US"/>
+          </a:p>
+        </p:txBody>
+      </p:sp>
+      <p:sp>
+        <p:nvSpPr>
+          <p:cNvPr id="6" name="Slide Number Placeholder 5"/>
+          <p:cNvSpPr>
+            <a:spLocks noGrp="1"/>
+          </p:cNvSpPr>
+          <p:nvPr>
+            <p:ph type="sldNum" sz="quarter" idx="16"/>
+          </p:nvPr>
+        </p:nvSpPr>
+        <p:spPr>
+          <a:xfrm>
+            <a:off x="11055352" y="6315076"/>
+            <a:ext cx="704849" cy="258763"/>
+          </a:xfrm>
+        </p:spPr>
+        <p:txBody>
+          <a:bodyPr/>
+          <a:lstStyle>
+            <a:lvl1pPr>
+              <a:defRPr sz="1400" b="1">
+                <a:solidFill>
+                  <a:srgbClr val="002060"/>
+                </a:solidFill>
+              </a:defRPr>
+            </a:lvl1pPr>
+          </a:lstStyle>
+          <a:p>
+            <a:pPr>
+              <a:defRPr/>
+            </a:pPr>
+            <a:fld id="{E573FF62-F927-4949-8195-3D0EF571EDBF}" type="slidenum">
+              <a:rPr lang="zh-CN" altLang="en-US"/>
+            </a:fld>
+            <a:endParaRPr lang="zh-CN" altLang="en-US" dirty="0"/>
+          </a:p>
+        </p:txBody>
+      </p:sp>
+      <p:sp>
+        <p:nvSpPr>
+          <p:cNvPr id="8" name="内容占位符 2"/>
+          <p:cNvSpPr>
+            <a:spLocks noGrp="1"/>
+          </p:cNvSpPr>
+          <p:nvPr>
+            <p:ph idx="1"/>
+          </p:nvPr>
+        </p:nvSpPr>
+        <p:spPr>
+          <a:xfrm>
+            <a:off x="462281" y="1052736"/>
+            <a:ext cx="11297920" cy="4824536"/>
+          </a:xfrm>
+          <a:noFill/>
+          <a:ln>
+            <a:noFill/>
+          </a:ln>
+          <a:effectLst/>
+        </p:spPr>
+        <p:txBody>
+          <a:bodyPr/>
+          <a:lstStyle>
+            <a:lvl1pPr marL="457200" indent="-457200">
+              <a:lnSpc>
+                <a:spcPct val="150000"/>
+              </a:lnSpc>
+              <a:buFont typeface="Wingdings" panose="05000000000000000000" pitchFamily="2" charset="2"/>
+              <a:buChar char="Ø"/>
+              <a:defRPr lang="zh-CN" altLang="en-US" sz="2400" b="1">
+                <a:solidFill>
+                  <a:srgbClr val="002060"/>
+                </a:solidFill>
+              </a:defRPr>
+            </a:lvl1pPr>
+            <a:lvl2pPr>
+              <a:defRPr lang="zh-CN" altLang="en-US" sz="1800" b="1">
+                <a:solidFill>
+                  <a:srgbClr val="002060"/>
+                </a:solidFill>
+              </a:defRPr>
+            </a:lvl2pPr>
+            <a:lvl3pPr>
+              <a:defRPr lang="zh-CN" altLang="en-US" sz="1600" b="1">
+                <a:solidFill>
+                  <a:srgbClr val="002060"/>
+                </a:solidFill>
+              </a:defRPr>
+            </a:lvl3pPr>
+            <a:lvl4pPr>
+              <a:defRPr lang="zh-CN" altLang="en-US" sz="1400" b="1">
+                <a:solidFill>
+                  <a:srgbClr val="002060"/>
+                </a:solidFill>
+              </a:defRPr>
+            </a:lvl4pPr>
+            <a:lvl5pPr>
+              <a:defRPr lang="zh-CN" altLang="en-US" sz="1400" b="1">
+                <a:solidFill>
+                  <a:srgbClr val="002060"/>
+                </a:solidFill>
+              </a:defRPr>
+            </a:lvl5pPr>
+          </a:lstStyle>
+          <a:p>
+            <a:pPr lvl="0"/>
+            <a:r>
+              <a:rPr lang="zh-CN" altLang="en-US" dirty="0"/>
+              <a:t>单击此处编辑母版文本样式</a:t>
+            </a:r>
+            <a:endParaRPr lang="zh-CN" altLang="en-US" dirty="0"/>
+          </a:p>
+          <a:p>
+            <a:pPr lvl="1"/>
+            <a:r>
+              <a:rPr lang="zh-CN" altLang="en-US" dirty="0"/>
+              <a:t>二级</a:t>
+            </a:r>
+            <a:endParaRPr lang="zh-CN" altLang="en-US" dirty="0"/>
+          </a:p>
+          <a:p>
+            <a:pPr lvl="2"/>
+            <a:r>
+              <a:rPr lang="zh-CN" altLang="en-US" dirty="0"/>
+              <a:t>三级</a:t>
+            </a:r>
+            <a:endParaRPr lang="zh-CN" altLang="en-US" dirty="0"/>
+          </a:p>
+        </p:txBody>
+      </p:sp>
+    </p:spTree>
+  </p:cSld>
+  <p:clrMapOvr>
+    <a:masterClrMapping/>
+  </p:clrMapOvr>
+</p:sldLayout>
+</file>
+
+<file path=ppt/slideLayouts/slideLayout3.xml><?xml version="1.0" encoding="utf-8"?>
+<p:sldLayout xmlns:a="http://schemas.openxmlformats.org/drawingml/2006/main" xmlns:r="http://schemas.openxmlformats.org/officeDocument/2006/relationships" xmlns:p="http://schemas.openxmlformats.org/presentationml/2006/main" type="secHead" preserve="1">
+  <p:cSld name="节标题">
+    <p:spTree>
+      <p:nvGrpSpPr>
+        <p:cNvPr id="1" name=""/>
+        <p:cNvGrpSpPr/>
+        <p:nvPr/>
+      </p:nvGrpSpPr>
+      <p:grpSpPr>
+        <a:xfrm>
+          <a:off x="0" y="0"/>
+          <a:ext cx="0" cy="0"/>
+          <a:chOff x="0" y="0"/>
+          <a:chExt cx="0" cy="0"/>
+        </a:xfrm>
+      </p:grpSpPr>
+      <p:sp>
+        <p:nvSpPr>
+          <p:cNvPr id="2" name="标题 1"/>
+          <p:cNvSpPr>
+            <a:spLocks noGrp="1"/>
+          </p:cNvSpPr>
+          <p:nvPr>
+            <p:ph type="title"/>
+          </p:nvPr>
+        </p:nvSpPr>
+        <p:spPr>
+          <a:xfrm>
+            <a:off x="831850" y="1709738"/>
+            <a:ext cx="10515600" cy="2852737"/>
+          </a:xfrm>
+        </p:spPr>
+        <p:txBody>
+          <a:bodyPr anchor="b"/>
+          <a:lstStyle>
+            <a:lvl1pPr>
+              <a:defRPr sz="6000"/>
+            </a:lvl1pPr>
+          </a:lstStyle>
+          <a:p>
+            <a:r>
+              <a:rPr lang="zh-CN" altLang="en-US"/>
+              <a:t>单击此处编辑母版标题样式</a:t>
+            </a:r>
+            <a:endParaRPr lang="zh-CN" altLang="en-US"/>
+          </a:p>
+        </p:txBody>
+      </p:sp>
+      <p:sp>
+        <p:nvSpPr>
+          <p:cNvPr id="3" name="文本占位符 2"/>
+          <p:cNvSpPr>
+            <a:spLocks noGrp="1"/>
+          </p:cNvSpPr>
+          <p:nvPr>
+            <p:ph type="body" idx="1"/>
+          </p:nvPr>
+        </p:nvSpPr>
+        <p:spPr>
+          <a:xfrm>
+            <a:off x="831850" y="4589463"/>
+            <a:ext cx="10515600" cy="1500187"/>
+          </a:xfrm>
+        </p:spPr>
+        <p:txBody>
+          <a:bodyPr/>
+          <a:lstStyle>
+            <a:lvl1pPr marL="0" indent="0">
+              <a:buNone/>
+              <a:defRPr sz="2400">
+                <a:solidFill>
+                  <a:schemeClr val="tx1">
+                    <a:tint val="75000"/>
+                  </a:schemeClr>
+                </a:solidFill>
+              </a:defRPr>
+            </a:lvl1pPr>
+            <a:lvl2pPr marL="457200" indent="0">
+              <a:buNone/>
+              <a:defRPr sz="2000">
+                <a:solidFill>
+                  <a:schemeClr val="tx1">
+                    <a:tint val="75000"/>
+                  </a:schemeClr>
+                </a:solidFill>
+              </a:defRPr>
+            </a:lvl2pPr>
+            <a:lvl3pPr marL="914400" indent="0">
+              <a:buNone/>
+              <a:defRPr sz="1800">
+                <a:solidFill>
+                  <a:schemeClr val="tx1">
+                    <a:tint val="75000"/>
+                  </a:schemeClr>
+                </a:solidFill>
+              </a:defRPr>
+            </a:lvl3pPr>
+            <a:lvl4pPr marL="1371600" indent="0">
+              <a:buNone/>
+              <a:defRPr sz="1600">
+                <a:solidFill>
+                  <a:schemeClr val="tx1">
+                    <a:tint val="75000"/>
+                  </a:schemeClr>
+                </a:solidFill>
+              </a:defRPr>
+            </a:lvl4pPr>
+            <a:lvl5pPr marL="1828800" indent="0">
+              <a:buNone/>
+              <a:defRPr sz="1600">
+                <a:solidFill>
+                  <a:schemeClr val="tx1">
+                    <a:tint val="75000"/>
+                  </a:schemeClr>
+                </a:solidFill>
+              </a:defRPr>
+            </a:lvl5pPr>
+            <a:lvl6pPr marL="2286000" indent="0">
+              <a:buNone/>
+              <a:defRPr sz="1600">
+                <a:solidFill>
+                  <a:schemeClr val="tx1">
+                    <a:tint val="75000"/>
+                  </a:schemeClr>
+                </a:solidFill>
+              </a:defRPr>
+            </a:lvl6pPr>
+            <a:lvl7pPr marL="2743200" indent="0">
+              <a:buNone/>
+              <a:defRPr sz="1600">
+                <a:solidFill>
+                  <a:schemeClr val="tx1">
+                    <a:tint val="75000"/>
+                  </a:schemeClr>
+                </a:solidFill>
+              </a:defRPr>
+            </a:lvl7pPr>
+            <a:lvl8pPr marL="3200400" indent="0">
+              <a:buNone/>
+              <a:defRPr sz="1600">
+                <a:solidFill>
+                  <a:schemeClr val="tx1">
+                    <a:tint val="75000"/>
+                  </a:schemeClr>
+                </a:solidFill>
+              </a:defRPr>
+            </a:lvl8pPr>
+            <a:lvl9pPr marL="3657600" indent="0">
+              <a:buNone/>
+              <a:defRPr sz="1600">
+                <a:solidFill>
+                  <a:schemeClr val="tx1">
+                    <a:tint val="75000"/>
+                  </a:schemeClr>
+                </a:solidFill>
+              </a:defRPr>
+            </a:lvl9pPr>
+          </a:lstStyle>
+          <a:p>
+            <a:pPr lvl="0"/>
+            <a:r>
+              <a:rPr lang="zh-CN" altLang="en-US"/>
+              <a:t>单击此处编辑母版文本样式</a:t>
+            </a:r>
+            <a:endParaRPr lang="zh-CN" altLang="en-US"/>
+          </a:p>
+        </p:txBody>
+      </p:sp>
+      <p:sp>
+        <p:nvSpPr>
+          <p:cNvPr id="4" name="日期占位符 3"/>
+          <p:cNvSpPr>
+            <a:spLocks noGrp="1"/>
+          </p:cNvSpPr>
+          <p:nvPr>
+            <p:ph type="dt" sz="half" idx="10"/>
+          </p:nvPr>
+        </p:nvSpPr>
+        <p:spPr/>
+        <p:txBody>
+          <a:bodyPr/>
+          <a:lstStyle/>
+          <a:p>
+            <a:fld id="{CAD19A8C-0F1E-4ACF-B569-36D45F7D9616}" type="datetimeFigureOut">
+              <a:rPr lang="zh-CN" altLang="en-US" smtClean="0"/>
+            </a:fld>
+            <a:endParaRPr lang="zh-CN" altLang="en-US"/>
+          </a:p>
+        </p:txBody>
+      </p:sp>
+      <p:sp>
+        <p:nvSpPr>
+          <p:cNvPr id="5" name="页脚占位符 4"/>
+          <p:cNvSpPr>
+            <a:spLocks noGrp="1"/>
+          </p:cNvSpPr>
+          <p:nvPr>
+            <p:ph type="ftr" sz="quarter" idx="11"/>
+          </p:nvPr>
+        </p:nvSpPr>
+        <p:spPr/>
+        <p:txBody>
+          <a:bodyPr/>
+          <a:lstStyle/>
+          <a:p>
+            <a:endParaRPr lang="zh-CN" altLang="en-US"/>
+          </a:p>
+        </p:txBody>
+      </p:sp>
+      <p:sp>
+        <p:nvSpPr>
+          <p:cNvPr id="6" name="灯片编号占位符 5"/>
+          <p:cNvSpPr>
+            <a:spLocks noGrp="1"/>
+          </p:cNvSpPr>
+          <p:nvPr>
+            <p:ph type="sldNum" sz="quarter" idx="12"/>
+          </p:nvPr>
+        </p:nvSpPr>
+        <p:spPr/>
+        <p:txBody>
+          <a:bodyPr/>
+          <a:lstStyle/>
+          <a:p>
+            <a:fld id="{DB0D736F-E149-47EA-BA4B-81F4DB81E2B5}" type="slidenum">
+              <a:rPr lang="zh-CN" altLang="en-US" smtClean="0"/>
+            </a:fld>
+            <a:endParaRPr lang="zh-CN" altLang="en-US"/>
+          </a:p>
+        </p:txBody>
+      </p:sp>
+    </p:spTree>
+  </p:cSld>
+  <p:clrMapOvr>
+    <a:masterClrMapping/>
+  </p:clrMapOvr>
+</p:sldLayout>
+</file>
+
+<file path=ppt/slideLayouts/slideLayout4.xml><?xml version="1.0" encoding="utf-8"?>
+<p:sldLayout xmlns:a="http://schemas.openxmlformats.org/drawingml/2006/main" xmlns:r="http://schemas.openxmlformats.org/officeDocument/2006/relationships" xmlns:p="http://schemas.openxmlformats.org/presentationml/2006/main" type="twoObj" preserve="1">
+  <p:cSld name="两栏内容">
+    <p:spTree>
+      <p:nvGrpSpPr>
+        <p:cNvPr id="1" name=""/>
+        <p:cNvGrpSpPr/>
+        <p:nvPr/>
+      </p:nvGrpSpPr>
+      <p:grpSpPr>
+        <a:xfrm>
+          <a:off x="0" y="0"/>
+          <a:ext cx="0" cy="0"/>
+          <a:chOff x="0" y="0"/>
+          <a:chExt cx="0" cy="0"/>
+        </a:xfrm>
+      </p:grpSpPr>
+      <p:sp>
+        <p:nvSpPr>
+          <p:cNvPr id="2" name="标题 1"/>
+          <p:cNvSpPr>
+            <a:spLocks noGrp="1"/>
+          </p:cNvSpPr>
+          <p:nvPr>
+            <p:ph type="title"/>
+          </p:nvPr>
+        </p:nvSpPr>
+        <p:spPr/>
+        <p:txBody>
+          <a:bodyPr/>
+          <a:lstStyle/>
+          <a:p>
+            <a:r>
+              <a:rPr lang="zh-CN" altLang="en-US"/>
+              <a:t>单击此处编辑母版标题样式</a:t>
+            </a:r>
+            <a:endParaRPr lang="zh-CN" altLang="en-US"/>
+          </a:p>
+        </p:txBody>
+      </p:sp>
+      <p:sp>
+        <p:nvSpPr>
+          <p:cNvPr id="3" name="内容占位符 2"/>
+          <p:cNvSpPr>
+            <a:spLocks noGrp="1"/>
+          </p:cNvSpPr>
+          <p:nvPr>
+            <p:ph sz="half" idx="1"/>
+          </p:nvPr>
+        </p:nvSpPr>
+        <p:spPr>
+          <a:xfrm>
+            <a:off x="838200" y="1825625"/>
+            <a:ext cx="5181600" cy="4351338"/>
+          </a:xfrm>
+        </p:spPr>
+        <p:txBody>
+          <a:bodyPr/>
+          <a:lstStyle/>
+          <a:p>
+            <a:pPr lvl="0"/>
+            <a:r>
+              <a:rPr lang="zh-CN" altLang="en-US"/>
+              <a:t>单击此处编辑母版文本样式</a:t>
+            </a:r>
+            <a:endParaRPr lang="zh-CN" altLang="en-US"/>
+          </a:p>
+          <a:p>
+            <a:pPr lvl="1"/>
+            <a:r>
+              <a:rPr lang="zh-CN" altLang="en-US"/>
+              <a:t>二级</a:t>
+            </a:r>
+            <a:endParaRPr lang="zh-CN" altLang="en-US"/>
+          </a:p>
+          <a:p>
+            <a:pPr lvl="2"/>
+            <a:r>
+              <a:rPr lang="zh-CN" altLang="en-US"/>
+              <a:t>三级</a:t>
+            </a:r>
+            <a:endParaRPr lang="zh-CN" altLang="en-US"/>
+          </a:p>
+          <a:p>
+            <a:pPr lvl="3"/>
+            <a:r>
+              <a:rPr lang="zh-CN" altLang="en-US"/>
+              <a:t>四级</a:t>
+            </a:r>
+            <a:endParaRPr lang="zh-CN" altLang="en-US"/>
+          </a:p>
+          <a:p>
+            <a:pPr lvl="4"/>
+            <a:r>
+              <a:rPr lang="zh-CN" altLang="en-US"/>
+              <a:t>五级</a:t>
+            </a:r>
+            <a:endParaRPr lang="zh-CN" altLang="en-US"/>
+          </a:p>
+        </p:txBody>
+      </p:sp>
+      <p:sp>
+        <p:nvSpPr>
+          <p:cNvPr id="4" name="内容占位符 3"/>
+          <p:cNvSpPr>
+            <a:spLocks noGrp="1"/>
+          </p:cNvSpPr>
+          <p:nvPr>
+            <p:ph sz="half" idx="2"/>
+          </p:nvPr>
+        </p:nvSpPr>
+        <p:spPr>
+          <a:xfrm>
+            <a:off x="6172200" y="1825625"/>
+            <a:ext cx="5181600" cy="4351338"/>
+          </a:xfrm>
+        </p:spPr>
+        <p:txBody>
+          <a:bodyPr/>
+          <a:lstStyle/>
+          <a:p>
+            <a:pPr lvl="0"/>
+            <a:r>
+              <a:rPr lang="zh-CN" altLang="en-US"/>
+              <a:t>单击此处编辑母版文本样式</a:t>
+            </a:r>
+            <a:endParaRPr lang="zh-CN" altLang="en-US"/>
+          </a:p>
+          <a:p>
+            <a:pPr lvl="1"/>
+            <a:r>
+              <a:rPr lang="zh-CN" altLang="en-US"/>
+              <a:t>二级</a:t>
+            </a:r>
+            <a:endParaRPr lang="zh-CN" altLang="en-US"/>
+          </a:p>
+          <a:p>
+            <a:pPr lvl="2"/>
+            <a:r>
+              <a:rPr lang="zh-CN" altLang="en-US"/>
+              <a:t>三级</a:t>
+            </a:r>
+            <a:endParaRPr lang="zh-CN" altLang="en-US"/>
+          </a:p>
+          <a:p>
+            <a:pPr lvl="3"/>
+            <a:r>
+              <a:rPr lang="zh-CN" altLang="en-US"/>
+              <a:t>四级</a:t>
+            </a:r>
+            <a:endParaRPr lang="zh-CN" altLang="en-US"/>
+          </a:p>
+          <a:p>
+            <a:pPr lvl="4"/>
+            <a:r>
+              <a:rPr lang="zh-CN" altLang="en-US"/>
+              <a:t>五级</a:t>
+            </a:r>
+            <a:endParaRPr lang="zh-CN" altLang="en-US"/>
+          </a:p>
+        </p:txBody>
+      </p:sp>
+      <p:sp>
+        <p:nvSpPr>
+          <p:cNvPr id="5" name="日期占位符 4"/>
+          <p:cNvSpPr>
+            <a:spLocks noGrp="1"/>
+          </p:cNvSpPr>
+          <p:nvPr>
+            <p:ph type="dt" sz="half" idx="10"/>
+          </p:nvPr>
+        </p:nvSpPr>
+        <p:spPr/>
+        <p:txBody>
+          <a:bodyPr/>
+          <a:lstStyle/>
+          <a:p>
+            <a:fld id="{CAD19A8C-0F1E-4ACF-B569-36D45F7D9616}" type="datetimeFigureOut">
+              <a:rPr lang="zh-CN" altLang="en-US" smtClean="0"/>
+            </a:fld>
+            <a:endParaRPr lang="zh-CN" altLang="en-US"/>
+          </a:p>
+        </p:txBody>
+      </p:sp>
+      <p:sp>
+        <p:nvSpPr>
+          <p:cNvPr id="6" name="页脚占位符 5"/>
+          <p:cNvSpPr>
+            <a:spLocks noGrp="1"/>
+          </p:cNvSpPr>
+          <p:nvPr>
+            <p:ph type="ftr" sz="quarter" idx="11"/>
+          </p:nvPr>
+        </p:nvSpPr>
+        <p:spPr/>
+        <p:txBody>
+          <a:bodyPr/>
+          <a:lstStyle/>
+          <a:p>
+            <a:endParaRPr lang="zh-CN" altLang="en-US"/>
+          </a:p>
+        </p:txBody>
+      </p:sp>
+      <p:sp>
+        <p:nvSpPr>
+          <p:cNvPr id="7" name="灯片编号占位符 6"/>
+          <p:cNvSpPr>
+            <a:spLocks noGrp="1"/>
+          </p:cNvSpPr>
+          <p:nvPr>
+            <p:ph type="sldNum" sz="quarter" idx="12"/>
+          </p:nvPr>
+        </p:nvSpPr>
+        <p:spPr/>
+        <p:txBody>
+          <a:bodyPr/>
+          <a:lstStyle/>
+          <a:p>
+            <a:fld id="{DB0D736F-E149-47EA-BA4B-81F4DB81E2B5}" type="slidenum">
+              <a:rPr lang="zh-CN" altLang="en-US" smtClean="0"/>
+            </a:fld>
+            <a:endParaRPr lang="zh-CN" altLang="en-US"/>
+          </a:p>
+        </p:txBody>
+      </p:sp>
+    </p:spTree>
+  </p:cSld>
+  <p:clrMapOvr>
+    <a:masterClrMapping/>
+  </p:clrMapOvr>
+</p:sldLayout>
+</file>
+
+<file path=ppt/slideLayouts/slideLayout5.xml><?xml version="1.0" encoding="utf-8"?>
+<p:sldLayout xmlns:a="http://schemas.openxmlformats.org/drawingml/2006/main" xmlns:r="http://schemas.openxmlformats.org/officeDocument/2006/relationships" xmlns:p="http://schemas.openxmlformats.org/presentationml/2006/main" type="twoTxTwoObj" preserve="1">
+  <p:cSld name="比较">
+    <p:spTree>
+      <p:nvGrpSpPr>
+        <p:cNvPr id="1" name=""/>
+        <p:cNvGrpSpPr/>
+        <p:nvPr/>
+      </p:nvGrpSpPr>
+      <p:grpSpPr>
+        <a:xfrm>
+          <a:off x="0" y="0"/>
+          <a:ext cx="0" cy="0"/>
+          <a:chOff x="0" y="0"/>
+          <a:chExt cx="0" cy="0"/>
+        </a:xfrm>
+      </p:grpSpPr>
+      <p:sp>
+        <p:nvSpPr>
+          <p:cNvPr id="2" name="标题 1"/>
+          <p:cNvSpPr>
+            <a:spLocks noGrp="1"/>
+          </p:cNvSpPr>
+          <p:nvPr>
+            <p:ph type="title"/>
+          </p:nvPr>
+        </p:nvSpPr>
+        <p:spPr>
+          <a:xfrm>
+            <a:off x="839788" y="365125"/>
+            <a:ext cx="10515600" cy="1325563"/>
+          </a:xfrm>
+        </p:spPr>
+        <p:txBody>
+          <a:bodyPr/>
+          <a:lstStyle/>
+          <a:p>
+            <a:r>
+              <a:rPr lang="zh-CN" altLang="en-US"/>
+              <a:t>单击此处编辑母版标题样式</a:t>
+            </a:r>
+            <a:endParaRPr lang="zh-CN" altLang="en-US"/>
+          </a:p>
+        </p:txBody>
+      </p:sp>
+      <p:sp>
+        <p:nvSpPr>
+          <p:cNvPr id="3" name="文本占位符 2"/>
+          <p:cNvSpPr>
+            <a:spLocks noGrp="1"/>
+          </p:cNvSpPr>
+          <p:nvPr>
+            <p:ph type="body" idx="1"/>
+          </p:nvPr>
+        </p:nvSpPr>
+        <p:spPr>
+          <a:xfrm>
+            <a:off x="839788" y="1681163"/>
+            <a:ext cx="5157787" cy="823912"/>
+          </a:xfrm>
+        </p:spPr>
+        <p:txBody>
+          <a:bodyPr anchor="b"/>
+          <a:lstStyle>
+            <a:lvl1pPr marL="0" indent="0">
+              <a:buNone/>
+              <a:defRPr sz="2400" b="1"/>
+            </a:lvl1pPr>
+            <a:lvl2pPr marL="457200" indent="0">
+              <a:buNone/>
+              <a:defRPr sz="2000" b="1"/>
+            </a:lvl2pPr>
+            <a:lvl3pPr marL="914400" indent="0">
+              <a:buNone/>
+              <a:defRPr sz="1800" b="1"/>
+            </a:lvl3pPr>
+            <a:lvl4pPr marL="1371600" indent="0">
+              <a:buNone/>
+              <a:defRPr sz="1600" b="1"/>
+            </a:lvl4pPr>
+            <a:lvl5pPr marL="1828800" indent="0">
+              <a:buNone/>
+              <a:defRPr sz="1600" b="1"/>
+            </a:lvl5pPr>
+            <a:lvl6pPr marL="2286000" indent="0">
+              <a:buNone/>
+              <a:defRPr sz="1600" b="1"/>
+            </a:lvl6pPr>
+            <a:lvl7pPr marL="2743200" indent="0">
+              <a:buNone/>
+              <a:defRPr sz="1600" b="1"/>
+            </a:lvl7pPr>
+            <a:lvl8pPr marL="3200400" indent="0">
+              <a:buNone/>
+              <a:defRPr sz="1600" b="1"/>
+            </a:lvl8pPr>
+            <a:lvl9pPr marL="3657600" indent="0">
+              <a:buNone/>
+              <a:defRPr sz="1600" b="1"/>
+            </a:lvl9pPr>
+          </a:lstStyle>
+          <a:p>
+            <a:pPr lvl="0"/>
+            <a:r>
+              <a:rPr lang="zh-CN" altLang="en-US"/>
+              <a:t>单击此处编辑母版文本样式</a:t>
+            </a:r>
+            <a:endParaRPr lang="zh-CN" altLang="en-US"/>
+          </a:p>
+        </p:txBody>
+      </p:sp>
+      <p:sp>
+        <p:nvSpPr>
+          <p:cNvPr id="4" name="内容占位符 3"/>
+          <p:cNvSpPr>
+            <a:spLocks noGrp="1"/>
+          </p:cNvSpPr>
+          <p:nvPr>
+            <p:ph sz="half" idx="2"/>
+          </p:nvPr>
+        </p:nvSpPr>
+        <p:spPr>
+          <a:xfrm>
+            <a:off x="839788" y="2505075"/>
+            <a:ext cx="5157787" cy="3684588"/>
+          </a:xfrm>
+        </p:spPr>
+        <p:txBody>
+          <a:bodyPr/>
+          <a:lstStyle/>
+          <a:p>
+            <a:pPr lvl="0"/>
+            <a:r>
+              <a:rPr lang="zh-CN" altLang="en-US"/>
+              <a:t>单击此处编辑母版文本样式</a:t>
+            </a:r>
+            <a:endParaRPr lang="zh-CN" altLang="en-US"/>
+          </a:p>
+          <a:p>
+            <a:pPr lvl="1"/>
+            <a:r>
+              <a:rPr lang="zh-CN" altLang="en-US"/>
+              <a:t>二级</a:t>
+            </a:r>
+            <a:endParaRPr lang="zh-CN" altLang="en-US"/>
+          </a:p>
+          <a:p>
+            <a:pPr lvl="2"/>
+            <a:r>
+              <a:rPr lang="zh-CN" altLang="en-US"/>
+              <a:t>三级</a:t>
+            </a:r>
+            <a:endParaRPr lang="zh-CN" altLang="en-US"/>
+          </a:p>
+          <a:p>
+            <a:pPr lvl="3"/>
+            <a:r>
+              <a:rPr lang="zh-CN" altLang="en-US"/>
+              <a:t>四级</a:t>
+            </a:r>
+            <a:endParaRPr lang="zh-CN" altLang="en-US"/>
+          </a:p>
+          <a:p>
+            <a:pPr lvl="4"/>
+            <a:r>
+              <a:rPr lang="zh-CN" altLang="en-US"/>
+              <a:t>五级</a:t>
+            </a:r>
+            <a:endParaRPr lang="zh-CN" altLang="en-US"/>
+          </a:p>
+        </p:txBody>
+      </p:sp>
+      <p:sp>
+        <p:nvSpPr>
+          <p:cNvPr id="5" name="文本占位符 4"/>
+          <p:cNvSpPr>
+            <a:spLocks noGrp="1"/>
+          </p:cNvSpPr>
+          <p:nvPr>
+            <p:ph type="body" sz="quarter" idx="3"/>
+          </p:nvPr>
+        </p:nvSpPr>
+        <p:spPr>
+          <a:xfrm>
+            <a:off x="6172200" y="1681163"/>
+            <a:ext cx="5183188" cy="823912"/>
+          </a:xfrm>
+        </p:spPr>
+        <p:txBody>
+          <a:bodyPr anchor="b"/>
+          <a:lstStyle>
+            <a:lvl1pPr marL="0" indent="0">
+              <a:buNone/>
+              <a:defRPr sz="2400" b="1"/>
+            </a:lvl1pPr>
+            <a:lvl2pPr marL="457200" indent="0">
+              <a:buNone/>
+              <a:defRPr sz="2000" b="1"/>
+            </a:lvl2pPr>
+            <a:lvl3pPr marL="914400" indent="0">
+              <a:buNone/>
+              <a:defRPr sz="1800" b="1"/>
+            </a:lvl3pPr>
+            <a:lvl4pPr marL="1371600" indent="0">
+              <a:buNone/>
+              <a:defRPr sz="1600" b="1"/>
+            </a:lvl4pPr>
+            <a:lvl5pPr marL="1828800" indent="0">
+              <a:buNone/>
+              <a:defRPr sz="1600" b="1"/>
+            </a:lvl5pPr>
+            <a:lvl6pPr marL="2286000" indent="0">
+              <a:buNone/>
+              <a:defRPr sz="1600" b="1"/>
+            </a:lvl6pPr>
+            <a:lvl7pPr marL="2743200" indent="0">
+              <a:buNone/>
+              <a:defRPr sz="1600" b="1"/>
+            </a:lvl7pPr>
+            <a:lvl8pPr marL="3200400" indent="0">
+              <a:buNone/>
+              <a:defRPr sz="1600" b="1"/>
+            </a:lvl8pPr>
+            <a:lvl9pPr marL="3657600" indent="0">
+              <a:buNone/>
+              <a:defRPr sz="1600" b="1"/>
+            </a:lvl9pPr>
+          </a:lstStyle>
+          <a:p>
+            <a:pPr lvl="0"/>
+            <a:r>
+              <a:rPr lang="zh-CN" altLang="en-US"/>
+              <a:t>单击此处编辑母版文本样式</a:t>
+            </a:r>
+            <a:endParaRPr lang="zh-CN" altLang="en-US"/>
+          </a:p>
+        </p:txBody>
+      </p:sp>
+      <p:sp>
+        <p:nvSpPr>
+          <p:cNvPr id="6" name="内容占位符 5"/>
+          <p:cNvSpPr>
+            <a:spLocks noGrp="1"/>
+          </p:cNvSpPr>
+          <p:nvPr>
+            <p:ph sz="quarter" idx="4"/>
+          </p:nvPr>
+        </p:nvSpPr>
+        <p:spPr>
+          <a:xfrm>
+            <a:off x="6172200" y="2505075"/>
+            <a:ext cx="5183188" cy="3684588"/>
+          </a:xfrm>
+        </p:spPr>
+        <p:txBody>
+          <a:bodyPr/>
+          <a:lstStyle/>
+          <a:p>
+            <a:pPr lvl="0"/>
+            <a:r>
+              <a:rPr lang="zh-CN" altLang="en-US"/>
+              <a:t>单击此处编辑母版文本样式</a:t>
+            </a:r>
+            <a:endParaRPr lang="zh-CN" altLang="en-US"/>
+          </a:p>
+          <a:p>
+            <a:pPr lvl="1"/>
+            <a:r>
+              <a:rPr lang="zh-CN" altLang="en-US"/>
+              <a:t>二级</a:t>
+            </a:r>
+            <a:endParaRPr lang="zh-CN" altLang="en-US"/>
+          </a:p>
+          <a:p>
+            <a:pPr lvl="2"/>
+            <a:r>
+              <a:rPr lang="zh-CN" altLang="en-US"/>
+              <a:t>三级</a:t>
+            </a:r>
+            <a:endParaRPr lang="zh-CN" altLang="en-US"/>
+          </a:p>
+          <a:p>
+            <a:pPr lvl="3"/>
+            <a:r>
+              <a:rPr lang="zh-CN" altLang="en-US"/>
+              <a:t>四级</a:t>
+            </a:r>
+            <a:endParaRPr lang="zh-CN" altLang="en-US"/>
+          </a:p>
+          <a:p>
+            <a:pPr lvl="4"/>
+            <a:r>
+              <a:rPr lang="zh-CN" altLang="en-US"/>
+              <a:t>五级</a:t>
+            </a:r>
+            <a:endParaRPr lang="zh-CN" altLang="en-US"/>
+          </a:p>
+        </p:txBody>
+      </p:sp>
+      <p:sp>
+        <p:nvSpPr>
+          <p:cNvPr id="7" name="日期占位符 6"/>
+          <p:cNvSpPr>
+            <a:spLocks noGrp="1"/>
+          </p:cNvSpPr>
+          <p:nvPr>
+            <p:ph type="dt" sz="half" idx="10"/>
+          </p:nvPr>
+        </p:nvSpPr>
+        <p:spPr/>
+        <p:txBody>
+          <a:bodyPr/>
+          <a:lstStyle/>
+          <a:p>
+            <a:fld id="{CAD19A8C-0F1E-4ACF-B569-36D45F7D9616}" type="datetimeFigureOut">
+              <a:rPr lang="zh-CN" altLang="en-US" smtClean="0"/>
+            </a:fld>
+            <a:endParaRPr lang="zh-CN" altLang="en-US"/>
+          </a:p>
+        </p:txBody>
+      </p:sp>
+      <p:sp>
+        <p:nvSpPr>
+          <p:cNvPr id="8" name="页脚占位符 7"/>
+          <p:cNvSpPr>
+            <a:spLocks noGrp="1"/>
+          </p:cNvSpPr>
+          <p:nvPr>
+            <p:ph type="ftr" sz="quarter" idx="11"/>
+          </p:nvPr>
+        </p:nvSpPr>
+        <p:spPr/>
+        <p:txBody>
+          <a:bodyPr/>
+          <a:lstStyle/>
+          <a:p>
+            <a:endParaRPr lang="zh-CN" altLang="en-US"/>
+          </a:p>
+        </p:txBody>
+      </p:sp>
+      <p:sp>
+        <p:nvSpPr>
+          <p:cNvPr id="9" name="灯片编号占位符 8"/>
+          <p:cNvSpPr>
+            <a:spLocks noGrp="1"/>
+          </p:cNvSpPr>
+          <p:nvPr>
+            <p:ph type="sldNum" sz="quarter" idx="12"/>
+          </p:nvPr>
+        </p:nvSpPr>
+        <p:spPr/>
+        <p:txBody>
+          <a:bodyPr/>
+          <a:lstStyle/>
+          <a:p>
+            <a:fld id="{DB0D736F-E149-47EA-BA4B-81F4DB81E2B5}" type="slidenum">
+              <a:rPr lang="zh-CN" altLang="en-US" smtClean="0"/>
+            </a:fld>
+            <a:endParaRPr lang="zh-CN" altLang="en-US"/>
+          </a:p>
+        </p:txBody>
+      </p:sp>
+    </p:spTree>
+  </p:cSld>
+  <p:clrMapOvr>
+    <a:masterClrMapping/>
+  </p:clrMapOvr>
+</p:sldLayout>
+</file>
+
+<file path=ppt/slideLayouts/slideLayout6.xml><?xml version="1.0" encoding="utf-8"?>
+<p:sldLayout xmlns:a="http://schemas.openxmlformats.org/drawingml/2006/main" xmlns:r="http://schemas.openxmlformats.org/officeDocument/2006/relationships" xmlns:p="http://schemas.openxmlformats.org/presentationml/2006/main" type="titleOnly" preserve="1">
+  <p:cSld name="仅标题">
+    <p:spTree>
+      <p:nvGrpSpPr>
+        <p:cNvPr id="1" name=""/>
+        <p:cNvGrpSpPr/>
+        <p:nvPr/>
+      </p:nvGrpSpPr>
+      <p:grpSpPr>
+        <a:xfrm>
+          <a:off x="0" y="0"/>
+          <a:ext cx="0" cy="0"/>
+          <a:chOff x="0" y="0"/>
+          <a:chExt cx="0" cy="0"/>
+        </a:xfrm>
+      </p:grpSpPr>
+      <p:sp>
+        <p:nvSpPr>
+          <p:cNvPr id="2" name="标题 1"/>
+          <p:cNvSpPr>
+            <a:spLocks noGrp="1"/>
+          </p:cNvSpPr>
+          <p:nvPr>
+            <p:ph type="title"/>
+          </p:nvPr>
+        </p:nvSpPr>
+        <p:spPr/>
+        <p:txBody>
+          <a:bodyPr/>
+          <a:lstStyle/>
+          <a:p>
+            <a:r>
+              <a:rPr lang="zh-CN" altLang="en-US"/>
+              <a:t>单击此处编辑母版标题样式</a:t>
+            </a:r>
+            <a:endParaRPr lang="zh-CN" altLang="en-US"/>
+          </a:p>
+        </p:txBody>
+      </p:sp>
+      <p:sp>
+        <p:nvSpPr>
+          <p:cNvPr id="3" name="日期占位符 2"/>
+          <p:cNvSpPr>
+            <a:spLocks noGrp="1"/>
+          </p:cNvSpPr>
+          <p:nvPr>
+            <p:ph type="dt" sz="half" idx="10"/>
+          </p:nvPr>
+        </p:nvSpPr>
+        <p:spPr/>
+        <p:txBody>
+          <a:bodyPr/>
+          <a:lstStyle/>
+          <a:p>
+            <a:fld id="{CAD19A8C-0F1E-4ACF-B569-36D45F7D9616}" type="datetimeFigureOut">
+              <a:rPr lang="zh-CN" altLang="en-US" smtClean="0"/>
+            </a:fld>
+            <a:endParaRPr lang="zh-CN" altLang="en-US"/>
+          </a:p>
+        </p:txBody>
+      </p:sp>
+      <p:sp>
+        <p:nvSpPr>
+          <p:cNvPr id="4" name="页脚占位符 3"/>
+          <p:cNvSpPr>
+            <a:spLocks noGrp="1"/>
+          </p:cNvSpPr>
+          <p:nvPr>
+            <p:ph type="ftr" sz="quarter" idx="11"/>
+          </p:nvPr>
+        </p:nvSpPr>
+        <p:spPr/>
+        <p:txBody>
+          <a:bodyPr/>
+          <a:lstStyle/>
+          <a:p>
+            <a:endParaRPr lang="zh-CN" altLang="en-US"/>
+          </a:p>
+        </p:txBody>
+      </p:sp>
+      <p:sp>
+        <p:nvSpPr>
+          <p:cNvPr id="5" name="灯片编号占位符 4"/>
+          <p:cNvSpPr>
+            <a:spLocks noGrp="1"/>
+          </p:cNvSpPr>
+          <p:nvPr>
+            <p:ph type="sldNum" sz="quarter" idx="12"/>
+          </p:nvPr>
+        </p:nvSpPr>
+        <p:spPr/>
+        <p:txBody>
+          <a:bodyPr/>
+          <a:lstStyle/>
+          <a:p>
+            <a:fld id="{DB0D736F-E149-47EA-BA4B-81F4DB81E2B5}" type="slidenum">
+              <a:rPr lang="zh-CN" altLang="en-US" smtClean="0"/>
+            </a:fld>
+            <a:endParaRPr lang="zh-CN" altLang="en-US"/>
+          </a:p>
+        </p:txBody>
+      </p:sp>
+    </p:spTree>
+  </p:cSld>
+  <p:clrMapOvr>
+    <a:masterClrMapping/>
+  </p:clrMapOvr>
+</p:sldLayout>
+</file>
+
+<file path=ppt/slideLayouts/slideLayout7.xml><?xml version="1.0" encoding="utf-8"?>
+<p:sldLayout xmlns:a="http://schemas.openxmlformats.org/drawingml/2006/main" xmlns:r="http://schemas.openxmlformats.org/officeDocument/2006/relationships" xmlns:p="http://schemas.openxmlformats.org/presentationml/2006/main" type="blank" preserve="1">
+  <p:cSld name="空白">
+    <p:spTree>
+      <p:nvGrpSpPr>
+        <p:cNvPr id="1" name=""/>
+        <p:cNvGrpSpPr/>
+        <p:nvPr/>
+      </p:nvGrpSpPr>
+      <p:grpSpPr>
+        <a:xfrm>
+          <a:off x="0" y="0"/>
+          <a:ext cx="0" cy="0"/>
+          <a:chOff x="0" y="0"/>
+          <a:chExt cx="0" cy="0"/>
+        </a:xfrm>
+      </p:grpSpPr>
+      <p:sp>
+        <p:nvSpPr>
+          <p:cNvPr id="2" name="日期占位符 1"/>
+          <p:cNvSpPr>
+            <a:spLocks noGrp="1"/>
+          </p:cNvSpPr>
+          <p:nvPr>
+            <p:ph type="dt" sz="half" idx="10"/>
+          </p:nvPr>
+        </p:nvSpPr>
+        <p:spPr/>
+        <p:txBody>
+          <a:bodyPr/>
+          <a:lstStyle/>
+          <a:p>
+            <a:fld id="{CAD19A8C-0F1E-4ACF-B569-36D45F7D9616}" type="datetimeFigureOut">
+              <a:rPr lang="zh-CN" altLang="en-US" smtClean="0"/>
+            </a:fld>
+            <a:endParaRPr lang="zh-CN" altLang="en-US"/>
+          </a:p>
+        </p:txBody>
+      </p:sp>
+      <p:sp>
+        <p:nvSpPr>
+          <p:cNvPr id="3" name="页脚占位符 2"/>
+          <p:cNvSpPr>
+            <a:spLocks noGrp="1"/>
+          </p:cNvSpPr>
+          <p:nvPr>
+            <p:ph type="ftr" sz="quarter" idx="11"/>
+          </p:nvPr>
+        </p:nvSpPr>
+        <p:spPr/>
+        <p:txBody>
+          <a:bodyPr/>
+          <a:lstStyle/>
+          <a:p>
+            <a:endParaRPr lang="zh-CN" altLang="en-US"/>
+          </a:p>
+        </p:txBody>
+      </p:sp>
+      <p:sp>
+        <p:nvSpPr>
+          <p:cNvPr id="4" name="灯片编号占位符 3"/>
+          <p:cNvSpPr>
+            <a:spLocks noGrp="1"/>
+          </p:cNvSpPr>
+          <p:nvPr>
+            <p:ph type="sldNum" sz="quarter" idx="12"/>
+          </p:nvPr>
+        </p:nvSpPr>
+        <p:spPr/>
+        <p:txBody>
+          <a:bodyPr/>
+          <a:lstStyle/>
+          <a:p>
+            <a:fld id="{DB0D736F-E149-47EA-BA4B-81F4DB81E2B5}" type="slidenum">
+              <a:rPr lang="zh-CN" altLang="en-US" smtClean="0"/>
+            </a:fld>
+            <a:endParaRPr lang="zh-CN" altLang="en-US"/>
+          </a:p>
+        </p:txBody>
+      </p:sp>
+    </p:spTree>
+  </p:cSld>
+  <p:clrMapOvr>
+    <a:masterClrMapping/>
+  </p:clrMapOvr>
+</p:sldLayout>
+</file>
+
+<file path=ppt/slideLayouts/slideLayout8.xml><?xml version="1.0" encoding="utf-8"?>
+<p:sldLayout xmlns:a="http://schemas.openxmlformats.org/drawingml/2006/main" xmlns:r="http://schemas.openxmlformats.org/officeDocument/2006/relationships" xmlns:p="http://schemas.openxmlformats.org/presentationml/2006/main" type="objTx" preserve="1">
+  <p:cSld name="内容与标题">
+    <p:spTree>
+      <p:nvGrpSpPr>
+        <p:cNvPr id="1" name=""/>
+        <p:cNvGrpSpPr/>
+        <p:nvPr/>
+      </p:nvGrpSpPr>
+      <p:grpSpPr>
+        <a:xfrm>
+          <a:off x="0" y="0"/>
+          <a:ext cx="0" cy="0"/>
+          <a:chOff x="0" y="0"/>
+          <a:chExt cx="0" cy="0"/>
+        </a:xfrm>
+      </p:grpSpPr>
+      <p:sp>
+        <p:nvSpPr>
+          <p:cNvPr id="2" name="标题 1"/>
+          <p:cNvSpPr>
+            <a:spLocks noGrp="1"/>
+          </p:cNvSpPr>
+          <p:nvPr>
+            <p:ph type="title"/>
+          </p:nvPr>
+        </p:nvSpPr>
+        <p:spPr>
+          <a:xfrm>
+            <a:off x="839788" y="457200"/>
+            <a:ext cx="3932237" cy="1600200"/>
+          </a:xfrm>
+        </p:spPr>
+        <p:txBody>
+          <a:bodyPr anchor="b"/>
+          <a:lstStyle>
+            <a:lvl1pPr>
+              <a:defRPr sz="3200"/>
+            </a:lvl1pPr>
+          </a:lstStyle>
+          <a:p>
+            <a:r>
+              <a:rPr lang="zh-CN" altLang="en-US"/>
+              <a:t>单击此处编辑母版标题样式</a:t>
+            </a:r>
+            <a:endParaRPr lang="zh-CN" altLang="en-US"/>
+          </a:p>
+        </p:txBody>
+      </p:sp>
+      <p:sp>
+        <p:nvSpPr>
+          <p:cNvPr id="3" name="内容占位符 2"/>
+          <p:cNvSpPr>
+            <a:spLocks noGrp="1"/>
+          </p:cNvSpPr>
+          <p:nvPr>
+            <p:ph idx="1"/>
+          </p:nvPr>
+        </p:nvSpPr>
+        <p:spPr>
+          <a:xfrm>
+            <a:off x="5183188" y="987425"/>
+            <a:ext cx="6172200" cy="4873625"/>
+          </a:xfrm>
+        </p:spPr>
+        <p:txBody>
+          <a:bodyPr/>
+          <a:lstStyle>
+            <a:lvl1pPr>
+              <a:defRPr sz="3200"/>
+            </a:lvl1pPr>
+            <a:lvl2pPr>
+              <a:defRPr sz="2800"/>
+            </a:lvl2pPr>
+            <a:lvl3pPr>
+              <a:defRPr sz="2400"/>
+            </a:lvl3pPr>
+            <a:lvl4pPr>
+              <a:defRPr sz="2000"/>
+            </a:lvl4pPr>
+            <a:lvl5pPr>
+              <a:defRPr sz="2000"/>
+            </a:lvl5pPr>
+            <a:lvl6pPr>
+              <a:defRPr sz="2000"/>
+            </a:lvl6pPr>
+            <a:lvl7pPr>
+              <a:defRPr sz="2000"/>
+            </a:lvl7pPr>
+            <a:lvl8pPr>
+              <a:defRPr sz="2000"/>
+            </a:lvl8pPr>
+            <a:lvl9pPr>
+              <a:defRPr sz="2000"/>
+            </a:lvl9pPr>
+          </a:lstStyle>
+          <a:p>
+            <a:pPr lvl="0"/>
+            <a:r>
+              <a:rPr lang="zh-CN" altLang="en-US"/>
+              <a:t>单击此处编辑母版文本样式</a:t>
+            </a:r>
+            <a:endParaRPr lang="zh-CN" altLang="en-US"/>
+          </a:p>
+          <a:p>
+            <a:pPr lvl="1"/>
+            <a:r>
+              <a:rPr lang="zh-CN" altLang="en-US"/>
+              <a:t>二级</a:t>
+            </a:r>
+            <a:endParaRPr lang="zh-CN" altLang="en-US"/>
+          </a:p>
+          <a:p>
+            <a:pPr lvl="2"/>
+            <a:r>
+              <a:rPr lang="zh-CN" altLang="en-US"/>
+              <a:t>三级</a:t>
+            </a:r>
+            <a:endParaRPr lang="zh-CN" altLang="en-US"/>
+          </a:p>
+          <a:p>
+            <a:pPr lvl="3"/>
+            <a:r>
+              <a:rPr lang="zh-CN" altLang="en-US"/>
+              <a:t>四级</a:t>
+            </a:r>
+            <a:endParaRPr lang="zh-CN" altLang="en-US"/>
+          </a:p>
+          <a:p>
+            <a:pPr lvl="4"/>
+            <a:r>
+              <a:rPr lang="zh-CN" altLang="en-US"/>
+              <a:t>五级</a:t>
+            </a:r>
+            <a:endParaRPr lang="zh-CN" altLang="en-US"/>
+          </a:p>
+        </p:txBody>
+      </p:sp>
+      <p:sp>
+        <p:nvSpPr>
+          <p:cNvPr id="4" name="文本占位符 3"/>
+          <p:cNvSpPr>
+            <a:spLocks noGrp="1"/>
+          </p:cNvSpPr>
+          <p:nvPr>
+            <p:ph type="body" sz="half" idx="2"/>
+          </p:nvPr>
+        </p:nvSpPr>
+        <p:spPr>
+          <a:xfrm>
+            <a:off x="839788" y="2057400"/>
+            <a:ext cx="3932237" cy="3811588"/>
+          </a:xfrm>
+        </p:spPr>
+        <p:txBody>
+          <a:bodyPr/>
+          <a:lstStyle>
+            <a:lvl1pPr marL="0" indent="0">
+              <a:buNone/>
+              <a:defRPr sz="1600"/>
+            </a:lvl1pPr>
+            <a:lvl2pPr marL="457200" indent="0">
+              <a:buNone/>
+              <a:defRPr sz="1400"/>
+            </a:lvl2pPr>
+            <a:lvl3pPr marL="914400" indent="0">
+              <a:buNone/>
+              <a:defRPr sz="1200"/>
+            </a:lvl3pPr>
+            <a:lvl4pPr marL="1371600" indent="0">
+              <a:buNone/>
+              <a:defRPr sz="1000"/>
+            </a:lvl4pPr>
+            <a:lvl5pPr marL="1828800" indent="0">
+              <a:buNone/>
+              <a:defRPr sz="1000"/>
+            </a:lvl5pPr>
+            <a:lvl6pPr marL="2286000" indent="0">
+              <a:buNone/>
+              <a:defRPr sz="1000"/>
+            </a:lvl6pPr>
+            <a:lvl7pPr marL="2743200" indent="0">
+              <a:buNone/>
+              <a:defRPr sz="1000"/>
+            </a:lvl7pPr>
+            <a:lvl8pPr marL="3200400" indent="0">
+              <a:buNone/>
+              <a:defRPr sz="1000"/>
+            </a:lvl8pPr>
+            <a:lvl9pPr marL="3657600" indent="0">
+              <a:buNone/>
+              <a:defRPr sz="1000"/>
+            </a:lvl9pPr>
+          </a:lstStyle>
+          <a:p>
+            <a:pPr lvl="0"/>
+            <a:r>
+              <a:rPr lang="zh-CN" altLang="en-US"/>
+              <a:t>单击此处编辑母版文本样式</a:t>
+            </a:r>
+            <a:endParaRPr lang="zh-CN" altLang="en-US"/>
+          </a:p>
+        </p:txBody>
+      </p:sp>
+      <p:sp>
+        <p:nvSpPr>
+          <p:cNvPr id="5" name="日期占位符 4"/>
+          <p:cNvSpPr>
+            <a:spLocks noGrp="1"/>
+          </p:cNvSpPr>
+          <p:nvPr>
+            <p:ph type="dt" sz="half" idx="10"/>
+          </p:nvPr>
+        </p:nvSpPr>
+        <p:spPr/>
+        <p:txBody>
+          <a:bodyPr/>
+          <a:lstStyle/>
+          <a:p>
+            <a:fld id="{CAD19A8C-0F1E-4ACF-B569-36D45F7D9616}" type="datetimeFigureOut">
+              <a:rPr lang="zh-CN" altLang="en-US" smtClean="0"/>
+            </a:fld>
+            <a:endParaRPr lang="zh-CN" altLang="en-US"/>
+          </a:p>
+        </p:txBody>
+      </p:sp>
+      <p:sp>
+        <p:nvSpPr>
+          <p:cNvPr id="6" name="页脚占位符 5"/>
+          <p:cNvSpPr>
+            <a:spLocks noGrp="1"/>
+          </p:cNvSpPr>
+          <p:nvPr>
+            <p:ph type="ftr" sz="quarter" idx="11"/>
+          </p:nvPr>
+        </p:nvSpPr>
+        <p:spPr/>
+        <p:txBody>
+          <a:bodyPr/>
+          <a:lstStyle/>
+          <a:p>
+            <a:endParaRPr lang="zh-CN" altLang="en-US"/>
+          </a:p>
+        </p:txBody>
+      </p:sp>
+      <p:sp>
+        <p:nvSpPr>
+          <p:cNvPr id="7" name="灯片编号占位符 6"/>
+          <p:cNvSpPr>
+            <a:spLocks noGrp="1"/>
+          </p:cNvSpPr>
+          <p:nvPr>
+            <p:ph type="sldNum" sz="quarter" idx="12"/>
+          </p:nvPr>
+        </p:nvSpPr>
+        <p:spPr/>
+        <p:txBody>
+          <a:bodyPr/>
+          <a:lstStyle/>
+          <a:p>
+            <a:fld id="{DB0D736F-E149-47EA-BA4B-81F4DB81E2B5}" type="slidenum">
+              <a:rPr lang="zh-CN" altLang="en-US" smtClean="0"/>
+            </a:fld>
+            <a:endParaRPr lang="zh-CN" altLang="en-US"/>
+          </a:p>
+        </p:txBody>
+      </p:sp>
+    </p:spTree>
   </p:cSld>
   <p:clrMapOvr>
     <a:masterClrMapping/>
@@ -3400,13 +5700,7 @@
       </p:grpSpPr>
       <p:sp>
         <p:nvSpPr>
-          <p:cNvPr id="2" name="标题 1">
-            <a:extLst>
-              <a:ext uri="{FF2B5EF4-FFF2-40B4-BE49-F238E27FC236}">
-                <a16:creationId xmlns:a16="http://schemas.microsoft.com/office/drawing/2014/main" id="{68FC5514-059D-451C-A86C-DFDF12DE16E7}"/>
-              </a:ext>
-            </a:extLst>
-          </p:cNvPr>
+          <p:cNvPr id="2" name="标题 1"/>
           <p:cNvSpPr>
             <a:spLocks noGrp="1"/>
           </p:cNvSpPr>
@@ -3432,18 +5726,13 @@
               <a:rPr lang="zh-CN" altLang="en-US"/>
               <a:t>单击此处编辑母版标题样式</a:t>
             </a:r>
-          </a:p>
-        </p:txBody>
-      </p:sp>
-      <p:sp>
-        <p:nvSpPr>
-          <p:cNvPr id="3" name="图片占位符 2">
-            <a:extLst>
-              <a:ext uri="{FF2B5EF4-FFF2-40B4-BE49-F238E27FC236}">
-                <a16:creationId xmlns:a16="http://schemas.microsoft.com/office/drawing/2014/main" id="{22F0BC99-B952-49BE-9867-026B6C95D319}"/>
-              </a:ext>
-            </a:extLst>
-          </p:cNvPr>
+            <a:endParaRPr lang="zh-CN" altLang="en-US"/>
+          </a:p>
+        </p:txBody>
+      </p:sp>
+      <p:sp>
+        <p:nvSpPr>
+          <p:cNvPr id="3" name="图片占位符 2"/>
           <p:cNvSpPr>
             <a:spLocks noGrp="1"/>
           </p:cNvSpPr>
@@ -3504,13 +5793,7 @@
       </p:sp>
       <p:sp>
         <p:nvSpPr>
-          <p:cNvPr id="4" name="文本占位符 3">
-            <a:extLst>
-              <a:ext uri="{FF2B5EF4-FFF2-40B4-BE49-F238E27FC236}">
-                <a16:creationId xmlns:a16="http://schemas.microsoft.com/office/drawing/2014/main" id="{2B06ABA0-F738-445E-9B13-69856A66EDF7}"/>
-              </a:ext>
-            </a:extLst>
-          </p:cNvPr>
+          <p:cNvPr id="4" name="文本占位符 3"/>
           <p:cNvSpPr>
             <a:spLocks noGrp="1"/>
           </p:cNvSpPr>
@@ -3570,18 +5853,13 @@
               <a:rPr lang="zh-CN" altLang="en-US"/>
               <a:t>单击此处编辑母版文本样式</a:t>
             </a:r>
-          </a:p>
-        </p:txBody>
-      </p:sp>
-      <p:sp>
-        <p:nvSpPr>
-          <p:cNvPr id="5" name="日期占位符 4">
-            <a:extLst>
-              <a:ext uri="{FF2B5EF4-FFF2-40B4-BE49-F238E27FC236}">
-                <a16:creationId xmlns:a16="http://schemas.microsoft.com/office/drawing/2014/main" id="{AA8CE5FA-2FF3-42D6-A3BD-B90A9F483337}"/>
-              </a:ext>
-            </a:extLst>
-          </p:cNvPr>
+            <a:endParaRPr lang="zh-CN" altLang="en-US"/>
+          </a:p>
+        </p:txBody>
+      </p:sp>
+      <p:sp>
+        <p:nvSpPr>
+          <p:cNvPr id="5" name="日期占位符 4"/>
           <p:cNvSpPr>
             <a:spLocks noGrp="1"/>
           </p:cNvSpPr>
@@ -3596,7 +5874,6 @@
           <a:p>
             <a:fld id="{CAD19A8C-0F1E-4ACF-B569-36D45F7D9616}" type="datetimeFigureOut">
               <a:rPr lang="zh-CN" altLang="en-US" smtClean="0"/>
-              <a:t>2024/7/15</a:t>
             </a:fld>
             <a:endParaRPr lang="zh-CN" altLang="en-US"/>
           </a:p>
@@ -3604,13 +5881,7 @@
       </p:sp>
       <p:sp>
         <p:nvSpPr>
-          <p:cNvPr id="6" name="页脚占位符 5">
-            <a:extLst>
-              <a:ext uri="{FF2B5EF4-FFF2-40B4-BE49-F238E27FC236}">
-                <a16:creationId xmlns:a16="http://schemas.microsoft.com/office/drawing/2014/main" id="{D3E9D938-3A3F-490D-B6DC-5B8E100485C2}"/>
-              </a:ext>
-            </a:extLst>
-          </p:cNvPr>
+          <p:cNvPr id="6" name="页脚占位符 5"/>
           <p:cNvSpPr>
             <a:spLocks noGrp="1"/>
           </p:cNvSpPr>
@@ -3629,13 +5900,7 @@
       </p:sp>
       <p:sp>
         <p:nvSpPr>
-          <p:cNvPr id="7" name="灯片编号占位符 6">
-            <a:extLst>
-              <a:ext uri="{FF2B5EF4-FFF2-40B4-BE49-F238E27FC236}">
-                <a16:creationId xmlns:a16="http://schemas.microsoft.com/office/drawing/2014/main" id="{800FC2F8-81F2-4DD9-BB76-44D9271004C8}"/>
-              </a:ext>
-            </a:extLst>
-          </p:cNvPr>
+          <p:cNvPr id="7" name="灯片编号占位符 6"/>
           <p:cNvSpPr>
             <a:spLocks noGrp="1"/>
           </p:cNvSpPr>
@@ -3650,18 +5915,12 @@
           <a:p>
             <a:fld id="{DB0D736F-E149-47EA-BA4B-81F4DB81E2B5}" type="slidenum">
               <a:rPr lang="zh-CN" altLang="en-US" smtClean="0"/>
-              <a:t>‹#›</a:t>
             </a:fld>
             <a:endParaRPr lang="zh-CN" altLang="en-US"/>
           </a:p>
         </p:txBody>
       </p:sp>
     </p:spTree>
-    <p:extLst>
-      <p:ext uri="{BB962C8B-B14F-4D97-AF65-F5344CB8AC3E}">
-        <p14:creationId xmlns:p14="http://schemas.microsoft.com/office/powerpoint/2010/main" val="742869959"/>
-      </p:ext>
-    </p:extLst>
   </p:cSld>
   <p:clrMapOvr>
     <a:masterClrMapping/>
@@ -3693,13 +5952,7 @@
       </p:grpSpPr>
       <p:sp>
         <p:nvSpPr>
-          <p:cNvPr id="2" name="标题占位符 1">
-            <a:extLst>
-              <a:ext uri="{FF2B5EF4-FFF2-40B4-BE49-F238E27FC236}">
-                <a16:creationId xmlns:a16="http://schemas.microsoft.com/office/drawing/2014/main" id="{C80DCD24-B376-43E1-BE32-06EFCCD5BE20}"/>
-              </a:ext>
-            </a:extLst>
-          </p:cNvPr>
+          <p:cNvPr id="2" name="标题占位符 1"/>
           <p:cNvSpPr>
             <a:spLocks noGrp="1"/>
           </p:cNvSpPr>
@@ -3726,18 +5979,13 @@
               <a:rPr lang="zh-CN" altLang="en-US"/>
               <a:t>单击此处编辑母版标题样式</a:t>
             </a:r>
-          </a:p>
-        </p:txBody>
-      </p:sp>
-      <p:sp>
-        <p:nvSpPr>
-          <p:cNvPr id="3" name="文本占位符 2">
-            <a:extLst>
-              <a:ext uri="{FF2B5EF4-FFF2-40B4-BE49-F238E27FC236}">
-                <a16:creationId xmlns:a16="http://schemas.microsoft.com/office/drawing/2014/main" id="{04185F45-932F-4020-BF1A-4FC1F1C3DD12}"/>
-              </a:ext>
-            </a:extLst>
-          </p:cNvPr>
+            <a:endParaRPr lang="zh-CN" altLang="en-US"/>
+          </a:p>
+        </p:txBody>
+      </p:sp>
+      <p:sp>
+        <p:nvSpPr>
+          <p:cNvPr id="3" name="文本占位符 2"/>
           <p:cNvSpPr>
             <a:spLocks noGrp="1"/>
           </p:cNvSpPr>
@@ -3765,6 +6013,7 @@
               <a:rPr lang="zh-CN" altLang="en-US"/>
               <a:t>单击此处编辑母版文本样式</a:t>
             </a:r>
+            <a:endParaRPr lang="zh-CN" altLang="en-US"/>
           </a:p>
           <a:p>
             <a:pPr lvl="1"/>
@@ -3772,6 +6021,7 @@
               <a:rPr lang="zh-CN" altLang="en-US"/>
               <a:t>二级</a:t>
             </a:r>
+            <a:endParaRPr lang="zh-CN" altLang="en-US"/>
           </a:p>
           <a:p>
             <a:pPr lvl="2"/>
@@ -3779,6 +6029,7 @@
               <a:rPr lang="zh-CN" altLang="en-US"/>
               <a:t>三级</a:t>
             </a:r>
+            <a:endParaRPr lang="zh-CN" altLang="en-US"/>
           </a:p>
           <a:p>
             <a:pPr lvl="3"/>
@@ -3786,6 +6037,7 @@
               <a:rPr lang="zh-CN" altLang="en-US"/>
               <a:t>四级</a:t>
             </a:r>
+            <a:endParaRPr lang="zh-CN" altLang="en-US"/>
           </a:p>
           <a:p>
             <a:pPr lvl="4"/>
@@ -3793,18 +6045,13 @@
               <a:rPr lang="zh-CN" altLang="en-US"/>
               <a:t>五级</a:t>
             </a:r>
-          </a:p>
-        </p:txBody>
-      </p:sp>
-      <p:sp>
-        <p:nvSpPr>
-          <p:cNvPr id="4" name="日期占位符 3">
-            <a:extLst>
-              <a:ext uri="{FF2B5EF4-FFF2-40B4-BE49-F238E27FC236}">
-                <a16:creationId xmlns:a16="http://schemas.microsoft.com/office/drawing/2014/main" id="{2E70437E-924B-4B8B-9FB0-E4388EA130E4}"/>
-              </a:ext>
-            </a:extLst>
-          </p:cNvPr>
+            <a:endParaRPr lang="zh-CN" altLang="en-US"/>
+          </a:p>
+        </p:txBody>
+      </p:sp>
+      <p:sp>
+        <p:nvSpPr>
+          <p:cNvPr id="4" name="日期占位符 3"/>
           <p:cNvSpPr>
             <a:spLocks noGrp="1"/>
           </p:cNvSpPr>
@@ -3837,7 +6084,6 @@
           <a:p>
             <a:fld id="{CAD19A8C-0F1E-4ACF-B569-36D45F7D9616}" type="datetimeFigureOut">
               <a:rPr lang="zh-CN" altLang="en-US" smtClean="0"/>
-              <a:t>2024/7/15</a:t>
             </a:fld>
             <a:endParaRPr lang="zh-CN" altLang="en-US"/>
           </a:p>
@@ -3845,13 +6091,7 @@
       </p:sp>
       <p:sp>
         <p:nvSpPr>
-          <p:cNvPr id="5" name="页脚占位符 4">
-            <a:extLst>
-              <a:ext uri="{FF2B5EF4-FFF2-40B4-BE49-F238E27FC236}">
-                <a16:creationId xmlns:a16="http://schemas.microsoft.com/office/drawing/2014/main" id="{DFED2DF6-904B-4060-BEA4-13CD8E08EB79}"/>
-              </a:ext>
-            </a:extLst>
-          </p:cNvPr>
+          <p:cNvPr id="5" name="页脚占位符 4"/>
           <p:cNvSpPr>
             <a:spLocks noGrp="1"/>
           </p:cNvSpPr>
@@ -3888,13 +6128,7 @@
       </p:sp>
       <p:sp>
         <p:nvSpPr>
-          <p:cNvPr id="6" name="灯片编号占位符 5">
-            <a:extLst>
-              <a:ext uri="{FF2B5EF4-FFF2-40B4-BE49-F238E27FC236}">
-                <a16:creationId xmlns:a16="http://schemas.microsoft.com/office/drawing/2014/main" id="{FCF7B4BB-2C26-4450-89A1-66BB176AD538}"/>
-              </a:ext>
-            </a:extLst>
-          </p:cNvPr>
+          <p:cNvPr id="6" name="灯片编号占位符 5"/>
           <p:cNvSpPr>
             <a:spLocks noGrp="1"/>
           </p:cNvSpPr>
@@ -3927,18 +6161,12 @@
           <a:p>
             <a:fld id="{DB0D736F-E149-47EA-BA4B-81F4DB81E2B5}" type="slidenum">
               <a:rPr lang="zh-CN" altLang="en-US" smtClean="0"/>
-              <a:t>‹#›</a:t>
             </a:fld>
             <a:endParaRPr lang="zh-CN" altLang="en-US"/>
           </a:p>
         </p:txBody>
       </p:sp>
     </p:spTree>
-    <p:extLst>
-      <p:ext uri="{BB962C8B-B14F-4D97-AF65-F5344CB8AC3E}">
-        <p14:creationId xmlns:p14="http://schemas.microsoft.com/office/powerpoint/2010/main" val="2019838323"/>
-      </p:ext>
-    </p:extLst>
   </p:cSld>
   <p:clrMap bg1="lt1" tx1="dk1" bg2="lt2" tx2="dk2" accent1="accent1" accent2="accent2" accent3="accent3" accent4="accent4" accent5="accent5" accent6="accent6" hlink="hlink" folHlink="folHlink"/>
   <p:sldLayoutIdLst>
@@ -3954,6 +6182,544 @@
     <p:sldLayoutId id="2147483658" r:id="rId10"/>
     <p:sldLayoutId id="2147483659" r:id="rId11"/>
     <p:sldLayoutId id="2147483660" r:id="rId12"/>
+  </p:sldLayoutIdLst>
+  <p:txStyles>
+    <p:titleStyle>
+      <a:lvl1pPr algn="l" defTabSz="914400" rtl="0" eaLnBrk="1" latinLnBrk="0" hangingPunct="1">
+        <a:lnSpc>
+          <a:spcPct val="90000"/>
+        </a:lnSpc>
+        <a:spcBef>
+          <a:spcPct val="0"/>
+        </a:spcBef>
+        <a:buNone/>
+        <a:defRPr sz="4400" kern="1200">
+          <a:solidFill>
+            <a:schemeClr val="tx1"/>
+          </a:solidFill>
+          <a:latin typeface="+mj-lt"/>
+          <a:ea typeface="+mj-ea"/>
+          <a:cs typeface="+mj-cs"/>
+        </a:defRPr>
+      </a:lvl1pPr>
+    </p:titleStyle>
+    <p:bodyStyle>
+      <a:lvl1pPr marL="228600" indent="-228600" algn="l" defTabSz="914400" rtl="0" eaLnBrk="1" latinLnBrk="0" hangingPunct="1">
+        <a:lnSpc>
+          <a:spcPct val="90000"/>
+        </a:lnSpc>
+        <a:spcBef>
+          <a:spcPts val="1000"/>
+        </a:spcBef>
+        <a:buFont typeface="Arial" panose="020B0604020202020204" pitchFamily="34" charset="0"/>
+        <a:buChar char="•"/>
+        <a:defRPr sz="2800" kern="1200">
+          <a:solidFill>
+            <a:schemeClr val="tx1"/>
+          </a:solidFill>
+          <a:latin typeface="+mn-lt"/>
+          <a:ea typeface="+mn-ea"/>
+          <a:cs typeface="+mn-cs"/>
+        </a:defRPr>
+      </a:lvl1pPr>
+      <a:lvl2pPr marL="685800" indent="-228600" algn="l" defTabSz="914400" rtl="0" eaLnBrk="1" latinLnBrk="0" hangingPunct="1">
+        <a:lnSpc>
+          <a:spcPct val="90000"/>
+        </a:lnSpc>
+        <a:spcBef>
+          <a:spcPts val="500"/>
+        </a:spcBef>
+        <a:buFont typeface="Arial" panose="020B0604020202020204" pitchFamily="34" charset="0"/>
+        <a:buChar char="•"/>
+        <a:defRPr sz="2400" kern="1200">
+          <a:solidFill>
+            <a:schemeClr val="tx1"/>
+          </a:solidFill>
+          <a:latin typeface="+mn-lt"/>
+          <a:ea typeface="+mn-ea"/>
+          <a:cs typeface="+mn-cs"/>
+        </a:defRPr>
+      </a:lvl2pPr>
+      <a:lvl3pPr marL="1143000" indent="-228600" algn="l" defTabSz="914400" rtl="0" eaLnBrk="1" latinLnBrk="0" hangingPunct="1">
+        <a:lnSpc>
+          <a:spcPct val="90000"/>
+        </a:lnSpc>
+        <a:spcBef>
+          <a:spcPts val="500"/>
+        </a:spcBef>
+        <a:buFont typeface="Arial" panose="020B0604020202020204" pitchFamily="34" charset="0"/>
+        <a:buChar char="•"/>
+        <a:defRPr sz="2000" kern="1200">
+          <a:solidFill>
+            <a:schemeClr val="tx1"/>
+          </a:solidFill>
+          <a:latin typeface="+mn-lt"/>
+          <a:ea typeface="+mn-ea"/>
+          <a:cs typeface="+mn-cs"/>
+        </a:defRPr>
+      </a:lvl3pPr>
+      <a:lvl4pPr marL="1600200" indent="-228600" algn="l" defTabSz="914400" rtl="0" eaLnBrk="1" latinLnBrk="0" hangingPunct="1">
+        <a:lnSpc>
+          <a:spcPct val="90000"/>
+        </a:lnSpc>
+        <a:spcBef>
+          <a:spcPts val="500"/>
+        </a:spcBef>
+        <a:buFont typeface="Arial" panose="020B0604020202020204" pitchFamily="34" charset="0"/>
+        <a:buChar char="•"/>
+        <a:defRPr sz="1800" kern="1200">
+          <a:solidFill>
+            <a:schemeClr val="tx1"/>
+          </a:solidFill>
+          <a:latin typeface="+mn-lt"/>
+          <a:ea typeface="+mn-ea"/>
+          <a:cs typeface="+mn-cs"/>
+        </a:defRPr>
+      </a:lvl4pPr>
+      <a:lvl5pPr marL="2057400" indent="-228600" algn="l" defTabSz="914400" rtl="0" eaLnBrk="1" latinLnBrk="0" hangingPunct="1">
+        <a:lnSpc>
+          <a:spcPct val="90000"/>
+        </a:lnSpc>
+        <a:spcBef>
+          <a:spcPts val="500"/>
+        </a:spcBef>
+        <a:buFont typeface="Arial" panose="020B0604020202020204" pitchFamily="34" charset="0"/>
+        <a:buChar char="•"/>
+        <a:defRPr sz="1800" kern="1200">
+          <a:solidFill>
+            <a:schemeClr val="tx1"/>
+          </a:solidFill>
+          <a:latin typeface="+mn-lt"/>
+          <a:ea typeface="+mn-ea"/>
+          <a:cs typeface="+mn-cs"/>
+        </a:defRPr>
+      </a:lvl5pPr>
+      <a:lvl6pPr marL="2514600" indent="-228600" algn="l" defTabSz="914400" rtl="0" eaLnBrk="1" latinLnBrk="0" hangingPunct="1">
+        <a:lnSpc>
+          <a:spcPct val="90000"/>
+        </a:lnSpc>
+        <a:spcBef>
+          <a:spcPts val="500"/>
+        </a:spcBef>
+        <a:buFont typeface="Arial" panose="020B0604020202020204" pitchFamily="34" charset="0"/>
+        <a:buChar char="•"/>
+        <a:defRPr sz="1800" kern="1200">
+          <a:solidFill>
+            <a:schemeClr val="tx1"/>
+          </a:solidFill>
+          <a:latin typeface="+mn-lt"/>
+          <a:ea typeface="+mn-ea"/>
+          <a:cs typeface="+mn-cs"/>
+        </a:defRPr>
+      </a:lvl6pPr>
+      <a:lvl7pPr marL="2971800" indent="-228600" algn="l" defTabSz="914400" rtl="0" eaLnBrk="1" latinLnBrk="0" hangingPunct="1">
+        <a:lnSpc>
+          <a:spcPct val="90000"/>
+        </a:lnSpc>
+        <a:spcBef>
+          <a:spcPts val="500"/>
+        </a:spcBef>
+        <a:buFont typeface="Arial" panose="020B0604020202020204" pitchFamily="34" charset="0"/>
+        <a:buChar char="•"/>
+        <a:defRPr sz="1800" kern="1200">
+          <a:solidFill>
+            <a:schemeClr val="tx1"/>
+          </a:solidFill>
+          <a:latin typeface="+mn-lt"/>
+          <a:ea typeface="+mn-ea"/>
+          <a:cs typeface="+mn-cs"/>
+        </a:defRPr>
+      </a:lvl7pPr>
+      <a:lvl8pPr marL="3429000" indent="-228600" algn="l" defTabSz="914400" rtl="0" eaLnBrk="1" latinLnBrk="0" hangingPunct="1">
+        <a:lnSpc>
+          <a:spcPct val="90000"/>
+        </a:lnSpc>
+        <a:spcBef>
+          <a:spcPts val="500"/>
+        </a:spcBef>
+        <a:buFont typeface="Arial" panose="020B0604020202020204" pitchFamily="34" charset="0"/>
+        <a:buChar char="•"/>
+        <a:defRPr sz="1800" kern="1200">
+          <a:solidFill>
+            <a:schemeClr val="tx1"/>
+          </a:solidFill>
+          <a:latin typeface="+mn-lt"/>
+          <a:ea typeface="+mn-ea"/>
+          <a:cs typeface="+mn-cs"/>
+        </a:defRPr>
+      </a:lvl8pPr>
+      <a:lvl9pPr marL="3886200" indent="-228600" algn="l" defTabSz="914400" rtl="0" eaLnBrk="1" latinLnBrk="0" hangingPunct="1">
+        <a:lnSpc>
+          <a:spcPct val="90000"/>
+        </a:lnSpc>
+        <a:spcBef>
+          <a:spcPts val="500"/>
+        </a:spcBef>
+        <a:buFont typeface="Arial" panose="020B0604020202020204" pitchFamily="34" charset="0"/>
+        <a:buChar char="•"/>
+        <a:defRPr sz="1800" kern="1200">
+          <a:solidFill>
+            <a:schemeClr val="tx1"/>
+          </a:solidFill>
+          <a:latin typeface="+mn-lt"/>
+          <a:ea typeface="+mn-ea"/>
+          <a:cs typeface="+mn-cs"/>
+        </a:defRPr>
+      </a:lvl9pPr>
+    </p:bodyStyle>
+    <p:otherStyle>
+      <a:defPPr>
+        <a:defRPr lang="zh-CN"/>
+      </a:defPPr>
+      <a:lvl1pPr marL="0" algn="l" defTabSz="914400" rtl="0" eaLnBrk="1" latinLnBrk="0" hangingPunct="1">
+        <a:defRPr sz="1800" kern="1200">
+          <a:solidFill>
+            <a:schemeClr val="tx1"/>
+          </a:solidFill>
+          <a:latin typeface="+mn-lt"/>
+          <a:ea typeface="+mn-ea"/>
+          <a:cs typeface="+mn-cs"/>
+        </a:defRPr>
+      </a:lvl1pPr>
+      <a:lvl2pPr marL="457200" algn="l" defTabSz="914400" rtl="0" eaLnBrk="1" latinLnBrk="0" hangingPunct="1">
+        <a:defRPr sz="1800" kern="1200">
+          <a:solidFill>
+            <a:schemeClr val="tx1"/>
+          </a:solidFill>
+          <a:latin typeface="+mn-lt"/>
+          <a:ea typeface="+mn-ea"/>
+          <a:cs typeface="+mn-cs"/>
+        </a:defRPr>
+      </a:lvl2pPr>
+      <a:lvl3pPr marL="914400" algn="l" defTabSz="914400" rtl="0" eaLnBrk="1" latinLnBrk="0" hangingPunct="1">
+        <a:defRPr sz="1800" kern="1200">
+          <a:solidFill>
+            <a:schemeClr val="tx1"/>
+          </a:solidFill>
+          <a:latin typeface="+mn-lt"/>
+          <a:ea typeface="+mn-ea"/>
+          <a:cs typeface="+mn-cs"/>
+        </a:defRPr>
+      </a:lvl3pPr>
+      <a:lvl4pPr marL="1371600" algn="l" defTabSz="914400" rtl="0" eaLnBrk="1" latinLnBrk="0" hangingPunct="1">
+        <a:defRPr sz="1800" kern="1200">
+          <a:solidFill>
+            <a:schemeClr val="tx1"/>
+          </a:solidFill>
+          <a:latin typeface="+mn-lt"/>
+          <a:ea typeface="+mn-ea"/>
+          <a:cs typeface="+mn-cs"/>
+        </a:defRPr>
+      </a:lvl4pPr>
+      <a:lvl5pPr marL="1828800" algn="l" defTabSz="914400" rtl="0" eaLnBrk="1" latinLnBrk="0" hangingPunct="1">
+        <a:defRPr sz="1800" kern="1200">
+          <a:solidFill>
+            <a:schemeClr val="tx1"/>
+          </a:solidFill>
+          <a:latin typeface="+mn-lt"/>
+          <a:ea typeface="+mn-ea"/>
+          <a:cs typeface="+mn-cs"/>
+        </a:defRPr>
+      </a:lvl5pPr>
+      <a:lvl6pPr marL="2286000" algn="l" defTabSz="914400" rtl="0" eaLnBrk="1" latinLnBrk="0" hangingPunct="1">
+        <a:defRPr sz="1800" kern="1200">
+          <a:solidFill>
+            <a:schemeClr val="tx1"/>
+          </a:solidFill>
+          <a:latin typeface="+mn-lt"/>
+          <a:ea typeface="+mn-ea"/>
+          <a:cs typeface="+mn-cs"/>
+        </a:defRPr>
+      </a:lvl6pPr>
+      <a:lvl7pPr marL="2743200" algn="l" defTabSz="914400" rtl="0" eaLnBrk="1" latinLnBrk="0" hangingPunct="1">
+        <a:defRPr sz="1800" kern="1200">
+          <a:solidFill>
+            <a:schemeClr val="tx1"/>
+          </a:solidFill>
+          <a:latin typeface="+mn-lt"/>
+          <a:ea typeface="+mn-ea"/>
+          <a:cs typeface="+mn-cs"/>
+        </a:defRPr>
+      </a:lvl7pPr>
+      <a:lvl8pPr marL="3200400" algn="l" defTabSz="914400" rtl="0" eaLnBrk="1" latinLnBrk="0" hangingPunct="1">
+        <a:defRPr sz="1800" kern="1200">
+          <a:solidFill>
+            <a:schemeClr val="tx1"/>
+          </a:solidFill>
+          <a:latin typeface="+mn-lt"/>
+          <a:ea typeface="+mn-ea"/>
+          <a:cs typeface="+mn-cs"/>
+        </a:defRPr>
+      </a:lvl8pPr>
+      <a:lvl9pPr marL="3657600" algn="l" defTabSz="914400" rtl="0" eaLnBrk="1" latinLnBrk="0" hangingPunct="1">
+        <a:defRPr sz="1800" kern="1200">
+          <a:solidFill>
+            <a:schemeClr val="tx1"/>
+          </a:solidFill>
+          <a:latin typeface="+mn-lt"/>
+          <a:ea typeface="+mn-ea"/>
+          <a:cs typeface="+mn-cs"/>
+        </a:defRPr>
+      </a:lvl9pPr>
+    </p:otherStyle>
+  </p:txStyles>
+</p:sldMaster>
+</file>
+
+<file path=ppt/slideMasters/slideMaster2.xml><?xml version="1.0" encoding="utf-8"?>
+<p:sldMaster xmlns:a="http://schemas.openxmlformats.org/drawingml/2006/main" xmlns:r="http://schemas.openxmlformats.org/officeDocument/2006/relationships" xmlns:p="http://schemas.openxmlformats.org/presentationml/2006/main">
+  <p:cSld>
+    <p:bg>
+      <p:bgRef idx="1001">
+        <a:schemeClr val="bg1"/>
+      </p:bgRef>
+    </p:bg>
+    <p:spTree>
+      <p:nvGrpSpPr>
+        <p:cNvPr id="1" name=""/>
+        <p:cNvGrpSpPr/>
+        <p:nvPr/>
+      </p:nvGrpSpPr>
+      <p:grpSpPr>
+        <a:xfrm>
+          <a:off x="0" y="0"/>
+          <a:ext cx="0" cy="0"/>
+          <a:chOff x="0" y="0"/>
+          <a:chExt cx="0" cy="0"/>
+        </a:xfrm>
+      </p:grpSpPr>
+      <p:sp>
+        <p:nvSpPr>
+          <p:cNvPr id="2" name="标题占位符 1"/>
+          <p:cNvSpPr>
+            <a:spLocks noGrp="1"/>
+          </p:cNvSpPr>
+          <p:nvPr>
+            <p:ph type="title"/>
+          </p:nvPr>
+        </p:nvSpPr>
+        <p:spPr>
+          <a:xfrm>
+            <a:off x="838200" y="365125"/>
+            <a:ext cx="10515600" cy="1325563"/>
+          </a:xfrm>
+          <a:prstGeom prst="rect">
+            <a:avLst/>
+          </a:prstGeom>
+        </p:spPr>
+        <p:txBody>
+          <a:bodyPr vert="horz" lIns="91440" tIns="45720" rIns="91440" bIns="45720" rtlCol="0" anchor="ctr">
+            <a:normAutofit/>
+          </a:bodyPr>
+          <a:lstStyle/>
+          <a:p>
+            <a:r>
+              <a:rPr lang="zh-CN" altLang="en-US"/>
+              <a:t>单击此处编辑母版标题样式</a:t>
+            </a:r>
+            <a:endParaRPr lang="zh-CN" altLang="en-US"/>
+          </a:p>
+        </p:txBody>
+      </p:sp>
+      <p:sp>
+        <p:nvSpPr>
+          <p:cNvPr id="3" name="文本占位符 2"/>
+          <p:cNvSpPr>
+            <a:spLocks noGrp="1"/>
+          </p:cNvSpPr>
+          <p:nvPr>
+            <p:ph type="body" idx="1"/>
+          </p:nvPr>
+        </p:nvSpPr>
+        <p:spPr>
+          <a:xfrm>
+            <a:off x="838200" y="1825625"/>
+            <a:ext cx="10515600" cy="4351338"/>
+          </a:xfrm>
+          <a:prstGeom prst="rect">
+            <a:avLst/>
+          </a:prstGeom>
+        </p:spPr>
+        <p:txBody>
+          <a:bodyPr vert="horz" lIns="91440" tIns="45720" rIns="91440" bIns="45720" rtlCol="0">
+            <a:normAutofit/>
+          </a:bodyPr>
+          <a:lstStyle/>
+          <a:p>
+            <a:pPr lvl="0"/>
+            <a:r>
+              <a:rPr lang="zh-CN" altLang="en-US"/>
+              <a:t>单击此处编辑母版文本样式</a:t>
+            </a:r>
+            <a:endParaRPr lang="zh-CN" altLang="en-US"/>
+          </a:p>
+          <a:p>
+            <a:pPr lvl="1"/>
+            <a:r>
+              <a:rPr lang="zh-CN" altLang="en-US"/>
+              <a:t>二级</a:t>
+            </a:r>
+            <a:endParaRPr lang="zh-CN" altLang="en-US"/>
+          </a:p>
+          <a:p>
+            <a:pPr lvl="2"/>
+            <a:r>
+              <a:rPr lang="zh-CN" altLang="en-US"/>
+              <a:t>三级</a:t>
+            </a:r>
+            <a:endParaRPr lang="zh-CN" altLang="en-US"/>
+          </a:p>
+          <a:p>
+            <a:pPr lvl="3"/>
+            <a:r>
+              <a:rPr lang="zh-CN" altLang="en-US"/>
+              <a:t>四级</a:t>
+            </a:r>
+            <a:endParaRPr lang="zh-CN" altLang="en-US"/>
+          </a:p>
+          <a:p>
+            <a:pPr lvl="4"/>
+            <a:r>
+              <a:rPr lang="zh-CN" altLang="en-US"/>
+              <a:t>五级</a:t>
+            </a:r>
+            <a:endParaRPr lang="zh-CN" altLang="en-US"/>
+          </a:p>
+        </p:txBody>
+      </p:sp>
+      <p:sp>
+        <p:nvSpPr>
+          <p:cNvPr id="4" name="日期占位符 3"/>
+          <p:cNvSpPr>
+            <a:spLocks noGrp="1"/>
+          </p:cNvSpPr>
+          <p:nvPr>
+            <p:ph type="dt" sz="half" idx="2"/>
+          </p:nvPr>
+        </p:nvSpPr>
+        <p:spPr>
+          <a:xfrm>
+            <a:off x="838200" y="6356350"/>
+            <a:ext cx="2743200" cy="365125"/>
+          </a:xfrm>
+          <a:prstGeom prst="rect">
+            <a:avLst/>
+          </a:prstGeom>
+        </p:spPr>
+        <p:txBody>
+          <a:bodyPr vert="horz" lIns="91440" tIns="45720" rIns="91440" bIns="45720" rtlCol="0" anchor="ctr"/>
+          <a:lstStyle>
+            <a:lvl1pPr algn="l">
+              <a:defRPr sz="1200">
+                <a:solidFill>
+                  <a:schemeClr val="tx1">
+                    <a:tint val="75000"/>
+                  </a:schemeClr>
+                </a:solidFill>
+              </a:defRPr>
+            </a:lvl1pPr>
+          </a:lstStyle>
+          <a:p>
+            <a:fld id="{CAD19A8C-0F1E-4ACF-B569-36D45F7D9616}" type="datetimeFigureOut">
+              <a:rPr lang="zh-CN" altLang="en-US" smtClean="0"/>
+            </a:fld>
+            <a:endParaRPr lang="zh-CN" altLang="en-US"/>
+          </a:p>
+        </p:txBody>
+      </p:sp>
+      <p:sp>
+        <p:nvSpPr>
+          <p:cNvPr id="5" name="页脚占位符 4"/>
+          <p:cNvSpPr>
+            <a:spLocks noGrp="1"/>
+          </p:cNvSpPr>
+          <p:nvPr>
+            <p:ph type="ftr" sz="quarter" idx="3"/>
+          </p:nvPr>
+        </p:nvSpPr>
+        <p:spPr>
+          <a:xfrm>
+            <a:off x="4038600" y="6356350"/>
+            <a:ext cx="4114800" cy="365125"/>
+          </a:xfrm>
+          <a:prstGeom prst="rect">
+            <a:avLst/>
+          </a:prstGeom>
+        </p:spPr>
+        <p:txBody>
+          <a:bodyPr vert="horz" lIns="91440" tIns="45720" rIns="91440" bIns="45720" rtlCol="0" anchor="ctr"/>
+          <a:lstStyle>
+            <a:lvl1pPr algn="ctr">
+              <a:defRPr sz="1200">
+                <a:solidFill>
+                  <a:schemeClr val="tx1">
+                    <a:tint val="75000"/>
+                  </a:schemeClr>
+                </a:solidFill>
+              </a:defRPr>
+            </a:lvl1pPr>
+          </a:lstStyle>
+          <a:p>
+            <a:endParaRPr lang="zh-CN" altLang="en-US"/>
+          </a:p>
+        </p:txBody>
+      </p:sp>
+      <p:sp>
+        <p:nvSpPr>
+          <p:cNvPr id="6" name="灯片编号占位符 5"/>
+          <p:cNvSpPr>
+            <a:spLocks noGrp="1"/>
+          </p:cNvSpPr>
+          <p:nvPr>
+            <p:ph type="sldNum" sz="quarter" idx="4"/>
+          </p:nvPr>
+        </p:nvSpPr>
+        <p:spPr>
+          <a:xfrm>
+            <a:off x="8610600" y="6356350"/>
+            <a:ext cx="2743200" cy="365125"/>
+          </a:xfrm>
+          <a:prstGeom prst="rect">
+            <a:avLst/>
+          </a:prstGeom>
+        </p:spPr>
+        <p:txBody>
+          <a:bodyPr vert="horz" lIns="91440" tIns="45720" rIns="91440" bIns="45720" rtlCol="0" anchor="ctr"/>
+          <a:lstStyle>
+            <a:lvl1pPr algn="r">
+              <a:defRPr sz="1200">
+                <a:solidFill>
+                  <a:schemeClr val="tx1">
+                    <a:tint val="75000"/>
+                  </a:schemeClr>
+                </a:solidFill>
+              </a:defRPr>
+            </a:lvl1pPr>
+          </a:lstStyle>
+          <a:p>
+            <a:fld id="{DB0D736F-E149-47EA-BA4B-81F4DB81E2B5}" type="slidenum">
+              <a:rPr lang="zh-CN" altLang="en-US" smtClean="0"/>
+            </a:fld>
+            <a:endParaRPr lang="zh-CN" altLang="en-US"/>
+          </a:p>
+        </p:txBody>
+      </p:sp>
+    </p:spTree>
+  </p:cSld>
+  <p:clrMap bg1="lt1" tx1="dk1" bg2="lt2" tx2="dk2" accent1="accent1" accent2="accent2" accent3="accent3" accent4="accent4" accent5="accent5" accent6="accent6" hlink="hlink" folHlink="folHlink"/>
+  <p:sldLayoutIdLst>
+    <p:sldLayoutId id="2147483662" r:id="rId1"/>
+    <p:sldLayoutId id="2147483663" r:id="rId2"/>
+    <p:sldLayoutId id="2147483664" r:id="rId3"/>
+    <p:sldLayoutId id="2147483665" r:id="rId4"/>
+    <p:sldLayoutId id="2147483666" r:id="rId5"/>
+    <p:sldLayoutId id="2147483667" r:id="rId6"/>
+    <p:sldLayoutId id="2147483668" r:id="rId7"/>
+    <p:sldLayoutId id="2147483669" r:id="rId8"/>
+    <p:sldLayoutId id="2147483670" r:id="rId9"/>
+    <p:sldLayoutId id="2147483671" r:id="rId10"/>
+    <p:sldLayoutId id="2147483672" r:id="rId11"/>
+    <p:sldLayoutId id="2147483673" r:id="rId12"/>
   </p:sldLayoutIdLst>
   <p:txStyles>
     <p:titleStyle>
@@ -4257,13 +7023,7 @@
       </p:grpSpPr>
       <p:sp>
         <p:nvSpPr>
-          <p:cNvPr id="4" name="矩形 12">
-            <a:extLst>
-              <a:ext uri="{FF2B5EF4-FFF2-40B4-BE49-F238E27FC236}">
-                <a16:creationId xmlns:a16="http://schemas.microsoft.com/office/drawing/2014/main" id="{F6BF20CA-7F00-436B-BCF9-2855E5BD74A3}"/>
-              </a:ext>
-            </a:extLst>
-          </p:cNvPr>
+          <p:cNvPr id="4" name="矩形 12"/>
           <p:cNvSpPr>
             <a:spLocks noChangeArrowheads="1"/>
           </p:cNvSpPr>
@@ -4337,18 +7097,21 @@
               </a:rPr>
               <a:t>大气污染研究意义</a:t>
             </a:r>
-          </a:p>
-        </p:txBody>
-      </p:sp>
-      <p:sp>
-        <p:nvSpPr>
-          <p:cNvPr id="3" name="标题 2">
-            <a:extLst>
-              <a:ext uri="{FF2B5EF4-FFF2-40B4-BE49-F238E27FC236}">
-                <a16:creationId xmlns:a16="http://schemas.microsoft.com/office/drawing/2014/main" id="{23511F03-0FA2-491A-BB93-1916D1A435B2}"/>
-              </a:ext>
-            </a:extLst>
-          </p:cNvPr>
+            <a:endParaRPr lang="zh-CN" altLang="en-US" sz="3200" b="1" dirty="0">
+              <a:solidFill>
+                <a:schemeClr val="bg1"/>
+              </a:solidFill>
+              <a:latin typeface="Arial" panose="020B0604020202020204" pitchFamily="34" charset="0"/>
+              <a:ea typeface="微软雅黑" panose="020B0503020204020204" pitchFamily="34" charset="-122"/>
+              <a:cs typeface="+mn-ea"/>
+              <a:sym typeface="Arial" panose="020B0604020202020204" pitchFamily="34" charset="0"/>
+            </a:endParaRPr>
+          </a:p>
+        </p:txBody>
+      </p:sp>
+      <p:sp>
+        <p:nvSpPr>
+          <p:cNvPr id="3" name="标题 2"/>
           <p:cNvSpPr>
             <a:spLocks noGrp="1"/>
           </p:cNvSpPr>
@@ -4384,13 +7147,7 @@
       </p:sp>
       <p:sp>
         <p:nvSpPr>
-          <p:cNvPr id="7" name="灯片编号占位符 6">
-            <a:extLst>
-              <a:ext uri="{FF2B5EF4-FFF2-40B4-BE49-F238E27FC236}">
-                <a16:creationId xmlns:a16="http://schemas.microsoft.com/office/drawing/2014/main" id="{E5A1D114-3409-4CE9-83C9-021FA211102E}"/>
-              </a:ext>
-            </a:extLst>
-          </p:cNvPr>
+          <p:cNvPr id="7" name="灯片编号占位符 6"/>
           <p:cNvSpPr>
             <a:spLocks noGrp="1"/>
           </p:cNvSpPr>
@@ -4411,10 +7168,6 @@
                 <a:latin typeface="Arial" panose="020B0604020202020204" pitchFamily="34" charset="0"/>
                 <a:sym typeface="Arial" panose="020B0604020202020204" pitchFamily="34" charset="0"/>
               </a:rPr>
-              <a:pPr>
-                <a:defRPr/>
-              </a:pPr>
-              <a:t>1</a:t>
             </a:fld>
             <a:endParaRPr lang="zh-CN" altLang="en-US" dirty="0">
               <a:latin typeface="Arial" panose="020B0604020202020204" pitchFamily="34" charset="0"/>
@@ -4425,16 +7178,8 @@
       </p:sp>
       <p:cxnSp>
         <p:nvCxnSpPr>
-          <p:cNvPr id="8" name="直接连接符 7">
-            <a:extLst>
-              <a:ext uri="{FF2B5EF4-FFF2-40B4-BE49-F238E27FC236}">
-                <a16:creationId xmlns:a16="http://schemas.microsoft.com/office/drawing/2014/main" id="{7DA522CE-2F4E-4377-944A-0BFC6047D076}"/>
-              </a:ext>
-            </a:extLst>
-          </p:cNvPr>
-          <p:cNvCxnSpPr>
-            <a:cxnSpLocks/>
-          </p:cNvCxnSpPr>
+          <p:cNvPr id="8" name="直接连接符 7"/>
+          <p:cNvCxnSpPr/>
           <p:nvPr/>
         </p:nvCxnSpPr>
         <p:spPr>
@@ -4488,16 +7233,8 @@
       </p:cxnSp>
       <p:sp>
         <p:nvSpPr>
-          <p:cNvPr id="14" name="标题 2">
-            <a:extLst>
-              <a:ext uri="{FF2B5EF4-FFF2-40B4-BE49-F238E27FC236}">
-                <a16:creationId xmlns:a16="http://schemas.microsoft.com/office/drawing/2014/main" id="{46BAD5E0-9AEA-45A2-B55A-4784C526B8B8}"/>
-              </a:ext>
-            </a:extLst>
-          </p:cNvPr>
-          <p:cNvSpPr txBox="1">
-            <a:spLocks/>
-          </p:cNvSpPr>
+          <p:cNvPr id="14" name="标题 2"/>
+          <p:cNvSpPr txBox="1"/>
           <p:nvPr/>
         </p:nvSpPr>
         <p:spPr>
@@ -4527,7 +7264,7 @@
                   <a:srgbClr val="002060"/>
                 </a:solidFill>
                 <a:latin typeface="微软雅黑" panose="020B0503020204020204" pitchFamily="34" charset="-122"/>
-                <a:ea typeface="微软雅黑" pitchFamily="34" charset="-122"/>
+                <a:ea typeface="微软雅黑" panose="020B0503020204020204" pitchFamily="34" charset="-122"/>
                 <a:cs typeface="+mn-cs"/>
               </a:defRPr>
             </a:lvl1pPr>
@@ -4557,6 +7294,13 @@
               </a:rPr>
               <a:t>Value</a:t>
             </a:r>
+            <a:endParaRPr lang="en-US" altLang="zh-CN" sz="2000" dirty="0">
+              <a:solidFill>
+                <a:srgbClr val="FF0000"/>
+              </a:solidFill>
+              <a:latin typeface="Arial" panose="020B0604020202020204" pitchFamily="34" charset="0"/>
+              <a:sym typeface="Arial" panose="020B0604020202020204" pitchFamily="34" charset="0"/>
+            </a:endParaRPr>
           </a:p>
           <a:p>
             <a:r>
@@ -4770,6 +7514,10 @@
               </a:rPr>
               <a:t>  </a:t>
             </a:r>
+            <a:endParaRPr lang="en-US" altLang="zh-CN" sz="2000" dirty="0">
+              <a:latin typeface="Arial" panose="020B0604020202020204" pitchFamily="34" charset="0"/>
+              <a:sym typeface="Arial" panose="020B0604020202020204" pitchFamily="34" charset="0"/>
+            </a:endParaRPr>
           </a:p>
           <a:p>
             <a:endParaRPr lang="en-US" altLang="zh-CN" sz="2000" dirty="0">
@@ -4790,13 +7538,7 @@
       </p:sp>
       <p:grpSp>
         <p:nvGrpSpPr>
-          <p:cNvPr id="46" name="组合 45">
-            <a:extLst>
-              <a:ext uri="{FF2B5EF4-FFF2-40B4-BE49-F238E27FC236}">
-                <a16:creationId xmlns:a16="http://schemas.microsoft.com/office/drawing/2014/main" id="{8F6051A6-4069-430C-A4C9-8830433B7CC3}"/>
-              </a:ext>
-            </a:extLst>
-          </p:cNvPr>
+          <p:cNvPr id="46" name="组合 45"/>
           <p:cNvGrpSpPr/>
           <p:nvPr/>
         </p:nvGrpSpPr>
@@ -4810,13 +7552,7 @@
         </p:grpSpPr>
         <p:sp>
           <p:nvSpPr>
-            <p:cNvPr id="15" name="矩形 14">
-              <a:extLst>
-                <a:ext uri="{FF2B5EF4-FFF2-40B4-BE49-F238E27FC236}">
-                  <a16:creationId xmlns:a16="http://schemas.microsoft.com/office/drawing/2014/main" id="{8670D6E3-D542-423D-A702-199D62233B62}"/>
-                </a:ext>
-              </a:extLst>
-            </p:cNvPr>
+            <p:cNvPr id="15" name="矩形 14"/>
             <p:cNvSpPr/>
             <p:nvPr/>
           </p:nvSpPr>
@@ -4873,16 +7609,8 @@
         </p:sp>
         <p:cxnSp>
           <p:nvCxnSpPr>
-            <p:cNvPr id="17" name="直接连接符 16">
-              <a:extLst>
-                <a:ext uri="{FF2B5EF4-FFF2-40B4-BE49-F238E27FC236}">
-                  <a16:creationId xmlns:a16="http://schemas.microsoft.com/office/drawing/2014/main" id="{9B5D8000-7383-4190-BC34-210D4E9F186F}"/>
-                </a:ext>
-              </a:extLst>
-            </p:cNvPr>
-            <p:cNvCxnSpPr>
-              <a:cxnSpLocks/>
-            </p:cNvCxnSpPr>
+            <p:cNvPr id="17" name="直接连接符 16"/>
+            <p:cNvCxnSpPr/>
             <p:nvPr/>
           </p:nvCxnSpPr>
           <p:spPr>
@@ -4917,16 +7645,8 @@
         </p:cxnSp>
         <p:sp>
           <p:nvSpPr>
-            <p:cNvPr id="23" name="标题 2">
-              <a:extLst>
-                <a:ext uri="{FF2B5EF4-FFF2-40B4-BE49-F238E27FC236}">
-                  <a16:creationId xmlns:a16="http://schemas.microsoft.com/office/drawing/2014/main" id="{93EAF1F0-9F44-48C3-956E-C40F2EC97167}"/>
-                </a:ext>
-              </a:extLst>
-            </p:cNvPr>
-            <p:cNvSpPr txBox="1">
-              <a:spLocks/>
-            </p:cNvSpPr>
+            <p:cNvPr id="23" name="标题 2"/>
+            <p:cNvSpPr txBox="1"/>
             <p:nvPr/>
           </p:nvSpPr>
           <p:spPr>
@@ -4956,7 +7676,7 @@
                     <a:srgbClr val="002060"/>
                   </a:solidFill>
                   <a:latin typeface="微软雅黑" panose="020B0503020204020204" pitchFamily="34" charset="-122"/>
-                  <a:ea typeface="微软雅黑" pitchFamily="34" charset="-122"/>
+                  <a:ea typeface="微软雅黑" panose="020B0503020204020204" pitchFamily="34" charset="-122"/>
                   <a:cs typeface="+mn-cs"/>
                 </a:defRPr>
               </a:lvl1pPr>
@@ -4972,21 +7692,20 @@
                 </a:rPr>
                 <a:t>Value</a:t>
               </a:r>
+              <a:endParaRPr lang="en-US" altLang="zh-CN" sz="2000" dirty="0">
+                <a:solidFill>
+                  <a:srgbClr val="FF0000"/>
+                </a:solidFill>
+                <a:latin typeface="Arial" panose="020B0604020202020204" pitchFamily="34" charset="0"/>
+                <a:sym typeface="Arial" panose="020B0604020202020204" pitchFamily="34" charset="0"/>
+              </a:endParaRPr>
             </a:p>
           </p:txBody>
         </p:sp>
         <p:cxnSp>
           <p:nvCxnSpPr>
-            <p:cNvPr id="24" name="直接连接符 23">
-              <a:extLst>
-                <a:ext uri="{FF2B5EF4-FFF2-40B4-BE49-F238E27FC236}">
-                  <a16:creationId xmlns:a16="http://schemas.microsoft.com/office/drawing/2014/main" id="{61CDF4A0-96DF-4E3D-993A-564497B1AD71}"/>
-                </a:ext>
-              </a:extLst>
-            </p:cNvPr>
-            <p:cNvCxnSpPr>
-              <a:cxnSpLocks/>
-            </p:cNvCxnSpPr>
+            <p:cNvPr id="24" name="直接连接符 23"/>
+            <p:cNvCxnSpPr/>
             <p:nvPr/>
           </p:nvCxnSpPr>
           <p:spPr>
@@ -5023,16 +7742,8 @@
         </p:cxnSp>
         <p:sp>
           <p:nvSpPr>
-            <p:cNvPr id="26" name="标题 2">
-              <a:extLst>
-                <a:ext uri="{FF2B5EF4-FFF2-40B4-BE49-F238E27FC236}">
-                  <a16:creationId xmlns:a16="http://schemas.microsoft.com/office/drawing/2014/main" id="{63451D5A-9908-4857-B63C-BBFD0C95E806}"/>
-                </a:ext>
-              </a:extLst>
-            </p:cNvPr>
-            <p:cNvSpPr txBox="1">
-              <a:spLocks/>
-            </p:cNvSpPr>
+            <p:cNvPr id="26" name="标题 2"/>
+            <p:cNvSpPr txBox="1"/>
             <p:nvPr/>
           </p:nvSpPr>
           <p:spPr>
@@ -5062,7 +7773,7 @@
                     <a:srgbClr val="002060"/>
                   </a:solidFill>
                   <a:latin typeface="微软雅黑" panose="020B0503020204020204" pitchFamily="34" charset="-122"/>
-                  <a:ea typeface="微软雅黑" pitchFamily="34" charset="-122"/>
+                  <a:ea typeface="微软雅黑" panose="020B0503020204020204" pitchFamily="34" charset="-122"/>
                   <a:cs typeface="+mn-cs"/>
                 </a:defRPr>
               </a:lvl1pPr>
@@ -5075,21 +7786,17 @@
                 </a:rPr>
                 <a:t>data</a:t>
               </a:r>
+              <a:endParaRPr lang="en-US" altLang="zh-CN" sz="2000" dirty="0">
+                <a:latin typeface="Arial" panose="020B0604020202020204" pitchFamily="34" charset="0"/>
+                <a:sym typeface="Arial" panose="020B0604020202020204" pitchFamily="34" charset="0"/>
+              </a:endParaRPr>
             </a:p>
           </p:txBody>
         </p:sp>
         <p:cxnSp>
           <p:nvCxnSpPr>
-            <p:cNvPr id="27" name="直接连接符 26">
-              <a:extLst>
-                <a:ext uri="{FF2B5EF4-FFF2-40B4-BE49-F238E27FC236}">
-                  <a16:creationId xmlns:a16="http://schemas.microsoft.com/office/drawing/2014/main" id="{CDE4BCF7-C2BE-4709-81E9-CCBF0ECC7A70}"/>
-                </a:ext>
-              </a:extLst>
-            </p:cNvPr>
-            <p:cNvCxnSpPr>
-              <a:cxnSpLocks/>
-            </p:cNvCxnSpPr>
+            <p:cNvPr id="27" name="直接连接符 26"/>
+            <p:cNvCxnSpPr/>
             <p:nvPr/>
           </p:nvCxnSpPr>
           <p:spPr>
@@ -5126,16 +7833,8 @@
         </p:cxnSp>
         <p:sp>
           <p:nvSpPr>
-            <p:cNvPr id="31" name="标题 2">
-              <a:extLst>
-                <a:ext uri="{FF2B5EF4-FFF2-40B4-BE49-F238E27FC236}">
-                  <a16:creationId xmlns:a16="http://schemas.microsoft.com/office/drawing/2014/main" id="{51F48ACC-9F6B-4A47-BD00-7DEF7700551F}"/>
-                </a:ext>
-              </a:extLst>
-            </p:cNvPr>
-            <p:cNvSpPr txBox="1">
-              <a:spLocks/>
-            </p:cNvSpPr>
+            <p:cNvPr id="31" name="标题 2"/>
+            <p:cNvSpPr txBox="1"/>
             <p:nvPr/>
           </p:nvSpPr>
           <p:spPr>
@@ -5165,7 +7864,7 @@
                     <a:srgbClr val="002060"/>
                   </a:solidFill>
                   <a:latin typeface="微软雅黑" panose="020B0503020204020204" pitchFamily="34" charset="-122"/>
-                  <a:ea typeface="微软雅黑" pitchFamily="34" charset="-122"/>
+                  <a:ea typeface="微软雅黑" panose="020B0503020204020204" pitchFamily="34" charset="-122"/>
                   <a:cs typeface="+mn-cs"/>
                 </a:defRPr>
               </a:lvl1pPr>
@@ -5178,21 +7877,17 @@
                 </a:rPr>
                 <a:t>_children</a:t>
               </a:r>
+              <a:endParaRPr lang="en-US" altLang="zh-CN" sz="2000" dirty="0">
+                <a:latin typeface="Arial" panose="020B0604020202020204" pitchFamily="34" charset="0"/>
+                <a:sym typeface="Arial" panose="020B0604020202020204" pitchFamily="34" charset="0"/>
+              </a:endParaRPr>
             </a:p>
           </p:txBody>
         </p:sp>
         <p:cxnSp>
           <p:nvCxnSpPr>
-            <p:cNvPr id="32" name="直接连接符 31">
-              <a:extLst>
-                <a:ext uri="{FF2B5EF4-FFF2-40B4-BE49-F238E27FC236}">
-                  <a16:creationId xmlns:a16="http://schemas.microsoft.com/office/drawing/2014/main" id="{03D68263-0D78-4212-BF72-5CAE5FCA2EEE}"/>
-                </a:ext>
-              </a:extLst>
-            </p:cNvPr>
-            <p:cNvCxnSpPr>
-              <a:cxnSpLocks/>
-            </p:cNvCxnSpPr>
+            <p:cNvPr id="32" name="直接连接符 31"/>
+            <p:cNvCxnSpPr/>
             <p:nvPr/>
           </p:nvCxnSpPr>
           <p:spPr>
@@ -5229,16 +7924,8 @@
         </p:cxnSp>
         <p:sp>
           <p:nvSpPr>
-            <p:cNvPr id="33" name="标题 2">
-              <a:extLst>
-                <a:ext uri="{FF2B5EF4-FFF2-40B4-BE49-F238E27FC236}">
-                  <a16:creationId xmlns:a16="http://schemas.microsoft.com/office/drawing/2014/main" id="{12ABDA8E-24AD-4952-9F0A-F605C5B9690A}"/>
-                </a:ext>
-              </a:extLst>
-            </p:cNvPr>
-            <p:cNvSpPr txBox="1">
-              <a:spLocks/>
-            </p:cNvSpPr>
+            <p:cNvPr id="33" name="标题 2"/>
+            <p:cNvSpPr txBox="1"/>
             <p:nvPr/>
           </p:nvSpPr>
           <p:spPr>
@@ -5268,7 +7955,7 @@
                     <a:srgbClr val="002060"/>
                   </a:solidFill>
                   <a:latin typeface="微软雅黑" panose="020B0503020204020204" pitchFamily="34" charset="-122"/>
-                  <a:ea typeface="微软雅黑" pitchFamily="34" charset="-122"/>
+                  <a:ea typeface="微软雅黑" panose="020B0503020204020204" pitchFamily="34" charset="-122"/>
                   <a:cs typeface="+mn-cs"/>
                 </a:defRPr>
               </a:lvl1pPr>
@@ -5281,21 +7968,17 @@
                 </a:rPr>
                 <a:t>_op</a:t>
               </a:r>
+              <a:endParaRPr lang="en-US" altLang="zh-CN" sz="2000" dirty="0">
+                <a:latin typeface="Arial" panose="020B0604020202020204" pitchFamily="34" charset="0"/>
+                <a:sym typeface="Arial" panose="020B0604020202020204" pitchFamily="34" charset="0"/>
+              </a:endParaRPr>
             </a:p>
           </p:txBody>
         </p:sp>
         <p:cxnSp>
           <p:nvCxnSpPr>
-            <p:cNvPr id="34" name="直接连接符 33">
-              <a:extLst>
-                <a:ext uri="{FF2B5EF4-FFF2-40B4-BE49-F238E27FC236}">
-                  <a16:creationId xmlns:a16="http://schemas.microsoft.com/office/drawing/2014/main" id="{46F51189-4BF2-40BB-90A5-4E21DDE83179}"/>
-                </a:ext>
-              </a:extLst>
-            </p:cNvPr>
-            <p:cNvCxnSpPr>
-              <a:cxnSpLocks/>
-            </p:cNvCxnSpPr>
+            <p:cNvPr id="34" name="直接连接符 33"/>
+            <p:cNvCxnSpPr/>
             <p:nvPr/>
           </p:nvCxnSpPr>
           <p:spPr>
@@ -5332,16 +8015,8 @@
         </p:cxnSp>
         <p:sp>
           <p:nvSpPr>
-            <p:cNvPr id="35" name="标题 2">
-              <a:extLst>
-                <a:ext uri="{FF2B5EF4-FFF2-40B4-BE49-F238E27FC236}">
-                  <a16:creationId xmlns:a16="http://schemas.microsoft.com/office/drawing/2014/main" id="{5363F3CD-A7DE-4F73-8731-1E37BBBDE54E}"/>
-                </a:ext>
-              </a:extLst>
-            </p:cNvPr>
-            <p:cNvSpPr txBox="1">
-              <a:spLocks/>
-            </p:cNvSpPr>
+            <p:cNvPr id="35" name="标题 2"/>
+            <p:cNvSpPr txBox="1"/>
             <p:nvPr/>
           </p:nvSpPr>
           <p:spPr>
@@ -5371,7 +8046,7 @@
                     <a:srgbClr val="002060"/>
                   </a:solidFill>
                   <a:latin typeface="微软雅黑" panose="020B0503020204020204" pitchFamily="34" charset="-122"/>
-                  <a:ea typeface="微软雅黑" pitchFamily="34" charset="-122"/>
+                  <a:ea typeface="微软雅黑" panose="020B0503020204020204" pitchFamily="34" charset="-122"/>
                   <a:cs typeface="+mn-cs"/>
                 </a:defRPr>
               </a:lvl1pPr>
@@ -5384,21 +8059,17 @@
                 </a:rPr>
                 <a:t>label</a:t>
               </a:r>
+              <a:endParaRPr lang="en-US" altLang="zh-CN" sz="2000" dirty="0">
+                <a:latin typeface="Arial" panose="020B0604020202020204" pitchFamily="34" charset="0"/>
+                <a:sym typeface="Arial" panose="020B0604020202020204" pitchFamily="34" charset="0"/>
+              </a:endParaRPr>
             </a:p>
           </p:txBody>
         </p:sp>
         <p:cxnSp>
           <p:nvCxnSpPr>
-            <p:cNvPr id="36" name="直接连接符 35">
-              <a:extLst>
-                <a:ext uri="{FF2B5EF4-FFF2-40B4-BE49-F238E27FC236}">
-                  <a16:creationId xmlns:a16="http://schemas.microsoft.com/office/drawing/2014/main" id="{77A5AB11-B9CC-4496-93B3-16992108DB55}"/>
-                </a:ext>
-              </a:extLst>
-            </p:cNvPr>
-            <p:cNvCxnSpPr>
-              <a:cxnSpLocks/>
-            </p:cNvCxnSpPr>
+            <p:cNvPr id="36" name="直接连接符 35"/>
+            <p:cNvCxnSpPr/>
             <p:nvPr/>
           </p:nvCxnSpPr>
           <p:spPr>
@@ -5435,16 +8106,8 @@
         </p:cxnSp>
         <p:sp>
           <p:nvSpPr>
-            <p:cNvPr id="47" name="标题 2">
-              <a:extLst>
-                <a:ext uri="{FF2B5EF4-FFF2-40B4-BE49-F238E27FC236}">
-                  <a16:creationId xmlns:a16="http://schemas.microsoft.com/office/drawing/2014/main" id="{9A3FC8C6-7D58-47F2-B2CB-B8545FF41A32}"/>
-                </a:ext>
-              </a:extLst>
-            </p:cNvPr>
-            <p:cNvSpPr txBox="1">
-              <a:spLocks/>
-            </p:cNvSpPr>
+            <p:cNvPr id="47" name="标题 2"/>
+            <p:cNvSpPr txBox="1"/>
             <p:nvPr/>
           </p:nvSpPr>
           <p:spPr>
@@ -5474,7 +8137,7 @@
                     <a:srgbClr val="002060"/>
                   </a:solidFill>
                   <a:latin typeface="微软雅黑" panose="020B0503020204020204" pitchFamily="34" charset="-122"/>
-                  <a:ea typeface="微软雅黑" pitchFamily="34" charset="-122"/>
+                  <a:ea typeface="微软雅黑" panose="020B0503020204020204" pitchFamily="34" charset="-122"/>
                   <a:cs typeface="+mn-cs"/>
                 </a:defRPr>
               </a:lvl1pPr>
@@ -5487,21 +8150,17 @@
                 </a:rPr>
                 <a:t>Operator Overloding</a:t>
               </a:r>
+              <a:endParaRPr lang="en-US" altLang="zh-CN" sz="2000" dirty="0">
+                <a:latin typeface="Arial" panose="020B0604020202020204" pitchFamily="34" charset="0"/>
+                <a:sym typeface="Arial" panose="020B0604020202020204" pitchFamily="34" charset="0"/>
+              </a:endParaRPr>
             </a:p>
           </p:txBody>
         </p:sp>
         <p:sp>
           <p:nvSpPr>
-            <p:cNvPr id="48" name="标题 2">
-              <a:extLst>
-                <a:ext uri="{FF2B5EF4-FFF2-40B4-BE49-F238E27FC236}">
-                  <a16:creationId xmlns:a16="http://schemas.microsoft.com/office/drawing/2014/main" id="{18C43E6E-E581-42A3-A08A-D4123259F5BC}"/>
-                </a:ext>
-              </a:extLst>
-            </p:cNvPr>
-            <p:cNvSpPr txBox="1">
-              <a:spLocks/>
-            </p:cNvSpPr>
+            <p:cNvPr id="48" name="标题 2"/>
+            <p:cNvSpPr txBox="1"/>
             <p:nvPr/>
           </p:nvSpPr>
           <p:spPr>
@@ -5531,7 +8190,7 @@
                     <a:srgbClr val="002060"/>
                   </a:solidFill>
                   <a:latin typeface="微软雅黑" panose="020B0503020204020204" pitchFamily="34" charset="-122"/>
-                  <a:ea typeface="微软雅黑" pitchFamily="34" charset="-122"/>
+                  <a:ea typeface="微软雅黑" panose="020B0503020204020204" pitchFamily="34" charset="-122"/>
                   <a:cs typeface="+mn-cs"/>
                 </a:defRPr>
               </a:lvl1pPr>
@@ -5544,22 +8203,18 @@
                 </a:rPr>
                 <a:t>Backward</a:t>
               </a:r>
+              <a:endParaRPr lang="en-US" altLang="zh-CN" sz="2000" dirty="0">
+                <a:latin typeface="Arial" panose="020B0604020202020204" pitchFamily="34" charset="0"/>
+                <a:sym typeface="Arial" panose="020B0604020202020204" pitchFamily="34" charset="0"/>
+              </a:endParaRPr>
             </a:p>
           </p:txBody>
         </p:sp>
       </p:grpSp>
       <p:sp>
         <p:nvSpPr>
-          <p:cNvPr id="50" name="标题 2">
-            <a:extLst>
-              <a:ext uri="{FF2B5EF4-FFF2-40B4-BE49-F238E27FC236}">
-                <a16:creationId xmlns:a16="http://schemas.microsoft.com/office/drawing/2014/main" id="{DB256F93-DE4C-42FB-A6DC-9B1015E4BCA3}"/>
-              </a:ext>
-            </a:extLst>
-          </p:cNvPr>
-          <p:cNvSpPr txBox="1">
-            <a:spLocks/>
-          </p:cNvSpPr>
+          <p:cNvPr id="50" name="标题 2"/>
+          <p:cNvSpPr txBox="1"/>
           <p:nvPr/>
         </p:nvSpPr>
         <p:spPr>
@@ -5589,7 +8244,7 @@
                   <a:srgbClr val="002060"/>
                 </a:solidFill>
                 <a:latin typeface="微软雅黑" panose="020B0503020204020204" pitchFamily="34" charset="-122"/>
-                <a:ea typeface="微软雅黑" pitchFamily="34" charset="-122"/>
+                <a:ea typeface="微软雅黑" panose="020B0503020204020204" pitchFamily="34" charset="-122"/>
                 <a:cs typeface="+mn-cs"/>
               </a:defRPr>
             </a:lvl1pPr>
@@ -5629,18 +8284,19 @@
               </a:rPr>
               <a:t>Value</a:t>
             </a:r>
-          </a:p>
-        </p:txBody>
-      </p:sp>
-      <p:sp>
-        <p:nvSpPr>
-          <p:cNvPr id="52" name="文本框 51">
-            <a:extLst>
-              <a:ext uri="{FF2B5EF4-FFF2-40B4-BE49-F238E27FC236}">
-                <a16:creationId xmlns:a16="http://schemas.microsoft.com/office/drawing/2014/main" id="{E9F046E7-CCC0-48A9-A018-5FBBEF9AB6D0}"/>
-              </a:ext>
-            </a:extLst>
-          </p:cNvPr>
+            <a:endParaRPr lang="en-US" altLang="zh-CN" sz="2000" dirty="0">
+              <a:solidFill>
+                <a:srgbClr val="FF0000"/>
+              </a:solidFill>
+              <a:latin typeface="Arial" panose="020B0604020202020204" pitchFamily="34" charset="0"/>
+              <a:sym typeface="Arial" panose="020B0604020202020204" pitchFamily="34" charset="0"/>
+            </a:endParaRPr>
+          </a:p>
+        </p:txBody>
+      </p:sp>
+      <p:sp>
+        <p:nvSpPr>
+          <p:cNvPr id="52" name="文本框 51"/>
           <p:cNvSpPr txBox="1"/>
           <p:nvPr/>
         </p:nvSpPr>
@@ -5662,49 +8318,49 @@
           <a:p>
             <a:r>
               <a:rPr lang="en-US" altLang="zh-CN" dirty="0" err="1">
-                <a:hlinkClick r:id="rId3"/>
+                <a:hlinkClick r:id="rId1"/>
               </a:rPr>
               <a:t>karpathy</a:t>
             </a:r>
             <a:r>
               <a:rPr lang="en-US" altLang="zh-CN" dirty="0">
-                <a:hlinkClick r:id="rId3"/>
+                <a:hlinkClick r:id="rId1"/>
               </a:rPr>
               <a:t>/</a:t>
             </a:r>
             <a:r>
               <a:rPr lang="en-US" altLang="zh-CN" dirty="0" err="1">
-                <a:hlinkClick r:id="rId3"/>
+                <a:hlinkClick r:id="rId1"/>
               </a:rPr>
               <a:t>micrograd</a:t>
             </a:r>
             <a:r>
               <a:rPr lang="en-US" altLang="zh-CN" dirty="0">
-                <a:hlinkClick r:id="rId3"/>
+                <a:hlinkClick r:id="rId1"/>
               </a:rPr>
               <a:t>: A tiny scalar-valued </a:t>
             </a:r>
             <a:r>
               <a:rPr lang="en-US" altLang="zh-CN" dirty="0" err="1">
-                <a:hlinkClick r:id="rId3"/>
+                <a:hlinkClick r:id="rId1"/>
               </a:rPr>
               <a:t>autograd</a:t>
             </a:r>
             <a:r>
               <a:rPr lang="en-US" altLang="zh-CN" dirty="0">
-                <a:hlinkClick r:id="rId3"/>
+                <a:hlinkClick r:id="rId1"/>
               </a:rPr>
               <a:t> engine and a neural net library on top of it with </a:t>
             </a:r>
             <a:r>
               <a:rPr lang="en-US" altLang="zh-CN" dirty="0" err="1">
-                <a:hlinkClick r:id="rId3"/>
+                <a:hlinkClick r:id="rId1"/>
               </a:rPr>
               <a:t>PyTorch</a:t>
             </a:r>
             <a:r>
               <a:rPr lang="en-US" altLang="zh-CN" dirty="0">
-                <a:hlinkClick r:id="rId3"/>
+                <a:hlinkClick r:id="rId1"/>
               </a:rPr>
               <a:t>-like API (github.com)</a:t>
             </a:r>
@@ -5713,11 +8369,6 @@
         </p:txBody>
       </p:sp>
     </p:spTree>
-    <p:extLst>
-      <p:ext uri="{BB962C8B-B14F-4D97-AF65-F5344CB8AC3E}">
-        <p14:creationId xmlns:p14="http://schemas.microsoft.com/office/powerpoint/2010/main" val="1098615088"/>
-      </p:ext>
-    </p:extLst>
   </p:cSld>
   <p:clrMapOvr>
     <a:masterClrMapping/>
@@ -5753,13 +8404,7 @@
       </p:grpSpPr>
       <p:sp>
         <p:nvSpPr>
-          <p:cNvPr id="4" name="矩形 12">
-            <a:extLst>
-              <a:ext uri="{FF2B5EF4-FFF2-40B4-BE49-F238E27FC236}">
-                <a16:creationId xmlns:a16="http://schemas.microsoft.com/office/drawing/2014/main" id="{F6BF20CA-7F00-436B-BCF9-2855E5BD74A3}"/>
-              </a:ext>
-            </a:extLst>
-          </p:cNvPr>
+          <p:cNvPr id="4" name="矩形 12"/>
           <p:cNvSpPr>
             <a:spLocks noChangeArrowheads="1"/>
           </p:cNvSpPr>
@@ -5833,18 +8478,21 @@
               </a:rPr>
               <a:t>大气污染研究意义</a:t>
             </a:r>
-          </a:p>
-        </p:txBody>
-      </p:sp>
-      <p:sp>
-        <p:nvSpPr>
-          <p:cNvPr id="3" name="标题 2">
-            <a:extLst>
-              <a:ext uri="{FF2B5EF4-FFF2-40B4-BE49-F238E27FC236}">
-                <a16:creationId xmlns:a16="http://schemas.microsoft.com/office/drawing/2014/main" id="{23511F03-0FA2-491A-BB93-1916D1A435B2}"/>
-              </a:ext>
-            </a:extLst>
-          </p:cNvPr>
+            <a:endParaRPr lang="zh-CN" altLang="en-US" sz="3200" b="1" dirty="0">
+              <a:solidFill>
+                <a:schemeClr val="bg1"/>
+              </a:solidFill>
+              <a:latin typeface="Arial" panose="020B0604020202020204" pitchFamily="34" charset="0"/>
+              <a:ea typeface="微软雅黑" panose="020B0503020204020204" pitchFamily="34" charset="-122"/>
+              <a:cs typeface="+mn-ea"/>
+              <a:sym typeface="Arial" panose="020B0604020202020204" pitchFamily="34" charset="0"/>
+            </a:endParaRPr>
+          </a:p>
+        </p:txBody>
+      </p:sp>
+      <p:sp>
+        <p:nvSpPr>
+          <p:cNvPr id="3" name="标题 2"/>
           <p:cNvSpPr>
             <a:spLocks noGrp="1"/>
           </p:cNvSpPr>
@@ -5873,13 +8521,7 @@
       </p:sp>
       <p:sp>
         <p:nvSpPr>
-          <p:cNvPr id="7" name="灯片编号占位符 6">
-            <a:extLst>
-              <a:ext uri="{FF2B5EF4-FFF2-40B4-BE49-F238E27FC236}">
-                <a16:creationId xmlns:a16="http://schemas.microsoft.com/office/drawing/2014/main" id="{E5A1D114-3409-4CE9-83C9-021FA211102E}"/>
-              </a:ext>
-            </a:extLst>
-          </p:cNvPr>
+          <p:cNvPr id="7" name="灯片编号占位符 6"/>
           <p:cNvSpPr>
             <a:spLocks noGrp="1"/>
           </p:cNvSpPr>
@@ -5900,10 +8542,6 @@
                 <a:latin typeface="Arial" panose="020B0604020202020204" pitchFamily="34" charset="0"/>
                 <a:sym typeface="Arial" panose="020B0604020202020204" pitchFamily="34" charset="0"/>
               </a:rPr>
-              <a:pPr>
-                <a:defRPr/>
-              </a:pPr>
-              <a:t>2</a:t>
             </a:fld>
             <a:endParaRPr lang="zh-CN" altLang="en-US" dirty="0">
               <a:latin typeface="Arial" panose="020B0604020202020204" pitchFamily="34" charset="0"/>
@@ -5914,16 +8552,8 @@
       </p:sp>
       <p:cxnSp>
         <p:nvCxnSpPr>
-          <p:cNvPr id="8" name="直接连接符 7">
-            <a:extLst>
-              <a:ext uri="{FF2B5EF4-FFF2-40B4-BE49-F238E27FC236}">
-                <a16:creationId xmlns:a16="http://schemas.microsoft.com/office/drawing/2014/main" id="{7DA522CE-2F4E-4377-944A-0BFC6047D076}"/>
-              </a:ext>
-            </a:extLst>
-          </p:cNvPr>
-          <p:cNvCxnSpPr>
-            <a:cxnSpLocks/>
-          </p:cNvCxnSpPr>
+          <p:cNvPr id="8" name="直接连接符 7"/>
+          <p:cNvCxnSpPr/>
           <p:nvPr/>
         </p:nvCxnSpPr>
         <p:spPr>
@@ -5977,16 +8607,8 @@
       </p:cxnSp>
       <p:sp>
         <p:nvSpPr>
-          <p:cNvPr id="6" name="标题 2">
-            <a:extLst>
-              <a:ext uri="{FF2B5EF4-FFF2-40B4-BE49-F238E27FC236}">
-                <a16:creationId xmlns:a16="http://schemas.microsoft.com/office/drawing/2014/main" id="{09993C9F-CEC6-4E4D-9B9C-77EB7EA7BD17}"/>
-              </a:ext>
-            </a:extLst>
-          </p:cNvPr>
-          <p:cNvSpPr txBox="1">
-            <a:spLocks/>
-          </p:cNvSpPr>
+          <p:cNvPr id="6" name="标题 2"/>
+          <p:cNvSpPr txBox="1"/>
           <p:nvPr/>
         </p:nvSpPr>
         <p:spPr>
@@ -6016,7 +8638,7 @@
                   <a:srgbClr val="002060"/>
                 </a:solidFill>
                 <a:latin typeface="微软雅黑" panose="020B0503020204020204" pitchFamily="34" charset="-122"/>
-                <a:ea typeface="微软雅黑" pitchFamily="34" charset="-122"/>
+                <a:ea typeface="微软雅黑" panose="020B0503020204020204" pitchFamily="34" charset="-122"/>
                 <a:cs typeface="+mn-cs"/>
               </a:defRPr>
             </a:lvl1pPr>
@@ -6055,13 +8677,7 @@
       </p:sp>
       <p:sp>
         <p:nvSpPr>
-          <p:cNvPr id="2" name="矩形 1">
-            <a:extLst>
-              <a:ext uri="{FF2B5EF4-FFF2-40B4-BE49-F238E27FC236}">
-                <a16:creationId xmlns:a16="http://schemas.microsoft.com/office/drawing/2014/main" id="{39A705B8-0E19-4716-9E98-92CF0A6FFC1E}"/>
-              </a:ext>
-            </a:extLst>
-          </p:cNvPr>
+          <p:cNvPr id="2" name="矩形 1"/>
           <p:cNvSpPr/>
           <p:nvPr/>
         </p:nvSpPr>
@@ -6141,13 +8757,7 @@
       </p:sp>
       <p:sp>
         <p:nvSpPr>
-          <p:cNvPr id="5" name="箭头: 右 4">
-            <a:extLst>
-              <a:ext uri="{FF2B5EF4-FFF2-40B4-BE49-F238E27FC236}">
-                <a16:creationId xmlns:a16="http://schemas.microsoft.com/office/drawing/2014/main" id="{EC56E4B4-2EE3-4CF9-980B-94CD0271BEB1}"/>
-              </a:ext>
-            </a:extLst>
-          </p:cNvPr>
+          <p:cNvPr id="5" name="箭头: 右 4"/>
           <p:cNvSpPr/>
           <p:nvPr/>
         </p:nvSpPr>
@@ -6222,13 +8832,7 @@
       </p:sp>
       <p:sp>
         <p:nvSpPr>
-          <p:cNvPr id="9" name="矩形 8">
-            <a:extLst>
-              <a:ext uri="{FF2B5EF4-FFF2-40B4-BE49-F238E27FC236}">
-                <a16:creationId xmlns:a16="http://schemas.microsoft.com/office/drawing/2014/main" id="{312F01FE-1CE4-4007-8227-FEC47A13F70D}"/>
-              </a:ext>
-            </a:extLst>
-          </p:cNvPr>
+          <p:cNvPr id="9" name="矩形 8"/>
           <p:cNvSpPr/>
           <p:nvPr/>
         </p:nvSpPr>
@@ -6308,13 +8912,7 @@
       </p:sp>
       <p:sp>
         <p:nvSpPr>
-          <p:cNvPr id="10" name="箭头: 右 9">
-            <a:extLst>
-              <a:ext uri="{FF2B5EF4-FFF2-40B4-BE49-F238E27FC236}">
-                <a16:creationId xmlns:a16="http://schemas.microsoft.com/office/drawing/2014/main" id="{375EE4BA-2919-49AD-B3A4-B1FA4F5F05A2}"/>
-              </a:ext>
-            </a:extLst>
-          </p:cNvPr>
+          <p:cNvPr id="10" name="箭头: 右 9"/>
           <p:cNvSpPr/>
           <p:nvPr/>
         </p:nvSpPr>
@@ -6389,13 +8987,7 @@
       </p:sp>
       <p:sp>
         <p:nvSpPr>
-          <p:cNvPr id="11" name="矩形 10">
-            <a:extLst>
-              <a:ext uri="{FF2B5EF4-FFF2-40B4-BE49-F238E27FC236}">
-                <a16:creationId xmlns:a16="http://schemas.microsoft.com/office/drawing/2014/main" id="{14A3AED2-3CB8-411E-8FD2-B5CF1C105FE2}"/>
-              </a:ext>
-            </a:extLst>
-          </p:cNvPr>
+          <p:cNvPr id="11" name="矩形 10"/>
           <p:cNvSpPr/>
           <p:nvPr/>
         </p:nvSpPr>
@@ -6475,13 +9067,7 @@
       </p:sp>
       <p:sp>
         <p:nvSpPr>
-          <p:cNvPr id="12" name="箭头: 右 11">
-            <a:extLst>
-              <a:ext uri="{FF2B5EF4-FFF2-40B4-BE49-F238E27FC236}">
-                <a16:creationId xmlns:a16="http://schemas.microsoft.com/office/drawing/2014/main" id="{7EEA3C32-AAA4-4CFE-93BB-95EAEBE2CDCC}"/>
-              </a:ext>
-            </a:extLst>
-          </p:cNvPr>
+          <p:cNvPr id="12" name="箭头: 右 11"/>
           <p:cNvSpPr/>
           <p:nvPr/>
         </p:nvSpPr>
@@ -6556,13 +9142,7 @@
       </p:sp>
       <p:sp>
         <p:nvSpPr>
-          <p:cNvPr id="13" name="矩形 12">
-            <a:extLst>
-              <a:ext uri="{FF2B5EF4-FFF2-40B4-BE49-F238E27FC236}">
-                <a16:creationId xmlns:a16="http://schemas.microsoft.com/office/drawing/2014/main" id="{126D8DA4-5615-4575-A3F7-C439CDE31D46}"/>
-              </a:ext>
-            </a:extLst>
-          </p:cNvPr>
+          <p:cNvPr id="13" name="矩形 12"/>
           <p:cNvSpPr/>
           <p:nvPr/>
         </p:nvSpPr>
@@ -6642,13 +9222,7 @@
       </p:sp>
       <p:sp>
         <p:nvSpPr>
-          <p:cNvPr id="15" name="文本框 14">
-            <a:extLst>
-              <a:ext uri="{FF2B5EF4-FFF2-40B4-BE49-F238E27FC236}">
-                <a16:creationId xmlns:a16="http://schemas.microsoft.com/office/drawing/2014/main" id="{FD4AC711-8986-4CD4-90A5-C680CE7632C1}"/>
-              </a:ext>
-            </a:extLst>
-          </p:cNvPr>
+          <p:cNvPr id="15" name="文本框 14"/>
           <p:cNvSpPr txBox="1"/>
           <p:nvPr/>
         </p:nvSpPr>
@@ -6670,25 +9244,25 @@
           <a:p>
             <a:r>
               <a:rPr lang="en-US" altLang="zh-CN" dirty="0" err="1">
-                <a:hlinkClick r:id="rId3"/>
+                <a:hlinkClick r:id="rId1"/>
               </a:rPr>
               <a:t>karpathy</a:t>
             </a:r>
             <a:r>
               <a:rPr lang="en-US" altLang="zh-CN" dirty="0">
-                <a:hlinkClick r:id="rId3"/>
+                <a:hlinkClick r:id="rId1"/>
               </a:rPr>
               <a:t>/</a:t>
             </a:r>
             <a:r>
               <a:rPr lang="en-US" altLang="zh-CN" dirty="0" err="1">
-                <a:hlinkClick r:id="rId3"/>
+                <a:hlinkClick r:id="rId1"/>
               </a:rPr>
               <a:t>makemore</a:t>
             </a:r>
             <a:r>
               <a:rPr lang="en-US" altLang="zh-CN" dirty="0">
-                <a:hlinkClick r:id="rId3"/>
+                <a:hlinkClick r:id="rId1"/>
               </a:rPr>
               <a:t>: An autoregressive character-level language model for making more things (github.com)</a:t>
             </a:r>
@@ -6698,16 +9272,8 @@
       </p:sp>
       <p:sp>
         <p:nvSpPr>
-          <p:cNvPr id="16" name="标题 2">
-            <a:extLst>
-              <a:ext uri="{FF2B5EF4-FFF2-40B4-BE49-F238E27FC236}">
-                <a16:creationId xmlns:a16="http://schemas.microsoft.com/office/drawing/2014/main" id="{C00E8BEA-61E3-44D6-932C-C6068D7DF0B2}"/>
-              </a:ext>
-            </a:extLst>
-          </p:cNvPr>
-          <p:cNvSpPr txBox="1">
-            <a:spLocks/>
-          </p:cNvSpPr>
+          <p:cNvPr id="16" name="标题 2"/>
+          <p:cNvSpPr txBox="1"/>
           <p:nvPr/>
         </p:nvSpPr>
         <p:spPr>
@@ -6737,7 +9303,7 @@
                   <a:srgbClr val="002060"/>
                 </a:solidFill>
                 <a:latin typeface="微软雅黑" panose="020B0503020204020204" pitchFamily="34" charset="-122"/>
-                <a:ea typeface="微软雅黑" pitchFamily="34" charset="-122"/>
+                <a:ea typeface="微软雅黑" panose="020B0503020204020204" pitchFamily="34" charset="-122"/>
                 <a:cs typeface="+mn-cs"/>
               </a:defRPr>
             </a:lvl1pPr>
@@ -6780,6 +9346,10 @@
               </a:rPr>
               <a:t>	1. one_hot</a:t>
             </a:r>
+            <a:endParaRPr lang="en-US" altLang="zh-CN" sz="2000" dirty="0">
+              <a:latin typeface="Arial" panose="020B0604020202020204" pitchFamily="34" charset="0"/>
+              <a:sym typeface="Arial" panose="020B0604020202020204" pitchFamily="34" charset="0"/>
+            </a:endParaRPr>
           </a:p>
           <a:p>
             <a:r>
@@ -6789,6 +9359,10 @@
               </a:rPr>
               <a:t>	2. arrange</a:t>
             </a:r>
+            <a:endParaRPr lang="en-US" altLang="zh-CN" sz="2000" dirty="0">
+              <a:latin typeface="Arial" panose="020B0604020202020204" pitchFamily="34" charset="0"/>
+              <a:sym typeface="Arial" panose="020B0604020202020204" pitchFamily="34" charset="0"/>
+            </a:endParaRPr>
           </a:p>
           <a:p>
             <a:r>
@@ -6798,6 +9372,10 @@
               </a:rPr>
               <a:t>	3. Generator</a:t>
             </a:r>
+            <a:endParaRPr lang="en-US" altLang="zh-CN" sz="2000" dirty="0">
+              <a:latin typeface="Arial" panose="020B0604020202020204" pitchFamily="34" charset="0"/>
+              <a:sym typeface="Arial" panose="020B0604020202020204" pitchFamily="34" charset="0"/>
+            </a:endParaRPr>
           </a:p>
           <a:p>
             <a:r>
@@ -6807,6 +9385,10 @@
               </a:rPr>
               <a:t>	4. multinomial</a:t>
             </a:r>
+            <a:endParaRPr lang="en-US" altLang="zh-CN" sz="2000" dirty="0">
+              <a:latin typeface="Arial" panose="020B0604020202020204" pitchFamily="34" charset="0"/>
+              <a:sym typeface="Arial" panose="020B0604020202020204" pitchFamily="34" charset="0"/>
+            </a:endParaRPr>
           </a:p>
           <a:p>
             <a:r>
@@ -6816,15 +9398,14 @@
               </a:rPr>
               <a:t>	……</a:t>
             </a:r>
+            <a:endParaRPr lang="en-US" altLang="zh-CN" sz="2000" dirty="0">
+              <a:latin typeface="Arial" panose="020B0604020202020204" pitchFamily="34" charset="0"/>
+              <a:sym typeface="Arial" panose="020B0604020202020204" pitchFamily="34" charset="0"/>
+            </a:endParaRPr>
           </a:p>
         </p:txBody>
       </p:sp>
     </p:spTree>
-    <p:extLst>
-      <p:ext uri="{BB962C8B-B14F-4D97-AF65-F5344CB8AC3E}">
-        <p14:creationId xmlns:p14="http://schemas.microsoft.com/office/powerpoint/2010/main" val="640198791"/>
-      </p:ext>
-    </p:extLst>
   </p:cSld>
   <p:clrMapOvr>
     <a:masterClrMapping/>
@@ -6852,13 +9433,7 @@
       </p:grpSpPr>
       <p:sp>
         <p:nvSpPr>
-          <p:cNvPr id="4" name="矩形 12">
-            <a:extLst>
-              <a:ext uri="{FF2B5EF4-FFF2-40B4-BE49-F238E27FC236}">
-                <a16:creationId xmlns:a16="http://schemas.microsoft.com/office/drawing/2014/main" id="{F6BF20CA-7F00-436B-BCF9-2855E5BD74A3}"/>
-              </a:ext>
-            </a:extLst>
-          </p:cNvPr>
+          <p:cNvPr id="4" name="矩形 12"/>
           <p:cNvSpPr>
             <a:spLocks noChangeArrowheads="1"/>
           </p:cNvSpPr>
@@ -6932,18 +9507,21 @@
               </a:rPr>
               <a:t>大气污染研究意义</a:t>
             </a:r>
-          </a:p>
-        </p:txBody>
-      </p:sp>
-      <p:sp>
-        <p:nvSpPr>
-          <p:cNvPr id="3" name="标题 2">
-            <a:extLst>
-              <a:ext uri="{FF2B5EF4-FFF2-40B4-BE49-F238E27FC236}">
-                <a16:creationId xmlns:a16="http://schemas.microsoft.com/office/drawing/2014/main" id="{23511F03-0FA2-491A-BB93-1916D1A435B2}"/>
-              </a:ext>
-            </a:extLst>
-          </p:cNvPr>
+            <a:endParaRPr lang="zh-CN" altLang="en-US" sz="3200" b="1" dirty="0">
+              <a:solidFill>
+                <a:schemeClr val="bg1"/>
+              </a:solidFill>
+              <a:latin typeface="Arial" panose="020B0604020202020204" pitchFamily="34" charset="0"/>
+              <a:ea typeface="微软雅黑" panose="020B0503020204020204" pitchFamily="34" charset="-122"/>
+              <a:cs typeface="+mn-ea"/>
+              <a:sym typeface="Arial" panose="020B0604020202020204" pitchFamily="34" charset="0"/>
+            </a:endParaRPr>
+          </a:p>
+        </p:txBody>
+      </p:sp>
+      <p:sp>
+        <p:nvSpPr>
+          <p:cNvPr id="3" name="标题 2"/>
           <p:cNvSpPr>
             <a:spLocks noGrp="1"/>
           </p:cNvSpPr>
@@ -6972,13 +9550,7 @@
       </p:sp>
       <p:sp>
         <p:nvSpPr>
-          <p:cNvPr id="7" name="灯片编号占位符 6">
-            <a:extLst>
-              <a:ext uri="{FF2B5EF4-FFF2-40B4-BE49-F238E27FC236}">
-                <a16:creationId xmlns:a16="http://schemas.microsoft.com/office/drawing/2014/main" id="{E5A1D114-3409-4CE9-83C9-021FA211102E}"/>
-              </a:ext>
-            </a:extLst>
-          </p:cNvPr>
+          <p:cNvPr id="7" name="灯片编号占位符 6"/>
           <p:cNvSpPr>
             <a:spLocks noGrp="1"/>
           </p:cNvSpPr>
@@ -6999,10 +9571,6 @@
                 <a:latin typeface="Arial" panose="020B0604020202020204" pitchFamily="34" charset="0"/>
                 <a:sym typeface="Arial" panose="020B0604020202020204" pitchFamily="34" charset="0"/>
               </a:rPr>
-              <a:pPr>
-                <a:defRPr/>
-              </a:pPr>
-              <a:t>3</a:t>
             </a:fld>
             <a:endParaRPr lang="zh-CN" altLang="en-US" dirty="0">
               <a:latin typeface="Arial" panose="020B0604020202020204" pitchFamily="34" charset="0"/>
@@ -7013,16 +9581,8 @@
       </p:sp>
       <p:cxnSp>
         <p:nvCxnSpPr>
-          <p:cNvPr id="8" name="直接连接符 7">
-            <a:extLst>
-              <a:ext uri="{FF2B5EF4-FFF2-40B4-BE49-F238E27FC236}">
-                <a16:creationId xmlns:a16="http://schemas.microsoft.com/office/drawing/2014/main" id="{7DA522CE-2F4E-4377-944A-0BFC6047D076}"/>
-              </a:ext>
-            </a:extLst>
-          </p:cNvPr>
-          <p:cNvCxnSpPr>
-            <a:cxnSpLocks/>
-          </p:cNvCxnSpPr>
+          <p:cNvPr id="8" name="直接连接符 7"/>
+          <p:cNvCxnSpPr/>
           <p:nvPr/>
         </p:nvCxnSpPr>
         <p:spPr>
@@ -7076,16 +9636,8 @@
       </p:cxnSp>
       <p:sp>
         <p:nvSpPr>
-          <p:cNvPr id="6" name="标题 2">
-            <a:extLst>
-              <a:ext uri="{FF2B5EF4-FFF2-40B4-BE49-F238E27FC236}">
-                <a16:creationId xmlns:a16="http://schemas.microsoft.com/office/drawing/2014/main" id="{09993C9F-CEC6-4E4D-9B9C-77EB7EA7BD17}"/>
-              </a:ext>
-            </a:extLst>
-          </p:cNvPr>
-          <p:cNvSpPr txBox="1">
-            <a:spLocks/>
-          </p:cNvSpPr>
+          <p:cNvPr id="6" name="标题 2"/>
+          <p:cNvSpPr txBox="1"/>
           <p:nvPr/>
         </p:nvSpPr>
         <p:spPr>
@@ -7115,7 +9667,7 @@
                   <a:srgbClr val="002060"/>
                 </a:solidFill>
                 <a:latin typeface="微软雅黑" panose="020B0503020204020204" pitchFamily="34" charset="-122"/>
-                <a:ea typeface="微软雅黑" pitchFamily="34" charset="-122"/>
+                <a:ea typeface="微软雅黑" panose="020B0503020204020204" pitchFamily="34" charset="-122"/>
                 <a:cs typeface="+mn-cs"/>
               </a:defRPr>
             </a:lvl1pPr>
@@ -7137,13 +9689,7 @@
       </p:sp>
       <p:grpSp>
         <p:nvGrpSpPr>
-          <p:cNvPr id="53" name="组合 52">
-            <a:extLst>
-              <a:ext uri="{FF2B5EF4-FFF2-40B4-BE49-F238E27FC236}">
-                <a16:creationId xmlns:a16="http://schemas.microsoft.com/office/drawing/2014/main" id="{3D059B85-8AE6-4AD8-B01B-9FBE10964736}"/>
-              </a:ext>
-            </a:extLst>
-          </p:cNvPr>
+          <p:cNvPr id="53" name="组合 52"/>
           <p:cNvGrpSpPr/>
           <p:nvPr/>
         </p:nvGrpSpPr>
@@ -7157,13 +9703,7 @@
         </p:grpSpPr>
         <p:sp>
           <p:nvSpPr>
-            <p:cNvPr id="14" name="椭圆 13">
-              <a:extLst>
-                <a:ext uri="{FF2B5EF4-FFF2-40B4-BE49-F238E27FC236}">
-                  <a16:creationId xmlns:a16="http://schemas.microsoft.com/office/drawing/2014/main" id="{052F4CDD-71A4-4BCB-B192-4F8E6BCBAABF}"/>
-                </a:ext>
-              </a:extLst>
-            </p:cNvPr>
+            <p:cNvPr id="14" name="椭圆 13"/>
             <p:cNvSpPr/>
             <p:nvPr/>
           </p:nvSpPr>
@@ -7201,13 +9741,7 @@
         </p:sp>
         <p:sp>
           <p:nvSpPr>
-            <p:cNvPr id="17" name="椭圆 16">
-              <a:extLst>
-                <a:ext uri="{FF2B5EF4-FFF2-40B4-BE49-F238E27FC236}">
-                  <a16:creationId xmlns:a16="http://schemas.microsoft.com/office/drawing/2014/main" id="{91CC7830-EF21-47C6-AC67-D54C6B33D870}"/>
-                </a:ext>
-              </a:extLst>
-            </p:cNvPr>
+            <p:cNvPr id="17" name="椭圆 16"/>
             <p:cNvSpPr/>
             <p:nvPr/>
           </p:nvSpPr>
@@ -7245,13 +9779,7 @@
         </p:sp>
         <p:sp>
           <p:nvSpPr>
-            <p:cNvPr id="18" name="椭圆 17">
-              <a:extLst>
-                <a:ext uri="{FF2B5EF4-FFF2-40B4-BE49-F238E27FC236}">
-                  <a16:creationId xmlns:a16="http://schemas.microsoft.com/office/drawing/2014/main" id="{84BB8BAB-F6B5-4E75-852B-C48B78E5CE9E}"/>
-                </a:ext>
-              </a:extLst>
-            </p:cNvPr>
+            <p:cNvPr id="18" name="椭圆 17"/>
             <p:cNvSpPr/>
             <p:nvPr/>
           </p:nvSpPr>
@@ -7289,13 +9817,7 @@
         </p:sp>
         <p:sp>
           <p:nvSpPr>
-            <p:cNvPr id="19" name="椭圆 18">
-              <a:extLst>
-                <a:ext uri="{FF2B5EF4-FFF2-40B4-BE49-F238E27FC236}">
-                  <a16:creationId xmlns:a16="http://schemas.microsoft.com/office/drawing/2014/main" id="{77E1EA5A-7A19-4083-984D-B2B2F730E7DB}"/>
-                </a:ext>
-              </a:extLst>
-            </p:cNvPr>
+            <p:cNvPr id="19" name="椭圆 18"/>
             <p:cNvSpPr/>
             <p:nvPr/>
           </p:nvSpPr>
@@ -7333,16 +9855,8 @@
         </p:sp>
         <p:sp>
           <p:nvSpPr>
-            <p:cNvPr id="20" name="标题 2">
-              <a:extLst>
-                <a:ext uri="{FF2B5EF4-FFF2-40B4-BE49-F238E27FC236}">
-                  <a16:creationId xmlns:a16="http://schemas.microsoft.com/office/drawing/2014/main" id="{619BA51B-FD74-478E-9D6F-72425407E35A}"/>
-                </a:ext>
-              </a:extLst>
-            </p:cNvPr>
-            <p:cNvSpPr txBox="1">
-              <a:spLocks/>
-            </p:cNvSpPr>
+            <p:cNvPr id="20" name="标题 2"/>
+            <p:cNvSpPr txBox="1"/>
             <p:nvPr/>
           </p:nvSpPr>
           <p:spPr>
@@ -7372,7 +9886,7 @@
                     <a:srgbClr val="002060"/>
                   </a:solidFill>
                   <a:latin typeface="微软雅黑" panose="020B0503020204020204" pitchFamily="34" charset="-122"/>
-                  <a:ea typeface="微软雅黑" pitchFamily="34" charset="-122"/>
+                  <a:ea typeface="微软雅黑" panose="020B0503020204020204" pitchFamily="34" charset="-122"/>
                   <a:cs typeface="+mn-cs"/>
                 </a:defRPr>
               </a:lvl1pPr>
@@ -7388,6 +9902,13 @@
                 </a:rPr>
                 <a:t>.</a:t>
               </a:r>
+              <a:endParaRPr lang="en-US" altLang="zh-CN" sz="1000" dirty="0">
+                <a:solidFill>
+                  <a:schemeClr val="tx1"/>
+                </a:solidFill>
+                <a:latin typeface="Arial" panose="020B0604020202020204" pitchFamily="34" charset="0"/>
+                <a:sym typeface="Arial" panose="020B0604020202020204" pitchFamily="34" charset="0"/>
+              </a:endParaRPr>
             </a:p>
             <a:p>
               <a:r>
@@ -7400,6 +9921,13 @@
                 </a:rPr>
                 <a:t>.</a:t>
               </a:r>
+              <a:endParaRPr lang="en-US" altLang="zh-CN" sz="1000" dirty="0">
+                <a:solidFill>
+                  <a:schemeClr val="tx1"/>
+                </a:solidFill>
+                <a:latin typeface="Arial" panose="020B0604020202020204" pitchFamily="34" charset="0"/>
+                <a:sym typeface="Arial" panose="020B0604020202020204" pitchFamily="34" charset="0"/>
+              </a:endParaRPr>
             </a:p>
             <a:p>
               <a:r>
@@ -7412,6 +9940,13 @@
                 </a:rPr>
                 <a:t>.</a:t>
               </a:r>
+              <a:endParaRPr lang="en-US" altLang="zh-CN" sz="1000" dirty="0">
+                <a:solidFill>
+                  <a:schemeClr val="tx1"/>
+                </a:solidFill>
+                <a:latin typeface="Arial" panose="020B0604020202020204" pitchFamily="34" charset="0"/>
+                <a:sym typeface="Arial" panose="020B0604020202020204" pitchFamily="34" charset="0"/>
+              </a:endParaRPr>
             </a:p>
             <a:p>
               <a:endParaRPr lang="en-US" altLang="zh-CN" sz="1000" dirty="0">
@@ -7426,13 +9961,7 @@
         </p:sp>
         <p:sp>
           <p:nvSpPr>
-            <p:cNvPr id="21" name="椭圆 20">
-              <a:extLst>
-                <a:ext uri="{FF2B5EF4-FFF2-40B4-BE49-F238E27FC236}">
-                  <a16:creationId xmlns:a16="http://schemas.microsoft.com/office/drawing/2014/main" id="{60BBADA9-5BEE-4B45-A6A6-73EA349C6F85}"/>
-                </a:ext>
-              </a:extLst>
-            </p:cNvPr>
+            <p:cNvPr id="21" name="椭圆 20"/>
             <p:cNvSpPr/>
             <p:nvPr/>
           </p:nvSpPr>
@@ -7470,13 +9999,7 @@
         </p:sp>
         <p:cxnSp>
           <p:nvCxnSpPr>
-            <p:cNvPr id="23" name="直接箭头连接符 22">
-              <a:extLst>
-                <a:ext uri="{FF2B5EF4-FFF2-40B4-BE49-F238E27FC236}">
-                  <a16:creationId xmlns:a16="http://schemas.microsoft.com/office/drawing/2014/main" id="{8C148F11-213D-4016-8846-1793D7F4E956}"/>
-                </a:ext>
-              </a:extLst>
-            </p:cNvPr>
+            <p:cNvPr id="23" name="直接箭头连接符 22"/>
             <p:cNvCxnSpPr>
               <a:stCxn id="14" idx="6"/>
               <a:endCxn id="17" idx="2"/>
@@ -7512,15 +10035,8 @@
         </p:cxnSp>
         <p:cxnSp>
           <p:nvCxnSpPr>
-            <p:cNvPr id="24" name="直接箭头连接符 23">
-              <a:extLst>
-                <a:ext uri="{FF2B5EF4-FFF2-40B4-BE49-F238E27FC236}">
-                  <a16:creationId xmlns:a16="http://schemas.microsoft.com/office/drawing/2014/main" id="{0F12EBFF-67E4-46A4-AFD3-6616F1FCECD9}"/>
-                </a:ext>
-              </a:extLst>
-            </p:cNvPr>
+            <p:cNvPr id="24" name="直接箭头连接符 23"/>
             <p:cNvCxnSpPr>
-              <a:cxnSpLocks/>
               <a:stCxn id="14" idx="6"/>
               <a:endCxn id="18" idx="2"/>
             </p:cNvCxnSpPr>
@@ -7555,15 +10071,8 @@
         </p:cxnSp>
         <p:cxnSp>
           <p:nvCxnSpPr>
-            <p:cNvPr id="27" name="直接箭头连接符 26">
-              <a:extLst>
-                <a:ext uri="{FF2B5EF4-FFF2-40B4-BE49-F238E27FC236}">
-                  <a16:creationId xmlns:a16="http://schemas.microsoft.com/office/drawing/2014/main" id="{639348B0-A0B2-45A5-B74D-FB179B744C49}"/>
-                </a:ext>
-              </a:extLst>
-            </p:cNvPr>
+            <p:cNvPr id="27" name="直接箭头连接符 26"/>
             <p:cNvCxnSpPr>
-              <a:cxnSpLocks/>
               <a:stCxn id="14" idx="6"/>
               <a:endCxn id="19" idx="2"/>
             </p:cNvCxnSpPr>
@@ -7598,15 +10107,8 @@
         </p:cxnSp>
         <p:cxnSp>
           <p:nvCxnSpPr>
-            <p:cNvPr id="30" name="直接箭头连接符 29">
-              <a:extLst>
-                <a:ext uri="{FF2B5EF4-FFF2-40B4-BE49-F238E27FC236}">
-                  <a16:creationId xmlns:a16="http://schemas.microsoft.com/office/drawing/2014/main" id="{46691D90-2D8A-4715-B59E-A36D7DA8CE46}"/>
-                </a:ext>
-              </a:extLst>
-            </p:cNvPr>
+            <p:cNvPr id="30" name="直接箭头连接符 29"/>
             <p:cNvCxnSpPr>
-              <a:cxnSpLocks/>
               <a:stCxn id="14" idx="6"/>
               <a:endCxn id="21" idx="2"/>
             </p:cNvCxnSpPr>
@@ -7641,13 +10143,7 @@
         </p:cxnSp>
         <p:sp>
           <p:nvSpPr>
-            <p:cNvPr id="34" name="椭圆 33">
-              <a:extLst>
-                <a:ext uri="{FF2B5EF4-FFF2-40B4-BE49-F238E27FC236}">
-                  <a16:creationId xmlns:a16="http://schemas.microsoft.com/office/drawing/2014/main" id="{4D564C45-DC16-48FE-9311-F55EA98994F8}"/>
-                </a:ext>
-              </a:extLst>
-            </p:cNvPr>
+            <p:cNvPr id="34" name="椭圆 33"/>
             <p:cNvSpPr/>
             <p:nvPr/>
           </p:nvSpPr>
@@ -7685,15 +10181,8 @@
         </p:sp>
         <p:cxnSp>
           <p:nvCxnSpPr>
-            <p:cNvPr id="35" name="直接箭头连接符 34">
-              <a:extLst>
-                <a:ext uri="{FF2B5EF4-FFF2-40B4-BE49-F238E27FC236}">
-                  <a16:creationId xmlns:a16="http://schemas.microsoft.com/office/drawing/2014/main" id="{A992D83D-84B4-4F2D-86C0-516964585977}"/>
-                </a:ext>
-              </a:extLst>
-            </p:cNvPr>
+            <p:cNvPr id="35" name="直接箭头连接符 34"/>
             <p:cNvCxnSpPr>
-              <a:cxnSpLocks/>
               <a:stCxn id="21" idx="6"/>
               <a:endCxn id="34" idx="2"/>
             </p:cNvCxnSpPr>
@@ -7728,15 +10217,8 @@
         </p:cxnSp>
         <p:cxnSp>
           <p:nvCxnSpPr>
-            <p:cNvPr id="37" name="直接箭头连接符 36">
-              <a:extLst>
-                <a:ext uri="{FF2B5EF4-FFF2-40B4-BE49-F238E27FC236}">
-                  <a16:creationId xmlns:a16="http://schemas.microsoft.com/office/drawing/2014/main" id="{0A280828-8BFF-42B9-A873-4198A1557B45}"/>
-                </a:ext>
-              </a:extLst>
-            </p:cNvPr>
+            <p:cNvPr id="37" name="直接箭头连接符 36"/>
             <p:cNvCxnSpPr>
-              <a:cxnSpLocks/>
               <a:stCxn id="19" idx="6"/>
               <a:endCxn id="34" idx="2"/>
             </p:cNvCxnSpPr>
@@ -7771,15 +10253,8 @@
         </p:cxnSp>
         <p:cxnSp>
           <p:nvCxnSpPr>
-            <p:cNvPr id="44" name="直接箭头连接符 43">
-              <a:extLst>
-                <a:ext uri="{FF2B5EF4-FFF2-40B4-BE49-F238E27FC236}">
-                  <a16:creationId xmlns:a16="http://schemas.microsoft.com/office/drawing/2014/main" id="{E80DC1E4-C1CC-4F39-960F-397EDE691866}"/>
-                </a:ext>
-              </a:extLst>
-            </p:cNvPr>
+            <p:cNvPr id="44" name="直接箭头连接符 43"/>
             <p:cNvCxnSpPr>
-              <a:cxnSpLocks/>
               <a:stCxn id="18" idx="6"/>
               <a:endCxn id="34" idx="2"/>
             </p:cNvCxnSpPr>
@@ -7814,15 +10289,8 @@
         </p:cxnSp>
         <p:cxnSp>
           <p:nvCxnSpPr>
-            <p:cNvPr id="47" name="直接箭头连接符 46">
-              <a:extLst>
-                <a:ext uri="{FF2B5EF4-FFF2-40B4-BE49-F238E27FC236}">
-                  <a16:creationId xmlns:a16="http://schemas.microsoft.com/office/drawing/2014/main" id="{BEB0D2D5-BAFE-4704-9307-C8DE98359C05}"/>
-                </a:ext>
-              </a:extLst>
-            </p:cNvPr>
+            <p:cNvPr id="47" name="直接箭头连接符 46"/>
             <p:cNvCxnSpPr>
-              <a:cxnSpLocks/>
               <a:stCxn id="17" idx="6"/>
               <a:endCxn id="34" idx="2"/>
             </p:cNvCxnSpPr>
@@ -7857,16 +10325,8 @@
         </p:cxnSp>
         <p:sp>
           <p:nvSpPr>
-            <p:cNvPr id="50" name="标题 2">
-              <a:extLst>
-                <a:ext uri="{FF2B5EF4-FFF2-40B4-BE49-F238E27FC236}">
-                  <a16:creationId xmlns:a16="http://schemas.microsoft.com/office/drawing/2014/main" id="{70CFC5E4-63EC-47FE-A6AB-F245F3FDF0A2}"/>
-                </a:ext>
-              </a:extLst>
-            </p:cNvPr>
-            <p:cNvSpPr txBox="1">
-              <a:spLocks/>
-            </p:cNvSpPr>
+            <p:cNvPr id="50" name="标题 2"/>
+            <p:cNvSpPr txBox="1"/>
             <p:nvPr/>
           </p:nvSpPr>
           <p:spPr>
@@ -7896,7 +10356,7 @@
                     <a:srgbClr val="002060"/>
                   </a:solidFill>
                   <a:latin typeface="微软雅黑" panose="020B0503020204020204" pitchFamily="34" charset="-122"/>
-                  <a:ea typeface="微软雅黑" pitchFamily="34" charset="-122"/>
+                  <a:ea typeface="微软雅黑" panose="020B0503020204020204" pitchFamily="34" charset="-122"/>
                   <a:cs typeface="+mn-cs"/>
                 </a:defRPr>
               </a:lvl1pPr>
@@ -7909,21 +10369,17 @@
                 </a:rPr>
                 <a:t>Input</a:t>
               </a:r>
+              <a:endParaRPr lang="en-US" altLang="zh-CN" sz="1200" dirty="0">
+                <a:latin typeface="Arial" panose="020B0604020202020204" pitchFamily="34" charset="0"/>
+                <a:sym typeface="Arial" panose="020B0604020202020204" pitchFamily="34" charset="0"/>
+              </a:endParaRPr>
             </a:p>
           </p:txBody>
         </p:sp>
         <p:sp>
           <p:nvSpPr>
-            <p:cNvPr id="51" name="标题 2">
-              <a:extLst>
-                <a:ext uri="{FF2B5EF4-FFF2-40B4-BE49-F238E27FC236}">
-                  <a16:creationId xmlns:a16="http://schemas.microsoft.com/office/drawing/2014/main" id="{A648D566-D8DF-4F50-B3F6-5D265C3D148E}"/>
-                </a:ext>
-              </a:extLst>
-            </p:cNvPr>
-            <p:cNvSpPr txBox="1">
-              <a:spLocks/>
-            </p:cNvSpPr>
+            <p:cNvPr id="51" name="标题 2"/>
+            <p:cNvSpPr txBox="1"/>
             <p:nvPr/>
           </p:nvSpPr>
           <p:spPr>
@@ -7953,7 +10409,7 @@
                     <a:srgbClr val="002060"/>
                   </a:solidFill>
                   <a:latin typeface="微软雅黑" panose="020B0503020204020204" pitchFamily="34" charset="-122"/>
-                  <a:ea typeface="微软雅黑" pitchFamily="34" charset="-122"/>
+                  <a:ea typeface="微软雅黑" panose="020B0503020204020204" pitchFamily="34" charset="-122"/>
                   <a:cs typeface="+mn-cs"/>
                 </a:defRPr>
               </a:lvl1pPr>
@@ -7966,21 +10422,17 @@
                 </a:rPr>
                 <a:t>Neural Net</a:t>
               </a:r>
+              <a:endParaRPr lang="en-US" altLang="zh-CN" sz="1200" dirty="0">
+                <a:latin typeface="Arial" panose="020B0604020202020204" pitchFamily="34" charset="0"/>
+                <a:sym typeface="Arial" panose="020B0604020202020204" pitchFamily="34" charset="0"/>
+              </a:endParaRPr>
             </a:p>
           </p:txBody>
         </p:sp>
         <p:sp>
           <p:nvSpPr>
-            <p:cNvPr id="52" name="标题 2">
-              <a:extLst>
-                <a:ext uri="{FF2B5EF4-FFF2-40B4-BE49-F238E27FC236}">
-                  <a16:creationId xmlns:a16="http://schemas.microsoft.com/office/drawing/2014/main" id="{490EF62C-CF04-4D15-9EF5-E9F8A317B9F2}"/>
-                </a:ext>
-              </a:extLst>
-            </p:cNvPr>
-            <p:cNvSpPr txBox="1">
-              <a:spLocks/>
-            </p:cNvSpPr>
+            <p:cNvPr id="52" name="标题 2"/>
+            <p:cNvSpPr txBox="1"/>
             <p:nvPr/>
           </p:nvSpPr>
           <p:spPr>
@@ -8010,7 +10462,7 @@
                     <a:srgbClr val="002060"/>
                   </a:solidFill>
                   <a:latin typeface="微软雅黑" panose="020B0503020204020204" pitchFamily="34" charset="-122"/>
-                  <a:ea typeface="微软雅黑" pitchFamily="34" charset="-122"/>
+                  <a:ea typeface="微软雅黑" panose="020B0503020204020204" pitchFamily="34" charset="-122"/>
                   <a:cs typeface="+mn-cs"/>
                 </a:defRPr>
               </a:lvl1pPr>
@@ -8023,22 +10475,18 @@
                 </a:rPr>
                 <a:t>Output</a:t>
               </a:r>
+              <a:endParaRPr lang="en-US" altLang="zh-CN" sz="1200" dirty="0">
+                <a:latin typeface="Arial" panose="020B0604020202020204" pitchFamily="34" charset="0"/>
+                <a:sym typeface="Arial" panose="020B0604020202020204" pitchFamily="34" charset="0"/>
+              </a:endParaRPr>
             </a:p>
           </p:txBody>
         </p:sp>
       </p:grpSp>
       <p:sp>
         <p:nvSpPr>
-          <p:cNvPr id="54" name="标题 2">
-            <a:extLst>
-              <a:ext uri="{FF2B5EF4-FFF2-40B4-BE49-F238E27FC236}">
-                <a16:creationId xmlns:a16="http://schemas.microsoft.com/office/drawing/2014/main" id="{DE795099-4381-437C-9E9C-A1C8C6BDEAF3}"/>
-              </a:ext>
-            </a:extLst>
-          </p:cNvPr>
-          <p:cNvSpPr txBox="1">
-            <a:spLocks/>
-          </p:cNvSpPr>
+          <p:cNvPr id="54" name="标题 2"/>
+          <p:cNvSpPr txBox="1"/>
           <p:nvPr/>
         </p:nvSpPr>
         <p:spPr>
@@ -8068,7 +10516,7 @@
                   <a:srgbClr val="002060"/>
                 </a:solidFill>
                 <a:latin typeface="微软雅黑" panose="020B0503020204020204" pitchFamily="34" charset="-122"/>
-                <a:ea typeface="微软雅黑" pitchFamily="34" charset="-122"/>
+                <a:ea typeface="微软雅黑" panose="020B0503020204020204" pitchFamily="34" charset="-122"/>
                 <a:cs typeface="+mn-cs"/>
               </a:defRPr>
             </a:lvl1pPr>
@@ -8105,6 +10553,10 @@
               </a:rPr>
               <a:t> (1, 27)</a:t>
             </a:r>
+            <a:endParaRPr lang="en-US" altLang="zh-CN" sz="2000" dirty="0">
+              <a:latin typeface="Arial" panose="020B0604020202020204" pitchFamily="34" charset="0"/>
+              <a:sym typeface="Arial" panose="020B0604020202020204" pitchFamily="34" charset="0"/>
+            </a:endParaRPr>
           </a:p>
           <a:p>
             <a:r>
@@ -8131,6 +10583,10 @@
               </a:rPr>
               <a:t>(27, 27)</a:t>
             </a:r>
+            <a:endParaRPr lang="en-US" altLang="zh-CN" sz="2000" dirty="0">
+              <a:latin typeface="Arial" panose="020B0604020202020204" pitchFamily="34" charset="0"/>
+              <a:sym typeface="Arial" panose="020B0604020202020204" pitchFamily="34" charset="0"/>
+            </a:endParaRPr>
           </a:p>
           <a:p>
             <a:r>
@@ -8150,6 +10606,10 @@
               </a:rPr>
               <a:t>: (1, 27)</a:t>
             </a:r>
+            <a:endParaRPr lang="en-US" altLang="zh-CN" sz="2000" dirty="0">
+              <a:latin typeface="Arial" panose="020B0604020202020204" pitchFamily="34" charset="0"/>
+              <a:sym typeface="Arial" panose="020B0604020202020204" pitchFamily="34" charset="0"/>
+            </a:endParaRPr>
           </a:p>
           <a:p>
             <a:r>
@@ -8197,18 +10657,16 @@
               </a:rPr>
               <a:t>].log().mean() + 0.01 * (W**2).mean()</a:t>
             </a:r>
+            <a:endParaRPr lang="en-US" altLang="zh-CN" sz="2000" dirty="0">
+              <a:latin typeface="Arial" panose="020B0604020202020204" pitchFamily="34" charset="0"/>
+              <a:sym typeface="Arial" panose="020B0604020202020204" pitchFamily="34" charset="0"/>
+            </a:endParaRPr>
           </a:p>
         </p:txBody>
       </p:sp>
       <p:grpSp>
         <p:nvGrpSpPr>
-          <p:cNvPr id="64" name="组合 63">
-            <a:extLst>
-              <a:ext uri="{FF2B5EF4-FFF2-40B4-BE49-F238E27FC236}">
-                <a16:creationId xmlns:a16="http://schemas.microsoft.com/office/drawing/2014/main" id="{3E40982C-7486-43BC-8764-D730F1145ADD}"/>
-              </a:ext>
-            </a:extLst>
-          </p:cNvPr>
+          <p:cNvPr id="64" name="组合 63"/>
           <p:cNvGrpSpPr/>
           <p:nvPr/>
         </p:nvGrpSpPr>
@@ -8222,16 +10680,8 @@
         </p:grpSpPr>
         <p:sp>
           <p:nvSpPr>
-            <p:cNvPr id="59" name="标题 2">
-              <a:extLst>
-                <a:ext uri="{FF2B5EF4-FFF2-40B4-BE49-F238E27FC236}">
-                  <a16:creationId xmlns:a16="http://schemas.microsoft.com/office/drawing/2014/main" id="{7D66A3EE-90EB-459E-9EE2-3A52F9D22CDB}"/>
-                </a:ext>
-              </a:extLst>
-            </p:cNvPr>
-            <p:cNvSpPr txBox="1">
-              <a:spLocks/>
-            </p:cNvSpPr>
+            <p:cNvPr id="59" name="标题 2"/>
+            <p:cNvSpPr txBox="1"/>
             <p:nvPr/>
           </p:nvSpPr>
           <p:spPr>
@@ -8261,7 +10711,7 @@
                     <a:srgbClr val="002060"/>
                   </a:solidFill>
                   <a:latin typeface="微软雅黑" panose="020B0503020204020204" pitchFamily="34" charset="-122"/>
-                  <a:ea typeface="微软雅黑" pitchFamily="34" charset="-122"/>
+                  <a:ea typeface="微软雅黑" panose="020B0503020204020204" pitchFamily="34" charset="-122"/>
                   <a:cs typeface="+mn-cs"/>
                 </a:defRPr>
               </a:lvl1pPr>
@@ -8283,16 +10733,8 @@
         </p:sp>
         <p:sp>
           <p:nvSpPr>
-            <p:cNvPr id="60" name="标题 2">
-              <a:extLst>
-                <a:ext uri="{FF2B5EF4-FFF2-40B4-BE49-F238E27FC236}">
-                  <a16:creationId xmlns:a16="http://schemas.microsoft.com/office/drawing/2014/main" id="{D96E1CF9-8ACF-4A4B-9899-2EA400AA7148}"/>
-                </a:ext>
-              </a:extLst>
-            </p:cNvPr>
-            <p:cNvSpPr txBox="1">
-              <a:spLocks/>
-            </p:cNvSpPr>
+            <p:cNvPr id="60" name="标题 2"/>
+            <p:cNvSpPr txBox="1"/>
             <p:nvPr/>
           </p:nvSpPr>
           <p:spPr>
@@ -8322,7 +10764,7 @@
                     <a:srgbClr val="002060"/>
                   </a:solidFill>
                   <a:latin typeface="微软雅黑" panose="020B0503020204020204" pitchFamily="34" charset="-122"/>
-                  <a:ea typeface="微软雅黑" pitchFamily="34" charset="-122"/>
+                  <a:ea typeface="微软雅黑" panose="020B0503020204020204" pitchFamily="34" charset="-122"/>
                   <a:cs typeface="+mn-cs"/>
                 </a:defRPr>
               </a:lvl1pPr>
@@ -8344,16 +10786,8 @@
         </p:sp>
         <p:sp>
           <p:nvSpPr>
-            <p:cNvPr id="61" name="标题 2">
-              <a:extLst>
-                <a:ext uri="{FF2B5EF4-FFF2-40B4-BE49-F238E27FC236}">
-                  <a16:creationId xmlns:a16="http://schemas.microsoft.com/office/drawing/2014/main" id="{B09413A0-1FB0-4830-A853-7BB5BA2BFDD4}"/>
-                </a:ext>
-              </a:extLst>
-            </p:cNvPr>
-            <p:cNvSpPr txBox="1">
-              <a:spLocks/>
-            </p:cNvSpPr>
+            <p:cNvPr id="61" name="标题 2"/>
+            <p:cNvSpPr txBox="1"/>
             <p:nvPr/>
           </p:nvSpPr>
           <p:spPr>
@@ -8383,7 +10817,7 @@
                     <a:srgbClr val="002060"/>
                   </a:solidFill>
                   <a:latin typeface="微软雅黑" panose="020B0503020204020204" pitchFamily="34" charset="-122"/>
-                  <a:ea typeface="微软雅黑" pitchFamily="34" charset="-122"/>
+                  <a:ea typeface="微软雅黑" panose="020B0503020204020204" pitchFamily="34" charset="-122"/>
                   <a:cs typeface="+mn-cs"/>
                 </a:defRPr>
               </a:lvl1pPr>
@@ -8405,13 +10839,7 @@
         </p:sp>
         <p:sp>
           <p:nvSpPr>
-            <p:cNvPr id="62" name="箭头: 下 61">
-              <a:extLst>
-                <a:ext uri="{FF2B5EF4-FFF2-40B4-BE49-F238E27FC236}">
-                  <a16:creationId xmlns:a16="http://schemas.microsoft.com/office/drawing/2014/main" id="{D2327C7A-2A58-4E28-8E1D-E9E35801DF87}"/>
-                </a:ext>
-              </a:extLst>
-            </p:cNvPr>
+            <p:cNvPr id="62" name="箭头: 下 61"/>
             <p:cNvSpPr/>
             <p:nvPr/>
           </p:nvSpPr>
@@ -8488,13 +10916,7 @@
         </p:sp>
         <p:sp>
           <p:nvSpPr>
-            <p:cNvPr id="63" name="箭头: 下 62">
-              <a:extLst>
-                <a:ext uri="{FF2B5EF4-FFF2-40B4-BE49-F238E27FC236}">
-                  <a16:creationId xmlns:a16="http://schemas.microsoft.com/office/drawing/2014/main" id="{C2C028C0-3AB6-4673-A85B-F895AC97A013}"/>
-                </a:ext>
-              </a:extLst>
-            </p:cNvPr>
+            <p:cNvPr id="63" name="箭头: 下 62"/>
             <p:cNvSpPr/>
             <p:nvPr/>
           </p:nvSpPr>
@@ -8572,16 +10994,8 @@
       </p:grpSp>
       <p:sp>
         <p:nvSpPr>
-          <p:cNvPr id="65" name="标题 2">
-            <a:extLst>
-              <a:ext uri="{FF2B5EF4-FFF2-40B4-BE49-F238E27FC236}">
-                <a16:creationId xmlns:a16="http://schemas.microsoft.com/office/drawing/2014/main" id="{512DB16F-AAEE-4463-B4B7-79A53B069661}"/>
-              </a:ext>
-            </a:extLst>
-          </p:cNvPr>
-          <p:cNvSpPr txBox="1">
-            <a:spLocks/>
-          </p:cNvSpPr>
+          <p:cNvPr id="65" name="标题 2"/>
+          <p:cNvSpPr txBox="1"/>
           <p:nvPr/>
         </p:nvSpPr>
         <p:spPr>
@@ -8611,7 +11025,7 @@
                   <a:srgbClr val="002060"/>
                 </a:solidFill>
                 <a:latin typeface="微软雅黑" panose="020B0503020204020204" pitchFamily="34" charset="-122"/>
-                <a:ea typeface="微软雅黑" pitchFamily="34" charset="-122"/>
+                <a:ea typeface="微软雅黑" panose="020B0503020204020204" pitchFamily="34" charset="-122"/>
                 <a:cs typeface="+mn-cs"/>
               </a:defRPr>
             </a:lvl1pPr>
@@ -8638,11 +11052,6 @@
         </p:txBody>
       </p:sp>
     </p:spTree>
-    <p:extLst>
-      <p:ext uri="{BB962C8B-B14F-4D97-AF65-F5344CB8AC3E}">
-        <p14:creationId xmlns:p14="http://schemas.microsoft.com/office/powerpoint/2010/main" val="2777960810"/>
-      </p:ext>
-    </p:extLst>
   </p:cSld>
   <p:clrMapOvr>
     <a:masterClrMapping/>
@@ -8670,13 +11079,873 @@
       </p:grpSpPr>
       <p:sp>
         <p:nvSpPr>
-          <p:cNvPr id="4" name="矩形 12">
-            <a:extLst>
-              <a:ext uri="{FF2B5EF4-FFF2-40B4-BE49-F238E27FC236}">
-                <a16:creationId xmlns:a16="http://schemas.microsoft.com/office/drawing/2014/main" id="{F6BF20CA-7F00-436B-BCF9-2855E5BD74A3}"/>
-              </a:ext>
-            </a:extLst>
-          </p:cNvPr>
+          <p:cNvPr id="4" name="矩形 12"/>
+          <p:cNvSpPr>
+            <a:spLocks noChangeArrowheads="1"/>
+          </p:cNvSpPr>
+          <p:nvPr/>
+        </p:nvSpPr>
+        <p:spPr bwMode="auto">
+          <a:xfrm>
+            <a:off x="385125" y="188641"/>
+            <a:ext cx="11568417" cy="583565"/>
+          </a:xfrm>
+          <a:prstGeom prst="rect">
+            <a:avLst/>
+          </a:prstGeom>
+          <a:noFill/>
+          <a:ln>
+            <a:noFill/>
+          </a:ln>
+          <a:extLst>
+            <a:ext uri="{909E8E84-426E-40DD-AFC4-6F175D3DCCD1}">
+              <a14:hiddenFill xmlns:a14="http://schemas.microsoft.com/office/drawing/2010/main">
+                <a:solidFill>
+                  <a:srgbClr val="FFFFFF"/>
+                </a:solidFill>
+              </a14:hiddenFill>
+            </a:ext>
+            <a:ext uri="{91240B29-F687-4F45-9708-019B960494DF}">
+              <a14:hiddenLine xmlns:a14="http://schemas.microsoft.com/office/drawing/2010/main" w="9525">
+                <a:solidFill>
+                  <a:srgbClr val="000000"/>
+                </a:solidFill>
+                <a:miter lim="800000"/>
+                <a:headEnd/>
+                <a:tailEnd/>
+              </a14:hiddenLine>
+            </a:ext>
+          </a:extLst>
+        </p:spPr>
+        <p:txBody>
+          <a:bodyPr wrap="square">
+            <a:spAutoFit/>
+          </a:bodyPr>
+          <a:lstStyle/>
+          <a:p>
+            <a:pPr marL="0" lvl="1" defTabSz="457200">
+              <a:buClr>
+                <a:srgbClr val="FF0000"/>
+              </a:buClr>
+              <a:buSzPct val="100000"/>
+            </a:pPr>
+            <a:r>
+              <a:rPr lang="en-US" altLang="zh-CN" sz="3200" b="1" dirty="0">
+                <a:solidFill>
+                  <a:schemeClr val="bg1"/>
+                </a:solidFill>
+                <a:latin typeface="Arial" panose="020B0604020202020204" pitchFamily="34" charset="0"/>
+                <a:ea typeface="微软雅黑" panose="020B0503020204020204" pitchFamily="34" charset="-122"/>
+                <a:cs typeface="+mn-ea"/>
+                <a:sym typeface="Arial" panose="020B0604020202020204" pitchFamily="34" charset="0"/>
+              </a:rPr>
+              <a:t>1.1</a:t>
+            </a:r>
+            <a:r>
+              <a:rPr lang="zh-CN" altLang="en-US" sz="3200" b="1" dirty="0">
+                <a:solidFill>
+                  <a:schemeClr val="bg1"/>
+                </a:solidFill>
+                <a:latin typeface="Arial" panose="020B0604020202020204" pitchFamily="34" charset="0"/>
+                <a:ea typeface="微软雅黑" panose="020B0503020204020204" pitchFamily="34" charset="-122"/>
+                <a:cs typeface="+mn-ea"/>
+                <a:sym typeface="Arial" panose="020B0604020202020204" pitchFamily="34" charset="0"/>
+              </a:rPr>
+              <a:t>染研究意义</a:t>
+            </a:r>
+            <a:endParaRPr lang="zh-CN" altLang="en-US" sz="3200" b="1" dirty="0">
+              <a:solidFill>
+                <a:schemeClr val="bg1"/>
+              </a:solidFill>
+              <a:latin typeface="Arial" panose="020B0604020202020204" pitchFamily="34" charset="0"/>
+              <a:ea typeface="微软雅黑" panose="020B0503020204020204" pitchFamily="34" charset="-122"/>
+              <a:cs typeface="+mn-ea"/>
+              <a:sym typeface="Arial" panose="020B0604020202020204" pitchFamily="34" charset="0"/>
+            </a:endParaRPr>
+          </a:p>
+        </p:txBody>
+      </p:sp>
+      <p:sp>
+        <p:nvSpPr>
+          <p:cNvPr id="3" name="标题 2"/>
+          <p:cNvSpPr>
+            <a:spLocks noGrp="1"/>
+          </p:cNvSpPr>
+          <p:nvPr>
+            <p:ph type="title"/>
+          </p:nvPr>
+        </p:nvSpPr>
+        <p:spPr/>
+        <p:txBody>
+          <a:bodyPr/>
+          <a:lstStyle/>
+          <a:p>
+            <a:r>
+              <a:rPr lang="en-US" altLang="zh-CN" dirty="0">
+                <a:latin typeface="Arial" panose="020B0604020202020204" pitchFamily="34" charset="0"/>
+                <a:sym typeface="Arial" panose="020B0604020202020204" pitchFamily="34" charset="0"/>
+              </a:rPr>
+              <a:t>3. </a:t>
+            </a:r>
+            <a:r>
+              <a:rPr lang="en-US" altLang="zh-CN" dirty="0">
+                <a:latin typeface="Arial" panose="020B0604020202020204" pitchFamily="34" charset="0"/>
+                <a:sym typeface="Arial" panose="020B0604020202020204" pitchFamily="34" charset="0"/>
+              </a:rPr>
+              <a:t>MLP</a:t>
+            </a:r>
+            <a:endParaRPr lang="en-US" altLang="zh-CN" dirty="0">
+              <a:latin typeface="Arial" panose="020B0604020202020204" pitchFamily="34" charset="0"/>
+              <a:sym typeface="Arial" panose="020B0604020202020204" pitchFamily="34" charset="0"/>
+            </a:endParaRPr>
+          </a:p>
+        </p:txBody>
+      </p:sp>
+      <p:sp>
+        <p:nvSpPr>
+          <p:cNvPr id="7" name="灯片编号占位符 6"/>
+          <p:cNvSpPr>
+            <a:spLocks noGrp="1"/>
+          </p:cNvSpPr>
+          <p:nvPr>
+            <p:ph type="sldNum" sz="quarter" idx="16"/>
+          </p:nvPr>
+        </p:nvSpPr>
+        <p:spPr/>
+        <p:txBody>
+          <a:bodyPr/>
+          <a:lstStyle/>
+          <a:p>
+            <a:pPr>
+              <a:defRPr/>
+            </a:pPr>
+            <a:fld id="{26F565BE-27A9-4834-BA3A-D46EFBA6086A}" type="slidenum">
+              <a:rPr lang="zh-CN" altLang="en-US" smtClean="0">
+                <a:latin typeface="Arial" panose="020B0604020202020204" pitchFamily="34" charset="0"/>
+                <a:sym typeface="Arial" panose="020B0604020202020204" pitchFamily="34" charset="0"/>
+              </a:rPr>
+            </a:fld>
+            <a:endParaRPr lang="zh-CN" altLang="en-US" dirty="0">
+              <a:latin typeface="Arial" panose="020B0604020202020204" pitchFamily="34" charset="0"/>
+              <a:sym typeface="Arial" panose="020B0604020202020204" pitchFamily="34" charset="0"/>
+            </a:endParaRPr>
+          </a:p>
+        </p:txBody>
+      </p:sp>
+      <p:cxnSp>
+        <p:nvCxnSpPr>
+          <p:cNvPr id="8" name="直接连接符 7"/>
+          <p:cNvCxnSpPr/>
+          <p:nvPr/>
+        </p:nvCxnSpPr>
+        <p:spPr>
+          <a:xfrm>
+            <a:off x="0" y="824357"/>
+            <a:ext cx="3877337" cy="0"/>
+          </a:xfrm>
+          <a:prstGeom prst="line">
+            <a:avLst/>
+          </a:prstGeom>
+          <a:ln w="31750">
+            <a:gradFill flip="none" rotWithShape="1">
+              <a:gsLst>
+                <a:gs pos="0">
+                  <a:schemeClr val="accent1">
+                    <a:lumMod val="40000"/>
+                    <a:lumOff val="60000"/>
+                  </a:schemeClr>
+                </a:gs>
+                <a:gs pos="46000">
+                  <a:schemeClr val="accent1">
+                    <a:lumMod val="40000"/>
+                    <a:lumOff val="60000"/>
+                  </a:schemeClr>
+                </a:gs>
+                <a:gs pos="100000">
+                  <a:schemeClr val="accent1">
+                    <a:lumMod val="75000"/>
+                  </a:schemeClr>
+                </a:gs>
+              </a:gsLst>
+              <a:lin ang="10800000" scaled="0"/>
+              <a:tileRect/>
+            </a:gradFill>
+          </a:ln>
+        </p:spPr>
+        <p:style>
+          <a:lnRef idx="3">
+            <a:schemeClr val="dk1"/>
+          </a:lnRef>
+          <a:fillRef idx="0">
+            <a:schemeClr val="dk1"/>
+          </a:fillRef>
+          <a:effectRef idx="2">
+            <a:schemeClr val="dk1"/>
+          </a:effectRef>
+          <a:fontRef idx="minor">
+            <a:schemeClr val="tx1"/>
+          </a:fontRef>
+        </p:style>
+      </p:cxnSp>
+      <p:pic>
+        <p:nvPicPr>
+          <p:cNvPr id="2" name="图片 1"/>
+          <p:cNvPicPr>
+            <a:picLocks noChangeAspect="1"/>
+          </p:cNvPicPr>
+          <p:nvPr/>
+        </p:nvPicPr>
+        <p:blipFill>
+          <a:blip r:embed="rId1"/>
+          <a:stretch>
+            <a:fillRect/>
+          </a:stretch>
+        </p:blipFill>
+        <p:spPr>
+          <a:xfrm>
+            <a:off x="814070" y="2295525"/>
+            <a:ext cx="9331960" cy="3181350"/>
+          </a:xfrm>
+          <a:prstGeom prst="rect">
+            <a:avLst/>
+          </a:prstGeom>
+        </p:spPr>
+      </p:pic>
+      <p:sp>
+        <p:nvSpPr>
+          <p:cNvPr id="5" name="标题 2"/>
+          <p:cNvSpPr txBox="1"/>
+          <p:nvPr/>
+        </p:nvSpPr>
+        <p:spPr>
+          <a:xfrm>
+            <a:off x="1657350" y="945515"/>
+            <a:ext cx="3406775" cy="650875"/>
+          </a:xfrm>
+          <a:prstGeom prst="rect">
+            <a:avLst/>
+          </a:prstGeom>
+        </p:spPr>
+        <p:txBody>
+          <a:bodyPr vert="horz" lIns="91440" tIns="45720" rIns="91440" bIns="45720" rtlCol="0" anchor="ctr">
+            <a:noAutofit/>
+          </a:bodyPr>
+          <a:lstStyle>
+            <a:lvl1pPr marL="0" algn="l" defTabSz="685800" rtl="0" eaLnBrk="1" latinLnBrk="0" hangingPunct="1">
+              <a:lnSpc>
+                <a:spcPct val="100000"/>
+              </a:lnSpc>
+              <a:spcBef>
+                <a:spcPct val="0"/>
+              </a:spcBef>
+              <a:buNone/>
+              <a:defRPr lang="en-US" sz="3200" b="1" kern="1200" dirty="0">
+                <a:solidFill>
+                  <a:srgbClr val="002060"/>
+                </a:solidFill>
+                <a:latin typeface="微软雅黑" panose="020B0503020204020204" pitchFamily="34" charset="-122"/>
+                <a:ea typeface="微软雅黑" panose="020B0503020204020204" pitchFamily="34" charset="-122"/>
+                <a:cs typeface="+mn-cs"/>
+              </a:defRPr>
+            </a:lvl1pPr>
+          </a:lstStyle>
+          <a:p>
+            <a:r>
+              <a:rPr lang="zh-CN" altLang="en-US" sz="2000" dirty="0">
+                <a:latin typeface="Arial" panose="020B0604020202020204" pitchFamily="34" charset="0"/>
+                <a:sym typeface="Arial" panose="020B0604020202020204" pitchFamily="34" charset="0"/>
+              </a:rPr>
+              <a:t>权重</a:t>
+            </a:r>
+            <a:r>
+              <a:rPr lang="zh-CN" altLang="en-US" sz="2000" dirty="0">
+                <a:latin typeface="Arial" panose="020B0604020202020204" pitchFamily="34" charset="0"/>
+                <a:sym typeface="Arial" panose="020B0604020202020204" pitchFamily="34" charset="0"/>
+              </a:rPr>
+              <a:t>初始化</a:t>
+            </a:r>
+            <a:endParaRPr lang="zh-CN" altLang="en-US" sz="2000" dirty="0">
+              <a:latin typeface="Arial" panose="020B0604020202020204" pitchFamily="34" charset="0"/>
+              <a:sym typeface="Arial" panose="020B0604020202020204" pitchFamily="34" charset="0"/>
+            </a:endParaRPr>
+          </a:p>
+        </p:txBody>
+      </p:sp>
+    </p:spTree>
+  </p:cSld>
+  <p:clrMapOvr>
+    <a:masterClrMapping/>
+  </p:clrMapOvr>
+  <p:transition advClick="0" advTm="0"/>
+</p:sld>
+</file>
+
+<file path=ppt/slides/slide5.xml><?xml version="1.0" encoding="utf-8"?>
+<p:sld xmlns:a="http://schemas.openxmlformats.org/drawingml/2006/main" xmlns:r="http://schemas.openxmlformats.org/officeDocument/2006/relationships" xmlns:p="http://schemas.openxmlformats.org/presentationml/2006/main">
+  <p:cSld>
+    <p:spTree>
+      <p:nvGrpSpPr>
+        <p:cNvPr id="1" name=""/>
+        <p:cNvGrpSpPr/>
+        <p:nvPr/>
+      </p:nvGrpSpPr>
+      <p:grpSpPr>
+        <a:xfrm>
+          <a:off x="0" y="0"/>
+          <a:ext cx="0" cy="0"/>
+          <a:chOff x="0" y="0"/>
+          <a:chExt cx="0" cy="0"/>
+        </a:xfrm>
+      </p:grpSpPr>
+      <p:sp>
+        <p:nvSpPr>
+          <p:cNvPr id="4" name="矩形 12"/>
+          <p:cNvSpPr>
+            <a:spLocks noChangeArrowheads="1"/>
+          </p:cNvSpPr>
+          <p:nvPr/>
+        </p:nvSpPr>
+        <p:spPr bwMode="auto">
+          <a:xfrm>
+            <a:off x="385125" y="188641"/>
+            <a:ext cx="11568417" cy="583565"/>
+          </a:xfrm>
+          <a:prstGeom prst="rect">
+            <a:avLst/>
+          </a:prstGeom>
+          <a:noFill/>
+          <a:ln>
+            <a:noFill/>
+          </a:ln>
+          <a:extLst>
+            <a:ext uri="{909E8E84-426E-40DD-AFC4-6F175D3DCCD1}">
+              <a14:hiddenFill xmlns:a14="http://schemas.microsoft.com/office/drawing/2010/main">
+                <a:solidFill>
+                  <a:srgbClr val="FFFFFF"/>
+                </a:solidFill>
+              </a14:hiddenFill>
+            </a:ext>
+            <a:ext uri="{91240B29-F687-4F45-9708-019B960494DF}">
+              <a14:hiddenLine xmlns:a14="http://schemas.microsoft.com/office/drawing/2010/main" w="9525">
+                <a:solidFill>
+                  <a:srgbClr val="000000"/>
+                </a:solidFill>
+                <a:miter lim="800000"/>
+                <a:headEnd/>
+                <a:tailEnd/>
+              </a14:hiddenLine>
+            </a:ext>
+          </a:extLst>
+        </p:spPr>
+        <p:txBody>
+          <a:bodyPr wrap="square">
+            <a:spAutoFit/>
+          </a:bodyPr>
+          <a:lstStyle/>
+          <a:p>
+            <a:pPr marL="0" lvl="1" defTabSz="457200">
+              <a:buClr>
+                <a:srgbClr val="FF0000"/>
+              </a:buClr>
+              <a:buSzPct val="100000"/>
+            </a:pPr>
+            <a:r>
+              <a:rPr lang="en-US" altLang="zh-CN" sz="3200" b="1" dirty="0">
+                <a:solidFill>
+                  <a:schemeClr val="bg1"/>
+                </a:solidFill>
+                <a:latin typeface="Arial" panose="020B0604020202020204" pitchFamily="34" charset="0"/>
+                <a:ea typeface="微软雅黑" panose="020B0503020204020204" pitchFamily="34" charset="-122"/>
+                <a:cs typeface="+mn-ea"/>
+                <a:sym typeface="Arial" panose="020B0604020202020204" pitchFamily="34" charset="0"/>
+              </a:rPr>
+              <a:t>1.1</a:t>
+            </a:r>
+            <a:r>
+              <a:rPr lang="zh-CN" altLang="en-US" sz="3200" b="1" dirty="0">
+                <a:solidFill>
+                  <a:schemeClr val="bg1"/>
+                </a:solidFill>
+                <a:latin typeface="Arial" panose="020B0604020202020204" pitchFamily="34" charset="0"/>
+                <a:ea typeface="微软雅黑" panose="020B0503020204020204" pitchFamily="34" charset="-122"/>
+                <a:cs typeface="+mn-ea"/>
+                <a:sym typeface="Arial" panose="020B0604020202020204" pitchFamily="34" charset="0"/>
+              </a:rPr>
+              <a:t>染研究意义</a:t>
+            </a:r>
+            <a:endParaRPr lang="zh-CN" altLang="en-US" sz="3200" b="1" dirty="0">
+              <a:solidFill>
+                <a:schemeClr val="bg1"/>
+              </a:solidFill>
+              <a:latin typeface="Arial" panose="020B0604020202020204" pitchFamily="34" charset="0"/>
+              <a:ea typeface="微软雅黑" panose="020B0503020204020204" pitchFamily="34" charset="-122"/>
+              <a:cs typeface="+mn-ea"/>
+              <a:sym typeface="Arial" panose="020B0604020202020204" pitchFamily="34" charset="0"/>
+            </a:endParaRPr>
+          </a:p>
+        </p:txBody>
+      </p:sp>
+      <p:sp>
+        <p:nvSpPr>
+          <p:cNvPr id="3" name="标题 2"/>
+          <p:cNvSpPr>
+            <a:spLocks noGrp="1"/>
+          </p:cNvSpPr>
+          <p:nvPr>
+            <p:ph type="title"/>
+          </p:nvPr>
+        </p:nvSpPr>
+        <p:spPr/>
+        <p:txBody>
+          <a:bodyPr/>
+          <a:lstStyle/>
+          <a:p>
+            <a:r>
+              <a:rPr lang="en-US" altLang="zh-CN" dirty="0">
+                <a:latin typeface="Arial" panose="020B0604020202020204" pitchFamily="34" charset="0"/>
+                <a:sym typeface="Arial" panose="020B0604020202020204" pitchFamily="34" charset="0"/>
+              </a:rPr>
+              <a:t>3. </a:t>
+            </a:r>
+            <a:r>
+              <a:rPr lang="en-US" altLang="zh-CN" dirty="0">
+                <a:latin typeface="Arial" panose="020B0604020202020204" pitchFamily="34" charset="0"/>
+                <a:sym typeface="Arial" panose="020B0604020202020204" pitchFamily="34" charset="0"/>
+              </a:rPr>
+              <a:t>MLP</a:t>
+            </a:r>
+            <a:endParaRPr lang="en-US" altLang="zh-CN" dirty="0">
+              <a:latin typeface="Arial" panose="020B0604020202020204" pitchFamily="34" charset="0"/>
+              <a:sym typeface="Arial" panose="020B0604020202020204" pitchFamily="34" charset="0"/>
+            </a:endParaRPr>
+          </a:p>
+        </p:txBody>
+      </p:sp>
+      <p:sp>
+        <p:nvSpPr>
+          <p:cNvPr id="7" name="灯片编号占位符 6"/>
+          <p:cNvSpPr>
+            <a:spLocks noGrp="1"/>
+          </p:cNvSpPr>
+          <p:nvPr>
+            <p:ph type="sldNum" sz="quarter" idx="16"/>
+          </p:nvPr>
+        </p:nvSpPr>
+        <p:spPr/>
+        <p:txBody>
+          <a:bodyPr/>
+          <a:lstStyle/>
+          <a:p>
+            <a:pPr>
+              <a:defRPr/>
+            </a:pPr>
+            <a:fld id="{26F565BE-27A9-4834-BA3A-D46EFBA6086A}" type="slidenum">
+              <a:rPr lang="zh-CN" altLang="en-US" smtClean="0">
+                <a:latin typeface="Arial" panose="020B0604020202020204" pitchFamily="34" charset="0"/>
+                <a:sym typeface="Arial" panose="020B0604020202020204" pitchFamily="34" charset="0"/>
+              </a:rPr>
+            </a:fld>
+            <a:endParaRPr lang="zh-CN" altLang="en-US" dirty="0">
+              <a:latin typeface="Arial" panose="020B0604020202020204" pitchFamily="34" charset="0"/>
+              <a:sym typeface="Arial" panose="020B0604020202020204" pitchFamily="34" charset="0"/>
+            </a:endParaRPr>
+          </a:p>
+        </p:txBody>
+      </p:sp>
+      <p:cxnSp>
+        <p:nvCxnSpPr>
+          <p:cNvPr id="8" name="直接连接符 7"/>
+          <p:cNvCxnSpPr/>
+          <p:nvPr/>
+        </p:nvCxnSpPr>
+        <p:spPr>
+          <a:xfrm>
+            <a:off x="0" y="824357"/>
+            <a:ext cx="3877337" cy="0"/>
+          </a:xfrm>
+          <a:prstGeom prst="line">
+            <a:avLst/>
+          </a:prstGeom>
+          <a:ln w="31750">
+            <a:gradFill flip="none" rotWithShape="1">
+              <a:gsLst>
+                <a:gs pos="0">
+                  <a:schemeClr val="accent1">
+                    <a:lumMod val="40000"/>
+                    <a:lumOff val="60000"/>
+                  </a:schemeClr>
+                </a:gs>
+                <a:gs pos="46000">
+                  <a:schemeClr val="accent1">
+                    <a:lumMod val="40000"/>
+                    <a:lumOff val="60000"/>
+                  </a:schemeClr>
+                </a:gs>
+                <a:gs pos="100000">
+                  <a:schemeClr val="accent1">
+                    <a:lumMod val="75000"/>
+                  </a:schemeClr>
+                </a:gs>
+              </a:gsLst>
+              <a:lin ang="10800000" scaled="0"/>
+              <a:tileRect/>
+            </a:gradFill>
+          </a:ln>
+        </p:spPr>
+        <p:style>
+          <a:lnRef idx="3">
+            <a:schemeClr val="dk1"/>
+          </a:lnRef>
+          <a:fillRef idx="0">
+            <a:schemeClr val="dk1"/>
+          </a:fillRef>
+          <a:effectRef idx="2">
+            <a:schemeClr val="dk1"/>
+          </a:effectRef>
+          <a:fontRef idx="minor">
+            <a:schemeClr val="tx1"/>
+          </a:fontRef>
+        </p:style>
+      </p:cxnSp>
+      <p:sp>
+        <p:nvSpPr>
+          <p:cNvPr id="6" name="标题 2"/>
+          <p:cNvSpPr txBox="1"/>
+          <p:nvPr/>
+        </p:nvSpPr>
+        <p:spPr>
+          <a:xfrm>
+            <a:off x="807085" y="1290955"/>
+            <a:ext cx="9041765" cy="650875"/>
+          </a:xfrm>
+          <a:prstGeom prst="rect">
+            <a:avLst/>
+          </a:prstGeom>
+        </p:spPr>
+        <p:txBody>
+          <a:bodyPr vert="horz" lIns="91440" tIns="45720" rIns="91440" bIns="45720" rtlCol="0" anchor="ctr">
+            <a:noAutofit/>
+          </a:bodyPr>
+          <a:lstStyle>
+            <a:lvl1pPr marL="0" algn="l" defTabSz="685800" rtl="0" eaLnBrk="1" latinLnBrk="0" hangingPunct="1">
+              <a:lnSpc>
+                <a:spcPct val="100000"/>
+              </a:lnSpc>
+              <a:spcBef>
+                <a:spcPct val="0"/>
+              </a:spcBef>
+              <a:buNone/>
+              <a:defRPr lang="en-US" sz="3200" b="1" kern="1200" dirty="0">
+                <a:solidFill>
+                  <a:srgbClr val="002060"/>
+                </a:solidFill>
+                <a:latin typeface="微软雅黑" panose="020B0503020204020204" pitchFamily="34" charset="-122"/>
+                <a:ea typeface="微软雅黑" panose="020B0503020204020204" pitchFamily="34" charset="-122"/>
+                <a:cs typeface="+mn-cs"/>
+              </a:defRPr>
+            </a:lvl1pPr>
+          </a:lstStyle>
+          <a:p>
+            <a:r>
+              <a:rPr lang="en-US" altLang="zh-CN" sz="2000" dirty="0">
+                <a:latin typeface="Arial" panose="020B0604020202020204" pitchFamily="34" charset="0"/>
+                <a:sym typeface="Arial" panose="020B0604020202020204" pitchFamily="34" charset="0"/>
+              </a:rPr>
+              <a:t>Batch Normalization: </a:t>
+            </a:r>
+            <a:r>
+              <a:rPr lang="zh-CN" altLang="en-US" sz="2000" dirty="0">
+                <a:latin typeface="Arial" panose="020B0604020202020204" pitchFamily="34" charset="0"/>
+                <a:sym typeface="Arial" panose="020B0604020202020204" pitchFamily="34" charset="0"/>
+              </a:rPr>
+              <a:t>用于激活函数之前，有属于自己的偏差，并且前面的神经元就没有必要出现自己的</a:t>
+            </a:r>
+            <a:r>
+              <a:rPr lang="zh-CN" altLang="en-US" sz="2000" dirty="0">
+                <a:latin typeface="Arial" panose="020B0604020202020204" pitchFamily="34" charset="0"/>
+                <a:sym typeface="Arial" panose="020B0604020202020204" pitchFamily="34" charset="0"/>
+              </a:rPr>
+              <a:t>偏差</a:t>
+            </a:r>
+            <a:endParaRPr lang="zh-CN" altLang="en-US" sz="2000" dirty="0">
+              <a:latin typeface="Arial" panose="020B0604020202020204" pitchFamily="34" charset="0"/>
+              <a:sym typeface="Arial" panose="020B0604020202020204" pitchFamily="34" charset="0"/>
+            </a:endParaRPr>
+          </a:p>
+        </p:txBody>
+      </p:sp>
+      <p:sp>
+        <p:nvSpPr>
+          <p:cNvPr id="2" name="标题 2"/>
+          <p:cNvSpPr txBox="1"/>
+          <p:nvPr/>
+        </p:nvSpPr>
+        <p:spPr>
+          <a:xfrm>
+            <a:off x="1146810" y="4771390"/>
+            <a:ext cx="9041765" cy="650875"/>
+          </a:xfrm>
+          <a:prstGeom prst="rect">
+            <a:avLst/>
+          </a:prstGeom>
+        </p:spPr>
+        <p:txBody>
+          <a:bodyPr vert="horz" lIns="91440" tIns="45720" rIns="91440" bIns="45720" rtlCol="0" anchor="ctr">
+            <a:noAutofit/>
+          </a:bodyPr>
+          <a:lstStyle>
+            <a:lvl1pPr marL="0" algn="l" defTabSz="685800" rtl="0" eaLnBrk="1" latinLnBrk="0" hangingPunct="1">
+              <a:lnSpc>
+                <a:spcPct val="100000"/>
+              </a:lnSpc>
+              <a:spcBef>
+                <a:spcPct val="0"/>
+              </a:spcBef>
+              <a:buNone/>
+              <a:defRPr lang="en-US" sz="3200" b="1" kern="1200" dirty="0">
+                <a:solidFill>
+                  <a:srgbClr val="002060"/>
+                </a:solidFill>
+                <a:latin typeface="微软雅黑" panose="020B0503020204020204" pitchFamily="34" charset="-122"/>
+                <a:ea typeface="微软雅黑" panose="020B0503020204020204" pitchFamily="34" charset="-122"/>
+                <a:cs typeface="+mn-cs"/>
+              </a:defRPr>
+            </a:lvl1pPr>
+          </a:lstStyle>
+          <a:p>
+            <a:r>
+              <a:rPr lang="en-US" altLang="zh-CN" sz="2000" dirty="0">
+                <a:latin typeface="Arial" panose="020B0604020202020204" pitchFamily="34" charset="0"/>
+                <a:sym typeface="Arial" panose="020B0604020202020204" pitchFamily="34" charset="0"/>
+              </a:rPr>
+              <a:t>bnmean_running &amp; bnstd_running: </a:t>
+            </a:r>
+            <a:r>
+              <a:rPr lang="zh-CN" altLang="en-US" sz="2000" dirty="0">
+                <a:latin typeface="Arial" panose="020B0604020202020204" pitchFamily="34" charset="0"/>
+                <a:sym typeface="Arial" panose="020B0604020202020204" pitchFamily="34" charset="0"/>
+              </a:rPr>
+              <a:t>并不是通过反向传播实现，而是在训练过程中不断迭代生成</a:t>
+            </a:r>
+            <a:r>
+              <a:rPr altLang="zh-CN" sz="2000" dirty="0">
+                <a:latin typeface="Arial" panose="020B0604020202020204" pitchFamily="34" charset="0"/>
+                <a:sym typeface="Arial" panose="020B0604020202020204" pitchFamily="34" charset="0"/>
+              </a:rPr>
+              <a:t> ---&gt; with torch.no_grad():</a:t>
+            </a:r>
+            <a:endParaRPr altLang="zh-CN" sz="2000" dirty="0">
+              <a:latin typeface="Arial" panose="020B0604020202020204" pitchFamily="34" charset="0"/>
+              <a:sym typeface="Arial" panose="020B0604020202020204" pitchFamily="34" charset="0"/>
+            </a:endParaRPr>
+          </a:p>
+        </p:txBody>
+      </p:sp>
+      <p:sp>
+        <p:nvSpPr>
+          <p:cNvPr id="5" name="标题 2"/>
+          <p:cNvSpPr txBox="1"/>
+          <p:nvPr/>
+        </p:nvSpPr>
+        <p:spPr>
+          <a:xfrm>
+            <a:off x="934085" y="2173605"/>
+            <a:ext cx="9041765" cy="650875"/>
+          </a:xfrm>
+          <a:prstGeom prst="rect">
+            <a:avLst/>
+          </a:prstGeom>
+        </p:spPr>
+        <p:txBody>
+          <a:bodyPr vert="horz" lIns="91440" tIns="45720" rIns="91440" bIns="45720" rtlCol="0" anchor="ctr">
+            <a:noAutofit/>
+          </a:bodyPr>
+          <a:lstStyle>
+            <a:lvl1pPr marL="0" algn="l" defTabSz="685800" rtl="0" eaLnBrk="1" latinLnBrk="0" hangingPunct="1">
+              <a:lnSpc>
+                <a:spcPct val="100000"/>
+              </a:lnSpc>
+              <a:spcBef>
+                <a:spcPct val="0"/>
+              </a:spcBef>
+              <a:buNone/>
+              <a:defRPr lang="en-US" sz="3200" b="1" kern="1200" dirty="0">
+                <a:solidFill>
+                  <a:srgbClr val="002060"/>
+                </a:solidFill>
+                <a:latin typeface="微软雅黑" panose="020B0503020204020204" pitchFamily="34" charset="-122"/>
+                <a:ea typeface="微软雅黑" panose="020B0503020204020204" pitchFamily="34" charset="-122"/>
+                <a:cs typeface="+mn-cs"/>
+              </a:defRPr>
+            </a:lvl1pPr>
+          </a:lstStyle>
+          <a:p>
+            <a:r>
+              <a:rPr lang="zh-CN" altLang="en-US" sz="2000" dirty="0">
+                <a:latin typeface="Arial" panose="020B0604020202020204" pitchFamily="34" charset="0"/>
+                <a:sym typeface="Arial" panose="020B0604020202020204" pitchFamily="34" charset="0"/>
+              </a:rPr>
+              <a:t>为什么使用</a:t>
+            </a:r>
+            <a:r>
+              <a:rPr altLang="zh-CN" sz="2000" dirty="0">
+                <a:latin typeface="Arial" panose="020B0604020202020204" pitchFamily="34" charset="0"/>
+                <a:sym typeface="Arial" panose="020B0604020202020204" pitchFamily="34" charset="0"/>
+              </a:rPr>
+              <a:t>BN</a:t>
+            </a:r>
+            <a:r>
+              <a:rPr lang="zh-CN" altLang="en-US" sz="2000" dirty="0">
+                <a:latin typeface="Arial" panose="020B0604020202020204" pitchFamily="34" charset="0"/>
+                <a:sym typeface="Arial" panose="020B0604020202020204" pitchFamily="34" charset="0"/>
+              </a:rPr>
+              <a:t>层？</a:t>
+            </a:r>
+            <a:r>
+              <a:rPr altLang="zh-CN" sz="2000" dirty="0">
+                <a:latin typeface="Arial" panose="020B0604020202020204" pitchFamily="34" charset="0"/>
+                <a:sym typeface="Arial" panose="020B0604020202020204" pitchFamily="34" charset="0"/>
+              </a:rPr>
+              <a:t> -&gt; tanh</a:t>
+            </a:r>
+            <a:r>
+              <a:rPr lang="zh-CN" altLang="en-US" sz="2000" dirty="0">
+                <a:latin typeface="Arial" panose="020B0604020202020204" pitchFamily="34" charset="0"/>
+                <a:sym typeface="Arial" panose="020B0604020202020204" pitchFamily="34" charset="0"/>
+              </a:rPr>
+              <a:t>有太多的</a:t>
+            </a:r>
+            <a:r>
+              <a:rPr altLang="zh-CN" sz="2000" dirty="0">
+                <a:latin typeface="Arial" panose="020B0604020202020204" pitchFamily="34" charset="0"/>
+                <a:sym typeface="Arial" panose="020B0604020202020204" pitchFamily="34" charset="0"/>
+              </a:rPr>
+              <a:t> 1 </a:t>
+            </a:r>
+            <a:r>
+              <a:rPr lang="zh-CN" altLang="en-US" sz="2000" dirty="0">
+                <a:latin typeface="Arial" panose="020B0604020202020204" pitchFamily="34" charset="0"/>
+                <a:sym typeface="Arial" panose="020B0604020202020204" pitchFamily="34" charset="0"/>
+              </a:rPr>
+              <a:t>和</a:t>
+            </a:r>
+            <a:r>
+              <a:rPr altLang="zh-CN" sz="2000" dirty="0">
+                <a:latin typeface="Arial" panose="020B0604020202020204" pitchFamily="34" charset="0"/>
+                <a:sym typeface="Arial" panose="020B0604020202020204" pitchFamily="34" charset="0"/>
+              </a:rPr>
+              <a:t> -1</a:t>
+            </a:r>
+            <a:endParaRPr altLang="zh-CN" sz="2000" dirty="0">
+              <a:latin typeface="Arial" panose="020B0604020202020204" pitchFamily="34" charset="0"/>
+              <a:sym typeface="Arial" panose="020B0604020202020204" pitchFamily="34" charset="0"/>
+            </a:endParaRPr>
+          </a:p>
+        </p:txBody>
+      </p:sp>
+      <p:sp>
+        <p:nvSpPr>
+          <p:cNvPr id="9" name="标题 2"/>
+          <p:cNvSpPr txBox="1"/>
+          <p:nvPr/>
+        </p:nvSpPr>
+        <p:spPr>
+          <a:xfrm>
+            <a:off x="1002665" y="2951480"/>
+            <a:ext cx="9041765" cy="650875"/>
+          </a:xfrm>
+          <a:prstGeom prst="rect">
+            <a:avLst/>
+          </a:prstGeom>
+        </p:spPr>
+        <p:txBody>
+          <a:bodyPr vert="horz" lIns="91440" tIns="45720" rIns="91440" bIns="45720" rtlCol="0" anchor="ctr">
+            <a:noAutofit/>
+          </a:bodyPr>
+          <a:lstStyle>
+            <a:lvl1pPr marL="0" algn="l" defTabSz="685800" rtl="0" eaLnBrk="1" latinLnBrk="0" hangingPunct="1">
+              <a:lnSpc>
+                <a:spcPct val="100000"/>
+              </a:lnSpc>
+              <a:spcBef>
+                <a:spcPct val="0"/>
+              </a:spcBef>
+              <a:buNone/>
+              <a:defRPr lang="en-US" sz="3200" b="1" kern="1200" dirty="0">
+                <a:solidFill>
+                  <a:srgbClr val="002060"/>
+                </a:solidFill>
+                <a:latin typeface="微软雅黑" panose="020B0503020204020204" pitchFamily="34" charset="-122"/>
+                <a:ea typeface="微软雅黑" panose="020B0503020204020204" pitchFamily="34" charset="-122"/>
+                <a:cs typeface="+mn-cs"/>
+              </a:defRPr>
+            </a:lvl1pPr>
+          </a:lstStyle>
+          <a:p>
+            <a:r>
+              <a:rPr lang="zh-CN" altLang="en-US" sz="2000" dirty="0">
+                <a:latin typeface="Arial" panose="020B0604020202020204" pitchFamily="34" charset="0"/>
+                <a:sym typeface="Arial" panose="020B0604020202020204" pitchFamily="34" charset="0"/>
+              </a:rPr>
+              <a:t>数学公式</a:t>
+            </a:r>
+            <a:r>
+              <a:rPr altLang="zh-CN" sz="2000" dirty="0">
+                <a:latin typeface="Arial" panose="020B0604020202020204" pitchFamily="34" charset="0"/>
+                <a:sym typeface="Arial" panose="020B0604020202020204" pitchFamily="34" charset="0"/>
+              </a:rPr>
+              <a:t> -&gt; </a:t>
+            </a:r>
+            <a:r>
+              <a:rPr lang="zh-CN" altLang="en-US" sz="2000" dirty="0">
+                <a:latin typeface="Arial" panose="020B0604020202020204" pitchFamily="34" charset="0"/>
+                <a:sym typeface="Arial" panose="020B0604020202020204" pitchFamily="34" charset="0"/>
+              </a:rPr>
+              <a:t>见</a:t>
+            </a:r>
+            <a:r>
+              <a:rPr lang="zh-CN" altLang="en-US" sz="2000" dirty="0">
+                <a:latin typeface="Arial" panose="020B0604020202020204" pitchFamily="34" charset="0"/>
+                <a:sym typeface="Arial" panose="020B0604020202020204" pitchFamily="34" charset="0"/>
+              </a:rPr>
+              <a:t>论文</a:t>
+            </a:r>
+            <a:endParaRPr lang="zh-CN" altLang="en-US" sz="2000" dirty="0">
+              <a:latin typeface="Arial" panose="020B0604020202020204" pitchFamily="34" charset="0"/>
+              <a:sym typeface="Arial" panose="020B0604020202020204" pitchFamily="34" charset="0"/>
+            </a:endParaRPr>
+          </a:p>
+        </p:txBody>
+      </p:sp>
+    </p:spTree>
+  </p:cSld>
+  <p:clrMapOvr>
+    <a:masterClrMapping/>
+  </p:clrMapOvr>
+  <p:transition advClick="0" advTm="0"/>
+</p:sld>
+</file>
+
+<file path=ppt/slides/slide6.xml><?xml version="1.0" encoding="utf-8"?>
+<p:sld xmlns:a="http://schemas.openxmlformats.org/drawingml/2006/main" xmlns:r="http://schemas.openxmlformats.org/officeDocument/2006/relationships" xmlns:p="http://schemas.openxmlformats.org/presentationml/2006/main">
+  <p:cSld>
+    <p:spTree>
+      <p:nvGrpSpPr>
+        <p:cNvPr id="1" name=""/>
+        <p:cNvGrpSpPr/>
+        <p:nvPr/>
+      </p:nvGrpSpPr>
+      <p:grpSpPr>
+        <a:xfrm>
+          <a:off x="0" y="0"/>
+          <a:ext cx="0" cy="0"/>
+          <a:chOff x="0" y="0"/>
+          <a:chExt cx="0" cy="0"/>
+        </a:xfrm>
+      </p:grpSpPr>
+      <p:sp>
+        <p:nvSpPr>
+          <p:cNvPr id="4" name="矩形 12"/>
           <p:cNvSpPr>
             <a:spLocks noChangeArrowheads="1"/>
           </p:cNvSpPr>
@@ -8750,18 +12019,21 @@
               </a:rPr>
               <a:t>大气污染研究意义</a:t>
             </a:r>
-          </a:p>
-        </p:txBody>
-      </p:sp>
-      <p:sp>
-        <p:nvSpPr>
-          <p:cNvPr id="3" name="标题 2">
-            <a:extLst>
-              <a:ext uri="{FF2B5EF4-FFF2-40B4-BE49-F238E27FC236}">
-                <a16:creationId xmlns:a16="http://schemas.microsoft.com/office/drawing/2014/main" id="{23511F03-0FA2-491A-BB93-1916D1A435B2}"/>
-              </a:ext>
-            </a:extLst>
-          </p:cNvPr>
+            <a:endParaRPr lang="zh-CN" altLang="en-US" sz="3200" b="1" dirty="0">
+              <a:solidFill>
+                <a:schemeClr val="bg1"/>
+              </a:solidFill>
+              <a:latin typeface="Arial" panose="020B0604020202020204" pitchFamily="34" charset="0"/>
+              <a:ea typeface="微软雅黑" panose="020B0503020204020204" pitchFamily="34" charset="-122"/>
+              <a:cs typeface="+mn-ea"/>
+              <a:sym typeface="Arial" panose="020B0604020202020204" pitchFamily="34" charset="0"/>
+            </a:endParaRPr>
+          </a:p>
+        </p:txBody>
+      </p:sp>
+      <p:sp>
+        <p:nvSpPr>
+          <p:cNvPr id="3" name="标题 2"/>
           <p:cNvSpPr>
             <a:spLocks noGrp="1"/>
           </p:cNvSpPr>
@@ -8790,13 +12062,7 @@
       </p:sp>
       <p:sp>
         <p:nvSpPr>
-          <p:cNvPr id="7" name="灯片编号占位符 6">
-            <a:extLst>
-              <a:ext uri="{FF2B5EF4-FFF2-40B4-BE49-F238E27FC236}">
-                <a16:creationId xmlns:a16="http://schemas.microsoft.com/office/drawing/2014/main" id="{E5A1D114-3409-4CE9-83C9-021FA211102E}"/>
-              </a:ext>
-            </a:extLst>
-          </p:cNvPr>
+          <p:cNvPr id="7" name="灯片编号占位符 6"/>
           <p:cNvSpPr>
             <a:spLocks noGrp="1"/>
           </p:cNvSpPr>
@@ -8817,10 +12083,6 @@
                 <a:latin typeface="Arial" panose="020B0604020202020204" pitchFamily="34" charset="0"/>
                 <a:sym typeface="Arial" panose="020B0604020202020204" pitchFamily="34" charset="0"/>
               </a:rPr>
-              <a:pPr>
-                <a:defRPr/>
-              </a:pPr>
-              <a:t>4</a:t>
             </a:fld>
             <a:endParaRPr lang="zh-CN" altLang="en-US" dirty="0">
               <a:latin typeface="Arial" panose="020B0604020202020204" pitchFamily="34" charset="0"/>
@@ -8831,16 +12093,8 @@
       </p:sp>
       <p:cxnSp>
         <p:nvCxnSpPr>
-          <p:cNvPr id="8" name="直接连接符 7">
-            <a:extLst>
-              <a:ext uri="{FF2B5EF4-FFF2-40B4-BE49-F238E27FC236}">
-                <a16:creationId xmlns:a16="http://schemas.microsoft.com/office/drawing/2014/main" id="{7DA522CE-2F4E-4377-944A-0BFC6047D076}"/>
-              </a:ext>
-            </a:extLst>
-          </p:cNvPr>
-          <p:cNvCxnSpPr>
-            <a:cxnSpLocks/>
-          </p:cNvCxnSpPr>
+          <p:cNvPr id="8" name="直接连接符 7"/>
+          <p:cNvCxnSpPr/>
           <p:nvPr/>
         </p:nvCxnSpPr>
         <p:spPr>
@@ -8893,17 +12147,18 @@
         </p:style>
       </p:cxnSp>
     </p:spTree>
-    <p:extLst>
-      <p:ext uri="{BB962C8B-B14F-4D97-AF65-F5344CB8AC3E}">
-        <p14:creationId xmlns:p14="http://schemas.microsoft.com/office/powerpoint/2010/main" val="2432638051"/>
-      </p:ext>
-    </p:extLst>
   </p:cSld>
   <p:clrMapOvr>
     <a:masterClrMapping/>
   </p:clrMapOvr>
   <p:transition advClick="0" advTm="0"/>
 </p:sld>
+</file>
+
+<file path=ppt/tags/tag1.xml><?xml version="1.0" encoding="utf-8"?>
+<p:tagLst xmlns:p="http://schemas.openxmlformats.org/presentationml/2006/main">
+  <p:tag name="commondata" val="eyJoZGlkIjoiY2FmYTYyYWNkNTFkZTNmY2FlZjYwMTA0ODlkOGE3M2QifQ=="/>
+</p:tagLst>
 </file>
 
 <file path=ppt/theme/theme1.xml><?xml version="1.0" encoding="utf-8"?>
@@ -8949,7 +12204,7 @@
     </a:clrScheme>
     <a:fontScheme name="Office">
       <a:majorFont>
-        <a:latin typeface="等线 Light" panose="020F0302020204030204"/>
+        <a:latin typeface="等线 Light"/>
         <a:ea typeface=""/>
         <a:cs typeface=""/>
         <a:font script="Jpan" typeface="游ゴシック Light"/>
@@ -8982,26 +12237,9 @@
         <a:font script="Viet" typeface="Times New Roman"/>
         <a:font script="Uigh" typeface="Microsoft Uighur"/>
         <a:font script="Geor" typeface="Sylfaen"/>
-        <a:font script="Armn" typeface="Arial"/>
-        <a:font script="Bugi" typeface="Leelawadee UI"/>
-        <a:font script="Bopo" typeface="Microsoft JhengHei"/>
-        <a:font script="Java" typeface="Javanese Text"/>
-        <a:font script="Lisu" typeface="Segoe UI"/>
-        <a:font script="Mymr" typeface="Myanmar Text"/>
-        <a:font script="Nkoo" typeface="Ebrima"/>
-        <a:font script="Olck" typeface="Nirmala UI"/>
-        <a:font script="Osma" typeface="Ebrima"/>
-        <a:font script="Phag" typeface="Phagspa"/>
-        <a:font script="Syrn" typeface="Estrangelo Edessa"/>
-        <a:font script="Syrj" typeface="Estrangelo Edessa"/>
-        <a:font script="Syre" typeface="Estrangelo Edessa"/>
-        <a:font script="Sora" typeface="Nirmala UI"/>
-        <a:font script="Tale" typeface="Microsoft Tai Le"/>
-        <a:font script="Talu" typeface="Microsoft New Tai Lue"/>
-        <a:font script="Tfng" typeface="Ebrima"/>
       </a:majorFont>
       <a:minorFont>
-        <a:latin typeface="等线" panose="020F0502020204030204"/>
+        <a:latin typeface="等线"/>
         <a:ea typeface=""/>
         <a:cs typeface=""/>
         <a:font script="Jpan" typeface="游ゴシック"/>
@@ -9034,23 +12272,6 @@
         <a:font script="Viet" typeface="Arial"/>
         <a:font script="Uigh" typeface="Microsoft Uighur"/>
         <a:font script="Geor" typeface="Sylfaen"/>
-        <a:font script="Armn" typeface="Arial"/>
-        <a:font script="Bugi" typeface="Leelawadee UI"/>
-        <a:font script="Bopo" typeface="Microsoft JhengHei"/>
-        <a:font script="Java" typeface="Javanese Text"/>
-        <a:font script="Lisu" typeface="Segoe UI"/>
-        <a:font script="Mymr" typeface="Myanmar Text"/>
-        <a:font script="Nkoo" typeface="Ebrima"/>
-        <a:font script="Olck" typeface="Nirmala UI"/>
-        <a:font script="Osma" typeface="Ebrima"/>
-        <a:font script="Phag" typeface="Phagspa"/>
-        <a:font script="Syrn" typeface="Estrangelo Edessa"/>
-        <a:font script="Syrj" typeface="Estrangelo Edessa"/>
-        <a:font script="Syre" typeface="Estrangelo Edessa"/>
-        <a:font script="Sora" typeface="Nirmala UI"/>
-        <a:font script="Tale" typeface="Microsoft Tai Le"/>
-        <a:font script="Talu" typeface="Microsoft New Tai Lue"/>
-        <a:font script="Tfng" typeface="Ebrima"/>
       </a:minorFont>
     </a:fontScheme>
     <a:fmtScheme name="Office">
@@ -9191,8 +12412,6 @@
       </a:bgFillStyleLst>
     </a:fmtScheme>
   </a:themeElements>
-  <a:objectDefaults/>
-  <a:extraClrSchemeLst/>
   <a:extLst>
     <a:ext uri="{05A4C25C-085E-4340-85A3-A5531E510DB2}">
       <thm15:themeFamily xmlns:thm15="http://schemas.microsoft.com/office/thememl/2012/main" name="Office Theme" id="{62F939B6-93AF-4DB8-9C6B-D6C7DFDC589F}" vid="{4A3C46E8-61CC-4603-A589-7422A47A8E4A}"/>
@@ -9202,7 +12421,7 @@
 </file>
 
 <file path=ppt/theme/theme2.xml><?xml version="1.0" encoding="utf-8"?>
-<a:theme xmlns:a="http://schemas.openxmlformats.org/drawingml/2006/main" name="Office 主题​​">
+<a:theme xmlns:a="http://schemas.openxmlformats.org/drawingml/2006/main" name="1_Office 主题​​">
   <a:themeElements>
     <a:clrScheme name="Office">
       <a:dk1>
@@ -9244,7 +12463,7 @@
     </a:clrScheme>
     <a:fontScheme name="Office">
       <a:majorFont>
-        <a:latin typeface="等线 Light" panose="020F0302020204030204"/>
+        <a:latin typeface="等线 Light"/>
         <a:ea typeface=""/>
         <a:cs typeface=""/>
         <a:font script="Jpan" typeface="游ゴシック Light"/>
@@ -9277,26 +12496,9 @@
         <a:font script="Viet" typeface="Times New Roman"/>
         <a:font script="Uigh" typeface="Microsoft Uighur"/>
         <a:font script="Geor" typeface="Sylfaen"/>
-        <a:font script="Armn" typeface="Arial"/>
-        <a:font script="Bugi" typeface="Leelawadee UI"/>
-        <a:font script="Bopo" typeface="Microsoft JhengHei"/>
-        <a:font script="Java" typeface="Javanese Text"/>
-        <a:font script="Lisu" typeface="Segoe UI"/>
-        <a:font script="Mymr" typeface="Myanmar Text"/>
-        <a:font script="Nkoo" typeface="Ebrima"/>
-        <a:font script="Olck" typeface="Nirmala UI"/>
-        <a:font script="Osma" typeface="Ebrima"/>
-        <a:font script="Phag" typeface="Phagspa"/>
-        <a:font script="Syrn" typeface="Estrangelo Edessa"/>
-        <a:font script="Syrj" typeface="Estrangelo Edessa"/>
-        <a:font script="Syre" typeface="Estrangelo Edessa"/>
-        <a:font script="Sora" typeface="Nirmala UI"/>
-        <a:font script="Tale" typeface="Microsoft Tai Le"/>
-        <a:font script="Talu" typeface="Microsoft New Tai Lue"/>
-        <a:font script="Tfng" typeface="Ebrima"/>
       </a:majorFont>
       <a:minorFont>
-        <a:latin typeface="等线" panose="020F0502020204030204"/>
+        <a:latin typeface="等线"/>
         <a:ea typeface=""/>
         <a:cs typeface=""/>
         <a:font script="Jpan" typeface="游ゴシック"/>
@@ -9329,23 +12531,6 @@
         <a:font script="Viet" typeface="Arial"/>
         <a:font script="Uigh" typeface="Microsoft Uighur"/>
         <a:font script="Geor" typeface="Sylfaen"/>
-        <a:font script="Armn" typeface="Arial"/>
-        <a:font script="Bugi" typeface="Leelawadee UI"/>
-        <a:font script="Bopo" typeface="Microsoft JhengHei"/>
-        <a:font script="Java" typeface="Javanese Text"/>
-        <a:font script="Lisu" typeface="Segoe UI"/>
-        <a:font script="Mymr" typeface="Myanmar Text"/>
-        <a:font script="Nkoo" typeface="Ebrima"/>
-        <a:font script="Olck" typeface="Nirmala UI"/>
-        <a:font script="Osma" typeface="Ebrima"/>
-        <a:font script="Phag" typeface="Phagspa"/>
-        <a:font script="Syrn" typeface="Estrangelo Edessa"/>
-        <a:font script="Syrj" typeface="Estrangelo Edessa"/>
-        <a:font script="Syre" typeface="Estrangelo Edessa"/>
-        <a:font script="Sora" typeface="Nirmala UI"/>
-        <a:font script="Tale" typeface="Microsoft Tai Le"/>
-        <a:font script="Talu" typeface="Microsoft New Tai Lue"/>
-        <a:font script="Tfng" typeface="Ebrima"/>
       </a:minorFont>
     </a:fontScheme>
     <a:fmtScheme name="Office">
@@ -9486,8 +12671,265 @@
       </a:bgFillStyleLst>
     </a:fmtScheme>
   </a:themeElements>
-  <a:objectDefaults/>
-  <a:extraClrSchemeLst/>
+  <a:extLst>
+    <a:ext uri="{05A4C25C-085E-4340-85A3-A5531E510DB2}">
+      <thm15:themeFamily xmlns:thm15="http://schemas.microsoft.com/office/thememl/2012/main" name="Office Theme" id="{62F939B6-93AF-4DB8-9C6B-D6C7DFDC589F}" vid="{4A3C46E8-61CC-4603-A589-7422A47A8E4A}"/>
+    </a:ext>
+  </a:extLst>
+</a:theme>
+</file>
+
+<file path=ppt/theme/theme3.xml><?xml version="1.0" encoding="utf-8"?>
+<a:theme xmlns:a="http://schemas.openxmlformats.org/drawingml/2006/main" name="Office 主题​​">
+  <a:themeElements>
+    <a:clrScheme name="Office">
+      <a:dk1>
+        <a:sysClr val="windowText" lastClr="000000"/>
+      </a:dk1>
+      <a:lt1>
+        <a:sysClr val="window" lastClr="FFFFFF"/>
+      </a:lt1>
+      <a:dk2>
+        <a:srgbClr val="44546A"/>
+      </a:dk2>
+      <a:lt2>
+        <a:srgbClr val="E7E6E6"/>
+      </a:lt2>
+      <a:accent1>
+        <a:srgbClr val="4472C4"/>
+      </a:accent1>
+      <a:accent2>
+        <a:srgbClr val="ED7D31"/>
+      </a:accent2>
+      <a:accent3>
+        <a:srgbClr val="A5A5A5"/>
+      </a:accent3>
+      <a:accent4>
+        <a:srgbClr val="FFC000"/>
+      </a:accent4>
+      <a:accent5>
+        <a:srgbClr val="5B9BD5"/>
+      </a:accent5>
+      <a:accent6>
+        <a:srgbClr val="70AD47"/>
+      </a:accent6>
+      <a:hlink>
+        <a:srgbClr val="0563C1"/>
+      </a:hlink>
+      <a:folHlink>
+        <a:srgbClr val="954F72"/>
+      </a:folHlink>
+    </a:clrScheme>
+    <a:fontScheme name="Office">
+      <a:majorFont>
+        <a:latin typeface="等线 Light"/>
+        <a:ea typeface=""/>
+        <a:cs typeface=""/>
+        <a:font script="Jpan" typeface="游ゴシック Light"/>
+        <a:font script="Hang" typeface="맑은 고딕"/>
+        <a:font script="Hans" typeface="等线 Light"/>
+        <a:font script="Hant" typeface="新細明體"/>
+        <a:font script="Arab" typeface="Times New Roman"/>
+        <a:font script="Hebr" typeface="Times New Roman"/>
+        <a:font script="Thai" typeface="Angsana New"/>
+        <a:font script="Ethi" typeface="Nyala"/>
+        <a:font script="Beng" typeface="Vrinda"/>
+        <a:font script="Gujr" typeface="Shruti"/>
+        <a:font script="Khmr" typeface="MoolBoran"/>
+        <a:font script="Knda" typeface="Tunga"/>
+        <a:font script="Guru" typeface="Raavi"/>
+        <a:font script="Cans" typeface="Euphemia"/>
+        <a:font script="Cher" typeface="Plantagenet Cherokee"/>
+        <a:font script="Yiii" typeface="Microsoft Yi Baiti"/>
+        <a:font script="Tibt" typeface="Microsoft Himalaya"/>
+        <a:font script="Thaa" typeface="MV Boli"/>
+        <a:font script="Deva" typeface="Mangal"/>
+        <a:font script="Telu" typeface="Gautami"/>
+        <a:font script="Taml" typeface="Latha"/>
+        <a:font script="Syrc" typeface="Estrangelo Edessa"/>
+        <a:font script="Orya" typeface="Kalinga"/>
+        <a:font script="Mlym" typeface="Kartika"/>
+        <a:font script="Laoo" typeface="DokChampa"/>
+        <a:font script="Sinh" typeface="Iskoola Pota"/>
+        <a:font script="Mong" typeface="Mongolian Baiti"/>
+        <a:font script="Viet" typeface="Times New Roman"/>
+        <a:font script="Uigh" typeface="Microsoft Uighur"/>
+        <a:font script="Geor" typeface="Sylfaen"/>
+      </a:majorFont>
+      <a:minorFont>
+        <a:latin typeface="等线"/>
+        <a:ea typeface=""/>
+        <a:cs typeface=""/>
+        <a:font script="Jpan" typeface="游ゴシック"/>
+        <a:font script="Hang" typeface="맑은 고딕"/>
+        <a:font script="Hans" typeface="等线"/>
+        <a:font script="Hant" typeface="新細明體"/>
+        <a:font script="Arab" typeface="Arial"/>
+        <a:font script="Hebr" typeface="Arial"/>
+        <a:font script="Thai" typeface="Cordia New"/>
+        <a:font script="Ethi" typeface="Nyala"/>
+        <a:font script="Beng" typeface="Vrinda"/>
+        <a:font script="Gujr" typeface="Shruti"/>
+        <a:font script="Khmr" typeface="DaunPenh"/>
+        <a:font script="Knda" typeface="Tunga"/>
+        <a:font script="Guru" typeface="Raavi"/>
+        <a:font script="Cans" typeface="Euphemia"/>
+        <a:font script="Cher" typeface="Plantagenet Cherokee"/>
+        <a:font script="Yiii" typeface="Microsoft Yi Baiti"/>
+        <a:font script="Tibt" typeface="Microsoft Himalaya"/>
+        <a:font script="Thaa" typeface="MV Boli"/>
+        <a:font script="Deva" typeface="Mangal"/>
+        <a:font script="Telu" typeface="Gautami"/>
+        <a:font script="Taml" typeface="Latha"/>
+        <a:font script="Syrc" typeface="Estrangelo Edessa"/>
+        <a:font script="Orya" typeface="Kalinga"/>
+        <a:font script="Mlym" typeface="Kartika"/>
+        <a:font script="Laoo" typeface="DokChampa"/>
+        <a:font script="Sinh" typeface="Iskoola Pota"/>
+        <a:font script="Mong" typeface="Mongolian Baiti"/>
+        <a:font script="Viet" typeface="Arial"/>
+        <a:font script="Uigh" typeface="Microsoft Uighur"/>
+        <a:font script="Geor" typeface="Sylfaen"/>
+      </a:minorFont>
+    </a:fontScheme>
+    <a:fmtScheme name="Office">
+      <a:fillStyleLst>
+        <a:solidFill>
+          <a:schemeClr val="phClr"/>
+        </a:solidFill>
+        <a:gradFill rotWithShape="1">
+          <a:gsLst>
+            <a:gs pos="0">
+              <a:schemeClr val="phClr">
+                <a:lumMod val="110000"/>
+                <a:satMod val="105000"/>
+                <a:tint val="67000"/>
+              </a:schemeClr>
+            </a:gs>
+            <a:gs pos="50000">
+              <a:schemeClr val="phClr">
+                <a:lumMod val="105000"/>
+                <a:satMod val="103000"/>
+                <a:tint val="73000"/>
+              </a:schemeClr>
+            </a:gs>
+            <a:gs pos="100000">
+              <a:schemeClr val="phClr">
+                <a:lumMod val="105000"/>
+                <a:satMod val="109000"/>
+                <a:tint val="81000"/>
+              </a:schemeClr>
+            </a:gs>
+          </a:gsLst>
+          <a:lin ang="5400000" scaled="0"/>
+        </a:gradFill>
+        <a:gradFill rotWithShape="1">
+          <a:gsLst>
+            <a:gs pos="0">
+              <a:schemeClr val="phClr">
+                <a:satMod val="103000"/>
+                <a:lumMod val="102000"/>
+                <a:tint val="94000"/>
+              </a:schemeClr>
+            </a:gs>
+            <a:gs pos="50000">
+              <a:schemeClr val="phClr">
+                <a:satMod val="110000"/>
+                <a:lumMod val="100000"/>
+                <a:shade val="100000"/>
+              </a:schemeClr>
+            </a:gs>
+            <a:gs pos="100000">
+              <a:schemeClr val="phClr">
+                <a:lumMod val="99000"/>
+                <a:satMod val="120000"/>
+                <a:shade val="78000"/>
+              </a:schemeClr>
+            </a:gs>
+          </a:gsLst>
+          <a:lin ang="5400000" scaled="0"/>
+        </a:gradFill>
+      </a:fillStyleLst>
+      <a:lnStyleLst>
+        <a:ln w="6350" cap="flat" cmpd="sng" algn="ctr">
+          <a:solidFill>
+            <a:schemeClr val="phClr"/>
+          </a:solidFill>
+          <a:prstDash val="solid"/>
+          <a:miter lim="800000"/>
+        </a:ln>
+        <a:ln w="12700" cap="flat" cmpd="sng" algn="ctr">
+          <a:solidFill>
+            <a:schemeClr val="phClr"/>
+          </a:solidFill>
+          <a:prstDash val="solid"/>
+          <a:miter lim="800000"/>
+        </a:ln>
+        <a:ln w="19050" cap="flat" cmpd="sng" algn="ctr">
+          <a:solidFill>
+            <a:schemeClr val="phClr"/>
+          </a:solidFill>
+          <a:prstDash val="solid"/>
+          <a:miter lim="800000"/>
+        </a:ln>
+      </a:lnStyleLst>
+      <a:effectStyleLst>
+        <a:effectStyle>
+          <a:effectLst/>
+        </a:effectStyle>
+        <a:effectStyle>
+          <a:effectLst/>
+        </a:effectStyle>
+        <a:effectStyle>
+          <a:effectLst>
+            <a:outerShdw blurRad="57150" dist="19050" dir="5400000" algn="ctr" rotWithShape="0">
+              <a:srgbClr val="000000">
+                <a:alpha val="63000"/>
+              </a:srgbClr>
+            </a:outerShdw>
+          </a:effectLst>
+        </a:effectStyle>
+      </a:effectStyleLst>
+      <a:bgFillStyleLst>
+        <a:solidFill>
+          <a:schemeClr val="phClr"/>
+        </a:solidFill>
+        <a:solidFill>
+          <a:schemeClr val="phClr">
+            <a:tint val="95000"/>
+            <a:satMod val="170000"/>
+          </a:schemeClr>
+        </a:solidFill>
+        <a:gradFill rotWithShape="1">
+          <a:gsLst>
+            <a:gs pos="0">
+              <a:schemeClr val="phClr">
+                <a:tint val="93000"/>
+                <a:satMod val="150000"/>
+                <a:shade val="98000"/>
+                <a:lumMod val="102000"/>
+              </a:schemeClr>
+            </a:gs>
+            <a:gs pos="50000">
+              <a:schemeClr val="phClr">
+                <a:tint val="98000"/>
+                <a:satMod val="130000"/>
+                <a:shade val="90000"/>
+                <a:lumMod val="103000"/>
+              </a:schemeClr>
+            </a:gs>
+            <a:gs pos="100000">
+              <a:schemeClr val="phClr">
+                <a:shade val="63000"/>
+                <a:satMod val="120000"/>
+              </a:schemeClr>
+            </a:gs>
+          </a:gsLst>
+          <a:lin ang="5400000" scaled="0"/>
+        </a:gradFill>
+      </a:bgFillStyleLst>
+    </a:fmtScheme>
+  </a:themeElements>
   <a:extLst>
     <a:ext uri="{05A4C25C-085E-4340-85A3-A5531E510DB2}">
       <thm15:themeFamily xmlns:thm15="http://schemas.microsoft.com/office/thememl/2012/main" name="Office Theme" id="{62F939B6-93AF-4DB8-9C6B-D6C7DFDC589F}" vid="{4A3C46E8-61CC-4603-A589-7422A47A8E4A}"/>

--- a/Summary.pptx
+++ b/Summary.pptx
@@ -12,14 +12,17 @@
     <p:sldId id="1446" r:id="rId4"/>
     <p:sldId id="1448" r:id="rId6"/>
     <p:sldId id="1449" r:id="rId7"/>
-    <p:sldId id="1451" r:id="rId8"/>
-    <p:sldId id="1452" r:id="rId9"/>
-    <p:sldId id="1447" r:id="rId10"/>
+    <p:sldId id="1454" r:id="rId8"/>
+    <p:sldId id="1451" r:id="rId9"/>
+    <p:sldId id="1452" r:id="rId10"/>
+    <p:sldId id="1458" r:id="rId11"/>
+    <p:sldId id="1459" r:id="rId12"/>
+    <p:sldId id="1447" r:id="rId13"/>
   </p:sldIdLst>
   <p:sldSz cx="12192000" cy="6858000"/>
   <p:notesSz cx="6858000" cy="9144000"/>
   <p:custDataLst>
-    <p:tags r:id="rId14"/>
+    <p:tags r:id="rId17"/>
   </p:custDataLst>
   <p:defaultTextStyle>
     <a:defPPr>
@@ -812,6 +815,213 @@
 </file>
 
 <file path=ppt/notesSlides/notesSlide6.xml><?xml version="1.0" encoding="utf-8"?>
+<p:notes xmlns:a="http://schemas.openxmlformats.org/drawingml/2006/main" xmlns:r="http://schemas.openxmlformats.org/officeDocument/2006/relationships" xmlns:p="http://schemas.openxmlformats.org/presentationml/2006/main">
+  <p:cSld>
+    <p:spTree>
+      <p:nvGrpSpPr>
+        <p:cNvPr id="1" name=""/>
+        <p:cNvGrpSpPr/>
+        <p:nvPr/>
+      </p:nvGrpSpPr>
+      <p:grpSpPr>
+        <a:xfrm>
+          <a:off x="0" y="0"/>
+          <a:ext cx="0" cy="0"/>
+          <a:chOff x="0" y="0"/>
+          <a:chExt cx="0" cy="0"/>
+        </a:xfrm>
+      </p:grpSpPr>
+      <p:sp>
+        <p:nvSpPr>
+          <p:cNvPr id="2" name="幻灯片图像占位符 1"/>
+          <p:cNvSpPr>
+            <a:spLocks noGrp="1" noRot="1" noChangeAspect="1"/>
+          </p:cNvSpPr>
+          <p:nvPr>
+            <p:ph type="sldImg"/>
+          </p:nvPr>
+        </p:nvSpPr>
+        <p:spPr/>
+      </p:sp>
+      <p:sp>
+        <p:nvSpPr>
+          <p:cNvPr id="3" name="备注占位符 2"/>
+          <p:cNvSpPr>
+            <a:spLocks noGrp="1"/>
+          </p:cNvSpPr>
+          <p:nvPr>
+            <p:ph type="body" idx="1"/>
+          </p:nvPr>
+        </p:nvSpPr>
+        <p:spPr/>
+        <p:txBody>
+          <a:bodyPr/>
+          <a:lstStyle/>
+          <a:p>
+            <a:pPr marL="0" indent="-457200">
+              <a:lnSpc>
+                <a:spcPct val="135000"/>
+              </a:lnSpc>
+              <a:buNone/>
+            </a:pPr>
+            <a:endParaRPr lang="zh-CN" altLang="en-US" sz="1000" dirty="0">
+              <a:solidFill>
+                <a:srgbClr val="00246C"/>
+              </a:solidFill>
+              <a:ea typeface="+mn-ea"/>
+              <a:cs typeface="+mn-ea"/>
+              <a:sym typeface="+mn-lt"/>
+            </a:endParaRPr>
+          </a:p>
+        </p:txBody>
+      </p:sp>
+    </p:spTree>
+  </p:cSld>
+  <p:clrMapOvr>
+    <a:masterClrMapping/>
+  </p:clrMapOvr>
+</p:notes>
+</file>
+
+<file path=ppt/notesSlides/notesSlide7.xml><?xml version="1.0" encoding="utf-8"?>
+<p:notes xmlns:a="http://schemas.openxmlformats.org/drawingml/2006/main" xmlns:r="http://schemas.openxmlformats.org/officeDocument/2006/relationships" xmlns:p="http://schemas.openxmlformats.org/presentationml/2006/main">
+  <p:cSld>
+    <p:spTree>
+      <p:nvGrpSpPr>
+        <p:cNvPr id="1" name=""/>
+        <p:cNvGrpSpPr/>
+        <p:nvPr/>
+      </p:nvGrpSpPr>
+      <p:grpSpPr>
+        <a:xfrm>
+          <a:off x="0" y="0"/>
+          <a:ext cx="0" cy="0"/>
+          <a:chOff x="0" y="0"/>
+          <a:chExt cx="0" cy="0"/>
+        </a:xfrm>
+      </p:grpSpPr>
+      <p:sp>
+        <p:nvSpPr>
+          <p:cNvPr id="2" name="幻灯片图像占位符 1"/>
+          <p:cNvSpPr>
+            <a:spLocks noGrp="1" noRot="1" noChangeAspect="1"/>
+          </p:cNvSpPr>
+          <p:nvPr>
+            <p:ph type="sldImg"/>
+          </p:nvPr>
+        </p:nvSpPr>
+        <p:spPr/>
+      </p:sp>
+      <p:sp>
+        <p:nvSpPr>
+          <p:cNvPr id="3" name="备注占位符 2"/>
+          <p:cNvSpPr>
+            <a:spLocks noGrp="1"/>
+          </p:cNvSpPr>
+          <p:nvPr>
+            <p:ph type="body" idx="1"/>
+          </p:nvPr>
+        </p:nvSpPr>
+        <p:spPr/>
+        <p:txBody>
+          <a:bodyPr/>
+          <a:lstStyle/>
+          <a:p>
+            <a:pPr marL="0" indent="-457200">
+              <a:lnSpc>
+                <a:spcPct val="135000"/>
+              </a:lnSpc>
+              <a:buNone/>
+            </a:pPr>
+            <a:endParaRPr lang="zh-CN" altLang="en-US" sz="1000" dirty="0">
+              <a:solidFill>
+                <a:srgbClr val="00246C"/>
+              </a:solidFill>
+              <a:ea typeface="+mn-ea"/>
+              <a:cs typeface="+mn-ea"/>
+              <a:sym typeface="+mn-lt"/>
+            </a:endParaRPr>
+          </a:p>
+        </p:txBody>
+      </p:sp>
+    </p:spTree>
+  </p:cSld>
+  <p:clrMapOvr>
+    <a:masterClrMapping/>
+  </p:clrMapOvr>
+</p:notes>
+</file>
+
+<file path=ppt/notesSlides/notesSlide8.xml><?xml version="1.0" encoding="utf-8"?>
+<p:notes xmlns:a="http://schemas.openxmlformats.org/drawingml/2006/main" xmlns:r="http://schemas.openxmlformats.org/officeDocument/2006/relationships" xmlns:p="http://schemas.openxmlformats.org/presentationml/2006/main">
+  <p:cSld>
+    <p:spTree>
+      <p:nvGrpSpPr>
+        <p:cNvPr id="1" name=""/>
+        <p:cNvGrpSpPr/>
+        <p:nvPr/>
+      </p:nvGrpSpPr>
+      <p:grpSpPr>
+        <a:xfrm>
+          <a:off x="0" y="0"/>
+          <a:ext cx="0" cy="0"/>
+          <a:chOff x="0" y="0"/>
+          <a:chExt cx="0" cy="0"/>
+        </a:xfrm>
+      </p:grpSpPr>
+      <p:sp>
+        <p:nvSpPr>
+          <p:cNvPr id="2" name="幻灯片图像占位符 1"/>
+          <p:cNvSpPr>
+            <a:spLocks noGrp="1" noRot="1" noChangeAspect="1"/>
+          </p:cNvSpPr>
+          <p:nvPr>
+            <p:ph type="sldImg"/>
+          </p:nvPr>
+        </p:nvSpPr>
+        <p:spPr/>
+      </p:sp>
+      <p:sp>
+        <p:nvSpPr>
+          <p:cNvPr id="3" name="备注占位符 2"/>
+          <p:cNvSpPr>
+            <a:spLocks noGrp="1"/>
+          </p:cNvSpPr>
+          <p:nvPr>
+            <p:ph type="body" idx="1"/>
+          </p:nvPr>
+        </p:nvSpPr>
+        <p:spPr/>
+        <p:txBody>
+          <a:bodyPr/>
+          <a:lstStyle/>
+          <a:p>
+            <a:pPr marL="0" indent="-457200">
+              <a:lnSpc>
+                <a:spcPct val="135000"/>
+              </a:lnSpc>
+              <a:buNone/>
+            </a:pPr>
+            <a:endParaRPr lang="zh-CN" altLang="en-US" sz="1000" dirty="0">
+              <a:solidFill>
+                <a:srgbClr val="00246C"/>
+              </a:solidFill>
+              <a:ea typeface="+mn-ea"/>
+              <a:cs typeface="+mn-ea"/>
+              <a:sym typeface="+mn-lt"/>
+            </a:endParaRPr>
+          </a:p>
+        </p:txBody>
+      </p:sp>
+    </p:spTree>
+  </p:cSld>
+  <p:clrMapOvr>
+    <a:masterClrMapping/>
+  </p:clrMapOvr>
+</p:notes>
+</file>
+
+<file path=ppt/notesSlides/notesSlide9.xml><?xml version="1.0" encoding="utf-8"?>
 <p:notes xmlns:a="http://schemas.openxmlformats.org/drawingml/2006/main" xmlns:r="http://schemas.openxmlformats.org/officeDocument/2006/relationships" xmlns:p="http://schemas.openxmlformats.org/presentationml/2006/main">
   <p:cSld>
     <p:spTree>
@@ -11289,22 +11499,36 @@
       </p:cxnSp>
       <p:pic>
         <p:nvPicPr>
-          <p:cNvPr id="2" name="图片 1"/>
+          <p:cNvPr id="12" name="图片 11"/>
           <p:cNvPicPr>
             <a:picLocks noChangeAspect="1"/>
           </p:cNvPicPr>
           <p:nvPr/>
         </p:nvPicPr>
         <p:blipFill>
-          <a:blip r:embed="rId1"/>
+          <a:blip r:embed="rId1">
+            <a:clrChange>
+              <a:clrFrom>
+                <a:srgbClr val="FFFFFF">
+                  <a:alpha val="100000"/>
+                </a:srgbClr>
+              </a:clrFrom>
+              <a:clrTo>
+                <a:srgbClr val="FFFFFF">
+                  <a:alpha val="100000"/>
+                  <a:alpha val="0"/>
+                </a:srgbClr>
+              </a:clrTo>
+            </a:clrChange>
+          </a:blip>
           <a:stretch>
             <a:fillRect/>
           </a:stretch>
         </p:blipFill>
         <p:spPr>
           <a:xfrm>
-            <a:off x="814070" y="2295525"/>
-            <a:ext cx="9331960" cy="3181350"/>
+            <a:off x="6026785" y="1364615"/>
+            <a:ext cx="5409565" cy="4574540"/>
           </a:xfrm>
           <a:prstGeom prst="rect">
             <a:avLst/>
@@ -11313,14 +11537,14 @@
       </p:pic>
       <p:sp>
         <p:nvSpPr>
-          <p:cNvPr id="5" name="标题 2"/>
+          <p:cNvPr id="14" name="标题 2"/>
           <p:cNvSpPr txBox="1"/>
           <p:nvPr/>
         </p:nvSpPr>
         <p:spPr>
           <a:xfrm>
-            <a:off x="1657350" y="945515"/>
-            <a:ext cx="3406775" cy="650875"/>
+            <a:off x="173990" y="1177925"/>
+            <a:ext cx="5922010" cy="650875"/>
           </a:xfrm>
           <a:prstGeom prst="rect">
             <a:avLst/>
@@ -11355,16 +11579,518 @@
                 <a:latin typeface="Arial" panose="020B0604020202020204" pitchFamily="34" charset="0"/>
                 <a:sym typeface="Arial" panose="020B0604020202020204" pitchFamily="34" charset="0"/>
               </a:rPr>
-              <a:t>权重</a:t>
+              <a:t>A Neural Probabilistic Language </a:t>
+            </a:r>
+            <a:r>
+              <a:rPr altLang="zh-CN" sz="2000" dirty="0">
+                <a:latin typeface="Arial" panose="020B0604020202020204" pitchFamily="34" charset="0"/>
+                <a:sym typeface="Arial" panose="020B0604020202020204" pitchFamily="34" charset="0"/>
+              </a:rPr>
+              <a:t>Model</a:t>
             </a:r>
             <a:r>
               <a:rPr lang="zh-CN" altLang="en-US" sz="2000" dirty="0">
                 <a:latin typeface="Arial" panose="020B0604020202020204" pitchFamily="34" charset="0"/>
                 <a:sym typeface="Arial" panose="020B0604020202020204" pitchFamily="34" charset="0"/>
               </a:rPr>
-              <a:t>初始化</a:t>
+              <a:t>（</a:t>
+            </a:r>
+            <a:r>
+              <a:rPr altLang="zh-CN" sz="2000" dirty="0">
+                <a:latin typeface="Arial" panose="020B0604020202020204" pitchFamily="34" charset="0"/>
+                <a:sym typeface="Arial" panose="020B0604020202020204" pitchFamily="34" charset="0"/>
+              </a:rPr>
+              <a:t>2003</a:t>
+            </a:r>
+            <a:r>
+              <a:rPr lang="zh-CN" altLang="en-US" sz="2000" dirty="0">
+                <a:latin typeface="Arial" panose="020B0604020202020204" pitchFamily="34" charset="0"/>
+                <a:sym typeface="Arial" panose="020B0604020202020204" pitchFamily="34" charset="0"/>
+              </a:rPr>
+              <a:t>）</a:t>
             </a:r>
             <a:endParaRPr lang="zh-CN" altLang="en-US" sz="2000" dirty="0">
+              <a:latin typeface="Arial" panose="020B0604020202020204" pitchFamily="34" charset="0"/>
+              <a:sym typeface="Arial" panose="020B0604020202020204" pitchFamily="34" charset="0"/>
+            </a:endParaRPr>
+          </a:p>
+        </p:txBody>
+      </p:sp>
+      <p:sp>
+        <p:nvSpPr>
+          <p:cNvPr id="15" name="矩形 14"/>
+          <p:cNvSpPr/>
+          <p:nvPr/>
+        </p:nvSpPr>
+        <p:spPr>
+          <a:xfrm>
+            <a:off x="6026785" y="4411980"/>
+            <a:ext cx="4895215" cy="1595755"/>
+          </a:xfrm>
+          <a:prstGeom prst="rect">
+            <a:avLst/>
+          </a:prstGeom>
+          <a:noFill/>
+          <a:ln w="28575" cmpd="sng">
+            <a:solidFill>
+              <a:srgbClr val="FF0000"/>
+            </a:solidFill>
+            <a:prstDash val="sysDot"/>
+          </a:ln>
+        </p:spPr>
+        <p:style>
+          <a:lnRef idx="2">
+            <a:schemeClr val="accent1">
+              <a:lumMod val="75000"/>
+            </a:schemeClr>
+          </a:lnRef>
+          <a:fillRef idx="1">
+            <a:schemeClr val="accent1"/>
+          </a:fillRef>
+          <a:effectRef idx="0">
+            <a:srgbClr val="FFFFFF"/>
+          </a:effectRef>
+          <a:fontRef idx="minor">
+            <a:schemeClr val="lt1"/>
+          </a:fontRef>
+        </p:style>
+        <p:txBody>
+          <a:bodyPr rtlCol="0" anchor="ctr"/>
+          <a:p>
+            <a:pPr algn="ctr"/>
+            <a:endParaRPr lang="zh-CN" altLang="en-US"/>
+          </a:p>
+        </p:txBody>
+      </p:sp>
+      <p:cxnSp>
+        <p:nvCxnSpPr>
+          <p:cNvPr id="16" name="直接箭头连接符 15"/>
+          <p:cNvCxnSpPr>
+            <a:stCxn id="15" idx="1"/>
+            <a:endCxn id="17" idx="0"/>
+          </p:cNvCxnSpPr>
+          <p:nvPr/>
+        </p:nvCxnSpPr>
+        <p:spPr>
+          <a:xfrm flipH="1">
+            <a:off x="5043170" y="5210175"/>
+            <a:ext cx="983615" cy="0"/>
+          </a:xfrm>
+          <a:prstGeom prst="straightConnector1">
+            <a:avLst/>
+          </a:prstGeom>
+          <a:ln w="12700" cmpd="sng">
+            <a:solidFill>
+              <a:srgbClr val="FF0000"/>
+            </a:solidFill>
+            <a:prstDash val="dash"/>
+            <a:tailEnd type="arrow"/>
+          </a:ln>
+        </p:spPr>
+        <p:style>
+          <a:lnRef idx="2">
+            <a:schemeClr val="accent1"/>
+          </a:lnRef>
+          <a:fillRef idx="0">
+            <a:srgbClr val="FFFFFF"/>
+          </a:fillRef>
+          <a:effectRef idx="0">
+            <a:srgbClr val="FFFFFF"/>
+          </a:effectRef>
+          <a:fontRef idx="minor">
+            <a:schemeClr val="tx1"/>
+          </a:fontRef>
+        </p:style>
+      </p:cxnSp>
+      <p:sp>
+        <p:nvSpPr>
+          <p:cNvPr id="17" name="标题 2"/>
+          <p:cNvSpPr txBox="1"/>
+          <p:nvPr/>
+        </p:nvSpPr>
+        <p:spPr>
+          <a:xfrm>
+            <a:off x="4678680" y="5210175"/>
+            <a:ext cx="728345" cy="391160"/>
+          </a:xfrm>
+          <a:prstGeom prst="rect">
+            <a:avLst/>
+          </a:prstGeom>
+        </p:spPr>
+        <p:txBody>
+          <a:bodyPr vert="horz" lIns="91440" tIns="45720" rIns="91440" bIns="45720" rtlCol="0" anchor="ctr">
+            <a:noAutofit/>
+          </a:bodyPr>
+          <a:lstStyle>
+            <a:lvl1pPr marL="0" algn="l" defTabSz="685800" rtl="0" eaLnBrk="1" latinLnBrk="0" hangingPunct="1">
+              <a:lnSpc>
+                <a:spcPct val="100000"/>
+              </a:lnSpc>
+              <a:spcBef>
+                <a:spcPct val="0"/>
+              </a:spcBef>
+              <a:buNone/>
+              <a:defRPr lang="en-US" sz="3200" b="1" kern="1200" dirty="0">
+                <a:solidFill>
+                  <a:srgbClr val="002060"/>
+                </a:solidFill>
+                <a:latin typeface="微软雅黑" panose="020B0503020204020204" pitchFamily="34" charset="-122"/>
+                <a:ea typeface="微软雅黑" panose="020B0503020204020204" pitchFamily="34" charset="-122"/>
+                <a:cs typeface="+mn-cs"/>
+              </a:defRPr>
+            </a:lvl1pPr>
+          </a:lstStyle>
+          <a:p>
+            <a:r>
+              <a:rPr lang="zh-CN" altLang="en-US" sz="1400" dirty="0">
+                <a:solidFill>
+                  <a:srgbClr val="FF0000"/>
+                </a:solidFill>
+                <a:latin typeface="Arial" panose="020B0604020202020204" pitchFamily="34" charset="0"/>
+                <a:sym typeface="Arial" panose="020B0604020202020204" pitchFamily="34" charset="0"/>
+              </a:rPr>
+              <a:t>输入层</a:t>
+            </a:r>
+            <a:endParaRPr lang="zh-CN" altLang="en-US" sz="1400" dirty="0">
+              <a:solidFill>
+                <a:srgbClr val="FF0000"/>
+              </a:solidFill>
+              <a:latin typeface="Arial" panose="020B0604020202020204" pitchFamily="34" charset="0"/>
+              <a:sym typeface="Arial" panose="020B0604020202020204" pitchFamily="34" charset="0"/>
+            </a:endParaRPr>
+          </a:p>
+        </p:txBody>
+      </p:sp>
+      <p:cxnSp>
+        <p:nvCxnSpPr>
+          <p:cNvPr id="18" name="直接箭头连接符 17"/>
+          <p:cNvCxnSpPr>
+            <a:endCxn id="19" idx="3"/>
+          </p:cNvCxnSpPr>
+          <p:nvPr/>
+        </p:nvCxnSpPr>
+        <p:spPr>
+          <a:xfrm flipH="1" flipV="1">
+            <a:off x="6026785" y="3168015"/>
+            <a:ext cx="1590040" cy="400685"/>
+          </a:xfrm>
+          <a:prstGeom prst="straightConnector1">
+            <a:avLst/>
+          </a:prstGeom>
+          <a:ln w="12700" cmpd="sng">
+            <a:solidFill>
+              <a:srgbClr val="FF0000"/>
+            </a:solidFill>
+            <a:prstDash val="dash"/>
+            <a:tailEnd type="arrow"/>
+          </a:ln>
+        </p:spPr>
+        <p:style>
+          <a:lnRef idx="2">
+            <a:schemeClr val="accent1"/>
+          </a:lnRef>
+          <a:fillRef idx="0">
+            <a:srgbClr val="FFFFFF"/>
+          </a:fillRef>
+          <a:effectRef idx="0">
+            <a:srgbClr val="FFFFFF"/>
+          </a:effectRef>
+          <a:fontRef idx="minor">
+            <a:schemeClr val="tx1"/>
+          </a:fontRef>
+        </p:style>
+      </p:cxnSp>
+      <p:sp>
+        <p:nvSpPr>
+          <p:cNvPr id="19" name="标题 2"/>
+          <p:cNvSpPr txBox="1"/>
+          <p:nvPr/>
+        </p:nvSpPr>
+        <p:spPr>
+          <a:xfrm>
+            <a:off x="5298440" y="2972435"/>
+            <a:ext cx="728345" cy="391160"/>
+          </a:xfrm>
+          <a:prstGeom prst="rect">
+            <a:avLst/>
+          </a:prstGeom>
+        </p:spPr>
+        <p:txBody>
+          <a:bodyPr vert="horz" lIns="91440" tIns="45720" rIns="91440" bIns="45720" rtlCol="0" anchor="ctr">
+            <a:noAutofit/>
+          </a:bodyPr>
+          <a:lstStyle>
+            <a:lvl1pPr marL="0" algn="l" defTabSz="685800" rtl="0" eaLnBrk="1" latinLnBrk="0" hangingPunct="1">
+              <a:lnSpc>
+                <a:spcPct val="100000"/>
+              </a:lnSpc>
+              <a:spcBef>
+                <a:spcPct val="0"/>
+              </a:spcBef>
+              <a:buNone/>
+              <a:defRPr lang="en-US" sz="3200" b="1" kern="1200" dirty="0">
+                <a:solidFill>
+                  <a:srgbClr val="002060"/>
+                </a:solidFill>
+                <a:latin typeface="微软雅黑" panose="020B0503020204020204" pitchFamily="34" charset="-122"/>
+                <a:ea typeface="微软雅黑" panose="020B0503020204020204" pitchFamily="34" charset="-122"/>
+                <a:cs typeface="+mn-cs"/>
+              </a:defRPr>
+            </a:lvl1pPr>
+          </a:lstStyle>
+          <a:p>
+            <a:r>
+              <a:rPr lang="zh-CN" altLang="en-US" sz="1400" dirty="0">
+                <a:solidFill>
+                  <a:srgbClr val="FF0000"/>
+                </a:solidFill>
+                <a:latin typeface="Arial" panose="020B0604020202020204" pitchFamily="34" charset="0"/>
+                <a:sym typeface="Arial" panose="020B0604020202020204" pitchFamily="34" charset="0"/>
+              </a:rPr>
+              <a:t>隐藏层</a:t>
+            </a:r>
+            <a:endParaRPr lang="zh-CN" altLang="en-US" sz="1400" dirty="0">
+              <a:solidFill>
+                <a:srgbClr val="FF0000"/>
+              </a:solidFill>
+              <a:latin typeface="Arial" panose="020B0604020202020204" pitchFamily="34" charset="0"/>
+              <a:sym typeface="Arial" panose="020B0604020202020204" pitchFamily="34" charset="0"/>
+            </a:endParaRPr>
+          </a:p>
+        </p:txBody>
+      </p:sp>
+      <p:sp>
+        <p:nvSpPr>
+          <p:cNvPr id="20" name="标题 2"/>
+          <p:cNvSpPr txBox="1"/>
+          <p:nvPr/>
+        </p:nvSpPr>
+        <p:spPr>
+          <a:xfrm>
+            <a:off x="384810" y="1910715"/>
+            <a:ext cx="3644265" cy="2501265"/>
+          </a:xfrm>
+          <a:prstGeom prst="rect">
+            <a:avLst/>
+          </a:prstGeom>
+        </p:spPr>
+        <p:txBody>
+          <a:bodyPr vert="horz" lIns="91440" tIns="45720" rIns="91440" bIns="45720" rtlCol="0" anchor="ctr">
+            <a:noAutofit/>
+          </a:bodyPr>
+          <a:lstStyle>
+            <a:lvl1pPr marL="0" algn="l" defTabSz="685800" rtl="0" eaLnBrk="1" latinLnBrk="0" hangingPunct="1">
+              <a:lnSpc>
+                <a:spcPct val="100000"/>
+              </a:lnSpc>
+              <a:spcBef>
+                <a:spcPct val="0"/>
+              </a:spcBef>
+              <a:buNone/>
+              <a:defRPr lang="en-US" sz="3200" b="1" kern="1200" dirty="0">
+                <a:solidFill>
+                  <a:srgbClr val="002060"/>
+                </a:solidFill>
+                <a:latin typeface="微软雅黑" panose="020B0503020204020204" pitchFamily="34" charset="-122"/>
+                <a:ea typeface="微软雅黑" panose="020B0503020204020204" pitchFamily="34" charset="-122"/>
+                <a:cs typeface="+mn-cs"/>
+              </a:defRPr>
+            </a:lvl1pPr>
+          </a:lstStyle>
+          <a:p>
+            <a:r>
+              <a:rPr altLang="zh-CN" sz="2000" dirty="0">
+                <a:solidFill>
+                  <a:srgbClr val="FF0000"/>
+                </a:solidFill>
+                <a:latin typeface="Arial" panose="020B0604020202020204" pitchFamily="34" charset="0"/>
+                <a:sym typeface="Arial" panose="020B0604020202020204" pitchFamily="34" charset="0"/>
+              </a:rPr>
+              <a:t>C(Vocab_size, n_embd):</a:t>
+            </a:r>
+            <a:endParaRPr altLang="zh-CN" sz="2000" dirty="0">
+              <a:latin typeface="Arial" panose="020B0604020202020204" pitchFamily="34" charset="0"/>
+              <a:sym typeface="Arial" panose="020B0604020202020204" pitchFamily="34" charset="0"/>
+            </a:endParaRPr>
+          </a:p>
+          <a:p>
+            <a:pPr indent="457200"/>
+            <a:r>
+              <a:rPr lang="zh-CN" altLang="en-US" sz="2000" dirty="0">
+                <a:latin typeface="Arial" panose="020B0604020202020204" pitchFamily="34" charset="0"/>
+                <a:sym typeface="Arial" panose="020B0604020202020204" pitchFamily="34" charset="0"/>
+              </a:rPr>
+              <a:t>将一个字母</a:t>
+            </a:r>
+            <a:r>
+              <a:rPr altLang="zh-CN" sz="2000" dirty="0">
+                <a:latin typeface="Arial" panose="020B0604020202020204" pitchFamily="34" charset="0"/>
+                <a:sym typeface="Arial" panose="020B0604020202020204" pitchFamily="34" charset="0"/>
+              </a:rPr>
+              <a:t>(</a:t>
+            </a:r>
+            <a:r>
+              <a:rPr lang="zh-CN" altLang="en-US" sz="2000" dirty="0">
+                <a:latin typeface="Arial" panose="020B0604020202020204" pitchFamily="34" charset="0"/>
+                <a:sym typeface="Arial" panose="020B0604020202020204" pitchFamily="34" charset="0"/>
+              </a:rPr>
+              <a:t>或单词</a:t>
+            </a:r>
+            <a:r>
+              <a:rPr altLang="zh-CN" sz="2000" dirty="0">
+                <a:latin typeface="Arial" panose="020B0604020202020204" pitchFamily="34" charset="0"/>
+                <a:sym typeface="Arial" panose="020B0604020202020204" pitchFamily="34" charset="0"/>
+              </a:rPr>
+              <a:t>)</a:t>
+            </a:r>
+            <a:r>
+              <a:rPr lang="zh-CN" altLang="en-US" sz="2000" dirty="0">
+                <a:latin typeface="Arial" panose="020B0604020202020204" pitchFamily="34" charset="0"/>
+                <a:sym typeface="Arial" panose="020B0604020202020204" pitchFamily="34" charset="0"/>
+              </a:rPr>
+              <a:t>转成</a:t>
+            </a:r>
+            <a:r>
+              <a:rPr altLang="zh-CN" sz="2000" dirty="0">
+                <a:latin typeface="Arial" panose="020B0604020202020204" pitchFamily="34" charset="0"/>
+                <a:sym typeface="Arial" panose="020B0604020202020204" pitchFamily="34" charset="0"/>
+              </a:rPr>
+              <a:t>n</a:t>
+            </a:r>
+            <a:r>
+              <a:rPr lang="zh-CN" altLang="en-US" sz="2000" dirty="0">
+                <a:latin typeface="Arial" panose="020B0604020202020204" pitchFamily="34" charset="0"/>
+                <a:sym typeface="Arial" panose="020B0604020202020204" pitchFamily="34" charset="0"/>
+              </a:rPr>
+              <a:t>维特征向量上的一个点，是网络结构参数的一部分。</a:t>
+            </a:r>
+            <a:endParaRPr lang="zh-CN" altLang="en-US" sz="2000" dirty="0">
+              <a:latin typeface="Arial" panose="020B0604020202020204" pitchFamily="34" charset="0"/>
+              <a:sym typeface="Arial" panose="020B0604020202020204" pitchFamily="34" charset="0"/>
+            </a:endParaRPr>
+          </a:p>
+          <a:p>
+            <a:pPr indent="457200"/>
+            <a:r>
+              <a:rPr lang="zh-CN" altLang="en-US" sz="2000" dirty="0">
+                <a:latin typeface="Arial" panose="020B0604020202020204" pitchFamily="34" charset="0"/>
+                <a:sym typeface="Arial" panose="020B0604020202020204" pitchFamily="34" charset="0"/>
+              </a:rPr>
+              <a:t>考虑</a:t>
+            </a:r>
+            <a:r>
+              <a:rPr lang="zh-CN" altLang="en-US" sz="2000" dirty="0">
+                <a:solidFill>
+                  <a:srgbClr val="FF0000"/>
+                </a:solidFill>
+                <a:latin typeface="Arial" panose="020B0604020202020204" pitchFamily="34" charset="0"/>
+                <a:sym typeface="Arial" panose="020B0604020202020204" pitchFamily="34" charset="0"/>
+              </a:rPr>
+              <a:t>上下文</a:t>
+            </a:r>
+            <a:r>
+              <a:rPr lang="zh-CN" altLang="en-US" sz="2000" dirty="0">
+                <a:latin typeface="Arial" panose="020B0604020202020204" pitchFamily="34" charset="0"/>
+                <a:sym typeface="Arial" panose="020B0604020202020204" pitchFamily="34" charset="0"/>
+              </a:rPr>
+              <a:t>关系，通过前面的</a:t>
+            </a:r>
+            <a:r>
+              <a:rPr altLang="zh-CN" sz="2000" dirty="0">
+                <a:latin typeface="Arial" panose="020B0604020202020204" pitchFamily="34" charset="0"/>
+                <a:sym typeface="Arial" panose="020B0604020202020204" pitchFamily="34" charset="0"/>
+              </a:rPr>
+              <a:t>m</a:t>
+            </a:r>
+            <a:r>
+              <a:rPr lang="zh-CN" altLang="en-US" sz="2000" dirty="0">
+                <a:latin typeface="Arial" panose="020B0604020202020204" pitchFamily="34" charset="0"/>
+                <a:sym typeface="Arial" panose="020B0604020202020204" pitchFamily="34" charset="0"/>
+              </a:rPr>
+              <a:t>个字母</a:t>
+            </a:r>
+            <a:r>
+              <a:rPr altLang="zh-CN" sz="2000" dirty="0">
+                <a:latin typeface="Arial" panose="020B0604020202020204" pitchFamily="34" charset="0"/>
+                <a:sym typeface="Arial" panose="020B0604020202020204" pitchFamily="34" charset="0"/>
+              </a:rPr>
+              <a:t>/</a:t>
+            </a:r>
+            <a:r>
+              <a:rPr lang="zh-CN" altLang="en-US" sz="2000" dirty="0">
+                <a:latin typeface="Arial" panose="020B0604020202020204" pitchFamily="34" charset="0"/>
+                <a:sym typeface="Arial" panose="020B0604020202020204" pitchFamily="34" charset="0"/>
+              </a:rPr>
+              <a:t>单词输出下一个</a:t>
+            </a:r>
+            <a:r>
+              <a:rPr lang="zh-CN" altLang="en-US" sz="2000" dirty="0">
+                <a:latin typeface="Arial" panose="020B0604020202020204" pitchFamily="34" charset="0"/>
+                <a:sym typeface="Arial" panose="020B0604020202020204" pitchFamily="34" charset="0"/>
+              </a:rPr>
+              <a:t>结果</a:t>
+            </a:r>
+            <a:endParaRPr lang="zh-CN" altLang="en-US" sz="2000" dirty="0">
+              <a:latin typeface="Arial" panose="020B0604020202020204" pitchFamily="34" charset="0"/>
+              <a:sym typeface="Arial" panose="020B0604020202020204" pitchFamily="34" charset="0"/>
+            </a:endParaRPr>
+          </a:p>
+        </p:txBody>
+      </p:sp>
+      <p:sp>
+        <p:nvSpPr>
+          <p:cNvPr id="21" name="标题 2"/>
+          <p:cNvSpPr txBox="1"/>
+          <p:nvPr/>
+        </p:nvSpPr>
+        <p:spPr>
+          <a:xfrm>
+            <a:off x="173990" y="5089525"/>
+            <a:ext cx="3527425" cy="918210"/>
+          </a:xfrm>
+          <a:prstGeom prst="rect">
+            <a:avLst/>
+          </a:prstGeom>
+        </p:spPr>
+        <p:txBody>
+          <a:bodyPr vert="horz" lIns="91440" tIns="45720" rIns="91440" bIns="45720" rtlCol="0" anchor="ctr">
+            <a:noAutofit/>
+          </a:bodyPr>
+          <a:lstStyle>
+            <a:lvl1pPr marL="0" algn="l" defTabSz="685800" rtl="0" eaLnBrk="1" latinLnBrk="0" hangingPunct="1">
+              <a:lnSpc>
+                <a:spcPct val="100000"/>
+              </a:lnSpc>
+              <a:spcBef>
+                <a:spcPct val="0"/>
+              </a:spcBef>
+              <a:buNone/>
+              <a:defRPr lang="en-US" sz="3200" b="1" kern="1200" dirty="0">
+                <a:solidFill>
+                  <a:srgbClr val="002060"/>
+                </a:solidFill>
+                <a:latin typeface="微软雅黑" panose="020B0503020204020204" pitchFamily="34" charset="-122"/>
+                <a:ea typeface="微软雅黑" panose="020B0503020204020204" pitchFamily="34" charset="-122"/>
+                <a:cs typeface="+mn-cs"/>
+              </a:defRPr>
+            </a:lvl1pPr>
+          </a:lstStyle>
+          <a:p>
+            <a:pPr indent="457200"/>
+            <a:r>
+              <a:rPr lang="zh-CN" altLang="en-US" sz="2000" dirty="0">
+                <a:solidFill>
+                  <a:srgbClr val="FF0000"/>
+                </a:solidFill>
+                <a:latin typeface="Arial" panose="020B0604020202020204" pitchFamily="34" charset="0"/>
+                <a:sym typeface="Arial" panose="020B0604020202020204" pitchFamily="34" charset="0"/>
+              </a:rPr>
+              <a:t>输出下一个结果的概率</a:t>
+            </a:r>
+            <a:endParaRPr lang="zh-CN" altLang="en-US" sz="2000" dirty="0">
+              <a:solidFill>
+                <a:srgbClr val="FF0000"/>
+              </a:solidFill>
               <a:latin typeface="Arial" panose="020B0604020202020204" pitchFamily="34" charset="0"/>
               <a:sym typeface="Arial" panose="020B0604020202020204" pitchFamily="34" charset="0"/>
             </a:endParaRPr>
@@ -11607,16 +12333,40 @@
           </a:fontRef>
         </p:style>
       </p:cxnSp>
-      <p:sp>
-        <p:nvSpPr>
-          <p:cNvPr id="6" name="标题 2"/>
+      <p:pic>
+        <p:nvPicPr>
+          <p:cNvPr id="2" name="图片 1"/>
+          <p:cNvPicPr>
+            <a:picLocks noChangeAspect="1"/>
+          </p:cNvPicPr>
+          <p:nvPr/>
+        </p:nvPicPr>
+        <p:blipFill>
+          <a:blip r:embed="rId1"/>
+          <a:stretch>
+            <a:fillRect/>
+          </a:stretch>
+        </p:blipFill>
+        <p:spPr>
+          <a:xfrm>
+            <a:off x="1746885" y="2749550"/>
+            <a:ext cx="7753350" cy="2642870"/>
+          </a:xfrm>
+          <a:prstGeom prst="rect">
+            <a:avLst/>
+          </a:prstGeom>
+        </p:spPr>
+      </p:pic>
+      <p:sp>
+        <p:nvSpPr>
+          <p:cNvPr id="5" name="标题 2"/>
           <p:cNvSpPr txBox="1"/>
           <p:nvPr/>
         </p:nvSpPr>
         <p:spPr>
           <a:xfrm>
-            <a:off x="807085" y="1290955"/>
-            <a:ext cx="9041765" cy="650875"/>
+            <a:off x="784860" y="945515"/>
+            <a:ext cx="4113530" cy="650875"/>
           </a:xfrm>
           <a:prstGeom prst="rect">
             <a:avLst/>
@@ -11647,43 +12397,68 @@
           </a:lstStyle>
           <a:p>
             <a:r>
-              <a:rPr lang="en-US" altLang="zh-CN" sz="2000" dirty="0">
-                <a:latin typeface="Arial" panose="020B0604020202020204" pitchFamily="34" charset="0"/>
-                <a:sym typeface="Arial" panose="020B0604020202020204" pitchFamily="34" charset="0"/>
-              </a:rPr>
-              <a:t>Batch Normalization: </a:t>
-            </a:r>
-            <a:r>
-              <a:rPr lang="zh-CN" altLang="en-US" sz="2000" dirty="0">
-                <a:latin typeface="Arial" panose="020B0604020202020204" pitchFamily="34" charset="0"/>
-                <a:sym typeface="Arial" panose="020B0604020202020204" pitchFamily="34" charset="0"/>
-              </a:rPr>
-              <a:t>用于激活函数之前，有属于自己的偏差，并且前面的神经元就没有必要出现自己的</a:t>
-            </a:r>
-            <a:r>
-              <a:rPr lang="zh-CN" altLang="en-US" sz="2000" dirty="0">
-                <a:latin typeface="Arial" panose="020B0604020202020204" pitchFamily="34" charset="0"/>
-                <a:sym typeface="Arial" panose="020B0604020202020204" pitchFamily="34" charset="0"/>
-              </a:rPr>
-              <a:t>偏差</a:t>
-            </a:r>
-            <a:endParaRPr lang="zh-CN" altLang="en-US" sz="2000" dirty="0">
+              <a:rPr altLang="zh-CN" sz="2000" dirty="0">
+                <a:latin typeface="Arial" panose="020B0604020202020204" pitchFamily="34" charset="0"/>
+                <a:sym typeface="Arial" panose="020B0604020202020204" pitchFamily="34" charset="0"/>
+              </a:rPr>
+              <a:t>Kaiming(He) Normalization</a:t>
+            </a:r>
+            <a:endParaRPr altLang="zh-CN" sz="2000" dirty="0">
               <a:latin typeface="Arial" panose="020B0604020202020204" pitchFamily="34" charset="0"/>
               <a:sym typeface="Arial" panose="020B0604020202020204" pitchFamily="34" charset="0"/>
             </a:endParaRPr>
           </a:p>
         </p:txBody>
       </p:sp>
-      <p:sp>
-        <p:nvSpPr>
-          <p:cNvPr id="2" name="标题 2"/>
+      <p:cxnSp>
+        <p:nvCxnSpPr>
+          <p:cNvPr id="6" name="直接箭头连接符 5"/>
+          <p:cNvCxnSpPr/>
+          <p:nvPr/>
+        </p:nvCxnSpPr>
+        <p:spPr>
+          <a:xfrm>
+            <a:off x="4483735" y="5107940"/>
+            <a:ext cx="1384300" cy="798195"/>
+          </a:xfrm>
+          <a:prstGeom prst="straightConnector1">
+            <a:avLst/>
+          </a:prstGeom>
+          <a:ln w="12700" cmpd="sng">
+            <a:solidFill>
+              <a:schemeClr val="accent1">
+                <a:shade val="50000"/>
+              </a:schemeClr>
+            </a:solidFill>
+            <a:prstDash val="dash"/>
+            <a:tailEnd type="arrow"/>
+          </a:ln>
+        </p:spPr>
+        <p:style>
+          <a:lnRef idx="2">
+            <a:schemeClr val="accent1"/>
+          </a:lnRef>
+          <a:fillRef idx="0">
+            <a:srgbClr val="FFFFFF"/>
+          </a:fillRef>
+          <a:effectRef idx="0">
+            <a:srgbClr val="FFFFFF"/>
+          </a:effectRef>
+          <a:fontRef idx="minor">
+            <a:schemeClr val="tx1"/>
+          </a:fontRef>
+        </p:style>
+      </p:cxnSp>
+      <p:sp>
+        <p:nvSpPr>
+          <p:cNvPr id="9" name="标题 2"/>
           <p:cNvSpPr txBox="1"/>
           <p:nvPr/>
         </p:nvSpPr>
         <p:spPr>
           <a:xfrm>
-            <a:off x="1146810" y="4771390"/>
-            <a:ext cx="9041765" cy="650875"/>
+            <a:off x="4958715" y="5974715"/>
+            <a:ext cx="6019165" cy="515620"/>
           </a:xfrm>
           <a:prstGeom prst="rect">
             <a:avLst/>
@@ -11714,27 +12489,75 @@
           </a:lstStyle>
           <a:p>
             <a:r>
-              <a:rPr lang="en-US" altLang="zh-CN" sz="2000" dirty="0">
-                <a:latin typeface="Arial" panose="020B0604020202020204" pitchFamily="34" charset="0"/>
-                <a:sym typeface="Arial" panose="020B0604020202020204" pitchFamily="34" charset="0"/>
-              </a:rPr>
-              <a:t>bnmean_running &amp; bnstd_running: </a:t>
-            </a:r>
-            <a:r>
               <a:rPr lang="zh-CN" altLang="en-US" sz="2000" dirty="0">
                 <a:latin typeface="Arial" panose="020B0604020202020204" pitchFamily="34" charset="0"/>
                 <a:sym typeface="Arial" panose="020B0604020202020204" pitchFamily="34" charset="0"/>
               </a:rPr>
-              <a:t>并不是通过反向传播实现，而是在训练过程中不断迭代生成</a:t>
+              <a:t>利用这个</a:t>
             </a:r>
             <a:r>
               <a:rPr altLang="zh-CN" sz="2000" dirty="0">
                 <a:latin typeface="Arial" panose="020B0604020202020204" pitchFamily="34" charset="0"/>
                 <a:sym typeface="Arial" panose="020B0604020202020204" pitchFamily="34" charset="0"/>
               </a:rPr>
-              <a:t> ---&gt; with torch.no_grad():</a:t>
-            </a:r>
-            <a:endParaRPr altLang="zh-CN" sz="2000" dirty="0">
+              <a:t>gain(</a:t>
+            </a:r>
+            <a:r>
+              <a:rPr lang="zh-CN" altLang="en-US" sz="2000" dirty="0">
+                <a:solidFill>
+                  <a:srgbClr val="FF0000"/>
+                </a:solidFill>
+                <a:latin typeface="Arial" panose="020B0604020202020204" pitchFamily="34" charset="0"/>
+                <a:sym typeface="Arial" panose="020B0604020202020204" pitchFamily="34" charset="0"/>
+              </a:rPr>
+              <a:t>经验得到</a:t>
+            </a:r>
+            <a:r>
+              <a:rPr altLang="zh-CN" sz="2000" dirty="0">
+                <a:solidFill>
+                  <a:srgbClr val="FF0000"/>
+                </a:solidFill>
+                <a:latin typeface="Arial" panose="020B0604020202020204" pitchFamily="34" charset="0"/>
+                <a:sym typeface="Arial" panose="020B0604020202020204" pitchFamily="34" charset="0"/>
+              </a:rPr>
+              <a:t>5/3</a:t>
+            </a:r>
+            <a:r>
+              <a:rPr altLang="zh-CN" sz="2000" dirty="0">
+                <a:latin typeface="Arial" panose="020B0604020202020204" pitchFamily="34" charset="0"/>
+                <a:sym typeface="Arial" panose="020B0604020202020204" pitchFamily="34" charset="0"/>
+              </a:rPr>
+              <a:t>)</a:t>
+            </a:r>
+            <a:r>
+              <a:rPr lang="zh-CN" altLang="en-US" sz="2000" dirty="0">
+                <a:latin typeface="Arial" panose="020B0604020202020204" pitchFamily="34" charset="0"/>
+                <a:sym typeface="Arial" panose="020B0604020202020204" pitchFamily="34" charset="0"/>
+              </a:rPr>
+              <a:t>来对抗</a:t>
+            </a:r>
+            <a:r>
+              <a:rPr altLang="zh-CN" sz="2000" dirty="0">
+                <a:latin typeface="Arial" panose="020B0604020202020204" pitchFamily="34" charset="0"/>
+                <a:sym typeface="Arial" panose="020B0604020202020204" pitchFamily="34" charset="0"/>
+              </a:rPr>
+              <a:t>tanh</a:t>
+            </a:r>
+            <a:r>
+              <a:rPr lang="zh-CN" altLang="en-US" sz="2000" dirty="0">
+                <a:latin typeface="Arial" panose="020B0604020202020204" pitchFamily="34" charset="0"/>
+                <a:sym typeface="Arial" panose="020B0604020202020204" pitchFamily="34" charset="0"/>
+              </a:rPr>
+              <a:t>造成的</a:t>
+            </a:r>
+            <a:r>
+              <a:rPr lang="zh-CN" altLang="en-US" sz="2000" dirty="0">
+                <a:latin typeface="Arial" panose="020B0604020202020204" pitchFamily="34" charset="0"/>
+                <a:sym typeface="Arial" panose="020B0604020202020204" pitchFamily="34" charset="0"/>
+              </a:rPr>
+              <a:t>挤压</a:t>
+            </a:r>
+            <a:endParaRPr lang="zh-CN" altLang="en-US" sz="2000" dirty="0">
               <a:latin typeface="Arial" panose="020B0604020202020204" pitchFamily="34" charset="0"/>
               <a:sym typeface="Arial" panose="020B0604020202020204" pitchFamily="34" charset="0"/>
             </a:endParaRPr>
@@ -11743,14 +12566,14 @@
       </p:sp>
       <p:sp>
         <p:nvSpPr>
-          <p:cNvPr id="5" name="标题 2"/>
+          <p:cNvPr id="20" name="标题 2"/>
           <p:cNvSpPr txBox="1"/>
           <p:nvPr/>
         </p:nvSpPr>
         <p:spPr>
           <a:xfrm>
-            <a:off x="934085" y="2173605"/>
-            <a:ext cx="9041765" cy="650875"/>
+            <a:off x="384810" y="1910715"/>
+            <a:ext cx="3819525" cy="630555"/>
           </a:xfrm>
           <a:prstGeom prst="rect">
             <a:avLst/>
@@ -11780,79 +12603,83 @@
             </a:lvl1pPr>
           </a:lstStyle>
           <a:p>
+            <a:pPr indent="457200"/>
             <a:r>
               <a:rPr lang="zh-CN" altLang="en-US" sz="2000" dirty="0">
-                <a:latin typeface="Arial" panose="020B0604020202020204" pitchFamily="34" charset="0"/>
-                <a:sym typeface="Arial" panose="020B0604020202020204" pitchFamily="34" charset="0"/>
-              </a:rPr>
-              <a:t>为什么使用</a:t>
-            </a:r>
-            <a:r>
-              <a:rPr altLang="zh-CN" sz="2000" dirty="0">
-                <a:latin typeface="Arial" panose="020B0604020202020204" pitchFamily="34" charset="0"/>
-                <a:sym typeface="Arial" panose="020B0604020202020204" pitchFamily="34" charset="0"/>
-              </a:rPr>
-              <a:t>BN</a:t>
+                <a:solidFill>
+                  <a:srgbClr val="FF0000"/>
+                </a:solidFill>
+                <a:latin typeface="Arial" panose="020B0604020202020204" pitchFamily="34" charset="0"/>
+                <a:sym typeface="Arial" panose="020B0604020202020204" pitchFamily="34" charset="0"/>
+              </a:rPr>
+              <a:t>初始化网络参数</a:t>
             </a:r>
             <a:r>
               <a:rPr lang="zh-CN" altLang="en-US" sz="2000" dirty="0">
                 <a:latin typeface="Arial" panose="020B0604020202020204" pitchFamily="34" charset="0"/>
                 <a:sym typeface="Arial" panose="020B0604020202020204" pitchFamily="34" charset="0"/>
               </a:rPr>
-              <a:t>层？</a:t>
-            </a:r>
-            <a:r>
-              <a:rPr altLang="zh-CN" sz="2000" dirty="0">
-                <a:latin typeface="Arial" panose="020B0604020202020204" pitchFamily="34" charset="0"/>
-                <a:sym typeface="Arial" panose="020B0604020202020204" pitchFamily="34" charset="0"/>
-              </a:rPr>
-              <a:t> -&gt; tanh</a:t>
+              <a:t>的一种</a:t>
             </a:r>
             <a:r>
               <a:rPr lang="zh-CN" altLang="en-US" sz="2000" dirty="0">
                 <a:latin typeface="Arial" panose="020B0604020202020204" pitchFamily="34" charset="0"/>
                 <a:sym typeface="Arial" panose="020B0604020202020204" pitchFamily="34" charset="0"/>
               </a:rPr>
-              <a:t>有太多的</a:t>
-            </a:r>
-            <a:r>
-              <a:rPr altLang="zh-CN" sz="2000" dirty="0">
-                <a:latin typeface="Arial" panose="020B0604020202020204" pitchFamily="34" charset="0"/>
-                <a:sym typeface="Arial" panose="020B0604020202020204" pitchFamily="34" charset="0"/>
-              </a:rPr>
-              <a:t> 1 </a:t>
-            </a:r>
-            <a:r>
-              <a:rPr lang="zh-CN" altLang="en-US" sz="2000" dirty="0">
-                <a:latin typeface="Arial" panose="020B0604020202020204" pitchFamily="34" charset="0"/>
-                <a:sym typeface="Arial" panose="020B0604020202020204" pitchFamily="34" charset="0"/>
-              </a:rPr>
-              <a:t>和</a:t>
-            </a:r>
-            <a:r>
-              <a:rPr altLang="zh-CN" sz="2000" dirty="0">
-                <a:latin typeface="Arial" panose="020B0604020202020204" pitchFamily="34" charset="0"/>
-                <a:sym typeface="Arial" panose="020B0604020202020204" pitchFamily="34" charset="0"/>
-              </a:rPr>
-              <a:t> -1</a:t>
-            </a:r>
-            <a:endParaRPr altLang="zh-CN" sz="2000" dirty="0">
+              <a:t>方法</a:t>
+            </a:r>
+            <a:endParaRPr lang="zh-CN" altLang="en-US" sz="2000" dirty="0">
               <a:latin typeface="Arial" panose="020B0604020202020204" pitchFamily="34" charset="0"/>
               <a:sym typeface="Arial" panose="020B0604020202020204" pitchFamily="34" charset="0"/>
             </a:endParaRPr>
           </a:p>
         </p:txBody>
       </p:sp>
-      <p:sp>
-        <p:nvSpPr>
-          <p:cNvPr id="9" name="标题 2"/>
+      <p:cxnSp>
+        <p:nvCxnSpPr>
+          <p:cNvPr id="11" name="直接箭头连接符 10"/>
+          <p:cNvCxnSpPr>
+            <a:stCxn id="20" idx="3"/>
+          </p:cNvCxnSpPr>
+          <p:nvPr/>
+        </p:nvCxnSpPr>
+        <p:spPr>
+          <a:xfrm flipV="1">
+            <a:off x="4204335" y="2221865"/>
+            <a:ext cx="2533650" cy="4445"/>
+          </a:xfrm>
+          <a:prstGeom prst="straightConnector1">
+            <a:avLst/>
+          </a:prstGeom>
+          <a:ln>
+            <a:tailEnd type="arrow"/>
+          </a:ln>
+        </p:spPr>
+        <p:style>
+          <a:lnRef idx="2">
+            <a:schemeClr val="accent1"/>
+          </a:lnRef>
+          <a:fillRef idx="0">
+            <a:srgbClr val="FFFFFF"/>
+          </a:fillRef>
+          <a:effectRef idx="0">
+            <a:srgbClr val="FFFFFF"/>
+          </a:effectRef>
+          <a:fontRef idx="minor">
+            <a:schemeClr val="tx1"/>
+          </a:fontRef>
+        </p:style>
+      </p:cxnSp>
+      <p:sp>
+        <p:nvSpPr>
+          <p:cNvPr id="13" name="标题 2"/>
           <p:cNvSpPr txBox="1"/>
           <p:nvPr/>
         </p:nvSpPr>
         <p:spPr>
           <a:xfrm>
-            <a:off x="1002665" y="2951480"/>
-            <a:ext cx="9041765" cy="650875"/>
+            <a:off x="6737985" y="1910715"/>
+            <a:ext cx="2347595" cy="630555"/>
           </a:xfrm>
           <a:prstGeom prst="rect">
             <a:avLst/>
@@ -11882,35 +12709,31 @@
             </a:lvl1pPr>
           </a:lstStyle>
           <a:p>
+            <a:pPr indent="457200"/>
             <a:r>
               <a:rPr lang="zh-CN" altLang="en-US" sz="2000" dirty="0">
-                <a:latin typeface="Arial" panose="020B0604020202020204" pitchFamily="34" charset="0"/>
-                <a:sym typeface="Arial" panose="020B0604020202020204" pitchFamily="34" charset="0"/>
-              </a:rPr>
-              <a:t>数学公式</a:t>
-            </a:r>
-            <a:r>
-              <a:rPr altLang="zh-CN" sz="2000" dirty="0">
-                <a:latin typeface="Arial" panose="020B0604020202020204" pitchFamily="34" charset="0"/>
-                <a:sym typeface="Arial" panose="020B0604020202020204" pitchFamily="34" charset="0"/>
-              </a:rPr>
-              <a:t> -&gt; </a:t>
+                <a:solidFill>
+                  <a:srgbClr val="FF0000"/>
+                </a:solidFill>
+                <a:latin typeface="Arial" panose="020B0604020202020204" pitchFamily="34" charset="0"/>
+                <a:sym typeface="Arial" panose="020B0604020202020204" pitchFamily="34" charset="0"/>
+              </a:rPr>
+              <a:t>提高训练</a:t>
             </a:r>
             <a:r>
               <a:rPr lang="zh-CN" altLang="en-US" sz="2000" dirty="0">
-                <a:latin typeface="Arial" panose="020B0604020202020204" pitchFamily="34" charset="0"/>
-                <a:sym typeface="Arial" panose="020B0604020202020204" pitchFamily="34" charset="0"/>
-              </a:rPr>
-              <a:t>见</a:t>
-            </a:r>
-            <a:r>
-              <a:rPr lang="zh-CN" altLang="en-US" sz="2000" dirty="0">
-                <a:latin typeface="Arial" panose="020B0604020202020204" pitchFamily="34" charset="0"/>
-                <a:sym typeface="Arial" panose="020B0604020202020204" pitchFamily="34" charset="0"/>
-              </a:rPr>
-              <a:t>论文</a:t>
+                <a:solidFill>
+                  <a:srgbClr val="FF0000"/>
+                </a:solidFill>
+                <a:latin typeface="Arial" panose="020B0604020202020204" pitchFamily="34" charset="0"/>
+                <a:sym typeface="Arial" panose="020B0604020202020204" pitchFamily="34" charset="0"/>
+              </a:rPr>
+              <a:t>质量</a:t>
             </a:r>
             <a:endParaRPr lang="zh-CN" altLang="en-US" sz="2000" dirty="0">
+              <a:solidFill>
+                <a:srgbClr val="FF0000"/>
+              </a:solidFill>
               <a:latin typeface="Arial" panose="020B0604020202020204" pitchFamily="34" charset="0"/>
               <a:sym typeface="Arial" panose="020B0604020202020204" pitchFamily="34" charset="0"/>
             </a:endParaRPr>
@@ -11927,6 +12750,2627 @@
 </file>
 
 <file path=ppt/slides/slide6.xml><?xml version="1.0" encoding="utf-8"?>
+<p:sld xmlns:a="http://schemas.openxmlformats.org/drawingml/2006/main" xmlns:r="http://schemas.openxmlformats.org/officeDocument/2006/relationships" xmlns:p="http://schemas.openxmlformats.org/presentationml/2006/main">
+  <p:cSld>
+    <p:spTree>
+      <p:nvGrpSpPr>
+        <p:cNvPr id="1" name=""/>
+        <p:cNvGrpSpPr/>
+        <p:nvPr/>
+      </p:nvGrpSpPr>
+      <p:grpSpPr>
+        <a:xfrm>
+          <a:off x="0" y="0"/>
+          <a:ext cx="0" cy="0"/>
+          <a:chOff x="0" y="0"/>
+          <a:chExt cx="0" cy="0"/>
+        </a:xfrm>
+      </p:grpSpPr>
+      <p:sp>
+        <p:nvSpPr>
+          <p:cNvPr id="4" name="矩形 12"/>
+          <p:cNvSpPr>
+            <a:spLocks noChangeArrowheads="1"/>
+          </p:cNvSpPr>
+          <p:nvPr/>
+        </p:nvSpPr>
+        <p:spPr bwMode="auto">
+          <a:xfrm>
+            <a:off x="385125" y="188641"/>
+            <a:ext cx="11568417" cy="583565"/>
+          </a:xfrm>
+          <a:prstGeom prst="rect">
+            <a:avLst/>
+          </a:prstGeom>
+          <a:noFill/>
+          <a:ln>
+            <a:noFill/>
+          </a:ln>
+          <a:extLst>
+            <a:ext uri="{909E8E84-426E-40DD-AFC4-6F175D3DCCD1}">
+              <a14:hiddenFill xmlns:a14="http://schemas.microsoft.com/office/drawing/2010/main">
+                <a:solidFill>
+                  <a:srgbClr val="FFFFFF"/>
+                </a:solidFill>
+              </a14:hiddenFill>
+            </a:ext>
+            <a:ext uri="{91240B29-F687-4F45-9708-019B960494DF}">
+              <a14:hiddenLine xmlns:a14="http://schemas.microsoft.com/office/drawing/2010/main" w="9525">
+                <a:solidFill>
+                  <a:srgbClr val="000000"/>
+                </a:solidFill>
+                <a:miter lim="800000"/>
+                <a:headEnd/>
+                <a:tailEnd/>
+              </a14:hiddenLine>
+            </a:ext>
+          </a:extLst>
+        </p:spPr>
+        <p:txBody>
+          <a:bodyPr wrap="square">
+            <a:spAutoFit/>
+          </a:bodyPr>
+          <a:lstStyle/>
+          <a:p>
+            <a:pPr marL="0" lvl="1" defTabSz="457200">
+              <a:buClr>
+                <a:srgbClr val="FF0000"/>
+              </a:buClr>
+              <a:buSzPct val="100000"/>
+            </a:pPr>
+            <a:r>
+              <a:rPr lang="en-US" altLang="zh-CN" sz="3200" b="1" dirty="0">
+                <a:solidFill>
+                  <a:schemeClr val="bg1"/>
+                </a:solidFill>
+                <a:latin typeface="Arial" panose="020B0604020202020204" pitchFamily="34" charset="0"/>
+                <a:ea typeface="微软雅黑" panose="020B0503020204020204" pitchFamily="34" charset="-122"/>
+                <a:cs typeface="+mn-ea"/>
+                <a:sym typeface="Arial" panose="020B0604020202020204" pitchFamily="34" charset="0"/>
+              </a:rPr>
+              <a:t>1.1</a:t>
+            </a:r>
+            <a:r>
+              <a:rPr lang="zh-CN" altLang="en-US" sz="3200" b="1" dirty="0">
+                <a:solidFill>
+                  <a:schemeClr val="bg1"/>
+                </a:solidFill>
+                <a:latin typeface="Arial" panose="020B0604020202020204" pitchFamily="34" charset="0"/>
+                <a:ea typeface="微软雅黑" panose="020B0503020204020204" pitchFamily="34" charset="-122"/>
+                <a:cs typeface="+mn-ea"/>
+                <a:sym typeface="Arial" panose="020B0604020202020204" pitchFamily="34" charset="0"/>
+              </a:rPr>
+              <a:t>染研究意义</a:t>
+            </a:r>
+            <a:endParaRPr lang="zh-CN" altLang="en-US" sz="3200" b="1" dirty="0">
+              <a:solidFill>
+                <a:schemeClr val="bg1"/>
+              </a:solidFill>
+              <a:latin typeface="Arial" panose="020B0604020202020204" pitchFamily="34" charset="0"/>
+              <a:ea typeface="微软雅黑" panose="020B0503020204020204" pitchFamily="34" charset="-122"/>
+              <a:cs typeface="+mn-ea"/>
+              <a:sym typeface="Arial" panose="020B0604020202020204" pitchFamily="34" charset="0"/>
+            </a:endParaRPr>
+          </a:p>
+        </p:txBody>
+      </p:sp>
+      <p:sp>
+        <p:nvSpPr>
+          <p:cNvPr id="3" name="标题 2"/>
+          <p:cNvSpPr>
+            <a:spLocks noGrp="1"/>
+          </p:cNvSpPr>
+          <p:nvPr>
+            <p:ph type="title"/>
+          </p:nvPr>
+        </p:nvSpPr>
+        <p:spPr/>
+        <p:txBody>
+          <a:bodyPr/>
+          <a:lstStyle/>
+          <a:p>
+            <a:r>
+              <a:rPr lang="en-US" altLang="zh-CN" dirty="0">
+                <a:latin typeface="Arial" panose="020B0604020202020204" pitchFamily="34" charset="0"/>
+                <a:sym typeface="Arial" panose="020B0604020202020204" pitchFamily="34" charset="0"/>
+              </a:rPr>
+              <a:t>3. </a:t>
+            </a:r>
+            <a:r>
+              <a:rPr lang="en-US" altLang="zh-CN" dirty="0">
+                <a:latin typeface="Arial" panose="020B0604020202020204" pitchFamily="34" charset="0"/>
+                <a:sym typeface="Arial" panose="020B0604020202020204" pitchFamily="34" charset="0"/>
+              </a:rPr>
+              <a:t>MLP</a:t>
+            </a:r>
+            <a:endParaRPr lang="en-US" altLang="zh-CN" dirty="0">
+              <a:latin typeface="Arial" panose="020B0604020202020204" pitchFamily="34" charset="0"/>
+              <a:sym typeface="Arial" panose="020B0604020202020204" pitchFamily="34" charset="0"/>
+            </a:endParaRPr>
+          </a:p>
+        </p:txBody>
+      </p:sp>
+      <p:sp>
+        <p:nvSpPr>
+          <p:cNvPr id="7" name="灯片编号占位符 6"/>
+          <p:cNvSpPr>
+            <a:spLocks noGrp="1"/>
+          </p:cNvSpPr>
+          <p:nvPr>
+            <p:ph type="sldNum" sz="quarter" idx="16"/>
+          </p:nvPr>
+        </p:nvSpPr>
+        <p:spPr/>
+        <p:txBody>
+          <a:bodyPr/>
+          <a:lstStyle/>
+          <a:p>
+            <a:pPr>
+              <a:defRPr/>
+            </a:pPr>
+            <a:fld id="{26F565BE-27A9-4834-BA3A-D46EFBA6086A}" type="slidenum">
+              <a:rPr lang="zh-CN" altLang="en-US" smtClean="0">
+                <a:latin typeface="Arial" panose="020B0604020202020204" pitchFamily="34" charset="0"/>
+                <a:sym typeface="Arial" panose="020B0604020202020204" pitchFamily="34" charset="0"/>
+              </a:rPr>
+            </a:fld>
+            <a:endParaRPr lang="zh-CN" altLang="en-US" dirty="0">
+              <a:latin typeface="Arial" panose="020B0604020202020204" pitchFamily="34" charset="0"/>
+              <a:sym typeface="Arial" panose="020B0604020202020204" pitchFamily="34" charset="0"/>
+            </a:endParaRPr>
+          </a:p>
+        </p:txBody>
+      </p:sp>
+      <p:cxnSp>
+        <p:nvCxnSpPr>
+          <p:cNvPr id="8" name="直接连接符 7"/>
+          <p:cNvCxnSpPr/>
+          <p:nvPr/>
+        </p:nvCxnSpPr>
+        <p:spPr>
+          <a:xfrm>
+            <a:off x="0" y="824357"/>
+            <a:ext cx="3877337" cy="0"/>
+          </a:xfrm>
+          <a:prstGeom prst="line">
+            <a:avLst/>
+          </a:prstGeom>
+          <a:ln w="31750">
+            <a:gradFill flip="none" rotWithShape="1">
+              <a:gsLst>
+                <a:gs pos="0">
+                  <a:schemeClr val="accent1">
+                    <a:lumMod val="40000"/>
+                    <a:lumOff val="60000"/>
+                  </a:schemeClr>
+                </a:gs>
+                <a:gs pos="46000">
+                  <a:schemeClr val="accent1">
+                    <a:lumMod val="40000"/>
+                    <a:lumOff val="60000"/>
+                  </a:schemeClr>
+                </a:gs>
+                <a:gs pos="100000">
+                  <a:schemeClr val="accent1">
+                    <a:lumMod val="75000"/>
+                  </a:schemeClr>
+                </a:gs>
+              </a:gsLst>
+              <a:lin ang="10800000" scaled="0"/>
+              <a:tileRect/>
+            </a:gradFill>
+          </a:ln>
+        </p:spPr>
+        <p:style>
+          <a:lnRef idx="3">
+            <a:schemeClr val="dk1"/>
+          </a:lnRef>
+          <a:fillRef idx="0">
+            <a:schemeClr val="dk1"/>
+          </a:fillRef>
+          <a:effectRef idx="2">
+            <a:schemeClr val="dk1"/>
+          </a:effectRef>
+          <a:fontRef idx="minor">
+            <a:schemeClr val="tx1"/>
+          </a:fontRef>
+        </p:style>
+      </p:cxnSp>
+      <p:sp>
+        <p:nvSpPr>
+          <p:cNvPr id="6" name="标题 2"/>
+          <p:cNvSpPr txBox="1"/>
+          <p:nvPr/>
+        </p:nvSpPr>
+        <p:spPr>
+          <a:xfrm>
+            <a:off x="807085" y="942340"/>
+            <a:ext cx="10418445" cy="999490"/>
+          </a:xfrm>
+          <a:prstGeom prst="rect">
+            <a:avLst/>
+          </a:prstGeom>
+        </p:spPr>
+        <p:txBody>
+          <a:bodyPr vert="horz" lIns="91440" tIns="45720" rIns="91440" bIns="45720" rtlCol="0" anchor="ctr">
+            <a:noAutofit/>
+          </a:bodyPr>
+          <a:lstStyle>
+            <a:lvl1pPr marL="0" algn="l" defTabSz="685800" rtl="0" eaLnBrk="1" latinLnBrk="0" hangingPunct="1">
+              <a:lnSpc>
+                <a:spcPct val="100000"/>
+              </a:lnSpc>
+              <a:spcBef>
+                <a:spcPct val="0"/>
+              </a:spcBef>
+              <a:buNone/>
+              <a:defRPr lang="en-US" sz="3200" b="1" kern="1200" dirty="0">
+                <a:solidFill>
+                  <a:srgbClr val="002060"/>
+                </a:solidFill>
+                <a:latin typeface="微软雅黑" panose="020B0503020204020204" pitchFamily="34" charset="-122"/>
+                <a:ea typeface="微软雅黑" panose="020B0503020204020204" pitchFamily="34" charset="-122"/>
+                <a:cs typeface="+mn-cs"/>
+              </a:defRPr>
+            </a:lvl1pPr>
+          </a:lstStyle>
+          <a:p>
+            <a:r>
+              <a:rPr lang="en-US" altLang="zh-CN" sz="2000" dirty="0">
+                <a:solidFill>
+                  <a:srgbClr val="FF0000"/>
+                </a:solidFill>
+                <a:latin typeface="Arial" panose="020B0604020202020204" pitchFamily="34" charset="0"/>
+                <a:sym typeface="Arial" panose="020B0604020202020204" pitchFamily="34" charset="0"/>
+              </a:rPr>
+              <a:t>Batch Normalization: </a:t>
+            </a:r>
+            <a:endParaRPr lang="en-US" altLang="zh-CN" sz="2000" dirty="0">
+              <a:solidFill>
+                <a:srgbClr val="FF0000"/>
+              </a:solidFill>
+              <a:latin typeface="Arial" panose="020B0604020202020204" pitchFamily="34" charset="0"/>
+              <a:sym typeface="Arial" panose="020B0604020202020204" pitchFamily="34" charset="0"/>
+            </a:endParaRPr>
+          </a:p>
+          <a:p>
+            <a:pPr indent="457200"/>
+            <a:r>
+              <a:rPr lang="zh-CN" altLang="en-US" sz="2000" dirty="0">
+                <a:latin typeface="Arial" panose="020B0604020202020204" pitchFamily="34" charset="0"/>
+                <a:sym typeface="Arial" panose="020B0604020202020204" pitchFamily="34" charset="0"/>
+              </a:rPr>
+              <a:t>用于激活函数之前，对于激活层前的输入进行压缩，避免</a:t>
+            </a:r>
+            <a:r>
+              <a:rPr altLang="zh-CN" sz="2000" dirty="0">
+                <a:solidFill>
+                  <a:srgbClr val="FF0000"/>
+                </a:solidFill>
+                <a:latin typeface="Arial" panose="020B0604020202020204" pitchFamily="34" charset="0"/>
+                <a:sym typeface="Arial" panose="020B0604020202020204" pitchFamily="34" charset="0"/>
+              </a:rPr>
+              <a:t>Flat Tail</a:t>
+            </a:r>
+            <a:endParaRPr lang="zh-CN" altLang="en-US" sz="2000" dirty="0">
+              <a:latin typeface="Arial" panose="020B0604020202020204" pitchFamily="34" charset="0"/>
+              <a:sym typeface="Arial" panose="020B0604020202020204" pitchFamily="34" charset="0"/>
+            </a:endParaRPr>
+          </a:p>
+        </p:txBody>
+      </p:sp>
+      <p:sp>
+        <p:nvSpPr>
+          <p:cNvPr id="2" name="标题 2"/>
+          <p:cNvSpPr txBox="1"/>
+          <p:nvPr/>
+        </p:nvSpPr>
+        <p:spPr>
+          <a:xfrm>
+            <a:off x="1089025" y="5664200"/>
+            <a:ext cx="9041765" cy="650875"/>
+          </a:xfrm>
+          <a:prstGeom prst="rect">
+            <a:avLst/>
+          </a:prstGeom>
+        </p:spPr>
+        <p:txBody>
+          <a:bodyPr vert="horz" lIns="91440" tIns="45720" rIns="91440" bIns="45720" rtlCol="0" anchor="ctr">
+            <a:noAutofit/>
+          </a:bodyPr>
+          <a:lstStyle>
+            <a:lvl1pPr marL="0" algn="l" defTabSz="685800" rtl="0" eaLnBrk="1" latinLnBrk="0" hangingPunct="1">
+              <a:lnSpc>
+                <a:spcPct val="100000"/>
+              </a:lnSpc>
+              <a:spcBef>
+                <a:spcPct val="0"/>
+              </a:spcBef>
+              <a:buNone/>
+              <a:defRPr lang="en-US" sz="3200" b="1" kern="1200" dirty="0">
+                <a:solidFill>
+                  <a:srgbClr val="002060"/>
+                </a:solidFill>
+                <a:latin typeface="微软雅黑" panose="020B0503020204020204" pitchFamily="34" charset="-122"/>
+                <a:ea typeface="微软雅黑" panose="020B0503020204020204" pitchFamily="34" charset="-122"/>
+                <a:cs typeface="+mn-cs"/>
+              </a:defRPr>
+            </a:lvl1pPr>
+          </a:lstStyle>
+          <a:p>
+            <a:r>
+              <a:rPr lang="en-US" altLang="zh-CN" sz="2000" dirty="0">
+                <a:latin typeface="Arial" panose="020B0604020202020204" pitchFamily="34" charset="0"/>
+                <a:sym typeface="Arial" panose="020B0604020202020204" pitchFamily="34" charset="0"/>
+              </a:rPr>
+              <a:t>bnmean_running &amp; bnstd_running: </a:t>
+            </a:r>
+            <a:r>
+              <a:rPr lang="zh-CN" altLang="en-US" sz="2000" dirty="0">
+                <a:latin typeface="Arial" panose="020B0604020202020204" pitchFamily="34" charset="0"/>
+                <a:sym typeface="Arial" panose="020B0604020202020204" pitchFamily="34" charset="0"/>
+              </a:rPr>
+              <a:t>并</a:t>
+            </a:r>
+            <a:r>
+              <a:rPr lang="zh-CN" altLang="en-US" sz="2000" dirty="0">
+                <a:solidFill>
+                  <a:srgbClr val="FF0000"/>
+                </a:solidFill>
+                <a:latin typeface="Arial" panose="020B0604020202020204" pitchFamily="34" charset="0"/>
+                <a:sym typeface="Arial" panose="020B0604020202020204" pitchFamily="34" charset="0"/>
+              </a:rPr>
+              <a:t>不是通过反向传播实现</a:t>
+            </a:r>
+            <a:r>
+              <a:rPr lang="zh-CN" altLang="en-US" sz="2000" dirty="0">
+                <a:latin typeface="Arial" panose="020B0604020202020204" pitchFamily="34" charset="0"/>
+                <a:sym typeface="Arial" panose="020B0604020202020204" pitchFamily="34" charset="0"/>
+              </a:rPr>
+              <a:t>，而是在训练过程中不断迭代生成</a:t>
+            </a:r>
+            <a:r>
+              <a:rPr altLang="zh-CN" sz="2000" dirty="0">
+                <a:latin typeface="Arial" panose="020B0604020202020204" pitchFamily="34" charset="0"/>
+                <a:sym typeface="Arial" panose="020B0604020202020204" pitchFamily="34" charset="0"/>
+              </a:rPr>
+              <a:t> ---&gt; with torch.no_grad(): &amp; </a:t>
+            </a:r>
+            <a:r>
+              <a:rPr altLang="zh-CN" sz="2000" dirty="0">
+                <a:latin typeface="Arial" panose="020B0604020202020204" pitchFamily="34" charset="0"/>
+                <a:sym typeface="Arial" panose="020B0604020202020204" pitchFamily="34" charset="0"/>
+              </a:rPr>
+              <a:t>Monentum</a:t>
+            </a:r>
+            <a:endParaRPr altLang="zh-CN" sz="2000" dirty="0">
+              <a:latin typeface="Arial" panose="020B0604020202020204" pitchFamily="34" charset="0"/>
+              <a:sym typeface="Arial" panose="020B0604020202020204" pitchFamily="34" charset="0"/>
+            </a:endParaRPr>
+          </a:p>
+        </p:txBody>
+      </p:sp>
+      <p:pic>
+        <p:nvPicPr>
+          <p:cNvPr id="10" name="图片 9"/>
+          <p:cNvPicPr>
+            <a:picLocks noChangeAspect="1"/>
+          </p:cNvPicPr>
+          <p:nvPr/>
+        </p:nvPicPr>
+        <p:blipFill>
+          <a:blip r:embed="rId1">
+            <a:clrChange>
+              <a:clrFrom>
+                <a:srgbClr val="FFFFFF">
+                  <a:alpha val="100000"/>
+                </a:srgbClr>
+              </a:clrFrom>
+              <a:clrTo>
+                <a:srgbClr val="FFFFFF">
+                  <a:alpha val="100000"/>
+                  <a:alpha val="0"/>
+                </a:srgbClr>
+              </a:clrTo>
+            </a:clrChange>
+          </a:blip>
+          <a:stretch>
+            <a:fillRect/>
+          </a:stretch>
+        </p:blipFill>
+        <p:spPr>
+          <a:xfrm>
+            <a:off x="6492875" y="1941830"/>
+            <a:ext cx="5172075" cy="3347085"/>
+          </a:xfrm>
+          <a:prstGeom prst="rect">
+            <a:avLst/>
+          </a:prstGeom>
+        </p:spPr>
+      </p:pic>
+      <p:pic>
+        <p:nvPicPr>
+          <p:cNvPr id="11" name="图片 10"/>
+          <p:cNvPicPr/>
+          <p:nvPr/>
+        </p:nvPicPr>
+        <p:blipFill>
+          <a:blip r:embed="rId2"/>
+        </p:blipFill>
+        <p:spPr>
+          <a:xfrm>
+            <a:off x="1360170" y="2302510"/>
+            <a:ext cx="4145915" cy="2625725"/>
+          </a:xfrm>
+          <a:prstGeom prst="rect">
+            <a:avLst/>
+          </a:prstGeom>
+        </p:spPr>
+      </p:pic>
+      <p:sp>
+        <p:nvSpPr>
+          <p:cNvPr id="12" name="标题 2"/>
+          <p:cNvSpPr txBox="1"/>
+          <p:nvPr/>
+        </p:nvSpPr>
+        <p:spPr>
+          <a:xfrm>
+            <a:off x="2606040" y="4995545"/>
+            <a:ext cx="1212215" cy="505460"/>
+          </a:xfrm>
+          <a:prstGeom prst="rect">
+            <a:avLst/>
+          </a:prstGeom>
+        </p:spPr>
+        <p:txBody>
+          <a:bodyPr vert="horz" lIns="91440" tIns="45720" rIns="91440" bIns="45720" rtlCol="0" anchor="ctr">
+            <a:noAutofit/>
+          </a:bodyPr>
+          <a:lstStyle>
+            <a:lvl1pPr marL="0" algn="l" defTabSz="685800" rtl="0" eaLnBrk="1" latinLnBrk="0" hangingPunct="1">
+              <a:lnSpc>
+                <a:spcPct val="100000"/>
+              </a:lnSpc>
+              <a:spcBef>
+                <a:spcPct val="0"/>
+              </a:spcBef>
+              <a:buNone/>
+              <a:defRPr lang="en-US" sz="3200" b="1" kern="1200" dirty="0">
+                <a:solidFill>
+                  <a:srgbClr val="002060"/>
+                </a:solidFill>
+                <a:latin typeface="微软雅黑" panose="020B0503020204020204" pitchFamily="34" charset="-122"/>
+                <a:ea typeface="微软雅黑" panose="020B0503020204020204" pitchFamily="34" charset="-122"/>
+                <a:cs typeface="+mn-cs"/>
+              </a:defRPr>
+            </a:lvl1pPr>
+          </a:lstStyle>
+          <a:p>
+            <a:pPr indent="457200"/>
+            <a:r>
+              <a:rPr altLang="zh-CN" sz="1400" dirty="0">
+                <a:latin typeface="Arial" panose="020B0604020202020204" pitchFamily="34" charset="0"/>
+                <a:sym typeface="Arial" panose="020B0604020202020204" pitchFamily="34" charset="0"/>
+              </a:rPr>
+              <a:t>tanh</a:t>
+            </a:r>
+            <a:endParaRPr altLang="zh-CN" sz="1400" dirty="0">
+              <a:latin typeface="Arial" panose="020B0604020202020204" pitchFamily="34" charset="0"/>
+              <a:sym typeface="Arial" panose="020B0604020202020204" pitchFamily="34" charset="0"/>
+            </a:endParaRPr>
+          </a:p>
+        </p:txBody>
+      </p:sp>
+      <p:sp>
+        <p:nvSpPr>
+          <p:cNvPr id="13" name="椭圆 12"/>
+          <p:cNvSpPr/>
+          <p:nvPr/>
+        </p:nvSpPr>
+        <p:spPr>
+          <a:xfrm>
+            <a:off x="1253490" y="4535170"/>
+            <a:ext cx="1695450" cy="658495"/>
+          </a:xfrm>
+          <a:prstGeom prst="ellipse">
+            <a:avLst/>
+          </a:prstGeom>
+          <a:noFill/>
+          <a:ln>
+            <a:solidFill>
+              <a:srgbClr val="00B050"/>
+            </a:solidFill>
+            <a:prstDash val="sysDot"/>
+          </a:ln>
+        </p:spPr>
+        <p:style>
+          <a:lnRef idx="2">
+            <a:schemeClr val="accent1">
+              <a:lumMod val="75000"/>
+            </a:schemeClr>
+          </a:lnRef>
+          <a:fillRef idx="1">
+            <a:schemeClr val="accent1"/>
+          </a:fillRef>
+          <a:effectRef idx="0">
+            <a:srgbClr val="FFFFFF"/>
+          </a:effectRef>
+          <a:fontRef idx="minor">
+            <a:schemeClr val="lt1"/>
+          </a:fontRef>
+        </p:style>
+        <p:txBody>
+          <a:bodyPr rtlCol="0" anchor="ctr"/>
+          <a:p>
+            <a:pPr algn="ctr"/>
+            <a:endParaRPr lang="zh-CN" altLang="en-US"/>
+          </a:p>
+        </p:txBody>
+      </p:sp>
+      <p:sp>
+        <p:nvSpPr>
+          <p:cNvPr id="14" name="椭圆 13"/>
+          <p:cNvSpPr/>
+          <p:nvPr/>
+        </p:nvSpPr>
+        <p:spPr>
+          <a:xfrm>
+            <a:off x="3810635" y="2302510"/>
+            <a:ext cx="1695450" cy="658495"/>
+          </a:xfrm>
+          <a:prstGeom prst="ellipse">
+            <a:avLst/>
+          </a:prstGeom>
+          <a:noFill/>
+          <a:ln>
+            <a:solidFill>
+              <a:srgbClr val="00B050"/>
+            </a:solidFill>
+            <a:prstDash val="sysDot"/>
+          </a:ln>
+        </p:spPr>
+        <p:style>
+          <a:lnRef idx="2">
+            <a:schemeClr val="accent1">
+              <a:lumMod val="75000"/>
+            </a:schemeClr>
+          </a:lnRef>
+          <a:fillRef idx="1">
+            <a:schemeClr val="accent1"/>
+          </a:fillRef>
+          <a:effectRef idx="0">
+            <a:srgbClr val="FFFFFF"/>
+          </a:effectRef>
+          <a:fontRef idx="minor">
+            <a:schemeClr val="lt1"/>
+          </a:fontRef>
+        </p:style>
+        <p:txBody>
+          <a:bodyPr rtlCol="0" anchor="ctr"/>
+          <a:p>
+            <a:pPr algn="ctr"/>
+            <a:endParaRPr lang="zh-CN" altLang="en-US"/>
+          </a:p>
+        </p:txBody>
+      </p:sp>
+      <p:cxnSp>
+        <p:nvCxnSpPr>
+          <p:cNvPr id="16" name="直接箭头连接符 15"/>
+          <p:cNvCxnSpPr>
+            <a:endCxn id="14" idx="0"/>
+          </p:cNvCxnSpPr>
+          <p:nvPr/>
+        </p:nvCxnSpPr>
+        <p:spPr>
+          <a:xfrm flipH="1">
+            <a:off x="4658360" y="1737360"/>
+            <a:ext cx="3465195" cy="565150"/>
+          </a:xfrm>
+          <a:prstGeom prst="straightConnector1">
+            <a:avLst/>
+          </a:prstGeom>
+          <a:ln w="12700" cmpd="sng">
+            <a:solidFill>
+              <a:schemeClr val="accent1">
+                <a:shade val="50000"/>
+              </a:schemeClr>
+            </a:solidFill>
+            <a:prstDash val="dashDot"/>
+            <a:tailEnd type="arrow"/>
+          </a:ln>
+        </p:spPr>
+        <p:style>
+          <a:lnRef idx="2">
+            <a:schemeClr val="accent1"/>
+          </a:lnRef>
+          <a:fillRef idx="0">
+            <a:srgbClr val="FFFFFF"/>
+          </a:fillRef>
+          <a:effectRef idx="0">
+            <a:srgbClr val="FFFFFF"/>
+          </a:effectRef>
+          <a:fontRef idx="minor">
+            <a:schemeClr val="tx1"/>
+          </a:fontRef>
+        </p:style>
+      </p:cxnSp>
+      <p:cxnSp>
+        <p:nvCxnSpPr>
+          <p:cNvPr id="17" name="直接箭头连接符 16"/>
+          <p:cNvCxnSpPr>
+            <a:endCxn id="13" idx="6"/>
+          </p:cNvCxnSpPr>
+          <p:nvPr/>
+        </p:nvCxnSpPr>
+        <p:spPr>
+          <a:xfrm flipH="1">
+            <a:off x="2948940" y="1727835"/>
+            <a:ext cx="5174615" cy="3136900"/>
+          </a:xfrm>
+          <a:prstGeom prst="straightConnector1">
+            <a:avLst/>
+          </a:prstGeom>
+          <a:ln w="12700" cmpd="sng">
+            <a:solidFill>
+              <a:schemeClr val="accent1">
+                <a:shade val="50000"/>
+              </a:schemeClr>
+            </a:solidFill>
+            <a:prstDash val="dashDot"/>
+            <a:tailEnd type="arrow"/>
+          </a:ln>
+        </p:spPr>
+        <p:style>
+          <a:lnRef idx="2">
+            <a:schemeClr val="accent1"/>
+          </a:lnRef>
+          <a:fillRef idx="0">
+            <a:srgbClr val="FFFFFF"/>
+          </a:fillRef>
+          <a:effectRef idx="0">
+            <a:srgbClr val="FFFFFF"/>
+          </a:effectRef>
+          <a:fontRef idx="minor">
+            <a:schemeClr val="tx1"/>
+          </a:fontRef>
+        </p:style>
+      </p:cxnSp>
+    </p:spTree>
+  </p:cSld>
+  <p:clrMapOvr>
+    <a:masterClrMapping/>
+  </p:clrMapOvr>
+  <p:transition advClick="0" advTm="0"/>
+</p:sld>
+</file>
+
+<file path=ppt/slides/slide7.xml><?xml version="1.0" encoding="utf-8"?>
+<p:sld xmlns:a="http://schemas.openxmlformats.org/drawingml/2006/main" xmlns:r="http://schemas.openxmlformats.org/officeDocument/2006/relationships" xmlns:p="http://schemas.openxmlformats.org/presentationml/2006/main">
+  <p:cSld>
+    <p:spTree>
+      <p:nvGrpSpPr>
+        <p:cNvPr id="1" name=""/>
+        <p:cNvGrpSpPr/>
+        <p:nvPr/>
+      </p:nvGrpSpPr>
+      <p:grpSpPr>
+        <a:xfrm>
+          <a:off x="0" y="0"/>
+          <a:ext cx="0" cy="0"/>
+          <a:chOff x="0" y="0"/>
+          <a:chExt cx="0" cy="0"/>
+        </a:xfrm>
+      </p:grpSpPr>
+      <p:sp>
+        <p:nvSpPr>
+          <p:cNvPr id="4" name="矩形 12"/>
+          <p:cNvSpPr>
+            <a:spLocks noChangeArrowheads="1"/>
+          </p:cNvSpPr>
+          <p:nvPr/>
+        </p:nvSpPr>
+        <p:spPr bwMode="auto">
+          <a:xfrm>
+            <a:off x="385125" y="188641"/>
+            <a:ext cx="11568417" cy="583565"/>
+          </a:xfrm>
+          <a:prstGeom prst="rect">
+            <a:avLst/>
+          </a:prstGeom>
+          <a:noFill/>
+          <a:ln>
+            <a:noFill/>
+          </a:ln>
+          <a:extLst>
+            <a:ext uri="{909E8E84-426E-40DD-AFC4-6F175D3DCCD1}">
+              <a14:hiddenFill xmlns:a14="http://schemas.microsoft.com/office/drawing/2010/main">
+                <a:solidFill>
+                  <a:srgbClr val="FFFFFF"/>
+                </a:solidFill>
+              </a14:hiddenFill>
+            </a:ext>
+            <a:ext uri="{91240B29-F687-4F45-9708-019B960494DF}">
+              <a14:hiddenLine xmlns:a14="http://schemas.microsoft.com/office/drawing/2010/main" w="9525">
+                <a:solidFill>
+                  <a:srgbClr val="000000"/>
+                </a:solidFill>
+                <a:miter lim="800000"/>
+                <a:headEnd/>
+                <a:tailEnd/>
+              </a14:hiddenLine>
+            </a:ext>
+          </a:extLst>
+        </p:spPr>
+        <p:txBody>
+          <a:bodyPr wrap="square">
+            <a:spAutoFit/>
+          </a:bodyPr>
+          <a:lstStyle/>
+          <a:p>
+            <a:pPr marL="0" lvl="1" defTabSz="457200">
+              <a:buClr>
+                <a:srgbClr val="FF0000"/>
+              </a:buClr>
+              <a:buSzPct val="100000"/>
+            </a:pPr>
+            <a:r>
+              <a:rPr lang="en-US" altLang="zh-CN" sz="3200" b="1" dirty="0">
+                <a:solidFill>
+                  <a:schemeClr val="bg1"/>
+                </a:solidFill>
+                <a:latin typeface="Arial" panose="020B0604020202020204" pitchFamily="34" charset="0"/>
+                <a:ea typeface="微软雅黑" panose="020B0503020204020204" pitchFamily="34" charset="-122"/>
+                <a:cs typeface="+mn-ea"/>
+                <a:sym typeface="Arial" panose="020B0604020202020204" pitchFamily="34" charset="0"/>
+              </a:rPr>
+              <a:t>1.1</a:t>
+            </a:r>
+            <a:r>
+              <a:rPr lang="zh-CN" altLang="en-US" sz="3200" b="1" dirty="0">
+                <a:solidFill>
+                  <a:schemeClr val="bg1"/>
+                </a:solidFill>
+                <a:latin typeface="Arial" panose="020B0604020202020204" pitchFamily="34" charset="0"/>
+                <a:ea typeface="微软雅黑" panose="020B0503020204020204" pitchFamily="34" charset="-122"/>
+                <a:cs typeface="+mn-ea"/>
+                <a:sym typeface="Arial" panose="020B0604020202020204" pitchFamily="34" charset="0"/>
+              </a:rPr>
+              <a:t>染研究意义</a:t>
+            </a:r>
+            <a:endParaRPr lang="zh-CN" altLang="en-US" sz="3200" b="1" dirty="0">
+              <a:solidFill>
+                <a:schemeClr val="bg1"/>
+              </a:solidFill>
+              <a:latin typeface="Arial" panose="020B0604020202020204" pitchFamily="34" charset="0"/>
+              <a:ea typeface="微软雅黑" panose="020B0503020204020204" pitchFamily="34" charset="-122"/>
+              <a:cs typeface="+mn-ea"/>
+              <a:sym typeface="Arial" panose="020B0604020202020204" pitchFamily="34" charset="0"/>
+            </a:endParaRPr>
+          </a:p>
+        </p:txBody>
+      </p:sp>
+      <p:sp>
+        <p:nvSpPr>
+          <p:cNvPr id="3" name="标题 2"/>
+          <p:cNvSpPr>
+            <a:spLocks noGrp="1"/>
+          </p:cNvSpPr>
+          <p:nvPr>
+            <p:ph type="title"/>
+          </p:nvPr>
+        </p:nvSpPr>
+        <p:spPr/>
+        <p:txBody>
+          <a:bodyPr/>
+          <a:lstStyle/>
+          <a:p>
+            <a:r>
+              <a:rPr lang="en-US" altLang="zh-CN" dirty="0">
+                <a:latin typeface="Arial" panose="020B0604020202020204" pitchFamily="34" charset="0"/>
+                <a:sym typeface="Arial" panose="020B0604020202020204" pitchFamily="34" charset="0"/>
+              </a:rPr>
+              <a:t>4. Become a backprop Ninja</a:t>
+            </a:r>
+            <a:endParaRPr lang="en-US" altLang="zh-CN" dirty="0">
+              <a:latin typeface="Arial" panose="020B0604020202020204" pitchFamily="34" charset="0"/>
+              <a:sym typeface="Arial" panose="020B0604020202020204" pitchFamily="34" charset="0"/>
+            </a:endParaRPr>
+          </a:p>
+        </p:txBody>
+      </p:sp>
+      <p:sp>
+        <p:nvSpPr>
+          <p:cNvPr id="7" name="灯片编号占位符 6"/>
+          <p:cNvSpPr>
+            <a:spLocks noGrp="1"/>
+          </p:cNvSpPr>
+          <p:nvPr>
+            <p:ph type="sldNum" sz="quarter" idx="16"/>
+          </p:nvPr>
+        </p:nvSpPr>
+        <p:spPr/>
+        <p:txBody>
+          <a:bodyPr/>
+          <a:lstStyle/>
+          <a:p>
+            <a:pPr>
+              <a:defRPr/>
+            </a:pPr>
+            <a:fld id="{26F565BE-27A9-4834-BA3A-D46EFBA6086A}" type="slidenum">
+              <a:rPr lang="zh-CN" altLang="en-US" smtClean="0">
+                <a:latin typeface="Arial" panose="020B0604020202020204" pitchFamily="34" charset="0"/>
+                <a:sym typeface="Arial" panose="020B0604020202020204" pitchFamily="34" charset="0"/>
+              </a:rPr>
+            </a:fld>
+            <a:endParaRPr lang="zh-CN" altLang="en-US" dirty="0">
+              <a:latin typeface="Arial" panose="020B0604020202020204" pitchFamily="34" charset="0"/>
+              <a:sym typeface="Arial" panose="020B0604020202020204" pitchFamily="34" charset="0"/>
+            </a:endParaRPr>
+          </a:p>
+        </p:txBody>
+      </p:sp>
+      <p:cxnSp>
+        <p:nvCxnSpPr>
+          <p:cNvPr id="8" name="直接连接符 7"/>
+          <p:cNvCxnSpPr/>
+          <p:nvPr/>
+        </p:nvCxnSpPr>
+        <p:spPr>
+          <a:xfrm>
+            <a:off x="0" y="824357"/>
+            <a:ext cx="3877337" cy="0"/>
+          </a:xfrm>
+          <a:prstGeom prst="line">
+            <a:avLst/>
+          </a:prstGeom>
+          <a:ln w="31750">
+            <a:gradFill flip="none" rotWithShape="1">
+              <a:gsLst>
+                <a:gs pos="0">
+                  <a:schemeClr val="accent1">
+                    <a:lumMod val="40000"/>
+                    <a:lumOff val="60000"/>
+                  </a:schemeClr>
+                </a:gs>
+                <a:gs pos="46000">
+                  <a:schemeClr val="accent1">
+                    <a:lumMod val="40000"/>
+                    <a:lumOff val="60000"/>
+                  </a:schemeClr>
+                </a:gs>
+                <a:gs pos="100000">
+                  <a:schemeClr val="accent1">
+                    <a:lumMod val="75000"/>
+                  </a:schemeClr>
+                </a:gs>
+              </a:gsLst>
+              <a:lin ang="10800000" scaled="0"/>
+              <a:tileRect/>
+            </a:gradFill>
+          </a:ln>
+        </p:spPr>
+        <p:style>
+          <a:lnRef idx="3">
+            <a:schemeClr val="dk1"/>
+          </a:lnRef>
+          <a:fillRef idx="0">
+            <a:schemeClr val="dk1"/>
+          </a:fillRef>
+          <a:effectRef idx="2">
+            <a:schemeClr val="dk1"/>
+          </a:effectRef>
+          <a:fontRef idx="minor">
+            <a:schemeClr val="tx1"/>
+          </a:fontRef>
+        </p:style>
+      </p:cxnSp>
+      <p:pic>
+        <p:nvPicPr>
+          <p:cNvPr id="5" name="图片 4"/>
+          <p:cNvPicPr>
+            <a:picLocks noChangeAspect="1"/>
+          </p:cNvPicPr>
+          <p:nvPr/>
+        </p:nvPicPr>
+        <p:blipFill>
+          <a:blip r:embed="rId1">
+            <a:clrChange>
+              <a:clrFrom>
+                <a:srgbClr val="FFFFFF">
+                  <a:alpha val="100000"/>
+                </a:srgbClr>
+              </a:clrFrom>
+              <a:clrTo>
+                <a:srgbClr val="FFFFFF">
+                  <a:alpha val="100000"/>
+                  <a:alpha val="0"/>
+                </a:srgbClr>
+              </a:clrTo>
+            </a:clrChange>
+          </a:blip>
+          <a:stretch>
+            <a:fillRect/>
+          </a:stretch>
+        </p:blipFill>
+        <p:spPr>
+          <a:xfrm>
+            <a:off x="5695950" y="1705610"/>
+            <a:ext cx="5524500" cy="3724275"/>
+          </a:xfrm>
+          <a:prstGeom prst="rect">
+            <a:avLst/>
+          </a:prstGeom>
+          <a:ln w="22225" cap="rnd" cmpd="sng">
+            <a:solidFill>
+              <a:srgbClr val="00B050"/>
+            </a:solidFill>
+            <a:prstDash val="lgDash"/>
+          </a:ln>
+        </p:spPr>
+      </p:pic>
+      <p:sp>
+        <p:nvSpPr>
+          <p:cNvPr id="9" name="标题 2"/>
+          <p:cNvSpPr txBox="1"/>
+          <p:nvPr/>
+        </p:nvSpPr>
+        <p:spPr>
+          <a:xfrm>
+            <a:off x="384810" y="1110615"/>
+            <a:ext cx="4965700" cy="1483360"/>
+          </a:xfrm>
+          <a:prstGeom prst="rect">
+            <a:avLst/>
+          </a:prstGeom>
+        </p:spPr>
+        <p:txBody>
+          <a:bodyPr vert="horz" lIns="91440" tIns="45720" rIns="91440" bIns="45720" rtlCol="0" anchor="ctr">
+            <a:noAutofit/>
+          </a:bodyPr>
+          <a:lstStyle>
+            <a:lvl1pPr marL="0" algn="l" defTabSz="685800" rtl="0" eaLnBrk="1" latinLnBrk="0" hangingPunct="1">
+              <a:lnSpc>
+                <a:spcPct val="100000"/>
+              </a:lnSpc>
+              <a:spcBef>
+                <a:spcPct val="0"/>
+              </a:spcBef>
+              <a:buNone/>
+              <a:defRPr lang="en-US" sz="3200" b="1" kern="1200" dirty="0">
+                <a:solidFill>
+                  <a:srgbClr val="002060"/>
+                </a:solidFill>
+                <a:latin typeface="微软雅黑" panose="020B0503020204020204" pitchFamily="34" charset="-122"/>
+                <a:ea typeface="微软雅黑" panose="020B0503020204020204" pitchFamily="34" charset="-122"/>
+                <a:cs typeface="+mn-cs"/>
+              </a:defRPr>
+            </a:lvl1pPr>
+          </a:lstStyle>
+          <a:p>
+            <a:r>
+              <a:rPr altLang="zh-CN" sz="2000" dirty="0">
+                <a:solidFill>
+                  <a:srgbClr val="FF0000"/>
+                </a:solidFill>
+                <a:latin typeface="Arial" panose="020B0604020202020204" pitchFamily="34" charset="0"/>
+                <a:sym typeface="Arial" panose="020B0604020202020204" pitchFamily="34" charset="0"/>
+              </a:rPr>
+              <a:t>Broadcast</a:t>
+            </a:r>
+            <a:r>
+              <a:rPr lang="zh-CN" altLang="en-US" sz="2000" dirty="0">
+                <a:solidFill>
+                  <a:srgbClr val="FF0000"/>
+                </a:solidFill>
+                <a:latin typeface="Arial" panose="020B0604020202020204" pitchFamily="34" charset="0"/>
+                <a:sym typeface="Arial" panose="020B0604020202020204" pitchFamily="34" charset="0"/>
+              </a:rPr>
+              <a:t>：</a:t>
+            </a:r>
+            <a:endParaRPr lang="zh-CN" altLang="en-US" sz="2000" dirty="0">
+              <a:solidFill>
+                <a:srgbClr val="FF0000"/>
+              </a:solidFill>
+              <a:latin typeface="Arial" panose="020B0604020202020204" pitchFamily="34" charset="0"/>
+              <a:sym typeface="Arial" panose="020B0604020202020204" pitchFamily="34" charset="0"/>
+            </a:endParaRPr>
+          </a:p>
+          <a:p>
+            <a:pPr indent="457200"/>
+            <a:r>
+              <a:rPr lang="zh-CN" altLang="en-US" sz="2000" dirty="0">
+                <a:latin typeface="Arial" panose="020B0604020202020204" pitchFamily="34" charset="0"/>
+                <a:sym typeface="Arial" panose="020B0604020202020204" pitchFamily="34" charset="0"/>
+              </a:rPr>
+              <a:t>一个点被用了多次，那么会</a:t>
+            </a:r>
+            <a:r>
+              <a:rPr lang="zh-CN" altLang="en-US" sz="2000" dirty="0">
+                <a:solidFill>
+                  <a:srgbClr val="FF0000"/>
+                </a:solidFill>
+                <a:latin typeface="Arial" panose="020B0604020202020204" pitchFamily="34" charset="0"/>
+                <a:sym typeface="Arial" panose="020B0604020202020204" pitchFamily="34" charset="0"/>
+              </a:rPr>
+              <a:t>累加</a:t>
+            </a:r>
+            <a:r>
+              <a:rPr lang="zh-CN" altLang="en-US" sz="2000" dirty="0">
+                <a:latin typeface="Arial" panose="020B0604020202020204" pitchFamily="34" charset="0"/>
+                <a:sym typeface="Arial" panose="020B0604020202020204" pitchFamily="34" charset="0"/>
+              </a:rPr>
+              <a:t>其用到的梯度（包括一个</a:t>
+            </a:r>
+            <a:r>
+              <a:rPr lang="zh-CN" altLang="en-US" sz="2000" dirty="0">
+                <a:latin typeface="Arial" panose="020B0604020202020204" pitchFamily="34" charset="0"/>
+                <a:sym typeface="Arial" panose="020B0604020202020204" pitchFamily="34" charset="0"/>
+              </a:rPr>
+              <a:t>节点多次</a:t>
+            </a:r>
+            <a:r>
+              <a:rPr lang="zh-CN" altLang="en-US" sz="2000" dirty="0">
+                <a:latin typeface="Arial" panose="020B0604020202020204" pitchFamily="34" charset="0"/>
+                <a:sym typeface="Arial" panose="020B0604020202020204" pitchFamily="34" charset="0"/>
+              </a:rPr>
+              <a:t>使用）</a:t>
+            </a:r>
+            <a:endParaRPr lang="zh-CN" altLang="en-US" sz="2000" dirty="0">
+              <a:latin typeface="Arial" panose="020B0604020202020204" pitchFamily="34" charset="0"/>
+              <a:sym typeface="Arial" panose="020B0604020202020204" pitchFamily="34" charset="0"/>
+            </a:endParaRPr>
+          </a:p>
+        </p:txBody>
+      </p:sp>
+      <p:cxnSp>
+        <p:nvCxnSpPr>
+          <p:cNvPr id="20" name="直接箭头连接符 19"/>
+          <p:cNvCxnSpPr/>
+          <p:nvPr/>
+        </p:nvCxnSpPr>
+        <p:spPr>
+          <a:xfrm flipH="1">
+            <a:off x="3226435" y="2008505"/>
+            <a:ext cx="998220" cy="2558415"/>
+          </a:xfrm>
+          <a:prstGeom prst="straightConnector1">
+            <a:avLst/>
+          </a:prstGeom>
+          <a:ln w="28575" cmpd="thickThin">
+            <a:solidFill>
+              <a:srgbClr val="FF0000"/>
+            </a:solidFill>
+            <a:prstDash val="sysDash"/>
+            <a:tailEnd type="arrow"/>
+          </a:ln>
+        </p:spPr>
+        <p:style>
+          <a:lnRef idx="2">
+            <a:schemeClr val="accent1"/>
+          </a:lnRef>
+          <a:fillRef idx="0">
+            <a:srgbClr val="FFFFFF"/>
+          </a:fillRef>
+          <a:effectRef idx="0">
+            <a:srgbClr val="FFFFFF"/>
+          </a:effectRef>
+          <a:fontRef idx="minor">
+            <a:schemeClr val="tx1"/>
+          </a:fontRef>
+        </p:style>
+      </p:cxnSp>
+      <p:sp>
+        <p:nvSpPr>
+          <p:cNvPr id="21" name="标题 2"/>
+          <p:cNvSpPr txBox="1"/>
+          <p:nvPr/>
+        </p:nvSpPr>
+        <p:spPr>
+          <a:xfrm>
+            <a:off x="1363345" y="4328795"/>
+            <a:ext cx="3909695" cy="1483360"/>
+          </a:xfrm>
+          <a:prstGeom prst="rect">
+            <a:avLst/>
+          </a:prstGeom>
+        </p:spPr>
+        <p:txBody>
+          <a:bodyPr vert="horz" lIns="91440" tIns="45720" rIns="91440" bIns="45720" rtlCol="0" anchor="ctr">
+            <a:noAutofit/>
+          </a:bodyPr>
+          <a:lstStyle>
+            <a:lvl1pPr marL="0" algn="l" defTabSz="685800" rtl="0" eaLnBrk="1" latinLnBrk="0" hangingPunct="1">
+              <a:lnSpc>
+                <a:spcPct val="100000"/>
+              </a:lnSpc>
+              <a:spcBef>
+                <a:spcPct val="0"/>
+              </a:spcBef>
+              <a:buNone/>
+              <a:defRPr lang="en-US" sz="3200" b="1" kern="1200" dirty="0">
+                <a:solidFill>
+                  <a:srgbClr val="002060"/>
+                </a:solidFill>
+                <a:latin typeface="微软雅黑" panose="020B0503020204020204" pitchFamily="34" charset="-122"/>
+                <a:ea typeface="微软雅黑" panose="020B0503020204020204" pitchFamily="34" charset="-122"/>
+                <a:cs typeface="+mn-cs"/>
+              </a:defRPr>
+            </a:lvl1pPr>
+          </a:lstStyle>
+          <a:p>
+            <a:pPr indent="457200"/>
+            <a:r>
+              <a:rPr lang="zh-CN" altLang="en-US" sz="2000" dirty="0">
+                <a:latin typeface="Arial" panose="020B0604020202020204" pitchFamily="34" charset="0"/>
+                <a:sym typeface="Arial" panose="020B0604020202020204" pitchFamily="34" charset="0"/>
+              </a:rPr>
+              <a:t>在每一次求导的过程中，注意</a:t>
+            </a:r>
+            <a:r>
+              <a:rPr lang="zh-CN" altLang="en-US" sz="2000" dirty="0">
+                <a:solidFill>
+                  <a:srgbClr val="FF0000"/>
+                </a:solidFill>
+                <a:latin typeface="Arial" panose="020B0604020202020204" pitchFamily="34" charset="0"/>
+                <a:sym typeface="Arial" panose="020B0604020202020204" pitchFamily="34" charset="0"/>
+              </a:rPr>
+              <a:t>矩阵的形状</a:t>
+            </a:r>
+            <a:endParaRPr lang="zh-CN" altLang="en-US" sz="2000" dirty="0">
+              <a:solidFill>
+                <a:srgbClr val="FF0000"/>
+              </a:solidFill>
+              <a:latin typeface="Arial" panose="020B0604020202020204" pitchFamily="34" charset="0"/>
+              <a:sym typeface="Arial" panose="020B0604020202020204" pitchFamily="34" charset="0"/>
+            </a:endParaRPr>
+          </a:p>
+        </p:txBody>
+      </p:sp>
+    </p:spTree>
+  </p:cSld>
+  <p:clrMapOvr>
+    <a:masterClrMapping/>
+  </p:clrMapOvr>
+  <p:transition advClick="0" advTm="0"/>
+</p:sld>
+</file>
+
+<file path=ppt/slides/slide8.xml><?xml version="1.0" encoding="utf-8"?>
+<p:sld xmlns:a="http://schemas.openxmlformats.org/drawingml/2006/main" xmlns:r="http://schemas.openxmlformats.org/officeDocument/2006/relationships" xmlns:p="http://schemas.openxmlformats.org/presentationml/2006/main">
+  <p:cSld>
+    <p:spTree>
+      <p:nvGrpSpPr>
+        <p:cNvPr id="1" name=""/>
+        <p:cNvGrpSpPr/>
+        <p:nvPr/>
+      </p:nvGrpSpPr>
+      <p:grpSpPr>
+        <a:xfrm>
+          <a:off x="0" y="0"/>
+          <a:ext cx="0" cy="0"/>
+          <a:chOff x="0" y="0"/>
+          <a:chExt cx="0" cy="0"/>
+        </a:xfrm>
+      </p:grpSpPr>
+      <p:sp>
+        <p:nvSpPr>
+          <p:cNvPr id="4" name="矩形 12"/>
+          <p:cNvSpPr>
+            <a:spLocks noChangeArrowheads="1"/>
+          </p:cNvSpPr>
+          <p:nvPr/>
+        </p:nvSpPr>
+        <p:spPr bwMode="auto">
+          <a:xfrm>
+            <a:off x="385125" y="188641"/>
+            <a:ext cx="11568417" cy="583565"/>
+          </a:xfrm>
+          <a:prstGeom prst="rect">
+            <a:avLst/>
+          </a:prstGeom>
+          <a:noFill/>
+          <a:ln>
+            <a:noFill/>
+          </a:ln>
+          <a:extLst>
+            <a:ext uri="{909E8E84-426E-40DD-AFC4-6F175D3DCCD1}">
+              <a14:hiddenFill xmlns:a14="http://schemas.microsoft.com/office/drawing/2010/main">
+                <a:solidFill>
+                  <a:srgbClr val="FFFFFF"/>
+                </a:solidFill>
+              </a14:hiddenFill>
+            </a:ext>
+            <a:ext uri="{91240B29-F687-4F45-9708-019B960494DF}">
+              <a14:hiddenLine xmlns:a14="http://schemas.microsoft.com/office/drawing/2010/main" w="9525">
+                <a:solidFill>
+                  <a:srgbClr val="000000"/>
+                </a:solidFill>
+                <a:miter lim="800000"/>
+                <a:headEnd/>
+                <a:tailEnd/>
+              </a14:hiddenLine>
+            </a:ext>
+          </a:extLst>
+        </p:spPr>
+        <p:txBody>
+          <a:bodyPr wrap="square">
+            <a:spAutoFit/>
+          </a:bodyPr>
+          <a:lstStyle/>
+          <a:p>
+            <a:pPr marL="0" lvl="1" defTabSz="457200">
+              <a:buClr>
+                <a:srgbClr val="FF0000"/>
+              </a:buClr>
+              <a:buSzPct val="100000"/>
+            </a:pPr>
+            <a:r>
+              <a:rPr lang="en-US" altLang="zh-CN" sz="3200" b="1" dirty="0">
+                <a:solidFill>
+                  <a:schemeClr val="bg1"/>
+                </a:solidFill>
+                <a:latin typeface="Arial" panose="020B0604020202020204" pitchFamily="34" charset="0"/>
+                <a:ea typeface="微软雅黑" panose="020B0503020204020204" pitchFamily="34" charset="-122"/>
+                <a:cs typeface="+mn-ea"/>
+                <a:sym typeface="Arial" panose="020B0604020202020204" pitchFamily="34" charset="0"/>
+              </a:rPr>
+              <a:t>1.1</a:t>
+            </a:r>
+            <a:r>
+              <a:rPr lang="zh-CN" altLang="en-US" sz="3200" b="1" dirty="0">
+                <a:solidFill>
+                  <a:schemeClr val="bg1"/>
+                </a:solidFill>
+                <a:latin typeface="Arial" panose="020B0604020202020204" pitchFamily="34" charset="0"/>
+                <a:ea typeface="微软雅黑" panose="020B0503020204020204" pitchFamily="34" charset="-122"/>
+                <a:cs typeface="+mn-ea"/>
+                <a:sym typeface="Arial" panose="020B0604020202020204" pitchFamily="34" charset="0"/>
+              </a:rPr>
+              <a:t>染研究意义</a:t>
+            </a:r>
+            <a:endParaRPr lang="zh-CN" altLang="en-US" sz="3200" b="1" dirty="0">
+              <a:solidFill>
+                <a:schemeClr val="bg1"/>
+              </a:solidFill>
+              <a:latin typeface="Arial" panose="020B0604020202020204" pitchFamily="34" charset="0"/>
+              <a:ea typeface="微软雅黑" panose="020B0503020204020204" pitchFamily="34" charset="-122"/>
+              <a:cs typeface="+mn-ea"/>
+              <a:sym typeface="Arial" panose="020B0604020202020204" pitchFamily="34" charset="0"/>
+            </a:endParaRPr>
+          </a:p>
+        </p:txBody>
+      </p:sp>
+      <p:sp>
+        <p:nvSpPr>
+          <p:cNvPr id="3" name="标题 2"/>
+          <p:cNvSpPr>
+            <a:spLocks noGrp="1"/>
+          </p:cNvSpPr>
+          <p:nvPr>
+            <p:ph type="title"/>
+          </p:nvPr>
+        </p:nvSpPr>
+        <p:spPr/>
+        <p:txBody>
+          <a:bodyPr/>
+          <a:lstStyle/>
+          <a:p>
+            <a:r>
+              <a:rPr lang="en-US" altLang="zh-CN" dirty="0">
+                <a:latin typeface="Arial" panose="020B0604020202020204" pitchFamily="34" charset="0"/>
+                <a:sym typeface="Arial" panose="020B0604020202020204" pitchFamily="34" charset="0"/>
+              </a:rPr>
+              <a:t>4. Become a backprop Ninja</a:t>
+            </a:r>
+            <a:endParaRPr lang="en-US" altLang="zh-CN" dirty="0">
+              <a:latin typeface="Arial" panose="020B0604020202020204" pitchFamily="34" charset="0"/>
+              <a:sym typeface="Arial" panose="020B0604020202020204" pitchFamily="34" charset="0"/>
+            </a:endParaRPr>
+          </a:p>
+        </p:txBody>
+      </p:sp>
+      <p:sp>
+        <p:nvSpPr>
+          <p:cNvPr id="7" name="灯片编号占位符 6"/>
+          <p:cNvSpPr>
+            <a:spLocks noGrp="1"/>
+          </p:cNvSpPr>
+          <p:nvPr>
+            <p:ph type="sldNum" sz="quarter" idx="16"/>
+          </p:nvPr>
+        </p:nvSpPr>
+        <p:spPr/>
+        <p:txBody>
+          <a:bodyPr/>
+          <a:lstStyle/>
+          <a:p>
+            <a:pPr>
+              <a:defRPr/>
+            </a:pPr>
+            <a:fld id="{26F565BE-27A9-4834-BA3A-D46EFBA6086A}" type="slidenum">
+              <a:rPr lang="zh-CN" altLang="en-US" smtClean="0">
+                <a:latin typeface="Arial" panose="020B0604020202020204" pitchFamily="34" charset="0"/>
+                <a:sym typeface="Arial" panose="020B0604020202020204" pitchFamily="34" charset="0"/>
+              </a:rPr>
+            </a:fld>
+            <a:endParaRPr lang="zh-CN" altLang="en-US" dirty="0">
+              <a:latin typeface="Arial" panose="020B0604020202020204" pitchFamily="34" charset="0"/>
+              <a:sym typeface="Arial" panose="020B0604020202020204" pitchFamily="34" charset="0"/>
+            </a:endParaRPr>
+          </a:p>
+        </p:txBody>
+      </p:sp>
+      <p:cxnSp>
+        <p:nvCxnSpPr>
+          <p:cNvPr id="8" name="直接连接符 7"/>
+          <p:cNvCxnSpPr/>
+          <p:nvPr/>
+        </p:nvCxnSpPr>
+        <p:spPr>
+          <a:xfrm>
+            <a:off x="0" y="824357"/>
+            <a:ext cx="3877337" cy="0"/>
+          </a:xfrm>
+          <a:prstGeom prst="line">
+            <a:avLst/>
+          </a:prstGeom>
+          <a:ln w="31750">
+            <a:gradFill flip="none" rotWithShape="1">
+              <a:gsLst>
+                <a:gs pos="0">
+                  <a:schemeClr val="accent1">
+                    <a:lumMod val="40000"/>
+                    <a:lumOff val="60000"/>
+                  </a:schemeClr>
+                </a:gs>
+                <a:gs pos="46000">
+                  <a:schemeClr val="accent1">
+                    <a:lumMod val="40000"/>
+                    <a:lumOff val="60000"/>
+                  </a:schemeClr>
+                </a:gs>
+                <a:gs pos="100000">
+                  <a:schemeClr val="accent1">
+                    <a:lumMod val="75000"/>
+                  </a:schemeClr>
+                </a:gs>
+              </a:gsLst>
+              <a:lin ang="10800000" scaled="0"/>
+              <a:tileRect/>
+            </a:gradFill>
+          </a:ln>
+        </p:spPr>
+        <p:style>
+          <a:lnRef idx="3">
+            <a:schemeClr val="dk1"/>
+          </a:lnRef>
+          <a:fillRef idx="0">
+            <a:schemeClr val="dk1"/>
+          </a:fillRef>
+          <a:effectRef idx="2">
+            <a:schemeClr val="dk1"/>
+          </a:effectRef>
+          <a:fontRef idx="minor">
+            <a:schemeClr val="tx1"/>
+          </a:fontRef>
+        </p:style>
+      </p:cxnSp>
+      <p:sp>
+        <p:nvSpPr>
+          <p:cNvPr id="9" name="标题 2"/>
+          <p:cNvSpPr txBox="1"/>
+          <p:nvPr/>
+        </p:nvSpPr>
+        <p:spPr>
+          <a:xfrm>
+            <a:off x="1461135" y="876300"/>
+            <a:ext cx="4965700" cy="650875"/>
+          </a:xfrm>
+          <a:prstGeom prst="rect">
+            <a:avLst/>
+          </a:prstGeom>
+        </p:spPr>
+        <p:txBody>
+          <a:bodyPr vert="horz" lIns="91440" tIns="45720" rIns="91440" bIns="45720" rtlCol="0" anchor="ctr">
+            <a:noAutofit/>
+          </a:bodyPr>
+          <a:lstStyle>
+            <a:lvl1pPr marL="0" algn="l" defTabSz="685800" rtl="0" eaLnBrk="1" latinLnBrk="0" hangingPunct="1">
+              <a:lnSpc>
+                <a:spcPct val="100000"/>
+              </a:lnSpc>
+              <a:spcBef>
+                <a:spcPct val="0"/>
+              </a:spcBef>
+              <a:buNone/>
+              <a:defRPr lang="en-US" sz="3200" b="1" kern="1200" dirty="0">
+                <a:solidFill>
+                  <a:srgbClr val="002060"/>
+                </a:solidFill>
+                <a:latin typeface="微软雅黑" panose="020B0503020204020204" pitchFamily="34" charset="-122"/>
+                <a:ea typeface="微软雅黑" panose="020B0503020204020204" pitchFamily="34" charset="-122"/>
+                <a:cs typeface="+mn-cs"/>
+              </a:defRPr>
+            </a:lvl1pPr>
+          </a:lstStyle>
+          <a:p>
+            <a:r>
+              <a:rPr lang="zh-CN" altLang="en-US" sz="2000" dirty="0">
+                <a:latin typeface="Arial" panose="020B0604020202020204" pitchFamily="34" charset="0"/>
+                <a:sym typeface="Arial" panose="020B0604020202020204" pitchFamily="34" charset="0"/>
+              </a:rPr>
+              <a:t>矩阵乘法的</a:t>
+            </a:r>
+            <a:r>
+              <a:rPr lang="zh-CN" altLang="en-US" sz="2000" dirty="0">
+                <a:latin typeface="Arial" panose="020B0604020202020204" pitchFamily="34" charset="0"/>
+                <a:sym typeface="Arial" panose="020B0604020202020204" pitchFamily="34" charset="0"/>
+              </a:rPr>
+              <a:t>求导</a:t>
+            </a:r>
+            <a:endParaRPr lang="zh-CN" altLang="en-US" sz="2000" dirty="0">
+              <a:latin typeface="Arial" panose="020B0604020202020204" pitchFamily="34" charset="0"/>
+              <a:sym typeface="Arial" panose="020B0604020202020204" pitchFamily="34" charset="0"/>
+            </a:endParaRPr>
+          </a:p>
+        </p:txBody>
+      </p:sp>
+      <p:pic>
+        <p:nvPicPr>
+          <p:cNvPr id="6" name="图片 5"/>
+          <p:cNvPicPr>
+            <a:picLocks noChangeAspect="1"/>
+          </p:cNvPicPr>
+          <p:nvPr/>
+        </p:nvPicPr>
+        <p:blipFill>
+          <a:blip r:embed="rId1"/>
+          <a:stretch>
+            <a:fillRect/>
+          </a:stretch>
+        </p:blipFill>
+        <p:spPr>
+          <a:xfrm>
+            <a:off x="866140" y="1631315"/>
+            <a:ext cx="3771900" cy="600075"/>
+          </a:xfrm>
+          <a:prstGeom prst="rect">
+            <a:avLst/>
+          </a:prstGeom>
+        </p:spPr>
+      </p:pic>
+      <p:pic>
+        <p:nvPicPr>
+          <p:cNvPr id="13" name="图片 12"/>
+          <p:cNvPicPr>
+            <a:picLocks noChangeAspect="1"/>
+          </p:cNvPicPr>
+          <p:nvPr/>
+        </p:nvPicPr>
+        <p:blipFill>
+          <a:blip r:embed="rId2">
+            <a:clrChange>
+              <a:clrFrom>
+                <a:srgbClr val="FFFFFF">
+                  <a:alpha val="100000"/>
+                </a:srgbClr>
+              </a:clrFrom>
+              <a:clrTo>
+                <a:srgbClr val="FFFFFF">
+                  <a:alpha val="100000"/>
+                  <a:alpha val="0"/>
+                </a:srgbClr>
+              </a:clrTo>
+            </a:clrChange>
+          </a:blip>
+          <a:stretch>
+            <a:fillRect/>
+          </a:stretch>
+        </p:blipFill>
+        <p:spPr>
+          <a:xfrm>
+            <a:off x="5322570" y="1631315"/>
+            <a:ext cx="4857750" cy="4419600"/>
+          </a:xfrm>
+          <a:prstGeom prst="rect">
+            <a:avLst/>
+          </a:prstGeom>
+        </p:spPr>
+      </p:pic>
+      <p:sp>
+        <p:nvSpPr>
+          <p:cNvPr id="17" name="圆角矩形 16"/>
+          <p:cNvSpPr/>
+          <p:nvPr/>
+        </p:nvSpPr>
+        <p:spPr>
+          <a:xfrm>
+            <a:off x="8159750" y="4761865"/>
+            <a:ext cx="1337310" cy="725805"/>
+          </a:xfrm>
+          <a:prstGeom prst="roundRect">
+            <a:avLst/>
+          </a:prstGeom>
+          <a:noFill/>
+          <a:ln w="28575" cmpd="sng">
+            <a:solidFill>
+              <a:srgbClr val="FF0000"/>
+            </a:solidFill>
+            <a:prstDash val="sysDash"/>
+          </a:ln>
+          <a:effectLst/>
+        </p:spPr>
+        <p:style>
+          <a:lnRef idx="2">
+            <a:schemeClr val="accent1">
+              <a:lumMod val="75000"/>
+            </a:schemeClr>
+          </a:lnRef>
+          <a:fillRef idx="1">
+            <a:schemeClr val="accent1"/>
+          </a:fillRef>
+          <a:effectRef idx="0">
+            <a:srgbClr val="FFFFFF"/>
+          </a:effectRef>
+          <a:fontRef idx="minor">
+            <a:schemeClr val="lt1"/>
+          </a:fontRef>
+        </p:style>
+        <p:txBody>
+          <a:bodyPr rtlCol="0" anchor="ctr"/>
+          <a:p>
+            <a:pPr algn="ctr"/>
+            <a:endParaRPr lang="zh-CN" altLang="en-US"/>
+          </a:p>
+        </p:txBody>
+      </p:sp>
+      <mc:AlternateContent xmlns:mc="http://schemas.openxmlformats.org/markup-compatibility/2006">
+        <mc:Choice xmlns:a14="http://schemas.microsoft.com/office/drawing/2010/main" Requires="a14">
+          <p:sp>
+            <p:nvSpPr>
+              <p:cNvPr id="19" name="标题 2"/>
+              <p:cNvSpPr txBox="1"/>
+              <p:nvPr/>
+            </p:nvSpPr>
+            <p:spPr>
+              <a:xfrm>
+                <a:off x="1132840" y="2621915"/>
+                <a:ext cx="3028950" cy="535305"/>
+              </a:xfrm>
+              <a:prstGeom prst="rect">
+                <a:avLst/>
+              </a:prstGeom>
+              <a:ln w="25400" cap="sq" cmpd="sng">
+                <a:solidFill>
+                  <a:srgbClr val="00B050"/>
+                </a:solidFill>
+                <a:prstDash val="dashDot"/>
+                <a:bevel/>
+              </a:ln>
+              <a:effectLst>
+                <a:outerShdw blurRad="50800" dist="38100" dir="2700000" algn="tl" rotWithShape="0">
+                  <a:prstClr val="black">
+                    <a:alpha val="40000"/>
+                  </a:prstClr>
+                </a:outerShdw>
+              </a:effectLst>
+            </p:spPr>
+            <p:style>
+              <a:lnRef idx="3">
+                <a:schemeClr val="accent1"/>
+              </a:lnRef>
+              <a:fillRef idx="0">
+                <a:srgbClr val="FFFFFF"/>
+              </a:fillRef>
+              <a:effectRef idx="0">
+                <a:srgbClr val="FFFFFF"/>
+              </a:effectRef>
+              <a:fontRef idx="minor">
+                <a:schemeClr val="tx1"/>
+              </a:fontRef>
+            </p:style>
+            <p:txBody>
+              <a:bodyPr vert="horz" lIns="91440" tIns="45720" rIns="91440" bIns="45720" rtlCol="0" anchor="ctr">
+                <a:noAutofit/>
+              </a:bodyPr>
+              <a:lstStyle>
+                <a:lvl1pPr marL="0" algn="l" defTabSz="685800" rtl="0" eaLnBrk="1" latinLnBrk="0" hangingPunct="1">
+                  <a:lnSpc>
+                    <a:spcPct val="100000"/>
+                  </a:lnSpc>
+                  <a:spcBef>
+                    <a:spcPct val="0"/>
+                  </a:spcBef>
+                  <a:buNone/>
+                  <a:defRPr lang="en-US" sz="3200" b="1" kern="1200" dirty="0">
+                    <a:solidFill>
+                      <a:srgbClr val="002060"/>
+                    </a:solidFill>
+                    <a:latin typeface="微软雅黑" panose="020B0503020204020204" pitchFamily="34" charset="-122"/>
+                    <a:ea typeface="微软雅黑" panose="020B0503020204020204" pitchFamily="34" charset="-122"/>
+                    <a:cs typeface="+mn-cs"/>
+                  </a:defRPr>
+                </a:lvl1pPr>
+              </a:lstStyle>
+              <a:p>
+                <a14:m>
+                  <m:oMathPara xmlns:m="http://schemas.openxmlformats.org/officeDocument/2006/math">
+                    <m:oMathParaPr>
+                      <m:jc m:val="centerGroup"/>
+                    </m:oMathParaPr>
+                    <m:oMath xmlns:m="http://schemas.openxmlformats.org/officeDocument/2006/math">
+                      <m:r>
+                        <a:rPr altLang="zh-CN" sz="2000" i="1" dirty="0">
+                          <a:latin typeface="Cambria Math" panose="02040503050406030204" charset="0"/>
+                          <a:cs typeface="Cambria Math" panose="02040503050406030204" charset="0"/>
+                          <a:sym typeface="Arial" panose="020B0604020202020204" pitchFamily="34" charset="0"/>
+                        </a:rPr>
+                        <m:t>𝑯</m:t>
+                      </m:r>
+                      <m:r>
+                        <a:rPr lang="en-US" altLang="zh-CN" sz="2000" b="1" i="1" dirty="0">
+                          <a:latin typeface="Cambria Math" panose="02040503050406030204" charset="0"/>
+                          <a:cs typeface="Cambria Math" panose="02040503050406030204" charset="0"/>
+                          <a:sym typeface="Arial" panose="020B0604020202020204" pitchFamily="34" charset="0"/>
+                        </a:rPr>
+                        <m:t>=</m:t>
+                      </m:r>
+                      <m:r>
+                        <a:rPr lang="en-US" altLang="zh-CN" sz="2000" b="1" i="1" dirty="0">
+                          <a:latin typeface="Cambria Math" panose="02040503050406030204" charset="0"/>
+                          <a:cs typeface="Cambria Math" panose="02040503050406030204" charset="0"/>
+                          <a:sym typeface="Arial" panose="020B0604020202020204" pitchFamily="34" charset="0"/>
+                        </a:rPr>
+                        <m:t>𝑨</m:t>
+                      </m:r>
+                      <m:r>
+                        <a:rPr lang="en-US" altLang="zh-CN" sz="2000" b="1" i="1" dirty="0">
+                          <a:latin typeface="Cambria Math" panose="02040503050406030204" charset="0"/>
+                          <a:cs typeface="Cambria Math" panose="02040503050406030204" charset="0"/>
+                          <a:sym typeface="Arial" panose="020B0604020202020204" pitchFamily="34" charset="0"/>
+                        </a:rPr>
+                        <m:t> @ </m:t>
+                      </m:r>
+                      <m:r>
+                        <a:rPr lang="en-US" altLang="zh-CN" sz="2000" b="1" i="1" dirty="0">
+                          <a:latin typeface="Cambria Math" panose="02040503050406030204" charset="0"/>
+                          <a:cs typeface="Cambria Math" panose="02040503050406030204" charset="0"/>
+                          <a:sym typeface="Arial" panose="020B0604020202020204" pitchFamily="34" charset="0"/>
+                        </a:rPr>
+                        <m:t>𝑩</m:t>
+                      </m:r>
+                      <m:r>
+                        <a:rPr lang="en-US" altLang="zh-CN" sz="2000" b="1" i="1" dirty="0">
+                          <a:latin typeface="Cambria Math" panose="02040503050406030204" charset="0"/>
+                          <a:cs typeface="Cambria Math" panose="02040503050406030204" charset="0"/>
+                          <a:sym typeface="Arial" panose="020B0604020202020204" pitchFamily="34" charset="0"/>
+                        </a:rPr>
+                        <m:t> + </m:t>
+                      </m:r>
+                      <m:r>
+                        <a:rPr lang="en-US" altLang="zh-CN" sz="2000" b="1" i="1" dirty="0">
+                          <a:latin typeface="Cambria Math" panose="02040503050406030204" charset="0"/>
+                          <a:cs typeface="Cambria Math" panose="02040503050406030204" charset="0"/>
+                          <a:sym typeface="Arial" panose="020B0604020202020204" pitchFamily="34" charset="0"/>
+                        </a:rPr>
+                        <m:t>𝑪</m:t>
+                      </m:r>
+                      <m:r>
+                        <a:rPr lang="en-US" altLang="zh-CN" sz="2000" b="1" i="1" dirty="0">
+                          <a:latin typeface="Cambria Math" panose="02040503050406030204" charset="0"/>
+                          <a:cs typeface="Cambria Math" panose="02040503050406030204" charset="0"/>
+                          <a:sym typeface="Arial" panose="020B0604020202020204" pitchFamily="34" charset="0"/>
+                        </a:rPr>
+                        <m:t> </m:t>
+                      </m:r>
+                    </m:oMath>
+                  </m:oMathPara>
+                </a14:m>
+                <a:endParaRPr lang="zh-CN" altLang="en-US" sz="2000" dirty="0">
+                  <a:latin typeface="Arial" panose="020B0604020202020204" pitchFamily="34" charset="0"/>
+                  <a:sym typeface="Arial" panose="020B0604020202020204" pitchFamily="34" charset="0"/>
+                </a:endParaRPr>
+              </a:p>
+            </p:txBody>
+          </p:sp>
+        </mc:Choice>
+        <mc:Fallback>
+          <p:sp>
+            <p:nvSpPr>
+              <p:cNvPr id="19" name="标题 2"/>
+              <p:cNvSpPr txBox="1">
+                <a:spLocks noRot="1" noChangeAspect="1" noMove="1" noResize="1" noEditPoints="1" noAdjustHandles="1" noChangeArrowheads="1" noChangeShapeType="1" noTextEdit="1"/>
+              </p:cNvSpPr>
+              <p:nvPr/>
+            </p:nvSpPr>
+            <p:spPr>
+              <a:xfrm>
+                <a:off x="1132840" y="2621915"/>
+                <a:ext cx="3028950" cy="535305"/>
+              </a:xfrm>
+              <a:prstGeom prst="rect">
+                <a:avLst/>
+              </a:prstGeom>
+              <a:blipFill rotWithShape="1">
+                <a:blip r:embed="rId3"/>
+                <a:stretch>
+                  <a:fillRect l="-964" t="-5457" r="-2704" b="-15302"/>
+                </a:stretch>
+              </a:blipFill>
+              <a:ln w="25400" cap="sq" cmpd="sng">
+                <a:solidFill>
+                  <a:srgbClr val="00B050"/>
+                </a:solidFill>
+                <a:prstDash val="dashDot"/>
+                <a:bevel/>
+              </a:ln>
+              <a:effectLst>
+                <a:outerShdw blurRad="50800" dist="38100" dir="2700000" algn="tl" rotWithShape="0">
+                  <a:prstClr val="black">
+                    <a:alpha val="40000"/>
+                  </a:prstClr>
+                </a:outerShdw>
+              </a:effectLst>
+            </p:spPr>
+            <p:style>
+              <a:lnRef idx="3">
+                <a:schemeClr val="accent1"/>
+              </a:lnRef>
+              <a:fillRef idx="0">
+                <a:srgbClr val="FFFFFF"/>
+              </a:fillRef>
+              <a:effectRef idx="0">
+                <a:srgbClr val="FFFFFF"/>
+              </a:effectRef>
+              <a:fontRef idx="minor">
+                <a:schemeClr val="tx1"/>
+              </a:fontRef>
+            </p:style>
+            <p:txBody>
+              <a:bodyPr/>
+              <a:lstStyle/>
+              <a:p>
+                <a:r>
+                  <a:rPr lang="zh-CN" altLang="en-US">
+                    <a:noFill/>
+                  </a:rPr>
+                  <a:t> </a:t>
+                </a:r>
+              </a:p>
+            </p:txBody>
+          </p:sp>
+        </mc:Fallback>
+      </mc:AlternateContent>
+      <mc:AlternateContent xmlns:mc="http://schemas.openxmlformats.org/markup-compatibility/2006">
+        <mc:Choice xmlns:a14="http://schemas.microsoft.com/office/drawing/2010/main" Requires="a14">
+          <p:sp>
+            <p:nvSpPr>
+              <p:cNvPr id="20" name="标题 2"/>
+              <p:cNvSpPr txBox="1"/>
+              <p:nvPr/>
+            </p:nvSpPr>
+            <p:spPr>
+              <a:xfrm>
+                <a:off x="231140" y="3810000"/>
+                <a:ext cx="3028950" cy="951865"/>
+              </a:xfrm>
+              <a:prstGeom prst="rect">
+                <a:avLst/>
+              </a:prstGeom>
+              <a:ln w="25400" cap="sq" cmpd="sng">
+                <a:solidFill>
+                  <a:srgbClr val="00B050"/>
+                </a:solidFill>
+                <a:prstDash val="dashDot"/>
+                <a:bevel/>
+              </a:ln>
+              <a:effectLst>
+                <a:outerShdw blurRad="50800" dist="38100" dir="2700000" algn="tl" rotWithShape="0">
+                  <a:prstClr val="black">
+                    <a:alpha val="40000"/>
+                  </a:prstClr>
+                </a:outerShdw>
+              </a:effectLst>
+            </p:spPr>
+            <p:style>
+              <a:lnRef idx="3">
+                <a:schemeClr val="accent1"/>
+              </a:lnRef>
+              <a:fillRef idx="0">
+                <a:srgbClr val="FFFFFF"/>
+              </a:fillRef>
+              <a:effectRef idx="0">
+                <a:srgbClr val="FFFFFF"/>
+              </a:effectRef>
+              <a:fontRef idx="minor">
+                <a:schemeClr val="tx1"/>
+              </a:fontRef>
+            </p:style>
+            <p:txBody>
+              <a:bodyPr vert="horz" lIns="91440" tIns="45720" rIns="91440" bIns="45720" rtlCol="0" anchor="ctr">
+                <a:noAutofit/>
+              </a:bodyPr>
+              <a:lstStyle>
+                <a:lvl1pPr marL="0" algn="l" defTabSz="685800" rtl="0" eaLnBrk="1" latinLnBrk="0" hangingPunct="1">
+                  <a:lnSpc>
+                    <a:spcPct val="100000"/>
+                  </a:lnSpc>
+                  <a:spcBef>
+                    <a:spcPct val="0"/>
+                  </a:spcBef>
+                  <a:buNone/>
+                  <a:defRPr lang="en-US" sz="3200" b="1" kern="1200" dirty="0">
+                    <a:solidFill>
+                      <a:srgbClr val="002060"/>
+                    </a:solidFill>
+                    <a:latin typeface="微软雅黑" panose="020B0503020204020204" pitchFamily="34" charset="-122"/>
+                    <a:ea typeface="微软雅黑" panose="020B0503020204020204" pitchFamily="34" charset="-122"/>
+                    <a:cs typeface="+mn-cs"/>
+                  </a:defRPr>
+                </a:lvl1pPr>
+              </a:lstStyle>
+              <a:p>
+                <a14:m>
+                  <m:oMathPara xmlns:m="http://schemas.openxmlformats.org/officeDocument/2006/math">
+                    <m:oMathParaPr>
+                      <m:jc m:val="centerGroup"/>
+                    </m:oMathParaPr>
+                    <m:oMath xmlns:m="http://schemas.openxmlformats.org/officeDocument/2006/math">
+                      <m:r>
+                        <a:rPr lang="en-US" altLang="zh-CN" sz="2000" b="1" i="1" dirty="0">
+                          <a:latin typeface="Cambria Math" panose="02040503050406030204" charset="0"/>
+                          <a:cs typeface="Cambria Math" panose="02040503050406030204" charset="0"/>
+                          <a:sym typeface="Arial" panose="020B0604020202020204" pitchFamily="34" charset="0"/>
+                        </a:rPr>
+                        <m:t>𝒅𝑨</m:t>
+                      </m:r>
+                      <m:r>
+                        <a:rPr lang="en-US" altLang="zh-CN" sz="2000" b="1" i="1" dirty="0">
+                          <a:latin typeface="Cambria Math" panose="02040503050406030204" charset="0"/>
+                          <a:cs typeface="Cambria Math" panose="02040503050406030204" charset="0"/>
+                          <a:sym typeface="Arial" panose="020B0604020202020204" pitchFamily="34" charset="0"/>
+                        </a:rPr>
+                        <m:t>= </m:t>
+                      </m:r>
+                      <m:f>
+                        <m:fPr>
+                          <m:ctrlPr>
+                            <a:rPr lang="en-US" altLang="zh-CN" sz="2000" b="1" i="1" dirty="0">
+                              <a:latin typeface="Cambria Math" panose="02040503050406030204" charset="0"/>
+                              <a:cs typeface="Cambria Math" panose="02040503050406030204" charset="0"/>
+                              <a:sym typeface="Arial" panose="020B0604020202020204" pitchFamily="34" charset="0"/>
+                            </a:rPr>
+                          </m:ctrlPr>
+                        </m:fPr>
+                        <m:num>
+                          <m:r>
+                            <a:rPr lang="en-US" altLang="zh-CN" sz="2000" b="1" i="1" dirty="0">
+                              <a:latin typeface="Cambria Math" panose="02040503050406030204" charset="0"/>
+                              <a:cs typeface="Cambria Math" panose="02040503050406030204" charset="0"/>
+                              <a:sym typeface="Arial" panose="020B0604020202020204" pitchFamily="34" charset="0"/>
+                            </a:rPr>
+                            <m:t>𝒅𝑳</m:t>
+                          </m:r>
+                        </m:num>
+                        <m:den>
+                          <m:r>
+                            <a:rPr lang="en-US" altLang="zh-CN" sz="2000" b="1" i="1" dirty="0">
+                              <a:latin typeface="Cambria Math" panose="02040503050406030204" charset="0"/>
+                              <a:cs typeface="Cambria Math" panose="02040503050406030204" charset="0"/>
+                              <a:sym typeface="Arial" panose="020B0604020202020204" pitchFamily="34" charset="0"/>
+                            </a:rPr>
+                            <m:t>𝒅𝑯</m:t>
+                          </m:r>
+                        </m:den>
+                      </m:f>
+                      <m:r>
+                        <a:rPr lang="en-US" altLang="zh-CN" sz="2000" b="1" i="1" dirty="0">
+                          <a:latin typeface="Cambria Math" panose="02040503050406030204" charset="0"/>
+                          <a:cs typeface="Cambria Math" panose="02040503050406030204" charset="0"/>
+                          <a:sym typeface="Arial" panose="020B0604020202020204" pitchFamily="34" charset="0"/>
+                        </a:rPr>
+                        <m:t>@ </m:t>
+                      </m:r>
+                      <m:sSup>
+                        <m:sSupPr>
+                          <m:ctrlPr>
+                            <a:rPr lang="en-US" altLang="zh-CN" sz="2000" b="1" i="1" dirty="0">
+                              <a:latin typeface="Cambria Math" panose="02040503050406030204" charset="0"/>
+                              <a:cs typeface="Cambria Math" panose="02040503050406030204" charset="0"/>
+                              <a:sym typeface="Arial" panose="020B0604020202020204" pitchFamily="34" charset="0"/>
+                            </a:rPr>
+                          </m:ctrlPr>
+                        </m:sSupPr>
+                        <m:e>
+                          <m:r>
+                            <a:rPr lang="en-US" altLang="zh-CN" sz="2000" b="1" i="1" dirty="0">
+                              <a:latin typeface="Cambria Math" panose="02040503050406030204" charset="0"/>
+                              <a:cs typeface="Cambria Math" panose="02040503050406030204" charset="0"/>
+                              <a:sym typeface="Arial" panose="020B0604020202020204" pitchFamily="34" charset="0"/>
+                            </a:rPr>
+                            <m:t>𝑩</m:t>
+                          </m:r>
+                        </m:e>
+                        <m:sup>
+                          <m:r>
+                            <a:rPr lang="en-US" altLang="zh-CN" sz="2000" b="1" i="1" dirty="0">
+                              <a:latin typeface="Cambria Math" panose="02040503050406030204" charset="0"/>
+                              <a:cs typeface="Cambria Math" panose="02040503050406030204" charset="0"/>
+                              <a:sym typeface="Arial" panose="020B0604020202020204" pitchFamily="34" charset="0"/>
+                            </a:rPr>
+                            <m:t>𝑻</m:t>
+                          </m:r>
+                        </m:sup>
+                      </m:sSup>
+                      <m:r>
+                        <a:rPr lang="en-US" altLang="zh-CN" sz="2000" b="1" i="1" dirty="0">
+                          <a:latin typeface="Cambria Math" panose="02040503050406030204" charset="0"/>
+                          <a:cs typeface="Cambria Math" panose="02040503050406030204" charset="0"/>
+                          <a:sym typeface="Arial" panose="020B0604020202020204" pitchFamily="34" charset="0"/>
+                        </a:rPr>
+                        <m:t> </m:t>
+                      </m:r>
+                    </m:oMath>
+                  </m:oMathPara>
+                </a14:m>
+                <a:endParaRPr lang="zh-CN" altLang="en-US" sz="2000" dirty="0">
+                  <a:latin typeface="Arial" panose="020B0604020202020204" pitchFamily="34" charset="0"/>
+                  <a:sym typeface="Arial" panose="020B0604020202020204" pitchFamily="34" charset="0"/>
+                </a:endParaRPr>
+              </a:p>
+            </p:txBody>
+          </p:sp>
+        </mc:Choice>
+        <mc:Fallback>
+          <p:sp>
+            <p:nvSpPr>
+              <p:cNvPr id="20" name="标题 2"/>
+              <p:cNvSpPr txBox="1">
+                <a:spLocks noRot="1" noChangeAspect="1" noMove="1" noResize="1" noEditPoints="1" noAdjustHandles="1" noChangeArrowheads="1" noChangeShapeType="1" noTextEdit="1"/>
+              </p:cNvSpPr>
+              <p:nvPr/>
+            </p:nvSpPr>
+            <p:spPr>
+              <a:xfrm>
+                <a:off x="231140" y="3810000"/>
+                <a:ext cx="3028950" cy="951865"/>
+              </a:xfrm>
+              <a:prstGeom prst="rect">
+                <a:avLst/>
+              </a:prstGeom>
+              <a:blipFill rotWithShape="1">
+                <a:blip r:embed="rId4"/>
+                <a:stretch>
+                  <a:fillRect l="-964" t="-3069" r="-2704" b="-8606"/>
+                </a:stretch>
+              </a:blipFill>
+              <a:ln w="25400" cap="sq" cmpd="sng">
+                <a:solidFill>
+                  <a:srgbClr val="00B050"/>
+                </a:solidFill>
+                <a:prstDash val="dashDot"/>
+                <a:bevel/>
+              </a:ln>
+              <a:effectLst>
+                <a:outerShdw blurRad="50800" dist="38100" dir="2700000" algn="tl" rotWithShape="0">
+                  <a:prstClr val="black">
+                    <a:alpha val="40000"/>
+                  </a:prstClr>
+                </a:outerShdw>
+              </a:effectLst>
+            </p:spPr>
+            <p:style>
+              <a:lnRef idx="3">
+                <a:schemeClr val="accent1"/>
+              </a:lnRef>
+              <a:fillRef idx="0">
+                <a:srgbClr val="FFFFFF"/>
+              </a:fillRef>
+              <a:effectRef idx="0">
+                <a:srgbClr val="FFFFFF"/>
+              </a:effectRef>
+              <a:fontRef idx="minor">
+                <a:schemeClr val="tx1"/>
+              </a:fontRef>
+            </p:style>
+            <p:txBody>
+              <a:bodyPr/>
+              <a:lstStyle/>
+              <a:p>
+                <a:r>
+                  <a:rPr lang="zh-CN" altLang="en-US">
+                    <a:noFill/>
+                  </a:rPr>
+                  <a:t> </a:t>
+                </a:r>
+              </a:p>
+            </p:txBody>
+          </p:sp>
+        </mc:Fallback>
+      </mc:AlternateContent>
+      <mc:AlternateContent xmlns:mc="http://schemas.openxmlformats.org/markup-compatibility/2006">
+        <mc:Choice xmlns:a14="http://schemas.microsoft.com/office/drawing/2010/main" Requires="a14">
+          <p:sp>
+            <p:nvSpPr>
+              <p:cNvPr id="21" name="标题 2"/>
+              <p:cNvSpPr txBox="1"/>
+              <p:nvPr/>
+            </p:nvSpPr>
+            <p:spPr>
+              <a:xfrm>
+                <a:off x="1860550" y="5099050"/>
+                <a:ext cx="3028950" cy="951865"/>
+              </a:xfrm>
+              <a:prstGeom prst="rect">
+                <a:avLst/>
+              </a:prstGeom>
+              <a:ln w="25400" cap="sq" cmpd="sng">
+                <a:solidFill>
+                  <a:srgbClr val="00B050"/>
+                </a:solidFill>
+                <a:prstDash val="dashDot"/>
+                <a:bevel/>
+              </a:ln>
+              <a:effectLst>
+                <a:outerShdw blurRad="50800" dist="38100" dir="2700000" algn="tl" rotWithShape="0">
+                  <a:prstClr val="black">
+                    <a:alpha val="40000"/>
+                  </a:prstClr>
+                </a:outerShdw>
+              </a:effectLst>
+            </p:spPr>
+            <p:style>
+              <a:lnRef idx="3">
+                <a:schemeClr val="accent1"/>
+              </a:lnRef>
+              <a:fillRef idx="0">
+                <a:srgbClr val="FFFFFF"/>
+              </a:fillRef>
+              <a:effectRef idx="0">
+                <a:srgbClr val="FFFFFF"/>
+              </a:effectRef>
+              <a:fontRef idx="minor">
+                <a:schemeClr val="tx1"/>
+              </a:fontRef>
+            </p:style>
+            <p:txBody>
+              <a:bodyPr vert="horz" lIns="91440" tIns="45720" rIns="91440" bIns="45720" rtlCol="0" anchor="ctr">
+                <a:noAutofit/>
+              </a:bodyPr>
+              <a:lstStyle>
+                <a:lvl1pPr marL="0" algn="l" defTabSz="685800" rtl="0" eaLnBrk="1" latinLnBrk="0" hangingPunct="1">
+                  <a:lnSpc>
+                    <a:spcPct val="100000"/>
+                  </a:lnSpc>
+                  <a:spcBef>
+                    <a:spcPct val="0"/>
+                  </a:spcBef>
+                  <a:buNone/>
+                  <a:defRPr lang="en-US" sz="3200" b="1" kern="1200" dirty="0">
+                    <a:solidFill>
+                      <a:srgbClr val="002060"/>
+                    </a:solidFill>
+                    <a:latin typeface="微软雅黑" panose="020B0503020204020204" pitchFamily="34" charset="-122"/>
+                    <a:ea typeface="微软雅黑" panose="020B0503020204020204" pitchFamily="34" charset="-122"/>
+                    <a:cs typeface="+mn-cs"/>
+                  </a:defRPr>
+                </a:lvl1pPr>
+              </a:lstStyle>
+              <a:p>
+                <a14:m>
+                  <m:oMathPara xmlns:m="http://schemas.openxmlformats.org/officeDocument/2006/math">
+                    <m:oMathParaPr>
+                      <m:jc m:val="centerGroup"/>
+                    </m:oMathParaPr>
+                    <m:oMath xmlns:m="http://schemas.openxmlformats.org/officeDocument/2006/math">
+                      <m:r>
+                        <a:rPr lang="en-US" altLang="zh-CN" sz="2000" b="1" i="1" dirty="0">
+                          <a:latin typeface="Cambria Math" panose="02040503050406030204" charset="0"/>
+                          <a:cs typeface="Cambria Math" panose="02040503050406030204" charset="0"/>
+                          <a:sym typeface="Arial" panose="020B0604020202020204" pitchFamily="34" charset="0"/>
+                        </a:rPr>
+                        <m:t>𝒅𝑩</m:t>
+                      </m:r>
+                      <m:r>
+                        <a:rPr lang="en-US" altLang="zh-CN" sz="2000" b="1" i="1" dirty="0">
+                          <a:latin typeface="Cambria Math" panose="02040503050406030204" charset="0"/>
+                          <a:cs typeface="Cambria Math" panose="02040503050406030204" charset="0"/>
+                          <a:sym typeface="Arial" panose="020B0604020202020204" pitchFamily="34" charset="0"/>
+                        </a:rPr>
+                        <m:t>=</m:t>
+                      </m:r>
+                      <m:sSup>
+                        <m:sSupPr>
+                          <m:ctrlPr>
+                            <a:rPr lang="en-US" altLang="zh-CN" sz="2000" b="1" i="1" dirty="0">
+                              <a:latin typeface="Cambria Math" panose="02040503050406030204" charset="0"/>
+                              <a:cs typeface="Cambria Math" panose="02040503050406030204" charset="0"/>
+                              <a:sym typeface="Arial" panose="020B0604020202020204" pitchFamily="34" charset="0"/>
+                            </a:rPr>
+                          </m:ctrlPr>
+                        </m:sSupPr>
+                        <m:e>
+                          <m:r>
+                            <a:rPr lang="en-US" altLang="zh-CN" sz="2000" b="1" i="1" dirty="0">
+                              <a:latin typeface="Cambria Math" panose="02040503050406030204" charset="0"/>
+                              <a:cs typeface="Cambria Math" panose="02040503050406030204" charset="0"/>
+                              <a:sym typeface="Arial" panose="020B0604020202020204" pitchFamily="34" charset="0"/>
+                            </a:rPr>
+                            <m:t>𝑨</m:t>
+                          </m:r>
+                        </m:e>
+                        <m:sup>
+                          <m:r>
+                            <a:rPr lang="en-US" altLang="zh-CN" sz="2000" b="1" i="1" dirty="0">
+                              <a:latin typeface="Cambria Math" panose="02040503050406030204" charset="0"/>
+                              <a:cs typeface="Cambria Math" panose="02040503050406030204" charset="0"/>
+                              <a:sym typeface="Arial" panose="020B0604020202020204" pitchFamily="34" charset="0"/>
+                            </a:rPr>
+                            <m:t>𝑻</m:t>
+                          </m:r>
+                        </m:sup>
+                      </m:sSup>
+                      <m:r>
+                        <a:rPr lang="en-US" altLang="zh-CN" sz="2000" b="1" i="1" dirty="0">
+                          <a:latin typeface="Cambria Math" panose="02040503050406030204" charset="0"/>
+                          <a:cs typeface="Cambria Math" panose="02040503050406030204" charset="0"/>
+                          <a:sym typeface="Arial" panose="020B0604020202020204" pitchFamily="34" charset="0"/>
+                        </a:rPr>
+                        <m:t> </m:t>
+                      </m:r>
+                      <m:r>
+                        <a:rPr lang="en-US" altLang="zh-CN" sz="2000" b="1" i="1" dirty="0">
+                          <a:latin typeface="Cambria Math" panose="02040503050406030204" charset="0"/>
+                          <a:cs typeface="Cambria Math" panose="02040503050406030204" charset="0"/>
+                          <a:sym typeface="Arial" panose="020B0604020202020204" pitchFamily="34" charset="0"/>
+                        </a:rPr>
+                        <m:t>@ </m:t>
+                      </m:r>
+                      <m:f>
+                        <m:fPr>
+                          <m:ctrlPr>
+                            <a:rPr lang="en-US" altLang="zh-CN" sz="2000" b="1" i="1" dirty="0">
+                              <a:latin typeface="Cambria Math" panose="02040503050406030204" charset="0"/>
+                              <a:cs typeface="Cambria Math" panose="02040503050406030204" charset="0"/>
+                              <a:sym typeface="Arial" panose="020B0604020202020204" pitchFamily="34" charset="0"/>
+                            </a:rPr>
+                          </m:ctrlPr>
+                        </m:fPr>
+                        <m:num>
+                          <m:r>
+                            <a:rPr lang="en-US" altLang="zh-CN" sz="2000" b="1" i="1" dirty="0">
+                              <a:latin typeface="Cambria Math" panose="02040503050406030204" charset="0"/>
+                              <a:cs typeface="Cambria Math" panose="02040503050406030204" charset="0"/>
+                              <a:sym typeface="Arial" panose="020B0604020202020204" pitchFamily="34" charset="0"/>
+                            </a:rPr>
+                            <m:t>𝒅𝑳</m:t>
+                          </m:r>
+                        </m:num>
+                        <m:den>
+                          <m:r>
+                            <a:rPr lang="en-US" altLang="zh-CN" sz="2000" b="1" i="1" dirty="0">
+                              <a:latin typeface="Cambria Math" panose="02040503050406030204" charset="0"/>
+                              <a:cs typeface="Cambria Math" panose="02040503050406030204" charset="0"/>
+                              <a:sym typeface="Arial" panose="020B0604020202020204" pitchFamily="34" charset="0"/>
+                            </a:rPr>
+                            <m:t>𝒅𝑯</m:t>
+                          </m:r>
+                        </m:den>
+                      </m:f>
+                      <m:r>
+                        <a:rPr lang="en-US" altLang="zh-CN" sz="2000" b="1" i="1" dirty="0">
+                          <a:latin typeface="Cambria Math" panose="02040503050406030204" charset="0"/>
+                          <a:cs typeface="Cambria Math" panose="02040503050406030204" charset="0"/>
+                          <a:sym typeface="Arial" panose="020B0604020202020204" pitchFamily="34" charset="0"/>
+                        </a:rPr>
+                        <m:t>  </m:t>
+                      </m:r>
+                    </m:oMath>
+                  </m:oMathPara>
+                </a14:m>
+                <a:endParaRPr lang="zh-CN" altLang="en-US" sz="2000" dirty="0">
+                  <a:latin typeface="Arial" panose="020B0604020202020204" pitchFamily="34" charset="0"/>
+                  <a:sym typeface="Arial" panose="020B0604020202020204" pitchFamily="34" charset="0"/>
+                </a:endParaRPr>
+              </a:p>
+            </p:txBody>
+          </p:sp>
+        </mc:Choice>
+        <mc:Fallback>
+          <p:sp>
+            <p:nvSpPr>
+              <p:cNvPr id="21" name="标题 2"/>
+              <p:cNvSpPr txBox="1">
+                <a:spLocks noRot="1" noChangeAspect="1" noMove="1" noResize="1" noEditPoints="1" noAdjustHandles="1" noChangeArrowheads="1" noChangeShapeType="1" noTextEdit="1"/>
+              </p:cNvSpPr>
+              <p:nvPr/>
+            </p:nvSpPr>
+            <p:spPr>
+              <a:xfrm>
+                <a:off x="1860550" y="5099050"/>
+                <a:ext cx="3028950" cy="951865"/>
+              </a:xfrm>
+              <a:prstGeom prst="rect">
+                <a:avLst/>
+              </a:prstGeom>
+              <a:blipFill rotWithShape="1">
+                <a:blip r:embed="rId5"/>
+                <a:stretch>
+                  <a:fillRect l="-964" t="-3069" r="-2704" b="-8606"/>
+                </a:stretch>
+              </a:blipFill>
+              <a:ln w="25400" cap="sq" cmpd="sng">
+                <a:solidFill>
+                  <a:srgbClr val="00B050"/>
+                </a:solidFill>
+                <a:prstDash val="dashDot"/>
+                <a:bevel/>
+              </a:ln>
+              <a:effectLst>
+                <a:outerShdw blurRad="50800" dist="38100" dir="2700000" algn="tl" rotWithShape="0">
+                  <a:prstClr val="black">
+                    <a:alpha val="40000"/>
+                  </a:prstClr>
+                </a:outerShdw>
+              </a:effectLst>
+            </p:spPr>
+            <p:style>
+              <a:lnRef idx="3">
+                <a:schemeClr val="accent1"/>
+              </a:lnRef>
+              <a:fillRef idx="0">
+                <a:srgbClr val="FFFFFF"/>
+              </a:fillRef>
+              <a:effectRef idx="0">
+                <a:srgbClr val="FFFFFF"/>
+              </a:effectRef>
+              <a:fontRef idx="minor">
+                <a:schemeClr val="tx1"/>
+              </a:fontRef>
+            </p:style>
+            <p:txBody>
+              <a:bodyPr/>
+              <a:lstStyle/>
+              <a:p>
+                <a:r>
+                  <a:rPr lang="zh-CN" altLang="en-US">
+                    <a:noFill/>
+                  </a:rPr>
+                  <a:t> </a:t>
+                </a:r>
+              </a:p>
+            </p:txBody>
+          </p:sp>
+        </mc:Fallback>
+      </mc:AlternateContent>
+      <p:cxnSp>
+        <p:nvCxnSpPr>
+          <p:cNvPr id="22" name="直接箭头连接符 21"/>
+          <p:cNvCxnSpPr/>
+          <p:nvPr/>
+        </p:nvCxnSpPr>
+        <p:spPr>
+          <a:xfrm flipH="1">
+            <a:off x="1143000" y="3026410"/>
+            <a:ext cx="1172210" cy="1094740"/>
+          </a:xfrm>
+          <a:prstGeom prst="straightConnector1">
+            <a:avLst/>
+          </a:prstGeom>
+          <a:ln w="19050" cmpd="sng">
+            <a:solidFill>
+              <a:srgbClr val="FF0000"/>
+            </a:solidFill>
+            <a:prstDash val="lgDashDotDot"/>
+            <a:tailEnd type="arrow"/>
+          </a:ln>
+        </p:spPr>
+        <p:style>
+          <a:lnRef idx="2">
+            <a:schemeClr val="accent1"/>
+          </a:lnRef>
+          <a:fillRef idx="0">
+            <a:srgbClr val="FFFFFF"/>
+          </a:fillRef>
+          <a:effectRef idx="0">
+            <a:srgbClr val="FFFFFF"/>
+          </a:effectRef>
+          <a:fontRef idx="minor">
+            <a:schemeClr val="tx1"/>
+          </a:fontRef>
+        </p:style>
+      </p:cxnSp>
+      <p:cxnSp>
+        <p:nvCxnSpPr>
+          <p:cNvPr id="23" name="直接箭头连接符 22"/>
+          <p:cNvCxnSpPr/>
+          <p:nvPr/>
+        </p:nvCxnSpPr>
+        <p:spPr>
+          <a:xfrm flipH="1">
+            <a:off x="2703195" y="3038475"/>
+            <a:ext cx="165735" cy="2216785"/>
+          </a:xfrm>
+          <a:prstGeom prst="straightConnector1">
+            <a:avLst/>
+          </a:prstGeom>
+          <a:ln w="19050" cmpd="sng">
+            <a:solidFill>
+              <a:srgbClr val="FF0000"/>
+            </a:solidFill>
+            <a:prstDash val="lgDashDotDot"/>
+            <a:tailEnd type="arrow"/>
+          </a:ln>
+        </p:spPr>
+        <p:style>
+          <a:lnRef idx="2">
+            <a:schemeClr val="accent1"/>
+          </a:lnRef>
+          <a:fillRef idx="0">
+            <a:srgbClr val="FFFFFF"/>
+          </a:fillRef>
+          <a:effectRef idx="0">
+            <a:srgbClr val="FFFFFF"/>
+          </a:effectRef>
+          <a:fontRef idx="minor">
+            <a:schemeClr val="tx1"/>
+          </a:fontRef>
+        </p:style>
+      </p:cxnSp>
+      <p:sp>
+        <p:nvSpPr>
+          <p:cNvPr id="24" name="矩形 23"/>
+          <p:cNvSpPr/>
+          <p:nvPr/>
+        </p:nvSpPr>
+        <p:spPr>
+          <a:xfrm>
+            <a:off x="3275330" y="2696845"/>
+            <a:ext cx="339090" cy="377825"/>
+          </a:xfrm>
+          <a:prstGeom prst="rect">
+            <a:avLst/>
+          </a:prstGeom>
+          <a:noFill/>
+          <a:ln w="19050" cmpd="sng">
+            <a:solidFill>
+              <a:srgbClr val="FF0000"/>
+            </a:solidFill>
+            <a:prstDash val="sysDot"/>
+          </a:ln>
+        </p:spPr>
+        <p:style>
+          <a:lnRef idx="2">
+            <a:schemeClr val="accent1">
+              <a:lumMod val="75000"/>
+            </a:schemeClr>
+          </a:lnRef>
+          <a:fillRef idx="1">
+            <a:schemeClr val="accent1"/>
+          </a:fillRef>
+          <a:effectRef idx="0">
+            <a:srgbClr val="FFFFFF"/>
+          </a:effectRef>
+          <a:fontRef idx="minor">
+            <a:schemeClr val="lt1"/>
+          </a:fontRef>
+        </p:style>
+        <p:txBody>
+          <a:bodyPr rtlCol="0" anchor="ctr"/>
+          <a:p>
+            <a:pPr algn="ctr"/>
+            <a:endParaRPr lang="zh-CN" altLang="en-US"/>
+          </a:p>
+        </p:txBody>
+      </p:sp>
+      <p:cxnSp>
+        <p:nvCxnSpPr>
+          <p:cNvPr id="25" name="直接箭头连接符 24"/>
+          <p:cNvCxnSpPr>
+            <a:stCxn id="24" idx="2"/>
+          </p:cNvCxnSpPr>
+          <p:nvPr/>
+        </p:nvCxnSpPr>
+        <p:spPr>
+          <a:xfrm>
+            <a:off x="3444875" y="3074670"/>
+            <a:ext cx="499110" cy="542925"/>
+          </a:xfrm>
+          <a:prstGeom prst="straightConnector1">
+            <a:avLst/>
+          </a:prstGeom>
+          <a:ln w="19050" cmpd="sng">
+            <a:solidFill>
+              <a:srgbClr val="FF0000"/>
+            </a:solidFill>
+            <a:prstDash val="lgDashDotDot"/>
+            <a:tailEnd type="arrow"/>
+          </a:ln>
+        </p:spPr>
+        <p:style>
+          <a:lnRef idx="2">
+            <a:schemeClr val="accent1"/>
+          </a:lnRef>
+          <a:fillRef idx="0">
+            <a:srgbClr val="FFFFFF"/>
+          </a:fillRef>
+          <a:effectRef idx="0">
+            <a:srgbClr val="FFFFFF"/>
+          </a:effectRef>
+          <a:fontRef idx="minor">
+            <a:schemeClr val="tx1"/>
+          </a:fontRef>
+        </p:style>
+      </p:cxnSp>
+      <mc:AlternateContent xmlns:mc="http://schemas.openxmlformats.org/markup-compatibility/2006">
+        <mc:Choice xmlns:a14="http://schemas.microsoft.com/office/drawing/2010/main" Requires="a14">
+          <p:sp>
+            <p:nvSpPr>
+              <p:cNvPr id="26" name="标题 2"/>
+              <p:cNvSpPr txBox="1"/>
+              <p:nvPr/>
+            </p:nvSpPr>
+            <p:spPr>
+              <a:xfrm>
+                <a:off x="3444875" y="3470275"/>
+                <a:ext cx="1544955" cy="825500"/>
+              </a:xfrm>
+              <a:prstGeom prst="rect">
+                <a:avLst/>
+              </a:prstGeom>
+            </p:spPr>
+            <p:txBody>
+              <a:bodyPr vert="horz" lIns="91440" tIns="45720" rIns="91440" bIns="45720" rtlCol="0" anchor="ctr">
+                <a:noAutofit/>
+              </a:bodyPr>
+              <a:lstStyle>
+                <a:lvl1pPr marL="0" algn="l" defTabSz="685800" rtl="0" eaLnBrk="1" latinLnBrk="0" hangingPunct="1">
+                  <a:lnSpc>
+                    <a:spcPct val="100000"/>
+                  </a:lnSpc>
+                  <a:spcBef>
+                    <a:spcPct val="0"/>
+                  </a:spcBef>
+                  <a:buNone/>
+                  <a:defRPr lang="en-US" sz="3200" b="1" kern="1200" dirty="0">
+                    <a:solidFill>
+                      <a:srgbClr val="002060"/>
+                    </a:solidFill>
+                    <a:latin typeface="微软雅黑" panose="020B0503020204020204" pitchFamily="34" charset="-122"/>
+                    <a:ea typeface="微软雅黑" panose="020B0503020204020204" pitchFamily="34" charset="-122"/>
+                    <a:cs typeface="+mn-cs"/>
+                  </a:defRPr>
+                </a:lvl1pPr>
+              </a:lstStyle>
+              <a:p>
+                <a14:m>
+                  <m:oMathPara xmlns:m="http://schemas.openxmlformats.org/officeDocument/2006/math">
+                    <m:oMathParaPr>
+                      <m:jc m:val="centerGroup"/>
+                    </m:oMathParaPr>
+                    <m:oMath xmlns:m="http://schemas.openxmlformats.org/officeDocument/2006/math">
+                      <m:f>
+                        <m:fPr>
+                          <m:ctrlPr>
+                            <a:rPr lang="en-US" altLang="zh-CN" sz="1400" b="1" i="1" dirty="0">
+                              <a:latin typeface="Cambria Math" panose="02040503050406030204" charset="0"/>
+                              <a:cs typeface="Cambria Math" panose="02040503050406030204" charset="0"/>
+                              <a:sym typeface="Arial" panose="020B0604020202020204" pitchFamily="34" charset="0"/>
+                            </a:rPr>
+                          </m:ctrlPr>
+                        </m:fPr>
+                        <m:num>
+                          <m:r>
+                            <a:rPr lang="en-US" altLang="zh-CN" sz="1400" b="1" i="1" dirty="0">
+                              <a:latin typeface="Cambria Math" panose="02040503050406030204" charset="0"/>
+                              <a:cs typeface="Cambria Math" panose="02040503050406030204" charset="0"/>
+                              <a:sym typeface="Arial" panose="020B0604020202020204" pitchFamily="34" charset="0"/>
+                            </a:rPr>
+                            <m:t>𝒅𝑳</m:t>
+                          </m:r>
+                        </m:num>
+                        <m:den>
+                          <m:r>
+                            <a:rPr lang="en-US" altLang="zh-CN" sz="1400" b="1" i="1" dirty="0">
+                              <a:latin typeface="Cambria Math" panose="02040503050406030204" charset="0"/>
+                              <a:cs typeface="Cambria Math" panose="02040503050406030204" charset="0"/>
+                              <a:sym typeface="Arial" panose="020B0604020202020204" pitchFamily="34" charset="0"/>
+                            </a:rPr>
+                            <m:t>𝒅𝑯</m:t>
+                          </m:r>
+                        </m:den>
+                      </m:f>
+                    </m:oMath>
+                  </m:oMathPara>
+                </a14:m>
+                <a:endParaRPr lang="en-US" altLang="zh-CN" sz="1400" b="1" i="1" dirty="0">
+                  <a:latin typeface="Cambria Math" panose="02040503050406030204" charset="0"/>
+                  <a:cs typeface="Cambria Math" panose="02040503050406030204" charset="0"/>
+                  <a:sym typeface="Arial" panose="020B0604020202020204" pitchFamily="34" charset="0"/>
+                </a:endParaRPr>
+              </a:p>
+              <a:p>
+                <a:endParaRPr lang="en-US" altLang="zh-CN" sz="1400" b="1" i="1" dirty="0">
+                  <a:latin typeface="Cambria Math" panose="02040503050406030204" charset="0"/>
+                  <a:cs typeface="Cambria Math" panose="02040503050406030204" charset="0"/>
+                  <a:sym typeface="Arial" panose="020B0604020202020204" pitchFamily="34" charset="0"/>
+                </a:endParaRPr>
+              </a:p>
+              <a:p>
+                <a:r>
+                  <a:rPr lang="zh-CN" altLang="en-US" sz="900" dirty="0">
+                    <a:latin typeface="Cambria Math" panose="02040503050406030204" charset="0"/>
+                    <a:cs typeface="Cambria Math" panose="02040503050406030204" charset="0"/>
+                    <a:sym typeface="Arial" panose="020B0604020202020204" pitchFamily="34" charset="0"/>
+                  </a:rPr>
+                  <a:t>怎么求和形状一样就对</a:t>
+                </a:r>
+                <a:r>
+                  <a:rPr altLang="zh-CN" sz="900" dirty="0">
+                    <a:latin typeface="Cambria Math" panose="02040503050406030204" charset="0"/>
+                    <a:cs typeface="Cambria Math" panose="02040503050406030204" charset="0"/>
+                    <a:sym typeface="Arial" panose="020B0604020202020204" pitchFamily="34" charset="0"/>
+                  </a:rPr>
+                  <a:t> : )</a:t>
+                </a:r>
+                <a:endParaRPr altLang="zh-CN" sz="900" dirty="0">
+                  <a:latin typeface="Cambria Math" panose="02040503050406030204" charset="0"/>
+                  <a:cs typeface="Cambria Math" panose="02040503050406030204" charset="0"/>
+                  <a:sym typeface="Arial" panose="020B0604020202020204" pitchFamily="34" charset="0"/>
+                </a:endParaRPr>
+              </a:p>
+            </p:txBody>
+          </p:sp>
+        </mc:Choice>
+        <mc:Fallback>
+          <p:sp>
+            <p:nvSpPr>
+              <p:cNvPr id="26" name="标题 2"/>
+              <p:cNvSpPr txBox="1">
+                <a:spLocks noRot="1" noChangeAspect="1" noMove="1" noResize="1" noEditPoints="1" noAdjustHandles="1" noChangeArrowheads="1" noChangeShapeType="1" noTextEdit="1"/>
+              </p:cNvSpPr>
+              <p:nvPr/>
+            </p:nvSpPr>
+            <p:spPr>
+              <a:xfrm>
+                <a:off x="3444875" y="3470275"/>
+                <a:ext cx="1544955" cy="825500"/>
+              </a:xfrm>
+              <a:prstGeom prst="rect">
+                <a:avLst/>
+              </a:prstGeom>
+              <a:blipFill rotWithShape="1">
+                <a:blip r:embed="rId6"/>
+                <a:stretch>
+                  <a:fillRect/>
+                </a:stretch>
+              </a:blipFill>
+            </p:spPr>
+            <p:txBody>
+              <a:bodyPr/>
+              <a:lstStyle/>
+              <a:p>
+                <a:r>
+                  <a:rPr lang="zh-CN" altLang="en-US">
+                    <a:noFill/>
+                  </a:rPr>
+                  <a:t> </a:t>
+                </a:r>
+              </a:p>
+            </p:txBody>
+          </p:sp>
+        </mc:Fallback>
+      </mc:AlternateContent>
+    </p:spTree>
+  </p:cSld>
+  <p:clrMapOvr>
+    <a:masterClrMapping/>
+  </p:clrMapOvr>
+  <p:transition advClick="0" advTm="0"/>
+</p:sld>
+</file>
+
+<file path=ppt/slides/slide9.xml><?xml version="1.0" encoding="utf-8"?>
 <p:sld xmlns:a="http://schemas.openxmlformats.org/drawingml/2006/main" xmlns:r="http://schemas.openxmlformats.org/officeDocument/2006/relationships" xmlns:p="http://schemas.openxmlformats.org/presentationml/2006/main">
   <p:cSld>
     <p:spTree>

--- a/Summary.pptx
+++ b/Summary.pptx
@@ -17,12 +17,14 @@
     <p:sldId id="1452" r:id="rId10"/>
     <p:sldId id="1458" r:id="rId11"/>
     <p:sldId id="1459" r:id="rId12"/>
-    <p:sldId id="1447" r:id="rId13"/>
+    <p:sldId id="1461" r:id="rId13"/>
+    <p:sldId id="1463" r:id="rId14"/>
+    <p:sldId id="1447" r:id="rId15"/>
   </p:sldIdLst>
   <p:sldSz cx="12192000" cy="6858000"/>
   <p:notesSz cx="6858000" cy="9144000"/>
   <p:custDataLst>
-    <p:tags r:id="rId17"/>
+    <p:tags r:id="rId19"/>
   </p:custDataLst>
   <p:defaultTextStyle>
     <a:defPPr>
@@ -470,6 +472,144 @@
 </file>
 
 <file path=ppt/notesSlides/notesSlide1.xml><?xml version="1.0" encoding="utf-8"?>
+<p:notes xmlns:a="http://schemas.openxmlformats.org/drawingml/2006/main" xmlns:r="http://schemas.openxmlformats.org/officeDocument/2006/relationships" xmlns:p="http://schemas.openxmlformats.org/presentationml/2006/main">
+  <p:cSld>
+    <p:spTree>
+      <p:nvGrpSpPr>
+        <p:cNvPr id="1" name=""/>
+        <p:cNvGrpSpPr/>
+        <p:nvPr/>
+      </p:nvGrpSpPr>
+      <p:grpSpPr>
+        <a:xfrm>
+          <a:off x="0" y="0"/>
+          <a:ext cx="0" cy="0"/>
+          <a:chOff x="0" y="0"/>
+          <a:chExt cx="0" cy="0"/>
+        </a:xfrm>
+      </p:grpSpPr>
+      <p:sp>
+        <p:nvSpPr>
+          <p:cNvPr id="2" name="幻灯片图像占位符 1"/>
+          <p:cNvSpPr>
+            <a:spLocks noGrp="1" noRot="1" noChangeAspect="1"/>
+          </p:cNvSpPr>
+          <p:nvPr>
+            <p:ph type="sldImg"/>
+          </p:nvPr>
+        </p:nvSpPr>
+        <p:spPr/>
+      </p:sp>
+      <p:sp>
+        <p:nvSpPr>
+          <p:cNvPr id="3" name="备注占位符 2"/>
+          <p:cNvSpPr>
+            <a:spLocks noGrp="1"/>
+          </p:cNvSpPr>
+          <p:nvPr>
+            <p:ph type="body" idx="1"/>
+          </p:nvPr>
+        </p:nvSpPr>
+        <p:spPr/>
+        <p:txBody>
+          <a:bodyPr/>
+          <a:lstStyle/>
+          <a:p>
+            <a:pPr marL="0" indent="-457200">
+              <a:lnSpc>
+                <a:spcPct val="135000"/>
+              </a:lnSpc>
+              <a:buNone/>
+            </a:pPr>
+            <a:endParaRPr lang="zh-CN" altLang="en-US" sz="1000" dirty="0">
+              <a:solidFill>
+                <a:srgbClr val="00246C"/>
+              </a:solidFill>
+              <a:ea typeface="+mn-ea"/>
+              <a:cs typeface="+mn-ea"/>
+              <a:sym typeface="+mn-lt"/>
+            </a:endParaRPr>
+          </a:p>
+        </p:txBody>
+      </p:sp>
+    </p:spTree>
+  </p:cSld>
+  <p:clrMapOvr>
+    <a:masterClrMapping/>
+  </p:clrMapOvr>
+</p:notes>
+</file>
+
+<file path=ppt/notesSlides/notesSlide10.xml><?xml version="1.0" encoding="utf-8"?>
+<p:notes xmlns:a="http://schemas.openxmlformats.org/drawingml/2006/main" xmlns:r="http://schemas.openxmlformats.org/officeDocument/2006/relationships" xmlns:p="http://schemas.openxmlformats.org/presentationml/2006/main">
+  <p:cSld>
+    <p:spTree>
+      <p:nvGrpSpPr>
+        <p:cNvPr id="1" name=""/>
+        <p:cNvGrpSpPr/>
+        <p:nvPr/>
+      </p:nvGrpSpPr>
+      <p:grpSpPr>
+        <a:xfrm>
+          <a:off x="0" y="0"/>
+          <a:ext cx="0" cy="0"/>
+          <a:chOff x="0" y="0"/>
+          <a:chExt cx="0" cy="0"/>
+        </a:xfrm>
+      </p:grpSpPr>
+      <p:sp>
+        <p:nvSpPr>
+          <p:cNvPr id="2" name="幻灯片图像占位符 1"/>
+          <p:cNvSpPr>
+            <a:spLocks noGrp="1" noRot="1" noChangeAspect="1"/>
+          </p:cNvSpPr>
+          <p:nvPr>
+            <p:ph type="sldImg"/>
+          </p:nvPr>
+        </p:nvSpPr>
+        <p:spPr/>
+      </p:sp>
+      <p:sp>
+        <p:nvSpPr>
+          <p:cNvPr id="3" name="备注占位符 2"/>
+          <p:cNvSpPr>
+            <a:spLocks noGrp="1"/>
+          </p:cNvSpPr>
+          <p:nvPr>
+            <p:ph type="body" idx="1"/>
+          </p:nvPr>
+        </p:nvSpPr>
+        <p:spPr/>
+        <p:txBody>
+          <a:bodyPr/>
+          <a:lstStyle/>
+          <a:p>
+            <a:pPr marL="0" indent="-457200">
+              <a:lnSpc>
+                <a:spcPct val="135000"/>
+              </a:lnSpc>
+              <a:buNone/>
+            </a:pPr>
+            <a:endParaRPr lang="zh-CN" altLang="en-US" sz="1000" dirty="0">
+              <a:solidFill>
+                <a:srgbClr val="00246C"/>
+              </a:solidFill>
+              <a:ea typeface="+mn-ea"/>
+              <a:cs typeface="+mn-ea"/>
+              <a:sym typeface="+mn-lt"/>
+            </a:endParaRPr>
+          </a:p>
+        </p:txBody>
+      </p:sp>
+    </p:spTree>
+  </p:cSld>
+  <p:clrMapOvr>
+    <a:masterClrMapping/>
+  </p:clrMapOvr>
+</p:notes>
+</file>
+
+<file path=ppt/notesSlides/notesSlide11.xml><?xml version="1.0" encoding="utf-8"?>
 <p:notes xmlns:a="http://schemas.openxmlformats.org/drawingml/2006/main" xmlns:r="http://schemas.openxmlformats.org/officeDocument/2006/relationships" xmlns:p="http://schemas.openxmlformats.org/presentationml/2006/main">
   <p:cSld>
     <p:spTree>
@@ -8578,6 +8718,861 @@
           </a:p>
         </p:txBody>
       </p:sp>
+    </p:spTree>
+  </p:cSld>
+  <p:clrMapOvr>
+    <a:masterClrMapping/>
+  </p:clrMapOvr>
+  <p:transition advClick="0" advTm="0"/>
+</p:sld>
+</file>
+
+<file path=ppt/slides/slide10.xml><?xml version="1.0" encoding="utf-8"?>
+<p:sld xmlns:a="http://schemas.openxmlformats.org/drawingml/2006/main" xmlns:r="http://schemas.openxmlformats.org/officeDocument/2006/relationships" xmlns:p="http://schemas.openxmlformats.org/presentationml/2006/main">
+  <p:cSld>
+    <p:spTree>
+      <p:nvGrpSpPr>
+        <p:cNvPr id="1" name=""/>
+        <p:cNvGrpSpPr/>
+        <p:nvPr/>
+      </p:nvGrpSpPr>
+      <p:grpSpPr>
+        <a:xfrm>
+          <a:off x="0" y="0"/>
+          <a:ext cx="0" cy="0"/>
+          <a:chOff x="0" y="0"/>
+          <a:chExt cx="0" cy="0"/>
+        </a:xfrm>
+      </p:grpSpPr>
+      <p:sp>
+        <p:nvSpPr>
+          <p:cNvPr id="4" name="矩形 12"/>
+          <p:cNvSpPr>
+            <a:spLocks noChangeArrowheads="1"/>
+          </p:cNvSpPr>
+          <p:nvPr/>
+        </p:nvSpPr>
+        <p:spPr bwMode="auto">
+          <a:xfrm>
+            <a:off x="385125" y="188641"/>
+            <a:ext cx="11568417" cy="583565"/>
+          </a:xfrm>
+          <a:prstGeom prst="rect">
+            <a:avLst/>
+          </a:prstGeom>
+          <a:noFill/>
+          <a:ln>
+            <a:noFill/>
+          </a:ln>
+          <a:extLst>
+            <a:ext uri="{909E8E84-426E-40DD-AFC4-6F175D3DCCD1}">
+              <a14:hiddenFill xmlns:a14="http://schemas.microsoft.com/office/drawing/2010/main">
+                <a:solidFill>
+                  <a:srgbClr val="FFFFFF"/>
+                </a:solidFill>
+              </a14:hiddenFill>
+            </a:ext>
+            <a:ext uri="{91240B29-F687-4F45-9708-019B960494DF}">
+              <a14:hiddenLine xmlns:a14="http://schemas.microsoft.com/office/drawing/2010/main" w="9525">
+                <a:solidFill>
+                  <a:srgbClr val="000000"/>
+                </a:solidFill>
+                <a:miter lim="800000"/>
+                <a:headEnd/>
+                <a:tailEnd/>
+              </a14:hiddenLine>
+            </a:ext>
+          </a:extLst>
+        </p:spPr>
+        <p:txBody>
+          <a:bodyPr wrap="square">
+            <a:spAutoFit/>
+          </a:bodyPr>
+          <a:lstStyle/>
+          <a:p>
+            <a:pPr marL="0" lvl="1" defTabSz="457200">
+              <a:buClr>
+                <a:srgbClr val="FF0000"/>
+              </a:buClr>
+              <a:buSzPct val="100000"/>
+            </a:pPr>
+            <a:r>
+              <a:rPr lang="en-US" altLang="zh-CN" sz="3200" b="1" dirty="0">
+                <a:solidFill>
+                  <a:schemeClr val="bg1"/>
+                </a:solidFill>
+                <a:latin typeface="Arial" panose="020B0604020202020204" pitchFamily="34" charset="0"/>
+                <a:ea typeface="微软雅黑" panose="020B0503020204020204" pitchFamily="34" charset="-122"/>
+                <a:cs typeface="+mn-ea"/>
+                <a:sym typeface="Arial" panose="020B0604020202020204" pitchFamily="34" charset="0"/>
+              </a:rPr>
+              <a:t>1.1</a:t>
+            </a:r>
+            <a:r>
+              <a:rPr lang="zh-CN" altLang="en-US" sz="3200" b="1" dirty="0">
+                <a:solidFill>
+                  <a:schemeClr val="bg1"/>
+                </a:solidFill>
+                <a:latin typeface="Arial" panose="020B0604020202020204" pitchFamily="34" charset="0"/>
+                <a:ea typeface="微软雅黑" panose="020B0503020204020204" pitchFamily="34" charset="-122"/>
+                <a:cs typeface="+mn-ea"/>
+                <a:sym typeface="Arial" panose="020B0604020202020204" pitchFamily="34" charset="0"/>
+              </a:rPr>
+              <a:t>染研究意义</a:t>
+            </a:r>
+            <a:endParaRPr lang="zh-CN" altLang="en-US" sz="3200" b="1" dirty="0">
+              <a:solidFill>
+                <a:schemeClr val="bg1"/>
+              </a:solidFill>
+              <a:latin typeface="Arial" panose="020B0604020202020204" pitchFamily="34" charset="0"/>
+              <a:ea typeface="微软雅黑" panose="020B0503020204020204" pitchFamily="34" charset="-122"/>
+              <a:cs typeface="+mn-ea"/>
+              <a:sym typeface="Arial" panose="020B0604020202020204" pitchFamily="34" charset="0"/>
+            </a:endParaRPr>
+          </a:p>
+        </p:txBody>
+      </p:sp>
+      <p:sp>
+        <p:nvSpPr>
+          <p:cNvPr id="3" name="标题 2"/>
+          <p:cNvSpPr>
+            <a:spLocks noGrp="1"/>
+          </p:cNvSpPr>
+          <p:nvPr>
+            <p:ph type="title"/>
+          </p:nvPr>
+        </p:nvSpPr>
+        <p:spPr/>
+        <p:txBody>
+          <a:bodyPr/>
+          <a:lstStyle/>
+          <a:p>
+            <a:r>
+              <a:rPr lang="en-US" altLang="zh-CN" dirty="0">
+                <a:latin typeface="Arial" panose="020B0604020202020204" pitchFamily="34" charset="0"/>
+                <a:sym typeface="Arial" panose="020B0604020202020204" pitchFamily="34" charset="0"/>
+              </a:rPr>
+              <a:t>4. wavenet</a:t>
+            </a:r>
+            <a:endParaRPr lang="en-US" altLang="zh-CN" dirty="0">
+              <a:latin typeface="Arial" panose="020B0604020202020204" pitchFamily="34" charset="0"/>
+              <a:sym typeface="Arial" panose="020B0604020202020204" pitchFamily="34" charset="0"/>
+            </a:endParaRPr>
+          </a:p>
+        </p:txBody>
+      </p:sp>
+      <p:sp>
+        <p:nvSpPr>
+          <p:cNvPr id="7" name="灯片编号占位符 6"/>
+          <p:cNvSpPr>
+            <a:spLocks noGrp="1"/>
+          </p:cNvSpPr>
+          <p:nvPr>
+            <p:ph type="sldNum" sz="quarter" idx="16"/>
+          </p:nvPr>
+        </p:nvSpPr>
+        <p:spPr/>
+        <p:txBody>
+          <a:bodyPr/>
+          <a:lstStyle/>
+          <a:p>
+            <a:pPr>
+              <a:defRPr/>
+            </a:pPr>
+            <a:fld id="{26F565BE-27A9-4834-BA3A-D46EFBA6086A}" type="slidenum">
+              <a:rPr lang="zh-CN" altLang="en-US" smtClean="0">
+                <a:latin typeface="Arial" panose="020B0604020202020204" pitchFamily="34" charset="0"/>
+                <a:sym typeface="Arial" panose="020B0604020202020204" pitchFamily="34" charset="0"/>
+              </a:rPr>
+            </a:fld>
+            <a:endParaRPr lang="zh-CN" altLang="en-US" dirty="0">
+              <a:latin typeface="Arial" panose="020B0604020202020204" pitchFamily="34" charset="0"/>
+              <a:sym typeface="Arial" panose="020B0604020202020204" pitchFamily="34" charset="0"/>
+            </a:endParaRPr>
+          </a:p>
+        </p:txBody>
+      </p:sp>
+      <p:cxnSp>
+        <p:nvCxnSpPr>
+          <p:cNvPr id="8" name="直接连接符 7"/>
+          <p:cNvCxnSpPr/>
+          <p:nvPr/>
+        </p:nvCxnSpPr>
+        <p:spPr>
+          <a:xfrm>
+            <a:off x="0" y="824357"/>
+            <a:ext cx="3877337" cy="0"/>
+          </a:xfrm>
+          <a:prstGeom prst="line">
+            <a:avLst/>
+          </a:prstGeom>
+          <a:ln w="31750">
+            <a:gradFill flip="none" rotWithShape="1">
+              <a:gsLst>
+                <a:gs pos="0">
+                  <a:schemeClr val="accent1">
+                    <a:lumMod val="40000"/>
+                    <a:lumOff val="60000"/>
+                  </a:schemeClr>
+                </a:gs>
+                <a:gs pos="46000">
+                  <a:schemeClr val="accent1">
+                    <a:lumMod val="40000"/>
+                    <a:lumOff val="60000"/>
+                  </a:schemeClr>
+                </a:gs>
+                <a:gs pos="100000">
+                  <a:schemeClr val="accent1">
+                    <a:lumMod val="75000"/>
+                  </a:schemeClr>
+                </a:gs>
+              </a:gsLst>
+              <a:lin ang="10800000" scaled="0"/>
+              <a:tileRect/>
+            </a:gradFill>
+          </a:ln>
+        </p:spPr>
+        <p:style>
+          <a:lnRef idx="3">
+            <a:schemeClr val="dk1"/>
+          </a:lnRef>
+          <a:fillRef idx="0">
+            <a:schemeClr val="dk1"/>
+          </a:fillRef>
+          <a:effectRef idx="2">
+            <a:schemeClr val="dk1"/>
+          </a:effectRef>
+          <a:fontRef idx="minor">
+            <a:schemeClr val="tx1"/>
+          </a:fontRef>
+        </p:style>
+      </p:cxnSp>
+      <p:grpSp>
+        <p:nvGrpSpPr>
+          <p:cNvPr id="10" name="组合 9"/>
+          <p:cNvGrpSpPr/>
+          <p:nvPr/>
+        </p:nvGrpSpPr>
+        <p:grpSpPr>
+          <a:xfrm>
+            <a:off x="1073150" y="1423035"/>
+            <a:ext cx="9301480" cy="3176905"/>
+            <a:chOff x="1690" y="2806"/>
+            <a:chExt cx="14648" cy="5003"/>
+          </a:xfrm>
+        </p:grpSpPr>
+        <p:pic>
+          <p:nvPicPr>
+            <p:cNvPr id="6" name="图片 5"/>
+            <p:cNvPicPr>
+              <a:picLocks noChangeAspect="1"/>
+            </p:cNvPicPr>
+            <p:nvPr/>
+          </p:nvPicPr>
+          <p:blipFill>
+            <a:blip r:embed="rId1"/>
+            <a:stretch>
+              <a:fillRect/>
+            </a:stretch>
+          </p:blipFill>
+          <p:spPr>
+            <a:xfrm>
+              <a:off x="1690" y="2806"/>
+              <a:ext cx="14648" cy="5003"/>
+            </a:xfrm>
+            <a:prstGeom prst="rect">
+              <a:avLst/>
+            </a:prstGeom>
+            <a:ln w="38100">
+              <a:gradFill>
+                <a:gsLst>
+                  <a:gs pos="0">
+                    <a:srgbClr val="FF0000"/>
+                  </a:gs>
+                  <a:gs pos="74000">
+                    <a:schemeClr val="accent1">
+                      <a:lumMod val="45000"/>
+                      <a:lumOff val="55000"/>
+                    </a:schemeClr>
+                  </a:gs>
+                  <a:gs pos="83000">
+                    <a:schemeClr val="accent1">
+                      <a:lumMod val="45000"/>
+                      <a:lumOff val="55000"/>
+                    </a:schemeClr>
+                  </a:gs>
+                  <a:gs pos="100000">
+                    <a:schemeClr val="accent1">
+                      <a:lumMod val="30000"/>
+                      <a:lumOff val="70000"/>
+                    </a:schemeClr>
+                  </a:gs>
+                </a:gsLst>
+                <a:path path="circle">
+                  <a:fillToRect l="50000" t="50000" r="50000" b="50000"/>
+                </a:path>
+                <a:tileRect/>
+              </a:gradFill>
+            </a:ln>
+          </p:spPr>
+        </p:pic>
+        <p:sp>
+          <p:nvSpPr>
+            <p:cNvPr id="2" name="矩形 1"/>
+            <p:cNvSpPr/>
+            <p:nvPr/>
+          </p:nvSpPr>
+          <p:spPr>
+            <a:xfrm>
+              <a:off x="2029" y="6246"/>
+              <a:ext cx="1374" cy="1391"/>
+            </a:xfrm>
+            <a:prstGeom prst="rect">
+              <a:avLst/>
+            </a:prstGeom>
+            <a:noFill/>
+            <a:ln w="19050" cmpd="sng">
+              <a:solidFill>
+                <a:srgbClr val="FF0000"/>
+              </a:solidFill>
+              <a:prstDash val="dash"/>
+            </a:ln>
+          </p:spPr>
+          <p:style>
+            <a:lnRef idx="2">
+              <a:schemeClr val="accent1">
+                <a:lumMod val="75000"/>
+              </a:schemeClr>
+            </a:lnRef>
+            <a:fillRef idx="1">
+              <a:schemeClr val="accent1"/>
+            </a:fillRef>
+            <a:effectRef idx="0">
+              <a:srgbClr val="FFFFFF"/>
+            </a:effectRef>
+            <a:fontRef idx="minor">
+              <a:schemeClr val="lt1"/>
+            </a:fontRef>
+          </p:style>
+          <p:txBody>
+            <a:bodyPr rtlCol="0" anchor="ctr"/>
+            <a:p>
+              <a:pPr algn="ctr"/>
+              <a:endParaRPr lang="zh-CN" altLang="en-US"/>
+            </a:p>
+          </p:txBody>
+        </p:sp>
+        <p:sp>
+          <p:nvSpPr>
+            <p:cNvPr id="5" name="矩形 4"/>
+            <p:cNvSpPr/>
+            <p:nvPr/>
+          </p:nvSpPr>
+          <p:spPr>
+            <a:xfrm>
+              <a:off x="3631" y="6246"/>
+              <a:ext cx="1420" cy="1391"/>
+            </a:xfrm>
+            <a:prstGeom prst="rect">
+              <a:avLst/>
+            </a:prstGeom>
+            <a:noFill/>
+            <a:ln w="19050" cmpd="sng">
+              <a:solidFill>
+                <a:srgbClr val="FF0000"/>
+              </a:solidFill>
+              <a:prstDash val="dash"/>
+            </a:ln>
+          </p:spPr>
+          <p:style>
+            <a:lnRef idx="2">
+              <a:schemeClr val="accent1">
+                <a:lumMod val="75000"/>
+              </a:schemeClr>
+            </a:lnRef>
+            <a:fillRef idx="1">
+              <a:schemeClr val="accent1"/>
+            </a:fillRef>
+            <a:effectRef idx="0">
+              <a:srgbClr val="FFFFFF"/>
+            </a:effectRef>
+            <a:fontRef idx="minor">
+              <a:schemeClr val="lt1"/>
+            </a:fontRef>
+          </p:style>
+          <p:txBody>
+            <a:bodyPr rtlCol="0" anchor="ctr"/>
+            <a:p>
+              <a:pPr algn="ctr"/>
+              <a:endParaRPr lang="zh-CN" altLang="en-US"/>
+            </a:p>
+          </p:txBody>
+        </p:sp>
+        <p:sp>
+          <p:nvSpPr>
+            <p:cNvPr id="9" name="矩形 8"/>
+            <p:cNvSpPr/>
+            <p:nvPr/>
+          </p:nvSpPr>
+          <p:spPr>
+            <a:xfrm>
+              <a:off x="1787" y="4953"/>
+              <a:ext cx="3418" cy="2856"/>
+            </a:xfrm>
+            <a:prstGeom prst="rect">
+              <a:avLst/>
+            </a:prstGeom>
+            <a:noFill/>
+            <a:ln w="19050" cmpd="sng">
+              <a:solidFill>
+                <a:srgbClr val="FF0000"/>
+              </a:solidFill>
+              <a:prstDash val="dash"/>
+            </a:ln>
+          </p:spPr>
+          <p:style>
+            <a:lnRef idx="2">
+              <a:schemeClr val="accent1">
+                <a:lumMod val="75000"/>
+              </a:schemeClr>
+            </a:lnRef>
+            <a:fillRef idx="1">
+              <a:schemeClr val="accent1"/>
+            </a:fillRef>
+            <a:effectRef idx="0">
+              <a:srgbClr val="FFFFFF"/>
+            </a:effectRef>
+            <a:fontRef idx="minor">
+              <a:schemeClr val="lt1"/>
+            </a:fontRef>
+          </p:style>
+          <p:txBody>
+            <a:bodyPr rtlCol="0" anchor="ctr"/>
+            <a:p>
+              <a:pPr algn="ctr"/>
+              <a:endParaRPr lang="zh-CN" altLang="en-US"/>
+            </a:p>
+          </p:txBody>
+        </p:sp>
+      </p:grpSp>
+      <p:cxnSp>
+        <p:nvCxnSpPr>
+          <p:cNvPr id="12" name="肘形连接符 11"/>
+          <p:cNvCxnSpPr>
+            <a:stCxn id="9" idx="2"/>
+          </p:cNvCxnSpPr>
+          <p:nvPr/>
+        </p:nvCxnSpPr>
+        <p:spPr>
+          <a:xfrm rot="5400000" flipV="1">
+            <a:off x="3040380" y="3779520"/>
+            <a:ext cx="1227455" cy="2867660"/>
+          </a:xfrm>
+          <a:prstGeom prst="bentConnector2">
+            <a:avLst/>
+          </a:prstGeom>
+          <a:ln w="41275" cmpd="thickThin">
+            <a:solidFill>
+              <a:srgbClr val="00B050"/>
+            </a:solidFill>
+            <a:tailEnd type="arrow"/>
+          </a:ln>
+          <a:effectLst>
+            <a:glow rad="12700">
+              <a:schemeClr val="accent1">
+                <a:satMod val="175000"/>
+                <a:alpha val="40000"/>
+              </a:schemeClr>
+            </a:glow>
+            <a:outerShdw blurRad="76200" dir="13500000" sy="23000" kx="1200000" algn="br" rotWithShape="0">
+              <a:prstClr val="black">
+                <a:alpha val="20000"/>
+              </a:prstClr>
+            </a:outerShdw>
+            <a:softEdge rad="12700"/>
+          </a:effectLst>
+        </p:spPr>
+        <p:style>
+          <a:lnRef idx="2">
+            <a:schemeClr val="accent1"/>
+          </a:lnRef>
+          <a:fillRef idx="0">
+            <a:srgbClr val="FFFFFF"/>
+          </a:fillRef>
+          <a:effectRef idx="0">
+            <a:srgbClr val="FFFFFF"/>
+          </a:effectRef>
+          <a:fontRef idx="minor">
+            <a:schemeClr val="tx1"/>
+          </a:fontRef>
+        </p:style>
+      </p:cxnSp>
+      <p:sp>
+        <p:nvSpPr>
+          <p:cNvPr id="13" name="标题 2"/>
+          <p:cNvSpPr txBox="1"/>
+          <p:nvPr/>
+        </p:nvSpPr>
+        <p:spPr>
+          <a:xfrm>
+            <a:off x="5221605" y="5469890"/>
+            <a:ext cx="4637405" cy="650875"/>
+          </a:xfrm>
+          <a:prstGeom prst="rect">
+            <a:avLst/>
+          </a:prstGeom>
+        </p:spPr>
+        <p:txBody>
+          <a:bodyPr vert="horz" lIns="91440" tIns="45720" rIns="91440" bIns="45720" rtlCol="0" anchor="ctr">
+            <a:noAutofit/>
+          </a:bodyPr>
+          <a:lstStyle>
+            <a:lvl1pPr marL="0" algn="l" defTabSz="685800" rtl="0" eaLnBrk="1" latinLnBrk="0" hangingPunct="1">
+              <a:lnSpc>
+                <a:spcPct val="100000"/>
+              </a:lnSpc>
+              <a:spcBef>
+                <a:spcPct val="0"/>
+              </a:spcBef>
+              <a:buNone/>
+              <a:defRPr lang="en-US" sz="3200" b="1" kern="1200" dirty="0">
+                <a:solidFill>
+                  <a:srgbClr val="002060"/>
+                </a:solidFill>
+                <a:latin typeface="微软雅黑" panose="020B0503020204020204" pitchFamily="34" charset="-122"/>
+                <a:ea typeface="微软雅黑" panose="020B0503020204020204" pitchFamily="34" charset="-122"/>
+                <a:cs typeface="+mn-cs"/>
+              </a:defRPr>
+            </a:lvl1pPr>
+          </a:lstStyle>
+          <a:p>
+            <a:r>
+              <a:rPr lang="zh-CN" altLang="en-US" sz="2000" dirty="0">
+                <a:latin typeface="Arial" panose="020B0604020202020204" pitchFamily="34" charset="0"/>
+                <a:sym typeface="Arial" panose="020B0604020202020204" pitchFamily="34" charset="0"/>
+              </a:rPr>
+              <a:t>输出以</a:t>
+            </a:r>
+            <a:r>
+              <a:rPr lang="zh-CN" altLang="en-US" sz="2000" dirty="0">
+                <a:solidFill>
+                  <a:srgbClr val="FF0000"/>
+                </a:solidFill>
+                <a:latin typeface="Arial" panose="020B0604020202020204" pitchFamily="34" charset="0"/>
+                <a:sym typeface="Arial" panose="020B0604020202020204" pitchFamily="34" charset="0"/>
+              </a:rPr>
+              <a:t>（</a:t>
+            </a:r>
+            <a:r>
+              <a:rPr altLang="zh-CN" sz="2000" dirty="0">
+                <a:solidFill>
+                  <a:srgbClr val="FF0000"/>
+                </a:solidFill>
+                <a:latin typeface="Arial" panose="020B0604020202020204" pitchFamily="34" charset="0"/>
+                <a:sym typeface="Arial" panose="020B0604020202020204" pitchFamily="34" charset="0"/>
+              </a:rPr>
+              <a:t>B</a:t>
+            </a:r>
+            <a:r>
+              <a:rPr lang="zh-CN" altLang="en-US" sz="2000" dirty="0">
+                <a:solidFill>
+                  <a:srgbClr val="FF0000"/>
+                </a:solidFill>
+                <a:latin typeface="Arial" panose="020B0604020202020204" pitchFamily="34" charset="0"/>
+                <a:sym typeface="Arial" panose="020B0604020202020204" pitchFamily="34" charset="0"/>
+              </a:rPr>
+              <a:t>，</a:t>
+            </a:r>
+            <a:r>
+              <a:rPr altLang="zh-CN" sz="2000" dirty="0">
+                <a:solidFill>
+                  <a:srgbClr val="FF0000"/>
+                </a:solidFill>
+                <a:latin typeface="Arial" panose="020B0604020202020204" pitchFamily="34" charset="0"/>
+                <a:sym typeface="Arial" panose="020B0604020202020204" pitchFamily="34" charset="0"/>
+              </a:rPr>
+              <a:t>T</a:t>
+            </a:r>
+            <a:r>
+              <a:rPr lang="zh-CN" altLang="en-US" sz="2000" dirty="0">
+                <a:solidFill>
+                  <a:srgbClr val="FF0000"/>
+                </a:solidFill>
+                <a:latin typeface="Arial" panose="020B0604020202020204" pitchFamily="34" charset="0"/>
+                <a:sym typeface="Arial" panose="020B0604020202020204" pitchFamily="34" charset="0"/>
+              </a:rPr>
+              <a:t>，</a:t>
+            </a:r>
+            <a:r>
+              <a:rPr altLang="zh-CN" sz="2000" dirty="0">
+                <a:solidFill>
+                  <a:srgbClr val="FF0000"/>
+                </a:solidFill>
+                <a:latin typeface="Arial" panose="020B0604020202020204" pitchFamily="34" charset="0"/>
+                <a:sym typeface="Arial" panose="020B0604020202020204" pitchFamily="34" charset="0"/>
+              </a:rPr>
+              <a:t>C</a:t>
+            </a:r>
+            <a:r>
+              <a:rPr lang="zh-CN" altLang="en-US" sz="2000" dirty="0">
+                <a:solidFill>
+                  <a:srgbClr val="FF0000"/>
+                </a:solidFill>
+                <a:latin typeface="Arial" panose="020B0604020202020204" pitchFamily="34" charset="0"/>
+                <a:sym typeface="Arial" panose="020B0604020202020204" pitchFamily="34" charset="0"/>
+              </a:rPr>
+              <a:t>）</a:t>
+            </a:r>
+            <a:r>
+              <a:rPr lang="zh-CN" altLang="en-US" sz="2000" dirty="0">
+                <a:latin typeface="Arial" panose="020B0604020202020204" pitchFamily="34" charset="0"/>
+                <a:sym typeface="Arial" panose="020B0604020202020204" pitchFamily="34" charset="0"/>
+              </a:rPr>
+              <a:t>的矩阵，</a:t>
+            </a:r>
+            <a:r>
+              <a:rPr lang="zh-CN" altLang="en-US" sz="2000" dirty="0">
+                <a:latin typeface="Arial" panose="020B0604020202020204" pitchFamily="34" charset="0"/>
+                <a:sym typeface="Arial" panose="020B0604020202020204" pitchFamily="34" charset="0"/>
+              </a:rPr>
+              <a:t>高维</a:t>
+            </a:r>
+            <a:endParaRPr lang="zh-CN" altLang="en-US" sz="2000" dirty="0">
+              <a:latin typeface="Arial" panose="020B0604020202020204" pitchFamily="34" charset="0"/>
+              <a:sym typeface="Arial" panose="020B0604020202020204" pitchFamily="34" charset="0"/>
+            </a:endParaRPr>
+          </a:p>
+        </p:txBody>
+      </p:sp>
+    </p:spTree>
+  </p:cSld>
+  <p:clrMapOvr>
+    <a:masterClrMapping/>
+  </p:clrMapOvr>
+  <p:transition advClick="0" advTm="0"/>
+</p:sld>
+</file>
+
+<file path=ppt/slides/slide11.xml><?xml version="1.0" encoding="utf-8"?>
+<p:sld xmlns:a="http://schemas.openxmlformats.org/drawingml/2006/main" xmlns:r="http://schemas.openxmlformats.org/officeDocument/2006/relationships" xmlns:p="http://schemas.openxmlformats.org/presentationml/2006/main">
+  <p:cSld>
+    <p:spTree>
+      <p:nvGrpSpPr>
+        <p:cNvPr id="1" name=""/>
+        <p:cNvGrpSpPr/>
+        <p:nvPr/>
+      </p:nvGrpSpPr>
+      <p:grpSpPr>
+        <a:xfrm>
+          <a:off x="0" y="0"/>
+          <a:ext cx="0" cy="0"/>
+          <a:chOff x="0" y="0"/>
+          <a:chExt cx="0" cy="0"/>
+        </a:xfrm>
+      </p:grpSpPr>
+      <p:sp>
+        <p:nvSpPr>
+          <p:cNvPr id="4" name="矩形 12"/>
+          <p:cNvSpPr>
+            <a:spLocks noChangeArrowheads="1"/>
+          </p:cNvSpPr>
+          <p:nvPr/>
+        </p:nvSpPr>
+        <p:spPr bwMode="auto">
+          <a:xfrm>
+            <a:off x="385125" y="188641"/>
+            <a:ext cx="11568417" cy="584775"/>
+          </a:xfrm>
+          <a:prstGeom prst="rect">
+            <a:avLst/>
+          </a:prstGeom>
+          <a:noFill/>
+          <a:ln>
+            <a:noFill/>
+          </a:ln>
+          <a:extLst>
+            <a:ext uri="{909E8E84-426E-40DD-AFC4-6F175D3DCCD1}">
+              <a14:hiddenFill xmlns:a14="http://schemas.microsoft.com/office/drawing/2010/main">
+                <a:solidFill>
+                  <a:srgbClr val="FFFFFF"/>
+                </a:solidFill>
+              </a14:hiddenFill>
+            </a:ext>
+            <a:ext uri="{91240B29-F687-4F45-9708-019B960494DF}">
+              <a14:hiddenLine xmlns:a14="http://schemas.microsoft.com/office/drawing/2010/main" w="9525">
+                <a:solidFill>
+                  <a:srgbClr val="000000"/>
+                </a:solidFill>
+                <a:miter lim="800000"/>
+                <a:headEnd/>
+                <a:tailEnd/>
+              </a14:hiddenLine>
+            </a:ext>
+          </a:extLst>
+        </p:spPr>
+        <p:txBody>
+          <a:bodyPr wrap="square">
+            <a:spAutoFit/>
+          </a:bodyPr>
+          <a:lstStyle/>
+          <a:p>
+            <a:pPr marL="0" lvl="1" defTabSz="457200">
+              <a:buClr>
+                <a:srgbClr val="FF0000"/>
+              </a:buClr>
+              <a:buSzPct val="100000"/>
+            </a:pPr>
+            <a:r>
+              <a:rPr lang="en-US" altLang="zh-CN" sz="3200" b="1" dirty="0">
+                <a:solidFill>
+                  <a:schemeClr val="bg1"/>
+                </a:solidFill>
+                <a:latin typeface="Arial" panose="020B0604020202020204" pitchFamily="34" charset="0"/>
+                <a:ea typeface="微软雅黑" panose="020B0503020204020204" pitchFamily="34" charset="-122"/>
+                <a:cs typeface="+mn-ea"/>
+                <a:sym typeface="Arial" panose="020B0604020202020204" pitchFamily="34" charset="0"/>
+              </a:rPr>
+              <a:t>1.1 </a:t>
+            </a:r>
+            <a:r>
+              <a:rPr lang="zh-CN" altLang="en-US" sz="3200" b="1" dirty="0">
+                <a:solidFill>
+                  <a:schemeClr val="bg1"/>
+                </a:solidFill>
+                <a:latin typeface="Arial" panose="020B0604020202020204" pitchFamily="34" charset="0"/>
+                <a:ea typeface="微软雅黑" panose="020B0503020204020204" pitchFamily="34" charset="-122"/>
+                <a:cs typeface="+mn-ea"/>
+                <a:sym typeface="Arial" panose="020B0604020202020204" pitchFamily="34" charset="0"/>
+              </a:rPr>
+              <a:t>大气污染研究意义</a:t>
+            </a:r>
+            <a:endParaRPr lang="zh-CN" altLang="en-US" sz="3200" b="1" dirty="0">
+              <a:solidFill>
+                <a:schemeClr val="bg1"/>
+              </a:solidFill>
+              <a:latin typeface="Arial" panose="020B0604020202020204" pitchFamily="34" charset="0"/>
+              <a:ea typeface="微软雅黑" panose="020B0503020204020204" pitchFamily="34" charset="-122"/>
+              <a:cs typeface="+mn-ea"/>
+              <a:sym typeface="Arial" panose="020B0604020202020204" pitchFamily="34" charset="0"/>
+            </a:endParaRPr>
+          </a:p>
+        </p:txBody>
+      </p:sp>
+      <p:sp>
+        <p:nvSpPr>
+          <p:cNvPr id="3" name="标题 2"/>
+          <p:cNvSpPr>
+            <a:spLocks noGrp="1"/>
+          </p:cNvSpPr>
+          <p:nvPr>
+            <p:ph type="title"/>
+          </p:nvPr>
+        </p:nvSpPr>
+        <p:spPr/>
+        <p:txBody>
+          <a:bodyPr/>
+          <a:lstStyle/>
+          <a:p>
+            <a:r>
+              <a:rPr lang="en-US" altLang="zh-CN" dirty="0">
+                <a:latin typeface="Arial" panose="020B0604020202020204" pitchFamily="34" charset="0"/>
+                <a:sym typeface="Arial" panose="020B0604020202020204" pitchFamily="34" charset="0"/>
+              </a:rPr>
+              <a:t>1. XXX</a:t>
+            </a:r>
+            <a:endParaRPr lang="zh-CN" altLang="en-US" dirty="0">
+              <a:latin typeface="Arial" panose="020B0604020202020204" pitchFamily="34" charset="0"/>
+              <a:sym typeface="Arial" panose="020B0604020202020204" pitchFamily="34" charset="0"/>
+            </a:endParaRPr>
+          </a:p>
+        </p:txBody>
+      </p:sp>
+      <p:sp>
+        <p:nvSpPr>
+          <p:cNvPr id="7" name="灯片编号占位符 6"/>
+          <p:cNvSpPr>
+            <a:spLocks noGrp="1"/>
+          </p:cNvSpPr>
+          <p:nvPr>
+            <p:ph type="sldNum" sz="quarter" idx="16"/>
+          </p:nvPr>
+        </p:nvSpPr>
+        <p:spPr/>
+        <p:txBody>
+          <a:bodyPr/>
+          <a:lstStyle/>
+          <a:p>
+            <a:pPr>
+              <a:defRPr/>
+            </a:pPr>
+            <a:fld id="{26F565BE-27A9-4834-BA3A-D46EFBA6086A}" type="slidenum">
+              <a:rPr lang="zh-CN" altLang="en-US" smtClean="0">
+                <a:latin typeface="Arial" panose="020B0604020202020204" pitchFamily="34" charset="0"/>
+                <a:sym typeface="Arial" panose="020B0604020202020204" pitchFamily="34" charset="0"/>
+              </a:rPr>
+            </a:fld>
+            <a:endParaRPr lang="zh-CN" altLang="en-US" dirty="0">
+              <a:latin typeface="Arial" panose="020B0604020202020204" pitchFamily="34" charset="0"/>
+              <a:sym typeface="Arial" panose="020B0604020202020204" pitchFamily="34" charset="0"/>
+            </a:endParaRPr>
+          </a:p>
+        </p:txBody>
+      </p:sp>
+      <p:cxnSp>
+        <p:nvCxnSpPr>
+          <p:cNvPr id="8" name="直接连接符 7"/>
+          <p:cNvCxnSpPr/>
+          <p:nvPr/>
+        </p:nvCxnSpPr>
+        <p:spPr>
+          <a:xfrm>
+            <a:off x="0" y="824357"/>
+            <a:ext cx="3877337" cy="0"/>
+          </a:xfrm>
+          <a:prstGeom prst="line">
+            <a:avLst/>
+          </a:prstGeom>
+          <a:ln w="31750">
+            <a:gradFill flip="none" rotWithShape="1">
+              <a:gsLst>
+                <a:gs pos="0">
+                  <a:schemeClr val="accent1">
+                    <a:lumMod val="40000"/>
+                    <a:lumOff val="60000"/>
+                  </a:schemeClr>
+                </a:gs>
+                <a:gs pos="46000">
+                  <a:schemeClr val="accent1">
+                    <a:lumMod val="40000"/>
+                    <a:lumOff val="60000"/>
+                  </a:schemeClr>
+                </a:gs>
+                <a:gs pos="100000">
+                  <a:schemeClr val="accent1">
+                    <a:lumMod val="75000"/>
+                  </a:schemeClr>
+                </a:gs>
+              </a:gsLst>
+              <a:lin ang="10800000" scaled="0"/>
+              <a:tileRect/>
+            </a:gradFill>
+          </a:ln>
+        </p:spPr>
+        <p:style>
+          <a:lnRef idx="3">
+            <a:schemeClr val="dk1"/>
+          </a:lnRef>
+          <a:fillRef idx="0">
+            <a:schemeClr val="dk1"/>
+          </a:fillRef>
+          <a:effectRef idx="2">
+            <a:schemeClr val="dk1"/>
+          </a:effectRef>
+          <a:fontRef idx="minor">
+            <a:schemeClr val="tx1"/>
+          </a:fontRef>
+        </p:style>
+      </p:cxnSp>
     </p:spTree>
   </p:cSld>
   <p:clrMapOvr>
@@ -15398,7 +16393,7 @@
         <p:spPr bwMode="auto">
           <a:xfrm>
             <a:off x="385125" y="188641"/>
-            <a:ext cx="11568417" cy="584775"/>
+            <a:ext cx="11568417" cy="583565"/>
           </a:xfrm>
           <a:prstGeom prst="rect">
             <a:avLst/>
@@ -15449,7 +16444,7 @@
                 <a:cs typeface="+mn-ea"/>
                 <a:sym typeface="Arial" panose="020B0604020202020204" pitchFamily="34" charset="0"/>
               </a:rPr>
-              <a:t>1.1 </a:t>
+              <a:t>1.1</a:t>
             </a:r>
             <a:r>
               <a:rPr lang="zh-CN" altLang="en-US" sz="3200" b="1" dirty="0">
@@ -15461,7 +16456,7 @@
                 <a:cs typeface="+mn-ea"/>
                 <a:sym typeface="Arial" panose="020B0604020202020204" pitchFamily="34" charset="0"/>
               </a:rPr>
-              <a:t>大气污染研究意义</a:t>
+              <a:t>染研究意义</a:t>
             </a:r>
             <a:endParaRPr lang="zh-CN" altLang="en-US" sz="3200" b="1" dirty="0">
               <a:solidFill>
@@ -15495,9 +16490,9 @@
                 <a:latin typeface="Arial" panose="020B0604020202020204" pitchFamily="34" charset="0"/>
                 <a:sym typeface="Arial" panose="020B0604020202020204" pitchFamily="34" charset="0"/>
               </a:rPr>
-              <a:t>1. XXX</a:t>
-            </a:r>
-            <a:endParaRPr lang="zh-CN" altLang="en-US" dirty="0">
+              <a:t>4. wavenet</a:t>
+            </a:r>
+            <a:endParaRPr lang="en-US" altLang="zh-CN" dirty="0">
               <a:latin typeface="Arial" panose="020B0604020202020204" pitchFamily="34" charset="0"/>
               <a:sym typeface="Arial" panose="020B0604020202020204" pitchFamily="34" charset="0"/>
             </a:endParaRPr>
@@ -15584,6 +16579,215 @@
           </a:fillRef>
           <a:effectRef idx="2">
             <a:schemeClr val="dk1"/>
+          </a:effectRef>
+          <a:fontRef idx="minor">
+            <a:schemeClr val="tx1"/>
+          </a:fontRef>
+        </p:style>
+      </p:cxnSp>
+      <p:sp>
+        <p:nvSpPr>
+          <p:cNvPr id="9" name="标题 2"/>
+          <p:cNvSpPr txBox="1"/>
+          <p:nvPr/>
+        </p:nvSpPr>
+        <p:spPr>
+          <a:xfrm>
+            <a:off x="908685" y="1129030"/>
+            <a:ext cx="3842385" cy="1542415"/>
+          </a:xfrm>
+          <a:prstGeom prst="rect">
+            <a:avLst/>
+          </a:prstGeom>
+        </p:spPr>
+        <p:txBody>
+          <a:bodyPr vert="horz" lIns="91440" tIns="45720" rIns="91440" bIns="45720" rtlCol="0" anchor="ctr">
+            <a:noAutofit/>
+          </a:bodyPr>
+          <a:lstStyle>
+            <a:lvl1pPr marL="0" algn="l" defTabSz="685800" rtl="0" eaLnBrk="1" latinLnBrk="0" hangingPunct="1">
+              <a:lnSpc>
+                <a:spcPct val="100000"/>
+              </a:lnSpc>
+              <a:spcBef>
+                <a:spcPct val="0"/>
+              </a:spcBef>
+              <a:buNone/>
+              <a:defRPr lang="en-US" sz="3200" b="1" kern="1200" dirty="0">
+                <a:solidFill>
+                  <a:srgbClr val="002060"/>
+                </a:solidFill>
+                <a:latin typeface="微软雅黑" panose="020B0503020204020204" pitchFamily="34" charset="-122"/>
+                <a:ea typeface="微软雅黑" panose="020B0503020204020204" pitchFamily="34" charset="-122"/>
+                <a:cs typeface="+mn-cs"/>
+              </a:defRPr>
+            </a:lvl1pPr>
+          </a:lstStyle>
+          <a:p>
+            <a:r>
+              <a:rPr altLang="zh-CN" sz="2000" dirty="0">
+                <a:solidFill>
+                  <a:srgbClr val="FF0000"/>
+                </a:solidFill>
+                <a:latin typeface="Arial" panose="020B0604020202020204" pitchFamily="34" charset="0"/>
+                <a:sym typeface="Arial" panose="020B0604020202020204" pitchFamily="34" charset="0"/>
+              </a:rPr>
+              <a:t>torch.nn -&gt; Containers </a:t>
+            </a:r>
+            <a:r>
+              <a:rPr altLang="zh-CN" sz="2000" dirty="0">
+                <a:latin typeface="Arial" panose="020B0604020202020204" pitchFamily="34" charset="0"/>
+                <a:sym typeface="Arial" panose="020B0604020202020204" pitchFamily="34" charset="0"/>
+              </a:rPr>
+              <a:t> </a:t>
+            </a:r>
+            <a:endParaRPr altLang="zh-CN" sz="2000" dirty="0">
+              <a:latin typeface="Arial" panose="020B0604020202020204" pitchFamily="34" charset="0"/>
+              <a:sym typeface="Arial" panose="020B0604020202020204" pitchFamily="34" charset="0"/>
+            </a:endParaRPr>
+          </a:p>
+          <a:p>
+            <a:r>
+              <a:rPr lang="zh-CN" altLang="en-US" sz="2000" dirty="0">
+                <a:latin typeface="Arial" panose="020B0604020202020204" pitchFamily="34" charset="0"/>
+                <a:sym typeface="Arial" panose="020B0604020202020204" pitchFamily="34" charset="0"/>
+              </a:rPr>
+              <a:t>很多方法，将</a:t>
+            </a:r>
+            <a:r>
+              <a:rPr altLang="zh-CN" sz="2000" dirty="0">
+                <a:latin typeface="Arial" panose="020B0604020202020204" pitchFamily="34" charset="0"/>
+                <a:sym typeface="Arial" panose="020B0604020202020204" pitchFamily="34" charset="0"/>
+              </a:rPr>
+              <a:t>layers</a:t>
+            </a:r>
+            <a:r>
+              <a:rPr lang="zh-CN" altLang="en-US" sz="2000" dirty="0">
+                <a:latin typeface="Arial" panose="020B0604020202020204" pitchFamily="34" charset="0"/>
+                <a:sym typeface="Arial" panose="020B0604020202020204" pitchFamily="34" charset="0"/>
+              </a:rPr>
+              <a:t>转变成</a:t>
+            </a:r>
+            <a:r>
+              <a:rPr altLang="zh-CN" sz="2000" dirty="0">
+                <a:latin typeface="Arial" panose="020B0604020202020204" pitchFamily="34" charset="0"/>
+                <a:sym typeface="Arial" panose="020B0604020202020204" pitchFamily="34" charset="0"/>
+              </a:rPr>
+              <a:t>list</a:t>
+            </a:r>
+            <a:r>
+              <a:rPr lang="zh-CN" altLang="en-US" sz="2000" dirty="0">
+                <a:latin typeface="Arial" panose="020B0604020202020204" pitchFamily="34" charset="0"/>
+                <a:sym typeface="Arial" panose="020B0604020202020204" pitchFamily="34" charset="0"/>
+              </a:rPr>
+              <a:t>或者</a:t>
+            </a:r>
+            <a:r>
+              <a:rPr altLang="zh-CN" sz="2000" dirty="0">
+                <a:latin typeface="Arial" panose="020B0604020202020204" pitchFamily="34" charset="0"/>
+                <a:sym typeface="Arial" panose="020B0604020202020204" pitchFamily="34" charset="0"/>
+              </a:rPr>
+              <a:t>dicts</a:t>
+            </a:r>
+            <a:endParaRPr altLang="zh-CN" sz="2000" dirty="0">
+              <a:latin typeface="Arial" panose="020B0604020202020204" pitchFamily="34" charset="0"/>
+              <a:sym typeface="Arial" panose="020B0604020202020204" pitchFamily="34" charset="0"/>
+            </a:endParaRPr>
+          </a:p>
+        </p:txBody>
+      </p:sp>
+      <p:pic>
+        <p:nvPicPr>
+          <p:cNvPr id="2" name="图片 1"/>
+          <p:cNvPicPr>
+            <a:picLocks noChangeAspect="1"/>
+          </p:cNvPicPr>
+          <p:nvPr/>
+        </p:nvPicPr>
+        <p:blipFill>
+          <a:blip r:embed="rId1"/>
+          <a:stretch>
+            <a:fillRect/>
+          </a:stretch>
+        </p:blipFill>
+        <p:spPr>
+          <a:xfrm>
+            <a:off x="5683885" y="1779905"/>
+            <a:ext cx="5948045" cy="4069715"/>
+          </a:xfrm>
+          <a:prstGeom prst="rect">
+            <a:avLst/>
+          </a:prstGeom>
+        </p:spPr>
+      </p:pic>
+      <p:pic>
+        <p:nvPicPr>
+          <p:cNvPr id="5" name="图片 4"/>
+          <p:cNvPicPr>
+            <a:picLocks noChangeAspect="1"/>
+          </p:cNvPicPr>
+          <p:nvPr/>
+        </p:nvPicPr>
+        <p:blipFill>
+          <a:blip r:embed="rId2"/>
+          <a:stretch>
+            <a:fillRect/>
+          </a:stretch>
+        </p:blipFill>
+        <p:spPr>
+          <a:xfrm>
+            <a:off x="821055" y="3429000"/>
+            <a:ext cx="3804920" cy="1913255"/>
+          </a:xfrm>
+          <a:prstGeom prst="rect">
+            <a:avLst/>
+          </a:prstGeom>
+          <a:ln w="41275" cap="rnd" cmpd="sng">
+            <a:solidFill>
+              <a:srgbClr val="FF0000"/>
+            </a:solidFill>
+            <a:prstDash val="sysDot"/>
+          </a:ln>
+          <a:effectLst>
+            <a:outerShdw blurRad="50800" dist="38100" dir="2700000" algn="tl" rotWithShape="0">
+              <a:prstClr val="black">
+                <a:alpha val="40000"/>
+              </a:prstClr>
+            </a:outerShdw>
+            <a:reflection blurRad="6350" stA="50000" endA="300" endPos="55000" dir="5400000" sy="-100000" algn="bl" rotWithShape="0"/>
+          </a:effectLst>
+        </p:spPr>
+      </p:pic>
+      <p:cxnSp>
+        <p:nvCxnSpPr>
+          <p:cNvPr id="6" name="直接箭头连接符 5"/>
+          <p:cNvCxnSpPr/>
+          <p:nvPr/>
+        </p:nvCxnSpPr>
+        <p:spPr>
+          <a:xfrm flipH="1">
+            <a:off x="4903470" y="3122930"/>
+            <a:ext cx="842645" cy="485140"/>
+          </a:xfrm>
+          <a:prstGeom prst="straightConnector1">
+            <a:avLst/>
+          </a:prstGeom>
+          <a:ln w="53975">
+            <a:solidFill>
+              <a:srgbClr val="00B050"/>
+            </a:solidFill>
+            <a:tailEnd type="arrow"/>
+          </a:ln>
+        </p:spPr>
+        <p:style>
+          <a:lnRef idx="2">
+            <a:schemeClr val="accent1"/>
+          </a:lnRef>
+          <a:fillRef idx="0">
+            <a:srgbClr val="FFFFFF"/>
+          </a:fillRef>
+          <a:effectRef idx="0">
+            <a:srgbClr val="FFFFFF"/>
           </a:effectRef>
           <a:fontRef idx="minor">
             <a:schemeClr val="tx1"/>

--- a/Summary.pptx
+++ b/Summary.pptx
@@ -19,12 +19,14 @@
     <p:sldId id="1459" r:id="rId12"/>
     <p:sldId id="1461" r:id="rId13"/>
     <p:sldId id="1463" r:id="rId14"/>
-    <p:sldId id="1447" r:id="rId15"/>
+    <p:sldId id="1465" r:id="rId15"/>
+    <p:sldId id="1467" r:id="rId16"/>
+    <p:sldId id="1447" r:id="rId17"/>
   </p:sldIdLst>
   <p:sldSz cx="12192000" cy="6858000"/>
   <p:notesSz cx="6858000" cy="9144000"/>
   <p:custDataLst>
-    <p:tags r:id="rId19"/>
+    <p:tags r:id="rId21"/>
   </p:custDataLst>
   <p:defaultTextStyle>
     <a:defPPr>
@@ -610,6 +612,144 @@
 </file>
 
 <file path=ppt/notesSlides/notesSlide11.xml><?xml version="1.0" encoding="utf-8"?>
+<p:notes xmlns:a="http://schemas.openxmlformats.org/drawingml/2006/main" xmlns:r="http://schemas.openxmlformats.org/officeDocument/2006/relationships" xmlns:p="http://schemas.openxmlformats.org/presentationml/2006/main">
+  <p:cSld>
+    <p:spTree>
+      <p:nvGrpSpPr>
+        <p:cNvPr id="1" name=""/>
+        <p:cNvGrpSpPr/>
+        <p:nvPr/>
+      </p:nvGrpSpPr>
+      <p:grpSpPr>
+        <a:xfrm>
+          <a:off x="0" y="0"/>
+          <a:ext cx="0" cy="0"/>
+          <a:chOff x="0" y="0"/>
+          <a:chExt cx="0" cy="0"/>
+        </a:xfrm>
+      </p:grpSpPr>
+      <p:sp>
+        <p:nvSpPr>
+          <p:cNvPr id="2" name="幻灯片图像占位符 1"/>
+          <p:cNvSpPr>
+            <a:spLocks noGrp="1" noRot="1" noChangeAspect="1"/>
+          </p:cNvSpPr>
+          <p:nvPr>
+            <p:ph type="sldImg"/>
+          </p:nvPr>
+        </p:nvSpPr>
+        <p:spPr/>
+      </p:sp>
+      <p:sp>
+        <p:nvSpPr>
+          <p:cNvPr id="3" name="备注占位符 2"/>
+          <p:cNvSpPr>
+            <a:spLocks noGrp="1"/>
+          </p:cNvSpPr>
+          <p:nvPr>
+            <p:ph type="body" idx="1"/>
+          </p:nvPr>
+        </p:nvSpPr>
+        <p:spPr/>
+        <p:txBody>
+          <a:bodyPr/>
+          <a:lstStyle/>
+          <a:p>
+            <a:pPr marL="0" indent="-457200">
+              <a:lnSpc>
+                <a:spcPct val="135000"/>
+              </a:lnSpc>
+              <a:buNone/>
+            </a:pPr>
+            <a:endParaRPr lang="zh-CN" altLang="en-US" sz="1000" dirty="0">
+              <a:solidFill>
+                <a:srgbClr val="00246C"/>
+              </a:solidFill>
+              <a:ea typeface="+mn-ea"/>
+              <a:cs typeface="+mn-ea"/>
+              <a:sym typeface="+mn-lt"/>
+            </a:endParaRPr>
+          </a:p>
+        </p:txBody>
+      </p:sp>
+    </p:spTree>
+  </p:cSld>
+  <p:clrMapOvr>
+    <a:masterClrMapping/>
+  </p:clrMapOvr>
+</p:notes>
+</file>
+
+<file path=ppt/notesSlides/notesSlide12.xml><?xml version="1.0" encoding="utf-8"?>
+<p:notes xmlns:a="http://schemas.openxmlformats.org/drawingml/2006/main" xmlns:r="http://schemas.openxmlformats.org/officeDocument/2006/relationships" xmlns:p="http://schemas.openxmlformats.org/presentationml/2006/main">
+  <p:cSld>
+    <p:spTree>
+      <p:nvGrpSpPr>
+        <p:cNvPr id="1" name=""/>
+        <p:cNvGrpSpPr/>
+        <p:nvPr/>
+      </p:nvGrpSpPr>
+      <p:grpSpPr>
+        <a:xfrm>
+          <a:off x="0" y="0"/>
+          <a:ext cx="0" cy="0"/>
+          <a:chOff x="0" y="0"/>
+          <a:chExt cx="0" cy="0"/>
+        </a:xfrm>
+      </p:grpSpPr>
+      <p:sp>
+        <p:nvSpPr>
+          <p:cNvPr id="2" name="幻灯片图像占位符 1"/>
+          <p:cNvSpPr>
+            <a:spLocks noGrp="1" noRot="1" noChangeAspect="1"/>
+          </p:cNvSpPr>
+          <p:nvPr>
+            <p:ph type="sldImg"/>
+          </p:nvPr>
+        </p:nvSpPr>
+        <p:spPr/>
+      </p:sp>
+      <p:sp>
+        <p:nvSpPr>
+          <p:cNvPr id="3" name="备注占位符 2"/>
+          <p:cNvSpPr>
+            <a:spLocks noGrp="1"/>
+          </p:cNvSpPr>
+          <p:nvPr>
+            <p:ph type="body" idx="1"/>
+          </p:nvPr>
+        </p:nvSpPr>
+        <p:spPr/>
+        <p:txBody>
+          <a:bodyPr/>
+          <a:lstStyle/>
+          <a:p>
+            <a:pPr marL="0" indent="-457200">
+              <a:lnSpc>
+                <a:spcPct val="135000"/>
+              </a:lnSpc>
+              <a:buNone/>
+            </a:pPr>
+            <a:endParaRPr lang="zh-CN" altLang="en-US" sz="1000" dirty="0">
+              <a:solidFill>
+                <a:srgbClr val="00246C"/>
+              </a:solidFill>
+              <a:ea typeface="+mn-ea"/>
+              <a:cs typeface="+mn-ea"/>
+              <a:sym typeface="+mn-lt"/>
+            </a:endParaRPr>
+          </a:p>
+        </p:txBody>
+      </p:sp>
+    </p:spTree>
+  </p:cSld>
+  <p:clrMapOvr>
+    <a:masterClrMapping/>
+  </p:clrMapOvr>
+</p:notes>
+</file>
+
+<file path=ppt/notesSlides/notesSlide13.xml><?xml version="1.0" encoding="utf-8"?>
 <p:notes xmlns:a="http://schemas.openxmlformats.org/drawingml/2006/main" xmlns:r="http://schemas.openxmlformats.org/officeDocument/2006/relationships" xmlns:p="http://schemas.openxmlformats.org/presentationml/2006/main">
   <p:cSld>
     <p:spTree>
@@ -9354,6 +9494,1497 @@
 </file>
 
 <file path=ppt/slides/slide11.xml><?xml version="1.0" encoding="utf-8"?>
+<p:sld xmlns:a="http://schemas.openxmlformats.org/drawingml/2006/main" xmlns:r="http://schemas.openxmlformats.org/officeDocument/2006/relationships" xmlns:p="http://schemas.openxmlformats.org/presentationml/2006/main">
+  <p:cSld>
+    <p:spTree>
+      <p:nvGrpSpPr>
+        <p:cNvPr id="1" name=""/>
+        <p:cNvGrpSpPr/>
+        <p:nvPr/>
+      </p:nvGrpSpPr>
+      <p:grpSpPr>
+        <a:xfrm>
+          <a:off x="0" y="0"/>
+          <a:ext cx="0" cy="0"/>
+          <a:chOff x="0" y="0"/>
+          <a:chExt cx="0" cy="0"/>
+        </a:xfrm>
+      </p:grpSpPr>
+      <p:sp>
+        <p:nvSpPr>
+          <p:cNvPr id="4" name="矩形 12"/>
+          <p:cNvSpPr>
+            <a:spLocks noChangeArrowheads="1"/>
+          </p:cNvSpPr>
+          <p:nvPr/>
+        </p:nvSpPr>
+        <p:spPr bwMode="auto">
+          <a:xfrm>
+            <a:off x="385125" y="188641"/>
+            <a:ext cx="11568417" cy="583565"/>
+          </a:xfrm>
+          <a:prstGeom prst="rect">
+            <a:avLst/>
+          </a:prstGeom>
+          <a:noFill/>
+          <a:ln>
+            <a:noFill/>
+          </a:ln>
+          <a:extLst>
+            <a:ext uri="{909E8E84-426E-40DD-AFC4-6F175D3DCCD1}">
+              <a14:hiddenFill xmlns:a14="http://schemas.microsoft.com/office/drawing/2010/main">
+                <a:solidFill>
+                  <a:srgbClr val="FFFFFF"/>
+                </a:solidFill>
+              </a14:hiddenFill>
+            </a:ext>
+            <a:ext uri="{91240B29-F687-4F45-9708-019B960494DF}">
+              <a14:hiddenLine xmlns:a14="http://schemas.microsoft.com/office/drawing/2010/main" w="9525">
+                <a:solidFill>
+                  <a:srgbClr val="000000"/>
+                </a:solidFill>
+                <a:miter lim="800000"/>
+                <a:headEnd/>
+                <a:tailEnd/>
+              </a14:hiddenLine>
+            </a:ext>
+          </a:extLst>
+        </p:spPr>
+        <p:txBody>
+          <a:bodyPr wrap="square">
+            <a:spAutoFit/>
+          </a:bodyPr>
+          <a:lstStyle/>
+          <a:p>
+            <a:pPr marL="0" lvl="1" defTabSz="457200">
+              <a:buClr>
+                <a:srgbClr val="FF0000"/>
+              </a:buClr>
+              <a:buSzPct val="100000"/>
+            </a:pPr>
+            <a:r>
+              <a:rPr lang="en-US" altLang="zh-CN" sz="3200" b="1" dirty="0">
+                <a:solidFill>
+                  <a:schemeClr val="bg1"/>
+                </a:solidFill>
+                <a:latin typeface="Arial" panose="020B0604020202020204" pitchFamily="34" charset="0"/>
+                <a:ea typeface="微软雅黑" panose="020B0503020204020204" pitchFamily="34" charset="-122"/>
+                <a:cs typeface="+mn-ea"/>
+                <a:sym typeface="Arial" panose="020B0604020202020204" pitchFamily="34" charset="0"/>
+              </a:rPr>
+              <a:t>1.1</a:t>
+            </a:r>
+            <a:r>
+              <a:rPr lang="zh-CN" altLang="en-US" sz="3200" b="1" dirty="0">
+                <a:solidFill>
+                  <a:schemeClr val="bg1"/>
+                </a:solidFill>
+                <a:latin typeface="Arial" panose="020B0604020202020204" pitchFamily="34" charset="0"/>
+                <a:ea typeface="微软雅黑" panose="020B0503020204020204" pitchFamily="34" charset="-122"/>
+                <a:cs typeface="+mn-ea"/>
+                <a:sym typeface="Arial" panose="020B0604020202020204" pitchFamily="34" charset="0"/>
+              </a:rPr>
+              <a:t>染研究意义</a:t>
+            </a:r>
+            <a:endParaRPr lang="zh-CN" altLang="en-US" sz="3200" b="1" dirty="0">
+              <a:solidFill>
+                <a:schemeClr val="bg1"/>
+              </a:solidFill>
+              <a:latin typeface="Arial" panose="020B0604020202020204" pitchFamily="34" charset="0"/>
+              <a:ea typeface="微软雅黑" panose="020B0503020204020204" pitchFamily="34" charset="-122"/>
+              <a:cs typeface="+mn-ea"/>
+              <a:sym typeface="Arial" panose="020B0604020202020204" pitchFamily="34" charset="0"/>
+            </a:endParaRPr>
+          </a:p>
+        </p:txBody>
+      </p:sp>
+      <p:sp>
+        <p:nvSpPr>
+          <p:cNvPr id="3" name="标题 2"/>
+          <p:cNvSpPr>
+            <a:spLocks noGrp="1"/>
+          </p:cNvSpPr>
+          <p:nvPr>
+            <p:ph type="title"/>
+          </p:nvPr>
+        </p:nvSpPr>
+        <p:spPr/>
+        <p:txBody>
+          <a:bodyPr/>
+          <a:lstStyle/>
+          <a:p>
+            <a:r>
+              <a:rPr lang="en-US" altLang="zh-CN" dirty="0">
+                <a:latin typeface="Arial" panose="020B0604020202020204" pitchFamily="34" charset="0"/>
+                <a:sym typeface="Arial" panose="020B0604020202020204" pitchFamily="34" charset="0"/>
+              </a:rPr>
+              <a:t>4. </a:t>
+            </a:r>
+            <a:r>
+              <a:rPr lang="en-US" altLang="zh-CN" dirty="0">
+                <a:latin typeface="Arial" panose="020B0604020202020204" pitchFamily="34" charset="0"/>
+                <a:sym typeface="Arial" panose="020B0604020202020204" pitchFamily="34" charset="0"/>
+              </a:rPr>
+              <a:t>Generalily Pre-trained Transformer</a:t>
+            </a:r>
+            <a:endParaRPr lang="en-US" altLang="zh-CN" dirty="0">
+              <a:latin typeface="Arial" panose="020B0604020202020204" pitchFamily="34" charset="0"/>
+              <a:sym typeface="Arial" panose="020B0604020202020204" pitchFamily="34" charset="0"/>
+            </a:endParaRPr>
+          </a:p>
+        </p:txBody>
+      </p:sp>
+      <p:sp>
+        <p:nvSpPr>
+          <p:cNvPr id="7" name="灯片编号占位符 6"/>
+          <p:cNvSpPr>
+            <a:spLocks noGrp="1"/>
+          </p:cNvSpPr>
+          <p:nvPr>
+            <p:ph type="sldNum" sz="quarter" idx="16"/>
+          </p:nvPr>
+        </p:nvSpPr>
+        <p:spPr/>
+        <p:txBody>
+          <a:bodyPr/>
+          <a:lstStyle/>
+          <a:p>
+            <a:pPr>
+              <a:defRPr/>
+            </a:pPr>
+            <a:fld id="{26F565BE-27A9-4834-BA3A-D46EFBA6086A}" type="slidenum">
+              <a:rPr lang="zh-CN" altLang="en-US" smtClean="0">
+                <a:latin typeface="Arial" panose="020B0604020202020204" pitchFamily="34" charset="0"/>
+                <a:sym typeface="Arial" panose="020B0604020202020204" pitchFamily="34" charset="0"/>
+              </a:rPr>
+            </a:fld>
+            <a:endParaRPr lang="zh-CN" altLang="en-US" dirty="0">
+              <a:latin typeface="Arial" panose="020B0604020202020204" pitchFamily="34" charset="0"/>
+              <a:sym typeface="Arial" panose="020B0604020202020204" pitchFamily="34" charset="0"/>
+            </a:endParaRPr>
+          </a:p>
+        </p:txBody>
+      </p:sp>
+      <p:cxnSp>
+        <p:nvCxnSpPr>
+          <p:cNvPr id="8" name="直接连接符 7"/>
+          <p:cNvCxnSpPr/>
+          <p:nvPr/>
+        </p:nvCxnSpPr>
+        <p:spPr>
+          <a:xfrm>
+            <a:off x="0" y="824357"/>
+            <a:ext cx="3877337" cy="0"/>
+          </a:xfrm>
+          <a:prstGeom prst="line">
+            <a:avLst/>
+          </a:prstGeom>
+          <a:ln w="31750">
+            <a:gradFill flip="none" rotWithShape="1">
+              <a:gsLst>
+                <a:gs pos="0">
+                  <a:schemeClr val="accent1">
+                    <a:lumMod val="40000"/>
+                    <a:lumOff val="60000"/>
+                  </a:schemeClr>
+                </a:gs>
+                <a:gs pos="46000">
+                  <a:schemeClr val="accent1">
+                    <a:lumMod val="40000"/>
+                    <a:lumOff val="60000"/>
+                  </a:schemeClr>
+                </a:gs>
+                <a:gs pos="100000">
+                  <a:schemeClr val="accent1">
+                    <a:lumMod val="75000"/>
+                  </a:schemeClr>
+                </a:gs>
+              </a:gsLst>
+              <a:lin ang="10800000" scaled="0"/>
+              <a:tileRect/>
+            </a:gradFill>
+          </a:ln>
+        </p:spPr>
+        <p:style>
+          <a:lnRef idx="3">
+            <a:schemeClr val="dk1"/>
+          </a:lnRef>
+          <a:fillRef idx="0">
+            <a:schemeClr val="dk1"/>
+          </a:fillRef>
+          <a:effectRef idx="2">
+            <a:schemeClr val="dk1"/>
+          </a:effectRef>
+          <a:fontRef idx="minor">
+            <a:schemeClr val="tx1"/>
+          </a:fontRef>
+        </p:style>
+      </p:cxnSp>
+      <p:sp>
+        <p:nvSpPr>
+          <p:cNvPr id="11" name="标题 2"/>
+          <p:cNvSpPr txBox="1"/>
+          <p:nvPr/>
+        </p:nvSpPr>
+        <p:spPr>
+          <a:xfrm>
+            <a:off x="1461135" y="876300"/>
+            <a:ext cx="4965700" cy="650875"/>
+          </a:xfrm>
+          <a:prstGeom prst="rect">
+            <a:avLst/>
+          </a:prstGeom>
+        </p:spPr>
+        <p:txBody>
+          <a:bodyPr vert="horz" lIns="91440" tIns="45720" rIns="91440" bIns="45720" rtlCol="0" anchor="ctr">
+            <a:noAutofit/>
+          </a:bodyPr>
+          <a:lstStyle>
+            <a:lvl1pPr marL="0" algn="l" defTabSz="685800" rtl="0" eaLnBrk="1" latinLnBrk="0" hangingPunct="1">
+              <a:lnSpc>
+                <a:spcPct val="100000"/>
+              </a:lnSpc>
+              <a:spcBef>
+                <a:spcPct val="0"/>
+              </a:spcBef>
+              <a:buNone/>
+              <a:defRPr lang="en-US" sz="3200" b="1" kern="1200" dirty="0">
+                <a:solidFill>
+                  <a:srgbClr val="002060"/>
+                </a:solidFill>
+                <a:latin typeface="微软雅黑" panose="020B0503020204020204" pitchFamily="34" charset="-122"/>
+                <a:ea typeface="微软雅黑" panose="020B0503020204020204" pitchFamily="34" charset="-122"/>
+                <a:cs typeface="+mn-cs"/>
+              </a:defRPr>
+            </a:lvl1pPr>
+          </a:lstStyle>
+          <a:p>
+            <a:r>
+              <a:rPr altLang="zh-CN" sz="2000" dirty="0">
+                <a:latin typeface="Arial" panose="020B0604020202020204" pitchFamily="34" charset="0"/>
+                <a:sym typeface="Arial" panose="020B0604020202020204" pitchFamily="34" charset="0"/>
+              </a:rPr>
+              <a:t>Encode &amp;&amp; Decode</a:t>
+            </a:r>
+            <a:endParaRPr altLang="zh-CN" sz="2000" dirty="0">
+              <a:latin typeface="Arial" panose="020B0604020202020204" pitchFamily="34" charset="0"/>
+              <a:sym typeface="Arial" panose="020B0604020202020204" pitchFamily="34" charset="0"/>
+            </a:endParaRPr>
+          </a:p>
+        </p:txBody>
+      </p:sp>
+      <p:sp>
+        <p:nvSpPr>
+          <p:cNvPr id="14" name="标题 2"/>
+          <p:cNvSpPr txBox="1"/>
+          <p:nvPr/>
+        </p:nvSpPr>
+        <p:spPr>
+          <a:xfrm>
+            <a:off x="1549400" y="3746500"/>
+            <a:ext cx="4965700" cy="650875"/>
+          </a:xfrm>
+          <a:prstGeom prst="rect">
+            <a:avLst/>
+          </a:prstGeom>
+        </p:spPr>
+        <p:txBody>
+          <a:bodyPr vert="horz" lIns="91440" tIns="45720" rIns="91440" bIns="45720" rtlCol="0" anchor="ctr">
+            <a:noAutofit/>
+          </a:bodyPr>
+          <a:lstStyle>
+            <a:lvl1pPr marL="0" algn="l" defTabSz="685800" rtl="0" eaLnBrk="1" latinLnBrk="0" hangingPunct="1">
+              <a:lnSpc>
+                <a:spcPct val="100000"/>
+              </a:lnSpc>
+              <a:spcBef>
+                <a:spcPct val="0"/>
+              </a:spcBef>
+              <a:buNone/>
+              <a:defRPr lang="en-US" sz="3200" b="1" kern="1200" dirty="0">
+                <a:solidFill>
+                  <a:srgbClr val="002060"/>
+                </a:solidFill>
+                <a:latin typeface="微软雅黑" panose="020B0503020204020204" pitchFamily="34" charset="-122"/>
+                <a:ea typeface="微软雅黑" panose="020B0503020204020204" pitchFamily="34" charset="-122"/>
+                <a:cs typeface="+mn-cs"/>
+              </a:defRPr>
+            </a:lvl1pPr>
+          </a:lstStyle>
+          <a:p>
+            <a:r>
+              <a:rPr altLang="zh-CN" sz="2000" dirty="0">
+                <a:latin typeface="Arial" panose="020B0604020202020204" pitchFamily="34" charset="0"/>
+                <a:sym typeface="Arial" panose="020B0604020202020204" pitchFamily="34" charset="0"/>
+              </a:rPr>
+              <a:t>Self-Attention</a:t>
+            </a:r>
+            <a:endParaRPr altLang="zh-CN" sz="2000" dirty="0">
+              <a:latin typeface="Arial" panose="020B0604020202020204" pitchFamily="34" charset="0"/>
+              <a:sym typeface="Arial" panose="020B0604020202020204" pitchFamily="34" charset="0"/>
+            </a:endParaRPr>
+          </a:p>
+        </p:txBody>
+      </p:sp>
+      <p:sp>
+        <p:nvSpPr>
+          <p:cNvPr id="15" name="标题 2"/>
+          <p:cNvSpPr txBox="1"/>
+          <p:nvPr/>
+        </p:nvSpPr>
+        <p:spPr>
+          <a:xfrm>
+            <a:off x="1549400" y="4667885"/>
+            <a:ext cx="4965700" cy="650875"/>
+          </a:xfrm>
+          <a:prstGeom prst="rect">
+            <a:avLst/>
+          </a:prstGeom>
+        </p:spPr>
+        <p:txBody>
+          <a:bodyPr vert="horz" lIns="91440" tIns="45720" rIns="91440" bIns="45720" rtlCol="0" anchor="ctr">
+            <a:noAutofit/>
+          </a:bodyPr>
+          <a:lstStyle>
+            <a:lvl1pPr marL="0" algn="l" defTabSz="685800" rtl="0" eaLnBrk="1" latinLnBrk="0" hangingPunct="1">
+              <a:lnSpc>
+                <a:spcPct val="100000"/>
+              </a:lnSpc>
+              <a:spcBef>
+                <a:spcPct val="0"/>
+              </a:spcBef>
+              <a:buNone/>
+              <a:defRPr lang="en-US" sz="3200" b="1" kern="1200" dirty="0">
+                <a:solidFill>
+                  <a:srgbClr val="002060"/>
+                </a:solidFill>
+                <a:latin typeface="微软雅黑" panose="020B0503020204020204" pitchFamily="34" charset="-122"/>
+                <a:ea typeface="微软雅黑" panose="020B0503020204020204" pitchFamily="34" charset="-122"/>
+                <a:cs typeface="+mn-cs"/>
+              </a:defRPr>
+            </a:lvl1pPr>
+          </a:lstStyle>
+          <a:p>
+            <a:r>
+              <a:rPr lang="zh-CN" altLang="en-US" sz="2000" dirty="0">
+                <a:latin typeface="Arial" panose="020B0604020202020204" pitchFamily="34" charset="0"/>
+                <a:sym typeface="Arial" panose="020B0604020202020204" pitchFamily="34" charset="0"/>
+              </a:rPr>
+              <a:t>不会联系到之后的，只会联系到</a:t>
+            </a:r>
+            <a:r>
+              <a:rPr lang="zh-CN" altLang="en-US" sz="2000" dirty="0">
+                <a:latin typeface="Arial" panose="020B0604020202020204" pitchFamily="34" charset="0"/>
+                <a:sym typeface="Arial" panose="020B0604020202020204" pitchFamily="34" charset="0"/>
+              </a:rPr>
+              <a:t>之前的</a:t>
+            </a:r>
+            <a:endParaRPr lang="zh-CN" altLang="en-US" sz="2000" dirty="0">
+              <a:latin typeface="Arial" panose="020B0604020202020204" pitchFamily="34" charset="0"/>
+              <a:sym typeface="Arial" panose="020B0604020202020204" pitchFamily="34" charset="0"/>
+            </a:endParaRPr>
+          </a:p>
+        </p:txBody>
+      </p:sp>
+      <p:sp>
+        <p:nvSpPr>
+          <p:cNvPr id="16" name="标题 2"/>
+          <p:cNvSpPr txBox="1"/>
+          <p:nvPr/>
+        </p:nvSpPr>
+        <p:spPr>
+          <a:xfrm>
+            <a:off x="4273550" y="3746500"/>
+            <a:ext cx="4965700" cy="650875"/>
+          </a:xfrm>
+          <a:prstGeom prst="rect">
+            <a:avLst/>
+          </a:prstGeom>
+        </p:spPr>
+        <p:txBody>
+          <a:bodyPr vert="horz" lIns="91440" tIns="45720" rIns="91440" bIns="45720" rtlCol="0" anchor="ctr">
+            <a:noAutofit/>
+          </a:bodyPr>
+          <a:lstStyle>
+            <a:lvl1pPr marL="0" algn="l" defTabSz="685800" rtl="0" eaLnBrk="1" latinLnBrk="0" hangingPunct="1">
+              <a:lnSpc>
+                <a:spcPct val="100000"/>
+              </a:lnSpc>
+              <a:spcBef>
+                <a:spcPct val="0"/>
+              </a:spcBef>
+              <a:buNone/>
+              <a:defRPr lang="en-US" sz="3200" b="1" kern="1200" dirty="0">
+                <a:solidFill>
+                  <a:srgbClr val="002060"/>
+                </a:solidFill>
+                <a:latin typeface="微软雅黑" panose="020B0503020204020204" pitchFamily="34" charset="-122"/>
+                <a:ea typeface="微软雅黑" panose="020B0503020204020204" pitchFamily="34" charset="-122"/>
+                <a:cs typeface="+mn-cs"/>
+              </a:defRPr>
+            </a:lvl1pPr>
+          </a:lstStyle>
+          <a:p>
+            <a:r>
+              <a:rPr altLang="zh-CN" sz="2000" dirty="0">
+                <a:latin typeface="Arial" panose="020B0604020202020204" pitchFamily="34" charset="0"/>
+                <a:sym typeface="Arial" panose="020B0604020202020204" pitchFamily="34" charset="0"/>
+              </a:rPr>
+              <a:t>a communication mechanism</a:t>
+            </a:r>
+            <a:endParaRPr altLang="zh-CN" sz="2000" dirty="0">
+              <a:latin typeface="Arial" panose="020B0604020202020204" pitchFamily="34" charset="0"/>
+              <a:sym typeface="Arial" panose="020B0604020202020204" pitchFamily="34" charset="0"/>
+            </a:endParaRPr>
+          </a:p>
+        </p:txBody>
+      </p:sp>
+    </p:spTree>
+  </p:cSld>
+  <p:clrMapOvr>
+    <a:masterClrMapping/>
+  </p:clrMapOvr>
+  <p:transition advClick="0" advTm="0"/>
+</p:sld>
+</file>
+
+<file path=ppt/slides/slide12.xml><?xml version="1.0" encoding="utf-8"?>
+<p:sld xmlns:a="http://schemas.openxmlformats.org/drawingml/2006/main" xmlns:r="http://schemas.openxmlformats.org/officeDocument/2006/relationships" xmlns:p="http://schemas.openxmlformats.org/presentationml/2006/main">
+  <p:cSld>
+    <p:spTree>
+      <p:nvGrpSpPr>
+        <p:cNvPr id="1" name=""/>
+        <p:cNvGrpSpPr/>
+        <p:nvPr/>
+      </p:nvGrpSpPr>
+      <p:grpSpPr>
+        <a:xfrm>
+          <a:off x="0" y="0"/>
+          <a:ext cx="0" cy="0"/>
+          <a:chOff x="0" y="0"/>
+          <a:chExt cx="0" cy="0"/>
+        </a:xfrm>
+      </p:grpSpPr>
+      <p:sp>
+        <p:nvSpPr>
+          <p:cNvPr id="4" name="矩形 12"/>
+          <p:cNvSpPr>
+            <a:spLocks noChangeArrowheads="1"/>
+          </p:cNvSpPr>
+          <p:nvPr/>
+        </p:nvSpPr>
+        <p:spPr bwMode="auto">
+          <a:xfrm>
+            <a:off x="385125" y="188641"/>
+            <a:ext cx="11568417" cy="583565"/>
+          </a:xfrm>
+          <a:prstGeom prst="rect">
+            <a:avLst/>
+          </a:prstGeom>
+          <a:noFill/>
+          <a:ln>
+            <a:noFill/>
+          </a:ln>
+          <a:extLst>
+            <a:ext uri="{909E8E84-426E-40DD-AFC4-6F175D3DCCD1}">
+              <a14:hiddenFill xmlns:a14="http://schemas.microsoft.com/office/drawing/2010/main">
+                <a:solidFill>
+                  <a:srgbClr val="FFFFFF"/>
+                </a:solidFill>
+              </a14:hiddenFill>
+            </a:ext>
+            <a:ext uri="{91240B29-F687-4F45-9708-019B960494DF}">
+              <a14:hiddenLine xmlns:a14="http://schemas.microsoft.com/office/drawing/2010/main" w="9525">
+                <a:solidFill>
+                  <a:srgbClr val="000000"/>
+                </a:solidFill>
+                <a:miter lim="800000"/>
+                <a:headEnd/>
+                <a:tailEnd/>
+              </a14:hiddenLine>
+            </a:ext>
+          </a:extLst>
+        </p:spPr>
+        <p:txBody>
+          <a:bodyPr wrap="square">
+            <a:spAutoFit/>
+          </a:bodyPr>
+          <a:lstStyle/>
+          <a:p>
+            <a:pPr marL="0" lvl="1" defTabSz="457200">
+              <a:buClr>
+                <a:srgbClr val="FF0000"/>
+              </a:buClr>
+              <a:buSzPct val="100000"/>
+            </a:pPr>
+            <a:r>
+              <a:rPr lang="en-US" altLang="zh-CN" sz="3200" b="1" dirty="0">
+                <a:solidFill>
+                  <a:schemeClr val="bg1"/>
+                </a:solidFill>
+                <a:latin typeface="Arial" panose="020B0604020202020204" pitchFamily="34" charset="0"/>
+                <a:ea typeface="微软雅黑" panose="020B0503020204020204" pitchFamily="34" charset="-122"/>
+                <a:cs typeface="+mn-ea"/>
+                <a:sym typeface="Arial" panose="020B0604020202020204" pitchFamily="34" charset="0"/>
+              </a:rPr>
+              <a:t>1.1</a:t>
+            </a:r>
+            <a:r>
+              <a:rPr lang="zh-CN" altLang="en-US" sz="3200" b="1" dirty="0">
+                <a:solidFill>
+                  <a:schemeClr val="bg1"/>
+                </a:solidFill>
+                <a:latin typeface="Arial" panose="020B0604020202020204" pitchFamily="34" charset="0"/>
+                <a:ea typeface="微软雅黑" panose="020B0503020204020204" pitchFamily="34" charset="-122"/>
+                <a:cs typeface="+mn-ea"/>
+                <a:sym typeface="Arial" panose="020B0604020202020204" pitchFamily="34" charset="0"/>
+              </a:rPr>
+              <a:t>染研究意义</a:t>
+            </a:r>
+            <a:endParaRPr lang="zh-CN" altLang="en-US" sz="3200" b="1" dirty="0">
+              <a:solidFill>
+                <a:schemeClr val="bg1"/>
+              </a:solidFill>
+              <a:latin typeface="Arial" panose="020B0604020202020204" pitchFamily="34" charset="0"/>
+              <a:ea typeface="微软雅黑" panose="020B0503020204020204" pitchFamily="34" charset="-122"/>
+              <a:cs typeface="+mn-ea"/>
+              <a:sym typeface="Arial" panose="020B0604020202020204" pitchFamily="34" charset="0"/>
+            </a:endParaRPr>
+          </a:p>
+        </p:txBody>
+      </p:sp>
+      <p:sp>
+        <p:nvSpPr>
+          <p:cNvPr id="3" name="标题 2"/>
+          <p:cNvSpPr>
+            <a:spLocks noGrp="1"/>
+          </p:cNvSpPr>
+          <p:nvPr>
+            <p:ph type="title"/>
+          </p:nvPr>
+        </p:nvSpPr>
+        <p:spPr/>
+        <p:txBody>
+          <a:bodyPr/>
+          <a:lstStyle/>
+          <a:p>
+            <a:r>
+              <a:rPr lang="en-US" altLang="zh-CN" dirty="0">
+                <a:latin typeface="Arial" panose="020B0604020202020204" pitchFamily="34" charset="0"/>
+                <a:sym typeface="Arial" panose="020B0604020202020204" pitchFamily="34" charset="0"/>
+              </a:rPr>
+              <a:t>4. Linear Regression</a:t>
+            </a:r>
+            <a:endParaRPr lang="en-US" altLang="zh-CN" dirty="0">
+              <a:latin typeface="Arial" panose="020B0604020202020204" pitchFamily="34" charset="0"/>
+              <a:sym typeface="Arial" panose="020B0604020202020204" pitchFamily="34" charset="0"/>
+            </a:endParaRPr>
+          </a:p>
+        </p:txBody>
+      </p:sp>
+      <p:sp>
+        <p:nvSpPr>
+          <p:cNvPr id="7" name="灯片编号占位符 6"/>
+          <p:cNvSpPr>
+            <a:spLocks noGrp="1"/>
+          </p:cNvSpPr>
+          <p:nvPr>
+            <p:ph type="sldNum" sz="quarter" idx="16"/>
+          </p:nvPr>
+        </p:nvSpPr>
+        <p:spPr/>
+        <p:txBody>
+          <a:bodyPr/>
+          <a:lstStyle/>
+          <a:p>
+            <a:pPr>
+              <a:defRPr/>
+            </a:pPr>
+            <a:fld id="{26F565BE-27A9-4834-BA3A-D46EFBA6086A}" type="slidenum">
+              <a:rPr lang="zh-CN" altLang="en-US" smtClean="0">
+                <a:latin typeface="Arial" panose="020B0604020202020204" pitchFamily="34" charset="0"/>
+                <a:sym typeface="Arial" panose="020B0604020202020204" pitchFamily="34" charset="0"/>
+              </a:rPr>
+            </a:fld>
+            <a:endParaRPr lang="zh-CN" altLang="en-US" dirty="0">
+              <a:latin typeface="Arial" panose="020B0604020202020204" pitchFamily="34" charset="0"/>
+              <a:sym typeface="Arial" panose="020B0604020202020204" pitchFamily="34" charset="0"/>
+            </a:endParaRPr>
+          </a:p>
+        </p:txBody>
+      </p:sp>
+      <p:cxnSp>
+        <p:nvCxnSpPr>
+          <p:cNvPr id="8" name="直接连接符 7"/>
+          <p:cNvCxnSpPr/>
+          <p:nvPr/>
+        </p:nvCxnSpPr>
+        <p:spPr>
+          <a:xfrm>
+            <a:off x="0" y="824357"/>
+            <a:ext cx="3877337" cy="0"/>
+          </a:xfrm>
+          <a:prstGeom prst="line">
+            <a:avLst/>
+          </a:prstGeom>
+          <a:ln w="31750">
+            <a:gradFill flip="none" rotWithShape="1">
+              <a:gsLst>
+                <a:gs pos="0">
+                  <a:schemeClr val="accent1">
+                    <a:lumMod val="40000"/>
+                    <a:lumOff val="60000"/>
+                  </a:schemeClr>
+                </a:gs>
+                <a:gs pos="46000">
+                  <a:schemeClr val="accent1">
+                    <a:lumMod val="40000"/>
+                    <a:lumOff val="60000"/>
+                  </a:schemeClr>
+                </a:gs>
+                <a:gs pos="100000">
+                  <a:schemeClr val="accent1">
+                    <a:lumMod val="75000"/>
+                  </a:schemeClr>
+                </a:gs>
+              </a:gsLst>
+              <a:lin ang="10800000" scaled="0"/>
+              <a:tileRect/>
+            </a:gradFill>
+          </a:ln>
+        </p:spPr>
+        <p:style>
+          <a:lnRef idx="3">
+            <a:schemeClr val="dk1"/>
+          </a:lnRef>
+          <a:fillRef idx="0">
+            <a:schemeClr val="dk1"/>
+          </a:fillRef>
+          <a:effectRef idx="2">
+            <a:schemeClr val="dk1"/>
+          </a:effectRef>
+          <a:fontRef idx="minor">
+            <a:schemeClr val="tx1"/>
+          </a:fontRef>
+        </p:style>
+      </p:cxnSp>
+      <p:sp>
+        <p:nvSpPr>
+          <p:cNvPr id="2" name="标题 2"/>
+          <p:cNvSpPr txBox="1"/>
+          <p:nvPr/>
+        </p:nvSpPr>
+        <p:spPr>
+          <a:xfrm>
+            <a:off x="842010" y="876300"/>
+            <a:ext cx="6118225" cy="650875"/>
+          </a:xfrm>
+          <a:prstGeom prst="rect">
+            <a:avLst/>
+          </a:prstGeom>
+        </p:spPr>
+        <p:txBody>
+          <a:bodyPr vert="horz" lIns="91440" tIns="45720" rIns="91440" bIns="45720" rtlCol="0" anchor="ctr">
+            <a:noAutofit/>
+          </a:bodyPr>
+          <a:lstStyle>
+            <a:lvl1pPr marL="0" algn="l" defTabSz="685800" rtl="0" eaLnBrk="1" latinLnBrk="0" hangingPunct="1">
+              <a:lnSpc>
+                <a:spcPct val="100000"/>
+              </a:lnSpc>
+              <a:spcBef>
+                <a:spcPct val="0"/>
+              </a:spcBef>
+              <a:buNone/>
+              <a:defRPr lang="en-US" sz="3200" b="1" kern="1200" dirty="0">
+                <a:solidFill>
+                  <a:srgbClr val="002060"/>
+                </a:solidFill>
+                <a:latin typeface="微软雅黑" panose="020B0503020204020204" pitchFamily="34" charset="-122"/>
+                <a:ea typeface="微软雅黑" panose="020B0503020204020204" pitchFamily="34" charset="-122"/>
+                <a:cs typeface="+mn-cs"/>
+              </a:defRPr>
+            </a:lvl1pPr>
+          </a:lstStyle>
+          <a:p>
+            <a:r>
+              <a:rPr lang="zh-CN" altLang="en-US" sz="2000" dirty="0">
+                <a:latin typeface="Arial" panose="020B0604020202020204" pitchFamily="34" charset="0"/>
+                <a:sym typeface="Arial" panose="020B0604020202020204" pitchFamily="34" charset="0"/>
+              </a:rPr>
+              <a:t>（从这里，进入《</a:t>
+            </a:r>
+            <a:r>
+              <a:rPr altLang="zh-CN" sz="2000" dirty="0">
+                <a:latin typeface="Arial" panose="020B0604020202020204" pitchFamily="34" charset="0"/>
+                <a:sym typeface="Arial" panose="020B0604020202020204" pitchFamily="34" charset="0"/>
+              </a:rPr>
+              <a:t>Dive-into-DL-Pytorch</a:t>
+            </a:r>
+            <a:r>
+              <a:rPr lang="zh-CN" altLang="en-US" sz="2000" dirty="0">
+                <a:latin typeface="Arial" panose="020B0604020202020204" pitchFamily="34" charset="0"/>
+                <a:sym typeface="Arial" panose="020B0604020202020204" pitchFamily="34" charset="0"/>
+              </a:rPr>
+              <a:t>》</a:t>
+            </a:r>
+            <a:r>
+              <a:rPr altLang="zh-CN" sz="2000" dirty="0">
+                <a:latin typeface="Arial" panose="020B0604020202020204" pitchFamily="34" charset="0"/>
+                <a:sym typeface="Arial" panose="020B0604020202020204" pitchFamily="34" charset="0"/>
+              </a:rPr>
+              <a:t>)</a:t>
+            </a:r>
+            <a:endParaRPr altLang="zh-CN" sz="2000" dirty="0">
+              <a:latin typeface="Arial" panose="020B0604020202020204" pitchFamily="34" charset="0"/>
+              <a:sym typeface="Arial" panose="020B0604020202020204" pitchFamily="34" charset="0"/>
+            </a:endParaRPr>
+          </a:p>
+        </p:txBody>
+      </p:sp>
+      <p:sp>
+        <p:nvSpPr>
+          <p:cNvPr id="6" name="标题 2"/>
+          <p:cNvSpPr txBox="1"/>
+          <p:nvPr/>
+        </p:nvSpPr>
+        <p:spPr>
+          <a:xfrm>
+            <a:off x="7129145" y="824230"/>
+            <a:ext cx="4965700" cy="650875"/>
+          </a:xfrm>
+          <a:prstGeom prst="rect">
+            <a:avLst/>
+          </a:prstGeom>
+        </p:spPr>
+        <p:txBody>
+          <a:bodyPr vert="horz" lIns="91440" tIns="45720" rIns="91440" bIns="45720" rtlCol="0" anchor="ctr">
+            <a:noAutofit/>
+          </a:bodyPr>
+          <a:lstStyle>
+            <a:lvl1pPr marL="0" algn="l" defTabSz="685800" rtl="0" eaLnBrk="1" latinLnBrk="0" hangingPunct="1">
+              <a:lnSpc>
+                <a:spcPct val="100000"/>
+              </a:lnSpc>
+              <a:spcBef>
+                <a:spcPct val="0"/>
+              </a:spcBef>
+              <a:buNone/>
+              <a:defRPr lang="en-US" sz="3200" b="1" kern="1200" dirty="0">
+                <a:solidFill>
+                  <a:srgbClr val="002060"/>
+                </a:solidFill>
+                <a:latin typeface="微软雅黑" panose="020B0503020204020204" pitchFamily="34" charset="-122"/>
+                <a:ea typeface="微软雅黑" panose="020B0503020204020204" pitchFamily="34" charset="-122"/>
+                <a:cs typeface="+mn-cs"/>
+              </a:defRPr>
+            </a:lvl1pPr>
+          </a:lstStyle>
+          <a:p>
+            <a:r>
+              <a:rPr lang="zh-CN" altLang="en-US" sz="2000" dirty="0">
+                <a:latin typeface="Arial" panose="020B0604020202020204" pitchFamily="34" charset="0"/>
+                <a:sym typeface="Arial" panose="020B0604020202020204" pitchFamily="34" charset="0"/>
+              </a:rPr>
+              <a:t>输出</a:t>
+            </a:r>
+            <a:r>
+              <a:rPr lang="zh-CN" altLang="en-US" sz="2000" dirty="0">
+                <a:solidFill>
+                  <a:srgbClr val="FF0000"/>
+                </a:solidFill>
+                <a:latin typeface="Arial" panose="020B0604020202020204" pitchFamily="34" charset="0"/>
+                <a:sym typeface="Arial" panose="020B0604020202020204" pitchFamily="34" charset="0"/>
+              </a:rPr>
+              <a:t>连续值</a:t>
+            </a:r>
+            <a:r>
+              <a:rPr lang="zh-CN" altLang="en-US" sz="2000" dirty="0">
+                <a:latin typeface="Arial" panose="020B0604020202020204" pitchFamily="34" charset="0"/>
+                <a:sym typeface="Arial" panose="020B0604020202020204" pitchFamily="34" charset="0"/>
+              </a:rPr>
+              <a:t>，预测</a:t>
+            </a:r>
+            <a:r>
+              <a:rPr lang="zh-CN" altLang="en-US" sz="2000" dirty="0">
+                <a:latin typeface="Arial" panose="020B0604020202020204" pitchFamily="34" charset="0"/>
+                <a:sym typeface="Arial" panose="020B0604020202020204" pitchFamily="34" charset="0"/>
+              </a:rPr>
+              <a:t>问题</a:t>
+            </a:r>
+            <a:endParaRPr lang="zh-CN" altLang="en-US" sz="2000" dirty="0">
+              <a:latin typeface="Arial" panose="020B0604020202020204" pitchFamily="34" charset="0"/>
+              <a:sym typeface="Arial" panose="020B0604020202020204" pitchFamily="34" charset="0"/>
+            </a:endParaRPr>
+          </a:p>
+        </p:txBody>
+      </p:sp>
+      <p:grpSp>
+        <p:nvGrpSpPr>
+          <p:cNvPr id="21" name="组合 20"/>
+          <p:cNvGrpSpPr/>
+          <p:nvPr/>
+        </p:nvGrpSpPr>
+        <p:grpSpPr>
+          <a:xfrm>
+            <a:off x="775335" y="2275205"/>
+            <a:ext cx="6632575" cy="3576955"/>
+            <a:chOff x="2701" y="3994"/>
+            <a:chExt cx="10445" cy="5633"/>
+          </a:xfrm>
+        </p:grpSpPr>
+        <mc:AlternateContent xmlns:mc="http://schemas.openxmlformats.org/markup-compatibility/2006">
+          <mc:Choice xmlns:a14="http://schemas.microsoft.com/office/drawing/2010/main" Requires="a14">
+            <p:sp>
+              <p:nvSpPr>
+                <p:cNvPr id="9" name="标题 2"/>
+                <p:cNvSpPr txBox="1"/>
+                <p:nvPr/>
+              </p:nvSpPr>
+              <p:spPr>
+                <a:xfrm>
+                  <a:off x="4578" y="3994"/>
+                  <a:ext cx="8569" cy="1696"/>
+                </a:xfrm>
+                <a:prstGeom prst="rect">
+                  <a:avLst/>
+                </a:prstGeom>
+              </p:spPr>
+              <p:txBody>
+                <a:bodyPr vert="horz" lIns="91440" tIns="45720" rIns="91440" bIns="45720" rtlCol="0" anchor="ctr">
+                  <a:noAutofit/>
+                </a:bodyPr>
+                <a:lstStyle>
+                  <a:lvl1pPr marL="0" algn="l" defTabSz="685800" rtl="0" eaLnBrk="1" latinLnBrk="0" hangingPunct="1">
+                    <a:lnSpc>
+                      <a:spcPct val="100000"/>
+                    </a:lnSpc>
+                    <a:spcBef>
+                      <a:spcPct val="0"/>
+                    </a:spcBef>
+                    <a:buNone/>
+                    <a:defRPr lang="en-US" sz="3200" b="1" kern="1200" dirty="0">
+                      <a:solidFill>
+                        <a:srgbClr val="002060"/>
+                      </a:solidFill>
+                      <a:latin typeface="微软雅黑" panose="020B0503020204020204" pitchFamily="34" charset="-122"/>
+                      <a:ea typeface="微软雅黑" panose="020B0503020204020204" pitchFamily="34" charset="-122"/>
+                      <a:cs typeface="+mn-cs"/>
+                    </a:defRPr>
+                  </a:lvl1pPr>
+                </a:lstStyle>
+                <a:p>
+                  <a:r>
+                    <a:rPr altLang="zh-CN" sz="4000" i="1" dirty="0">
+                      <a:latin typeface="Cambria Math" panose="02040503050406030204" charset="0"/>
+                      <a:cs typeface="Cambria Math" panose="02040503050406030204" charset="0"/>
+                      <a:sym typeface="Arial" panose="020B0604020202020204" pitchFamily="34" charset="0"/>
+                    </a:rPr>
+                    <a:t>y = </a:t>
+                  </a:r>
+                  <a14:m>
+                    <m:oMath xmlns:m="http://schemas.openxmlformats.org/officeDocument/2006/math">
+                      <m:sSub>
+                        <m:sSubPr>
+                          <m:ctrlPr>
+                            <a:rPr lang="en-US" altLang="zh-CN" sz="4000" i="1" dirty="0">
+                              <a:latin typeface="Cambria Math" panose="02040503050406030204" charset="0"/>
+                              <a:cs typeface="Cambria Math" panose="02040503050406030204" charset="0"/>
+                              <a:sym typeface="Arial" panose="020B0604020202020204" pitchFamily="34" charset="0"/>
+                            </a:rPr>
+                          </m:ctrlPr>
+                        </m:sSubPr>
+                        <m:e>
+                          <m:r>
+                            <a:rPr lang="en-US" altLang="zh-CN" sz="4000" i="1" dirty="0">
+                              <a:latin typeface="Cambria Math" panose="02040503050406030204" charset="0"/>
+                              <a:cs typeface="Cambria Math" panose="02040503050406030204" charset="0"/>
+                              <a:sym typeface="Arial" panose="020B0604020202020204" pitchFamily="34" charset="0"/>
+                            </a:rPr>
+                            <m:t>𝒘</m:t>
+                          </m:r>
+                        </m:e>
+                        <m:sub>
+                          <m:r>
+                            <a:rPr lang="en-US" altLang="zh-CN" sz="4000" i="1" dirty="0">
+                              <a:latin typeface="Cambria Math" panose="02040503050406030204" charset="0"/>
+                              <a:cs typeface="Cambria Math" panose="02040503050406030204" charset="0"/>
+                              <a:sym typeface="Arial" panose="020B0604020202020204" pitchFamily="34" charset="0"/>
+                            </a:rPr>
+                            <m:t>𝟏</m:t>
+                          </m:r>
+                        </m:sub>
+                      </m:sSub>
+                      <m:sSub>
+                        <m:sSubPr>
+                          <m:ctrlPr>
+                            <a:rPr lang="en-US" altLang="zh-CN" sz="4000" i="1" dirty="0">
+                              <a:latin typeface="Cambria Math" panose="02040503050406030204" charset="0"/>
+                              <a:cs typeface="Cambria Math" panose="02040503050406030204" charset="0"/>
+                              <a:sym typeface="Arial" panose="020B0604020202020204" pitchFamily="34" charset="0"/>
+                            </a:rPr>
+                          </m:ctrlPr>
+                        </m:sSubPr>
+                        <m:e>
+                          <m:r>
+                            <a:rPr lang="en-US" altLang="zh-CN" sz="4000" i="1" dirty="0">
+                              <a:latin typeface="Cambria Math" panose="02040503050406030204" charset="0"/>
+                              <a:cs typeface="Cambria Math" panose="02040503050406030204" charset="0"/>
+                              <a:sym typeface="Arial" panose="020B0604020202020204" pitchFamily="34" charset="0"/>
+                            </a:rPr>
+                            <m:t>𝒙</m:t>
+                          </m:r>
+                        </m:e>
+                        <m:sub>
+                          <m:r>
+                            <a:rPr lang="en-US" altLang="zh-CN" sz="4000" i="1" dirty="0">
+                              <a:latin typeface="Cambria Math" panose="02040503050406030204" charset="0"/>
+                              <a:cs typeface="Cambria Math" panose="02040503050406030204" charset="0"/>
+                              <a:sym typeface="Arial" panose="020B0604020202020204" pitchFamily="34" charset="0"/>
+                            </a:rPr>
+                            <m:t>𝟏</m:t>
+                          </m:r>
+                        </m:sub>
+                      </m:sSub>
+                      <m:r>
+                        <a:rPr lang="en-US" altLang="zh-CN" sz="4000" i="1" dirty="0">
+                          <a:latin typeface="Cambria Math" panose="02040503050406030204" charset="0"/>
+                          <a:cs typeface="Cambria Math" panose="02040503050406030204" charset="0"/>
+                          <a:sym typeface="Arial" panose="020B0604020202020204" pitchFamily="34" charset="0"/>
+                        </a:rPr>
+                        <m:t> + </m:t>
+                      </m:r>
+                      <m:sSub>
+                        <m:sSubPr>
+                          <m:ctrlPr>
+                            <a:rPr lang="en-US" altLang="zh-CN" sz="4000" i="1" dirty="0">
+                              <a:latin typeface="Cambria Math" panose="02040503050406030204" charset="0"/>
+                              <a:cs typeface="Cambria Math" panose="02040503050406030204" charset="0"/>
+                              <a:sym typeface="Arial" panose="020B0604020202020204" pitchFamily="34" charset="0"/>
+                            </a:rPr>
+                          </m:ctrlPr>
+                        </m:sSubPr>
+                        <m:e>
+                          <m:r>
+                            <a:rPr lang="en-US" altLang="zh-CN" sz="4000" i="1" dirty="0">
+                              <a:latin typeface="Cambria Math" panose="02040503050406030204" charset="0"/>
+                              <a:cs typeface="Cambria Math" panose="02040503050406030204" charset="0"/>
+                              <a:sym typeface="Arial" panose="020B0604020202020204" pitchFamily="34" charset="0"/>
+                            </a:rPr>
+                            <m:t>𝒘</m:t>
+                          </m:r>
+                        </m:e>
+                        <m:sub>
+                          <m:r>
+                            <a:rPr lang="en-US" altLang="zh-CN" sz="4000" i="1" dirty="0">
+                              <a:latin typeface="Cambria Math" panose="02040503050406030204" charset="0"/>
+                              <a:cs typeface="Cambria Math" panose="02040503050406030204" charset="0"/>
+                              <a:sym typeface="Arial" panose="020B0604020202020204" pitchFamily="34" charset="0"/>
+                            </a:rPr>
+                            <m:t>𝟐</m:t>
+                          </m:r>
+                        </m:sub>
+                      </m:sSub>
+                      <m:sSub>
+                        <m:sSubPr>
+                          <m:ctrlPr>
+                            <a:rPr lang="en-US" altLang="zh-CN" sz="4000" i="1" dirty="0">
+                              <a:latin typeface="Cambria Math" panose="02040503050406030204" charset="0"/>
+                              <a:cs typeface="Cambria Math" panose="02040503050406030204" charset="0"/>
+                              <a:sym typeface="Arial" panose="020B0604020202020204" pitchFamily="34" charset="0"/>
+                            </a:rPr>
+                          </m:ctrlPr>
+                        </m:sSubPr>
+                        <m:e>
+                          <m:r>
+                            <a:rPr lang="en-US" altLang="zh-CN" sz="4000" i="1" dirty="0">
+                              <a:latin typeface="Cambria Math" panose="02040503050406030204" charset="0"/>
+                              <a:cs typeface="Cambria Math" panose="02040503050406030204" charset="0"/>
+                              <a:sym typeface="Arial" panose="020B0604020202020204" pitchFamily="34" charset="0"/>
+                            </a:rPr>
+                            <m:t>𝒙</m:t>
+                          </m:r>
+                        </m:e>
+                        <m:sub>
+                          <m:r>
+                            <a:rPr lang="en-US" altLang="zh-CN" sz="4000" i="1" dirty="0">
+                              <a:latin typeface="Cambria Math" panose="02040503050406030204" charset="0"/>
+                              <a:cs typeface="Cambria Math" panose="02040503050406030204" charset="0"/>
+                              <a:sym typeface="Arial" panose="020B0604020202020204" pitchFamily="34" charset="0"/>
+                            </a:rPr>
+                            <m:t>𝟐</m:t>
+                          </m:r>
+                        </m:sub>
+                      </m:sSub>
+                      <m:r>
+                        <a:rPr lang="en-US" altLang="zh-CN" sz="4000" i="1" dirty="0">
+                          <a:latin typeface="Cambria Math" panose="02040503050406030204" charset="0"/>
+                          <a:cs typeface="Cambria Math" panose="02040503050406030204" charset="0"/>
+                          <a:sym typeface="Arial" panose="020B0604020202020204" pitchFamily="34" charset="0"/>
+                        </a:rPr>
+                        <m:t>+</m:t>
+                      </m:r>
+                      <m:r>
+                        <a:rPr lang="en-US" altLang="zh-CN" sz="4000" i="1" dirty="0">
+                          <a:latin typeface="Cambria Math" panose="02040503050406030204" charset="0"/>
+                          <a:cs typeface="Cambria Math" panose="02040503050406030204" charset="0"/>
+                          <a:sym typeface="Arial" panose="020B0604020202020204" pitchFamily="34" charset="0"/>
+                        </a:rPr>
+                        <m:t>𝒃</m:t>
+                      </m:r>
+                    </m:oMath>
+                  </a14:m>
+                  <a:endParaRPr altLang="zh-CN" sz="4000" i="1" dirty="0">
+                    <a:latin typeface="Cambria Math" panose="02040503050406030204" charset="0"/>
+                    <a:cs typeface="Cambria Math" panose="02040503050406030204" charset="0"/>
+                    <a:sym typeface="Arial" panose="020B0604020202020204" pitchFamily="34" charset="0"/>
+                  </a:endParaRPr>
+                </a:p>
+              </p:txBody>
+            </p:sp>
+          </mc:Choice>
+          <mc:Fallback>
+            <p:sp>
+              <p:nvSpPr>
+                <p:cNvPr id="9" name="标题 2"/>
+                <p:cNvSpPr txBox="1">
+                  <a:spLocks noRot="1" noChangeAspect="1" noMove="1" noResize="1" noEditPoints="1" noAdjustHandles="1" noChangeArrowheads="1" noChangeShapeType="1" noTextEdit="1"/>
+                </p:cNvSpPr>
+                <p:nvPr/>
+              </p:nvSpPr>
+              <p:spPr>
+                <a:xfrm>
+                  <a:off x="4578" y="3994"/>
+                  <a:ext cx="8569" cy="1696"/>
+                </a:xfrm>
+                <a:prstGeom prst="rect">
+                  <a:avLst/>
+                </a:prstGeom>
+                <a:blipFill rotWithShape="1">
+                  <a:blip r:embed="rId1"/>
+                </a:blipFill>
+              </p:spPr>
+              <p:txBody>
+                <a:bodyPr/>
+                <a:lstStyle/>
+                <a:p>
+                  <a:r>
+                    <a:rPr lang="zh-CN" altLang="en-US">
+                      <a:noFill/>
+                    </a:rPr>
+                    <a:t> </a:t>
+                  </a:r>
+                </a:p>
+              </p:txBody>
+            </p:sp>
+          </mc:Fallback>
+        </mc:AlternateContent>
+        <p:cxnSp>
+          <p:nvCxnSpPr>
+            <p:cNvPr id="10" name="直接箭头连接符 9"/>
+            <p:cNvCxnSpPr/>
+            <p:nvPr/>
+          </p:nvCxnSpPr>
+          <p:spPr>
+            <a:xfrm flipH="1">
+              <a:off x="3555" y="5346"/>
+              <a:ext cx="1160" cy="2106"/>
+            </a:xfrm>
+            <a:prstGeom prst="straightConnector1">
+              <a:avLst/>
+            </a:prstGeom>
+            <a:ln w="31750" cmpd="sng">
+              <a:solidFill>
+                <a:srgbClr val="92D050"/>
+              </a:solidFill>
+              <a:prstDash val="sysDot"/>
+              <a:tailEnd type="arrow"/>
+            </a:ln>
+          </p:spPr>
+          <p:style>
+            <a:lnRef idx="2">
+              <a:schemeClr val="accent1"/>
+            </a:lnRef>
+            <a:fillRef idx="0">
+              <a:srgbClr val="FFFFFF"/>
+            </a:fillRef>
+            <a:effectRef idx="0">
+              <a:srgbClr val="FFFFFF"/>
+            </a:effectRef>
+            <a:fontRef idx="minor">
+              <a:schemeClr val="tx1"/>
+            </a:fontRef>
+          </p:style>
+        </p:cxnSp>
+        <p:sp>
+          <p:nvSpPr>
+            <p:cNvPr id="13" name="标题 2"/>
+            <p:cNvSpPr txBox="1"/>
+            <p:nvPr/>
+          </p:nvSpPr>
+          <p:spPr>
+            <a:xfrm>
+              <a:off x="2701" y="7624"/>
+              <a:ext cx="1303" cy="843"/>
+            </a:xfrm>
+            <a:prstGeom prst="rect">
+              <a:avLst/>
+            </a:prstGeom>
+            <a:ln w="28575" cmpd="dbl">
+              <a:solidFill>
+                <a:schemeClr val="accent1">
+                  <a:shade val="50000"/>
+                </a:schemeClr>
+              </a:solidFill>
+              <a:prstDash val="solid"/>
+            </a:ln>
+            <a:effectLst>
+              <a:outerShdw blurRad="50800" dist="38100" dir="2700000" algn="tl" rotWithShape="0">
+                <a:prstClr val="black">
+                  <a:alpha val="40000"/>
+                </a:prstClr>
+              </a:outerShdw>
+              <a:reflection blurRad="6350" stA="52000" endA="300" endPos="35000" dir="5400000" sy="-100000" algn="bl" rotWithShape="0"/>
+            </a:effectLst>
+          </p:spPr>
+          <p:txBody>
+            <a:bodyPr vert="horz" lIns="91440" tIns="45720" rIns="91440" bIns="45720" rtlCol="0" anchor="ctr">
+              <a:noAutofit/>
+            </a:bodyPr>
+            <a:lstStyle>
+              <a:lvl1pPr marL="0" algn="l" defTabSz="685800" rtl="0" eaLnBrk="1" latinLnBrk="0" hangingPunct="1">
+                <a:lnSpc>
+                  <a:spcPct val="100000"/>
+                </a:lnSpc>
+                <a:spcBef>
+                  <a:spcPct val="0"/>
+                </a:spcBef>
+                <a:buNone/>
+                <a:defRPr lang="en-US" sz="3200" b="1" kern="1200" dirty="0">
+                  <a:solidFill>
+                    <a:srgbClr val="002060"/>
+                  </a:solidFill>
+                  <a:latin typeface="微软雅黑" panose="020B0503020204020204" pitchFamily="34" charset="-122"/>
+                  <a:ea typeface="微软雅黑" panose="020B0503020204020204" pitchFamily="34" charset="-122"/>
+                  <a:cs typeface="+mn-cs"/>
+                </a:defRPr>
+              </a:lvl1pPr>
+            </a:lstStyle>
+            <a:p>
+              <a:r>
+                <a:rPr altLang="zh-CN" sz="2000" dirty="0">
+                  <a:latin typeface="Arial" panose="020B0604020202020204" pitchFamily="34" charset="0"/>
+                  <a:sym typeface="Arial" panose="020B0604020202020204" pitchFamily="34" charset="0"/>
+                </a:rPr>
+                <a:t> </a:t>
+              </a:r>
+              <a:r>
+                <a:rPr lang="zh-CN" altLang="en-US" sz="2000" dirty="0">
+                  <a:latin typeface="Arial" panose="020B0604020202020204" pitchFamily="34" charset="0"/>
+                  <a:sym typeface="Arial" panose="020B0604020202020204" pitchFamily="34" charset="0"/>
+                </a:rPr>
+                <a:t>房价</a:t>
+              </a:r>
+              <a:endParaRPr lang="zh-CN" altLang="en-US" sz="2000" dirty="0">
+                <a:latin typeface="Arial" panose="020B0604020202020204" pitchFamily="34" charset="0"/>
+                <a:sym typeface="Arial" panose="020B0604020202020204" pitchFamily="34" charset="0"/>
+              </a:endParaRPr>
+            </a:p>
+          </p:txBody>
+        </p:sp>
+        <p:cxnSp>
+          <p:nvCxnSpPr>
+            <p:cNvPr id="17" name="直接箭头连接符 16"/>
+            <p:cNvCxnSpPr>
+              <a:endCxn id="18" idx="0"/>
+            </p:cNvCxnSpPr>
+            <p:nvPr/>
+          </p:nvCxnSpPr>
+          <p:spPr>
+            <a:xfrm flipH="1">
+              <a:off x="7125" y="5407"/>
+              <a:ext cx="276" cy="3378"/>
+            </a:xfrm>
+            <a:prstGeom prst="straightConnector1">
+              <a:avLst/>
+            </a:prstGeom>
+            <a:ln w="31750" cmpd="sng">
+              <a:solidFill>
+                <a:srgbClr val="92D050"/>
+              </a:solidFill>
+              <a:prstDash val="sysDot"/>
+              <a:tailEnd type="arrow"/>
+            </a:ln>
+          </p:spPr>
+          <p:style>
+            <a:lnRef idx="2">
+              <a:schemeClr val="accent1"/>
+            </a:lnRef>
+            <a:fillRef idx="0">
+              <a:srgbClr val="FFFFFF"/>
+            </a:fillRef>
+            <a:effectRef idx="0">
+              <a:srgbClr val="FFFFFF"/>
+            </a:effectRef>
+            <a:fontRef idx="minor">
+              <a:schemeClr val="tx1"/>
+            </a:fontRef>
+          </p:style>
+        </p:cxnSp>
+        <p:sp>
+          <p:nvSpPr>
+            <p:cNvPr id="18" name="标题 2"/>
+            <p:cNvSpPr txBox="1"/>
+            <p:nvPr/>
+          </p:nvSpPr>
+          <p:spPr>
+            <a:xfrm>
+              <a:off x="6473" y="8785"/>
+              <a:ext cx="1303" cy="843"/>
+            </a:xfrm>
+            <a:prstGeom prst="rect">
+              <a:avLst/>
+            </a:prstGeom>
+            <a:ln w="28575" cmpd="dbl">
+              <a:solidFill>
+                <a:schemeClr val="accent1">
+                  <a:shade val="50000"/>
+                </a:schemeClr>
+              </a:solidFill>
+              <a:prstDash val="solid"/>
+            </a:ln>
+            <a:effectLst>
+              <a:outerShdw blurRad="50800" dist="38100" dir="2700000" algn="tl" rotWithShape="0">
+                <a:prstClr val="black">
+                  <a:alpha val="40000"/>
+                </a:prstClr>
+              </a:outerShdw>
+              <a:reflection blurRad="6350" stA="52000" endA="300" endPos="35000" dir="5400000" sy="-100000" algn="bl" rotWithShape="0"/>
+            </a:effectLst>
+          </p:spPr>
+          <p:txBody>
+            <a:bodyPr vert="horz" lIns="91440" tIns="45720" rIns="91440" bIns="45720" rtlCol="0" anchor="ctr">
+              <a:noAutofit/>
+            </a:bodyPr>
+            <a:lstStyle>
+              <a:lvl1pPr marL="0" algn="l" defTabSz="685800" rtl="0" eaLnBrk="1" latinLnBrk="0" hangingPunct="1">
+                <a:lnSpc>
+                  <a:spcPct val="100000"/>
+                </a:lnSpc>
+                <a:spcBef>
+                  <a:spcPct val="0"/>
+                </a:spcBef>
+                <a:buNone/>
+                <a:defRPr lang="en-US" sz="3200" b="1" kern="1200" dirty="0">
+                  <a:solidFill>
+                    <a:srgbClr val="002060"/>
+                  </a:solidFill>
+                  <a:latin typeface="微软雅黑" panose="020B0503020204020204" pitchFamily="34" charset="-122"/>
+                  <a:ea typeface="微软雅黑" panose="020B0503020204020204" pitchFamily="34" charset="-122"/>
+                  <a:cs typeface="+mn-cs"/>
+                </a:defRPr>
+              </a:lvl1pPr>
+            </a:lstStyle>
+            <a:p>
+              <a:r>
+                <a:rPr altLang="zh-CN" sz="2000" dirty="0">
+                  <a:latin typeface="Arial" panose="020B0604020202020204" pitchFamily="34" charset="0"/>
+                  <a:sym typeface="Arial" panose="020B0604020202020204" pitchFamily="34" charset="0"/>
+                </a:rPr>
+                <a:t> </a:t>
+              </a:r>
+              <a:r>
+                <a:rPr lang="zh-CN" altLang="en-US" sz="2000" dirty="0">
+                  <a:latin typeface="Arial" panose="020B0604020202020204" pitchFamily="34" charset="0"/>
+                  <a:sym typeface="Arial" panose="020B0604020202020204" pitchFamily="34" charset="0"/>
+                </a:rPr>
+                <a:t>面积</a:t>
+              </a:r>
+              <a:endParaRPr lang="zh-CN" altLang="en-US" sz="2000" dirty="0">
+                <a:latin typeface="Arial" panose="020B0604020202020204" pitchFamily="34" charset="0"/>
+                <a:sym typeface="Arial" panose="020B0604020202020204" pitchFamily="34" charset="0"/>
+              </a:endParaRPr>
+            </a:p>
+          </p:txBody>
+        </p:sp>
+        <p:cxnSp>
+          <p:nvCxnSpPr>
+            <p:cNvPr id="19" name="直接箭头连接符 18"/>
+            <p:cNvCxnSpPr/>
+            <p:nvPr/>
+          </p:nvCxnSpPr>
+          <p:spPr>
+            <a:xfrm>
+              <a:off x="10820" y="5468"/>
+              <a:ext cx="870" cy="2488"/>
+            </a:xfrm>
+            <a:prstGeom prst="straightConnector1">
+              <a:avLst/>
+            </a:prstGeom>
+            <a:ln w="31750" cmpd="sng">
+              <a:solidFill>
+                <a:srgbClr val="92D050"/>
+              </a:solidFill>
+              <a:prstDash val="sysDot"/>
+              <a:tailEnd type="arrow"/>
+            </a:ln>
+          </p:spPr>
+          <p:style>
+            <a:lnRef idx="2">
+              <a:schemeClr val="accent1"/>
+            </a:lnRef>
+            <a:fillRef idx="0">
+              <a:srgbClr val="FFFFFF"/>
+            </a:fillRef>
+            <a:effectRef idx="0">
+              <a:srgbClr val="FFFFFF"/>
+            </a:effectRef>
+            <a:fontRef idx="minor">
+              <a:schemeClr val="tx1"/>
+            </a:fontRef>
+          </p:style>
+        </p:cxnSp>
+        <p:sp>
+          <p:nvSpPr>
+            <p:cNvPr id="20" name="标题 2"/>
+            <p:cNvSpPr txBox="1"/>
+            <p:nvPr/>
+          </p:nvSpPr>
+          <p:spPr>
+            <a:xfrm>
+              <a:off x="11099" y="7956"/>
+              <a:ext cx="1303" cy="843"/>
+            </a:xfrm>
+            <a:prstGeom prst="rect">
+              <a:avLst/>
+            </a:prstGeom>
+            <a:ln w="28575" cmpd="dbl">
+              <a:solidFill>
+                <a:schemeClr val="accent1">
+                  <a:shade val="50000"/>
+                </a:schemeClr>
+              </a:solidFill>
+              <a:prstDash val="solid"/>
+            </a:ln>
+            <a:effectLst>
+              <a:outerShdw blurRad="50800" dist="38100" dir="2700000" algn="tl" rotWithShape="0">
+                <a:prstClr val="black">
+                  <a:alpha val="40000"/>
+                </a:prstClr>
+              </a:outerShdw>
+              <a:reflection blurRad="6350" stA="52000" endA="300" endPos="35000" dir="5400000" sy="-100000" algn="bl" rotWithShape="0"/>
+            </a:effectLst>
+          </p:spPr>
+          <p:txBody>
+            <a:bodyPr vert="horz" lIns="91440" tIns="45720" rIns="91440" bIns="45720" rtlCol="0" anchor="ctr">
+              <a:noAutofit/>
+            </a:bodyPr>
+            <a:lstStyle>
+              <a:lvl1pPr marL="0" algn="l" defTabSz="685800" rtl="0" eaLnBrk="1" latinLnBrk="0" hangingPunct="1">
+                <a:lnSpc>
+                  <a:spcPct val="100000"/>
+                </a:lnSpc>
+                <a:spcBef>
+                  <a:spcPct val="0"/>
+                </a:spcBef>
+                <a:buNone/>
+                <a:defRPr lang="en-US" sz="3200" b="1" kern="1200" dirty="0">
+                  <a:solidFill>
+                    <a:srgbClr val="002060"/>
+                  </a:solidFill>
+                  <a:latin typeface="微软雅黑" panose="020B0503020204020204" pitchFamily="34" charset="-122"/>
+                  <a:ea typeface="微软雅黑" panose="020B0503020204020204" pitchFamily="34" charset="-122"/>
+                  <a:cs typeface="+mn-cs"/>
+                </a:defRPr>
+              </a:lvl1pPr>
+            </a:lstStyle>
+            <a:p>
+              <a:r>
+                <a:rPr altLang="zh-CN" sz="2000" dirty="0">
+                  <a:latin typeface="Arial" panose="020B0604020202020204" pitchFamily="34" charset="0"/>
+                  <a:sym typeface="Arial" panose="020B0604020202020204" pitchFamily="34" charset="0"/>
+                </a:rPr>
+                <a:t> </a:t>
+              </a:r>
+              <a:r>
+                <a:rPr lang="zh-CN" altLang="en-US" sz="2000" dirty="0">
+                  <a:latin typeface="Arial" panose="020B0604020202020204" pitchFamily="34" charset="0"/>
+                  <a:sym typeface="Arial" panose="020B0604020202020204" pitchFamily="34" charset="0"/>
+                </a:rPr>
+                <a:t>房</a:t>
+              </a:r>
+              <a:r>
+                <a:rPr lang="zh-CN" altLang="en-US" sz="2000" dirty="0">
+                  <a:latin typeface="Arial" panose="020B0604020202020204" pitchFamily="34" charset="0"/>
+                  <a:sym typeface="Arial" panose="020B0604020202020204" pitchFamily="34" charset="0"/>
+                </a:rPr>
+                <a:t>龄</a:t>
+              </a:r>
+              <a:endParaRPr lang="zh-CN" altLang="en-US" sz="2000" dirty="0">
+                <a:latin typeface="Arial" panose="020B0604020202020204" pitchFamily="34" charset="0"/>
+                <a:sym typeface="Arial" panose="020B0604020202020204" pitchFamily="34" charset="0"/>
+              </a:endParaRPr>
+            </a:p>
+          </p:txBody>
+        </p:sp>
+      </p:grpSp>
+      <p:pic>
+        <p:nvPicPr>
+          <p:cNvPr id="22" name="图片 21"/>
+          <p:cNvPicPr>
+            <a:picLocks noChangeAspect="1"/>
+          </p:cNvPicPr>
+          <p:nvPr/>
+        </p:nvPicPr>
+        <p:blipFill>
+          <a:blip r:embed="rId2">
+            <a:clrChange>
+              <a:clrFrom>
+                <a:srgbClr val="FCFCFC">
+                  <a:alpha val="100000"/>
+                </a:srgbClr>
+              </a:clrFrom>
+              <a:clrTo>
+                <a:srgbClr val="FCFCFC">
+                  <a:alpha val="100000"/>
+                  <a:alpha val="0"/>
+                </a:srgbClr>
+              </a:clrTo>
+            </a:clrChange>
+          </a:blip>
+          <a:stretch>
+            <a:fillRect/>
+          </a:stretch>
+        </p:blipFill>
+        <p:spPr>
+          <a:xfrm>
+            <a:off x="7949565" y="2656205"/>
+            <a:ext cx="2905760" cy="2134870"/>
+          </a:xfrm>
+          <a:prstGeom prst="rect">
+            <a:avLst/>
+          </a:prstGeom>
+          <a:ln w="38100" cmpd="sng">
+            <a:solidFill>
+              <a:srgbClr val="FF0000"/>
+            </a:solidFill>
+            <a:prstDash val="sysDot"/>
+          </a:ln>
+          <a:effectLst>
+            <a:reflection blurRad="6350" stA="52000" endA="300" endPos="35000" dir="5400000" sy="-100000" algn="bl" rotWithShape="0"/>
+          </a:effectLst>
+        </p:spPr>
+      </p:pic>
+    </p:spTree>
+  </p:cSld>
+  <p:clrMapOvr>
+    <a:masterClrMapping/>
+  </p:clrMapOvr>
+  <p:transition advClick="0" advTm="0"/>
+</p:sld>
+</file>
+
+<file path=ppt/slides/slide13.xml><?xml version="1.0" encoding="utf-8"?>
 <p:sld xmlns:a="http://schemas.openxmlformats.org/drawingml/2006/main" xmlns:r="http://schemas.openxmlformats.org/officeDocument/2006/relationships" xmlns:p="http://schemas.openxmlformats.org/presentationml/2006/main">
   <p:cSld>
     <p:spTree>

--- a/Summary.pptx
+++ b/Summary.pptx
@@ -21,12 +21,14 @@
     <p:sldId id="1463" r:id="rId14"/>
     <p:sldId id="1465" r:id="rId15"/>
     <p:sldId id="1467" r:id="rId16"/>
-    <p:sldId id="1447" r:id="rId17"/>
+    <p:sldId id="1469" r:id="rId17"/>
+    <p:sldId id="1470" r:id="rId18"/>
+    <p:sldId id="1447" r:id="rId19"/>
   </p:sldIdLst>
   <p:sldSz cx="12192000" cy="6858000"/>
   <p:notesSz cx="6858000" cy="9144000"/>
   <p:custDataLst>
-    <p:tags r:id="rId21"/>
+    <p:tags r:id="rId23"/>
   </p:custDataLst>
   <p:defaultTextStyle>
     <a:defPPr>
@@ -750,6 +752,144 @@
 </file>
 
 <file path=ppt/notesSlides/notesSlide13.xml><?xml version="1.0" encoding="utf-8"?>
+<p:notes xmlns:a="http://schemas.openxmlformats.org/drawingml/2006/main" xmlns:r="http://schemas.openxmlformats.org/officeDocument/2006/relationships" xmlns:p="http://schemas.openxmlformats.org/presentationml/2006/main">
+  <p:cSld>
+    <p:spTree>
+      <p:nvGrpSpPr>
+        <p:cNvPr id="1" name=""/>
+        <p:cNvGrpSpPr/>
+        <p:nvPr/>
+      </p:nvGrpSpPr>
+      <p:grpSpPr>
+        <a:xfrm>
+          <a:off x="0" y="0"/>
+          <a:ext cx="0" cy="0"/>
+          <a:chOff x="0" y="0"/>
+          <a:chExt cx="0" cy="0"/>
+        </a:xfrm>
+      </p:grpSpPr>
+      <p:sp>
+        <p:nvSpPr>
+          <p:cNvPr id="2" name="幻灯片图像占位符 1"/>
+          <p:cNvSpPr>
+            <a:spLocks noGrp="1" noRot="1" noChangeAspect="1"/>
+          </p:cNvSpPr>
+          <p:nvPr>
+            <p:ph type="sldImg"/>
+          </p:nvPr>
+        </p:nvSpPr>
+        <p:spPr/>
+      </p:sp>
+      <p:sp>
+        <p:nvSpPr>
+          <p:cNvPr id="3" name="备注占位符 2"/>
+          <p:cNvSpPr>
+            <a:spLocks noGrp="1"/>
+          </p:cNvSpPr>
+          <p:nvPr>
+            <p:ph type="body" idx="1"/>
+          </p:nvPr>
+        </p:nvSpPr>
+        <p:spPr/>
+        <p:txBody>
+          <a:bodyPr/>
+          <a:lstStyle/>
+          <a:p>
+            <a:pPr marL="0" indent="-457200">
+              <a:lnSpc>
+                <a:spcPct val="135000"/>
+              </a:lnSpc>
+              <a:buNone/>
+            </a:pPr>
+            <a:endParaRPr lang="zh-CN" altLang="en-US" sz="1000" dirty="0">
+              <a:solidFill>
+                <a:srgbClr val="00246C"/>
+              </a:solidFill>
+              <a:ea typeface="+mn-ea"/>
+              <a:cs typeface="+mn-ea"/>
+              <a:sym typeface="+mn-lt"/>
+            </a:endParaRPr>
+          </a:p>
+        </p:txBody>
+      </p:sp>
+    </p:spTree>
+  </p:cSld>
+  <p:clrMapOvr>
+    <a:masterClrMapping/>
+  </p:clrMapOvr>
+</p:notes>
+</file>
+
+<file path=ppt/notesSlides/notesSlide14.xml><?xml version="1.0" encoding="utf-8"?>
+<p:notes xmlns:a="http://schemas.openxmlformats.org/drawingml/2006/main" xmlns:r="http://schemas.openxmlformats.org/officeDocument/2006/relationships" xmlns:p="http://schemas.openxmlformats.org/presentationml/2006/main">
+  <p:cSld>
+    <p:spTree>
+      <p:nvGrpSpPr>
+        <p:cNvPr id="1" name=""/>
+        <p:cNvGrpSpPr/>
+        <p:nvPr/>
+      </p:nvGrpSpPr>
+      <p:grpSpPr>
+        <a:xfrm>
+          <a:off x="0" y="0"/>
+          <a:ext cx="0" cy="0"/>
+          <a:chOff x="0" y="0"/>
+          <a:chExt cx="0" cy="0"/>
+        </a:xfrm>
+      </p:grpSpPr>
+      <p:sp>
+        <p:nvSpPr>
+          <p:cNvPr id="2" name="幻灯片图像占位符 1"/>
+          <p:cNvSpPr>
+            <a:spLocks noGrp="1" noRot="1" noChangeAspect="1"/>
+          </p:cNvSpPr>
+          <p:nvPr>
+            <p:ph type="sldImg"/>
+          </p:nvPr>
+        </p:nvSpPr>
+        <p:spPr/>
+      </p:sp>
+      <p:sp>
+        <p:nvSpPr>
+          <p:cNvPr id="3" name="备注占位符 2"/>
+          <p:cNvSpPr>
+            <a:spLocks noGrp="1"/>
+          </p:cNvSpPr>
+          <p:nvPr>
+            <p:ph type="body" idx="1"/>
+          </p:nvPr>
+        </p:nvSpPr>
+        <p:spPr/>
+        <p:txBody>
+          <a:bodyPr/>
+          <a:lstStyle/>
+          <a:p>
+            <a:pPr marL="0" indent="-457200">
+              <a:lnSpc>
+                <a:spcPct val="135000"/>
+              </a:lnSpc>
+              <a:buNone/>
+            </a:pPr>
+            <a:endParaRPr lang="zh-CN" altLang="en-US" sz="1000" dirty="0">
+              <a:solidFill>
+                <a:srgbClr val="00246C"/>
+              </a:solidFill>
+              <a:ea typeface="+mn-ea"/>
+              <a:cs typeface="+mn-ea"/>
+              <a:sym typeface="+mn-lt"/>
+            </a:endParaRPr>
+          </a:p>
+        </p:txBody>
+      </p:sp>
+    </p:spTree>
+  </p:cSld>
+  <p:clrMapOvr>
+    <a:masterClrMapping/>
+  </p:clrMapOvr>
+</p:notes>
+</file>
+
+<file path=ppt/notesSlides/notesSlide15.xml><?xml version="1.0" encoding="utf-8"?>
 <p:notes xmlns:a="http://schemas.openxmlformats.org/drawingml/2006/main" xmlns:r="http://schemas.openxmlformats.org/officeDocument/2006/relationships" xmlns:p="http://schemas.openxmlformats.org/presentationml/2006/main">
   <p:cSld>
     <p:spTree>
@@ -8992,7 +9132,7 @@
                 <a:latin typeface="Arial" panose="020B0604020202020204" pitchFamily="34" charset="0"/>
                 <a:sym typeface="Arial" panose="020B0604020202020204" pitchFamily="34" charset="0"/>
               </a:rPr>
-              <a:t>4. wavenet</a:t>
+              <a:t>5. wavenet</a:t>
             </a:r>
             <a:endParaRPr lang="en-US" altLang="zh-CN" dirty="0">
               <a:latin typeface="Arial" panose="020B0604020202020204" pitchFamily="34" charset="0"/>
@@ -9618,7 +9758,7 @@
                 <a:latin typeface="Arial" panose="020B0604020202020204" pitchFamily="34" charset="0"/>
                 <a:sym typeface="Arial" panose="020B0604020202020204" pitchFamily="34" charset="0"/>
               </a:rPr>
-              <a:t>4. </a:t>
+              <a:t>6. </a:t>
             </a:r>
             <a:r>
               <a:rPr lang="en-US" altLang="zh-CN" dirty="0">
@@ -10073,7 +10213,7 @@
                 <a:latin typeface="Arial" panose="020B0604020202020204" pitchFamily="34" charset="0"/>
                 <a:sym typeface="Arial" panose="020B0604020202020204" pitchFamily="34" charset="0"/>
               </a:rPr>
-              <a:t>4. Linear Regression</a:t>
+              <a:t>7. Linear Regression</a:t>
             </a:r>
             <a:endParaRPr lang="en-US" altLang="zh-CN" dirty="0">
               <a:latin typeface="Arial" panose="020B0604020202020204" pitchFamily="34" charset="0"/>
@@ -10985,6 +11125,1801 @@
 </file>
 
 <file path=ppt/slides/slide13.xml><?xml version="1.0" encoding="utf-8"?>
+<p:sld xmlns:a="http://schemas.openxmlformats.org/drawingml/2006/main" xmlns:r="http://schemas.openxmlformats.org/officeDocument/2006/relationships" xmlns:p="http://schemas.openxmlformats.org/presentationml/2006/main">
+  <p:cSld>
+    <p:spTree>
+      <p:nvGrpSpPr>
+        <p:cNvPr id="1" name=""/>
+        <p:cNvGrpSpPr/>
+        <p:nvPr/>
+      </p:nvGrpSpPr>
+      <p:grpSpPr>
+        <a:xfrm>
+          <a:off x="0" y="0"/>
+          <a:ext cx="0" cy="0"/>
+          <a:chOff x="0" y="0"/>
+          <a:chExt cx="0" cy="0"/>
+        </a:xfrm>
+      </p:grpSpPr>
+      <p:sp>
+        <p:nvSpPr>
+          <p:cNvPr id="4" name="矩形 12"/>
+          <p:cNvSpPr>
+            <a:spLocks noChangeArrowheads="1"/>
+          </p:cNvSpPr>
+          <p:nvPr/>
+        </p:nvSpPr>
+        <p:spPr bwMode="auto">
+          <a:xfrm>
+            <a:off x="385125" y="188641"/>
+            <a:ext cx="11568417" cy="583565"/>
+          </a:xfrm>
+          <a:prstGeom prst="rect">
+            <a:avLst/>
+          </a:prstGeom>
+          <a:noFill/>
+          <a:ln>
+            <a:noFill/>
+          </a:ln>
+          <a:extLst>
+            <a:ext uri="{909E8E84-426E-40DD-AFC4-6F175D3DCCD1}">
+              <a14:hiddenFill xmlns:a14="http://schemas.microsoft.com/office/drawing/2010/main">
+                <a:solidFill>
+                  <a:srgbClr val="FFFFFF"/>
+                </a:solidFill>
+              </a14:hiddenFill>
+            </a:ext>
+            <a:ext uri="{91240B29-F687-4F45-9708-019B960494DF}">
+              <a14:hiddenLine xmlns:a14="http://schemas.microsoft.com/office/drawing/2010/main" w="9525">
+                <a:solidFill>
+                  <a:srgbClr val="000000"/>
+                </a:solidFill>
+                <a:miter lim="800000"/>
+                <a:headEnd/>
+                <a:tailEnd/>
+              </a14:hiddenLine>
+            </a:ext>
+          </a:extLst>
+        </p:spPr>
+        <p:txBody>
+          <a:bodyPr wrap="square">
+            <a:spAutoFit/>
+          </a:bodyPr>
+          <a:lstStyle/>
+          <a:p>
+            <a:pPr marL="0" lvl="1" defTabSz="457200">
+              <a:buClr>
+                <a:srgbClr val="FF0000"/>
+              </a:buClr>
+              <a:buSzPct val="100000"/>
+            </a:pPr>
+            <a:r>
+              <a:rPr lang="en-US" altLang="zh-CN" sz="3200" b="1" dirty="0">
+                <a:solidFill>
+                  <a:schemeClr val="bg1"/>
+                </a:solidFill>
+                <a:latin typeface="Arial" panose="020B0604020202020204" pitchFamily="34" charset="0"/>
+                <a:ea typeface="微软雅黑" panose="020B0503020204020204" pitchFamily="34" charset="-122"/>
+                <a:cs typeface="+mn-ea"/>
+                <a:sym typeface="Arial" panose="020B0604020202020204" pitchFamily="34" charset="0"/>
+              </a:rPr>
+              <a:t>1.1</a:t>
+            </a:r>
+            <a:r>
+              <a:rPr lang="zh-CN" altLang="en-US" sz="3200" b="1" dirty="0">
+                <a:solidFill>
+                  <a:schemeClr val="bg1"/>
+                </a:solidFill>
+                <a:latin typeface="Arial" panose="020B0604020202020204" pitchFamily="34" charset="0"/>
+                <a:ea typeface="微软雅黑" panose="020B0503020204020204" pitchFamily="34" charset="-122"/>
+                <a:cs typeface="+mn-ea"/>
+                <a:sym typeface="Arial" panose="020B0604020202020204" pitchFamily="34" charset="0"/>
+              </a:rPr>
+              <a:t>染研究意义</a:t>
+            </a:r>
+            <a:endParaRPr lang="zh-CN" altLang="en-US" sz="3200" b="1" dirty="0">
+              <a:solidFill>
+                <a:schemeClr val="bg1"/>
+              </a:solidFill>
+              <a:latin typeface="Arial" panose="020B0604020202020204" pitchFamily="34" charset="0"/>
+              <a:ea typeface="微软雅黑" panose="020B0503020204020204" pitchFamily="34" charset="-122"/>
+              <a:cs typeface="+mn-ea"/>
+              <a:sym typeface="Arial" panose="020B0604020202020204" pitchFamily="34" charset="0"/>
+            </a:endParaRPr>
+          </a:p>
+        </p:txBody>
+      </p:sp>
+      <p:sp>
+        <p:nvSpPr>
+          <p:cNvPr id="3" name="标题 2"/>
+          <p:cNvSpPr>
+            <a:spLocks noGrp="1"/>
+          </p:cNvSpPr>
+          <p:nvPr>
+            <p:ph type="title"/>
+          </p:nvPr>
+        </p:nvSpPr>
+        <p:spPr/>
+        <p:txBody>
+          <a:bodyPr/>
+          <a:lstStyle/>
+          <a:p>
+            <a:r>
+              <a:rPr lang="en-US" altLang="zh-CN" dirty="0">
+                <a:latin typeface="Arial" panose="020B0604020202020204" pitchFamily="34" charset="0"/>
+                <a:sym typeface="Arial" panose="020B0604020202020204" pitchFamily="34" charset="0"/>
+              </a:rPr>
+              <a:t>7. Linear Regression</a:t>
+            </a:r>
+            <a:endParaRPr lang="en-US" altLang="zh-CN" dirty="0">
+              <a:latin typeface="Arial" panose="020B0604020202020204" pitchFamily="34" charset="0"/>
+              <a:sym typeface="Arial" panose="020B0604020202020204" pitchFamily="34" charset="0"/>
+            </a:endParaRPr>
+          </a:p>
+        </p:txBody>
+      </p:sp>
+      <p:sp>
+        <p:nvSpPr>
+          <p:cNvPr id="7" name="灯片编号占位符 6"/>
+          <p:cNvSpPr>
+            <a:spLocks noGrp="1"/>
+          </p:cNvSpPr>
+          <p:nvPr>
+            <p:ph type="sldNum" sz="quarter" idx="16"/>
+          </p:nvPr>
+        </p:nvSpPr>
+        <p:spPr/>
+        <p:txBody>
+          <a:bodyPr/>
+          <a:lstStyle/>
+          <a:p>
+            <a:pPr>
+              <a:defRPr/>
+            </a:pPr>
+            <a:fld id="{26F565BE-27A9-4834-BA3A-D46EFBA6086A}" type="slidenum">
+              <a:rPr lang="zh-CN" altLang="en-US" smtClean="0">
+                <a:latin typeface="Arial" panose="020B0604020202020204" pitchFamily="34" charset="0"/>
+                <a:sym typeface="Arial" panose="020B0604020202020204" pitchFamily="34" charset="0"/>
+              </a:rPr>
+            </a:fld>
+            <a:endParaRPr lang="zh-CN" altLang="en-US" dirty="0">
+              <a:latin typeface="Arial" panose="020B0604020202020204" pitchFamily="34" charset="0"/>
+              <a:sym typeface="Arial" panose="020B0604020202020204" pitchFamily="34" charset="0"/>
+            </a:endParaRPr>
+          </a:p>
+        </p:txBody>
+      </p:sp>
+      <p:cxnSp>
+        <p:nvCxnSpPr>
+          <p:cNvPr id="8" name="直接连接符 7"/>
+          <p:cNvCxnSpPr/>
+          <p:nvPr/>
+        </p:nvCxnSpPr>
+        <p:spPr>
+          <a:xfrm>
+            <a:off x="0" y="824357"/>
+            <a:ext cx="3877337" cy="0"/>
+          </a:xfrm>
+          <a:prstGeom prst="line">
+            <a:avLst/>
+          </a:prstGeom>
+          <a:ln w="31750">
+            <a:gradFill flip="none" rotWithShape="1">
+              <a:gsLst>
+                <a:gs pos="0">
+                  <a:schemeClr val="accent1">
+                    <a:lumMod val="40000"/>
+                    <a:lumOff val="60000"/>
+                  </a:schemeClr>
+                </a:gs>
+                <a:gs pos="46000">
+                  <a:schemeClr val="accent1">
+                    <a:lumMod val="40000"/>
+                    <a:lumOff val="60000"/>
+                  </a:schemeClr>
+                </a:gs>
+                <a:gs pos="100000">
+                  <a:schemeClr val="accent1">
+                    <a:lumMod val="75000"/>
+                  </a:schemeClr>
+                </a:gs>
+              </a:gsLst>
+              <a:lin ang="10800000" scaled="0"/>
+              <a:tileRect/>
+            </a:gradFill>
+          </a:ln>
+        </p:spPr>
+        <p:style>
+          <a:lnRef idx="3">
+            <a:schemeClr val="dk1"/>
+          </a:lnRef>
+          <a:fillRef idx="0">
+            <a:schemeClr val="dk1"/>
+          </a:fillRef>
+          <a:effectRef idx="2">
+            <a:schemeClr val="dk1"/>
+          </a:effectRef>
+          <a:fontRef idx="minor">
+            <a:schemeClr val="tx1"/>
+          </a:fontRef>
+        </p:style>
+      </p:cxnSp>
+      <p:pic>
+        <p:nvPicPr>
+          <p:cNvPr id="16" name="图片 15"/>
+          <p:cNvPicPr/>
+          <p:nvPr/>
+        </p:nvPicPr>
+        <p:blipFill>
+          <a:blip r:embed="rId1"/>
+        </p:blipFill>
+        <p:spPr>
+          <a:xfrm>
+            <a:off x="6931025" y="4526280"/>
+            <a:ext cx="3848099" cy="1333500"/>
+          </a:xfrm>
+          <a:prstGeom prst="rect">
+            <a:avLst/>
+          </a:prstGeom>
+          <a:ln w="25400" cmpd="sng">
+            <a:solidFill>
+              <a:srgbClr val="FF0000"/>
+            </a:solidFill>
+            <a:prstDash val="solid"/>
+          </a:ln>
+          <a:effectLst>
+            <a:outerShdw blurRad="50800" dist="38100" dir="2700000" algn="tl" rotWithShape="0">
+              <a:prstClr val="black">
+                <a:alpha val="40000"/>
+              </a:prstClr>
+            </a:outerShdw>
+          </a:effectLst>
+        </p:spPr>
+      </p:pic>
+      <p:sp>
+        <p:nvSpPr>
+          <p:cNvPr id="24" name="文本框 23"/>
+          <p:cNvSpPr txBox="1"/>
+          <p:nvPr/>
+        </p:nvSpPr>
+        <p:spPr>
+          <a:xfrm>
+            <a:off x="911860" y="1102995"/>
+            <a:ext cx="5873750" cy="368300"/>
+          </a:xfrm>
+          <a:prstGeom prst="rect">
+            <a:avLst/>
+          </a:prstGeom>
+          <a:noFill/>
+        </p:spPr>
+        <p:txBody>
+          <a:bodyPr wrap="square" rtlCol="0" anchor="t">
+            <a:spAutoFit/>
+          </a:bodyPr>
+          <a:p>
+            <a:r>
+              <a:rPr lang="zh-CN" altLang="en-US"/>
+              <a:t>https://en.wikipedia.org/wiki/Stochastic_gradient_descent</a:t>
+            </a:r>
+            <a:endParaRPr lang="zh-CN" altLang="en-US"/>
+          </a:p>
+        </p:txBody>
+      </p:sp>
+      <p:pic>
+        <p:nvPicPr>
+          <p:cNvPr id="25" name="图片 24"/>
+          <p:cNvPicPr>
+            <a:picLocks noChangeAspect="1"/>
+          </p:cNvPicPr>
+          <p:nvPr/>
+        </p:nvPicPr>
+        <p:blipFill>
+          <a:blip r:embed="rId2"/>
+          <a:stretch>
+            <a:fillRect/>
+          </a:stretch>
+        </p:blipFill>
+        <p:spPr>
+          <a:xfrm>
+            <a:off x="173355" y="1960245"/>
+            <a:ext cx="7350760" cy="1762125"/>
+          </a:xfrm>
+          <a:prstGeom prst="rect">
+            <a:avLst/>
+          </a:prstGeom>
+        </p:spPr>
+      </p:pic>
+      <p:cxnSp>
+        <p:nvCxnSpPr>
+          <p:cNvPr id="26" name="直接箭头连接符 25"/>
+          <p:cNvCxnSpPr>
+            <a:stCxn id="16" idx="1"/>
+            <a:endCxn id="27" idx="0"/>
+          </p:cNvCxnSpPr>
+          <p:nvPr/>
+        </p:nvCxnSpPr>
+        <p:spPr>
+          <a:xfrm flipH="1">
+            <a:off x="3634740" y="5193030"/>
+            <a:ext cx="3296285" cy="548640"/>
+          </a:xfrm>
+          <a:prstGeom prst="straightConnector1">
+            <a:avLst/>
+          </a:prstGeom>
+          <a:ln w="22225" cmpd="sng">
+            <a:solidFill>
+              <a:schemeClr val="accent1">
+                <a:shade val="50000"/>
+              </a:schemeClr>
+            </a:solidFill>
+            <a:prstDash val="sysDot"/>
+            <a:tailEnd type="arrow"/>
+          </a:ln>
+        </p:spPr>
+        <p:style>
+          <a:lnRef idx="2">
+            <a:schemeClr val="accent1"/>
+          </a:lnRef>
+          <a:fillRef idx="0">
+            <a:srgbClr val="FFFFFF"/>
+          </a:fillRef>
+          <a:effectRef idx="0">
+            <a:srgbClr val="FFFFFF"/>
+          </a:effectRef>
+          <a:fontRef idx="minor">
+            <a:schemeClr val="tx1"/>
+          </a:fontRef>
+        </p:style>
+      </p:cxnSp>
+      <p:sp>
+        <p:nvSpPr>
+          <p:cNvPr id="27" name="标题 2"/>
+          <p:cNvSpPr txBox="1"/>
+          <p:nvPr/>
+        </p:nvSpPr>
+        <p:spPr>
+          <a:xfrm>
+            <a:off x="1617345" y="5741670"/>
+            <a:ext cx="4034155" cy="650875"/>
+          </a:xfrm>
+          <a:prstGeom prst="rect">
+            <a:avLst/>
+          </a:prstGeom>
+        </p:spPr>
+        <p:txBody>
+          <a:bodyPr vert="horz" lIns="91440" tIns="45720" rIns="91440" bIns="45720" rtlCol="0" anchor="ctr">
+            <a:noAutofit/>
+          </a:bodyPr>
+          <a:lstStyle>
+            <a:lvl1pPr marL="0" algn="l" defTabSz="685800" rtl="0" eaLnBrk="1" latinLnBrk="0" hangingPunct="1">
+              <a:lnSpc>
+                <a:spcPct val="100000"/>
+              </a:lnSpc>
+              <a:spcBef>
+                <a:spcPct val="0"/>
+              </a:spcBef>
+              <a:buNone/>
+              <a:defRPr lang="en-US" sz="3200" b="1" kern="1200" dirty="0">
+                <a:solidFill>
+                  <a:srgbClr val="002060"/>
+                </a:solidFill>
+                <a:latin typeface="微软雅黑" panose="020B0503020204020204" pitchFamily="34" charset="-122"/>
+                <a:ea typeface="微软雅黑" panose="020B0503020204020204" pitchFamily="34" charset="-122"/>
+                <a:cs typeface="+mn-cs"/>
+              </a:defRPr>
+            </a:lvl1pPr>
+          </a:lstStyle>
+          <a:p>
+            <a:r>
+              <a:rPr lang="zh-CN" altLang="en-US" sz="2000" dirty="0">
+                <a:latin typeface="Arial" panose="020B0604020202020204" pitchFamily="34" charset="0"/>
+                <a:sym typeface="Arial" panose="020B0604020202020204" pitchFamily="34" charset="0"/>
+              </a:rPr>
+              <a:t>损失函数：</a:t>
+            </a:r>
+            <a:r>
+              <a:rPr altLang="zh-CN" sz="2000" dirty="0">
+                <a:solidFill>
+                  <a:srgbClr val="FF0000"/>
+                </a:solidFill>
+                <a:latin typeface="Arial" panose="020B0604020202020204" pitchFamily="34" charset="0"/>
+                <a:sym typeface="Arial" panose="020B0604020202020204" pitchFamily="34" charset="0"/>
+              </a:rPr>
+              <a:t>Mean Squared Error</a:t>
+            </a:r>
+            <a:endParaRPr altLang="zh-CN" sz="2000" dirty="0">
+              <a:solidFill>
+                <a:srgbClr val="FF0000"/>
+              </a:solidFill>
+              <a:latin typeface="Arial" panose="020B0604020202020204" pitchFamily="34" charset="0"/>
+              <a:sym typeface="Arial" panose="020B0604020202020204" pitchFamily="34" charset="0"/>
+            </a:endParaRPr>
+          </a:p>
+        </p:txBody>
+      </p:sp>
+      <p:sp>
+        <p:nvSpPr>
+          <p:cNvPr id="28" name="标题 2"/>
+          <p:cNvSpPr txBox="1"/>
+          <p:nvPr/>
+        </p:nvSpPr>
+        <p:spPr>
+          <a:xfrm>
+            <a:off x="8237220" y="1750695"/>
+            <a:ext cx="3109595" cy="2181225"/>
+          </a:xfrm>
+          <a:prstGeom prst="rect">
+            <a:avLst/>
+          </a:prstGeom>
+        </p:spPr>
+        <p:txBody>
+          <a:bodyPr vert="horz" lIns="91440" tIns="45720" rIns="91440" bIns="45720" rtlCol="0" anchor="ctr">
+            <a:noAutofit/>
+          </a:bodyPr>
+          <a:lstStyle>
+            <a:lvl1pPr marL="0" algn="l" defTabSz="685800" rtl="0" eaLnBrk="1" latinLnBrk="0" hangingPunct="1">
+              <a:lnSpc>
+                <a:spcPct val="100000"/>
+              </a:lnSpc>
+              <a:spcBef>
+                <a:spcPct val="0"/>
+              </a:spcBef>
+              <a:buNone/>
+              <a:defRPr lang="en-US" sz="3200" b="1" kern="1200" dirty="0">
+                <a:solidFill>
+                  <a:srgbClr val="002060"/>
+                </a:solidFill>
+                <a:latin typeface="微软雅黑" panose="020B0503020204020204" pitchFamily="34" charset="-122"/>
+                <a:ea typeface="微软雅黑" panose="020B0503020204020204" pitchFamily="34" charset="-122"/>
+                <a:cs typeface="+mn-cs"/>
+              </a:defRPr>
+            </a:lvl1pPr>
+          </a:lstStyle>
+          <a:p>
+            <a:r>
+              <a:rPr lang="zh-CN" altLang="en-US" sz="2000" dirty="0">
+                <a:latin typeface="Arial" panose="020B0604020202020204" pitchFamily="34" charset="0"/>
+                <a:sym typeface="Arial" panose="020B0604020202020204" pitchFamily="34" charset="0"/>
+              </a:rPr>
+              <a:t>并不是把所有的样本误差计算完之后统一进行梯度下降，我们参考这个思想，选取</a:t>
+            </a:r>
+            <a:r>
+              <a:rPr lang="zh-CN" altLang="en-US" sz="2000" dirty="0">
+                <a:solidFill>
+                  <a:srgbClr val="FF0000"/>
+                </a:solidFill>
+                <a:latin typeface="Arial" panose="020B0604020202020204" pitchFamily="34" charset="0"/>
+                <a:sym typeface="Arial" panose="020B0604020202020204" pitchFamily="34" charset="0"/>
+              </a:rPr>
+              <a:t>一个批次</a:t>
+            </a:r>
+            <a:r>
+              <a:rPr lang="zh-CN" altLang="en-US" sz="2000" dirty="0">
+                <a:latin typeface="Arial" panose="020B0604020202020204" pitchFamily="34" charset="0"/>
+                <a:sym typeface="Arial" panose="020B0604020202020204" pitchFamily="34" charset="0"/>
+              </a:rPr>
+              <a:t>，然后进行梯度</a:t>
+            </a:r>
+            <a:r>
+              <a:rPr lang="zh-CN" altLang="en-US" sz="2000" dirty="0">
+                <a:latin typeface="Arial" panose="020B0604020202020204" pitchFamily="34" charset="0"/>
+                <a:sym typeface="Arial" panose="020B0604020202020204" pitchFamily="34" charset="0"/>
+              </a:rPr>
+              <a:t>下降</a:t>
+            </a:r>
+            <a:endParaRPr lang="zh-CN" altLang="en-US" sz="2000" dirty="0">
+              <a:latin typeface="Arial" panose="020B0604020202020204" pitchFamily="34" charset="0"/>
+              <a:sym typeface="Arial" panose="020B0604020202020204" pitchFamily="34" charset="0"/>
+            </a:endParaRPr>
+          </a:p>
+        </p:txBody>
+      </p:sp>
+    </p:spTree>
+  </p:cSld>
+  <p:clrMapOvr>
+    <a:masterClrMapping/>
+  </p:clrMapOvr>
+  <p:transition advClick="0" advTm="0"/>
+</p:sld>
+</file>
+
+<file path=ppt/slides/slide14.xml><?xml version="1.0" encoding="utf-8"?>
+<p:sld xmlns:a="http://schemas.openxmlformats.org/drawingml/2006/main" xmlns:r="http://schemas.openxmlformats.org/officeDocument/2006/relationships" xmlns:p="http://schemas.openxmlformats.org/presentationml/2006/main">
+  <p:cSld>
+    <p:spTree>
+      <p:nvGrpSpPr>
+        <p:cNvPr id="1" name=""/>
+        <p:cNvGrpSpPr/>
+        <p:nvPr/>
+      </p:nvGrpSpPr>
+      <p:grpSpPr>
+        <a:xfrm>
+          <a:off x="0" y="0"/>
+          <a:ext cx="0" cy="0"/>
+          <a:chOff x="0" y="0"/>
+          <a:chExt cx="0" cy="0"/>
+        </a:xfrm>
+      </p:grpSpPr>
+      <p:sp>
+        <p:nvSpPr>
+          <p:cNvPr id="4" name="矩形 12"/>
+          <p:cNvSpPr>
+            <a:spLocks noChangeArrowheads="1"/>
+          </p:cNvSpPr>
+          <p:nvPr/>
+        </p:nvSpPr>
+        <p:spPr bwMode="auto">
+          <a:xfrm>
+            <a:off x="385125" y="188641"/>
+            <a:ext cx="11568417" cy="583565"/>
+          </a:xfrm>
+          <a:prstGeom prst="rect">
+            <a:avLst/>
+          </a:prstGeom>
+          <a:noFill/>
+          <a:ln>
+            <a:noFill/>
+          </a:ln>
+          <a:extLst>
+            <a:ext uri="{909E8E84-426E-40DD-AFC4-6F175D3DCCD1}">
+              <a14:hiddenFill xmlns:a14="http://schemas.microsoft.com/office/drawing/2010/main">
+                <a:solidFill>
+                  <a:srgbClr val="FFFFFF"/>
+                </a:solidFill>
+              </a14:hiddenFill>
+            </a:ext>
+            <a:ext uri="{91240B29-F687-4F45-9708-019B960494DF}">
+              <a14:hiddenLine xmlns:a14="http://schemas.microsoft.com/office/drawing/2010/main" w="9525">
+                <a:solidFill>
+                  <a:srgbClr val="000000"/>
+                </a:solidFill>
+                <a:miter lim="800000"/>
+                <a:headEnd/>
+                <a:tailEnd/>
+              </a14:hiddenLine>
+            </a:ext>
+          </a:extLst>
+        </p:spPr>
+        <p:txBody>
+          <a:bodyPr wrap="square">
+            <a:spAutoFit/>
+          </a:bodyPr>
+          <a:lstStyle/>
+          <a:p>
+            <a:pPr marL="0" lvl="1" defTabSz="457200">
+              <a:buClr>
+                <a:srgbClr val="FF0000"/>
+              </a:buClr>
+              <a:buSzPct val="100000"/>
+            </a:pPr>
+            <a:r>
+              <a:rPr lang="en-US" altLang="zh-CN" sz="3200" b="1" dirty="0">
+                <a:solidFill>
+                  <a:schemeClr val="bg1"/>
+                </a:solidFill>
+                <a:latin typeface="Arial" panose="020B0604020202020204" pitchFamily="34" charset="0"/>
+                <a:ea typeface="微软雅黑" panose="020B0503020204020204" pitchFamily="34" charset="-122"/>
+                <a:cs typeface="+mn-ea"/>
+                <a:sym typeface="Arial" panose="020B0604020202020204" pitchFamily="34" charset="0"/>
+              </a:rPr>
+              <a:t>1.1</a:t>
+            </a:r>
+            <a:r>
+              <a:rPr lang="zh-CN" altLang="en-US" sz="3200" b="1" dirty="0">
+                <a:solidFill>
+                  <a:schemeClr val="bg1"/>
+                </a:solidFill>
+                <a:latin typeface="Arial" panose="020B0604020202020204" pitchFamily="34" charset="0"/>
+                <a:ea typeface="微软雅黑" panose="020B0503020204020204" pitchFamily="34" charset="-122"/>
+                <a:cs typeface="+mn-ea"/>
+                <a:sym typeface="Arial" panose="020B0604020202020204" pitchFamily="34" charset="0"/>
+              </a:rPr>
+              <a:t>染研究意义</a:t>
+            </a:r>
+            <a:endParaRPr lang="zh-CN" altLang="en-US" sz="3200" b="1" dirty="0">
+              <a:solidFill>
+                <a:schemeClr val="bg1"/>
+              </a:solidFill>
+              <a:latin typeface="Arial" panose="020B0604020202020204" pitchFamily="34" charset="0"/>
+              <a:ea typeface="微软雅黑" panose="020B0503020204020204" pitchFamily="34" charset="-122"/>
+              <a:cs typeface="+mn-ea"/>
+              <a:sym typeface="Arial" panose="020B0604020202020204" pitchFamily="34" charset="0"/>
+            </a:endParaRPr>
+          </a:p>
+        </p:txBody>
+      </p:sp>
+      <p:sp>
+        <p:nvSpPr>
+          <p:cNvPr id="3" name="标题 2"/>
+          <p:cNvSpPr>
+            <a:spLocks noGrp="1"/>
+          </p:cNvSpPr>
+          <p:nvPr>
+            <p:ph type="title"/>
+          </p:nvPr>
+        </p:nvSpPr>
+        <p:spPr/>
+        <p:txBody>
+          <a:bodyPr/>
+          <a:lstStyle/>
+          <a:p>
+            <a:r>
+              <a:rPr lang="en-US" altLang="zh-CN" dirty="0">
+                <a:latin typeface="Arial" panose="020B0604020202020204" pitchFamily="34" charset="0"/>
+                <a:sym typeface="Arial" panose="020B0604020202020204" pitchFamily="34" charset="0"/>
+              </a:rPr>
+              <a:t>8. SOFTMAX </a:t>
+            </a:r>
+            <a:endParaRPr lang="zh-CN" altLang="en-US" dirty="0">
+              <a:latin typeface="Arial" panose="020B0604020202020204" pitchFamily="34" charset="0"/>
+              <a:sym typeface="Arial" panose="020B0604020202020204" pitchFamily="34" charset="0"/>
+            </a:endParaRPr>
+          </a:p>
+        </p:txBody>
+      </p:sp>
+      <p:sp>
+        <p:nvSpPr>
+          <p:cNvPr id="7" name="灯片编号占位符 6"/>
+          <p:cNvSpPr>
+            <a:spLocks noGrp="1"/>
+          </p:cNvSpPr>
+          <p:nvPr>
+            <p:ph type="sldNum" sz="quarter" idx="16"/>
+          </p:nvPr>
+        </p:nvSpPr>
+        <p:spPr/>
+        <p:txBody>
+          <a:bodyPr/>
+          <a:lstStyle/>
+          <a:p>
+            <a:pPr>
+              <a:defRPr/>
+            </a:pPr>
+            <a:fld id="{26F565BE-27A9-4834-BA3A-D46EFBA6086A}" type="slidenum">
+              <a:rPr lang="zh-CN" altLang="en-US" smtClean="0">
+                <a:latin typeface="Arial" panose="020B0604020202020204" pitchFamily="34" charset="0"/>
+                <a:sym typeface="Arial" panose="020B0604020202020204" pitchFamily="34" charset="0"/>
+              </a:rPr>
+            </a:fld>
+            <a:endParaRPr lang="zh-CN" altLang="en-US" dirty="0">
+              <a:latin typeface="Arial" panose="020B0604020202020204" pitchFamily="34" charset="0"/>
+              <a:sym typeface="Arial" panose="020B0604020202020204" pitchFamily="34" charset="0"/>
+            </a:endParaRPr>
+          </a:p>
+        </p:txBody>
+      </p:sp>
+      <p:cxnSp>
+        <p:nvCxnSpPr>
+          <p:cNvPr id="8" name="直接连接符 7"/>
+          <p:cNvCxnSpPr/>
+          <p:nvPr/>
+        </p:nvCxnSpPr>
+        <p:spPr>
+          <a:xfrm>
+            <a:off x="0" y="824357"/>
+            <a:ext cx="3877337" cy="0"/>
+          </a:xfrm>
+          <a:prstGeom prst="line">
+            <a:avLst/>
+          </a:prstGeom>
+          <a:ln w="31750">
+            <a:gradFill flip="none" rotWithShape="1">
+              <a:gsLst>
+                <a:gs pos="0">
+                  <a:schemeClr val="accent1">
+                    <a:lumMod val="40000"/>
+                    <a:lumOff val="60000"/>
+                  </a:schemeClr>
+                </a:gs>
+                <a:gs pos="46000">
+                  <a:schemeClr val="accent1">
+                    <a:lumMod val="40000"/>
+                    <a:lumOff val="60000"/>
+                  </a:schemeClr>
+                </a:gs>
+                <a:gs pos="100000">
+                  <a:schemeClr val="accent1">
+                    <a:lumMod val="75000"/>
+                  </a:schemeClr>
+                </a:gs>
+              </a:gsLst>
+              <a:lin ang="10800000" scaled="0"/>
+              <a:tileRect/>
+            </a:gradFill>
+          </a:ln>
+        </p:spPr>
+        <p:style>
+          <a:lnRef idx="3">
+            <a:schemeClr val="dk1"/>
+          </a:lnRef>
+          <a:fillRef idx="0">
+            <a:schemeClr val="dk1"/>
+          </a:fillRef>
+          <a:effectRef idx="2">
+            <a:schemeClr val="dk1"/>
+          </a:effectRef>
+          <a:fontRef idx="minor">
+            <a:schemeClr val="tx1"/>
+          </a:fontRef>
+        </p:style>
+      </p:cxnSp>
+      <p:pic>
+        <p:nvPicPr>
+          <p:cNvPr id="11" name="图片 10"/>
+          <p:cNvPicPr/>
+          <p:nvPr/>
+        </p:nvPicPr>
+        <p:blipFill>
+          <a:blip r:embed="rId1"/>
+        </p:blipFill>
+        <p:spPr>
+          <a:xfrm>
+            <a:off x="6607175" y="1393825"/>
+            <a:ext cx="4448175" cy="3072130"/>
+          </a:xfrm>
+          <a:prstGeom prst="rect">
+            <a:avLst/>
+          </a:prstGeom>
+          <a:ln w="28575" cmpd="sng">
+            <a:solidFill>
+              <a:schemeClr val="accent1">
+                <a:shade val="50000"/>
+              </a:schemeClr>
+            </a:solidFill>
+            <a:prstDash val="lgDashDot"/>
+          </a:ln>
+          <a:effectLst>
+            <a:reflection blurRad="6350" stA="50000" endA="300" endPos="38500" dist="50800" dir="5400000" sy="-100000" algn="bl" rotWithShape="0"/>
+          </a:effectLst>
+        </p:spPr>
+      </p:pic>
+      <p:sp>
+        <p:nvSpPr>
+          <p:cNvPr id="14" name="文本框 13"/>
+          <p:cNvSpPr txBox="1"/>
+          <p:nvPr/>
+        </p:nvSpPr>
+        <p:spPr>
+          <a:xfrm>
+            <a:off x="462280" y="-403225"/>
+            <a:ext cx="2025015" cy="361315"/>
+          </a:xfrm>
+          <a:prstGeom prst="rect">
+            <a:avLst/>
+          </a:prstGeom>
+        </p:spPr>
+        <p:txBody>
+          <a:bodyPr/>
+          <a:p>
+            <a:endParaRPr sz="1600"/>
+          </a:p>
+        </p:txBody>
+      </p:sp>
+      <mc:AlternateContent xmlns:mc="http://schemas.openxmlformats.org/markup-compatibility/2006">
+        <mc:Choice xmlns:a14="http://schemas.microsoft.com/office/drawing/2010/main" Requires="a14">
+          <p:sp>
+            <p:nvSpPr>
+              <p:cNvPr id="18" name="标题 2"/>
+              <p:cNvSpPr txBox="1"/>
+              <p:nvPr/>
+            </p:nvSpPr>
+            <p:spPr>
+              <a:xfrm>
+                <a:off x="462280" y="2605405"/>
+                <a:ext cx="4697095" cy="1647190"/>
+              </a:xfrm>
+              <a:prstGeom prst="rect">
+                <a:avLst/>
+              </a:prstGeom>
+              <a:ln w="19050" cmpd="sng">
+                <a:solidFill>
+                  <a:srgbClr val="FF0000"/>
+                </a:solidFill>
+                <a:prstDash val="solid"/>
+              </a:ln>
+            </p:spPr>
+            <p:txBody>
+              <a:bodyPr vert="horz" lIns="91440" tIns="45720" rIns="91440" bIns="45720" rtlCol="0" anchor="ctr">
+                <a:noAutofit/>
+              </a:bodyPr>
+              <a:lstStyle>
+                <a:lvl1pPr marL="0" algn="l" defTabSz="685800" rtl="0" eaLnBrk="1" latinLnBrk="0" hangingPunct="1">
+                  <a:lnSpc>
+                    <a:spcPct val="100000"/>
+                  </a:lnSpc>
+                  <a:spcBef>
+                    <a:spcPct val="0"/>
+                  </a:spcBef>
+                  <a:buNone/>
+                  <a:defRPr lang="en-US" sz="3200" b="1" kern="1200" dirty="0">
+                    <a:solidFill>
+                      <a:srgbClr val="002060"/>
+                    </a:solidFill>
+                    <a:latin typeface="微软雅黑" panose="020B0503020204020204" pitchFamily="34" charset="-122"/>
+                    <a:ea typeface="微软雅黑" panose="020B0503020204020204" pitchFamily="34" charset="-122"/>
+                    <a:cs typeface="+mn-cs"/>
+                  </a:defRPr>
+                </a:lvl1pPr>
+              </a:lstStyle>
+              <a:p>
+                <a14:m>
+                  <m:oMathPara xmlns:m="http://schemas.openxmlformats.org/officeDocument/2006/math">
+                    <m:oMathParaPr>
+                      <m:jc m:val="centerGroup"/>
+                    </m:oMathParaPr>
+                    <m:oMath xmlns:m="http://schemas.openxmlformats.org/officeDocument/2006/math">
+                      <m:r>
+                        <a:rPr altLang="zh-CN" sz="2000" i="1" dirty="0">
+                          <a:latin typeface="Cambria Math" panose="02040503050406030204" charset="0"/>
+                          <a:cs typeface="Cambria Math" panose="02040503050406030204" charset="0"/>
+                          <a:sym typeface="Arial" panose="020B0604020202020204" pitchFamily="34" charset="0"/>
+                        </a:rPr>
+                        <m:t>H</m:t>
+                      </m:r>
+                      <m:d>
+                        <m:dPr>
+                          <m:ctrlPr>
+                            <a:rPr altLang="zh-CN" sz="2000" i="1" dirty="0">
+                              <a:latin typeface="Cambria Math" panose="02040503050406030204" charset="0"/>
+                              <a:cs typeface="Cambria Math" panose="02040503050406030204" charset="0"/>
+                              <a:sym typeface="Arial" panose="020B0604020202020204" pitchFamily="34" charset="0"/>
+                            </a:rPr>
+                          </m:ctrlPr>
+                        </m:dPr>
+                        <m:e>
+                          <m:sSup>
+                            <m:sSupPr>
+                              <m:ctrlPr>
+                                <a:rPr altLang="zh-CN" sz="2000" i="1" dirty="0">
+                                  <a:latin typeface="Cambria Math" panose="02040503050406030204" charset="0"/>
+                                  <a:cs typeface="Cambria Math" panose="02040503050406030204" charset="0"/>
+                                  <a:sym typeface="Arial" panose="020B0604020202020204" pitchFamily="34" charset="0"/>
+                                </a:rPr>
+                              </m:ctrlPr>
+                            </m:sSupPr>
+                            <m:e>
+                              <m:r>
+                                <a:rPr altLang="zh-CN" sz="2000" i="1" dirty="0">
+                                  <a:latin typeface="Cambria Math" panose="02040503050406030204" charset="0"/>
+                                  <a:cs typeface="Cambria Math" panose="02040503050406030204" charset="0"/>
+                                  <a:sym typeface="Arial" panose="020B0604020202020204" pitchFamily="34" charset="0"/>
+                                </a:rPr>
+                                <m:t>𝒚</m:t>
+                              </m:r>
+                            </m:e>
+                            <m:sup>
+                              <m:r>
+                                <a:rPr altLang="zh-CN" sz="2000" i="1" dirty="0">
+                                  <a:latin typeface="Cambria Math" panose="02040503050406030204" charset="0"/>
+                                  <a:cs typeface="Cambria Math" panose="02040503050406030204" charset="0"/>
+                                  <a:sym typeface="Arial" panose="020B0604020202020204" pitchFamily="34" charset="0"/>
+                                </a:rPr>
+                                <m:t>(</m:t>
+                              </m:r>
+                              <m:r>
+                                <a:rPr altLang="zh-CN" sz="2000" i="1" dirty="0">
+                                  <a:latin typeface="Cambria Math" panose="02040503050406030204" charset="0"/>
+                                  <a:cs typeface="Cambria Math" panose="02040503050406030204" charset="0"/>
+                                  <a:sym typeface="Arial" panose="020B0604020202020204" pitchFamily="34" charset="0"/>
+                                </a:rPr>
+                                <m:t>𝒊</m:t>
+                              </m:r>
+                              <m:r>
+                                <a:rPr altLang="zh-CN" sz="2000" i="1" dirty="0">
+                                  <a:latin typeface="Cambria Math" panose="02040503050406030204" charset="0"/>
+                                  <a:cs typeface="Cambria Math" panose="02040503050406030204" charset="0"/>
+                                  <a:sym typeface="Arial" panose="020B0604020202020204" pitchFamily="34" charset="0"/>
+                                </a:rPr>
+                                <m:t>)</m:t>
+                              </m:r>
+                            </m:sup>
+                          </m:sSup>
+                          <m:r>
+                            <a:rPr altLang="zh-CN" sz="2000" i="1" dirty="0">
+                              <a:latin typeface="Cambria Math" panose="02040503050406030204" charset="0"/>
+                              <a:cs typeface="Cambria Math" panose="02040503050406030204" charset="0"/>
+                              <a:sym typeface="Arial" panose="020B0604020202020204" pitchFamily="34" charset="0"/>
+                            </a:rPr>
+                            <m:t>, </m:t>
+                          </m:r>
+                          <m:sSup>
+                            <m:sSupPr>
+                              <m:ctrlPr>
+                                <a:rPr altLang="zh-CN" sz="2000" i="1" dirty="0">
+                                  <a:latin typeface="Cambria Math" panose="02040503050406030204" charset="0"/>
+                                  <a:cs typeface="Cambria Math" panose="02040503050406030204" charset="0"/>
+                                  <a:sym typeface="Arial" panose="020B0604020202020204" pitchFamily="34" charset="0"/>
+                                </a:rPr>
+                              </m:ctrlPr>
+                            </m:sSupPr>
+                            <m:e>
+                              <m:acc>
+                                <m:accPr>
+                                  <m:ctrlPr>
+                                    <a:rPr altLang="zh-CN" sz="2000" i="1" dirty="0">
+                                      <a:latin typeface="Cambria Math" panose="02040503050406030204" charset="0"/>
+                                      <a:cs typeface="Cambria Math" panose="02040503050406030204" charset="0"/>
+                                      <a:sym typeface="Arial" panose="020B0604020202020204" pitchFamily="34" charset="0"/>
+                                    </a:rPr>
+                                  </m:ctrlPr>
+                                </m:accPr>
+                                <m:e>
+                                  <m:r>
+                                    <a:rPr altLang="zh-CN" sz="2000" i="1" dirty="0">
+                                      <a:latin typeface="Cambria Math" panose="02040503050406030204" charset="0"/>
+                                      <a:cs typeface="Cambria Math" panose="02040503050406030204" charset="0"/>
+                                      <a:sym typeface="Arial" panose="020B0604020202020204" pitchFamily="34" charset="0"/>
+                                    </a:rPr>
+                                    <m:t>𝒚</m:t>
+                                  </m:r>
+                                </m:e>
+                              </m:acc>
+                            </m:e>
+                            <m:sup>
+                              <m:r>
+                                <a:rPr altLang="zh-CN" sz="2000" i="1" dirty="0">
+                                  <a:latin typeface="Cambria Math" panose="02040503050406030204" charset="0"/>
+                                  <a:cs typeface="Cambria Math" panose="02040503050406030204" charset="0"/>
+                                  <a:sym typeface="Arial" panose="020B0604020202020204" pitchFamily="34" charset="0"/>
+                                </a:rPr>
+                                <m:t>(</m:t>
+                              </m:r>
+                              <m:r>
+                                <a:rPr altLang="zh-CN" sz="2000" i="1" dirty="0">
+                                  <a:latin typeface="Cambria Math" panose="02040503050406030204" charset="0"/>
+                                  <a:cs typeface="Cambria Math" panose="02040503050406030204" charset="0"/>
+                                  <a:sym typeface="Arial" panose="020B0604020202020204" pitchFamily="34" charset="0"/>
+                                </a:rPr>
+                                <m:t>𝒊</m:t>
+                              </m:r>
+                              <m:r>
+                                <a:rPr altLang="zh-CN" sz="2000" i="1" dirty="0">
+                                  <a:latin typeface="Cambria Math" panose="02040503050406030204" charset="0"/>
+                                  <a:cs typeface="Cambria Math" panose="02040503050406030204" charset="0"/>
+                                  <a:sym typeface="Arial" panose="020B0604020202020204" pitchFamily="34" charset="0"/>
+                                </a:rPr>
+                                <m:t>)</m:t>
+                              </m:r>
+                            </m:sup>
+                          </m:sSup>
+                        </m:e>
+                      </m:d>
+                      <m:r>
+                        <a:rPr altLang="zh-CN" sz="2000" i="1" dirty="0">
+                          <a:latin typeface="Cambria Math" panose="02040503050406030204" charset="0"/>
+                          <a:cs typeface="Cambria Math" panose="02040503050406030204" charset="0"/>
+                          <a:sym typeface="Arial" panose="020B0604020202020204" pitchFamily="34" charset="0"/>
+                        </a:rPr>
+                        <m:t> = </m:t>
+                      </m:r>
+                      <m:r>
+                        <a:rPr altLang="zh-CN" sz="2000" i="1" dirty="0">
+                          <a:latin typeface="Cambria Math" panose="02040503050406030204" charset="0"/>
+                          <a:cs typeface="Cambria Math" panose="02040503050406030204" charset="0"/>
+                          <a:sym typeface="Arial" panose="020B0604020202020204" pitchFamily="34" charset="0"/>
+                        </a:rPr>
+                        <m:t>−</m:t>
+                      </m:r>
+                      <m:nary>
+                        <m:naryPr>
+                          <m:chr m:val="∑"/>
+                          <m:limLoc m:val="subSup"/>
+                          <m:ctrlPr>
+                            <a:rPr altLang="zh-CN" sz="2000" i="1" dirty="0">
+                              <a:latin typeface="Cambria Math" panose="02040503050406030204" charset="0"/>
+                              <a:cs typeface="Cambria Math" panose="02040503050406030204" charset="0"/>
+                              <a:sym typeface="Arial" panose="020B0604020202020204" pitchFamily="34" charset="0"/>
+                            </a:rPr>
+                          </m:ctrlPr>
+                        </m:naryPr>
+                        <m:sub>
+                          <m:r>
+                            <a:rPr altLang="zh-CN" sz="2000" i="1" dirty="0">
+                              <a:latin typeface="Cambria Math" panose="02040503050406030204" charset="0"/>
+                              <a:cs typeface="Cambria Math" panose="02040503050406030204" charset="0"/>
+                              <a:sym typeface="Arial" panose="020B0604020202020204" pitchFamily="34" charset="0"/>
+                            </a:rPr>
+                            <m:t>𝒋</m:t>
+                          </m:r>
+                          <m:r>
+                            <a:rPr altLang="zh-CN" sz="2000" i="1" dirty="0">
+                              <a:latin typeface="Cambria Math" panose="02040503050406030204" charset="0"/>
+                              <a:cs typeface="Cambria Math" panose="02040503050406030204" charset="0"/>
+                              <a:sym typeface="Arial" panose="020B0604020202020204" pitchFamily="34" charset="0"/>
+                            </a:rPr>
+                            <m:t>=</m:t>
+                          </m:r>
+                          <m:r>
+                            <a:rPr altLang="zh-CN" sz="2000" i="1" dirty="0">
+                              <a:latin typeface="Cambria Math" panose="02040503050406030204" charset="0"/>
+                              <a:cs typeface="Cambria Math" panose="02040503050406030204" charset="0"/>
+                              <a:sym typeface="Arial" panose="020B0604020202020204" pitchFamily="34" charset="0"/>
+                            </a:rPr>
+                            <m:t>𝟏</m:t>
+                          </m:r>
+                        </m:sub>
+                        <m:sup>
+                          <m:r>
+                            <a:rPr altLang="zh-CN" sz="2000" i="1" dirty="0">
+                              <a:latin typeface="Cambria Math" panose="02040503050406030204" charset="0"/>
+                              <a:cs typeface="Cambria Math" panose="02040503050406030204" charset="0"/>
+                              <a:sym typeface="Arial" panose="020B0604020202020204" pitchFamily="34" charset="0"/>
+                            </a:rPr>
+                            <m:t>𝒒</m:t>
+                          </m:r>
+                        </m:sup>
+                        <m:e>
+                          <m:sSubSup>
+                            <m:sSubSupPr>
+                              <m:ctrlPr>
+                                <a:rPr altLang="zh-CN" sz="2000" i="1" dirty="0">
+                                  <a:latin typeface="Cambria Math" panose="02040503050406030204" charset="0"/>
+                                  <a:cs typeface="Cambria Math" panose="02040503050406030204" charset="0"/>
+                                  <a:sym typeface="Arial" panose="020B0604020202020204" pitchFamily="34" charset="0"/>
+                                </a:rPr>
+                              </m:ctrlPr>
+                            </m:sSubSupPr>
+                            <m:e>
+                              <m:r>
+                                <a:rPr altLang="zh-CN" sz="2000" i="1" dirty="0">
+                                  <a:latin typeface="Cambria Math" panose="02040503050406030204" charset="0"/>
+                                  <a:cs typeface="Cambria Math" panose="02040503050406030204" charset="0"/>
+                                  <a:sym typeface="Arial" panose="020B0604020202020204" pitchFamily="34" charset="0"/>
+                                </a:rPr>
+                                <m:t>𝒚</m:t>
+                              </m:r>
+                            </m:e>
+                            <m:sub>
+                              <m:r>
+                                <a:rPr altLang="zh-CN" sz="2000" i="1" dirty="0">
+                                  <a:latin typeface="Cambria Math" panose="02040503050406030204" charset="0"/>
+                                  <a:cs typeface="Cambria Math" panose="02040503050406030204" charset="0"/>
+                                  <a:sym typeface="Arial" panose="020B0604020202020204" pitchFamily="34" charset="0"/>
+                                </a:rPr>
+                                <m:t>𝒋</m:t>
+                              </m:r>
+                            </m:sub>
+                            <m:sup>
+                              <m:r>
+                                <a:rPr altLang="zh-CN" sz="2000" i="1" dirty="0">
+                                  <a:latin typeface="Cambria Math" panose="02040503050406030204" charset="0"/>
+                                  <a:cs typeface="Cambria Math" panose="02040503050406030204" charset="0"/>
+                                  <a:sym typeface="Arial" panose="020B0604020202020204" pitchFamily="34" charset="0"/>
+                                </a:rPr>
+                                <m:t>(</m:t>
+                              </m:r>
+                              <m:r>
+                                <a:rPr altLang="zh-CN" sz="2000" i="1" dirty="0">
+                                  <a:latin typeface="Cambria Math" panose="02040503050406030204" charset="0"/>
+                                  <a:cs typeface="Cambria Math" panose="02040503050406030204" charset="0"/>
+                                  <a:sym typeface="Arial" panose="020B0604020202020204" pitchFamily="34" charset="0"/>
+                                </a:rPr>
+                                <m:t>𝒊</m:t>
+                              </m:r>
+                              <m:r>
+                                <a:rPr altLang="zh-CN" sz="2000" i="1" dirty="0">
+                                  <a:latin typeface="Cambria Math" panose="02040503050406030204" charset="0"/>
+                                  <a:cs typeface="Cambria Math" panose="02040503050406030204" charset="0"/>
+                                  <a:sym typeface="Arial" panose="020B0604020202020204" pitchFamily="34" charset="0"/>
+                                </a:rPr>
+                                <m:t>)</m:t>
+                              </m:r>
+                            </m:sup>
+                          </m:sSubSup>
+                          <m:r>
+                            <a:rPr altLang="zh-CN" sz="2000" i="1" dirty="0">
+                              <a:latin typeface="Cambria Math" panose="02040503050406030204" charset="0"/>
+                              <a:cs typeface="Cambria Math" panose="02040503050406030204" charset="0"/>
+                              <a:sym typeface="Arial" panose="020B0604020202020204" pitchFamily="34" charset="0"/>
+                            </a:rPr>
+                            <m:t>𝒍𝒐𝒈</m:t>
+                          </m:r>
+                          <m:r>
+                            <a:rPr altLang="zh-CN" sz="2000" i="1" dirty="0">
+                              <a:latin typeface="Cambria Math" panose="02040503050406030204" charset="0"/>
+                              <a:cs typeface="Cambria Math" panose="02040503050406030204" charset="0"/>
+                              <a:sym typeface="Arial" panose="020B0604020202020204" pitchFamily="34" charset="0"/>
+                            </a:rPr>
+                            <m:t> </m:t>
+                          </m:r>
+                          <m:sSubSup>
+                            <m:sSubSupPr>
+                              <m:ctrlPr>
+                                <a:rPr altLang="zh-CN" sz="2000" i="1" dirty="0">
+                                  <a:latin typeface="Cambria Math" panose="02040503050406030204" charset="0"/>
+                                  <a:cs typeface="Cambria Math" panose="02040503050406030204" charset="0"/>
+                                  <a:sym typeface="Arial" panose="020B0604020202020204" pitchFamily="34" charset="0"/>
+                                </a:rPr>
+                              </m:ctrlPr>
+                            </m:sSubSupPr>
+                            <m:e>
+                              <m:acc>
+                                <m:accPr>
+                                  <m:ctrlPr>
+                                    <a:rPr altLang="zh-CN" sz="2000" i="1" dirty="0">
+                                      <a:latin typeface="Cambria Math" panose="02040503050406030204" charset="0"/>
+                                      <a:cs typeface="Cambria Math" panose="02040503050406030204" charset="0"/>
+                                      <a:sym typeface="Arial" panose="020B0604020202020204" pitchFamily="34" charset="0"/>
+                                    </a:rPr>
+                                  </m:ctrlPr>
+                                </m:accPr>
+                                <m:e>
+                                  <m:r>
+                                    <a:rPr altLang="zh-CN" sz="2000" i="1" dirty="0">
+                                      <a:latin typeface="Cambria Math" panose="02040503050406030204" charset="0"/>
+                                      <a:cs typeface="Cambria Math" panose="02040503050406030204" charset="0"/>
+                                      <a:sym typeface="Arial" panose="020B0604020202020204" pitchFamily="34" charset="0"/>
+                                    </a:rPr>
+                                    <m:t>𝒚</m:t>
+                                  </m:r>
+                                </m:e>
+                              </m:acc>
+                            </m:e>
+                            <m:sub>
+                              <m:r>
+                                <a:rPr altLang="zh-CN" sz="2000" i="1" dirty="0">
+                                  <a:latin typeface="Cambria Math" panose="02040503050406030204" charset="0"/>
+                                  <a:cs typeface="Cambria Math" panose="02040503050406030204" charset="0"/>
+                                  <a:sym typeface="Arial" panose="020B0604020202020204" pitchFamily="34" charset="0"/>
+                                </a:rPr>
+                                <m:t>𝒋</m:t>
+                              </m:r>
+                            </m:sub>
+                            <m:sup>
+                              <m:r>
+                                <a:rPr altLang="zh-CN" sz="2000" i="1" dirty="0">
+                                  <a:latin typeface="Cambria Math" panose="02040503050406030204" charset="0"/>
+                                  <a:cs typeface="Cambria Math" panose="02040503050406030204" charset="0"/>
+                                  <a:sym typeface="Arial" panose="020B0604020202020204" pitchFamily="34" charset="0"/>
+                                </a:rPr>
+                                <m:t>(</m:t>
+                              </m:r>
+                              <m:r>
+                                <a:rPr altLang="zh-CN" sz="2000" i="1" dirty="0">
+                                  <a:latin typeface="Cambria Math" panose="02040503050406030204" charset="0"/>
+                                  <a:cs typeface="Cambria Math" panose="02040503050406030204" charset="0"/>
+                                  <a:sym typeface="Arial" panose="020B0604020202020204" pitchFamily="34" charset="0"/>
+                                </a:rPr>
+                                <m:t>𝒊</m:t>
+                              </m:r>
+                              <m:r>
+                                <a:rPr altLang="zh-CN" sz="2000" i="1" dirty="0">
+                                  <a:latin typeface="Cambria Math" panose="02040503050406030204" charset="0"/>
+                                  <a:cs typeface="Cambria Math" panose="02040503050406030204" charset="0"/>
+                                  <a:sym typeface="Arial" panose="020B0604020202020204" pitchFamily="34" charset="0"/>
+                                </a:rPr>
+                                <m:t>)</m:t>
+                              </m:r>
+                            </m:sup>
+                          </m:sSubSup>
+                        </m:e>
+                      </m:nary>
+                    </m:oMath>
+                  </m:oMathPara>
+                </a14:m>
+                <a:endParaRPr altLang="zh-CN" sz="2000" i="1" dirty="0">
+                  <a:latin typeface="Cambria Math" panose="02040503050406030204" charset="0"/>
+                  <a:cs typeface="Cambria Math" panose="02040503050406030204" charset="0"/>
+                  <a:sym typeface="Arial" panose="020B0604020202020204" pitchFamily="34" charset="0"/>
+                </a:endParaRPr>
+              </a:p>
+              <a:p>
+                <a:endParaRPr altLang="zh-CN" sz="2000" i="1" dirty="0">
+                  <a:latin typeface="Cambria Math" panose="02040503050406030204" charset="0"/>
+                  <a:cs typeface="Cambria Math" panose="02040503050406030204" charset="0"/>
+                  <a:sym typeface="Arial" panose="020B0604020202020204" pitchFamily="34" charset="0"/>
+                </a:endParaRPr>
+              </a:p>
+              <a:p>
+                <a14:m>
+                  <m:oMathPara xmlns:m="http://schemas.openxmlformats.org/officeDocument/2006/math">
+                    <m:oMathParaPr>
+                      <m:jc m:val="centerGroup"/>
+                    </m:oMathParaPr>
+                    <m:oMath xmlns:m="http://schemas.openxmlformats.org/officeDocument/2006/math">
+                      <m:r>
+                        <a:rPr altLang="zh-CN" sz="2000" i="1" dirty="0">
+                          <a:latin typeface="Cambria Math" panose="02040503050406030204" charset="0"/>
+                          <a:cs typeface="Cambria Math" panose="02040503050406030204" charset="0"/>
+                          <a:sym typeface="Arial" panose="020B0604020202020204" pitchFamily="34" charset="0"/>
+                        </a:rPr>
+                        <m:t>𝒍</m:t>
+                      </m:r>
+                      <m:d>
+                        <m:dPr>
+                          <m:ctrlPr>
+                            <a:rPr altLang="zh-CN" sz="2000" i="1" dirty="0">
+                              <a:latin typeface="Cambria Math" panose="02040503050406030204" charset="0"/>
+                              <a:cs typeface="Cambria Math" panose="02040503050406030204" charset="0"/>
+                              <a:sym typeface="Arial" panose="020B0604020202020204" pitchFamily="34" charset="0"/>
+                            </a:rPr>
+                          </m:ctrlPr>
+                        </m:dPr>
+                        <m:e>
+                          <m:r>
+                            <a:rPr lang="en-US" altLang="zh-CN" sz="2000" b="1" i="1" dirty="0">
+                              <a:latin typeface="Cambria Math" panose="02040503050406030204" charset="0"/>
+                              <a:cs typeface="Cambria Math" panose="02040503050406030204" charset="0"/>
+                              <a:sym typeface="Arial" panose="020B0604020202020204" pitchFamily="34" charset="0"/>
+                            </a:rPr>
+                            <m:t>𝜽</m:t>
+                          </m:r>
+                        </m:e>
+                      </m:d>
+                      <m:r>
+                        <a:rPr altLang="zh-CN" sz="2000" i="1" dirty="0">
+                          <a:latin typeface="Cambria Math" panose="02040503050406030204" charset="0"/>
+                          <a:cs typeface="Cambria Math" panose="02040503050406030204" charset="0"/>
+                          <a:sym typeface="Arial" panose="020B0604020202020204" pitchFamily="34" charset="0"/>
+                        </a:rPr>
+                        <m:t>=</m:t>
+                      </m:r>
+                      <m:f>
+                        <m:fPr>
+                          <m:ctrlPr>
+                            <a:rPr altLang="zh-CN" sz="2000" i="1" dirty="0">
+                              <a:latin typeface="Cambria Math" panose="02040503050406030204" charset="0"/>
+                              <a:cs typeface="Cambria Math" panose="02040503050406030204" charset="0"/>
+                              <a:sym typeface="Arial" panose="020B0604020202020204" pitchFamily="34" charset="0"/>
+                            </a:rPr>
+                          </m:ctrlPr>
+                        </m:fPr>
+                        <m:num>
+                          <m:r>
+                            <a:rPr altLang="zh-CN" sz="2000" i="1" dirty="0">
+                              <a:latin typeface="Cambria Math" panose="02040503050406030204" charset="0"/>
+                              <a:cs typeface="Cambria Math" panose="02040503050406030204" charset="0"/>
+                              <a:sym typeface="Arial" panose="020B0604020202020204" pitchFamily="34" charset="0"/>
+                            </a:rPr>
+                            <m:t>𝟏</m:t>
+                          </m:r>
+                        </m:num>
+                        <m:den>
+                          <m:r>
+                            <a:rPr altLang="zh-CN" sz="2000" i="1" dirty="0">
+                              <a:latin typeface="Cambria Math" panose="02040503050406030204" charset="0"/>
+                              <a:cs typeface="Cambria Math" panose="02040503050406030204" charset="0"/>
+                              <a:sym typeface="Arial" panose="020B0604020202020204" pitchFamily="34" charset="0"/>
+                            </a:rPr>
+                            <m:t>𝒏</m:t>
+                          </m:r>
+                        </m:den>
+                      </m:f>
+                      <m:nary>
+                        <m:naryPr>
+                          <m:chr m:val="∑"/>
+                          <m:limLoc m:val="subSup"/>
+                          <m:ctrlPr>
+                            <a:rPr altLang="zh-CN" sz="2000" i="1" dirty="0">
+                              <a:latin typeface="Cambria Math" panose="02040503050406030204" charset="0"/>
+                              <a:cs typeface="Cambria Math" panose="02040503050406030204" charset="0"/>
+                              <a:sym typeface="Arial" panose="020B0604020202020204" pitchFamily="34" charset="0"/>
+                            </a:rPr>
+                          </m:ctrlPr>
+                        </m:naryPr>
+                        <m:sub>
+                          <m:r>
+                            <a:rPr altLang="zh-CN" sz="2000" i="1" dirty="0">
+                              <a:latin typeface="Cambria Math" panose="02040503050406030204" charset="0"/>
+                              <a:cs typeface="Cambria Math" panose="02040503050406030204" charset="0"/>
+                              <a:sym typeface="Arial" panose="020B0604020202020204" pitchFamily="34" charset="0"/>
+                            </a:rPr>
+                            <m:t>𝒊</m:t>
+                          </m:r>
+                          <m:r>
+                            <a:rPr altLang="zh-CN" sz="2000" i="1" dirty="0">
+                              <a:latin typeface="Cambria Math" panose="02040503050406030204" charset="0"/>
+                              <a:cs typeface="Cambria Math" panose="02040503050406030204" charset="0"/>
+                              <a:sym typeface="Arial" panose="020B0604020202020204" pitchFamily="34" charset="0"/>
+                            </a:rPr>
+                            <m:t>=</m:t>
+                          </m:r>
+                          <m:r>
+                            <a:rPr altLang="zh-CN" sz="2000" i="1" dirty="0">
+                              <a:latin typeface="Cambria Math" panose="02040503050406030204" charset="0"/>
+                              <a:cs typeface="Cambria Math" panose="02040503050406030204" charset="0"/>
+                              <a:sym typeface="Arial" panose="020B0604020202020204" pitchFamily="34" charset="0"/>
+                            </a:rPr>
+                            <m:t>𝟏</m:t>
+                          </m:r>
+                        </m:sub>
+                        <m:sup>
+                          <m:r>
+                            <a:rPr altLang="zh-CN" sz="2000" i="1" dirty="0">
+                              <a:latin typeface="Cambria Math" panose="02040503050406030204" charset="0"/>
+                              <a:cs typeface="Cambria Math" panose="02040503050406030204" charset="0"/>
+                              <a:sym typeface="Arial" panose="020B0604020202020204" pitchFamily="34" charset="0"/>
+                            </a:rPr>
+                            <m:t>𝒏</m:t>
+                          </m:r>
+                        </m:sup>
+                        <m:e>
+                          <m:r>
+                            <a:rPr altLang="zh-CN" sz="2000" i="1" dirty="0">
+                              <a:latin typeface="Cambria Math" panose="02040503050406030204" charset="0"/>
+                              <a:cs typeface="Cambria Math" panose="02040503050406030204" charset="0"/>
+                              <a:sym typeface="Arial" panose="020B0604020202020204" pitchFamily="34" charset="0"/>
+                            </a:rPr>
+                            <m:t>𝐻</m:t>
+                          </m:r>
+                          <m:d>
+                            <m:dPr>
+                              <m:ctrlPr>
+                                <a:rPr altLang="zh-CN" sz="2000" i="1" dirty="0">
+                                  <a:latin typeface="Cambria Math" panose="02040503050406030204" charset="0"/>
+                                  <a:cs typeface="Cambria Math" panose="02040503050406030204" charset="0"/>
+                                  <a:sym typeface="Arial" panose="020B0604020202020204" pitchFamily="34" charset="0"/>
+                                </a:rPr>
+                              </m:ctrlPr>
+                            </m:dPr>
+                            <m:e>
+                              <m:sSup>
+                                <m:sSupPr>
+                                  <m:ctrlPr>
+                                    <a:rPr altLang="zh-CN" sz="2000" i="1" dirty="0">
+                                      <a:latin typeface="Cambria Math" panose="02040503050406030204" charset="0"/>
+                                      <a:cs typeface="Cambria Math" panose="02040503050406030204" charset="0"/>
+                                      <a:sym typeface="Arial" panose="020B0604020202020204" pitchFamily="34" charset="0"/>
+                                    </a:rPr>
+                                  </m:ctrlPr>
+                                </m:sSupPr>
+                                <m:e>
+                                  <m:r>
+                                    <a:rPr altLang="zh-CN" sz="2000" i="1" dirty="0">
+                                      <a:latin typeface="Cambria Math" panose="02040503050406030204" charset="0"/>
+                                      <a:cs typeface="Cambria Math" panose="02040503050406030204" charset="0"/>
+                                      <a:sym typeface="Arial" panose="020B0604020202020204" pitchFamily="34" charset="0"/>
+                                    </a:rPr>
+                                    <m:t>𝒚</m:t>
+                                  </m:r>
+                                </m:e>
+                                <m:sup>
+                                  <m:r>
+                                    <a:rPr altLang="zh-CN" sz="2000" i="1" dirty="0">
+                                      <a:latin typeface="Cambria Math" panose="02040503050406030204" charset="0"/>
+                                      <a:cs typeface="Cambria Math" panose="02040503050406030204" charset="0"/>
+                                      <a:sym typeface="Arial" panose="020B0604020202020204" pitchFamily="34" charset="0"/>
+                                    </a:rPr>
+                                    <m:t>(</m:t>
+                                  </m:r>
+                                  <m:r>
+                                    <a:rPr altLang="zh-CN" sz="2000" i="1" dirty="0">
+                                      <a:latin typeface="Cambria Math" panose="02040503050406030204" charset="0"/>
+                                      <a:cs typeface="Cambria Math" panose="02040503050406030204" charset="0"/>
+                                      <a:sym typeface="Arial" panose="020B0604020202020204" pitchFamily="34" charset="0"/>
+                                    </a:rPr>
+                                    <m:t>𝒊</m:t>
+                                  </m:r>
+                                  <m:r>
+                                    <a:rPr altLang="zh-CN" sz="2000" i="1" dirty="0">
+                                      <a:latin typeface="Cambria Math" panose="02040503050406030204" charset="0"/>
+                                      <a:cs typeface="Cambria Math" panose="02040503050406030204" charset="0"/>
+                                      <a:sym typeface="Arial" panose="020B0604020202020204" pitchFamily="34" charset="0"/>
+                                    </a:rPr>
+                                    <m:t>)</m:t>
+                                  </m:r>
+                                </m:sup>
+                              </m:sSup>
+                              <m:r>
+                                <a:rPr altLang="zh-CN" sz="2000" i="1" dirty="0">
+                                  <a:latin typeface="Cambria Math" panose="02040503050406030204" charset="0"/>
+                                  <a:cs typeface="Cambria Math" panose="02040503050406030204" charset="0"/>
+                                  <a:sym typeface="Arial" panose="020B0604020202020204" pitchFamily="34" charset="0"/>
+                                </a:rPr>
+                                <m:t>, </m:t>
+                              </m:r>
+                              <m:sSup>
+                                <m:sSupPr>
+                                  <m:ctrlPr>
+                                    <a:rPr altLang="zh-CN" sz="2000" i="1" dirty="0">
+                                      <a:latin typeface="Cambria Math" panose="02040503050406030204" charset="0"/>
+                                      <a:cs typeface="Cambria Math" panose="02040503050406030204" charset="0"/>
+                                      <a:sym typeface="Arial" panose="020B0604020202020204" pitchFamily="34" charset="0"/>
+                                    </a:rPr>
+                                  </m:ctrlPr>
+                                </m:sSupPr>
+                                <m:e>
+                                  <m:acc>
+                                    <m:accPr>
+                                      <m:ctrlPr>
+                                        <a:rPr altLang="zh-CN" sz="2000" i="1" dirty="0">
+                                          <a:latin typeface="Cambria Math" panose="02040503050406030204" charset="0"/>
+                                          <a:cs typeface="Cambria Math" panose="02040503050406030204" charset="0"/>
+                                          <a:sym typeface="Arial" panose="020B0604020202020204" pitchFamily="34" charset="0"/>
+                                        </a:rPr>
+                                      </m:ctrlPr>
+                                    </m:accPr>
+                                    <m:e>
+                                      <m:r>
+                                        <a:rPr altLang="zh-CN" sz="2000" i="1" dirty="0">
+                                          <a:latin typeface="Cambria Math" panose="02040503050406030204" charset="0"/>
+                                          <a:cs typeface="Cambria Math" panose="02040503050406030204" charset="0"/>
+                                          <a:sym typeface="Arial" panose="020B0604020202020204" pitchFamily="34" charset="0"/>
+                                        </a:rPr>
+                                        <m:t>𝒚</m:t>
+                                      </m:r>
+                                    </m:e>
+                                  </m:acc>
+                                </m:e>
+                                <m:sup>
+                                  <m:r>
+                                    <a:rPr altLang="zh-CN" sz="2000" i="1" dirty="0">
+                                      <a:latin typeface="Cambria Math" panose="02040503050406030204" charset="0"/>
+                                      <a:cs typeface="Cambria Math" panose="02040503050406030204" charset="0"/>
+                                      <a:sym typeface="Arial" panose="020B0604020202020204" pitchFamily="34" charset="0"/>
+                                    </a:rPr>
+                                    <m:t>(</m:t>
+                                  </m:r>
+                                  <m:r>
+                                    <a:rPr altLang="zh-CN" sz="2000" i="1" dirty="0">
+                                      <a:latin typeface="Cambria Math" panose="02040503050406030204" charset="0"/>
+                                      <a:cs typeface="Cambria Math" panose="02040503050406030204" charset="0"/>
+                                      <a:sym typeface="Arial" panose="020B0604020202020204" pitchFamily="34" charset="0"/>
+                                    </a:rPr>
+                                    <m:t>𝒊</m:t>
+                                  </m:r>
+                                  <m:r>
+                                    <a:rPr altLang="zh-CN" sz="2000" i="1" dirty="0">
+                                      <a:latin typeface="Cambria Math" panose="02040503050406030204" charset="0"/>
+                                      <a:cs typeface="Cambria Math" panose="02040503050406030204" charset="0"/>
+                                      <a:sym typeface="Arial" panose="020B0604020202020204" pitchFamily="34" charset="0"/>
+                                    </a:rPr>
+                                    <m:t>)</m:t>
+                                  </m:r>
+                                </m:sup>
+                              </m:sSup>
+                            </m:e>
+                          </m:d>
+                        </m:e>
+                      </m:nary>
+                    </m:oMath>
+                  </m:oMathPara>
+                </a14:m>
+                <a:endParaRPr altLang="zh-CN" sz="2000" i="1" dirty="0">
+                  <a:latin typeface="Cambria Math" panose="02040503050406030204" charset="0"/>
+                  <a:cs typeface="Cambria Math" panose="02040503050406030204" charset="0"/>
+                  <a:sym typeface="Arial" panose="020B0604020202020204" pitchFamily="34" charset="0"/>
+                </a:endParaRPr>
+              </a:p>
+            </p:txBody>
+          </p:sp>
+        </mc:Choice>
+        <mc:Fallback>
+          <p:sp>
+            <p:nvSpPr>
+              <p:cNvPr id="18" name="标题 2"/>
+              <p:cNvSpPr txBox="1">
+                <a:spLocks noRot="1" noChangeAspect="1" noMove="1" noResize="1" noEditPoints="1" noAdjustHandles="1" noChangeArrowheads="1" noChangeShapeType="1" noTextEdit="1"/>
+              </p:cNvSpPr>
+              <p:nvPr/>
+            </p:nvSpPr>
+            <p:spPr>
+              <a:xfrm>
+                <a:off x="462280" y="2605405"/>
+                <a:ext cx="4697095" cy="1647190"/>
+              </a:xfrm>
+              <a:prstGeom prst="rect">
+                <a:avLst/>
+              </a:prstGeom>
+              <a:blipFill rotWithShape="1">
+                <a:blip r:embed="rId2"/>
+                <a:stretch>
+                  <a:fillRect l="-203" t="-578" r="-203" b="-578"/>
+                </a:stretch>
+              </a:blipFill>
+              <a:ln w="19050" cmpd="sng">
+                <a:solidFill>
+                  <a:srgbClr val="FF0000"/>
+                </a:solidFill>
+                <a:prstDash val="solid"/>
+              </a:ln>
+            </p:spPr>
+            <p:txBody>
+              <a:bodyPr/>
+              <a:lstStyle/>
+              <a:p>
+                <a:r>
+                  <a:rPr lang="zh-CN" altLang="en-US">
+                    <a:noFill/>
+                  </a:rPr>
+                  <a:t> </a:t>
+                </a:r>
+              </a:p>
+            </p:txBody>
+          </p:sp>
+        </mc:Fallback>
+      </mc:AlternateContent>
+      <p:sp>
+        <p:nvSpPr>
+          <p:cNvPr id="19" name="标题 2"/>
+          <p:cNvSpPr txBox="1"/>
+          <p:nvPr/>
+        </p:nvSpPr>
+        <p:spPr>
+          <a:xfrm>
+            <a:off x="1883410" y="1285875"/>
+            <a:ext cx="1534160" cy="650875"/>
+          </a:xfrm>
+          <a:prstGeom prst="rect">
+            <a:avLst/>
+          </a:prstGeom>
+        </p:spPr>
+        <p:txBody>
+          <a:bodyPr vert="horz" lIns="91440" tIns="45720" rIns="91440" bIns="45720" rtlCol="0" anchor="ctr">
+            <a:noAutofit/>
+          </a:bodyPr>
+          <a:lstStyle>
+            <a:lvl1pPr marL="0" algn="l" defTabSz="685800" rtl="0" eaLnBrk="1" latinLnBrk="0" hangingPunct="1">
+              <a:lnSpc>
+                <a:spcPct val="100000"/>
+              </a:lnSpc>
+              <a:spcBef>
+                <a:spcPct val="0"/>
+              </a:spcBef>
+              <a:buNone/>
+              <a:defRPr lang="en-US" sz="3200" b="1" kern="1200" dirty="0">
+                <a:solidFill>
+                  <a:srgbClr val="002060"/>
+                </a:solidFill>
+                <a:latin typeface="微软雅黑" panose="020B0503020204020204" pitchFamily="34" charset="-122"/>
+                <a:ea typeface="微软雅黑" panose="020B0503020204020204" pitchFamily="34" charset="-122"/>
+                <a:cs typeface="+mn-cs"/>
+              </a:defRPr>
+            </a:lvl1pPr>
+          </a:lstStyle>
+          <a:p>
+            <a:r>
+              <a:rPr lang="zh-CN" altLang="en-US" sz="2000" dirty="0">
+                <a:latin typeface="Arial" panose="020B0604020202020204" pitchFamily="34" charset="0"/>
+                <a:sym typeface="Arial" panose="020B0604020202020204" pitchFamily="34" charset="0"/>
+              </a:rPr>
+              <a:t>交叉熵</a:t>
+            </a:r>
+            <a:r>
+              <a:rPr lang="zh-CN" altLang="en-US" sz="2000" dirty="0">
+                <a:latin typeface="Arial" panose="020B0604020202020204" pitchFamily="34" charset="0"/>
+                <a:sym typeface="Arial" panose="020B0604020202020204" pitchFamily="34" charset="0"/>
+              </a:rPr>
+              <a:t>损失</a:t>
+            </a:r>
+            <a:endParaRPr lang="zh-CN" altLang="en-US" sz="2000" dirty="0">
+              <a:latin typeface="Arial" panose="020B0604020202020204" pitchFamily="34" charset="0"/>
+              <a:sym typeface="Arial" panose="020B0604020202020204" pitchFamily="34" charset="0"/>
+            </a:endParaRPr>
+          </a:p>
+        </p:txBody>
+      </p:sp>
+      <p:cxnSp>
+        <p:nvCxnSpPr>
+          <p:cNvPr id="20" name="直接箭头连接符 19"/>
+          <p:cNvCxnSpPr/>
+          <p:nvPr/>
+        </p:nvCxnSpPr>
+        <p:spPr>
+          <a:xfrm flipH="1">
+            <a:off x="4699635" y="1902460"/>
+            <a:ext cx="5175250" cy="1114425"/>
+          </a:xfrm>
+          <a:prstGeom prst="straightConnector1">
+            <a:avLst/>
+          </a:prstGeom>
+          <a:ln w="28575" cmpd="sng">
+            <a:solidFill>
+              <a:srgbClr val="92D050"/>
+            </a:solidFill>
+            <a:prstDash val="lgDashDotDot"/>
+            <a:tailEnd type="arrow"/>
+          </a:ln>
+        </p:spPr>
+        <p:style>
+          <a:lnRef idx="2">
+            <a:schemeClr val="accent1"/>
+          </a:lnRef>
+          <a:fillRef idx="0">
+            <a:srgbClr val="FFFFFF"/>
+          </a:fillRef>
+          <a:effectRef idx="0">
+            <a:srgbClr val="FFFFFF"/>
+          </a:effectRef>
+          <a:fontRef idx="minor">
+            <a:schemeClr val="tx1"/>
+          </a:fontRef>
+        </p:style>
+      </p:cxnSp>
+      <p:sp>
+        <p:nvSpPr>
+          <p:cNvPr id="21" name="矩形 20"/>
+          <p:cNvSpPr/>
+          <p:nvPr/>
+        </p:nvSpPr>
+        <p:spPr>
+          <a:xfrm>
+            <a:off x="9865360" y="1650365"/>
+            <a:ext cx="1123950" cy="2578100"/>
+          </a:xfrm>
+          <a:prstGeom prst="rect">
+            <a:avLst/>
+          </a:prstGeom>
+          <a:noFill/>
+          <a:ln w="22225" cmpd="sng">
+            <a:solidFill>
+              <a:srgbClr val="7030A0"/>
+            </a:solidFill>
+            <a:prstDash val="sysDot"/>
+          </a:ln>
+        </p:spPr>
+        <p:style>
+          <a:lnRef idx="2">
+            <a:schemeClr val="accent1">
+              <a:lumMod val="75000"/>
+            </a:schemeClr>
+          </a:lnRef>
+          <a:fillRef idx="1">
+            <a:schemeClr val="accent1"/>
+          </a:fillRef>
+          <a:effectRef idx="0">
+            <a:srgbClr val="FFFFFF"/>
+          </a:effectRef>
+          <a:fontRef idx="minor">
+            <a:schemeClr val="lt1"/>
+          </a:fontRef>
+        </p:style>
+        <p:txBody>
+          <a:bodyPr rtlCol="0" anchor="ctr"/>
+          <a:p>
+            <a:pPr algn="ctr"/>
+            <a:endParaRPr lang="zh-CN" altLang="en-US"/>
+          </a:p>
+        </p:txBody>
+      </p:sp>
+      <p:sp>
+        <p:nvSpPr>
+          <p:cNvPr id="22" name="标题 2"/>
+          <p:cNvSpPr txBox="1"/>
+          <p:nvPr/>
+        </p:nvSpPr>
+        <p:spPr>
+          <a:xfrm>
+            <a:off x="869950" y="5221605"/>
+            <a:ext cx="4004310" cy="650875"/>
+          </a:xfrm>
+          <a:prstGeom prst="rect">
+            <a:avLst/>
+          </a:prstGeom>
+        </p:spPr>
+        <p:txBody>
+          <a:bodyPr vert="horz" lIns="91440" tIns="45720" rIns="91440" bIns="45720" rtlCol="0" anchor="ctr">
+            <a:noAutofit/>
+          </a:bodyPr>
+          <a:lstStyle>
+            <a:lvl1pPr marL="0" algn="l" defTabSz="685800" rtl="0" eaLnBrk="1" latinLnBrk="0" hangingPunct="1">
+              <a:lnSpc>
+                <a:spcPct val="100000"/>
+              </a:lnSpc>
+              <a:spcBef>
+                <a:spcPct val="0"/>
+              </a:spcBef>
+              <a:buNone/>
+              <a:defRPr lang="en-US" sz="3200" b="1" kern="1200" dirty="0">
+                <a:solidFill>
+                  <a:srgbClr val="002060"/>
+                </a:solidFill>
+                <a:latin typeface="微软雅黑" panose="020B0503020204020204" pitchFamily="34" charset="-122"/>
+                <a:ea typeface="微软雅黑" panose="020B0503020204020204" pitchFamily="34" charset="-122"/>
+                <a:cs typeface="+mn-cs"/>
+              </a:defRPr>
+            </a:lvl1pPr>
+          </a:lstStyle>
+          <a:p>
+            <a:r>
+              <a:rPr lang="zh-CN" altLang="en-US" sz="2000" dirty="0">
+                <a:latin typeface="Arial" panose="020B0604020202020204" pitchFamily="34" charset="0"/>
+                <a:sym typeface="Arial" panose="020B0604020202020204" pitchFamily="34" charset="0"/>
+              </a:rPr>
+              <a:t>真实标签</a:t>
+            </a:r>
+            <a:r>
+              <a:rPr altLang="zh-CN" sz="2000" dirty="0">
+                <a:latin typeface="Arial" panose="020B0604020202020204" pitchFamily="34" charset="0"/>
+                <a:sym typeface="Arial" panose="020B0604020202020204" pitchFamily="34" charset="0"/>
+              </a:rPr>
+              <a:t>y</a:t>
+            </a:r>
+            <a:r>
+              <a:rPr lang="zh-CN" altLang="en-US" sz="2000" dirty="0">
+                <a:latin typeface="Arial" panose="020B0604020202020204" pitchFamily="34" charset="0"/>
+                <a:sym typeface="Arial" panose="020B0604020202020204" pitchFamily="34" charset="0"/>
+              </a:rPr>
+              <a:t>实际上</a:t>
+            </a:r>
+            <a:r>
+              <a:rPr lang="zh-CN" altLang="en-US" sz="2000" dirty="0">
+                <a:solidFill>
+                  <a:srgbClr val="FF0000"/>
+                </a:solidFill>
+                <a:latin typeface="Arial" panose="020B0604020202020204" pitchFamily="34" charset="0"/>
+                <a:sym typeface="Arial" panose="020B0604020202020204" pitchFamily="34" charset="0"/>
+              </a:rPr>
+              <a:t>非</a:t>
+            </a:r>
+            <a:r>
+              <a:rPr altLang="zh-CN" sz="2000" dirty="0">
+                <a:solidFill>
+                  <a:srgbClr val="FF0000"/>
+                </a:solidFill>
+                <a:latin typeface="Arial" panose="020B0604020202020204" pitchFamily="34" charset="0"/>
+                <a:sym typeface="Arial" panose="020B0604020202020204" pitchFamily="34" charset="0"/>
+              </a:rPr>
+              <a:t>0</a:t>
+            </a:r>
+            <a:r>
+              <a:rPr lang="zh-CN" altLang="en-US" sz="2000" dirty="0">
+                <a:solidFill>
+                  <a:srgbClr val="FF0000"/>
+                </a:solidFill>
+                <a:latin typeface="Arial" panose="020B0604020202020204" pitchFamily="34" charset="0"/>
+                <a:sym typeface="Arial" panose="020B0604020202020204" pitchFamily="34" charset="0"/>
+              </a:rPr>
+              <a:t>即</a:t>
+            </a:r>
+            <a:r>
+              <a:rPr altLang="zh-CN" sz="2000" dirty="0">
+                <a:solidFill>
+                  <a:srgbClr val="FF0000"/>
+                </a:solidFill>
+                <a:latin typeface="Arial" panose="020B0604020202020204" pitchFamily="34" charset="0"/>
+                <a:sym typeface="Arial" panose="020B0604020202020204" pitchFamily="34" charset="0"/>
+              </a:rPr>
+              <a:t>1</a:t>
+            </a:r>
+            <a:r>
+              <a:rPr lang="zh-CN" altLang="en-US" sz="2000" dirty="0">
+                <a:latin typeface="Arial" panose="020B0604020202020204" pitchFamily="34" charset="0"/>
+                <a:sym typeface="Arial" panose="020B0604020202020204" pitchFamily="34" charset="0"/>
+              </a:rPr>
+              <a:t>，只考虑到</a:t>
+            </a:r>
+            <a:r>
+              <a:rPr lang="zh-CN" altLang="en-US" sz="2000" dirty="0">
+                <a:solidFill>
+                  <a:srgbClr val="FF0000"/>
+                </a:solidFill>
+                <a:latin typeface="Arial" panose="020B0604020202020204" pitchFamily="34" charset="0"/>
+                <a:sym typeface="Arial" panose="020B0604020202020204" pitchFamily="34" charset="0"/>
+              </a:rPr>
+              <a:t>标签表示的类别概率</a:t>
+            </a:r>
+            <a:r>
+              <a:rPr lang="zh-CN" altLang="en-US" sz="2000" dirty="0">
+                <a:latin typeface="Arial" panose="020B0604020202020204" pitchFamily="34" charset="0"/>
+                <a:sym typeface="Arial" panose="020B0604020202020204" pitchFamily="34" charset="0"/>
+              </a:rPr>
+              <a:t>作为</a:t>
+            </a:r>
+            <a:r>
+              <a:rPr lang="zh-CN" altLang="en-US" sz="2000" dirty="0">
+                <a:latin typeface="Arial" panose="020B0604020202020204" pitchFamily="34" charset="0"/>
+                <a:sym typeface="Arial" panose="020B0604020202020204" pitchFamily="34" charset="0"/>
+              </a:rPr>
+              <a:t>损失</a:t>
+            </a:r>
+            <a:endParaRPr lang="zh-CN" altLang="en-US" sz="2000" dirty="0">
+              <a:latin typeface="Arial" panose="020B0604020202020204" pitchFamily="34" charset="0"/>
+              <a:sym typeface="Arial" panose="020B0604020202020204" pitchFamily="34" charset="0"/>
+            </a:endParaRPr>
+          </a:p>
+        </p:txBody>
+      </p:sp>
+    </p:spTree>
+  </p:cSld>
+  <p:clrMapOvr>
+    <a:masterClrMapping/>
+  </p:clrMapOvr>
+  <p:transition advClick="0" advTm="0"/>
+</p:sld>
+</file>
+
+<file path=ppt/slides/slide15.xml><?xml version="1.0" encoding="utf-8"?>
 <p:sld xmlns:a="http://schemas.openxmlformats.org/drawingml/2006/main" xmlns:r="http://schemas.openxmlformats.org/officeDocument/2006/relationships" xmlns:p="http://schemas.openxmlformats.org/presentationml/2006/main">
   <p:cSld>
     <p:spTree>
@@ -18121,7 +20056,7 @@
                 <a:latin typeface="Arial" panose="020B0604020202020204" pitchFamily="34" charset="0"/>
                 <a:sym typeface="Arial" panose="020B0604020202020204" pitchFamily="34" charset="0"/>
               </a:rPr>
-              <a:t>4. wavenet</a:t>
+              <a:t>5. wavenet</a:t>
             </a:r>
             <a:endParaRPr lang="en-US" altLang="zh-CN" dirty="0">
               <a:latin typeface="Arial" panose="020B0604020202020204" pitchFamily="34" charset="0"/>

--- a/Summary.pptx
+++ b/Summary.pptx
@@ -23,12 +23,14 @@
     <p:sldId id="1467" r:id="rId16"/>
     <p:sldId id="1469" r:id="rId17"/>
     <p:sldId id="1470" r:id="rId18"/>
-    <p:sldId id="1447" r:id="rId19"/>
+    <p:sldId id="1472" r:id="rId19"/>
+    <p:sldId id="1473" r:id="rId20"/>
+    <p:sldId id="1447" r:id="rId21"/>
   </p:sldIdLst>
   <p:sldSz cx="12192000" cy="6858000"/>
   <p:notesSz cx="6858000" cy="9144000"/>
   <p:custDataLst>
-    <p:tags r:id="rId23"/>
+    <p:tags r:id="rId25"/>
   </p:custDataLst>
   <p:defaultTextStyle>
     <a:defPPr>
@@ -890,6 +892,144 @@
 </file>
 
 <file path=ppt/notesSlides/notesSlide15.xml><?xml version="1.0" encoding="utf-8"?>
+<p:notes xmlns:a="http://schemas.openxmlformats.org/drawingml/2006/main" xmlns:r="http://schemas.openxmlformats.org/officeDocument/2006/relationships" xmlns:p="http://schemas.openxmlformats.org/presentationml/2006/main">
+  <p:cSld>
+    <p:spTree>
+      <p:nvGrpSpPr>
+        <p:cNvPr id="1" name=""/>
+        <p:cNvGrpSpPr/>
+        <p:nvPr/>
+      </p:nvGrpSpPr>
+      <p:grpSpPr>
+        <a:xfrm>
+          <a:off x="0" y="0"/>
+          <a:ext cx="0" cy="0"/>
+          <a:chOff x="0" y="0"/>
+          <a:chExt cx="0" cy="0"/>
+        </a:xfrm>
+      </p:grpSpPr>
+      <p:sp>
+        <p:nvSpPr>
+          <p:cNvPr id="2" name="幻灯片图像占位符 1"/>
+          <p:cNvSpPr>
+            <a:spLocks noGrp="1" noRot="1" noChangeAspect="1"/>
+          </p:cNvSpPr>
+          <p:nvPr>
+            <p:ph type="sldImg"/>
+          </p:nvPr>
+        </p:nvSpPr>
+        <p:spPr/>
+      </p:sp>
+      <p:sp>
+        <p:nvSpPr>
+          <p:cNvPr id="3" name="备注占位符 2"/>
+          <p:cNvSpPr>
+            <a:spLocks noGrp="1"/>
+          </p:cNvSpPr>
+          <p:nvPr>
+            <p:ph type="body" idx="1"/>
+          </p:nvPr>
+        </p:nvSpPr>
+        <p:spPr/>
+        <p:txBody>
+          <a:bodyPr/>
+          <a:lstStyle/>
+          <a:p>
+            <a:pPr marL="0" indent="-457200">
+              <a:lnSpc>
+                <a:spcPct val="135000"/>
+              </a:lnSpc>
+              <a:buNone/>
+            </a:pPr>
+            <a:endParaRPr lang="zh-CN" altLang="en-US" sz="1000" dirty="0">
+              <a:solidFill>
+                <a:srgbClr val="00246C"/>
+              </a:solidFill>
+              <a:ea typeface="+mn-ea"/>
+              <a:cs typeface="+mn-ea"/>
+              <a:sym typeface="+mn-lt"/>
+            </a:endParaRPr>
+          </a:p>
+        </p:txBody>
+      </p:sp>
+    </p:spTree>
+  </p:cSld>
+  <p:clrMapOvr>
+    <a:masterClrMapping/>
+  </p:clrMapOvr>
+</p:notes>
+</file>
+
+<file path=ppt/notesSlides/notesSlide16.xml><?xml version="1.0" encoding="utf-8"?>
+<p:notes xmlns:a="http://schemas.openxmlformats.org/drawingml/2006/main" xmlns:r="http://schemas.openxmlformats.org/officeDocument/2006/relationships" xmlns:p="http://schemas.openxmlformats.org/presentationml/2006/main">
+  <p:cSld>
+    <p:spTree>
+      <p:nvGrpSpPr>
+        <p:cNvPr id="1" name=""/>
+        <p:cNvGrpSpPr/>
+        <p:nvPr/>
+      </p:nvGrpSpPr>
+      <p:grpSpPr>
+        <a:xfrm>
+          <a:off x="0" y="0"/>
+          <a:ext cx="0" cy="0"/>
+          <a:chOff x="0" y="0"/>
+          <a:chExt cx="0" cy="0"/>
+        </a:xfrm>
+      </p:grpSpPr>
+      <p:sp>
+        <p:nvSpPr>
+          <p:cNvPr id="2" name="幻灯片图像占位符 1"/>
+          <p:cNvSpPr>
+            <a:spLocks noGrp="1" noRot="1" noChangeAspect="1"/>
+          </p:cNvSpPr>
+          <p:nvPr>
+            <p:ph type="sldImg"/>
+          </p:nvPr>
+        </p:nvSpPr>
+        <p:spPr/>
+      </p:sp>
+      <p:sp>
+        <p:nvSpPr>
+          <p:cNvPr id="3" name="备注占位符 2"/>
+          <p:cNvSpPr>
+            <a:spLocks noGrp="1"/>
+          </p:cNvSpPr>
+          <p:nvPr>
+            <p:ph type="body" idx="1"/>
+          </p:nvPr>
+        </p:nvSpPr>
+        <p:spPr/>
+        <p:txBody>
+          <a:bodyPr/>
+          <a:lstStyle/>
+          <a:p>
+            <a:pPr marL="0" indent="-457200">
+              <a:lnSpc>
+                <a:spcPct val="135000"/>
+              </a:lnSpc>
+              <a:buNone/>
+            </a:pPr>
+            <a:endParaRPr lang="zh-CN" altLang="en-US" sz="1000" dirty="0">
+              <a:solidFill>
+                <a:srgbClr val="00246C"/>
+              </a:solidFill>
+              <a:ea typeface="+mn-ea"/>
+              <a:cs typeface="+mn-ea"/>
+              <a:sym typeface="+mn-lt"/>
+            </a:endParaRPr>
+          </a:p>
+        </p:txBody>
+      </p:sp>
+    </p:spTree>
+  </p:cSld>
+  <p:clrMapOvr>
+    <a:masterClrMapping/>
+  </p:clrMapOvr>
+</p:notes>
+</file>
+
+<file path=ppt/notesSlides/notesSlide17.xml><?xml version="1.0" encoding="utf-8"?>
 <p:notes xmlns:a="http://schemas.openxmlformats.org/drawingml/2006/main" xmlns:r="http://schemas.openxmlformats.org/officeDocument/2006/relationships" xmlns:p="http://schemas.openxmlformats.org/presentationml/2006/main">
   <p:cSld>
     <p:spTree>
@@ -11954,7 +12094,7 @@
                           <a:cs typeface="Cambria Math" panose="02040503050406030204" charset="0"/>
                           <a:sym typeface="Arial" panose="020B0604020202020204" pitchFamily="34" charset="0"/>
                         </a:rPr>
-                        <m:t>H</m:t>
+                        <m:t>𝐻</m:t>
                       </m:r>
                       <m:d>
                         <m:dPr>
@@ -12920,6 +13060,1358 @@
 </file>
 
 <file path=ppt/slides/slide15.xml><?xml version="1.0" encoding="utf-8"?>
+<p:sld xmlns:a="http://schemas.openxmlformats.org/drawingml/2006/main" xmlns:r="http://schemas.openxmlformats.org/officeDocument/2006/relationships" xmlns:p="http://schemas.openxmlformats.org/presentationml/2006/main">
+  <p:cSld>
+    <p:spTree>
+      <p:nvGrpSpPr>
+        <p:cNvPr id="1" name=""/>
+        <p:cNvGrpSpPr/>
+        <p:nvPr/>
+      </p:nvGrpSpPr>
+      <p:grpSpPr>
+        <a:xfrm>
+          <a:off x="0" y="0"/>
+          <a:ext cx="0" cy="0"/>
+          <a:chOff x="0" y="0"/>
+          <a:chExt cx="0" cy="0"/>
+        </a:xfrm>
+      </p:grpSpPr>
+      <p:sp>
+        <p:nvSpPr>
+          <p:cNvPr id="4" name="矩形 12"/>
+          <p:cNvSpPr>
+            <a:spLocks noChangeArrowheads="1"/>
+          </p:cNvSpPr>
+          <p:nvPr/>
+        </p:nvSpPr>
+        <p:spPr bwMode="auto">
+          <a:xfrm>
+            <a:off x="385125" y="188641"/>
+            <a:ext cx="11568417" cy="583565"/>
+          </a:xfrm>
+          <a:prstGeom prst="rect">
+            <a:avLst/>
+          </a:prstGeom>
+          <a:noFill/>
+          <a:ln>
+            <a:noFill/>
+          </a:ln>
+          <a:extLst>
+            <a:ext uri="{909E8E84-426E-40DD-AFC4-6F175D3DCCD1}">
+              <a14:hiddenFill xmlns:a14="http://schemas.microsoft.com/office/drawing/2010/main">
+                <a:solidFill>
+                  <a:srgbClr val="FFFFFF"/>
+                </a:solidFill>
+              </a14:hiddenFill>
+            </a:ext>
+            <a:ext uri="{91240B29-F687-4F45-9708-019B960494DF}">
+              <a14:hiddenLine xmlns:a14="http://schemas.microsoft.com/office/drawing/2010/main" w="9525">
+                <a:solidFill>
+                  <a:srgbClr val="000000"/>
+                </a:solidFill>
+                <a:miter lim="800000"/>
+                <a:headEnd/>
+                <a:tailEnd/>
+              </a14:hiddenLine>
+            </a:ext>
+          </a:extLst>
+        </p:spPr>
+        <p:txBody>
+          <a:bodyPr wrap="square">
+            <a:spAutoFit/>
+          </a:bodyPr>
+          <a:lstStyle/>
+          <a:p>
+            <a:pPr marL="0" lvl="1" defTabSz="457200">
+              <a:buClr>
+                <a:srgbClr val="FF0000"/>
+              </a:buClr>
+              <a:buSzPct val="100000"/>
+            </a:pPr>
+            <a:r>
+              <a:rPr lang="en-US" altLang="zh-CN" sz="3200" b="1" dirty="0">
+                <a:solidFill>
+                  <a:schemeClr val="bg1"/>
+                </a:solidFill>
+                <a:latin typeface="Arial" panose="020B0604020202020204" pitchFamily="34" charset="0"/>
+                <a:ea typeface="微软雅黑" panose="020B0503020204020204" pitchFamily="34" charset="-122"/>
+                <a:cs typeface="+mn-ea"/>
+                <a:sym typeface="Arial" panose="020B0604020202020204" pitchFamily="34" charset="0"/>
+              </a:rPr>
+              <a:t>1.1</a:t>
+            </a:r>
+            <a:r>
+              <a:rPr lang="zh-CN" altLang="en-US" sz="3200" b="1" dirty="0">
+                <a:solidFill>
+                  <a:schemeClr val="bg1"/>
+                </a:solidFill>
+                <a:latin typeface="Arial" panose="020B0604020202020204" pitchFamily="34" charset="0"/>
+                <a:ea typeface="微软雅黑" panose="020B0503020204020204" pitchFamily="34" charset="-122"/>
+                <a:cs typeface="+mn-ea"/>
+                <a:sym typeface="Arial" panose="020B0604020202020204" pitchFamily="34" charset="0"/>
+              </a:rPr>
+              <a:t>染研究意义</a:t>
+            </a:r>
+            <a:endParaRPr lang="zh-CN" altLang="en-US" sz="3200" b="1" dirty="0">
+              <a:solidFill>
+                <a:schemeClr val="bg1"/>
+              </a:solidFill>
+              <a:latin typeface="Arial" panose="020B0604020202020204" pitchFamily="34" charset="0"/>
+              <a:ea typeface="微软雅黑" panose="020B0503020204020204" pitchFamily="34" charset="-122"/>
+              <a:cs typeface="+mn-ea"/>
+              <a:sym typeface="Arial" panose="020B0604020202020204" pitchFamily="34" charset="0"/>
+            </a:endParaRPr>
+          </a:p>
+        </p:txBody>
+      </p:sp>
+      <p:sp>
+        <p:nvSpPr>
+          <p:cNvPr id="3" name="标题 2"/>
+          <p:cNvSpPr>
+            <a:spLocks noGrp="1"/>
+          </p:cNvSpPr>
+          <p:nvPr>
+            <p:ph type="title"/>
+          </p:nvPr>
+        </p:nvSpPr>
+        <p:spPr/>
+        <p:txBody>
+          <a:bodyPr/>
+          <a:lstStyle/>
+          <a:p>
+            <a:r>
+              <a:rPr lang="en-US" altLang="zh-CN" dirty="0">
+                <a:latin typeface="Arial" panose="020B0604020202020204" pitchFamily="34" charset="0"/>
+                <a:sym typeface="Arial" panose="020B0604020202020204" pitchFamily="34" charset="0"/>
+              </a:rPr>
+              <a:t>9. </a:t>
+            </a:r>
+            <a:r>
+              <a:rPr lang="en-US" altLang="zh-CN" dirty="0">
+                <a:latin typeface="Arial" panose="020B0604020202020204" pitchFamily="34" charset="0"/>
+                <a:sym typeface="Arial" panose="020B0604020202020204" pitchFamily="34" charset="0"/>
+              </a:rPr>
+              <a:t>Fitting </a:t>
+            </a:r>
+            <a:endParaRPr lang="zh-CN" altLang="en-US" dirty="0">
+              <a:latin typeface="Arial" panose="020B0604020202020204" pitchFamily="34" charset="0"/>
+              <a:sym typeface="Arial" panose="020B0604020202020204" pitchFamily="34" charset="0"/>
+            </a:endParaRPr>
+          </a:p>
+        </p:txBody>
+      </p:sp>
+      <p:sp>
+        <p:nvSpPr>
+          <p:cNvPr id="7" name="灯片编号占位符 6"/>
+          <p:cNvSpPr>
+            <a:spLocks noGrp="1"/>
+          </p:cNvSpPr>
+          <p:nvPr>
+            <p:ph type="sldNum" sz="quarter" idx="16"/>
+          </p:nvPr>
+        </p:nvSpPr>
+        <p:spPr/>
+        <p:txBody>
+          <a:bodyPr/>
+          <a:lstStyle/>
+          <a:p>
+            <a:pPr>
+              <a:defRPr/>
+            </a:pPr>
+            <a:fld id="{26F565BE-27A9-4834-BA3A-D46EFBA6086A}" type="slidenum">
+              <a:rPr lang="zh-CN" altLang="en-US" smtClean="0">
+                <a:latin typeface="Arial" panose="020B0604020202020204" pitchFamily="34" charset="0"/>
+                <a:sym typeface="Arial" panose="020B0604020202020204" pitchFamily="34" charset="0"/>
+              </a:rPr>
+            </a:fld>
+            <a:endParaRPr lang="zh-CN" altLang="en-US" dirty="0">
+              <a:latin typeface="Arial" panose="020B0604020202020204" pitchFamily="34" charset="0"/>
+              <a:sym typeface="Arial" panose="020B0604020202020204" pitchFamily="34" charset="0"/>
+            </a:endParaRPr>
+          </a:p>
+        </p:txBody>
+      </p:sp>
+      <p:cxnSp>
+        <p:nvCxnSpPr>
+          <p:cNvPr id="8" name="直接连接符 7"/>
+          <p:cNvCxnSpPr/>
+          <p:nvPr/>
+        </p:nvCxnSpPr>
+        <p:spPr>
+          <a:xfrm>
+            <a:off x="0" y="824357"/>
+            <a:ext cx="3877337" cy="0"/>
+          </a:xfrm>
+          <a:prstGeom prst="line">
+            <a:avLst/>
+          </a:prstGeom>
+          <a:ln w="31750">
+            <a:gradFill flip="none" rotWithShape="1">
+              <a:gsLst>
+                <a:gs pos="0">
+                  <a:schemeClr val="accent1">
+                    <a:lumMod val="40000"/>
+                    <a:lumOff val="60000"/>
+                  </a:schemeClr>
+                </a:gs>
+                <a:gs pos="46000">
+                  <a:schemeClr val="accent1">
+                    <a:lumMod val="40000"/>
+                    <a:lumOff val="60000"/>
+                  </a:schemeClr>
+                </a:gs>
+                <a:gs pos="100000">
+                  <a:schemeClr val="accent1">
+                    <a:lumMod val="75000"/>
+                  </a:schemeClr>
+                </a:gs>
+              </a:gsLst>
+              <a:lin ang="10800000" scaled="0"/>
+              <a:tileRect/>
+            </a:gradFill>
+          </a:ln>
+        </p:spPr>
+        <p:style>
+          <a:lnRef idx="3">
+            <a:schemeClr val="dk1"/>
+          </a:lnRef>
+          <a:fillRef idx="0">
+            <a:schemeClr val="dk1"/>
+          </a:fillRef>
+          <a:effectRef idx="2">
+            <a:schemeClr val="dk1"/>
+          </a:effectRef>
+          <a:fontRef idx="minor">
+            <a:schemeClr val="tx1"/>
+          </a:fontRef>
+        </p:style>
+      </p:cxnSp>
+      <p:sp>
+        <p:nvSpPr>
+          <p:cNvPr id="14" name="文本框 13"/>
+          <p:cNvSpPr txBox="1"/>
+          <p:nvPr/>
+        </p:nvSpPr>
+        <p:spPr>
+          <a:xfrm>
+            <a:off x="462280" y="-403225"/>
+            <a:ext cx="2025015" cy="361315"/>
+          </a:xfrm>
+          <a:prstGeom prst="rect">
+            <a:avLst/>
+          </a:prstGeom>
+        </p:spPr>
+        <p:txBody>
+          <a:bodyPr/>
+          <a:p>
+            <a:endParaRPr sz="1600"/>
+          </a:p>
+        </p:txBody>
+      </p:sp>
+      <p:pic>
+        <p:nvPicPr>
+          <p:cNvPr id="6" name="图片 5"/>
+          <p:cNvPicPr/>
+          <p:nvPr/>
+        </p:nvPicPr>
+        <p:blipFill>
+          <a:blip r:embed="rId1"/>
+        </p:blipFill>
+        <p:spPr>
+          <a:xfrm>
+            <a:off x="5010785" y="1653540"/>
+            <a:ext cx="6306185" cy="3583305"/>
+          </a:xfrm>
+          <a:prstGeom prst="rect">
+            <a:avLst/>
+          </a:prstGeom>
+          <a:effectLst>
+            <a:innerShdw blurRad="63500" dist="50800" dir="18900000">
+              <a:prstClr val="black">
+                <a:alpha val="50000"/>
+              </a:prstClr>
+            </a:innerShdw>
+            <a:reflection blurRad="6350" stA="52000" endA="300" endPos="35000" dir="5400000" sy="-100000" algn="bl" rotWithShape="0"/>
+          </a:effectLst>
+        </p:spPr>
+      </p:pic>
+      <p:cxnSp>
+        <p:nvCxnSpPr>
+          <p:cNvPr id="10" name="直接箭头连接符 9"/>
+          <p:cNvCxnSpPr/>
+          <p:nvPr/>
+        </p:nvCxnSpPr>
+        <p:spPr>
+          <a:xfrm flipH="1">
+            <a:off x="8837930" y="4887595"/>
+            <a:ext cx="1085215" cy="854075"/>
+          </a:xfrm>
+          <a:prstGeom prst="straightConnector1">
+            <a:avLst/>
+          </a:prstGeom>
+          <a:ln w="22225" cmpd="sng">
+            <a:solidFill>
+              <a:srgbClr val="FF0000"/>
+            </a:solidFill>
+            <a:prstDash val="lgDash"/>
+            <a:tailEnd type="arrow"/>
+          </a:ln>
+        </p:spPr>
+        <p:style>
+          <a:lnRef idx="2">
+            <a:schemeClr val="accent1"/>
+          </a:lnRef>
+          <a:fillRef idx="0">
+            <a:srgbClr val="FFFFFF"/>
+          </a:fillRef>
+          <a:effectRef idx="0">
+            <a:srgbClr val="FFFFFF"/>
+          </a:effectRef>
+          <a:fontRef idx="minor">
+            <a:schemeClr val="tx1"/>
+          </a:fontRef>
+        </p:style>
+      </p:cxnSp>
+      <p:sp>
+        <p:nvSpPr>
+          <p:cNvPr id="27" name="标题 2"/>
+          <p:cNvSpPr txBox="1"/>
+          <p:nvPr/>
+        </p:nvSpPr>
+        <p:spPr>
+          <a:xfrm>
+            <a:off x="7625715" y="5767070"/>
+            <a:ext cx="2462530" cy="650875"/>
+          </a:xfrm>
+          <a:prstGeom prst="rect">
+            <a:avLst/>
+          </a:prstGeom>
+        </p:spPr>
+        <p:txBody>
+          <a:bodyPr vert="horz" lIns="91440" tIns="45720" rIns="91440" bIns="45720" rtlCol="0" anchor="ctr">
+            <a:noAutofit/>
+          </a:bodyPr>
+          <a:lstStyle>
+            <a:lvl1pPr marL="0" algn="l" defTabSz="685800" rtl="0" eaLnBrk="1" latinLnBrk="0" hangingPunct="1">
+              <a:lnSpc>
+                <a:spcPct val="100000"/>
+              </a:lnSpc>
+              <a:spcBef>
+                <a:spcPct val="0"/>
+              </a:spcBef>
+              <a:buNone/>
+              <a:defRPr lang="en-US" sz="3200" b="1" kern="1200" dirty="0">
+                <a:solidFill>
+                  <a:srgbClr val="002060"/>
+                </a:solidFill>
+                <a:latin typeface="微软雅黑" panose="020B0503020204020204" pitchFamily="34" charset="-122"/>
+                <a:ea typeface="微软雅黑" panose="020B0503020204020204" pitchFamily="34" charset="-122"/>
+                <a:cs typeface="+mn-cs"/>
+              </a:defRPr>
+            </a:lvl1pPr>
+          </a:lstStyle>
+          <a:p>
+            <a:r>
+              <a:rPr altLang="zh-CN" sz="2000" dirty="0">
+                <a:latin typeface="Arial" panose="020B0604020202020204" pitchFamily="34" charset="0"/>
+                <a:sym typeface="Arial" panose="020B0604020202020204" pitchFamily="34" charset="0"/>
+              </a:rPr>
+              <a:t>Model </a:t>
+            </a:r>
+            <a:r>
+              <a:rPr altLang="zh-CN" sz="2000" dirty="0">
+                <a:latin typeface="Arial" panose="020B0604020202020204" pitchFamily="34" charset="0"/>
+                <a:sym typeface="Arial" panose="020B0604020202020204" pitchFamily="34" charset="0"/>
+              </a:rPr>
+              <a:t>Complexity</a:t>
+            </a:r>
+            <a:endParaRPr altLang="zh-CN" sz="2000" dirty="0">
+              <a:latin typeface="Arial" panose="020B0604020202020204" pitchFamily="34" charset="0"/>
+              <a:sym typeface="Arial" panose="020B0604020202020204" pitchFamily="34" charset="0"/>
+            </a:endParaRPr>
+          </a:p>
+        </p:txBody>
+      </p:sp>
+      <p:grpSp>
+        <p:nvGrpSpPr>
+          <p:cNvPr id="23" name="组合 22"/>
+          <p:cNvGrpSpPr/>
+          <p:nvPr/>
+        </p:nvGrpSpPr>
+        <p:grpSpPr>
+          <a:xfrm>
+            <a:off x="1200150" y="1848485"/>
+            <a:ext cx="2602230" cy="1134110"/>
+            <a:chOff x="1890" y="2911"/>
+            <a:chExt cx="4098" cy="1786"/>
+          </a:xfrm>
+        </p:grpSpPr>
+        <p:sp>
+          <p:nvSpPr>
+            <p:cNvPr id="15" name="标题 2"/>
+            <p:cNvSpPr txBox="1"/>
+            <p:nvPr/>
+          </p:nvSpPr>
+          <p:spPr>
+            <a:xfrm>
+              <a:off x="1890" y="2911"/>
+              <a:ext cx="4098" cy="1786"/>
+            </a:xfrm>
+            <a:prstGeom prst="rect">
+              <a:avLst/>
+            </a:prstGeom>
+          </p:spPr>
+          <p:txBody>
+            <a:bodyPr vert="horz" lIns="91440" tIns="45720" rIns="91440" bIns="45720" rtlCol="0" anchor="ctr">
+              <a:noAutofit/>
+            </a:bodyPr>
+            <a:lstStyle>
+              <a:lvl1pPr marL="0" algn="l" defTabSz="685800" rtl="0" eaLnBrk="1" latinLnBrk="0" hangingPunct="1">
+                <a:lnSpc>
+                  <a:spcPct val="100000"/>
+                </a:lnSpc>
+                <a:spcBef>
+                  <a:spcPct val="0"/>
+                </a:spcBef>
+                <a:buNone/>
+                <a:defRPr lang="en-US" sz="3200" b="1" kern="1200" dirty="0">
+                  <a:solidFill>
+                    <a:srgbClr val="002060"/>
+                  </a:solidFill>
+                  <a:latin typeface="微软雅黑" panose="020B0503020204020204" pitchFamily="34" charset="-122"/>
+                  <a:ea typeface="微软雅黑" panose="020B0503020204020204" pitchFamily="34" charset="-122"/>
+                  <a:cs typeface="+mn-cs"/>
+                </a:defRPr>
+              </a:lvl1pPr>
+            </a:lstStyle>
+            <a:p>
+              <a:r>
+                <a:rPr lang="zh-CN" altLang="zh-CN" sz="2000" dirty="0">
+                  <a:solidFill>
+                    <a:srgbClr val="FF0000"/>
+                  </a:solidFill>
+                  <a:latin typeface="Arial" panose="020B0604020202020204" pitchFamily="34" charset="0"/>
+                  <a:sym typeface="Arial" panose="020B0604020202020204" pitchFamily="34" charset="0"/>
+                </a:rPr>
+                <a:t>模型复杂度</a:t>
+              </a:r>
+              <a:r>
+                <a:rPr lang="zh-CN" altLang="en-US" sz="2000" dirty="0">
+                  <a:solidFill>
+                    <a:srgbClr val="FF0000"/>
+                  </a:solidFill>
+                  <a:latin typeface="Arial" panose="020B0604020202020204" pitchFamily="34" charset="0"/>
+                  <a:sym typeface="Arial" panose="020B0604020202020204" pitchFamily="34" charset="0"/>
+                </a:rPr>
+                <a:t>：</a:t>
+              </a:r>
+              <a:endParaRPr lang="zh-CN" altLang="en-US" sz="2000" dirty="0">
+                <a:latin typeface="Arial" panose="020B0604020202020204" pitchFamily="34" charset="0"/>
+                <a:sym typeface="Arial" panose="020B0604020202020204" pitchFamily="34" charset="0"/>
+              </a:endParaRPr>
+            </a:p>
+            <a:p>
+              <a:r>
+                <a:rPr altLang="zh-CN" sz="2000" dirty="0">
+                  <a:latin typeface="Arial" panose="020B0604020202020204" pitchFamily="34" charset="0"/>
+                  <a:sym typeface="Arial" panose="020B0604020202020204" pitchFamily="34" charset="0"/>
+                </a:rPr>
+                <a:t> </a:t>
+              </a:r>
+              <a:endParaRPr altLang="zh-CN" sz="2000" dirty="0">
+                <a:latin typeface="Arial" panose="020B0604020202020204" pitchFamily="34" charset="0"/>
+                <a:sym typeface="Arial" panose="020B0604020202020204" pitchFamily="34" charset="0"/>
+              </a:endParaRPr>
+            </a:p>
+            <a:p>
+              <a:r>
+                <a:rPr altLang="zh-CN" sz="2000" dirty="0">
+                  <a:latin typeface="Arial" panose="020B0604020202020204" pitchFamily="34" charset="0"/>
+                  <a:sym typeface="Arial" panose="020B0604020202020204" pitchFamily="34" charset="0"/>
+                </a:rPr>
+                <a:t>   </a:t>
+              </a:r>
+              <a:r>
+                <a:rPr lang="zh-CN" altLang="en-US" sz="2000" dirty="0">
+                  <a:latin typeface="Arial" panose="020B0604020202020204" pitchFamily="34" charset="0"/>
+                  <a:sym typeface="Arial" panose="020B0604020202020204" pitchFamily="34" charset="0"/>
+                </a:rPr>
+                <a:t>大</a:t>
+              </a:r>
+              <a:r>
+                <a:rPr altLang="zh-CN" sz="2000" dirty="0">
+                  <a:latin typeface="Arial" panose="020B0604020202020204" pitchFamily="34" charset="0"/>
+                  <a:sym typeface="Arial" panose="020B0604020202020204" pitchFamily="34" charset="0"/>
+                </a:rPr>
+                <a:t> -&gt; </a:t>
+              </a:r>
+              <a:r>
+                <a:rPr lang="zh-CN" altLang="en-US" sz="2000" dirty="0">
+                  <a:latin typeface="Arial" panose="020B0604020202020204" pitchFamily="34" charset="0"/>
+                  <a:sym typeface="Arial" panose="020B0604020202020204" pitchFamily="34" charset="0"/>
+                </a:rPr>
+                <a:t>过拟合</a:t>
+              </a:r>
+              <a:endParaRPr lang="zh-CN" altLang="en-US" sz="2000" dirty="0">
+                <a:latin typeface="Arial" panose="020B0604020202020204" pitchFamily="34" charset="0"/>
+                <a:sym typeface="Arial" panose="020B0604020202020204" pitchFamily="34" charset="0"/>
+              </a:endParaRPr>
+            </a:p>
+          </p:txBody>
+        </p:sp>
+        <p:sp>
+          <p:nvSpPr>
+            <p:cNvPr id="17" name="圆角矩形 16"/>
+            <p:cNvSpPr/>
+            <p:nvPr/>
+          </p:nvSpPr>
+          <p:spPr>
+            <a:xfrm>
+              <a:off x="1938" y="3044"/>
+              <a:ext cx="2320" cy="580"/>
+            </a:xfrm>
+            <a:prstGeom prst="roundRect">
+              <a:avLst/>
+            </a:prstGeom>
+            <a:noFill/>
+            <a:ln w="19050" cmpd="sng">
+              <a:solidFill>
+                <a:srgbClr val="FF0000"/>
+              </a:solidFill>
+              <a:prstDash val="lgDash"/>
+            </a:ln>
+          </p:spPr>
+          <p:style>
+            <a:lnRef idx="2">
+              <a:schemeClr val="accent1">
+                <a:lumMod val="75000"/>
+              </a:schemeClr>
+            </a:lnRef>
+            <a:fillRef idx="1">
+              <a:schemeClr val="accent1"/>
+            </a:fillRef>
+            <a:effectRef idx="0">
+              <a:srgbClr val="FFFFFF"/>
+            </a:effectRef>
+            <a:fontRef idx="minor">
+              <a:schemeClr val="lt1"/>
+            </a:fontRef>
+          </p:style>
+          <p:txBody>
+            <a:bodyPr rtlCol="0" anchor="ctr"/>
+            <a:p>
+              <a:pPr algn="ctr"/>
+              <a:endParaRPr lang="zh-CN" altLang="en-US"/>
+            </a:p>
+          </p:txBody>
+        </p:sp>
+      </p:grpSp>
+      <p:grpSp>
+        <p:nvGrpSpPr>
+          <p:cNvPr id="24" name="组合 23"/>
+          <p:cNvGrpSpPr/>
+          <p:nvPr/>
+        </p:nvGrpSpPr>
+        <p:grpSpPr>
+          <a:xfrm>
+            <a:off x="1200150" y="3778250"/>
+            <a:ext cx="2602230" cy="1134110"/>
+            <a:chOff x="1890" y="2911"/>
+            <a:chExt cx="4098" cy="1786"/>
+          </a:xfrm>
+        </p:grpSpPr>
+        <p:sp>
+          <p:nvSpPr>
+            <p:cNvPr id="25" name="标题 2"/>
+            <p:cNvSpPr txBox="1"/>
+            <p:nvPr/>
+          </p:nvSpPr>
+          <p:spPr>
+            <a:xfrm>
+              <a:off x="1890" y="2911"/>
+              <a:ext cx="4098" cy="1786"/>
+            </a:xfrm>
+            <a:prstGeom prst="rect">
+              <a:avLst/>
+            </a:prstGeom>
+          </p:spPr>
+          <p:txBody>
+            <a:bodyPr vert="horz" lIns="91440" tIns="45720" rIns="91440" bIns="45720" rtlCol="0" anchor="ctr">
+              <a:noAutofit/>
+            </a:bodyPr>
+            <a:lstStyle>
+              <a:lvl1pPr marL="0" algn="l" defTabSz="685800" rtl="0" eaLnBrk="1" latinLnBrk="0" hangingPunct="1">
+                <a:lnSpc>
+                  <a:spcPct val="100000"/>
+                </a:lnSpc>
+                <a:spcBef>
+                  <a:spcPct val="0"/>
+                </a:spcBef>
+                <a:buNone/>
+                <a:defRPr lang="en-US" sz="3200" b="1" kern="1200" dirty="0">
+                  <a:solidFill>
+                    <a:srgbClr val="002060"/>
+                  </a:solidFill>
+                  <a:latin typeface="微软雅黑" panose="020B0503020204020204" pitchFamily="34" charset="-122"/>
+                  <a:ea typeface="微软雅黑" panose="020B0503020204020204" pitchFamily="34" charset="-122"/>
+                  <a:cs typeface="+mn-cs"/>
+                </a:defRPr>
+              </a:lvl1pPr>
+            </a:lstStyle>
+            <a:p>
+              <a:r>
+                <a:rPr altLang="zh-CN" sz="2000" dirty="0">
+                  <a:solidFill>
+                    <a:srgbClr val="FF0000"/>
+                  </a:solidFill>
+                  <a:latin typeface="Arial" panose="020B0604020202020204" pitchFamily="34" charset="0"/>
+                  <a:sym typeface="Arial" panose="020B0604020202020204" pitchFamily="34" charset="0"/>
+                </a:rPr>
+                <a:t>  </a:t>
+              </a:r>
+              <a:r>
+                <a:rPr lang="zh-CN" altLang="en-US" sz="2000" dirty="0">
+                  <a:solidFill>
+                    <a:srgbClr val="FF0000"/>
+                  </a:solidFill>
+                  <a:latin typeface="Arial" panose="020B0604020202020204" pitchFamily="34" charset="0"/>
+                  <a:sym typeface="Arial" panose="020B0604020202020204" pitchFamily="34" charset="0"/>
+                </a:rPr>
+                <a:t>样本</a:t>
+              </a:r>
+              <a:r>
+                <a:rPr lang="zh-CN" altLang="en-US" sz="2000" dirty="0">
+                  <a:solidFill>
+                    <a:srgbClr val="FF0000"/>
+                  </a:solidFill>
+                  <a:latin typeface="Arial" panose="020B0604020202020204" pitchFamily="34" charset="0"/>
+                  <a:sym typeface="Arial" panose="020B0604020202020204" pitchFamily="34" charset="0"/>
+                </a:rPr>
+                <a:t>规模：</a:t>
+              </a:r>
+              <a:endParaRPr lang="zh-CN" altLang="en-US" sz="2000" dirty="0">
+                <a:latin typeface="Arial" panose="020B0604020202020204" pitchFamily="34" charset="0"/>
+                <a:sym typeface="Arial" panose="020B0604020202020204" pitchFamily="34" charset="0"/>
+              </a:endParaRPr>
+            </a:p>
+            <a:p>
+              <a:r>
+                <a:rPr altLang="zh-CN" sz="2000" dirty="0">
+                  <a:latin typeface="Arial" panose="020B0604020202020204" pitchFamily="34" charset="0"/>
+                  <a:sym typeface="Arial" panose="020B0604020202020204" pitchFamily="34" charset="0"/>
+                </a:rPr>
+                <a:t> </a:t>
+              </a:r>
+              <a:endParaRPr altLang="zh-CN" sz="2000" dirty="0">
+                <a:latin typeface="Arial" panose="020B0604020202020204" pitchFamily="34" charset="0"/>
+                <a:sym typeface="Arial" panose="020B0604020202020204" pitchFamily="34" charset="0"/>
+              </a:endParaRPr>
+            </a:p>
+            <a:p>
+              <a:r>
+                <a:rPr altLang="zh-CN" sz="2000" dirty="0">
+                  <a:latin typeface="Arial" panose="020B0604020202020204" pitchFamily="34" charset="0"/>
+                  <a:sym typeface="Arial" panose="020B0604020202020204" pitchFamily="34" charset="0"/>
+                </a:rPr>
+                <a:t>   </a:t>
+              </a:r>
+              <a:r>
+                <a:rPr lang="zh-CN" altLang="en-US" sz="2000" dirty="0">
+                  <a:latin typeface="Arial" panose="020B0604020202020204" pitchFamily="34" charset="0"/>
+                  <a:sym typeface="Arial" panose="020B0604020202020204" pitchFamily="34" charset="0"/>
+                </a:rPr>
+                <a:t>小</a:t>
+              </a:r>
+              <a:r>
+                <a:rPr altLang="zh-CN" sz="2000" dirty="0">
+                  <a:latin typeface="Arial" panose="020B0604020202020204" pitchFamily="34" charset="0"/>
+                  <a:sym typeface="Arial" panose="020B0604020202020204" pitchFamily="34" charset="0"/>
+                </a:rPr>
+                <a:t> -&gt; </a:t>
+              </a:r>
+              <a:r>
+                <a:rPr lang="zh-CN" altLang="en-US" sz="2000" dirty="0">
+                  <a:latin typeface="Arial" panose="020B0604020202020204" pitchFamily="34" charset="0"/>
+                  <a:sym typeface="Arial" panose="020B0604020202020204" pitchFamily="34" charset="0"/>
+                </a:rPr>
+                <a:t>过拟合</a:t>
+              </a:r>
+              <a:endParaRPr lang="zh-CN" altLang="en-US" sz="2000" dirty="0">
+                <a:latin typeface="Arial" panose="020B0604020202020204" pitchFamily="34" charset="0"/>
+                <a:sym typeface="Arial" panose="020B0604020202020204" pitchFamily="34" charset="0"/>
+              </a:endParaRPr>
+            </a:p>
+          </p:txBody>
+        </p:sp>
+        <p:sp>
+          <p:nvSpPr>
+            <p:cNvPr id="26" name="圆角矩形 25"/>
+            <p:cNvSpPr/>
+            <p:nvPr/>
+          </p:nvSpPr>
+          <p:spPr>
+            <a:xfrm>
+              <a:off x="1938" y="3044"/>
+              <a:ext cx="2320" cy="580"/>
+            </a:xfrm>
+            <a:prstGeom prst="roundRect">
+              <a:avLst/>
+            </a:prstGeom>
+            <a:noFill/>
+            <a:ln w="19050" cmpd="sng">
+              <a:solidFill>
+                <a:srgbClr val="FF0000"/>
+              </a:solidFill>
+              <a:prstDash val="lgDash"/>
+            </a:ln>
+          </p:spPr>
+          <p:style>
+            <a:lnRef idx="2">
+              <a:schemeClr val="accent1">
+                <a:lumMod val="75000"/>
+              </a:schemeClr>
+            </a:lnRef>
+            <a:fillRef idx="1">
+              <a:schemeClr val="accent1"/>
+            </a:fillRef>
+            <a:effectRef idx="0">
+              <a:srgbClr val="FFFFFF"/>
+            </a:effectRef>
+            <a:fontRef idx="minor">
+              <a:schemeClr val="lt1"/>
+            </a:fontRef>
+          </p:style>
+          <p:txBody>
+            <a:bodyPr rtlCol="0" anchor="ctr"/>
+            <a:p>
+              <a:pPr algn="ctr"/>
+              <a:endParaRPr lang="zh-CN" altLang="en-US"/>
+            </a:p>
+          </p:txBody>
+        </p:sp>
+      </p:grpSp>
+      <p:cxnSp>
+        <p:nvCxnSpPr>
+          <p:cNvPr id="28" name="直接箭头连接符 27"/>
+          <p:cNvCxnSpPr>
+            <a:stCxn id="17" idx="3"/>
+          </p:cNvCxnSpPr>
+          <p:nvPr/>
+        </p:nvCxnSpPr>
+        <p:spPr>
+          <a:xfrm flipV="1">
+            <a:off x="2703830" y="1448435"/>
+            <a:ext cx="1229995" cy="668655"/>
+          </a:xfrm>
+          <a:prstGeom prst="straightConnector1">
+            <a:avLst/>
+          </a:prstGeom>
+          <a:ln w="12700" cmpd="sng">
+            <a:solidFill>
+              <a:srgbClr val="00B0F0"/>
+            </a:solidFill>
+            <a:prstDash val="lgDash"/>
+            <a:tailEnd type="arrow"/>
+          </a:ln>
+        </p:spPr>
+        <p:style>
+          <a:lnRef idx="2">
+            <a:schemeClr val="accent1"/>
+          </a:lnRef>
+          <a:fillRef idx="0">
+            <a:srgbClr val="FFFFFF"/>
+          </a:fillRef>
+          <a:effectRef idx="0">
+            <a:srgbClr val="FFFFFF"/>
+          </a:effectRef>
+          <a:fontRef idx="minor">
+            <a:schemeClr val="tx1"/>
+          </a:fontRef>
+        </p:style>
+      </p:cxnSp>
+      <p:cxnSp>
+        <p:nvCxnSpPr>
+          <p:cNvPr id="29" name="直接箭头连接符 28"/>
+          <p:cNvCxnSpPr>
+            <a:stCxn id="26" idx="3"/>
+          </p:cNvCxnSpPr>
+          <p:nvPr/>
+        </p:nvCxnSpPr>
+        <p:spPr>
+          <a:xfrm flipV="1">
+            <a:off x="2703830" y="1680845"/>
+            <a:ext cx="1404620" cy="2366010"/>
+          </a:xfrm>
+          <a:prstGeom prst="straightConnector1">
+            <a:avLst/>
+          </a:prstGeom>
+          <a:ln w="12700" cmpd="sng">
+            <a:solidFill>
+              <a:srgbClr val="00B0F0"/>
+            </a:solidFill>
+            <a:prstDash val="lgDash"/>
+            <a:tailEnd type="arrow"/>
+          </a:ln>
+        </p:spPr>
+        <p:style>
+          <a:lnRef idx="2">
+            <a:schemeClr val="accent1"/>
+          </a:lnRef>
+          <a:fillRef idx="0">
+            <a:srgbClr val="FFFFFF"/>
+          </a:fillRef>
+          <a:effectRef idx="0">
+            <a:srgbClr val="FFFFFF"/>
+          </a:effectRef>
+          <a:fontRef idx="minor">
+            <a:schemeClr val="tx1"/>
+          </a:fontRef>
+        </p:style>
+      </p:cxnSp>
+      <p:sp>
+        <p:nvSpPr>
+          <p:cNvPr id="30" name="标题 2"/>
+          <p:cNvSpPr txBox="1"/>
+          <p:nvPr/>
+        </p:nvSpPr>
+        <p:spPr>
+          <a:xfrm>
+            <a:off x="4108450" y="1002665"/>
+            <a:ext cx="1271270" cy="650875"/>
+          </a:xfrm>
+          <a:prstGeom prst="rect">
+            <a:avLst/>
+          </a:prstGeom>
+          <a:effectLst>
+            <a:glow rad="63500">
+              <a:schemeClr val="accent2">
+                <a:satMod val="175000"/>
+                <a:alpha val="40000"/>
+              </a:schemeClr>
+            </a:glow>
+          </a:effectLst>
+        </p:spPr>
+        <p:txBody>
+          <a:bodyPr vert="horz" lIns="91440" tIns="45720" rIns="91440" bIns="45720" rtlCol="0" anchor="ctr">
+            <a:noAutofit/>
+          </a:bodyPr>
+          <a:lstStyle>
+            <a:lvl1pPr marL="0" algn="l" defTabSz="685800" rtl="0" eaLnBrk="1" latinLnBrk="0" hangingPunct="1">
+              <a:lnSpc>
+                <a:spcPct val="100000"/>
+              </a:lnSpc>
+              <a:spcBef>
+                <a:spcPct val="0"/>
+              </a:spcBef>
+              <a:buNone/>
+              <a:defRPr lang="en-US" sz="3200" b="1" kern="1200" dirty="0">
+                <a:solidFill>
+                  <a:srgbClr val="002060"/>
+                </a:solidFill>
+                <a:latin typeface="微软雅黑" panose="020B0503020204020204" pitchFamily="34" charset="-122"/>
+                <a:ea typeface="微软雅黑" panose="020B0503020204020204" pitchFamily="34" charset="-122"/>
+                <a:cs typeface="+mn-cs"/>
+              </a:defRPr>
+            </a:lvl1pPr>
+          </a:lstStyle>
+          <a:p>
+            <a:r>
+              <a:rPr lang="zh-CN" altLang="en-US" sz="2000" dirty="0">
+                <a:latin typeface="Arial" panose="020B0604020202020204" pitchFamily="34" charset="0"/>
+                <a:sym typeface="Arial" panose="020B0604020202020204" pitchFamily="34" charset="0"/>
+              </a:rPr>
+              <a:t>两大因素</a:t>
+            </a:r>
+            <a:endParaRPr lang="zh-CN" altLang="en-US" sz="2000" dirty="0">
+              <a:latin typeface="Arial" panose="020B0604020202020204" pitchFamily="34" charset="0"/>
+              <a:sym typeface="Arial" panose="020B0604020202020204" pitchFamily="34" charset="0"/>
+            </a:endParaRPr>
+          </a:p>
+        </p:txBody>
+      </p:sp>
+    </p:spTree>
+  </p:cSld>
+  <p:clrMapOvr>
+    <a:masterClrMapping/>
+  </p:clrMapOvr>
+  <p:transition advClick="0" advTm="0"/>
+</p:sld>
+</file>
+
+<file path=ppt/slides/slide16.xml><?xml version="1.0" encoding="utf-8"?>
+<p:sld xmlns:a="http://schemas.openxmlformats.org/drawingml/2006/main" xmlns:r="http://schemas.openxmlformats.org/officeDocument/2006/relationships" xmlns:p="http://schemas.openxmlformats.org/presentationml/2006/main">
+  <p:cSld>
+    <p:spTree>
+      <p:nvGrpSpPr>
+        <p:cNvPr id="1" name=""/>
+        <p:cNvGrpSpPr/>
+        <p:nvPr/>
+      </p:nvGrpSpPr>
+      <p:grpSpPr>
+        <a:xfrm>
+          <a:off x="0" y="0"/>
+          <a:ext cx="0" cy="0"/>
+          <a:chOff x="0" y="0"/>
+          <a:chExt cx="0" cy="0"/>
+        </a:xfrm>
+      </p:grpSpPr>
+      <p:sp>
+        <p:nvSpPr>
+          <p:cNvPr id="3" name="标题 2"/>
+          <p:cNvSpPr>
+            <a:spLocks noGrp="1"/>
+          </p:cNvSpPr>
+          <p:nvPr>
+            <p:ph type="title"/>
+          </p:nvPr>
+        </p:nvSpPr>
+        <p:spPr/>
+        <p:txBody>
+          <a:bodyPr/>
+          <a:lstStyle/>
+          <a:p>
+            <a:r>
+              <a:rPr lang="en-US" altLang="zh-CN" dirty="0">
+                <a:latin typeface="Arial" panose="020B0604020202020204" pitchFamily="34" charset="0"/>
+                <a:sym typeface="Arial" panose="020B0604020202020204" pitchFamily="34" charset="0"/>
+              </a:rPr>
+              <a:t>9. Fitting </a:t>
+            </a:r>
+            <a:endParaRPr lang="zh-CN" altLang="en-US" dirty="0">
+              <a:latin typeface="Arial" panose="020B0604020202020204" pitchFamily="34" charset="0"/>
+              <a:sym typeface="Arial" panose="020B0604020202020204" pitchFamily="34" charset="0"/>
+            </a:endParaRPr>
+          </a:p>
+        </p:txBody>
+      </p:sp>
+      <p:sp>
+        <p:nvSpPr>
+          <p:cNvPr id="7" name="灯片编号占位符 6"/>
+          <p:cNvSpPr>
+            <a:spLocks noGrp="1"/>
+          </p:cNvSpPr>
+          <p:nvPr>
+            <p:ph type="sldNum" sz="quarter" idx="16"/>
+          </p:nvPr>
+        </p:nvSpPr>
+        <p:spPr/>
+        <p:txBody>
+          <a:bodyPr/>
+          <a:lstStyle/>
+          <a:p>
+            <a:pPr>
+              <a:defRPr/>
+            </a:pPr>
+            <a:fld id="{26F565BE-27A9-4834-BA3A-D46EFBA6086A}" type="slidenum">
+              <a:rPr lang="zh-CN" altLang="en-US" smtClean="0">
+                <a:latin typeface="Arial" panose="020B0604020202020204" pitchFamily="34" charset="0"/>
+                <a:sym typeface="Arial" panose="020B0604020202020204" pitchFamily="34" charset="0"/>
+              </a:rPr>
+            </a:fld>
+            <a:endParaRPr lang="zh-CN" altLang="en-US" dirty="0">
+              <a:latin typeface="Arial" panose="020B0604020202020204" pitchFamily="34" charset="0"/>
+              <a:sym typeface="Arial" panose="020B0604020202020204" pitchFamily="34" charset="0"/>
+            </a:endParaRPr>
+          </a:p>
+        </p:txBody>
+      </p:sp>
+      <p:cxnSp>
+        <p:nvCxnSpPr>
+          <p:cNvPr id="8" name="直接连接符 7"/>
+          <p:cNvCxnSpPr/>
+          <p:nvPr/>
+        </p:nvCxnSpPr>
+        <p:spPr>
+          <a:xfrm>
+            <a:off x="0" y="824357"/>
+            <a:ext cx="3877337" cy="0"/>
+          </a:xfrm>
+          <a:prstGeom prst="line">
+            <a:avLst/>
+          </a:prstGeom>
+          <a:ln w="31750">
+            <a:gradFill flip="none" rotWithShape="1">
+              <a:gsLst>
+                <a:gs pos="0">
+                  <a:schemeClr val="accent1">
+                    <a:lumMod val="40000"/>
+                    <a:lumOff val="60000"/>
+                  </a:schemeClr>
+                </a:gs>
+                <a:gs pos="46000">
+                  <a:schemeClr val="accent1">
+                    <a:lumMod val="40000"/>
+                    <a:lumOff val="60000"/>
+                  </a:schemeClr>
+                </a:gs>
+                <a:gs pos="100000">
+                  <a:schemeClr val="accent1">
+                    <a:lumMod val="75000"/>
+                  </a:schemeClr>
+                </a:gs>
+              </a:gsLst>
+              <a:lin ang="10800000" scaled="0"/>
+              <a:tileRect/>
+            </a:gradFill>
+          </a:ln>
+        </p:spPr>
+        <p:style>
+          <a:lnRef idx="3">
+            <a:schemeClr val="dk1"/>
+          </a:lnRef>
+          <a:fillRef idx="0">
+            <a:schemeClr val="dk1"/>
+          </a:fillRef>
+          <a:effectRef idx="2">
+            <a:schemeClr val="dk1"/>
+          </a:effectRef>
+          <a:fontRef idx="minor">
+            <a:schemeClr val="tx1"/>
+          </a:fontRef>
+        </p:style>
+      </p:cxnSp>
+      <p:sp>
+        <p:nvSpPr>
+          <p:cNvPr id="14" name="文本框 13"/>
+          <p:cNvSpPr txBox="1"/>
+          <p:nvPr/>
+        </p:nvSpPr>
+        <p:spPr>
+          <a:xfrm>
+            <a:off x="462280" y="-403225"/>
+            <a:ext cx="2025015" cy="361315"/>
+          </a:xfrm>
+          <a:prstGeom prst="rect">
+            <a:avLst/>
+          </a:prstGeom>
+        </p:spPr>
+        <p:txBody>
+          <a:bodyPr/>
+          <a:p>
+            <a:endParaRPr sz="1600"/>
+          </a:p>
+        </p:txBody>
+      </p:sp>
+      <p:sp>
+        <p:nvSpPr>
+          <p:cNvPr id="2" name="标题 2"/>
+          <p:cNvSpPr txBox="1"/>
+          <p:nvPr/>
+        </p:nvSpPr>
+        <p:spPr>
+          <a:xfrm>
+            <a:off x="2661285" y="847725"/>
+            <a:ext cx="6118225" cy="650875"/>
+          </a:xfrm>
+          <a:prstGeom prst="rect">
+            <a:avLst/>
+          </a:prstGeom>
+        </p:spPr>
+        <p:txBody>
+          <a:bodyPr vert="horz" lIns="91440" tIns="45720" rIns="91440" bIns="45720" rtlCol="0" anchor="ctr">
+            <a:noAutofit/>
+          </a:bodyPr>
+          <a:lstStyle>
+            <a:lvl1pPr marL="0" algn="l" defTabSz="685800" rtl="0" eaLnBrk="1" latinLnBrk="0" hangingPunct="1">
+              <a:lnSpc>
+                <a:spcPct val="100000"/>
+              </a:lnSpc>
+              <a:spcBef>
+                <a:spcPct val="0"/>
+              </a:spcBef>
+              <a:buNone/>
+              <a:defRPr lang="en-US" sz="3200" b="1" kern="1200" dirty="0">
+                <a:solidFill>
+                  <a:srgbClr val="002060"/>
+                </a:solidFill>
+                <a:latin typeface="微软雅黑" panose="020B0503020204020204" pitchFamily="34" charset="-122"/>
+                <a:ea typeface="微软雅黑" panose="020B0503020204020204" pitchFamily="34" charset="-122"/>
+                <a:cs typeface="+mn-cs"/>
+              </a:defRPr>
+            </a:lvl1pPr>
+          </a:lstStyle>
+          <a:p>
+            <a:r>
+              <a:rPr altLang="zh-CN" sz="2000" dirty="0">
+                <a:latin typeface="Arial" panose="020B0604020202020204" pitchFamily="34" charset="0"/>
+                <a:sym typeface="Arial" panose="020B0604020202020204" pitchFamily="34" charset="0"/>
+              </a:rPr>
+              <a:t>Weight Decay also called “L2 regularization”</a:t>
+            </a:r>
+            <a:endParaRPr altLang="zh-CN" sz="2000" dirty="0">
+              <a:latin typeface="Arial" panose="020B0604020202020204" pitchFamily="34" charset="0"/>
+              <a:sym typeface="Arial" panose="020B0604020202020204" pitchFamily="34" charset="0"/>
+            </a:endParaRPr>
+          </a:p>
+        </p:txBody>
+      </p:sp>
+      <p:pic>
+        <p:nvPicPr>
+          <p:cNvPr id="9" name="图片 8"/>
+          <p:cNvPicPr/>
+          <p:nvPr/>
+        </p:nvPicPr>
+        <p:blipFill>
+          <a:blip r:embed="rId1"/>
+        </p:blipFill>
+        <p:spPr>
+          <a:xfrm>
+            <a:off x="5554980" y="2008505"/>
+            <a:ext cx="6012180" cy="3550285"/>
+          </a:xfrm>
+          <a:prstGeom prst="rect">
+            <a:avLst/>
+          </a:prstGeom>
+          <a:ln w="41275" cap="rnd" cmpd="sng">
+            <a:solidFill>
+              <a:srgbClr val="00B050"/>
+            </a:solidFill>
+            <a:prstDash val="sysDot"/>
+            <a:bevel/>
+            <a:headEnd/>
+            <a:tailEnd/>
+          </a:ln>
+          <a:effectLst>
+            <a:outerShdw blurRad="50800" dist="38100" dir="2700000" algn="tl" rotWithShape="0">
+              <a:prstClr val="black">
+                <a:alpha val="40000"/>
+              </a:prstClr>
+            </a:outerShdw>
+          </a:effectLst>
+          <a:scene3d>
+            <a:camera prst="orthographicFront">
+              <a:rot lat="0" lon="0" rev="0"/>
+            </a:camera>
+            <a:lightRig rig="threePt" dir="t"/>
+          </a:scene3d>
+        </p:spPr>
+      </p:pic>
+      <p:sp>
+        <p:nvSpPr>
+          <p:cNvPr id="12" name="矩形 11"/>
+          <p:cNvSpPr/>
+          <p:nvPr/>
+        </p:nvSpPr>
+        <p:spPr>
+          <a:xfrm>
+            <a:off x="10011410" y="4578985"/>
+            <a:ext cx="1366520" cy="755650"/>
+          </a:xfrm>
+          <a:prstGeom prst="rect">
+            <a:avLst/>
+          </a:prstGeom>
+          <a:noFill/>
+          <a:ln w="22225" cmpd="sng">
+            <a:solidFill>
+              <a:schemeClr val="accent1">
+                <a:shade val="50000"/>
+              </a:schemeClr>
+            </a:solidFill>
+            <a:prstDash val="dashDot"/>
+          </a:ln>
+        </p:spPr>
+        <p:style>
+          <a:lnRef idx="2">
+            <a:schemeClr val="accent1">
+              <a:lumMod val="75000"/>
+            </a:schemeClr>
+          </a:lnRef>
+          <a:fillRef idx="1">
+            <a:schemeClr val="accent1"/>
+          </a:fillRef>
+          <a:effectRef idx="0">
+            <a:srgbClr val="FFFFFF"/>
+          </a:effectRef>
+          <a:fontRef idx="minor">
+            <a:schemeClr val="lt1"/>
+          </a:fontRef>
+        </p:style>
+        <p:txBody>
+          <a:bodyPr rtlCol="0" anchor="ctr"/>
+          <a:p>
+            <a:pPr algn="ctr"/>
+            <a:endParaRPr lang="zh-CN" altLang="en-US"/>
+          </a:p>
+        </p:txBody>
+      </p:sp>
+      <p:cxnSp>
+        <p:nvCxnSpPr>
+          <p:cNvPr id="18" name="直接箭头连接符 17"/>
+          <p:cNvCxnSpPr>
+            <a:stCxn id="12" idx="1"/>
+            <a:endCxn id="19" idx="3"/>
+          </p:cNvCxnSpPr>
+          <p:nvPr/>
+        </p:nvCxnSpPr>
+        <p:spPr>
+          <a:xfrm flipH="1" flipV="1">
+            <a:off x="4100830" y="2642235"/>
+            <a:ext cx="5910580" cy="2314575"/>
+          </a:xfrm>
+          <a:prstGeom prst="straightConnector1">
+            <a:avLst/>
+          </a:prstGeom>
+          <a:ln w="25400" cmpd="sng">
+            <a:solidFill>
+              <a:srgbClr val="FF0000"/>
+            </a:solidFill>
+            <a:prstDash val="lgDash"/>
+            <a:tailEnd type="arrow"/>
+          </a:ln>
+        </p:spPr>
+        <p:style>
+          <a:lnRef idx="2">
+            <a:schemeClr val="accent1"/>
+          </a:lnRef>
+          <a:fillRef idx="0">
+            <a:srgbClr val="FFFFFF"/>
+          </a:fillRef>
+          <a:effectRef idx="0">
+            <a:srgbClr val="FFFFFF"/>
+          </a:effectRef>
+          <a:fontRef idx="minor">
+            <a:schemeClr val="tx1"/>
+          </a:fontRef>
+        </p:style>
+      </p:cxnSp>
+      <p:sp>
+        <p:nvSpPr>
+          <p:cNvPr id="19" name="标题 2"/>
+          <p:cNvSpPr txBox="1"/>
+          <p:nvPr/>
+        </p:nvSpPr>
+        <p:spPr>
+          <a:xfrm>
+            <a:off x="1828800" y="1522095"/>
+            <a:ext cx="2272030" cy="2239645"/>
+          </a:xfrm>
+          <a:prstGeom prst="rect">
+            <a:avLst/>
+          </a:prstGeom>
+        </p:spPr>
+        <p:txBody>
+          <a:bodyPr vert="horz" lIns="91440" tIns="45720" rIns="91440" bIns="45720" rtlCol="0" anchor="ctr">
+            <a:noAutofit/>
+          </a:bodyPr>
+          <a:lstStyle>
+            <a:lvl1pPr marL="0" algn="l" defTabSz="685800" rtl="0" eaLnBrk="1" latinLnBrk="0" hangingPunct="1">
+              <a:lnSpc>
+                <a:spcPct val="100000"/>
+              </a:lnSpc>
+              <a:spcBef>
+                <a:spcPct val="0"/>
+              </a:spcBef>
+              <a:buNone/>
+              <a:defRPr lang="en-US" sz="3200" b="1" kern="1200" dirty="0">
+                <a:solidFill>
+                  <a:srgbClr val="002060"/>
+                </a:solidFill>
+                <a:latin typeface="微软雅黑" panose="020B0503020204020204" pitchFamily="34" charset="-122"/>
+                <a:ea typeface="微软雅黑" panose="020B0503020204020204" pitchFamily="34" charset="-122"/>
+                <a:cs typeface="+mn-cs"/>
+              </a:defRPr>
+            </a:lvl1pPr>
+          </a:lstStyle>
+          <a:p>
+            <a:r>
+              <a:rPr lang="zh-CN" altLang="en-US" sz="2000" dirty="0">
+                <a:latin typeface="Arial" panose="020B0604020202020204" pitchFamily="34" charset="0"/>
+                <a:sym typeface="Arial" panose="020B0604020202020204" pitchFamily="34" charset="0"/>
+              </a:rPr>
+              <a:t>注意这里的</a:t>
+            </a:r>
+            <a:r>
+              <a:rPr altLang="zh-CN" sz="2000" dirty="0">
+                <a:latin typeface="Arial" panose="020B0604020202020204" pitchFamily="34" charset="0"/>
+                <a:sym typeface="Arial" panose="020B0604020202020204" pitchFamily="34" charset="0"/>
+              </a:rPr>
+              <a:t>W</a:t>
+            </a:r>
+            <a:r>
+              <a:rPr lang="zh-CN" altLang="en-US" sz="2000" dirty="0">
+                <a:latin typeface="Arial" panose="020B0604020202020204" pitchFamily="34" charset="0"/>
+                <a:sym typeface="Arial" panose="020B0604020202020204" pitchFamily="34" charset="0"/>
+              </a:rPr>
+              <a:t>，是与</a:t>
+            </a:r>
+            <a:r>
+              <a:rPr altLang="zh-CN" sz="2000" dirty="0">
+                <a:latin typeface="Arial" panose="020B0604020202020204" pitchFamily="34" charset="0"/>
+                <a:sym typeface="Arial" panose="020B0604020202020204" pitchFamily="34" charset="0"/>
+              </a:rPr>
+              <a:t>x</a:t>
+            </a:r>
+            <a:r>
+              <a:rPr lang="zh-CN" altLang="en-US" sz="2000" dirty="0">
+                <a:latin typeface="Arial" panose="020B0604020202020204" pitchFamily="34" charset="0"/>
+                <a:sym typeface="Arial" panose="020B0604020202020204" pitchFamily="34" charset="0"/>
+              </a:rPr>
+              <a:t>相乘的</a:t>
+            </a:r>
+            <a:r>
+              <a:rPr altLang="zh-CN" sz="2000" dirty="0">
+                <a:latin typeface="Arial" panose="020B0604020202020204" pitchFamily="34" charset="0"/>
+                <a:sym typeface="Arial" panose="020B0604020202020204" pitchFamily="34" charset="0"/>
+              </a:rPr>
+              <a:t>W</a:t>
+            </a:r>
+            <a:r>
+              <a:rPr lang="zh-CN" altLang="en-US" sz="2000" dirty="0">
+                <a:latin typeface="Arial" panose="020B0604020202020204" pitchFamily="34" charset="0"/>
+                <a:sym typeface="Arial" panose="020B0604020202020204" pitchFamily="34" charset="0"/>
+              </a:rPr>
+              <a:t>，指的是权重，</a:t>
+            </a:r>
+            <a:r>
+              <a:rPr lang="zh-CN" altLang="en-US" sz="2000" dirty="0">
+                <a:solidFill>
+                  <a:srgbClr val="FF0000"/>
+                </a:solidFill>
+                <a:latin typeface="Arial" panose="020B0604020202020204" pitchFamily="34" charset="0"/>
+                <a:sym typeface="Arial" panose="020B0604020202020204" pitchFamily="34" charset="0"/>
+              </a:rPr>
+              <a:t>不包括偏差（</a:t>
+            </a:r>
+            <a:r>
+              <a:rPr altLang="zh-CN" sz="2000" dirty="0">
+                <a:solidFill>
+                  <a:srgbClr val="FF0000"/>
+                </a:solidFill>
+                <a:latin typeface="Arial" panose="020B0604020202020204" pitchFamily="34" charset="0"/>
+                <a:sym typeface="Arial" panose="020B0604020202020204" pitchFamily="34" charset="0"/>
+              </a:rPr>
+              <a:t>bias</a:t>
+            </a:r>
+            <a:r>
+              <a:rPr lang="zh-CN" altLang="en-US" sz="2000" dirty="0">
+                <a:solidFill>
+                  <a:srgbClr val="FF0000"/>
+                </a:solidFill>
+                <a:latin typeface="Arial" panose="020B0604020202020204" pitchFamily="34" charset="0"/>
+                <a:sym typeface="Arial" panose="020B0604020202020204" pitchFamily="34" charset="0"/>
+              </a:rPr>
+              <a:t>）</a:t>
+            </a:r>
+            <a:endParaRPr lang="zh-CN" altLang="en-US" sz="2000" dirty="0">
+              <a:solidFill>
+                <a:srgbClr val="FF0000"/>
+              </a:solidFill>
+              <a:latin typeface="Arial" panose="020B0604020202020204" pitchFamily="34" charset="0"/>
+              <a:sym typeface="Arial" panose="020B0604020202020204" pitchFamily="34" charset="0"/>
+            </a:endParaRPr>
+          </a:p>
+        </p:txBody>
+      </p:sp>
+    </p:spTree>
+  </p:cSld>
+  <p:clrMapOvr>
+    <a:masterClrMapping/>
+  </p:clrMapOvr>
+  <p:transition advClick="0" advTm="0"/>
+</p:sld>
+</file>
+
+<file path=ppt/slides/slide17.xml><?xml version="1.0" encoding="utf-8"?>
 <p:sld xmlns:a="http://schemas.openxmlformats.org/drawingml/2006/main" xmlns:r="http://schemas.openxmlformats.org/officeDocument/2006/relationships" xmlns:p="http://schemas.openxmlformats.org/presentationml/2006/main">
   <p:cSld>
     <p:spTree>

--- a/Summary.pptx
+++ b/Summary.pptx
@@ -25,12 +25,13 @@
     <p:sldId id="1470" r:id="rId18"/>
     <p:sldId id="1472" r:id="rId19"/>
     <p:sldId id="1473" r:id="rId20"/>
-    <p:sldId id="1447" r:id="rId21"/>
+    <p:sldId id="1475" r:id="rId21"/>
+    <p:sldId id="1447" r:id="rId22"/>
   </p:sldIdLst>
   <p:sldSz cx="12192000" cy="6858000"/>
   <p:notesSz cx="6858000" cy="9144000"/>
   <p:custDataLst>
-    <p:tags r:id="rId25"/>
+    <p:tags r:id="rId26"/>
   </p:custDataLst>
   <p:defaultTextStyle>
     <a:defPPr>
@@ -1030,6 +1031,75 @@
 </file>
 
 <file path=ppt/notesSlides/notesSlide17.xml><?xml version="1.0" encoding="utf-8"?>
+<p:notes xmlns:a="http://schemas.openxmlformats.org/drawingml/2006/main" xmlns:r="http://schemas.openxmlformats.org/officeDocument/2006/relationships" xmlns:p="http://schemas.openxmlformats.org/presentationml/2006/main">
+  <p:cSld>
+    <p:spTree>
+      <p:nvGrpSpPr>
+        <p:cNvPr id="1" name=""/>
+        <p:cNvGrpSpPr/>
+        <p:nvPr/>
+      </p:nvGrpSpPr>
+      <p:grpSpPr>
+        <a:xfrm>
+          <a:off x="0" y="0"/>
+          <a:ext cx="0" cy="0"/>
+          <a:chOff x="0" y="0"/>
+          <a:chExt cx="0" cy="0"/>
+        </a:xfrm>
+      </p:grpSpPr>
+      <p:sp>
+        <p:nvSpPr>
+          <p:cNvPr id="2" name="幻灯片图像占位符 1"/>
+          <p:cNvSpPr>
+            <a:spLocks noGrp="1" noRot="1" noChangeAspect="1"/>
+          </p:cNvSpPr>
+          <p:nvPr>
+            <p:ph type="sldImg"/>
+          </p:nvPr>
+        </p:nvSpPr>
+        <p:spPr/>
+      </p:sp>
+      <p:sp>
+        <p:nvSpPr>
+          <p:cNvPr id="3" name="备注占位符 2"/>
+          <p:cNvSpPr>
+            <a:spLocks noGrp="1"/>
+          </p:cNvSpPr>
+          <p:nvPr>
+            <p:ph type="body" idx="1"/>
+          </p:nvPr>
+        </p:nvSpPr>
+        <p:spPr/>
+        <p:txBody>
+          <a:bodyPr/>
+          <a:lstStyle/>
+          <a:p>
+            <a:pPr marL="0" indent="-457200">
+              <a:lnSpc>
+                <a:spcPct val="135000"/>
+              </a:lnSpc>
+              <a:buNone/>
+            </a:pPr>
+            <a:endParaRPr lang="zh-CN" altLang="en-US" sz="1000" dirty="0">
+              <a:solidFill>
+                <a:srgbClr val="00246C"/>
+              </a:solidFill>
+              <a:ea typeface="+mn-ea"/>
+              <a:cs typeface="+mn-ea"/>
+              <a:sym typeface="+mn-lt"/>
+            </a:endParaRPr>
+          </a:p>
+        </p:txBody>
+      </p:sp>
+    </p:spTree>
+  </p:cSld>
+  <p:clrMapOvr>
+    <a:masterClrMapping/>
+  </p:clrMapOvr>
+</p:notes>
+</file>
+
+<file path=ppt/notesSlides/notesSlide18.xml><?xml version="1.0" encoding="utf-8"?>
 <p:notes xmlns:a="http://schemas.openxmlformats.org/drawingml/2006/main" xmlns:r="http://schemas.openxmlformats.org/officeDocument/2006/relationships" xmlns:p="http://schemas.openxmlformats.org/presentationml/2006/main">
   <p:cSld>
     <p:spTree>
@@ -14168,8 +14238,6 @@
             </a:solidFill>
             <a:prstDash val="sysDot"/>
             <a:bevel/>
-            <a:headEnd/>
-            <a:tailEnd/>
           </a:ln>
           <a:effectLst>
             <a:outerShdw blurRad="50800" dist="38100" dir="2700000" algn="tl" rotWithShape="0">
@@ -14402,6 +14470,118 @@
           </a:p>
         </p:txBody>
       </p:sp>
+      <p:pic>
+        <p:nvPicPr>
+          <p:cNvPr id="5" name="图片 4"/>
+          <p:cNvPicPr/>
+          <p:nvPr/>
+        </p:nvPicPr>
+        <p:blipFill>
+          <a:blip r:embed="rId2"/>
+        </p:blipFill>
+        <p:spPr>
+          <a:xfrm>
+            <a:off x="606425" y="4269740"/>
+            <a:ext cx="2664460" cy="1934845"/>
+          </a:xfrm>
+          <a:prstGeom prst="rect">
+            <a:avLst/>
+          </a:prstGeom>
+          <a:ln w="15875" cmpd="sng">
+            <a:solidFill>
+              <a:srgbClr val="FF0000"/>
+            </a:solidFill>
+            <a:prstDash val="dash"/>
+          </a:ln>
+        </p:spPr>
+      </p:pic>
+      <p:sp>
+        <p:nvSpPr>
+          <p:cNvPr id="10" name="标题 2"/>
+          <p:cNvSpPr txBox="1"/>
+          <p:nvPr/>
+        </p:nvSpPr>
+        <p:spPr>
+          <a:xfrm>
+            <a:off x="3996690" y="5859145"/>
+            <a:ext cx="6118225" cy="650875"/>
+          </a:xfrm>
+          <a:prstGeom prst="rect">
+            <a:avLst/>
+          </a:prstGeom>
+        </p:spPr>
+        <p:txBody>
+          <a:bodyPr vert="horz" lIns="91440" tIns="45720" rIns="91440" bIns="45720" rtlCol="0" anchor="ctr">
+            <a:noAutofit/>
+          </a:bodyPr>
+          <a:lstStyle>
+            <a:lvl1pPr marL="0" algn="l" defTabSz="685800" rtl="0" eaLnBrk="1" latinLnBrk="0" hangingPunct="1">
+              <a:lnSpc>
+                <a:spcPct val="100000"/>
+              </a:lnSpc>
+              <a:spcBef>
+                <a:spcPct val="0"/>
+              </a:spcBef>
+              <a:buNone/>
+              <a:defRPr lang="en-US" sz="3200" b="1" kern="1200" dirty="0">
+                <a:solidFill>
+                  <a:srgbClr val="002060"/>
+                </a:solidFill>
+                <a:latin typeface="微软雅黑" panose="020B0503020204020204" pitchFamily="34" charset="-122"/>
+                <a:ea typeface="微软雅黑" panose="020B0503020204020204" pitchFamily="34" charset="-122"/>
+                <a:cs typeface="+mn-cs"/>
+              </a:defRPr>
+            </a:lvl1pPr>
+          </a:lstStyle>
+          <a:p>
+            <a:r>
+              <a:rPr altLang="zh-CN" sz="2000" dirty="0">
+                <a:latin typeface="Arial" panose="020B0604020202020204" pitchFamily="34" charset="0"/>
+                <a:sym typeface="Arial" panose="020B0604020202020204" pitchFamily="34" charset="0"/>
+              </a:rPr>
+              <a:t>Dropout: </a:t>
+            </a:r>
+            <a:r>
+              <a:rPr lang="zh-CN" altLang="en-US" sz="2000" dirty="0">
+                <a:latin typeface="Arial" panose="020B0604020202020204" pitchFamily="34" charset="0"/>
+                <a:sym typeface="Arial" panose="020B0604020202020204" pitchFamily="34" charset="0"/>
+              </a:rPr>
+              <a:t>在训练时随机设置值为</a:t>
+            </a:r>
+            <a:r>
+              <a:rPr altLang="zh-CN" sz="2000" dirty="0">
+                <a:latin typeface="Arial" panose="020B0604020202020204" pitchFamily="34" charset="0"/>
+                <a:sym typeface="Arial" panose="020B0604020202020204" pitchFamily="34" charset="0"/>
+              </a:rPr>
+              <a:t>0</a:t>
+            </a:r>
+            <a:r>
+              <a:rPr lang="zh-CN" altLang="en-US" sz="2000" dirty="0">
+                <a:latin typeface="Arial" panose="020B0604020202020204" pitchFamily="34" charset="0"/>
+                <a:sym typeface="Arial" panose="020B0604020202020204" pitchFamily="34" charset="0"/>
+              </a:rPr>
+              <a:t>，其他模式</a:t>
+            </a:r>
+            <a:r>
+              <a:rPr lang="zh-CN" altLang="en-US" sz="2000" dirty="0">
+                <a:solidFill>
+                  <a:srgbClr val="FF0000"/>
+                </a:solidFill>
+                <a:latin typeface="Arial" panose="020B0604020202020204" pitchFamily="34" charset="0"/>
+                <a:sym typeface="Arial" panose="020B0604020202020204" pitchFamily="34" charset="0"/>
+              </a:rPr>
+              <a:t>冻结</a:t>
+            </a:r>
+            <a:endParaRPr lang="zh-CN" altLang="en-US" sz="2000" dirty="0">
+              <a:solidFill>
+                <a:srgbClr val="FF0000"/>
+              </a:solidFill>
+              <a:latin typeface="Arial" panose="020B0604020202020204" pitchFamily="34" charset="0"/>
+              <a:sym typeface="Arial" panose="020B0604020202020204" pitchFamily="34" charset="0"/>
+            </a:endParaRPr>
+          </a:p>
+        </p:txBody>
+      </p:sp>
     </p:spTree>
   </p:cSld>
   <p:clrMapOvr>
@@ -14412,6 +14592,590 @@
 </file>
 
 <file path=ppt/slides/slide17.xml><?xml version="1.0" encoding="utf-8"?>
+<p:sld xmlns:a="http://schemas.openxmlformats.org/drawingml/2006/main" xmlns:r="http://schemas.openxmlformats.org/officeDocument/2006/relationships" xmlns:p="http://schemas.openxmlformats.org/presentationml/2006/main">
+  <p:cSld>
+    <p:spTree>
+      <p:nvGrpSpPr>
+        <p:cNvPr id="1" name=""/>
+        <p:cNvGrpSpPr/>
+        <p:nvPr/>
+      </p:nvGrpSpPr>
+      <p:grpSpPr>
+        <a:xfrm>
+          <a:off x="0" y="0"/>
+          <a:ext cx="0" cy="0"/>
+          <a:chOff x="0" y="0"/>
+          <a:chExt cx="0" cy="0"/>
+        </a:xfrm>
+      </p:grpSpPr>
+      <p:sp>
+        <p:nvSpPr>
+          <p:cNvPr id="3" name="标题 2"/>
+          <p:cNvSpPr>
+            <a:spLocks noGrp="1"/>
+          </p:cNvSpPr>
+          <p:nvPr>
+            <p:ph type="title"/>
+          </p:nvPr>
+        </p:nvSpPr>
+        <p:spPr/>
+        <p:txBody>
+          <a:bodyPr/>
+          <a:lstStyle/>
+          <a:p>
+            <a:r>
+              <a:rPr lang="en-US" altLang="zh-CN" dirty="0">
+                <a:latin typeface="Arial" panose="020B0604020202020204" pitchFamily="34" charset="0"/>
+                <a:sym typeface="Arial" panose="020B0604020202020204" pitchFamily="34" charset="0"/>
+              </a:rPr>
+              <a:t>9. </a:t>
+            </a:r>
+            <a:r>
+              <a:rPr lang="en-US" altLang="zh-CN" dirty="0">
+                <a:latin typeface="Arial" panose="020B0604020202020204" pitchFamily="34" charset="0"/>
+                <a:sym typeface="Arial" panose="020B0604020202020204" pitchFamily="34" charset="0"/>
+              </a:rPr>
+              <a:t>Convolution </a:t>
+            </a:r>
+            <a:endParaRPr lang="zh-CN" altLang="en-US" dirty="0">
+              <a:latin typeface="Arial" panose="020B0604020202020204" pitchFamily="34" charset="0"/>
+              <a:sym typeface="Arial" panose="020B0604020202020204" pitchFamily="34" charset="0"/>
+            </a:endParaRPr>
+          </a:p>
+        </p:txBody>
+      </p:sp>
+      <p:sp>
+        <p:nvSpPr>
+          <p:cNvPr id="7" name="灯片编号占位符 6"/>
+          <p:cNvSpPr>
+            <a:spLocks noGrp="1"/>
+          </p:cNvSpPr>
+          <p:nvPr>
+            <p:ph type="sldNum" sz="quarter" idx="16"/>
+          </p:nvPr>
+        </p:nvSpPr>
+        <p:spPr/>
+        <p:txBody>
+          <a:bodyPr/>
+          <a:lstStyle/>
+          <a:p>
+            <a:pPr>
+              <a:defRPr/>
+            </a:pPr>
+            <a:fld id="{26F565BE-27A9-4834-BA3A-D46EFBA6086A}" type="slidenum">
+              <a:rPr lang="zh-CN" altLang="en-US" smtClean="0">
+                <a:latin typeface="Arial" panose="020B0604020202020204" pitchFamily="34" charset="0"/>
+                <a:sym typeface="Arial" panose="020B0604020202020204" pitchFamily="34" charset="0"/>
+              </a:rPr>
+            </a:fld>
+            <a:endParaRPr lang="zh-CN" altLang="en-US" dirty="0">
+              <a:latin typeface="Arial" panose="020B0604020202020204" pitchFamily="34" charset="0"/>
+              <a:sym typeface="Arial" panose="020B0604020202020204" pitchFamily="34" charset="0"/>
+            </a:endParaRPr>
+          </a:p>
+        </p:txBody>
+      </p:sp>
+      <p:cxnSp>
+        <p:nvCxnSpPr>
+          <p:cNvPr id="8" name="直接连接符 7"/>
+          <p:cNvCxnSpPr/>
+          <p:nvPr/>
+        </p:nvCxnSpPr>
+        <p:spPr>
+          <a:xfrm>
+            <a:off x="0" y="824357"/>
+            <a:ext cx="3877337" cy="0"/>
+          </a:xfrm>
+          <a:prstGeom prst="line">
+            <a:avLst/>
+          </a:prstGeom>
+          <a:ln w="31750">
+            <a:gradFill flip="none" rotWithShape="1">
+              <a:gsLst>
+                <a:gs pos="0">
+                  <a:schemeClr val="accent1">
+                    <a:lumMod val="40000"/>
+                    <a:lumOff val="60000"/>
+                  </a:schemeClr>
+                </a:gs>
+                <a:gs pos="46000">
+                  <a:schemeClr val="accent1">
+                    <a:lumMod val="40000"/>
+                    <a:lumOff val="60000"/>
+                  </a:schemeClr>
+                </a:gs>
+                <a:gs pos="100000">
+                  <a:schemeClr val="accent1">
+                    <a:lumMod val="75000"/>
+                  </a:schemeClr>
+                </a:gs>
+              </a:gsLst>
+              <a:lin ang="10800000" scaled="0"/>
+              <a:tileRect/>
+            </a:gradFill>
+          </a:ln>
+        </p:spPr>
+        <p:style>
+          <a:lnRef idx="3">
+            <a:schemeClr val="dk1"/>
+          </a:lnRef>
+          <a:fillRef idx="0">
+            <a:schemeClr val="dk1"/>
+          </a:fillRef>
+          <a:effectRef idx="2">
+            <a:schemeClr val="dk1"/>
+          </a:effectRef>
+          <a:fontRef idx="minor">
+            <a:schemeClr val="tx1"/>
+          </a:fontRef>
+        </p:style>
+      </p:cxnSp>
+      <p:sp>
+        <p:nvSpPr>
+          <p:cNvPr id="14" name="文本框 13"/>
+          <p:cNvSpPr txBox="1"/>
+          <p:nvPr/>
+        </p:nvSpPr>
+        <p:spPr>
+          <a:xfrm>
+            <a:off x="462280" y="-403225"/>
+            <a:ext cx="2025015" cy="361315"/>
+          </a:xfrm>
+          <a:prstGeom prst="rect">
+            <a:avLst/>
+          </a:prstGeom>
+        </p:spPr>
+        <p:txBody>
+          <a:bodyPr/>
+          <a:p>
+            <a:endParaRPr sz="1600"/>
+          </a:p>
+        </p:txBody>
+      </p:sp>
+      <mc:AlternateContent xmlns:mc="http://schemas.openxmlformats.org/markup-compatibility/2006">
+        <mc:Choice xmlns:a14="http://schemas.microsoft.com/office/drawing/2010/main" Requires="a14">
+          <p:sp>
+            <p:nvSpPr>
+              <p:cNvPr id="10" name="标题 2"/>
+              <p:cNvSpPr txBox="1"/>
+              <p:nvPr/>
+            </p:nvSpPr>
+            <p:spPr>
+              <a:xfrm>
+                <a:off x="4338955" y="1029970"/>
+                <a:ext cx="8173085" cy="650875"/>
+              </a:xfrm>
+              <a:prstGeom prst="rect">
+                <a:avLst/>
+              </a:prstGeom>
+            </p:spPr>
+            <p:txBody>
+              <a:bodyPr vert="horz" lIns="91440" tIns="45720" rIns="91440" bIns="45720" rtlCol="0" anchor="ctr">
+                <a:noAutofit/>
+              </a:bodyPr>
+              <a:lstStyle>
+                <a:lvl1pPr marL="0" algn="l" defTabSz="685800" rtl="0" eaLnBrk="1" latinLnBrk="0" hangingPunct="1">
+                  <a:lnSpc>
+                    <a:spcPct val="100000"/>
+                  </a:lnSpc>
+                  <a:spcBef>
+                    <a:spcPct val="0"/>
+                  </a:spcBef>
+                  <a:buNone/>
+                  <a:defRPr lang="en-US" sz="3200" b="1" kern="1200" dirty="0">
+                    <a:solidFill>
+                      <a:srgbClr val="002060"/>
+                    </a:solidFill>
+                    <a:latin typeface="微软雅黑" panose="020B0503020204020204" pitchFamily="34" charset="-122"/>
+                    <a:ea typeface="微软雅黑" panose="020B0503020204020204" pitchFamily="34" charset="-122"/>
+                    <a:cs typeface="+mn-cs"/>
+                  </a:defRPr>
+                </a:lvl1pPr>
+              </a:lstStyle>
+              <a:p>
+                <a14:m>
+                  <m:oMathPara xmlns:m="http://schemas.openxmlformats.org/officeDocument/2006/math">
+                    <m:oMathParaPr>
+                      <m:jc m:val="centerGroup"/>
+                    </m:oMathParaPr>
+                    <m:oMath xmlns:m="http://schemas.openxmlformats.org/officeDocument/2006/math">
+                      <m:d>
+                        <m:dPr>
+                          <m:ctrlPr>
+                            <a:rPr lang="en-US" altLang="zh-CN" i="1" dirty="0">
+                              <a:latin typeface="Cambria Math" panose="02040503050406030204" charset="0"/>
+                              <a:cs typeface="Cambria Math" panose="02040503050406030204" charset="0"/>
+                              <a:sym typeface="Arial" panose="020B0604020202020204" pitchFamily="34" charset="0"/>
+                            </a:rPr>
+                          </m:ctrlPr>
+                        </m:dPr>
+                        <m:e>
+                          <m:r>
+                            <a:rPr lang="en-US" altLang="zh-CN" i="1" dirty="0">
+                              <a:latin typeface="Cambria Math" panose="02040503050406030204" charset="0"/>
+                              <a:cs typeface="Cambria Math" panose="02040503050406030204" charset="0"/>
+                              <a:sym typeface="Arial" panose="020B0604020202020204" pitchFamily="34" charset="0"/>
+                            </a:rPr>
+                            <m:t>𝑵</m:t>
+                          </m:r>
+                          <m:r>
+                            <a:rPr lang="en-US" altLang="zh-CN" i="1" dirty="0">
+                              <a:latin typeface="Cambria Math" panose="02040503050406030204" charset="0"/>
+                              <a:cs typeface="Cambria Math" panose="02040503050406030204" charset="0"/>
+                              <a:sym typeface="Arial" panose="020B0604020202020204" pitchFamily="34" charset="0"/>
+                            </a:rPr>
+                            <m:t>, </m:t>
+                          </m:r>
+                          <m:sSub>
+                            <m:sSubPr>
+                              <m:ctrlPr>
+                                <a:rPr lang="en-US" altLang="zh-CN" i="1" dirty="0">
+                                  <a:latin typeface="Cambria Math" panose="02040503050406030204" charset="0"/>
+                                  <a:cs typeface="Cambria Math" panose="02040503050406030204" charset="0"/>
+                                  <a:sym typeface="Arial" panose="020B0604020202020204" pitchFamily="34" charset="0"/>
+                                </a:rPr>
+                              </m:ctrlPr>
+                            </m:sSubPr>
+                            <m:e>
+                              <m:r>
+                                <a:rPr lang="en-US" altLang="zh-CN" i="1" dirty="0">
+                                  <a:latin typeface="Cambria Math" panose="02040503050406030204" charset="0"/>
+                                  <a:cs typeface="Cambria Math" panose="02040503050406030204" charset="0"/>
+                                  <a:sym typeface="Arial" panose="020B0604020202020204" pitchFamily="34" charset="0"/>
+                                </a:rPr>
+                                <m:t>𝑪</m:t>
+                              </m:r>
+                            </m:e>
+                            <m:sub>
+                              <m:r>
+                                <a:rPr lang="en-US" altLang="zh-CN" i="1" dirty="0">
+                                  <a:latin typeface="Cambria Math" panose="02040503050406030204" charset="0"/>
+                                  <a:cs typeface="Cambria Math" panose="02040503050406030204" charset="0"/>
+                                  <a:sym typeface="Arial" panose="020B0604020202020204" pitchFamily="34" charset="0"/>
+                                </a:rPr>
+                                <m:t>𝒊𝒏</m:t>
+                              </m:r>
+                            </m:sub>
+                          </m:sSub>
+                          <m:r>
+                            <a:rPr lang="en-US" altLang="zh-CN" i="1" dirty="0">
+                              <a:latin typeface="Cambria Math" panose="02040503050406030204" charset="0"/>
+                              <a:cs typeface="Cambria Math" panose="02040503050406030204" charset="0"/>
+                              <a:sym typeface="Arial" panose="020B0604020202020204" pitchFamily="34" charset="0"/>
+                            </a:rPr>
+                            <m:t>, </m:t>
+                          </m:r>
+                          <m:r>
+                            <a:rPr lang="en-US" altLang="zh-CN" i="1" dirty="0">
+                              <a:latin typeface="Cambria Math" panose="02040503050406030204" charset="0"/>
+                              <a:cs typeface="Cambria Math" panose="02040503050406030204" charset="0"/>
+                              <a:sym typeface="Arial" panose="020B0604020202020204" pitchFamily="34" charset="0"/>
+                            </a:rPr>
+                            <m:t>𝑯</m:t>
+                          </m:r>
+                          <m:r>
+                            <a:rPr lang="en-US" altLang="zh-CN" i="1" dirty="0">
+                              <a:latin typeface="Cambria Math" panose="02040503050406030204" charset="0"/>
+                              <a:cs typeface="Cambria Math" panose="02040503050406030204" charset="0"/>
+                              <a:sym typeface="Arial" panose="020B0604020202020204" pitchFamily="34" charset="0"/>
+                            </a:rPr>
+                            <m:t>, </m:t>
+                          </m:r>
+                          <m:r>
+                            <a:rPr lang="en-US" altLang="zh-CN" i="1" dirty="0">
+                              <a:latin typeface="Cambria Math" panose="02040503050406030204" charset="0"/>
+                              <a:cs typeface="Cambria Math" panose="02040503050406030204" charset="0"/>
+                              <a:sym typeface="Arial" panose="020B0604020202020204" pitchFamily="34" charset="0"/>
+                            </a:rPr>
+                            <m:t>𝑾</m:t>
+                          </m:r>
+                        </m:e>
+                      </m:d>
+                      <m:r>
+                        <a:rPr lang="en-US" altLang="zh-CN" i="1" dirty="0">
+                          <a:latin typeface="Cambria Math" panose="02040503050406030204" charset="0"/>
+                          <a:cs typeface="Cambria Math" panose="02040503050406030204" charset="0"/>
+                          <a:sym typeface="Arial" panose="020B0604020202020204" pitchFamily="34" charset="0"/>
+                        </a:rPr>
+                        <m:t>  </m:t>
+                      </m:r>
+                      <m:r>
+                        <a:rPr lang="en-US" altLang="zh-CN" i="1" dirty="0">
+                          <a:latin typeface="Cambria Math" panose="02040503050406030204" charset="0"/>
+                          <a:cs typeface="Cambria Math" panose="02040503050406030204" charset="0"/>
+                          <a:sym typeface="Arial" panose="020B0604020202020204" pitchFamily="34" charset="0"/>
+                        </a:rPr>
+                        <m:t>−</m:t>
+                      </m:r>
+                      <m:r>
+                        <a:rPr lang="en-US" altLang="zh-CN" i="1" dirty="0">
+                          <a:latin typeface="Cambria Math" panose="02040503050406030204" charset="0"/>
+                          <a:cs typeface="Cambria Math" panose="02040503050406030204" charset="0"/>
+                          <a:sym typeface="Arial" panose="020B0604020202020204" pitchFamily="34" charset="0"/>
+                        </a:rPr>
+                        <m:t>&gt;</m:t>
+                      </m:r>
+                      <m:d>
+                        <m:dPr>
+                          <m:ctrlPr>
+                            <a:rPr lang="en-US" altLang="zh-CN" i="1" dirty="0">
+                              <a:latin typeface="Cambria Math" panose="02040503050406030204" charset="0"/>
+                              <a:cs typeface="Cambria Math" panose="02040503050406030204" charset="0"/>
+                              <a:sym typeface="Arial" panose="020B0604020202020204" pitchFamily="34" charset="0"/>
+                            </a:rPr>
+                          </m:ctrlPr>
+                        </m:dPr>
+                        <m:e>
+                          <m:r>
+                            <a:rPr lang="en-US" altLang="zh-CN" i="1" dirty="0">
+                              <a:latin typeface="Cambria Math" panose="02040503050406030204" charset="0"/>
+                              <a:cs typeface="Cambria Math" panose="02040503050406030204" charset="0"/>
+                              <a:sym typeface="Arial" panose="020B0604020202020204" pitchFamily="34" charset="0"/>
+                            </a:rPr>
+                            <m:t>𝑵</m:t>
+                          </m:r>
+                          <m:r>
+                            <a:rPr lang="en-US" altLang="zh-CN" i="1" dirty="0">
+                              <a:latin typeface="Cambria Math" panose="02040503050406030204" charset="0"/>
+                              <a:cs typeface="Cambria Math" panose="02040503050406030204" charset="0"/>
+                              <a:sym typeface="Arial" panose="020B0604020202020204" pitchFamily="34" charset="0"/>
+                            </a:rPr>
+                            <m:t>, </m:t>
+                          </m:r>
+                          <m:sSub>
+                            <m:sSubPr>
+                              <m:ctrlPr>
+                                <a:rPr lang="en-US" altLang="zh-CN" i="1" dirty="0">
+                                  <a:latin typeface="Cambria Math" panose="02040503050406030204" charset="0"/>
+                                  <a:cs typeface="Cambria Math" panose="02040503050406030204" charset="0"/>
+                                  <a:sym typeface="Arial" panose="020B0604020202020204" pitchFamily="34" charset="0"/>
+                                </a:rPr>
+                              </m:ctrlPr>
+                            </m:sSubPr>
+                            <m:e>
+                              <m:r>
+                                <a:rPr lang="en-US" altLang="zh-CN" i="1" dirty="0">
+                                  <a:latin typeface="Cambria Math" panose="02040503050406030204" charset="0"/>
+                                  <a:cs typeface="Cambria Math" panose="02040503050406030204" charset="0"/>
+                                  <a:sym typeface="Arial" panose="020B0604020202020204" pitchFamily="34" charset="0"/>
+                                </a:rPr>
+                                <m:t>𝑪</m:t>
+                              </m:r>
+                            </m:e>
+                            <m:sub>
+                              <m:r>
+                                <a:rPr lang="en-US" altLang="zh-CN" i="1" dirty="0">
+                                  <a:latin typeface="Cambria Math" panose="02040503050406030204" charset="0"/>
+                                  <a:cs typeface="Cambria Math" panose="02040503050406030204" charset="0"/>
+                                  <a:sym typeface="Arial" panose="020B0604020202020204" pitchFamily="34" charset="0"/>
+                                </a:rPr>
+                                <m:t>𝒐𝒖𝒕</m:t>
+                              </m:r>
+                            </m:sub>
+                          </m:sSub>
+                          <m:r>
+                            <a:rPr lang="en-US" altLang="zh-CN" i="1" dirty="0">
+                              <a:latin typeface="Cambria Math" panose="02040503050406030204" charset="0"/>
+                              <a:cs typeface="Cambria Math" panose="02040503050406030204" charset="0"/>
+                              <a:sym typeface="Arial" panose="020B0604020202020204" pitchFamily="34" charset="0"/>
+                            </a:rPr>
+                            <m:t>, </m:t>
+                          </m:r>
+                          <m:r>
+                            <a:rPr lang="en-US" altLang="zh-CN" i="1" dirty="0">
+                              <a:latin typeface="Cambria Math" panose="02040503050406030204" charset="0"/>
+                              <a:cs typeface="Cambria Math" panose="02040503050406030204" charset="0"/>
+                              <a:sym typeface="Arial" panose="020B0604020202020204" pitchFamily="34" charset="0"/>
+                            </a:rPr>
+                            <m:t>𝑯</m:t>
+                          </m:r>
+                          <m:r>
+                            <a:rPr lang="en-US" altLang="zh-CN" i="1" dirty="0">
+                              <a:latin typeface="Cambria Math" panose="02040503050406030204" charset="0"/>
+                              <a:cs typeface="Cambria Math" panose="02040503050406030204" charset="0"/>
+                              <a:sym typeface="Arial" panose="020B0604020202020204" pitchFamily="34" charset="0"/>
+                            </a:rPr>
+                            <m:t>, </m:t>
+                          </m:r>
+                          <m:r>
+                            <a:rPr lang="en-US" altLang="zh-CN" i="1" dirty="0">
+                              <a:latin typeface="Cambria Math" panose="02040503050406030204" charset="0"/>
+                              <a:cs typeface="Cambria Math" panose="02040503050406030204" charset="0"/>
+                              <a:sym typeface="Arial" panose="020B0604020202020204" pitchFamily="34" charset="0"/>
+                            </a:rPr>
+                            <m:t>𝑾</m:t>
+                          </m:r>
+                        </m:e>
+                      </m:d>
+                      <m:r>
+                        <a:rPr lang="en-US" altLang="zh-CN" i="1" dirty="0">
+                          <a:latin typeface="Cambria Math" panose="02040503050406030204" charset="0"/>
+                          <a:ea typeface="MS Mincho" charset="0"/>
+                          <a:cs typeface="Cambria Math" panose="02040503050406030204" charset="0"/>
+                          <a:sym typeface="Arial" panose="020B0604020202020204" pitchFamily="34" charset="0"/>
+                        </a:rPr>
+                        <m:t> </m:t>
+                      </m:r>
+                    </m:oMath>
+                  </m:oMathPara>
+                </a14:m>
+                <a:endParaRPr lang="en-US" altLang="zh-CN" i="1" dirty="0">
+                  <a:latin typeface="Cambria Math" panose="02040503050406030204" charset="0"/>
+                  <a:ea typeface="MS Mincho" charset="0"/>
+                  <a:cs typeface="Cambria Math" panose="02040503050406030204" charset="0"/>
+                  <a:sym typeface="Arial" panose="020B0604020202020204" pitchFamily="34" charset="0"/>
+                </a:endParaRPr>
+              </a:p>
+            </p:txBody>
+          </p:sp>
+        </mc:Choice>
+        <mc:Fallback>
+          <p:sp>
+            <p:nvSpPr>
+              <p:cNvPr id="10" name="标题 2"/>
+              <p:cNvSpPr txBox="1">
+                <a:spLocks noRot="1" noChangeAspect="1" noMove="1" noResize="1" noEditPoints="1" noAdjustHandles="1" noChangeArrowheads="1" noChangeShapeType="1" noTextEdit="1"/>
+              </p:cNvSpPr>
+              <p:nvPr/>
+            </p:nvSpPr>
+            <p:spPr>
+              <a:xfrm>
+                <a:off x="4338955" y="1029970"/>
+                <a:ext cx="8173085" cy="650875"/>
+              </a:xfrm>
+              <a:prstGeom prst="rect">
+                <a:avLst/>
+              </a:prstGeom>
+              <a:blipFill rotWithShape="1">
+                <a:blip r:embed="rId1"/>
+                <a:stretch>
+                  <a:fillRect/>
+                </a:stretch>
+              </a:blipFill>
+            </p:spPr>
+            <p:txBody>
+              <a:bodyPr/>
+              <a:lstStyle/>
+              <a:p>
+                <a:r>
+                  <a:rPr lang="zh-CN" altLang="en-US">
+                    <a:noFill/>
+                  </a:rPr>
+                  <a:t> </a:t>
+                </a:r>
+              </a:p>
+            </p:txBody>
+          </p:sp>
+        </mc:Fallback>
+      </mc:AlternateContent>
+      <p:sp>
+        <p:nvSpPr>
+          <p:cNvPr id="11" name="文本框 10"/>
+          <p:cNvSpPr txBox="1"/>
+          <p:nvPr/>
+        </p:nvSpPr>
+        <p:spPr>
+          <a:xfrm>
+            <a:off x="619125" y="1793240"/>
+            <a:ext cx="5080000" cy="635000"/>
+          </a:xfrm>
+          <a:prstGeom prst="rect">
+            <a:avLst/>
+          </a:prstGeom>
+        </p:spPr>
+        <p:txBody>
+          <a:bodyPr/>
+          <a:p>
+            <a:endParaRPr sz="1600"/>
+          </a:p>
+        </p:txBody>
+      </p:sp>
+      <p:pic>
+        <p:nvPicPr>
+          <p:cNvPr id="13" name="图片 12"/>
+          <p:cNvPicPr/>
+          <p:nvPr/>
+        </p:nvPicPr>
+        <p:blipFill>
+          <a:blip r:embed="rId2"/>
+        </p:blipFill>
+        <p:spPr>
+          <a:xfrm>
+            <a:off x="6242685" y="3048635"/>
+            <a:ext cx="5339080" cy="2940685"/>
+          </a:xfrm>
+          <a:prstGeom prst="rect">
+            <a:avLst/>
+          </a:prstGeom>
+          <a:ln w="22225" cmpd="sng">
+            <a:solidFill>
+              <a:srgbClr val="FF0000"/>
+            </a:solidFill>
+            <a:prstDash val="dash"/>
+          </a:ln>
+        </p:spPr>
+      </p:pic>
+      <p:pic>
+        <p:nvPicPr>
+          <p:cNvPr id="22" name="图片 21"/>
+          <p:cNvPicPr/>
+          <p:nvPr/>
+        </p:nvPicPr>
+        <p:blipFill>
+          <a:blip r:embed="rId3"/>
+        </p:blipFill>
+        <p:spPr>
+          <a:xfrm>
+            <a:off x="252095" y="1972945"/>
+            <a:ext cx="5814060" cy="2211070"/>
+          </a:xfrm>
+          <a:prstGeom prst="rect">
+            <a:avLst/>
+          </a:prstGeom>
+          <a:ln w="31750" cmpd="sng">
+            <a:solidFill>
+              <a:schemeClr val="accent1">
+                <a:shade val="50000"/>
+              </a:schemeClr>
+            </a:solidFill>
+            <a:prstDash val="sysDot"/>
+          </a:ln>
+        </p:spPr>
+      </p:pic>
+      <p:pic>
+        <p:nvPicPr>
+          <p:cNvPr id="24" name="图片 23"/>
+          <p:cNvPicPr>
+            <a:picLocks noChangeAspect="1"/>
+          </p:cNvPicPr>
+          <p:nvPr/>
+        </p:nvPicPr>
+        <p:blipFill>
+          <a:blip r:embed="rId4"/>
+          <a:stretch>
+            <a:fillRect/>
+          </a:stretch>
+        </p:blipFill>
+        <p:spPr>
+          <a:xfrm>
+            <a:off x="849630" y="4742815"/>
+            <a:ext cx="4114800" cy="1752600"/>
+          </a:xfrm>
+          <a:prstGeom prst="rect">
+            <a:avLst/>
+          </a:prstGeom>
+        </p:spPr>
+      </p:pic>
+    </p:spTree>
+  </p:cSld>
+  <p:clrMapOvr>
+    <a:masterClrMapping/>
+  </p:clrMapOvr>
+  <p:transition advClick="0" advTm="0"/>
+</p:sld>
+</file>
+
+<file path=ppt/slides/slide18.xml><?xml version="1.0" encoding="utf-8"?>
 <p:sld xmlns:a="http://schemas.openxmlformats.org/drawingml/2006/main" xmlns:r="http://schemas.openxmlformats.org/officeDocument/2006/relationships" xmlns:p="http://schemas.openxmlformats.org/presentationml/2006/main">
   <p:cSld>
     <p:spTree>

--- a/Summary.pptx
+++ b/Summary.pptx
@@ -26,12 +26,15 @@
     <p:sldId id="1472" r:id="rId19"/>
     <p:sldId id="1473" r:id="rId20"/>
     <p:sldId id="1475" r:id="rId21"/>
-    <p:sldId id="1447" r:id="rId22"/>
+    <p:sldId id="1477" r:id="rId22"/>
+    <p:sldId id="1478" r:id="rId23"/>
+    <p:sldId id="1479" r:id="rId24"/>
+    <p:sldId id="1447" r:id="rId25"/>
   </p:sldIdLst>
   <p:sldSz cx="12192000" cy="6858000"/>
   <p:notesSz cx="6858000" cy="9144000"/>
   <p:custDataLst>
-    <p:tags r:id="rId26"/>
+    <p:tags r:id="rId29"/>
   </p:custDataLst>
   <p:defaultTextStyle>
     <a:defPPr>
@@ -1168,7 +1171,214 @@
 </p:notes>
 </file>
 
+<file path=ppt/notesSlides/notesSlide19.xml><?xml version="1.0" encoding="utf-8"?>
+<p:notes xmlns:a="http://schemas.openxmlformats.org/drawingml/2006/main" xmlns:r="http://schemas.openxmlformats.org/officeDocument/2006/relationships" xmlns:p="http://schemas.openxmlformats.org/presentationml/2006/main">
+  <p:cSld>
+    <p:spTree>
+      <p:nvGrpSpPr>
+        <p:cNvPr id="1" name=""/>
+        <p:cNvGrpSpPr/>
+        <p:nvPr/>
+      </p:nvGrpSpPr>
+      <p:grpSpPr>
+        <a:xfrm>
+          <a:off x="0" y="0"/>
+          <a:ext cx="0" cy="0"/>
+          <a:chOff x="0" y="0"/>
+          <a:chExt cx="0" cy="0"/>
+        </a:xfrm>
+      </p:grpSpPr>
+      <p:sp>
+        <p:nvSpPr>
+          <p:cNvPr id="2" name="幻灯片图像占位符 1"/>
+          <p:cNvSpPr>
+            <a:spLocks noGrp="1" noRot="1" noChangeAspect="1"/>
+          </p:cNvSpPr>
+          <p:nvPr>
+            <p:ph type="sldImg"/>
+          </p:nvPr>
+        </p:nvSpPr>
+        <p:spPr/>
+      </p:sp>
+      <p:sp>
+        <p:nvSpPr>
+          <p:cNvPr id="3" name="备注占位符 2"/>
+          <p:cNvSpPr>
+            <a:spLocks noGrp="1"/>
+          </p:cNvSpPr>
+          <p:nvPr>
+            <p:ph type="body" idx="1"/>
+          </p:nvPr>
+        </p:nvSpPr>
+        <p:spPr/>
+        <p:txBody>
+          <a:bodyPr/>
+          <a:lstStyle/>
+          <a:p>
+            <a:pPr marL="0" indent="-457200">
+              <a:lnSpc>
+                <a:spcPct val="135000"/>
+              </a:lnSpc>
+              <a:buNone/>
+            </a:pPr>
+            <a:endParaRPr lang="zh-CN" altLang="en-US" sz="1000" dirty="0">
+              <a:solidFill>
+                <a:srgbClr val="00246C"/>
+              </a:solidFill>
+              <a:ea typeface="+mn-ea"/>
+              <a:cs typeface="+mn-ea"/>
+              <a:sym typeface="+mn-lt"/>
+            </a:endParaRPr>
+          </a:p>
+        </p:txBody>
+      </p:sp>
+    </p:spTree>
+  </p:cSld>
+  <p:clrMapOvr>
+    <a:masterClrMapping/>
+  </p:clrMapOvr>
+</p:notes>
+</file>
+
 <file path=ppt/notesSlides/notesSlide2.xml><?xml version="1.0" encoding="utf-8"?>
+<p:notes xmlns:a="http://schemas.openxmlformats.org/drawingml/2006/main" xmlns:r="http://schemas.openxmlformats.org/officeDocument/2006/relationships" xmlns:p="http://schemas.openxmlformats.org/presentationml/2006/main">
+  <p:cSld>
+    <p:spTree>
+      <p:nvGrpSpPr>
+        <p:cNvPr id="1" name=""/>
+        <p:cNvGrpSpPr/>
+        <p:nvPr/>
+      </p:nvGrpSpPr>
+      <p:grpSpPr>
+        <a:xfrm>
+          <a:off x="0" y="0"/>
+          <a:ext cx="0" cy="0"/>
+          <a:chOff x="0" y="0"/>
+          <a:chExt cx="0" cy="0"/>
+        </a:xfrm>
+      </p:grpSpPr>
+      <p:sp>
+        <p:nvSpPr>
+          <p:cNvPr id="2" name="幻灯片图像占位符 1"/>
+          <p:cNvSpPr>
+            <a:spLocks noGrp="1" noRot="1" noChangeAspect="1"/>
+          </p:cNvSpPr>
+          <p:nvPr>
+            <p:ph type="sldImg"/>
+          </p:nvPr>
+        </p:nvSpPr>
+        <p:spPr/>
+      </p:sp>
+      <p:sp>
+        <p:nvSpPr>
+          <p:cNvPr id="3" name="备注占位符 2"/>
+          <p:cNvSpPr>
+            <a:spLocks noGrp="1"/>
+          </p:cNvSpPr>
+          <p:nvPr>
+            <p:ph type="body" idx="1"/>
+          </p:nvPr>
+        </p:nvSpPr>
+        <p:spPr/>
+        <p:txBody>
+          <a:bodyPr/>
+          <a:lstStyle/>
+          <a:p>
+            <a:pPr marL="0" indent="-457200">
+              <a:lnSpc>
+                <a:spcPct val="135000"/>
+              </a:lnSpc>
+              <a:buNone/>
+            </a:pPr>
+            <a:endParaRPr lang="zh-CN" altLang="en-US" sz="1000" dirty="0">
+              <a:solidFill>
+                <a:srgbClr val="00246C"/>
+              </a:solidFill>
+              <a:ea typeface="+mn-ea"/>
+              <a:cs typeface="+mn-ea"/>
+              <a:sym typeface="+mn-lt"/>
+            </a:endParaRPr>
+          </a:p>
+        </p:txBody>
+      </p:sp>
+    </p:spTree>
+  </p:cSld>
+  <p:clrMapOvr>
+    <a:masterClrMapping/>
+  </p:clrMapOvr>
+</p:notes>
+</file>
+
+<file path=ppt/notesSlides/notesSlide20.xml><?xml version="1.0" encoding="utf-8"?>
+<p:notes xmlns:a="http://schemas.openxmlformats.org/drawingml/2006/main" xmlns:r="http://schemas.openxmlformats.org/officeDocument/2006/relationships" xmlns:p="http://schemas.openxmlformats.org/presentationml/2006/main">
+  <p:cSld>
+    <p:spTree>
+      <p:nvGrpSpPr>
+        <p:cNvPr id="1" name=""/>
+        <p:cNvGrpSpPr/>
+        <p:nvPr/>
+      </p:nvGrpSpPr>
+      <p:grpSpPr>
+        <a:xfrm>
+          <a:off x="0" y="0"/>
+          <a:ext cx="0" cy="0"/>
+          <a:chOff x="0" y="0"/>
+          <a:chExt cx="0" cy="0"/>
+        </a:xfrm>
+      </p:grpSpPr>
+      <p:sp>
+        <p:nvSpPr>
+          <p:cNvPr id="2" name="幻灯片图像占位符 1"/>
+          <p:cNvSpPr>
+            <a:spLocks noGrp="1" noRot="1" noChangeAspect="1"/>
+          </p:cNvSpPr>
+          <p:nvPr>
+            <p:ph type="sldImg"/>
+          </p:nvPr>
+        </p:nvSpPr>
+        <p:spPr/>
+      </p:sp>
+      <p:sp>
+        <p:nvSpPr>
+          <p:cNvPr id="3" name="备注占位符 2"/>
+          <p:cNvSpPr>
+            <a:spLocks noGrp="1"/>
+          </p:cNvSpPr>
+          <p:nvPr>
+            <p:ph type="body" idx="1"/>
+          </p:nvPr>
+        </p:nvSpPr>
+        <p:spPr/>
+        <p:txBody>
+          <a:bodyPr/>
+          <a:lstStyle/>
+          <a:p>
+            <a:pPr marL="0" indent="-457200">
+              <a:lnSpc>
+                <a:spcPct val="135000"/>
+              </a:lnSpc>
+              <a:buNone/>
+            </a:pPr>
+            <a:endParaRPr lang="zh-CN" altLang="en-US" sz="1000" dirty="0">
+              <a:solidFill>
+                <a:srgbClr val="00246C"/>
+              </a:solidFill>
+              <a:ea typeface="+mn-ea"/>
+              <a:cs typeface="+mn-ea"/>
+              <a:sym typeface="+mn-lt"/>
+            </a:endParaRPr>
+          </a:p>
+        </p:txBody>
+      </p:sp>
+    </p:spTree>
+  </p:cSld>
+  <p:clrMapOvr>
+    <a:masterClrMapping/>
+  </p:clrMapOvr>
+</p:notes>
+</file>
+
+<file path=ppt/notesSlides/notesSlide21.xml><?xml version="1.0" encoding="utf-8"?>
 <p:notes xmlns:a="http://schemas.openxmlformats.org/drawingml/2006/main" xmlns:r="http://schemas.openxmlformats.org/officeDocument/2006/relationships" xmlns:p="http://schemas.openxmlformats.org/presentationml/2006/main">
   <p:cSld>
     <p:spTree>
@@ -14628,7 +14838,7 @@
                 <a:latin typeface="Arial" panose="020B0604020202020204" pitchFamily="34" charset="0"/>
                 <a:sym typeface="Arial" panose="020B0604020202020204" pitchFamily="34" charset="0"/>
               </a:rPr>
-              <a:t>9. </a:t>
+              <a:t>10. </a:t>
             </a:r>
             <a:r>
               <a:rPr lang="en-US" altLang="zh-CN" dirty="0">
@@ -15194,94 +15404,6 @@
       </p:grpSpPr>
       <p:sp>
         <p:nvSpPr>
-          <p:cNvPr id="4" name="矩形 12"/>
-          <p:cNvSpPr>
-            <a:spLocks noChangeArrowheads="1"/>
-          </p:cNvSpPr>
-          <p:nvPr/>
-        </p:nvSpPr>
-        <p:spPr bwMode="auto">
-          <a:xfrm>
-            <a:off x="385125" y="188641"/>
-            <a:ext cx="11568417" cy="584775"/>
-          </a:xfrm>
-          <a:prstGeom prst="rect">
-            <a:avLst/>
-          </a:prstGeom>
-          <a:noFill/>
-          <a:ln>
-            <a:noFill/>
-          </a:ln>
-          <a:extLst>
-            <a:ext uri="{909E8E84-426E-40DD-AFC4-6F175D3DCCD1}">
-              <a14:hiddenFill xmlns:a14="http://schemas.microsoft.com/office/drawing/2010/main">
-                <a:solidFill>
-                  <a:srgbClr val="FFFFFF"/>
-                </a:solidFill>
-              </a14:hiddenFill>
-            </a:ext>
-            <a:ext uri="{91240B29-F687-4F45-9708-019B960494DF}">
-              <a14:hiddenLine xmlns:a14="http://schemas.microsoft.com/office/drawing/2010/main" w="9525">
-                <a:solidFill>
-                  <a:srgbClr val="000000"/>
-                </a:solidFill>
-                <a:miter lim="800000"/>
-                <a:headEnd/>
-                <a:tailEnd/>
-              </a14:hiddenLine>
-            </a:ext>
-          </a:extLst>
-        </p:spPr>
-        <p:txBody>
-          <a:bodyPr wrap="square">
-            <a:spAutoFit/>
-          </a:bodyPr>
-          <a:lstStyle/>
-          <a:p>
-            <a:pPr marL="0" lvl="1" defTabSz="457200">
-              <a:buClr>
-                <a:srgbClr val="FF0000"/>
-              </a:buClr>
-              <a:buSzPct val="100000"/>
-            </a:pPr>
-            <a:r>
-              <a:rPr lang="en-US" altLang="zh-CN" sz="3200" b="1" dirty="0">
-                <a:solidFill>
-                  <a:schemeClr val="bg1"/>
-                </a:solidFill>
-                <a:latin typeface="Arial" panose="020B0604020202020204" pitchFamily="34" charset="0"/>
-                <a:ea typeface="微软雅黑" panose="020B0503020204020204" pitchFamily="34" charset="-122"/>
-                <a:cs typeface="+mn-ea"/>
-                <a:sym typeface="Arial" panose="020B0604020202020204" pitchFamily="34" charset="0"/>
-              </a:rPr>
-              <a:t>1.1 </a:t>
-            </a:r>
-            <a:r>
-              <a:rPr lang="zh-CN" altLang="en-US" sz="3200" b="1" dirty="0">
-                <a:solidFill>
-                  <a:schemeClr val="bg1"/>
-                </a:solidFill>
-                <a:latin typeface="Arial" panose="020B0604020202020204" pitchFamily="34" charset="0"/>
-                <a:ea typeface="微软雅黑" panose="020B0503020204020204" pitchFamily="34" charset="-122"/>
-                <a:cs typeface="+mn-ea"/>
-                <a:sym typeface="Arial" panose="020B0604020202020204" pitchFamily="34" charset="0"/>
-              </a:rPr>
-              <a:t>大气污染研究意义</a:t>
-            </a:r>
-            <a:endParaRPr lang="zh-CN" altLang="en-US" sz="3200" b="1" dirty="0">
-              <a:solidFill>
-                <a:schemeClr val="bg1"/>
-              </a:solidFill>
-              <a:latin typeface="Arial" panose="020B0604020202020204" pitchFamily="34" charset="0"/>
-              <a:ea typeface="微软雅黑" panose="020B0503020204020204" pitchFamily="34" charset="-122"/>
-              <a:cs typeface="+mn-ea"/>
-              <a:sym typeface="Arial" panose="020B0604020202020204" pitchFamily="34" charset="0"/>
-            </a:endParaRPr>
-          </a:p>
-        </p:txBody>
-      </p:sp>
-      <p:sp>
-        <p:nvSpPr>
           <p:cNvPr id="3" name="标题 2"/>
           <p:cNvSpPr>
             <a:spLocks noGrp="1"/>
@@ -15300,7 +15422,14 @@
                 <a:latin typeface="Arial" panose="020B0604020202020204" pitchFamily="34" charset="0"/>
                 <a:sym typeface="Arial" panose="020B0604020202020204" pitchFamily="34" charset="0"/>
               </a:rPr>
-              <a:t>1. XXX</a:t>
+              <a:t>11. </a:t>
+            </a:r>
+            <a:r>
+              <a:rPr lang="en-US" altLang="zh-CN" dirty="0">
+                <a:latin typeface="Arial" panose="020B0604020202020204" pitchFamily="34" charset="0"/>
+                <a:sym typeface="Arial" panose="020B0604020202020204" pitchFamily="34" charset="0"/>
+              </a:rPr>
+              <a:t>LeNet </a:t>
             </a:r>
             <a:endParaRPr lang="zh-CN" altLang="en-US" dirty="0">
               <a:latin typeface="Arial" panose="020B0604020202020204" pitchFamily="34" charset="0"/>
@@ -15395,6 +15524,1499 @@
           </a:fontRef>
         </p:style>
       </p:cxnSp>
+      <p:sp>
+        <p:nvSpPr>
+          <p:cNvPr id="14" name="文本框 13"/>
+          <p:cNvSpPr txBox="1"/>
+          <p:nvPr/>
+        </p:nvSpPr>
+        <p:spPr>
+          <a:xfrm>
+            <a:off x="462280" y="-403225"/>
+            <a:ext cx="2025015" cy="361315"/>
+          </a:xfrm>
+          <a:prstGeom prst="rect">
+            <a:avLst/>
+          </a:prstGeom>
+        </p:spPr>
+        <p:txBody>
+          <a:bodyPr/>
+          <a:p>
+            <a:endParaRPr sz="1600"/>
+          </a:p>
+        </p:txBody>
+      </p:sp>
+      <p:pic>
+        <p:nvPicPr>
+          <p:cNvPr id="2" name="图片 1"/>
+          <p:cNvPicPr/>
+          <p:nvPr/>
+        </p:nvPicPr>
+        <p:blipFill>
+          <a:blip r:embed="rId1"/>
+        </p:blipFill>
+        <p:spPr>
+          <a:xfrm>
+            <a:off x="1588135" y="2011680"/>
+            <a:ext cx="9215120" cy="3047365"/>
+          </a:xfrm>
+          <a:prstGeom prst="rect">
+            <a:avLst/>
+          </a:prstGeom>
+          <a:ln w="19050" cmpd="sng">
+            <a:solidFill>
+              <a:srgbClr val="FF0000"/>
+            </a:solidFill>
+            <a:prstDash val="lgDash"/>
+          </a:ln>
+        </p:spPr>
+      </p:pic>
+      <p:cxnSp>
+        <p:nvCxnSpPr>
+          <p:cNvPr id="4" name="直接箭头连接符 3"/>
+          <p:cNvCxnSpPr/>
+          <p:nvPr/>
+        </p:nvCxnSpPr>
+        <p:spPr>
+          <a:xfrm flipV="1">
+            <a:off x="7093585" y="1525905"/>
+            <a:ext cx="978535" cy="803910"/>
+          </a:xfrm>
+          <a:prstGeom prst="straightConnector1">
+            <a:avLst/>
+          </a:prstGeom>
+          <a:ln w="22225" cmpd="sng">
+            <a:solidFill>
+              <a:srgbClr val="92D050"/>
+            </a:solidFill>
+            <a:prstDash val="lgDashDot"/>
+            <a:tailEnd type="arrow"/>
+          </a:ln>
+        </p:spPr>
+        <p:style>
+          <a:lnRef idx="2">
+            <a:schemeClr val="accent1"/>
+          </a:lnRef>
+          <a:fillRef idx="0">
+            <a:srgbClr val="FFFFFF"/>
+          </a:fillRef>
+          <a:effectRef idx="0">
+            <a:srgbClr val="FFFFFF"/>
+          </a:effectRef>
+          <a:fontRef idx="minor">
+            <a:schemeClr val="tx1"/>
+          </a:fontRef>
+        </p:style>
+      </p:cxnSp>
+      <mc:AlternateContent xmlns:mc="http://schemas.openxmlformats.org/markup-compatibility/2006">
+        <mc:Choice xmlns:a14="http://schemas.microsoft.com/office/drawing/2010/main" Requires="a14">
+          <p:sp>
+            <p:nvSpPr>
+              <p:cNvPr id="30" name="标题 2"/>
+              <p:cNvSpPr txBox="1"/>
+              <p:nvPr/>
+            </p:nvSpPr>
+            <p:spPr>
+              <a:xfrm>
+                <a:off x="7926705" y="750570"/>
+                <a:ext cx="1271270" cy="650875"/>
+              </a:xfrm>
+              <a:prstGeom prst="rect">
+                <a:avLst/>
+              </a:prstGeom>
+              <a:ln>
+                <a:solidFill>
+                  <a:schemeClr val="accent1"/>
+                </a:solidFill>
+              </a:ln>
+              <a:effectLst>
+                <a:glow rad="63500">
+                  <a:schemeClr val="accent2">
+                    <a:satMod val="175000"/>
+                    <a:alpha val="40000"/>
+                  </a:schemeClr>
+                </a:glow>
+              </a:effectLst>
+            </p:spPr>
+            <p:txBody>
+              <a:bodyPr vert="horz" lIns="91440" tIns="45720" rIns="91440" bIns="45720" rtlCol="0" anchor="ctr">
+                <a:noAutofit/>
+              </a:bodyPr>
+              <a:lstStyle>
+                <a:lvl1pPr marL="0" algn="l" defTabSz="685800" rtl="0" eaLnBrk="1" latinLnBrk="0" hangingPunct="1">
+                  <a:lnSpc>
+                    <a:spcPct val="100000"/>
+                  </a:lnSpc>
+                  <a:spcBef>
+                    <a:spcPct val="0"/>
+                  </a:spcBef>
+                  <a:buNone/>
+                  <a:defRPr lang="en-US" sz="3200" b="1" kern="1200" dirty="0">
+                    <a:solidFill>
+                      <a:srgbClr val="002060"/>
+                    </a:solidFill>
+                    <a:latin typeface="微软雅黑" panose="020B0503020204020204" pitchFamily="34" charset="-122"/>
+                    <a:ea typeface="微软雅黑" panose="020B0503020204020204" pitchFamily="34" charset="-122"/>
+                    <a:cs typeface="+mn-cs"/>
+                  </a:defRPr>
+                </a:lvl1pPr>
+              </a:lstStyle>
+              <a:p>
+                <a14:m>
+                  <m:oMathPara xmlns:m="http://schemas.openxmlformats.org/officeDocument/2006/math">
+                    <m:oMathParaPr>
+                      <m:jc m:val="centerGroup"/>
+                    </m:oMathParaPr>
+                    <m:oMath xmlns:m="http://schemas.openxmlformats.org/officeDocument/2006/math">
+                      <m:f>
+                        <m:fPr>
+                          <m:ctrlPr>
+                            <a:rPr lang="en-US" altLang="zh-CN" sz="2000" i="1" dirty="0">
+                              <a:latin typeface="Cambria Math" panose="02040503050406030204" charset="0"/>
+                              <a:cs typeface="Cambria Math" panose="02040503050406030204" charset="0"/>
+                              <a:sym typeface="Arial" panose="020B0604020202020204" pitchFamily="34" charset="0"/>
+                            </a:rPr>
+                          </m:ctrlPr>
+                        </m:fPr>
+                        <m:num>
+                          <m:r>
+                            <a:rPr lang="en-US" altLang="zh-CN" sz="2000" i="1" dirty="0">
+                              <a:latin typeface="Cambria Math" panose="02040503050406030204" charset="0"/>
+                              <a:cs typeface="Cambria Math" panose="02040503050406030204" charset="0"/>
+                              <a:sym typeface="Arial" panose="020B0604020202020204" pitchFamily="34" charset="0"/>
+                            </a:rPr>
+                            <m:t>𝟑𝟐</m:t>
+                          </m:r>
+                        </m:num>
+                        <m:den>
+                          <m:r>
+                            <a:rPr lang="en-US" altLang="zh-CN" sz="2000" i="1" dirty="0">
+                              <a:latin typeface="Cambria Math" panose="02040503050406030204" charset="0"/>
+                              <a:cs typeface="Cambria Math" panose="02040503050406030204" charset="0"/>
+                              <a:sym typeface="Arial" panose="020B0604020202020204" pitchFamily="34" charset="0"/>
+                            </a:rPr>
+                            <m:t>𝟒</m:t>
+                          </m:r>
+                        </m:den>
+                      </m:f>
+                      <m:r>
+                        <a:rPr lang="en-US" altLang="zh-CN" sz="2000" i="1" dirty="0">
+                          <a:latin typeface="Cambria Math" panose="02040503050406030204" charset="0"/>
+                          <a:cs typeface="Cambria Math" panose="02040503050406030204" charset="0"/>
+                          <a:sym typeface="Arial" panose="020B0604020202020204" pitchFamily="34" charset="0"/>
+                        </a:rPr>
+                        <m:t> </m:t>
+                      </m:r>
+                      <m:r>
+                        <a:rPr lang="en-US" altLang="zh-CN" sz="2000" i="1" dirty="0">
+                          <a:latin typeface="Cambria Math" panose="02040503050406030204" charset="0"/>
+                          <a:cs typeface="Cambria Math" panose="02040503050406030204" charset="0"/>
+                          <a:sym typeface="Arial" panose="020B0604020202020204" pitchFamily="34" charset="0"/>
+                        </a:rPr>
+                        <m:t>−</m:t>
+                      </m:r>
+                      <m:r>
+                        <a:rPr lang="en-US" altLang="zh-CN" sz="2000" i="1" dirty="0">
+                          <a:latin typeface="Cambria Math" panose="02040503050406030204" charset="0"/>
+                          <a:cs typeface="Cambria Math" panose="02040503050406030204" charset="0"/>
+                          <a:sym typeface="Arial" panose="020B0604020202020204" pitchFamily="34" charset="0"/>
+                        </a:rPr>
+                        <m:t> </m:t>
+                      </m:r>
+                      <m:r>
+                        <a:rPr lang="en-US" altLang="zh-CN" sz="2000" i="1" dirty="0">
+                          <a:latin typeface="Cambria Math" panose="02040503050406030204" charset="0"/>
+                          <a:cs typeface="Cambria Math" panose="02040503050406030204" charset="0"/>
+                          <a:sym typeface="Arial" panose="020B0604020202020204" pitchFamily="34" charset="0"/>
+                        </a:rPr>
+                        <m:t>𝟑</m:t>
+                      </m:r>
+                    </m:oMath>
+                  </m:oMathPara>
+                </a14:m>
+                <a:endParaRPr lang="zh-CN" altLang="en-US" sz="2000" dirty="0">
+                  <a:latin typeface="Arial" panose="020B0604020202020204" pitchFamily="34" charset="0"/>
+                  <a:sym typeface="Arial" panose="020B0604020202020204" pitchFamily="34" charset="0"/>
+                </a:endParaRPr>
+              </a:p>
+            </p:txBody>
+          </p:sp>
+        </mc:Choice>
+        <mc:Fallback>
+          <p:sp>
+            <p:nvSpPr>
+              <p:cNvPr id="30" name="标题 2"/>
+              <p:cNvSpPr txBox="1">
+                <a:spLocks noRot="1" noChangeAspect="1" noMove="1" noResize="1" noEditPoints="1" noAdjustHandles="1" noChangeArrowheads="1" noChangeShapeType="1" noTextEdit="1"/>
+              </p:cNvSpPr>
+              <p:nvPr/>
+            </p:nvSpPr>
+            <p:spPr>
+              <a:xfrm>
+                <a:off x="7926705" y="750570"/>
+                <a:ext cx="1271270" cy="650875"/>
+              </a:xfrm>
+              <a:prstGeom prst="rect">
+                <a:avLst/>
+              </a:prstGeom>
+              <a:blipFill rotWithShape="1">
+                <a:blip r:embed="rId2"/>
+                <a:stretch>
+                  <a:fillRect l="-5395" t="-10537" r="-5345" b="-10439"/>
+                </a:stretch>
+              </a:blipFill>
+              <a:ln>
+                <a:solidFill>
+                  <a:schemeClr val="accent1"/>
+                </a:solidFill>
+              </a:ln>
+              <a:effectLst>
+                <a:glow rad="63500">
+                  <a:schemeClr val="accent2">
+                    <a:satMod val="175000"/>
+                    <a:alpha val="40000"/>
+                  </a:schemeClr>
+                </a:glow>
+              </a:effectLst>
+            </p:spPr>
+            <p:txBody>
+              <a:bodyPr/>
+              <a:lstStyle/>
+              <a:p>
+                <a:r>
+                  <a:rPr lang="zh-CN" altLang="en-US">
+                    <a:noFill/>
+                  </a:rPr>
+                  <a:t> </a:t>
+                </a:r>
+              </a:p>
+            </p:txBody>
+          </p:sp>
+        </mc:Fallback>
+      </mc:AlternateContent>
+      <p:sp>
+        <p:nvSpPr>
+          <p:cNvPr id="5" name="标题 2"/>
+          <p:cNvSpPr txBox="1"/>
+          <p:nvPr/>
+        </p:nvSpPr>
+        <p:spPr>
+          <a:xfrm>
+            <a:off x="1588135" y="5422900"/>
+            <a:ext cx="8705215" cy="1000125"/>
+          </a:xfrm>
+          <a:prstGeom prst="rect">
+            <a:avLst/>
+          </a:prstGeom>
+        </p:spPr>
+        <p:txBody>
+          <a:bodyPr vert="horz" lIns="91440" tIns="45720" rIns="91440" bIns="45720" rtlCol="0" anchor="ctr">
+            <a:noAutofit/>
+          </a:bodyPr>
+          <a:lstStyle>
+            <a:lvl1pPr marL="0" algn="l" defTabSz="685800" rtl="0" eaLnBrk="1" latinLnBrk="0" hangingPunct="1">
+              <a:lnSpc>
+                <a:spcPct val="100000"/>
+              </a:lnSpc>
+              <a:spcBef>
+                <a:spcPct val="0"/>
+              </a:spcBef>
+              <a:buNone/>
+              <a:defRPr lang="en-US" sz="3200" b="1" kern="1200" dirty="0">
+                <a:solidFill>
+                  <a:srgbClr val="002060"/>
+                </a:solidFill>
+                <a:latin typeface="微软雅黑" panose="020B0503020204020204" pitchFamily="34" charset="-122"/>
+                <a:ea typeface="微软雅黑" panose="020B0503020204020204" pitchFamily="34" charset="-122"/>
+                <a:cs typeface="+mn-cs"/>
+              </a:defRPr>
+            </a:lvl1pPr>
+          </a:lstStyle>
+          <a:p>
+            <a:r>
+              <a:rPr lang="zh-CN" altLang="en-US" sz="2000" dirty="0">
+                <a:latin typeface="Arial" panose="020B0604020202020204" pitchFamily="34" charset="0"/>
+                <a:sym typeface="Arial" panose="020B0604020202020204" pitchFamily="34" charset="0"/>
+              </a:rPr>
+              <a:t>在论文中，其实下采样步骤不只是平均池化，还</a:t>
+            </a:r>
+            <a:r>
+              <a:rPr lang="zh-CN" altLang="en-US" sz="2000" dirty="0">
+                <a:solidFill>
+                  <a:srgbClr val="FF0000"/>
+                </a:solidFill>
+                <a:latin typeface="Arial" panose="020B0604020202020204" pitchFamily="34" charset="0"/>
+                <a:sym typeface="Arial" panose="020B0604020202020204" pitchFamily="34" charset="0"/>
+              </a:rPr>
+              <a:t>连接了一个</a:t>
+            </a:r>
+            <a:r>
+              <a:rPr altLang="zh-CN" sz="2000" dirty="0">
+                <a:solidFill>
+                  <a:srgbClr val="FF0000"/>
+                </a:solidFill>
+                <a:latin typeface="Arial" panose="020B0604020202020204" pitchFamily="34" charset="0"/>
+                <a:sym typeface="Arial" panose="020B0604020202020204" pitchFamily="34" charset="0"/>
+              </a:rPr>
+              <a:t>(c_in, c_in, 1, 1)</a:t>
+            </a:r>
+            <a:r>
+              <a:rPr lang="zh-CN" altLang="en-US" sz="2000" dirty="0">
+                <a:solidFill>
+                  <a:srgbClr val="FF0000"/>
+                </a:solidFill>
+                <a:latin typeface="Arial" panose="020B0604020202020204" pitchFamily="34" charset="0"/>
+                <a:sym typeface="Arial" panose="020B0604020202020204" pitchFamily="34" charset="0"/>
+              </a:rPr>
+              <a:t>的卷积层</a:t>
+            </a:r>
+            <a:r>
+              <a:rPr lang="zh-CN" altLang="en-US" sz="2000" dirty="0">
+                <a:latin typeface="Arial" panose="020B0604020202020204" pitchFamily="34" charset="0"/>
+                <a:sym typeface="Arial" panose="020B0604020202020204" pitchFamily="34" charset="0"/>
+              </a:rPr>
+              <a:t>，这也是为什么论文中会有参数的原因；</a:t>
+            </a:r>
+            <a:r>
+              <a:rPr altLang="zh-CN" sz="2000" dirty="0">
+                <a:latin typeface="Arial" panose="020B0604020202020204" pitchFamily="34" charset="0"/>
+                <a:sym typeface="Arial" panose="020B0604020202020204" pitchFamily="34" charset="0"/>
+              </a:rPr>
+              <a:t> </a:t>
+            </a:r>
+            <a:r>
+              <a:rPr lang="zh-CN" altLang="en-US" sz="2000" dirty="0">
+                <a:latin typeface="Arial" panose="020B0604020202020204" pitchFamily="34" charset="0"/>
+                <a:sym typeface="Arial" panose="020B0604020202020204" pitchFamily="34" charset="0"/>
+              </a:rPr>
+              <a:t>并且</a:t>
+            </a:r>
+            <a:r>
+              <a:rPr altLang="zh-CN" sz="2000" dirty="0">
+                <a:latin typeface="Arial" panose="020B0604020202020204" pitchFamily="34" charset="0"/>
+                <a:sym typeface="Arial" panose="020B0604020202020204" pitchFamily="34" charset="0"/>
+              </a:rPr>
+              <a:t>C5</a:t>
+            </a:r>
+            <a:r>
+              <a:rPr lang="zh-CN" altLang="en-US" sz="2000" dirty="0">
+                <a:latin typeface="Arial" panose="020B0604020202020204" pitchFamily="34" charset="0"/>
+                <a:sym typeface="Arial" panose="020B0604020202020204" pitchFamily="34" charset="0"/>
+              </a:rPr>
+              <a:t>是</a:t>
+            </a:r>
+            <a:r>
+              <a:rPr lang="zh-CN" altLang="en-US" sz="2000" dirty="0">
+                <a:solidFill>
+                  <a:srgbClr val="FF0000"/>
+                </a:solidFill>
+                <a:latin typeface="Arial" panose="020B0604020202020204" pitchFamily="34" charset="0"/>
+                <a:sym typeface="Arial" panose="020B0604020202020204" pitchFamily="34" charset="0"/>
+              </a:rPr>
+              <a:t>卷积层卷积</a:t>
+            </a:r>
+            <a:r>
+              <a:rPr lang="zh-CN" altLang="en-US" sz="2000" dirty="0">
+                <a:latin typeface="Arial" panose="020B0604020202020204" pitchFamily="34" charset="0"/>
+                <a:sym typeface="Arial" panose="020B0604020202020204" pitchFamily="34" charset="0"/>
+              </a:rPr>
+              <a:t>，并不是对于图像的直接</a:t>
+            </a:r>
+            <a:r>
+              <a:rPr lang="zh-CN" altLang="en-US" sz="2000" dirty="0">
+                <a:latin typeface="Arial" panose="020B0604020202020204" pitchFamily="34" charset="0"/>
+                <a:sym typeface="Arial" panose="020B0604020202020204" pitchFamily="34" charset="0"/>
+              </a:rPr>
+              <a:t>展平！</a:t>
+            </a:r>
+            <a:endParaRPr lang="zh-CN" altLang="en-US" sz="2000" dirty="0">
+              <a:latin typeface="Arial" panose="020B0604020202020204" pitchFamily="34" charset="0"/>
+              <a:sym typeface="Arial" panose="020B0604020202020204" pitchFamily="34" charset="0"/>
+            </a:endParaRPr>
+          </a:p>
+        </p:txBody>
+      </p:sp>
+      <p:sp>
+        <p:nvSpPr>
+          <p:cNvPr id="6" name="标题 2"/>
+          <p:cNvSpPr txBox="1"/>
+          <p:nvPr/>
+        </p:nvSpPr>
+        <p:spPr>
+          <a:xfrm>
+            <a:off x="877570" y="828675"/>
+            <a:ext cx="6118225" cy="1212850"/>
+          </a:xfrm>
+          <a:prstGeom prst="rect">
+            <a:avLst/>
+          </a:prstGeom>
+        </p:spPr>
+        <p:txBody>
+          <a:bodyPr vert="horz" lIns="91440" tIns="45720" rIns="91440" bIns="45720" rtlCol="0" anchor="ctr">
+            <a:noAutofit/>
+          </a:bodyPr>
+          <a:lstStyle>
+            <a:lvl1pPr marL="0" algn="l" defTabSz="685800" rtl="0" eaLnBrk="1" latinLnBrk="0" hangingPunct="1">
+              <a:lnSpc>
+                <a:spcPct val="100000"/>
+              </a:lnSpc>
+              <a:spcBef>
+                <a:spcPct val="0"/>
+              </a:spcBef>
+              <a:buNone/>
+              <a:defRPr lang="en-US" sz="3200" b="1" kern="1200" dirty="0">
+                <a:solidFill>
+                  <a:srgbClr val="002060"/>
+                </a:solidFill>
+                <a:latin typeface="微软雅黑" panose="020B0503020204020204" pitchFamily="34" charset="-122"/>
+                <a:ea typeface="微软雅黑" panose="020B0503020204020204" pitchFamily="34" charset="-122"/>
+                <a:cs typeface="+mn-cs"/>
+              </a:defRPr>
+            </a:lvl1pPr>
+          </a:lstStyle>
+          <a:p>
+            <a:r>
+              <a:rPr altLang="zh-CN" sz="2000" dirty="0">
+                <a:latin typeface="Arial" panose="020B0604020202020204" pitchFamily="34" charset="0"/>
+                <a:sym typeface="Arial" panose="020B0604020202020204" pitchFamily="34" charset="0"/>
+              </a:rPr>
+              <a:t>Why?	</a:t>
+            </a:r>
+            <a:r>
+              <a:rPr lang="zh-CN" altLang="en-US" sz="2000" dirty="0">
+                <a:solidFill>
+                  <a:srgbClr val="FF0000"/>
+                </a:solidFill>
+                <a:latin typeface="Arial" panose="020B0604020202020204" pitchFamily="34" charset="0"/>
+                <a:sym typeface="Arial" panose="020B0604020202020204" pitchFamily="34" charset="0"/>
+              </a:rPr>
+              <a:t>参数共享；考虑空间特征</a:t>
+            </a:r>
+            <a:endParaRPr lang="zh-CN" altLang="en-US" sz="2000" dirty="0">
+              <a:solidFill>
+                <a:srgbClr val="FF0000"/>
+              </a:solidFill>
+              <a:latin typeface="Arial" panose="020B0604020202020204" pitchFamily="34" charset="0"/>
+              <a:sym typeface="Arial" panose="020B0604020202020204" pitchFamily="34" charset="0"/>
+            </a:endParaRPr>
+          </a:p>
+          <a:p>
+            <a:r>
+              <a:rPr altLang="zh-CN" sz="2000" dirty="0">
+                <a:solidFill>
+                  <a:srgbClr val="FF0000"/>
+                </a:solidFill>
+                <a:latin typeface="Arial" panose="020B0604020202020204" pitchFamily="34" charset="0"/>
+                <a:sym typeface="Arial" panose="020B0604020202020204" pitchFamily="34" charset="0"/>
+              </a:rPr>
+              <a:t>End to End: </a:t>
+            </a:r>
+            <a:r>
+              <a:rPr altLang="zh-CN" sz="2000" dirty="0">
+                <a:latin typeface="Arial" panose="020B0604020202020204" pitchFamily="34" charset="0"/>
+                <a:sym typeface="Arial" panose="020B0604020202020204" pitchFamily="34" charset="0"/>
+              </a:rPr>
+              <a:t>直接基于图像的原始像素进行分类</a:t>
+            </a:r>
+            <a:endParaRPr altLang="zh-CN" sz="2000" dirty="0">
+              <a:latin typeface="Arial" panose="020B0604020202020204" pitchFamily="34" charset="0"/>
+              <a:sym typeface="Arial" panose="020B0604020202020204" pitchFamily="34" charset="0"/>
+            </a:endParaRPr>
+          </a:p>
+        </p:txBody>
+      </p:sp>
+    </p:spTree>
+  </p:cSld>
+  <p:clrMapOvr>
+    <a:masterClrMapping/>
+  </p:clrMapOvr>
+  <p:transition advClick="0" advTm="0"/>
+</p:sld>
+</file>
+
+<file path=ppt/slides/slide19.xml><?xml version="1.0" encoding="utf-8"?>
+<p:sld xmlns:a="http://schemas.openxmlformats.org/drawingml/2006/main" xmlns:r="http://schemas.openxmlformats.org/officeDocument/2006/relationships" xmlns:p="http://schemas.openxmlformats.org/presentationml/2006/main">
+  <p:cSld>
+    <p:spTree>
+      <p:nvGrpSpPr>
+        <p:cNvPr id="1" name=""/>
+        <p:cNvGrpSpPr/>
+        <p:nvPr/>
+      </p:nvGrpSpPr>
+      <p:grpSpPr>
+        <a:xfrm>
+          <a:off x="0" y="0"/>
+          <a:ext cx="0" cy="0"/>
+          <a:chOff x="0" y="0"/>
+          <a:chExt cx="0" cy="0"/>
+        </a:xfrm>
+      </p:grpSpPr>
+      <p:sp>
+        <p:nvSpPr>
+          <p:cNvPr id="3" name="标题 2"/>
+          <p:cNvSpPr>
+            <a:spLocks noGrp="1"/>
+          </p:cNvSpPr>
+          <p:nvPr>
+            <p:ph type="title"/>
+          </p:nvPr>
+        </p:nvSpPr>
+        <p:spPr/>
+        <p:txBody>
+          <a:bodyPr/>
+          <a:lstStyle/>
+          <a:p>
+            <a:r>
+              <a:rPr lang="en-US" altLang="zh-CN" dirty="0">
+                <a:latin typeface="Arial" panose="020B0604020202020204" pitchFamily="34" charset="0"/>
+                <a:sym typeface="Arial" panose="020B0604020202020204" pitchFamily="34" charset="0"/>
+              </a:rPr>
+              <a:t>11. </a:t>
+            </a:r>
+            <a:r>
+              <a:rPr lang="en-US" altLang="zh-CN" dirty="0">
+                <a:latin typeface="Arial" panose="020B0604020202020204" pitchFamily="34" charset="0"/>
+                <a:sym typeface="Arial" panose="020B0604020202020204" pitchFamily="34" charset="0"/>
+              </a:rPr>
+              <a:t>AlexNet </a:t>
+            </a:r>
+            <a:endParaRPr lang="zh-CN" altLang="en-US" dirty="0">
+              <a:latin typeface="Arial" panose="020B0604020202020204" pitchFamily="34" charset="0"/>
+              <a:sym typeface="Arial" panose="020B0604020202020204" pitchFamily="34" charset="0"/>
+            </a:endParaRPr>
+          </a:p>
+        </p:txBody>
+      </p:sp>
+      <p:sp>
+        <p:nvSpPr>
+          <p:cNvPr id="7" name="灯片编号占位符 6"/>
+          <p:cNvSpPr>
+            <a:spLocks noGrp="1"/>
+          </p:cNvSpPr>
+          <p:nvPr>
+            <p:ph type="sldNum" sz="quarter" idx="16"/>
+          </p:nvPr>
+        </p:nvSpPr>
+        <p:spPr/>
+        <p:txBody>
+          <a:bodyPr/>
+          <a:lstStyle/>
+          <a:p>
+            <a:pPr>
+              <a:defRPr/>
+            </a:pPr>
+            <a:fld id="{26F565BE-27A9-4834-BA3A-D46EFBA6086A}" type="slidenum">
+              <a:rPr lang="zh-CN" altLang="en-US" smtClean="0">
+                <a:latin typeface="Arial" panose="020B0604020202020204" pitchFamily="34" charset="0"/>
+                <a:sym typeface="Arial" panose="020B0604020202020204" pitchFamily="34" charset="0"/>
+              </a:rPr>
+            </a:fld>
+            <a:endParaRPr lang="zh-CN" altLang="en-US" dirty="0">
+              <a:latin typeface="Arial" panose="020B0604020202020204" pitchFamily="34" charset="0"/>
+              <a:sym typeface="Arial" panose="020B0604020202020204" pitchFamily="34" charset="0"/>
+            </a:endParaRPr>
+          </a:p>
+        </p:txBody>
+      </p:sp>
+      <p:cxnSp>
+        <p:nvCxnSpPr>
+          <p:cNvPr id="8" name="直接连接符 7"/>
+          <p:cNvCxnSpPr/>
+          <p:nvPr/>
+        </p:nvCxnSpPr>
+        <p:spPr>
+          <a:xfrm>
+            <a:off x="0" y="824357"/>
+            <a:ext cx="3877337" cy="0"/>
+          </a:xfrm>
+          <a:prstGeom prst="line">
+            <a:avLst/>
+          </a:prstGeom>
+          <a:ln w="31750">
+            <a:gradFill flip="none" rotWithShape="1">
+              <a:gsLst>
+                <a:gs pos="0">
+                  <a:schemeClr val="accent1">
+                    <a:lumMod val="40000"/>
+                    <a:lumOff val="60000"/>
+                  </a:schemeClr>
+                </a:gs>
+                <a:gs pos="46000">
+                  <a:schemeClr val="accent1">
+                    <a:lumMod val="40000"/>
+                    <a:lumOff val="60000"/>
+                  </a:schemeClr>
+                </a:gs>
+                <a:gs pos="100000">
+                  <a:schemeClr val="accent1">
+                    <a:lumMod val="75000"/>
+                  </a:schemeClr>
+                </a:gs>
+              </a:gsLst>
+              <a:lin ang="10800000" scaled="0"/>
+              <a:tileRect/>
+            </a:gradFill>
+          </a:ln>
+        </p:spPr>
+        <p:style>
+          <a:lnRef idx="3">
+            <a:schemeClr val="dk1"/>
+          </a:lnRef>
+          <a:fillRef idx="0">
+            <a:schemeClr val="dk1"/>
+          </a:fillRef>
+          <a:effectRef idx="2">
+            <a:schemeClr val="dk1"/>
+          </a:effectRef>
+          <a:fontRef idx="minor">
+            <a:schemeClr val="tx1"/>
+          </a:fontRef>
+        </p:style>
+      </p:cxnSp>
+      <p:sp>
+        <p:nvSpPr>
+          <p:cNvPr id="14" name="文本框 13"/>
+          <p:cNvSpPr txBox="1"/>
+          <p:nvPr/>
+        </p:nvSpPr>
+        <p:spPr>
+          <a:xfrm>
+            <a:off x="462280" y="-403225"/>
+            <a:ext cx="2025015" cy="361315"/>
+          </a:xfrm>
+          <a:prstGeom prst="rect">
+            <a:avLst/>
+          </a:prstGeom>
+        </p:spPr>
+        <p:txBody>
+          <a:bodyPr/>
+          <a:p>
+            <a:endParaRPr sz="1600"/>
+          </a:p>
+        </p:txBody>
+      </p:sp>
+      <p:pic>
+        <p:nvPicPr>
+          <p:cNvPr id="10" name="图片 9"/>
+          <p:cNvPicPr/>
+          <p:nvPr/>
+        </p:nvPicPr>
+        <p:blipFill>
+          <a:blip r:embed="rId1"/>
+        </p:blipFill>
+        <p:spPr>
+          <a:xfrm>
+            <a:off x="1044575" y="2399665"/>
+            <a:ext cx="5368925" cy="2486025"/>
+          </a:xfrm>
+          <a:prstGeom prst="rect">
+            <a:avLst/>
+          </a:prstGeom>
+          <a:ln w="28575" cmpd="sng">
+            <a:solidFill>
+              <a:srgbClr val="00B050"/>
+            </a:solidFill>
+            <a:prstDash val="solid"/>
+          </a:ln>
+          <a:effectLst>
+            <a:outerShdw blurRad="76200" dir="13500000" sy="23000" kx="1200000" algn="br" rotWithShape="0">
+              <a:prstClr val="black">
+                <a:alpha val="20000"/>
+              </a:prstClr>
+            </a:outerShdw>
+          </a:effectLst>
+        </p:spPr>
+      </p:pic>
+      <p:sp>
+        <p:nvSpPr>
+          <p:cNvPr id="12" name="左大括号 11"/>
+          <p:cNvSpPr/>
+          <p:nvPr/>
+        </p:nvSpPr>
+        <p:spPr>
+          <a:xfrm>
+            <a:off x="6974840" y="1910080"/>
+            <a:ext cx="941705" cy="3465195"/>
+          </a:xfrm>
+          <a:prstGeom prst="leftBrace">
+            <a:avLst>
+              <a:gd name="adj1" fmla="val 8333"/>
+              <a:gd name="adj2" fmla="val 50284"/>
+            </a:avLst>
+          </a:prstGeom>
+          <a:noFill/>
+          <a:ln w="25400" cmpd="sng">
+            <a:solidFill>
+              <a:srgbClr val="0070C0"/>
+            </a:solidFill>
+            <a:prstDash val="solid"/>
+            <a:tailEnd type="none"/>
+          </a:ln>
+        </p:spPr>
+        <p:style>
+          <a:lnRef idx="2">
+            <a:schemeClr val="accent1"/>
+          </a:lnRef>
+          <a:fillRef idx="0">
+            <a:srgbClr val="FFFFFF"/>
+          </a:fillRef>
+          <a:effectRef idx="0">
+            <a:srgbClr val="FFFFFF"/>
+          </a:effectRef>
+          <a:fontRef idx="minor">
+            <a:schemeClr val="tx1"/>
+          </a:fontRef>
+        </p:style>
+        <p:txBody>
+          <a:bodyPr rtlCol="0" anchor="ctr"/>
+          <a:p>
+            <a:pPr algn="ctr"/>
+            <a:endParaRPr lang="zh-CN" altLang="en-US"/>
+          </a:p>
+        </p:txBody>
+      </p:sp>
+      <p:grpSp>
+        <p:nvGrpSpPr>
+          <p:cNvPr id="23" name="组合 22"/>
+          <p:cNvGrpSpPr/>
+          <p:nvPr/>
+        </p:nvGrpSpPr>
+        <p:grpSpPr>
+          <a:xfrm>
+            <a:off x="8188325" y="1644650"/>
+            <a:ext cx="2602230" cy="1134110"/>
+            <a:chOff x="1890" y="2911"/>
+            <a:chExt cx="4098" cy="1786"/>
+          </a:xfrm>
+        </p:grpSpPr>
+        <p:sp>
+          <p:nvSpPr>
+            <p:cNvPr id="15" name="标题 2"/>
+            <p:cNvSpPr txBox="1"/>
+            <p:nvPr/>
+          </p:nvSpPr>
+          <p:spPr>
+            <a:xfrm>
+              <a:off x="1890" y="2911"/>
+              <a:ext cx="4098" cy="1786"/>
+            </a:xfrm>
+            <a:prstGeom prst="rect">
+              <a:avLst/>
+            </a:prstGeom>
+          </p:spPr>
+          <p:txBody>
+            <a:bodyPr vert="horz" lIns="91440" tIns="45720" rIns="91440" bIns="45720" rtlCol="0" anchor="ctr">
+              <a:noAutofit/>
+            </a:bodyPr>
+            <a:lstStyle>
+              <a:lvl1pPr marL="0" algn="l" defTabSz="685800" rtl="0" eaLnBrk="1" latinLnBrk="0" hangingPunct="1">
+                <a:lnSpc>
+                  <a:spcPct val="100000"/>
+                </a:lnSpc>
+                <a:spcBef>
+                  <a:spcPct val="0"/>
+                </a:spcBef>
+                <a:buNone/>
+                <a:defRPr lang="en-US" sz="3200" b="1" kern="1200" dirty="0">
+                  <a:solidFill>
+                    <a:srgbClr val="002060"/>
+                  </a:solidFill>
+                  <a:latin typeface="微软雅黑" panose="020B0503020204020204" pitchFamily="34" charset="-122"/>
+                  <a:ea typeface="微软雅黑" panose="020B0503020204020204" pitchFamily="34" charset="-122"/>
+                  <a:cs typeface="+mn-cs"/>
+                </a:defRPr>
+              </a:lvl1pPr>
+            </a:lstStyle>
+            <a:p>
+              <a:r>
+                <a:rPr altLang="zh-CN" sz="2000" dirty="0">
+                  <a:latin typeface="Arial" panose="020B0604020202020204" pitchFamily="34" charset="0"/>
+                  <a:sym typeface="Arial" panose="020B0604020202020204" pitchFamily="34" charset="0"/>
+                </a:rPr>
+                <a:t>  </a:t>
+              </a:r>
+              <a:r>
+                <a:rPr lang="zh-CN" altLang="en-US" sz="2000" dirty="0">
+                  <a:latin typeface="Arial" panose="020B0604020202020204" pitchFamily="34" charset="0"/>
+                  <a:sym typeface="Arial" panose="020B0604020202020204" pitchFamily="34" charset="0"/>
+                </a:rPr>
+                <a:t>网络</a:t>
+              </a:r>
+              <a:r>
+                <a:rPr lang="zh-CN" altLang="en-US" sz="2000" dirty="0">
+                  <a:latin typeface="Arial" panose="020B0604020202020204" pitchFamily="34" charset="0"/>
+                  <a:sym typeface="Arial" panose="020B0604020202020204" pitchFamily="34" charset="0"/>
+                </a:rPr>
+                <a:t>结构</a:t>
+              </a:r>
+              <a:endParaRPr lang="zh-CN" altLang="en-US" sz="2000" dirty="0">
+                <a:latin typeface="Arial" panose="020B0604020202020204" pitchFamily="34" charset="0"/>
+                <a:sym typeface="Arial" panose="020B0604020202020204" pitchFamily="34" charset="0"/>
+              </a:endParaRPr>
+            </a:p>
+            <a:p>
+              <a:r>
+                <a:rPr altLang="zh-CN" sz="2000" dirty="0">
+                  <a:latin typeface="Arial" panose="020B0604020202020204" pitchFamily="34" charset="0"/>
+                  <a:sym typeface="Arial" panose="020B0604020202020204" pitchFamily="34" charset="0"/>
+                </a:rPr>
+                <a:t> </a:t>
+              </a:r>
+              <a:endParaRPr altLang="zh-CN" sz="2000" dirty="0">
+                <a:latin typeface="Arial" panose="020B0604020202020204" pitchFamily="34" charset="0"/>
+                <a:sym typeface="Arial" panose="020B0604020202020204" pitchFamily="34" charset="0"/>
+              </a:endParaRPr>
+            </a:p>
+            <a:p>
+              <a:r>
+                <a:rPr altLang="zh-CN" sz="2000" dirty="0">
+                  <a:latin typeface="Arial" panose="020B0604020202020204" pitchFamily="34" charset="0"/>
+                  <a:sym typeface="Arial" panose="020B0604020202020204" pitchFamily="34" charset="0"/>
+                </a:rPr>
+                <a:t>   </a:t>
+              </a:r>
+              <a:endParaRPr lang="zh-CN" altLang="en-US" sz="2000" dirty="0">
+                <a:latin typeface="Arial" panose="020B0604020202020204" pitchFamily="34" charset="0"/>
+                <a:sym typeface="Arial" panose="020B0604020202020204" pitchFamily="34" charset="0"/>
+              </a:endParaRPr>
+            </a:p>
+          </p:txBody>
+        </p:sp>
+        <p:sp>
+          <p:nvSpPr>
+            <p:cNvPr id="17" name="圆角矩形 16"/>
+            <p:cNvSpPr/>
+            <p:nvPr/>
+          </p:nvSpPr>
+          <p:spPr>
+            <a:xfrm>
+              <a:off x="1938" y="3044"/>
+              <a:ext cx="2320" cy="580"/>
+            </a:xfrm>
+            <a:prstGeom prst="roundRect">
+              <a:avLst/>
+            </a:prstGeom>
+            <a:noFill/>
+            <a:ln w="19050" cmpd="sng">
+              <a:solidFill>
+                <a:srgbClr val="FF0000"/>
+              </a:solidFill>
+              <a:prstDash val="lgDash"/>
+            </a:ln>
+          </p:spPr>
+          <p:style>
+            <a:lnRef idx="2">
+              <a:schemeClr val="accent1">
+                <a:lumMod val="75000"/>
+              </a:schemeClr>
+            </a:lnRef>
+            <a:fillRef idx="1">
+              <a:schemeClr val="accent1"/>
+            </a:fillRef>
+            <a:effectRef idx="0">
+              <a:srgbClr val="FFFFFF"/>
+            </a:effectRef>
+            <a:fontRef idx="minor">
+              <a:schemeClr val="lt1"/>
+            </a:fontRef>
+          </p:style>
+          <p:txBody>
+            <a:bodyPr rtlCol="0" anchor="ctr"/>
+            <a:p>
+              <a:pPr algn="ctr"/>
+              <a:endParaRPr lang="zh-CN" altLang="en-US"/>
+            </a:p>
+          </p:txBody>
+        </p:sp>
+      </p:grpSp>
+      <p:grpSp>
+        <p:nvGrpSpPr>
+          <p:cNvPr id="13" name="组合 12"/>
+          <p:cNvGrpSpPr/>
+          <p:nvPr/>
+        </p:nvGrpSpPr>
+        <p:grpSpPr>
+          <a:xfrm>
+            <a:off x="8218805" y="2595245"/>
+            <a:ext cx="2602230" cy="1134110"/>
+            <a:chOff x="1890" y="2911"/>
+            <a:chExt cx="4098" cy="1786"/>
+          </a:xfrm>
+        </p:grpSpPr>
+        <p:sp>
+          <p:nvSpPr>
+            <p:cNvPr id="16" name="标题 2"/>
+            <p:cNvSpPr txBox="1"/>
+            <p:nvPr/>
+          </p:nvSpPr>
+          <p:spPr>
+            <a:xfrm>
+              <a:off x="1890" y="2911"/>
+              <a:ext cx="4098" cy="1786"/>
+            </a:xfrm>
+            <a:prstGeom prst="rect">
+              <a:avLst/>
+            </a:prstGeom>
+          </p:spPr>
+          <p:txBody>
+            <a:bodyPr vert="horz" lIns="91440" tIns="45720" rIns="91440" bIns="45720" rtlCol="0" anchor="ctr">
+              <a:noAutofit/>
+            </a:bodyPr>
+            <a:lstStyle>
+              <a:lvl1pPr marL="0" algn="l" defTabSz="685800" rtl="0" eaLnBrk="1" latinLnBrk="0" hangingPunct="1">
+                <a:lnSpc>
+                  <a:spcPct val="100000"/>
+                </a:lnSpc>
+                <a:spcBef>
+                  <a:spcPct val="0"/>
+                </a:spcBef>
+                <a:buNone/>
+                <a:defRPr lang="en-US" sz="3200" b="1" kern="1200" dirty="0">
+                  <a:solidFill>
+                    <a:srgbClr val="002060"/>
+                  </a:solidFill>
+                  <a:latin typeface="微软雅黑" panose="020B0503020204020204" pitchFamily="34" charset="-122"/>
+                  <a:ea typeface="微软雅黑" panose="020B0503020204020204" pitchFamily="34" charset="-122"/>
+                  <a:cs typeface="+mn-cs"/>
+                </a:defRPr>
+              </a:lvl1pPr>
+            </a:lstStyle>
+            <a:p>
+              <a:r>
+                <a:rPr altLang="zh-CN" sz="2000" dirty="0">
+                  <a:latin typeface="Arial" panose="020B0604020202020204" pitchFamily="34" charset="0"/>
+                  <a:sym typeface="Arial" panose="020B0604020202020204" pitchFamily="34" charset="0"/>
+                </a:rPr>
+                <a:t>  </a:t>
+              </a:r>
+              <a:r>
+                <a:rPr lang="zh-CN" altLang="en-US" sz="2000" dirty="0">
+                  <a:latin typeface="Arial" panose="020B0604020202020204" pitchFamily="34" charset="0"/>
+                  <a:sym typeface="Arial" panose="020B0604020202020204" pitchFamily="34" charset="0"/>
+                </a:rPr>
+                <a:t>激活函数</a:t>
+              </a:r>
+              <a:endParaRPr lang="zh-CN" altLang="en-US" sz="2000" dirty="0">
+                <a:latin typeface="Arial" panose="020B0604020202020204" pitchFamily="34" charset="0"/>
+                <a:sym typeface="Arial" panose="020B0604020202020204" pitchFamily="34" charset="0"/>
+              </a:endParaRPr>
+            </a:p>
+            <a:p>
+              <a:r>
+                <a:rPr altLang="zh-CN" sz="2000" dirty="0">
+                  <a:latin typeface="Arial" panose="020B0604020202020204" pitchFamily="34" charset="0"/>
+                  <a:sym typeface="Arial" panose="020B0604020202020204" pitchFamily="34" charset="0"/>
+                </a:rPr>
+                <a:t> </a:t>
+              </a:r>
+              <a:endParaRPr altLang="zh-CN" sz="2000" dirty="0">
+                <a:latin typeface="Arial" panose="020B0604020202020204" pitchFamily="34" charset="0"/>
+                <a:sym typeface="Arial" panose="020B0604020202020204" pitchFamily="34" charset="0"/>
+              </a:endParaRPr>
+            </a:p>
+            <a:p>
+              <a:r>
+                <a:rPr altLang="zh-CN" sz="2000" dirty="0">
+                  <a:latin typeface="Arial" panose="020B0604020202020204" pitchFamily="34" charset="0"/>
+                  <a:sym typeface="Arial" panose="020B0604020202020204" pitchFamily="34" charset="0"/>
+                </a:rPr>
+                <a:t>   </a:t>
+              </a:r>
+              <a:endParaRPr lang="zh-CN" altLang="en-US" sz="2000" dirty="0">
+                <a:latin typeface="Arial" panose="020B0604020202020204" pitchFamily="34" charset="0"/>
+                <a:sym typeface="Arial" panose="020B0604020202020204" pitchFamily="34" charset="0"/>
+              </a:endParaRPr>
+            </a:p>
+          </p:txBody>
+        </p:sp>
+        <p:sp>
+          <p:nvSpPr>
+            <p:cNvPr id="18" name="圆角矩形 17"/>
+            <p:cNvSpPr/>
+            <p:nvPr/>
+          </p:nvSpPr>
+          <p:spPr>
+            <a:xfrm>
+              <a:off x="1938" y="3044"/>
+              <a:ext cx="2320" cy="580"/>
+            </a:xfrm>
+            <a:prstGeom prst="roundRect">
+              <a:avLst/>
+            </a:prstGeom>
+            <a:noFill/>
+            <a:ln w="19050" cmpd="sng">
+              <a:solidFill>
+                <a:srgbClr val="FF0000"/>
+              </a:solidFill>
+              <a:prstDash val="lgDash"/>
+            </a:ln>
+          </p:spPr>
+          <p:style>
+            <a:lnRef idx="2">
+              <a:schemeClr val="accent1">
+                <a:lumMod val="75000"/>
+              </a:schemeClr>
+            </a:lnRef>
+            <a:fillRef idx="1">
+              <a:schemeClr val="accent1"/>
+            </a:fillRef>
+            <a:effectRef idx="0">
+              <a:srgbClr val="FFFFFF"/>
+            </a:effectRef>
+            <a:fontRef idx="minor">
+              <a:schemeClr val="lt1"/>
+            </a:fontRef>
+          </p:style>
+          <p:txBody>
+            <a:bodyPr rtlCol="0" anchor="ctr"/>
+            <a:p>
+              <a:pPr algn="ctr"/>
+              <a:endParaRPr lang="zh-CN" altLang="en-US"/>
+            </a:p>
+          </p:txBody>
+        </p:sp>
+      </p:grpSp>
+      <p:grpSp>
+        <p:nvGrpSpPr>
+          <p:cNvPr id="19" name="组合 18"/>
+          <p:cNvGrpSpPr/>
+          <p:nvPr/>
+        </p:nvGrpSpPr>
+        <p:grpSpPr>
+          <a:xfrm>
+            <a:off x="8249285" y="3462655"/>
+            <a:ext cx="2602230" cy="1134110"/>
+            <a:chOff x="1890" y="2911"/>
+            <a:chExt cx="4098" cy="1786"/>
+          </a:xfrm>
+        </p:grpSpPr>
+        <p:sp>
+          <p:nvSpPr>
+            <p:cNvPr id="20" name="标题 2"/>
+            <p:cNvSpPr txBox="1"/>
+            <p:nvPr/>
+          </p:nvSpPr>
+          <p:spPr>
+            <a:xfrm>
+              <a:off x="1890" y="2911"/>
+              <a:ext cx="4098" cy="1786"/>
+            </a:xfrm>
+            <a:prstGeom prst="rect">
+              <a:avLst/>
+            </a:prstGeom>
+          </p:spPr>
+          <p:txBody>
+            <a:bodyPr vert="horz" lIns="91440" tIns="45720" rIns="91440" bIns="45720" rtlCol="0" anchor="ctr">
+              <a:noAutofit/>
+            </a:bodyPr>
+            <a:lstStyle>
+              <a:lvl1pPr marL="0" algn="l" defTabSz="685800" rtl="0" eaLnBrk="1" latinLnBrk="0" hangingPunct="1">
+                <a:lnSpc>
+                  <a:spcPct val="100000"/>
+                </a:lnSpc>
+                <a:spcBef>
+                  <a:spcPct val="0"/>
+                </a:spcBef>
+                <a:buNone/>
+                <a:defRPr lang="en-US" sz="3200" b="1" kern="1200" dirty="0">
+                  <a:solidFill>
+                    <a:srgbClr val="002060"/>
+                  </a:solidFill>
+                  <a:latin typeface="微软雅黑" panose="020B0503020204020204" pitchFamily="34" charset="-122"/>
+                  <a:ea typeface="微软雅黑" panose="020B0503020204020204" pitchFamily="34" charset="-122"/>
+                  <a:cs typeface="+mn-cs"/>
+                </a:defRPr>
+              </a:lvl1pPr>
+            </a:lstStyle>
+            <a:p>
+              <a:r>
+                <a:rPr altLang="zh-CN" sz="2000" dirty="0">
+                  <a:latin typeface="Arial" panose="020B0604020202020204" pitchFamily="34" charset="0"/>
+                  <a:sym typeface="Arial" panose="020B0604020202020204" pitchFamily="34" charset="0"/>
+                </a:rPr>
+                <a:t>  </a:t>
+              </a:r>
+              <a:r>
+                <a:rPr lang="zh-CN" altLang="en-US" sz="2000" dirty="0">
+                  <a:latin typeface="Arial" panose="020B0604020202020204" pitchFamily="34" charset="0"/>
+                  <a:sym typeface="Arial" panose="020B0604020202020204" pitchFamily="34" charset="0"/>
+                </a:rPr>
+                <a:t>全连接层</a:t>
+              </a:r>
+              <a:endParaRPr lang="zh-CN" altLang="en-US" sz="2000" dirty="0">
+                <a:latin typeface="Arial" panose="020B0604020202020204" pitchFamily="34" charset="0"/>
+                <a:sym typeface="Arial" panose="020B0604020202020204" pitchFamily="34" charset="0"/>
+              </a:endParaRPr>
+            </a:p>
+            <a:p>
+              <a:r>
+                <a:rPr altLang="zh-CN" sz="2000" dirty="0">
+                  <a:latin typeface="Arial" panose="020B0604020202020204" pitchFamily="34" charset="0"/>
+                  <a:sym typeface="Arial" panose="020B0604020202020204" pitchFamily="34" charset="0"/>
+                </a:rPr>
+                <a:t> </a:t>
+              </a:r>
+              <a:endParaRPr altLang="zh-CN" sz="2000" dirty="0">
+                <a:latin typeface="Arial" panose="020B0604020202020204" pitchFamily="34" charset="0"/>
+                <a:sym typeface="Arial" panose="020B0604020202020204" pitchFamily="34" charset="0"/>
+              </a:endParaRPr>
+            </a:p>
+            <a:p>
+              <a:r>
+                <a:rPr altLang="zh-CN" sz="2000" dirty="0">
+                  <a:latin typeface="Arial" panose="020B0604020202020204" pitchFamily="34" charset="0"/>
+                  <a:sym typeface="Arial" panose="020B0604020202020204" pitchFamily="34" charset="0"/>
+                </a:rPr>
+                <a:t>   </a:t>
+              </a:r>
+              <a:endParaRPr lang="zh-CN" altLang="en-US" sz="2000" dirty="0">
+                <a:latin typeface="Arial" panose="020B0604020202020204" pitchFamily="34" charset="0"/>
+                <a:sym typeface="Arial" panose="020B0604020202020204" pitchFamily="34" charset="0"/>
+              </a:endParaRPr>
+            </a:p>
+          </p:txBody>
+        </p:sp>
+        <p:sp>
+          <p:nvSpPr>
+            <p:cNvPr id="21" name="圆角矩形 20"/>
+            <p:cNvSpPr/>
+            <p:nvPr/>
+          </p:nvSpPr>
+          <p:spPr>
+            <a:xfrm>
+              <a:off x="1938" y="3044"/>
+              <a:ext cx="2320" cy="580"/>
+            </a:xfrm>
+            <a:prstGeom prst="roundRect">
+              <a:avLst/>
+            </a:prstGeom>
+            <a:noFill/>
+            <a:ln w="19050" cmpd="sng">
+              <a:solidFill>
+                <a:srgbClr val="FF0000"/>
+              </a:solidFill>
+              <a:prstDash val="lgDash"/>
+            </a:ln>
+          </p:spPr>
+          <p:style>
+            <a:lnRef idx="2">
+              <a:schemeClr val="accent1">
+                <a:lumMod val="75000"/>
+              </a:schemeClr>
+            </a:lnRef>
+            <a:fillRef idx="1">
+              <a:schemeClr val="accent1"/>
+            </a:fillRef>
+            <a:effectRef idx="0">
+              <a:srgbClr val="FFFFFF"/>
+            </a:effectRef>
+            <a:fontRef idx="minor">
+              <a:schemeClr val="lt1"/>
+            </a:fontRef>
+          </p:style>
+          <p:txBody>
+            <a:bodyPr rtlCol="0" anchor="ctr"/>
+            <a:p>
+              <a:pPr algn="ctr"/>
+              <a:endParaRPr lang="zh-CN" altLang="en-US"/>
+            </a:p>
+          </p:txBody>
+        </p:sp>
+      </p:grpSp>
+      <p:grpSp>
+        <p:nvGrpSpPr>
+          <p:cNvPr id="22" name="组合 21"/>
+          <p:cNvGrpSpPr/>
+          <p:nvPr/>
+        </p:nvGrpSpPr>
+        <p:grpSpPr>
+          <a:xfrm>
+            <a:off x="8251190" y="4287520"/>
+            <a:ext cx="2602230" cy="1134110"/>
+            <a:chOff x="1890" y="2911"/>
+            <a:chExt cx="4098" cy="1786"/>
+          </a:xfrm>
+        </p:grpSpPr>
+        <p:sp>
+          <p:nvSpPr>
+            <p:cNvPr id="24" name="标题 2"/>
+            <p:cNvSpPr txBox="1"/>
+            <p:nvPr/>
+          </p:nvSpPr>
+          <p:spPr>
+            <a:xfrm>
+              <a:off x="1890" y="2911"/>
+              <a:ext cx="4098" cy="1786"/>
+            </a:xfrm>
+            <a:prstGeom prst="rect">
+              <a:avLst/>
+            </a:prstGeom>
+          </p:spPr>
+          <p:txBody>
+            <a:bodyPr vert="horz" lIns="91440" tIns="45720" rIns="91440" bIns="45720" rtlCol="0" anchor="ctr">
+              <a:noAutofit/>
+            </a:bodyPr>
+            <a:lstStyle>
+              <a:lvl1pPr marL="0" algn="l" defTabSz="685800" rtl="0" eaLnBrk="1" latinLnBrk="0" hangingPunct="1">
+                <a:lnSpc>
+                  <a:spcPct val="100000"/>
+                </a:lnSpc>
+                <a:spcBef>
+                  <a:spcPct val="0"/>
+                </a:spcBef>
+                <a:buNone/>
+                <a:defRPr lang="en-US" sz="3200" b="1" kern="1200" dirty="0">
+                  <a:solidFill>
+                    <a:srgbClr val="002060"/>
+                  </a:solidFill>
+                  <a:latin typeface="微软雅黑" panose="020B0503020204020204" pitchFamily="34" charset="-122"/>
+                  <a:ea typeface="微软雅黑" panose="020B0503020204020204" pitchFamily="34" charset="-122"/>
+                  <a:cs typeface="+mn-cs"/>
+                </a:defRPr>
+              </a:lvl1pPr>
+            </a:lstStyle>
+            <a:p>
+              <a:r>
+                <a:rPr altLang="zh-CN" sz="2000" dirty="0">
+                  <a:latin typeface="Arial" panose="020B0604020202020204" pitchFamily="34" charset="0"/>
+                  <a:sym typeface="Arial" panose="020B0604020202020204" pitchFamily="34" charset="0"/>
+                </a:rPr>
+                <a:t>  DropOut</a:t>
+              </a:r>
+              <a:endParaRPr lang="zh-CN" altLang="en-US" sz="2000" dirty="0">
+                <a:latin typeface="Arial" panose="020B0604020202020204" pitchFamily="34" charset="0"/>
+                <a:sym typeface="Arial" panose="020B0604020202020204" pitchFamily="34" charset="0"/>
+              </a:endParaRPr>
+            </a:p>
+            <a:p>
+              <a:r>
+                <a:rPr altLang="zh-CN" sz="2000" dirty="0">
+                  <a:latin typeface="Arial" panose="020B0604020202020204" pitchFamily="34" charset="0"/>
+                  <a:sym typeface="Arial" panose="020B0604020202020204" pitchFamily="34" charset="0"/>
+                </a:rPr>
+                <a:t> </a:t>
+              </a:r>
+              <a:endParaRPr altLang="zh-CN" sz="2000" dirty="0">
+                <a:latin typeface="Arial" panose="020B0604020202020204" pitchFamily="34" charset="0"/>
+                <a:sym typeface="Arial" panose="020B0604020202020204" pitchFamily="34" charset="0"/>
+              </a:endParaRPr>
+            </a:p>
+            <a:p>
+              <a:r>
+                <a:rPr altLang="zh-CN" sz="2000" dirty="0">
+                  <a:latin typeface="Arial" panose="020B0604020202020204" pitchFamily="34" charset="0"/>
+                  <a:sym typeface="Arial" panose="020B0604020202020204" pitchFamily="34" charset="0"/>
+                </a:rPr>
+                <a:t>   </a:t>
+              </a:r>
+              <a:endParaRPr lang="zh-CN" altLang="en-US" sz="2000" dirty="0">
+                <a:latin typeface="Arial" panose="020B0604020202020204" pitchFamily="34" charset="0"/>
+                <a:sym typeface="Arial" panose="020B0604020202020204" pitchFamily="34" charset="0"/>
+              </a:endParaRPr>
+            </a:p>
+          </p:txBody>
+        </p:sp>
+        <p:sp>
+          <p:nvSpPr>
+            <p:cNvPr id="25" name="圆角矩形 24"/>
+            <p:cNvSpPr/>
+            <p:nvPr/>
+          </p:nvSpPr>
+          <p:spPr>
+            <a:xfrm>
+              <a:off x="1938" y="3044"/>
+              <a:ext cx="2320" cy="580"/>
+            </a:xfrm>
+            <a:prstGeom prst="roundRect">
+              <a:avLst/>
+            </a:prstGeom>
+            <a:noFill/>
+            <a:ln w="19050" cmpd="sng">
+              <a:solidFill>
+                <a:srgbClr val="FF0000"/>
+              </a:solidFill>
+              <a:prstDash val="lgDash"/>
+            </a:ln>
+          </p:spPr>
+          <p:style>
+            <a:lnRef idx="2">
+              <a:schemeClr val="accent1">
+                <a:lumMod val="75000"/>
+              </a:schemeClr>
+            </a:lnRef>
+            <a:fillRef idx="1">
+              <a:schemeClr val="accent1"/>
+            </a:fillRef>
+            <a:effectRef idx="0">
+              <a:srgbClr val="FFFFFF"/>
+            </a:effectRef>
+            <a:fontRef idx="minor">
+              <a:schemeClr val="lt1"/>
+            </a:fontRef>
+          </p:style>
+          <p:txBody>
+            <a:bodyPr rtlCol="0" anchor="ctr"/>
+            <a:p>
+              <a:pPr algn="ctr"/>
+              <a:endParaRPr lang="zh-CN" altLang="en-US"/>
+            </a:p>
+          </p:txBody>
+        </p:sp>
+      </p:grpSp>
+      <p:grpSp>
+        <p:nvGrpSpPr>
+          <p:cNvPr id="26" name="组合 25"/>
+          <p:cNvGrpSpPr/>
+          <p:nvPr/>
+        </p:nvGrpSpPr>
+        <p:grpSpPr>
+          <a:xfrm>
+            <a:off x="8249285" y="5160645"/>
+            <a:ext cx="2602230" cy="1134110"/>
+            <a:chOff x="1890" y="2911"/>
+            <a:chExt cx="4098" cy="1786"/>
+          </a:xfrm>
+        </p:grpSpPr>
+        <p:sp>
+          <p:nvSpPr>
+            <p:cNvPr id="27" name="标题 2"/>
+            <p:cNvSpPr txBox="1"/>
+            <p:nvPr/>
+          </p:nvSpPr>
+          <p:spPr>
+            <a:xfrm>
+              <a:off x="1890" y="2911"/>
+              <a:ext cx="4098" cy="1786"/>
+            </a:xfrm>
+            <a:prstGeom prst="rect">
+              <a:avLst/>
+            </a:prstGeom>
+          </p:spPr>
+          <p:txBody>
+            <a:bodyPr vert="horz" lIns="91440" tIns="45720" rIns="91440" bIns="45720" rtlCol="0" anchor="ctr">
+              <a:noAutofit/>
+            </a:bodyPr>
+            <a:lstStyle>
+              <a:lvl1pPr marL="0" algn="l" defTabSz="685800" rtl="0" eaLnBrk="1" latinLnBrk="0" hangingPunct="1">
+                <a:lnSpc>
+                  <a:spcPct val="100000"/>
+                </a:lnSpc>
+                <a:spcBef>
+                  <a:spcPct val="0"/>
+                </a:spcBef>
+                <a:buNone/>
+                <a:defRPr lang="en-US" sz="3200" b="1" kern="1200" dirty="0">
+                  <a:solidFill>
+                    <a:srgbClr val="002060"/>
+                  </a:solidFill>
+                  <a:latin typeface="微软雅黑" panose="020B0503020204020204" pitchFamily="34" charset="-122"/>
+                  <a:ea typeface="微软雅黑" panose="020B0503020204020204" pitchFamily="34" charset="-122"/>
+                  <a:cs typeface="+mn-cs"/>
+                </a:defRPr>
+              </a:lvl1pPr>
+            </a:lstStyle>
+            <a:p>
+              <a:r>
+                <a:rPr altLang="zh-CN" sz="2000" dirty="0">
+                  <a:latin typeface="Arial" panose="020B0604020202020204" pitchFamily="34" charset="0"/>
+                  <a:sym typeface="Arial" panose="020B0604020202020204" pitchFamily="34" charset="0"/>
+                </a:rPr>
+                <a:t>  </a:t>
+              </a:r>
+              <a:r>
+                <a:rPr lang="zh-CN" altLang="en-US" sz="2000" dirty="0">
+                  <a:latin typeface="Arial" panose="020B0604020202020204" pitchFamily="34" charset="0"/>
+                  <a:sym typeface="Arial" panose="020B0604020202020204" pitchFamily="34" charset="0"/>
+                </a:rPr>
+                <a:t>图像</a:t>
+              </a:r>
+              <a:r>
+                <a:rPr lang="zh-CN" altLang="en-US" sz="2000" dirty="0">
+                  <a:latin typeface="Arial" panose="020B0604020202020204" pitchFamily="34" charset="0"/>
+                  <a:sym typeface="Arial" panose="020B0604020202020204" pitchFamily="34" charset="0"/>
+                </a:rPr>
+                <a:t>增强</a:t>
+              </a:r>
+              <a:endParaRPr lang="zh-CN" altLang="en-US" sz="2000" dirty="0">
+                <a:latin typeface="Arial" panose="020B0604020202020204" pitchFamily="34" charset="0"/>
+                <a:sym typeface="Arial" panose="020B0604020202020204" pitchFamily="34" charset="0"/>
+              </a:endParaRPr>
+            </a:p>
+            <a:p>
+              <a:r>
+                <a:rPr altLang="zh-CN" sz="2000" dirty="0">
+                  <a:latin typeface="Arial" panose="020B0604020202020204" pitchFamily="34" charset="0"/>
+                  <a:sym typeface="Arial" panose="020B0604020202020204" pitchFamily="34" charset="0"/>
+                </a:rPr>
+                <a:t> </a:t>
+              </a:r>
+              <a:endParaRPr altLang="zh-CN" sz="2000" dirty="0">
+                <a:latin typeface="Arial" panose="020B0604020202020204" pitchFamily="34" charset="0"/>
+                <a:sym typeface="Arial" panose="020B0604020202020204" pitchFamily="34" charset="0"/>
+              </a:endParaRPr>
+            </a:p>
+            <a:p>
+              <a:r>
+                <a:rPr altLang="zh-CN" sz="2000" dirty="0">
+                  <a:latin typeface="Arial" panose="020B0604020202020204" pitchFamily="34" charset="0"/>
+                  <a:sym typeface="Arial" panose="020B0604020202020204" pitchFamily="34" charset="0"/>
+                </a:rPr>
+                <a:t>   </a:t>
+              </a:r>
+              <a:endParaRPr lang="zh-CN" altLang="en-US" sz="2000" dirty="0">
+                <a:latin typeface="Arial" panose="020B0604020202020204" pitchFamily="34" charset="0"/>
+                <a:sym typeface="Arial" panose="020B0604020202020204" pitchFamily="34" charset="0"/>
+              </a:endParaRPr>
+            </a:p>
+          </p:txBody>
+        </p:sp>
+        <p:sp>
+          <p:nvSpPr>
+            <p:cNvPr id="28" name="圆角矩形 27"/>
+            <p:cNvSpPr/>
+            <p:nvPr/>
+          </p:nvSpPr>
+          <p:spPr>
+            <a:xfrm>
+              <a:off x="1938" y="3044"/>
+              <a:ext cx="2320" cy="580"/>
+            </a:xfrm>
+            <a:prstGeom prst="roundRect">
+              <a:avLst/>
+            </a:prstGeom>
+            <a:noFill/>
+            <a:ln w="19050" cmpd="sng">
+              <a:solidFill>
+                <a:srgbClr val="FF0000"/>
+              </a:solidFill>
+              <a:prstDash val="lgDash"/>
+            </a:ln>
+          </p:spPr>
+          <p:style>
+            <a:lnRef idx="2">
+              <a:schemeClr val="accent1">
+                <a:lumMod val="75000"/>
+              </a:schemeClr>
+            </a:lnRef>
+            <a:fillRef idx="1">
+              <a:schemeClr val="accent1"/>
+            </a:fillRef>
+            <a:effectRef idx="0">
+              <a:srgbClr val="FFFFFF"/>
+            </a:effectRef>
+            <a:fontRef idx="minor">
+              <a:schemeClr val="lt1"/>
+            </a:fontRef>
+          </p:style>
+          <p:txBody>
+            <a:bodyPr rtlCol="0" anchor="ctr"/>
+            <a:p>
+              <a:pPr algn="ctr"/>
+              <a:endParaRPr lang="zh-CN" altLang="en-US"/>
+            </a:p>
+          </p:txBody>
+        </p:sp>
+      </p:grpSp>
     </p:spTree>
   </p:cSld>
   <p:clrMapOvr>
@@ -16432,6 +18054,603 @@
           </a:p>
         </p:txBody>
       </p:sp>
+    </p:spTree>
+  </p:cSld>
+  <p:clrMapOvr>
+    <a:masterClrMapping/>
+  </p:clrMapOvr>
+  <p:transition advClick="0" advTm="0"/>
+</p:sld>
+</file>
+
+<file path=ppt/slides/slide20.xml><?xml version="1.0" encoding="utf-8"?>
+<p:sld xmlns:a="http://schemas.openxmlformats.org/drawingml/2006/main" xmlns:r="http://schemas.openxmlformats.org/officeDocument/2006/relationships" xmlns:p="http://schemas.openxmlformats.org/presentationml/2006/main">
+  <p:cSld>
+    <p:spTree>
+      <p:nvGrpSpPr>
+        <p:cNvPr id="1" name=""/>
+        <p:cNvGrpSpPr/>
+        <p:nvPr/>
+      </p:nvGrpSpPr>
+      <p:grpSpPr>
+        <a:xfrm>
+          <a:off x="0" y="0"/>
+          <a:ext cx="0" cy="0"/>
+          <a:chOff x="0" y="0"/>
+          <a:chExt cx="0" cy="0"/>
+        </a:xfrm>
+      </p:grpSpPr>
+      <p:sp>
+        <p:nvSpPr>
+          <p:cNvPr id="3" name="标题 2"/>
+          <p:cNvSpPr>
+            <a:spLocks noGrp="1"/>
+          </p:cNvSpPr>
+          <p:nvPr>
+            <p:ph type="title"/>
+          </p:nvPr>
+        </p:nvSpPr>
+        <p:spPr/>
+        <p:txBody>
+          <a:bodyPr/>
+          <a:lstStyle/>
+          <a:p>
+            <a:r>
+              <a:rPr lang="en-US" altLang="zh-CN" dirty="0">
+                <a:latin typeface="Arial" panose="020B0604020202020204" pitchFamily="34" charset="0"/>
+                <a:sym typeface="Arial" panose="020B0604020202020204" pitchFamily="34" charset="0"/>
+              </a:rPr>
+              <a:t>11. Resnet</a:t>
+            </a:r>
+            <a:r>
+              <a:rPr lang="en-US" altLang="zh-CN" dirty="0">
+                <a:latin typeface="Arial" panose="020B0604020202020204" pitchFamily="34" charset="0"/>
+                <a:sym typeface="Arial" panose="020B0604020202020204" pitchFamily="34" charset="0"/>
+              </a:rPr>
+              <a:t> </a:t>
+            </a:r>
+            <a:endParaRPr lang="zh-CN" altLang="en-US" dirty="0">
+              <a:latin typeface="Arial" panose="020B0604020202020204" pitchFamily="34" charset="0"/>
+              <a:sym typeface="Arial" panose="020B0604020202020204" pitchFamily="34" charset="0"/>
+            </a:endParaRPr>
+          </a:p>
+        </p:txBody>
+      </p:sp>
+      <p:sp>
+        <p:nvSpPr>
+          <p:cNvPr id="7" name="灯片编号占位符 6"/>
+          <p:cNvSpPr>
+            <a:spLocks noGrp="1"/>
+          </p:cNvSpPr>
+          <p:nvPr>
+            <p:ph type="sldNum" sz="quarter" idx="16"/>
+          </p:nvPr>
+        </p:nvSpPr>
+        <p:spPr/>
+        <p:txBody>
+          <a:bodyPr/>
+          <a:lstStyle/>
+          <a:p>
+            <a:pPr>
+              <a:defRPr/>
+            </a:pPr>
+            <a:fld id="{26F565BE-27A9-4834-BA3A-D46EFBA6086A}" type="slidenum">
+              <a:rPr lang="zh-CN" altLang="en-US" smtClean="0">
+                <a:latin typeface="Arial" panose="020B0604020202020204" pitchFamily="34" charset="0"/>
+                <a:sym typeface="Arial" panose="020B0604020202020204" pitchFamily="34" charset="0"/>
+              </a:rPr>
+            </a:fld>
+            <a:endParaRPr lang="zh-CN" altLang="en-US" dirty="0">
+              <a:latin typeface="Arial" panose="020B0604020202020204" pitchFamily="34" charset="0"/>
+              <a:sym typeface="Arial" panose="020B0604020202020204" pitchFamily="34" charset="0"/>
+            </a:endParaRPr>
+          </a:p>
+        </p:txBody>
+      </p:sp>
+      <p:cxnSp>
+        <p:nvCxnSpPr>
+          <p:cNvPr id="8" name="直接连接符 7"/>
+          <p:cNvCxnSpPr/>
+          <p:nvPr/>
+        </p:nvCxnSpPr>
+        <p:spPr>
+          <a:xfrm>
+            <a:off x="0" y="824357"/>
+            <a:ext cx="3877337" cy="0"/>
+          </a:xfrm>
+          <a:prstGeom prst="line">
+            <a:avLst/>
+          </a:prstGeom>
+          <a:ln w="31750">
+            <a:gradFill flip="none" rotWithShape="1">
+              <a:gsLst>
+                <a:gs pos="0">
+                  <a:schemeClr val="accent1">
+                    <a:lumMod val="40000"/>
+                    <a:lumOff val="60000"/>
+                  </a:schemeClr>
+                </a:gs>
+                <a:gs pos="46000">
+                  <a:schemeClr val="accent1">
+                    <a:lumMod val="40000"/>
+                    <a:lumOff val="60000"/>
+                  </a:schemeClr>
+                </a:gs>
+                <a:gs pos="100000">
+                  <a:schemeClr val="accent1">
+                    <a:lumMod val="75000"/>
+                  </a:schemeClr>
+                </a:gs>
+              </a:gsLst>
+              <a:lin ang="10800000" scaled="0"/>
+              <a:tileRect/>
+            </a:gradFill>
+          </a:ln>
+        </p:spPr>
+        <p:style>
+          <a:lnRef idx="3">
+            <a:schemeClr val="dk1"/>
+          </a:lnRef>
+          <a:fillRef idx="0">
+            <a:schemeClr val="dk1"/>
+          </a:fillRef>
+          <a:effectRef idx="2">
+            <a:schemeClr val="dk1"/>
+          </a:effectRef>
+          <a:fontRef idx="minor">
+            <a:schemeClr val="tx1"/>
+          </a:fontRef>
+        </p:style>
+      </p:cxnSp>
+      <p:sp>
+        <p:nvSpPr>
+          <p:cNvPr id="14" name="文本框 13"/>
+          <p:cNvSpPr txBox="1"/>
+          <p:nvPr/>
+        </p:nvSpPr>
+        <p:spPr>
+          <a:xfrm>
+            <a:off x="462280" y="-403225"/>
+            <a:ext cx="2025015" cy="361315"/>
+          </a:xfrm>
+          <a:prstGeom prst="rect">
+            <a:avLst/>
+          </a:prstGeom>
+        </p:spPr>
+        <p:txBody>
+          <a:bodyPr/>
+          <a:p>
+            <a:endParaRPr sz="1600"/>
+          </a:p>
+        </p:txBody>
+      </p:sp>
+      <p:pic>
+        <p:nvPicPr>
+          <p:cNvPr id="2" name="图片 1"/>
+          <p:cNvPicPr>
+            <a:picLocks noChangeAspect="1"/>
+          </p:cNvPicPr>
+          <p:nvPr/>
+        </p:nvPicPr>
+        <p:blipFill>
+          <a:blip r:embed="rId1"/>
+          <a:stretch>
+            <a:fillRect/>
+          </a:stretch>
+        </p:blipFill>
+        <p:spPr>
+          <a:xfrm>
+            <a:off x="8752205" y="1384300"/>
+            <a:ext cx="3076575" cy="1552575"/>
+          </a:xfrm>
+          <a:prstGeom prst="rect">
+            <a:avLst/>
+          </a:prstGeom>
+          <a:ln w="25400" cmpd="sng">
+            <a:solidFill>
+              <a:srgbClr val="FF0000"/>
+            </a:solidFill>
+            <a:prstDash val="lgDash"/>
+          </a:ln>
+        </p:spPr>
+      </p:pic>
+      <p:pic>
+        <p:nvPicPr>
+          <p:cNvPr id="9" name="图片 8"/>
+          <p:cNvPicPr/>
+          <p:nvPr/>
+        </p:nvPicPr>
+        <p:blipFill>
+          <a:blip r:embed="rId2"/>
+        </p:blipFill>
+        <p:spPr>
+          <a:xfrm>
+            <a:off x="374650" y="1281113"/>
+            <a:ext cx="7981949" cy="4295775"/>
+          </a:xfrm>
+          <a:prstGeom prst="rect">
+            <a:avLst/>
+          </a:prstGeom>
+          <a:ln w="22225">
+            <a:solidFill>
+              <a:schemeClr val="accent1"/>
+            </a:solidFill>
+          </a:ln>
+          <a:effectLst>
+            <a:outerShdw blurRad="50800" dist="38100" dir="10800000" algn="r" rotWithShape="0">
+              <a:prstClr val="black">
+                <a:alpha val="40000"/>
+              </a:prstClr>
+            </a:outerShdw>
+            <a:reflection blurRad="6350" stA="52000" endA="300" endPos="35000" dist="38100" dir="5400000" sy="-100000" algn="bl" rotWithShape="0"/>
+          </a:effectLst>
+          <a:scene3d>
+            <a:camera prst="orthographicFront">
+              <a:rot lat="0" lon="0" rev="0"/>
+            </a:camera>
+            <a:lightRig rig="threePt" dir="t">
+              <a:rot lat="0" lon="0" rev="9000000"/>
+            </a:lightRig>
+          </a:scene3d>
+        </p:spPr>
+      </p:pic>
+      <p:cxnSp>
+        <p:nvCxnSpPr>
+          <p:cNvPr id="29" name="直接箭头连接符 28"/>
+          <p:cNvCxnSpPr>
+            <a:endCxn id="2" idx="1"/>
+          </p:cNvCxnSpPr>
+          <p:nvPr/>
+        </p:nvCxnSpPr>
+        <p:spPr>
+          <a:xfrm flipV="1">
+            <a:off x="6240780" y="2160905"/>
+            <a:ext cx="2511425" cy="669925"/>
+          </a:xfrm>
+          <a:prstGeom prst="straightConnector1">
+            <a:avLst/>
+          </a:prstGeom>
+          <a:ln w="12700" cmpd="sng">
+            <a:solidFill>
+              <a:schemeClr val="accent1">
+                <a:shade val="50000"/>
+              </a:schemeClr>
+            </a:solidFill>
+            <a:prstDash val="dash"/>
+            <a:tailEnd type="arrow"/>
+          </a:ln>
+        </p:spPr>
+        <p:style>
+          <a:lnRef idx="2">
+            <a:schemeClr val="accent1"/>
+          </a:lnRef>
+          <a:fillRef idx="0">
+            <a:srgbClr val="FFFFFF"/>
+          </a:fillRef>
+          <a:effectRef idx="0">
+            <a:srgbClr val="FFFFFF"/>
+          </a:effectRef>
+          <a:fontRef idx="minor">
+            <a:schemeClr val="tx1"/>
+          </a:fontRef>
+        </p:style>
+      </p:cxnSp>
+      <p:sp>
+        <p:nvSpPr>
+          <p:cNvPr id="30" name="标题 2"/>
+          <p:cNvSpPr txBox="1"/>
+          <p:nvPr/>
+        </p:nvSpPr>
+        <p:spPr>
+          <a:xfrm>
+            <a:off x="9026525" y="3661410"/>
+            <a:ext cx="2966085" cy="1250950"/>
+          </a:xfrm>
+          <a:prstGeom prst="rect">
+            <a:avLst/>
+          </a:prstGeom>
+        </p:spPr>
+        <p:txBody>
+          <a:bodyPr vert="horz" lIns="91440" tIns="45720" rIns="91440" bIns="45720" rtlCol="0" anchor="ctr">
+            <a:noAutofit/>
+          </a:bodyPr>
+          <a:lstStyle>
+            <a:lvl1pPr marL="0" algn="l" defTabSz="685800" rtl="0" eaLnBrk="1" latinLnBrk="0" hangingPunct="1">
+              <a:lnSpc>
+                <a:spcPct val="100000"/>
+              </a:lnSpc>
+              <a:spcBef>
+                <a:spcPct val="0"/>
+              </a:spcBef>
+              <a:buNone/>
+              <a:defRPr lang="en-US" sz="3200" b="1" kern="1200" dirty="0">
+                <a:solidFill>
+                  <a:srgbClr val="002060"/>
+                </a:solidFill>
+                <a:latin typeface="微软雅黑" panose="020B0503020204020204" pitchFamily="34" charset="-122"/>
+                <a:ea typeface="微软雅黑" panose="020B0503020204020204" pitchFamily="34" charset="-122"/>
+                <a:cs typeface="+mn-cs"/>
+              </a:defRPr>
+            </a:lvl1pPr>
+          </a:lstStyle>
+          <a:p>
+            <a:r>
+              <a:rPr lang="zh-CN" altLang="en-US" sz="2000" dirty="0">
+                <a:latin typeface="Arial" panose="020B0604020202020204" pitchFamily="34" charset="0"/>
+                <a:sym typeface="Arial" panose="020B0604020202020204" pitchFamily="34" charset="0"/>
+              </a:rPr>
+              <a:t>虚线代表在这个过程中我们会使用</a:t>
+            </a:r>
+            <a:r>
+              <a:rPr altLang="zh-CN" sz="2000" dirty="0">
+                <a:solidFill>
+                  <a:srgbClr val="FF0000"/>
+                </a:solidFill>
+                <a:latin typeface="Arial" panose="020B0604020202020204" pitchFamily="34" charset="0"/>
+                <a:sym typeface="Arial" panose="020B0604020202020204" pitchFamily="34" charset="0"/>
+              </a:rPr>
+              <a:t>1*1</a:t>
+            </a:r>
+            <a:r>
+              <a:rPr lang="zh-CN" altLang="en-US" sz="2000" dirty="0">
+                <a:solidFill>
+                  <a:srgbClr val="FF0000"/>
+                </a:solidFill>
+                <a:latin typeface="Arial" panose="020B0604020202020204" pitchFamily="34" charset="0"/>
+                <a:sym typeface="Arial" panose="020B0604020202020204" pitchFamily="34" charset="0"/>
+              </a:rPr>
+              <a:t>的卷积</a:t>
+            </a:r>
+            <a:r>
+              <a:rPr lang="zh-CN" altLang="en-US" sz="2000" dirty="0">
+                <a:latin typeface="Arial" panose="020B0604020202020204" pitchFamily="34" charset="0"/>
+                <a:sym typeface="Arial" panose="020B0604020202020204" pitchFamily="34" charset="0"/>
+              </a:rPr>
+              <a:t>，其余的就</a:t>
+            </a:r>
+            <a:r>
+              <a:rPr lang="zh-CN" altLang="en-US" sz="2000" dirty="0">
+                <a:latin typeface="Arial" panose="020B0604020202020204" pitchFamily="34" charset="0"/>
+                <a:sym typeface="Arial" panose="020B0604020202020204" pitchFamily="34" charset="0"/>
+              </a:rPr>
+              <a:t>不用</a:t>
+            </a:r>
+            <a:endParaRPr lang="zh-CN" altLang="en-US" sz="2000" dirty="0">
+              <a:latin typeface="Arial" panose="020B0604020202020204" pitchFamily="34" charset="0"/>
+              <a:sym typeface="Arial" panose="020B0604020202020204" pitchFamily="34" charset="0"/>
+            </a:endParaRPr>
+          </a:p>
+        </p:txBody>
+      </p:sp>
+    </p:spTree>
+  </p:cSld>
+  <p:clrMapOvr>
+    <a:masterClrMapping/>
+  </p:clrMapOvr>
+  <p:transition advClick="0" advTm="0"/>
+</p:sld>
+</file>
+
+<file path=ppt/slides/slide21.xml><?xml version="1.0" encoding="utf-8"?>
+<p:sld xmlns:a="http://schemas.openxmlformats.org/drawingml/2006/main" xmlns:r="http://schemas.openxmlformats.org/officeDocument/2006/relationships" xmlns:p="http://schemas.openxmlformats.org/presentationml/2006/main">
+  <p:cSld>
+    <p:spTree>
+      <p:nvGrpSpPr>
+        <p:cNvPr id="1" name=""/>
+        <p:cNvGrpSpPr/>
+        <p:nvPr/>
+      </p:nvGrpSpPr>
+      <p:grpSpPr>
+        <a:xfrm>
+          <a:off x="0" y="0"/>
+          <a:ext cx="0" cy="0"/>
+          <a:chOff x="0" y="0"/>
+          <a:chExt cx="0" cy="0"/>
+        </a:xfrm>
+      </p:grpSpPr>
+      <p:sp>
+        <p:nvSpPr>
+          <p:cNvPr id="4" name="矩形 12"/>
+          <p:cNvSpPr>
+            <a:spLocks noChangeArrowheads="1"/>
+          </p:cNvSpPr>
+          <p:nvPr/>
+        </p:nvSpPr>
+        <p:spPr bwMode="auto">
+          <a:xfrm>
+            <a:off x="385125" y="188641"/>
+            <a:ext cx="11568417" cy="584775"/>
+          </a:xfrm>
+          <a:prstGeom prst="rect">
+            <a:avLst/>
+          </a:prstGeom>
+          <a:noFill/>
+          <a:ln>
+            <a:noFill/>
+          </a:ln>
+          <a:extLst>
+            <a:ext uri="{909E8E84-426E-40DD-AFC4-6F175D3DCCD1}">
+              <a14:hiddenFill xmlns:a14="http://schemas.microsoft.com/office/drawing/2010/main">
+                <a:solidFill>
+                  <a:srgbClr val="FFFFFF"/>
+                </a:solidFill>
+              </a14:hiddenFill>
+            </a:ext>
+            <a:ext uri="{91240B29-F687-4F45-9708-019B960494DF}">
+              <a14:hiddenLine xmlns:a14="http://schemas.microsoft.com/office/drawing/2010/main" w="9525">
+                <a:solidFill>
+                  <a:srgbClr val="000000"/>
+                </a:solidFill>
+                <a:miter lim="800000"/>
+                <a:headEnd/>
+                <a:tailEnd/>
+              </a14:hiddenLine>
+            </a:ext>
+          </a:extLst>
+        </p:spPr>
+        <p:txBody>
+          <a:bodyPr wrap="square">
+            <a:spAutoFit/>
+          </a:bodyPr>
+          <a:lstStyle/>
+          <a:p>
+            <a:pPr marL="0" lvl="1" defTabSz="457200">
+              <a:buClr>
+                <a:srgbClr val="FF0000"/>
+              </a:buClr>
+              <a:buSzPct val="100000"/>
+            </a:pPr>
+            <a:r>
+              <a:rPr lang="en-US" altLang="zh-CN" sz="3200" b="1" dirty="0">
+                <a:solidFill>
+                  <a:schemeClr val="bg1"/>
+                </a:solidFill>
+                <a:latin typeface="Arial" panose="020B0604020202020204" pitchFamily="34" charset="0"/>
+                <a:ea typeface="微软雅黑" panose="020B0503020204020204" pitchFamily="34" charset="-122"/>
+                <a:cs typeface="+mn-ea"/>
+                <a:sym typeface="Arial" panose="020B0604020202020204" pitchFamily="34" charset="0"/>
+              </a:rPr>
+              <a:t>1.1 </a:t>
+            </a:r>
+            <a:r>
+              <a:rPr lang="zh-CN" altLang="en-US" sz="3200" b="1" dirty="0">
+                <a:solidFill>
+                  <a:schemeClr val="bg1"/>
+                </a:solidFill>
+                <a:latin typeface="Arial" panose="020B0604020202020204" pitchFamily="34" charset="0"/>
+                <a:ea typeface="微软雅黑" panose="020B0503020204020204" pitchFamily="34" charset="-122"/>
+                <a:cs typeface="+mn-ea"/>
+                <a:sym typeface="Arial" panose="020B0604020202020204" pitchFamily="34" charset="0"/>
+              </a:rPr>
+              <a:t>大气污染研究意义</a:t>
+            </a:r>
+            <a:endParaRPr lang="zh-CN" altLang="en-US" sz="3200" b="1" dirty="0">
+              <a:solidFill>
+                <a:schemeClr val="bg1"/>
+              </a:solidFill>
+              <a:latin typeface="Arial" panose="020B0604020202020204" pitchFamily="34" charset="0"/>
+              <a:ea typeface="微软雅黑" panose="020B0503020204020204" pitchFamily="34" charset="-122"/>
+              <a:cs typeface="+mn-ea"/>
+              <a:sym typeface="Arial" panose="020B0604020202020204" pitchFamily="34" charset="0"/>
+            </a:endParaRPr>
+          </a:p>
+        </p:txBody>
+      </p:sp>
+      <p:sp>
+        <p:nvSpPr>
+          <p:cNvPr id="3" name="标题 2"/>
+          <p:cNvSpPr>
+            <a:spLocks noGrp="1"/>
+          </p:cNvSpPr>
+          <p:nvPr>
+            <p:ph type="title"/>
+          </p:nvPr>
+        </p:nvSpPr>
+        <p:spPr/>
+        <p:txBody>
+          <a:bodyPr/>
+          <a:lstStyle/>
+          <a:p>
+            <a:r>
+              <a:rPr lang="en-US" altLang="zh-CN" dirty="0">
+                <a:latin typeface="Arial" panose="020B0604020202020204" pitchFamily="34" charset="0"/>
+                <a:sym typeface="Arial" panose="020B0604020202020204" pitchFamily="34" charset="0"/>
+              </a:rPr>
+              <a:t>1. XXX</a:t>
+            </a:r>
+            <a:endParaRPr lang="zh-CN" altLang="en-US" dirty="0">
+              <a:latin typeface="Arial" panose="020B0604020202020204" pitchFamily="34" charset="0"/>
+              <a:sym typeface="Arial" panose="020B0604020202020204" pitchFamily="34" charset="0"/>
+            </a:endParaRPr>
+          </a:p>
+        </p:txBody>
+      </p:sp>
+      <p:sp>
+        <p:nvSpPr>
+          <p:cNvPr id="7" name="灯片编号占位符 6"/>
+          <p:cNvSpPr>
+            <a:spLocks noGrp="1"/>
+          </p:cNvSpPr>
+          <p:nvPr>
+            <p:ph type="sldNum" sz="quarter" idx="16"/>
+          </p:nvPr>
+        </p:nvSpPr>
+        <p:spPr/>
+        <p:txBody>
+          <a:bodyPr/>
+          <a:lstStyle/>
+          <a:p>
+            <a:pPr>
+              <a:defRPr/>
+            </a:pPr>
+            <a:fld id="{26F565BE-27A9-4834-BA3A-D46EFBA6086A}" type="slidenum">
+              <a:rPr lang="zh-CN" altLang="en-US" smtClean="0">
+                <a:latin typeface="Arial" panose="020B0604020202020204" pitchFamily="34" charset="0"/>
+                <a:sym typeface="Arial" panose="020B0604020202020204" pitchFamily="34" charset="0"/>
+              </a:rPr>
+            </a:fld>
+            <a:endParaRPr lang="zh-CN" altLang="en-US" dirty="0">
+              <a:latin typeface="Arial" panose="020B0604020202020204" pitchFamily="34" charset="0"/>
+              <a:sym typeface="Arial" panose="020B0604020202020204" pitchFamily="34" charset="0"/>
+            </a:endParaRPr>
+          </a:p>
+        </p:txBody>
+      </p:sp>
+      <p:cxnSp>
+        <p:nvCxnSpPr>
+          <p:cNvPr id="8" name="直接连接符 7"/>
+          <p:cNvCxnSpPr/>
+          <p:nvPr/>
+        </p:nvCxnSpPr>
+        <p:spPr>
+          <a:xfrm>
+            <a:off x="0" y="824357"/>
+            <a:ext cx="3877337" cy="0"/>
+          </a:xfrm>
+          <a:prstGeom prst="line">
+            <a:avLst/>
+          </a:prstGeom>
+          <a:ln w="31750">
+            <a:gradFill flip="none" rotWithShape="1">
+              <a:gsLst>
+                <a:gs pos="0">
+                  <a:schemeClr val="accent1">
+                    <a:lumMod val="40000"/>
+                    <a:lumOff val="60000"/>
+                  </a:schemeClr>
+                </a:gs>
+                <a:gs pos="46000">
+                  <a:schemeClr val="accent1">
+                    <a:lumMod val="40000"/>
+                    <a:lumOff val="60000"/>
+                  </a:schemeClr>
+                </a:gs>
+                <a:gs pos="100000">
+                  <a:schemeClr val="accent1">
+                    <a:lumMod val="75000"/>
+                  </a:schemeClr>
+                </a:gs>
+              </a:gsLst>
+              <a:lin ang="10800000" scaled="0"/>
+              <a:tileRect/>
+            </a:gradFill>
+          </a:ln>
+        </p:spPr>
+        <p:style>
+          <a:lnRef idx="3">
+            <a:schemeClr val="dk1"/>
+          </a:lnRef>
+          <a:fillRef idx="0">
+            <a:schemeClr val="dk1"/>
+          </a:fillRef>
+          <a:effectRef idx="2">
+            <a:schemeClr val="dk1"/>
+          </a:effectRef>
+          <a:fontRef idx="minor">
+            <a:schemeClr val="tx1"/>
+          </a:fontRef>
+        </p:style>
+      </p:cxnSp>
     </p:spTree>
   </p:cSld>
   <p:clrMapOvr>

--- a/Summary.pptx
+++ b/Summary.pptx
@@ -29,12 +29,13 @@
     <p:sldId id="1477" r:id="rId22"/>
     <p:sldId id="1478" r:id="rId23"/>
     <p:sldId id="1479" r:id="rId24"/>
-    <p:sldId id="1447" r:id="rId25"/>
+    <p:sldId id="1481" r:id="rId25"/>
+    <p:sldId id="1447" r:id="rId26"/>
   </p:sldIdLst>
   <p:sldSz cx="12192000" cy="6858000"/>
   <p:notesSz cx="6858000" cy="9144000"/>
   <p:custDataLst>
-    <p:tags r:id="rId29"/>
+    <p:tags r:id="rId30"/>
   </p:custDataLst>
   <p:defaultTextStyle>
     <a:defPPr>
@@ -1379,6 +1380,75 @@
 </file>
 
 <file path=ppt/notesSlides/notesSlide21.xml><?xml version="1.0" encoding="utf-8"?>
+<p:notes xmlns:a="http://schemas.openxmlformats.org/drawingml/2006/main" xmlns:r="http://schemas.openxmlformats.org/officeDocument/2006/relationships" xmlns:p="http://schemas.openxmlformats.org/presentationml/2006/main">
+  <p:cSld>
+    <p:spTree>
+      <p:nvGrpSpPr>
+        <p:cNvPr id="1" name=""/>
+        <p:cNvGrpSpPr/>
+        <p:nvPr/>
+      </p:nvGrpSpPr>
+      <p:grpSpPr>
+        <a:xfrm>
+          <a:off x="0" y="0"/>
+          <a:ext cx="0" cy="0"/>
+          <a:chOff x="0" y="0"/>
+          <a:chExt cx="0" cy="0"/>
+        </a:xfrm>
+      </p:grpSpPr>
+      <p:sp>
+        <p:nvSpPr>
+          <p:cNvPr id="2" name="幻灯片图像占位符 1"/>
+          <p:cNvSpPr>
+            <a:spLocks noGrp="1" noRot="1" noChangeAspect="1"/>
+          </p:cNvSpPr>
+          <p:nvPr>
+            <p:ph type="sldImg"/>
+          </p:nvPr>
+        </p:nvSpPr>
+        <p:spPr/>
+      </p:sp>
+      <p:sp>
+        <p:nvSpPr>
+          <p:cNvPr id="3" name="备注占位符 2"/>
+          <p:cNvSpPr>
+            <a:spLocks noGrp="1"/>
+          </p:cNvSpPr>
+          <p:nvPr>
+            <p:ph type="body" idx="1"/>
+          </p:nvPr>
+        </p:nvSpPr>
+        <p:spPr/>
+        <p:txBody>
+          <a:bodyPr/>
+          <a:lstStyle/>
+          <a:p>
+            <a:pPr marL="0" indent="-457200">
+              <a:lnSpc>
+                <a:spcPct val="135000"/>
+              </a:lnSpc>
+              <a:buNone/>
+            </a:pPr>
+            <a:endParaRPr lang="zh-CN" altLang="en-US" sz="1000" dirty="0">
+              <a:solidFill>
+                <a:srgbClr val="00246C"/>
+              </a:solidFill>
+              <a:ea typeface="+mn-ea"/>
+              <a:cs typeface="+mn-ea"/>
+              <a:sym typeface="+mn-lt"/>
+            </a:endParaRPr>
+          </a:p>
+        </p:txBody>
+      </p:sp>
+    </p:spTree>
+  </p:cSld>
+  <p:clrMapOvr>
+    <a:masterClrMapping/>
+  </p:clrMapOvr>
+</p:notes>
+</file>
+
+<file path=ppt/notesSlides/notesSlide22.xml><?xml version="1.0" encoding="utf-8"?>
 <p:notes xmlns:a="http://schemas.openxmlformats.org/drawingml/2006/main" xmlns:r="http://schemas.openxmlformats.org/officeDocument/2006/relationships" xmlns:p="http://schemas.openxmlformats.org/presentationml/2006/main">
   <p:cSld>
     <p:spTree>
@@ -18343,8 +18413,8 @@
         </p:nvSpPr>
         <p:spPr>
           <a:xfrm>
-            <a:off x="9026525" y="3661410"/>
-            <a:ext cx="2966085" cy="1250950"/>
+            <a:off x="8667750" y="3594100"/>
+            <a:ext cx="2966085" cy="2268220"/>
           </a:xfrm>
           <a:prstGeom prst="rect">
             <a:avLst/>
@@ -18420,6 +18490,56 @@
               <a:sym typeface="Arial" panose="020B0604020202020204" pitchFamily="34" charset="0"/>
             </a:endParaRPr>
           </a:p>
+          <a:p>
+            <a:endParaRPr lang="zh-CN" altLang="en-US" sz="2000" dirty="0">
+              <a:latin typeface="Arial" panose="020B0604020202020204" pitchFamily="34" charset="0"/>
+              <a:sym typeface="Arial" panose="020B0604020202020204" pitchFamily="34" charset="0"/>
+            </a:endParaRPr>
+          </a:p>
+          <a:p>
+            <a:r>
+              <a:rPr altLang="zh-CN" sz="2000" dirty="0">
+                <a:solidFill>
+                  <a:srgbClr val="FF0000"/>
+                </a:solidFill>
+                <a:latin typeface="Arial" panose="020B0604020202020204" pitchFamily="34" charset="0"/>
+                <a:sym typeface="Arial" panose="020B0604020202020204" pitchFamily="34" charset="0"/>
+              </a:rPr>
+              <a:t>DenseNet</a:t>
+            </a:r>
+            <a:r>
+              <a:rPr lang="zh-CN" altLang="en-US" sz="2000" dirty="0">
+                <a:latin typeface="Arial" panose="020B0604020202020204" pitchFamily="34" charset="0"/>
+                <a:sym typeface="Arial" panose="020B0604020202020204" pitchFamily="34" charset="0"/>
+              </a:rPr>
+              <a:t>即把</a:t>
+            </a:r>
+            <a:r>
+              <a:rPr altLang="zh-CN" sz="2000" dirty="0">
+                <a:latin typeface="Arial" panose="020B0604020202020204" pitchFamily="34" charset="0"/>
+                <a:sym typeface="Arial" panose="020B0604020202020204" pitchFamily="34" charset="0"/>
+              </a:rPr>
+              <a:t> + </a:t>
+            </a:r>
+            <a:r>
+              <a:rPr lang="zh-CN" altLang="en-US" sz="2000" dirty="0">
+                <a:latin typeface="Arial" panose="020B0604020202020204" pitchFamily="34" charset="0"/>
+                <a:sym typeface="Arial" panose="020B0604020202020204" pitchFamily="34" charset="0"/>
+              </a:rPr>
+              <a:t>变成了通道数上的拼接，并且增加了一个</a:t>
+            </a:r>
+            <a:r>
+              <a:rPr lang="zh-CN" altLang="en-US" sz="2000" dirty="0">
+                <a:latin typeface="Arial" panose="020B0604020202020204" pitchFamily="34" charset="0"/>
+                <a:sym typeface="Arial" panose="020B0604020202020204" pitchFamily="34" charset="0"/>
+              </a:rPr>
+              <a:t>过渡层</a:t>
+            </a:r>
+            <a:endParaRPr lang="zh-CN" altLang="en-US" sz="2000" dirty="0">
+              <a:latin typeface="Arial" panose="020B0604020202020204" pitchFamily="34" charset="0"/>
+              <a:sym typeface="Arial" panose="020B0604020202020204" pitchFamily="34" charset="0"/>
+            </a:endParaRPr>
+          </a:p>
         </p:txBody>
       </p:sp>
     </p:spTree>
@@ -18432,6 +18552,1016 @@
 </file>
 
 <file path=ppt/slides/slide21.xml><?xml version="1.0" encoding="utf-8"?>
+<p:sld xmlns:a="http://schemas.openxmlformats.org/drawingml/2006/main" xmlns:r="http://schemas.openxmlformats.org/officeDocument/2006/relationships" xmlns:p="http://schemas.openxmlformats.org/presentationml/2006/main">
+  <p:cSld>
+    <p:spTree>
+      <p:nvGrpSpPr>
+        <p:cNvPr id="1" name=""/>
+        <p:cNvGrpSpPr/>
+        <p:nvPr/>
+      </p:nvGrpSpPr>
+      <p:grpSpPr>
+        <a:xfrm>
+          <a:off x="0" y="0"/>
+          <a:ext cx="0" cy="0"/>
+          <a:chOff x="0" y="0"/>
+          <a:chExt cx="0" cy="0"/>
+        </a:xfrm>
+      </p:grpSpPr>
+      <p:sp>
+        <p:nvSpPr>
+          <p:cNvPr id="3" name="标题 2"/>
+          <p:cNvSpPr>
+            <a:spLocks noGrp="1"/>
+          </p:cNvSpPr>
+          <p:nvPr>
+            <p:ph type="title"/>
+          </p:nvPr>
+        </p:nvSpPr>
+        <p:spPr/>
+        <p:txBody>
+          <a:bodyPr/>
+          <a:lstStyle/>
+          <a:p>
+            <a:r>
+              <a:rPr lang="en-US" altLang="zh-CN" dirty="0">
+                <a:latin typeface="Arial" panose="020B0604020202020204" pitchFamily="34" charset="0"/>
+                <a:sym typeface="Arial" panose="020B0604020202020204" pitchFamily="34" charset="0"/>
+              </a:rPr>
+              <a:t>11. Resnet</a:t>
+            </a:r>
+            <a:r>
+              <a:rPr lang="en-US" altLang="zh-CN" dirty="0">
+                <a:latin typeface="Arial" panose="020B0604020202020204" pitchFamily="34" charset="0"/>
+                <a:sym typeface="Arial" panose="020B0604020202020204" pitchFamily="34" charset="0"/>
+              </a:rPr>
+              <a:t> </a:t>
+            </a:r>
+            <a:endParaRPr lang="zh-CN" altLang="en-US" dirty="0">
+              <a:latin typeface="Arial" panose="020B0604020202020204" pitchFamily="34" charset="0"/>
+              <a:sym typeface="Arial" panose="020B0604020202020204" pitchFamily="34" charset="0"/>
+            </a:endParaRPr>
+          </a:p>
+        </p:txBody>
+      </p:sp>
+      <p:sp>
+        <p:nvSpPr>
+          <p:cNvPr id="7" name="灯片编号占位符 6"/>
+          <p:cNvSpPr>
+            <a:spLocks noGrp="1"/>
+          </p:cNvSpPr>
+          <p:nvPr>
+            <p:ph type="sldNum" sz="quarter" idx="16"/>
+          </p:nvPr>
+        </p:nvSpPr>
+        <p:spPr/>
+        <p:txBody>
+          <a:bodyPr/>
+          <a:lstStyle/>
+          <a:p>
+            <a:pPr>
+              <a:defRPr/>
+            </a:pPr>
+            <a:fld id="{26F565BE-27A9-4834-BA3A-D46EFBA6086A}" type="slidenum">
+              <a:rPr lang="zh-CN" altLang="en-US" smtClean="0">
+                <a:latin typeface="Arial" panose="020B0604020202020204" pitchFamily="34" charset="0"/>
+                <a:sym typeface="Arial" panose="020B0604020202020204" pitchFamily="34" charset="0"/>
+              </a:rPr>
+            </a:fld>
+            <a:endParaRPr lang="zh-CN" altLang="en-US" dirty="0">
+              <a:latin typeface="Arial" panose="020B0604020202020204" pitchFamily="34" charset="0"/>
+              <a:sym typeface="Arial" panose="020B0604020202020204" pitchFamily="34" charset="0"/>
+            </a:endParaRPr>
+          </a:p>
+        </p:txBody>
+      </p:sp>
+      <p:cxnSp>
+        <p:nvCxnSpPr>
+          <p:cNvPr id="8" name="直接连接符 7"/>
+          <p:cNvCxnSpPr/>
+          <p:nvPr/>
+        </p:nvCxnSpPr>
+        <p:spPr>
+          <a:xfrm>
+            <a:off x="0" y="824357"/>
+            <a:ext cx="3877337" cy="0"/>
+          </a:xfrm>
+          <a:prstGeom prst="line">
+            <a:avLst/>
+          </a:prstGeom>
+          <a:ln w="31750">
+            <a:gradFill flip="none" rotWithShape="1">
+              <a:gsLst>
+                <a:gs pos="0">
+                  <a:schemeClr val="accent1">
+                    <a:lumMod val="40000"/>
+                    <a:lumOff val="60000"/>
+                  </a:schemeClr>
+                </a:gs>
+                <a:gs pos="46000">
+                  <a:schemeClr val="accent1">
+                    <a:lumMod val="40000"/>
+                    <a:lumOff val="60000"/>
+                  </a:schemeClr>
+                </a:gs>
+                <a:gs pos="100000">
+                  <a:schemeClr val="accent1">
+                    <a:lumMod val="75000"/>
+                  </a:schemeClr>
+                </a:gs>
+              </a:gsLst>
+              <a:lin ang="10800000" scaled="0"/>
+              <a:tileRect/>
+            </a:gradFill>
+          </a:ln>
+        </p:spPr>
+        <p:style>
+          <a:lnRef idx="3">
+            <a:schemeClr val="dk1"/>
+          </a:lnRef>
+          <a:fillRef idx="0">
+            <a:schemeClr val="dk1"/>
+          </a:fillRef>
+          <a:effectRef idx="2">
+            <a:schemeClr val="dk1"/>
+          </a:effectRef>
+          <a:fontRef idx="minor">
+            <a:schemeClr val="tx1"/>
+          </a:fontRef>
+        </p:style>
+      </p:cxnSp>
+      <p:sp>
+        <p:nvSpPr>
+          <p:cNvPr id="14" name="文本框 13"/>
+          <p:cNvSpPr txBox="1"/>
+          <p:nvPr/>
+        </p:nvSpPr>
+        <p:spPr>
+          <a:xfrm>
+            <a:off x="462280" y="-403225"/>
+            <a:ext cx="2025015" cy="361315"/>
+          </a:xfrm>
+          <a:prstGeom prst="rect">
+            <a:avLst/>
+          </a:prstGeom>
+        </p:spPr>
+        <p:txBody>
+          <a:bodyPr/>
+          <a:p>
+            <a:endParaRPr sz="1600"/>
+          </a:p>
+        </p:txBody>
+      </p:sp>
+      <p:sp>
+        <p:nvSpPr>
+          <p:cNvPr id="4" name="椭圆 3"/>
+          <p:cNvSpPr/>
+          <p:nvPr/>
+        </p:nvSpPr>
+        <p:spPr>
+          <a:xfrm>
+            <a:off x="8624570" y="1671320"/>
+            <a:ext cx="914400" cy="914400"/>
+          </a:xfrm>
+          <a:prstGeom prst="ellipse">
+            <a:avLst/>
+          </a:prstGeom>
+          <a:noFill/>
+        </p:spPr>
+        <p:style>
+          <a:lnRef idx="2">
+            <a:schemeClr val="accent1">
+              <a:lumMod val="75000"/>
+            </a:schemeClr>
+          </a:lnRef>
+          <a:fillRef idx="1">
+            <a:schemeClr val="accent1"/>
+          </a:fillRef>
+          <a:effectRef idx="0">
+            <a:srgbClr val="FFFFFF"/>
+          </a:effectRef>
+          <a:fontRef idx="minor">
+            <a:schemeClr val="lt1"/>
+          </a:fontRef>
+        </p:style>
+        <p:txBody>
+          <a:bodyPr rtlCol="0" anchor="ctr"/>
+          <a:p>
+            <a:pPr algn="ctr"/>
+            <a:endParaRPr lang="zh-CN" altLang="en-US"/>
+          </a:p>
+        </p:txBody>
+      </p:sp>
+      <p:sp>
+        <p:nvSpPr>
+          <p:cNvPr id="5" name="椭圆 4"/>
+          <p:cNvSpPr/>
+          <p:nvPr/>
+        </p:nvSpPr>
+        <p:spPr>
+          <a:xfrm>
+            <a:off x="10340975" y="1671320"/>
+            <a:ext cx="914400" cy="914400"/>
+          </a:xfrm>
+          <a:prstGeom prst="ellipse">
+            <a:avLst/>
+          </a:prstGeom>
+          <a:noFill/>
+        </p:spPr>
+        <p:style>
+          <a:lnRef idx="2">
+            <a:schemeClr val="accent1">
+              <a:lumMod val="75000"/>
+            </a:schemeClr>
+          </a:lnRef>
+          <a:fillRef idx="1">
+            <a:schemeClr val="accent1"/>
+          </a:fillRef>
+          <a:effectRef idx="0">
+            <a:srgbClr val="FFFFFF"/>
+          </a:effectRef>
+          <a:fontRef idx="minor">
+            <a:schemeClr val="lt1"/>
+          </a:fontRef>
+        </p:style>
+        <p:txBody>
+          <a:bodyPr rtlCol="0" anchor="ctr"/>
+          <a:p>
+            <a:pPr algn="ctr"/>
+            <a:endParaRPr lang="zh-CN" altLang="en-US"/>
+          </a:p>
+        </p:txBody>
+      </p:sp>
+      <p:sp>
+        <p:nvSpPr>
+          <p:cNvPr id="6" name="椭圆 5"/>
+          <p:cNvSpPr/>
+          <p:nvPr/>
+        </p:nvSpPr>
+        <p:spPr>
+          <a:xfrm>
+            <a:off x="6494145" y="1671320"/>
+            <a:ext cx="914400" cy="914400"/>
+          </a:xfrm>
+          <a:prstGeom prst="ellipse">
+            <a:avLst/>
+          </a:prstGeom>
+          <a:noFill/>
+        </p:spPr>
+        <p:style>
+          <a:lnRef idx="2">
+            <a:schemeClr val="accent1">
+              <a:lumMod val="75000"/>
+            </a:schemeClr>
+          </a:lnRef>
+          <a:fillRef idx="1">
+            <a:schemeClr val="accent1"/>
+          </a:fillRef>
+          <a:effectRef idx="0">
+            <a:srgbClr val="FFFFFF"/>
+          </a:effectRef>
+          <a:fontRef idx="minor">
+            <a:schemeClr val="lt1"/>
+          </a:fontRef>
+        </p:style>
+        <p:txBody>
+          <a:bodyPr rtlCol="0" anchor="ctr"/>
+          <a:p>
+            <a:pPr algn="ctr"/>
+            <a:endParaRPr lang="zh-CN" altLang="en-US"/>
+          </a:p>
+        </p:txBody>
+      </p:sp>
+      <p:sp>
+        <p:nvSpPr>
+          <p:cNvPr id="10" name="椭圆 9"/>
+          <p:cNvSpPr/>
+          <p:nvPr/>
+        </p:nvSpPr>
+        <p:spPr>
+          <a:xfrm>
+            <a:off x="2962910" y="1671320"/>
+            <a:ext cx="914400" cy="914400"/>
+          </a:xfrm>
+          <a:prstGeom prst="ellipse">
+            <a:avLst/>
+          </a:prstGeom>
+          <a:noFill/>
+        </p:spPr>
+        <p:style>
+          <a:lnRef idx="2">
+            <a:schemeClr val="accent1">
+              <a:lumMod val="75000"/>
+            </a:schemeClr>
+          </a:lnRef>
+          <a:fillRef idx="1">
+            <a:schemeClr val="accent1"/>
+          </a:fillRef>
+          <a:effectRef idx="0">
+            <a:srgbClr val="FFFFFF"/>
+          </a:effectRef>
+          <a:fontRef idx="minor">
+            <a:schemeClr val="lt1"/>
+          </a:fontRef>
+        </p:style>
+        <p:txBody>
+          <a:bodyPr rtlCol="0" anchor="ctr"/>
+          <a:p>
+            <a:pPr algn="ctr"/>
+            <a:endParaRPr lang="zh-CN" altLang="en-US"/>
+          </a:p>
+        </p:txBody>
+      </p:sp>
+      <p:sp>
+        <p:nvSpPr>
+          <p:cNvPr id="11" name="椭圆 10"/>
+          <p:cNvSpPr/>
+          <p:nvPr/>
+        </p:nvSpPr>
+        <p:spPr>
+          <a:xfrm>
+            <a:off x="4674235" y="1671320"/>
+            <a:ext cx="914400" cy="914400"/>
+          </a:xfrm>
+          <a:prstGeom prst="ellipse">
+            <a:avLst/>
+          </a:prstGeom>
+          <a:noFill/>
+        </p:spPr>
+        <p:style>
+          <a:lnRef idx="2">
+            <a:schemeClr val="accent1">
+              <a:lumMod val="75000"/>
+            </a:schemeClr>
+          </a:lnRef>
+          <a:fillRef idx="1">
+            <a:schemeClr val="accent1"/>
+          </a:fillRef>
+          <a:effectRef idx="0">
+            <a:srgbClr val="FFFFFF"/>
+          </a:effectRef>
+          <a:fontRef idx="minor">
+            <a:schemeClr val="lt1"/>
+          </a:fontRef>
+        </p:style>
+        <p:txBody>
+          <a:bodyPr rtlCol="0" anchor="ctr"/>
+          <a:p>
+            <a:pPr algn="ctr"/>
+            <a:endParaRPr lang="zh-CN" altLang="en-US"/>
+          </a:p>
+        </p:txBody>
+      </p:sp>
+      <p:sp>
+        <p:nvSpPr>
+          <p:cNvPr id="12" name="椭圆 11"/>
+          <p:cNvSpPr/>
+          <p:nvPr/>
+        </p:nvSpPr>
+        <p:spPr>
+          <a:xfrm>
+            <a:off x="1346200" y="1671320"/>
+            <a:ext cx="914400" cy="914400"/>
+          </a:xfrm>
+          <a:prstGeom prst="ellipse">
+            <a:avLst/>
+          </a:prstGeom>
+          <a:noFill/>
+        </p:spPr>
+        <p:style>
+          <a:lnRef idx="2">
+            <a:schemeClr val="accent1">
+              <a:lumMod val="75000"/>
+            </a:schemeClr>
+          </a:lnRef>
+          <a:fillRef idx="1">
+            <a:schemeClr val="accent1"/>
+          </a:fillRef>
+          <a:effectRef idx="0">
+            <a:srgbClr val="FFFFFF"/>
+          </a:effectRef>
+          <a:fontRef idx="minor">
+            <a:schemeClr val="lt1"/>
+          </a:fontRef>
+        </p:style>
+        <p:txBody>
+          <a:bodyPr rtlCol="0" anchor="ctr"/>
+          <a:p>
+            <a:pPr algn="ctr"/>
+            <a:endParaRPr lang="zh-CN" altLang="en-US"/>
+          </a:p>
+        </p:txBody>
+      </p:sp>
+      <p:sp>
+        <p:nvSpPr>
+          <p:cNvPr id="13" name="矩形 12"/>
+          <p:cNvSpPr/>
+          <p:nvPr/>
+        </p:nvSpPr>
+        <p:spPr>
+          <a:xfrm>
+            <a:off x="1288415" y="1564640"/>
+            <a:ext cx="2655570" cy="1114425"/>
+          </a:xfrm>
+          <a:prstGeom prst="rect">
+            <a:avLst/>
+          </a:prstGeom>
+          <a:noFill/>
+          <a:ln>
+            <a:solidFill>
+              <a:srgbClr val="FF0000"/>
+            </a:solidFill>
+          </a:ln>
+        </p:spPr>
+        <p:style>
+          <a:lnRef idx="2">
+            <a:schemeClr val="accent1">
+              <a:lumMod val="75000"/>
+            </a:schemeClr>
+          </a:lnRef>
+          <a:fillRef idx="1">
+            <a:schemeClr val="accent1"/>
+          </a:fillRef>
+          <a:effectRef idx="0">
+            <a:srgbClr val="FFFFFF"/>
+          </a:effectRef>
+          <a:fontRef idx="minor">
+            <a:schemeClr val="lt1"/>
+          </a:fontRef>
+        </p:style>
+        <p:txBody>
+          <a:bodyPr rtlCol="0" anchor="ctr"/>
+          <a:p>
+            <a:pPr algn="ctr"/>
+            <a:endParaRPr lang="zh-CN" altLang="en-US"/>
+          </a:p>
+        </p:txBody>
+      </p:sp>
+      <p:sp>
+        <p:nvSpPr>
+          <p:cNvPr id="15" name="矩形 14"/>
+          <p:cNvSpPr/>
+          <p:nvPr/>
+        </p:nvSpPr>
+        <p:spPr>
+          <a:xfrm>
+            <a:off x="4579620" y="1564640"/>
+            <a:ext cx="2975610" cy="1114425"/>
+          </a:xfrm>
+          <a:prstGeom prst="rect">
+            <a:avLst/>
+          </a:prstGeom>
+          <a:noFill/>
+          <a:ln>
+            <a:solidFill>
+              <a:srgbClr val="FF0000"/>
+            </a:solidFill>
+          </a:ln>
+        </p:spPr>
+        <p:style>
+          <a:lnRef idx="2">
+            <a:schemeClr val="accent1">
+              <a:lumMod val="75000"/>
+            </a:schemeClr>
+          </a:lnRef>
+          <a:fillRef idx="1">
+            <a:schemeClr val="accent1"/>
+          </a:fillRef>
+          <a:effectRef idx="0">
+            <a:srgbClr val="FFFFFF"/>
+          </a:effectRef>
+          <a:fontRef idx="minor">
+            <a:schemeClr val="lt1"/>
+          </a:fontRef>
+        </p:style>
+        <p:txBody>
+          <a:bodyPr rtlCol="0" anchor="ctr"/>
+          <a:p>
+            <a:pPr algn="ctr"/>
+            <a:endParaRPr lang="zh-CN" altLang="en-US"/>
+          </a:p>
+        </p:txBody>
+      </p:sp>
+      <p:sp>
+        <p:nvSpPr>
+          <p:cNvPr id="16" name="矩形 15"/>
+          <p:cNvSpPr/>
+          <p:nvPr/>
+        </p:nvSpPr>
+        <p:spPr>
+          <a:xfrm>
+            <a:off x="8399780" y="1564640"/>
+            <a:ext cx="2975610" cy="1114425"/>
+          </a:xfrm>
+          <a:prstGeom prst="rect">
+            <a:avLst/>
+          </a:prstGeom>
+          <a:noFill/>
+          <a:ln>
+            <a:solidFill>
+              <a:srgbClr val="FF0000"/>
+            </a:solidFill>
+          </a:ln>
+        </p:spPr>
+        <p:style>
+          <a:lnRef idx="2">
+            <a:schemeClr val="accent1">
+              <a:lumMod val="75000"/>
+            </a:schemeClr>
+          </a:lnRef>
+          <a:fillRef idx="1">
+            <a:schemeClr val="accent1"/>
+          </a:fillRef>
+          <a:effectRef idx="0">
+            <a:srgbClr val="FFFFFF"/>
+          </a:effectRef>
+          <a:fontRef idx="minor">
+            <a:schemeClr val="lt1"/>
+          </a:fontRef>
+        </p:style>
+        <p:txBody>
+          <a:bodyPr rtlCol="0" anchor="ctr"/>
+          <a:p>
+            <a:pPr algn="ctr"/>
+            <a:endParaRPr lang="zh-CN" altLang="en-US"/>
+          </a:p>
+        </p:txBody>
+      </p:sp>
+      <p:sp>
+        <p:nvSpPr>
+          <p:cNvPr id="17" name="椭圆 16"/>
+          <p:cNvSpPr/>
+          <p:nvPr/>
+        </p:nvSpPr>
+        <p:spPr>
+          <a:xfrm>
+            <a:off x="8615680" y="3677920"/>
+            <a:ext cx="914400" cy="914400"/>
+          </a:xfrm>
+          <a:prstGeom prst="ellipse">
+            <a:avLst/>
+          </a:prstGeom>
+          <a:noFill/>
+        </p:spPr>
+        <p:style>
+          <a:lnRef idx="2">
+            <a:schemeClr val="accent1">
+              <a:lumMod val="75000"/>
+            </a:schemeClr>
+          </a:lnRef>
+          <a:fillRef idx="1">
+            <a:schemeClr val="accent1"/>
+          </a:fillRef>
+          <a:effectRef idx="0">
+            <a:srgbClr val="FFFFFF"/>
+          </a:effectRef>
+          <a:fontRef idx="minor">
+            <a:schemeClr val="lt1"/>
+          </a:fontRef>
+        </p:style>
+        <p:txBody>
+          <a:bodyPr rtlCol="0" anchor="ctr"/>
+          <a:p>
+            <a:pPr algn="ctr"/>
+            <a:endParaRPr lang="zh-CN" altLang="en-US"/>
+          </a:p>
+        </p:txBody>
+      </p:sp>
+      <p:sp>
+        <p:nvSpPr>
+          <p:cNvPr id="18" name="椭圆 17"/>
+          <p:cNvSpPr/>
+          <p:nvPr/>
+        </p:nvSpPr>
+        <p:spPr>
+          <a:xfrm>
+            <a:off x="10332085" y="3677920"/>
+            <a:ext cx="914400" cy="914400"/>
+          </a:xfrm>
+          <a:prstGeom prst="ellipse">
+            <a:avLst/>
+          </a:prstGeom>
+          <a:noFill/>
+        </p:spPr>
+        <p:style>
+          <a:lnRef idx="2">
+            <a:schemeClr val="accent1">
+              <a:lumMod val="75000"/>
+            </a:schemeClr>
+          </a:lnRef>
+          <a:fillRef idx="1">
+            <a:schemeClr val="accent1"/>
+          </a:fillRef>
+          <a:effectRef idx="0">
+            <a:srgbClr val="FFFFFF"/>
+          </a:effectRef>
+          <a:fontRef idx="minor">
+            <a:schemeClr val="lt1"/>
+          </a:fontRef>
+        </p:style>
+        <p:txBody>
+          <a:bodyPr rtlCol="0" anchor="ctr"/>
+          <a:p>
+            <a:pPr algn="ctr"/>
+            <a:endParaRPr lang="zh-CN" altLang="en-US"/>
+          </a:p>
+        </p:txBody>
+      </p:sp>
+      <p:sp>
+        <p:nvSpPr>
+          <p:cNvPr id="19" name="椭圆 18"/>
+          <p:cNvSpPr/>
+          <p:nvPr/>
+        </p:nvSpPr>
+        <p:spPr>
+          <a:xfrm>
+            <a:off x="6485255" y="3677920"/>
+            <a:ext cx="914400" cy="914400"/>
+          </a:xfrm>
+          <a:prstGeom prst="ellipse">
+            <a:avLst/>
+          </a:prstGeom>
+          <a:noFill/>
+        </p:spPr>
+        <p:style>
+          <a:lnRef idx="2">
+            <a:schemeClr val="accent1">
+              <a:lumMod val="75000"/>
+            </a:schemeClr>
+          </a:lnRef>
+          <a:fillRef idx="1">
+            <a:schemeClr val="accent1"/>
+          </a:fillRef>
+          <a:effectRef idx="0">
+            <a:srgbClr val="FFFFFF"/>
+          </a:effectRef>
+          <a:fontRef idx="minor">
+            <a:schemeClr val="lt1"/>
+          </a:fontRef>
+        </p:style>
+        <p:txBody>
+          <a:bodyPr rtlCol="0" anchor="ctr"/>
+          <a:p>
+            <a:pPr algn="ctr"/>
+            <a:endParaRPr lang="zh-CN" altLang="en-US"/>
+          </a:p>
+        </p:txBody>
+      </p:sp>
+      <p:sp>
+        <p:nvSpPr>
+          <p:cNvPr id="20" name="椭圆 19"/>
+          <p:cNvSpPr/>
+          <p:nvPr/>
+        </p:nvSpPr>
+        <p:spPr>
+          <a:xfrm>
+            <a:off x="2954020" y="3677920"/>
+            <a:ext cx="914400" cy="914400"/>
+          </a:xfrm>
+          <a:prstGeom prst="ellipse">
+            <a:avLst/>
+          </a:prstGeom>
+          <a:noFill/>
+        </p:spPr>
+        <p:style>
+          <a:lnRef idx="2">
+            <a:schemeClr val="accent1">
+              <a:lumMod val="75000"/>
+            </a:schemeClr>
+          </a:lnRef>
+          <a:fillRef idx="1">
+            <a:schemeClr val="accent1"/>
+          </a:fillRef>
+          <a:effectRef idx="0">
+            <a:srgbClr val="FFFFFF"/>
+          </a:effectRef>
+          <a:fontRef idx="minor">
+            <a:schemeClr val="lt1"/>
+          </a:fontRef>
+        </p:style>
+        <p:txBody>
+          <a:bodyPr rtlCol="0" anchor="ctr"/>
+          <a:p>
+            <a:pPr algn="ctr"/>
+            <a:endParaRPr lang="zh-CN" altLang="en-US"/>
+          </a:p>
+        </p:txBody>
+      </p:sp>
+      <p:sp>
+        <p:nvSpPr>
+          <p:cNvPr id="21" name="椭圆 20"/>
+          <p:cNvSpPr/>
+          <p:nvPr/>
+        </p:nvSpPr>
+        <p:spPr>
+          <a:xfrm>
+            <a:off x="4665345" y="3677920"/>
+            <a:ext cx="914400" cy="914400"/>
+          </a:xfrm>
+          <a:prstGeom prst="ellipse">
+            <a:avLst/>
+          </a:prstGeom>
+          <a:noFill/>
+        </p:spPr>
+        <p:style>
+          <a:lnRef idx="2">
+            <a:schemeClr val="accent1">
+              <a:lumMod val="75000"/>
+            </a:schemeClr>
+          </a:lnRef>
+          <a:fillRef idx="1">
+            <a:schemeClr val="accent1"/>
+          </a:fillRef>
+          <a:effectRef idx="0">
+            <a:srgbClr val="FFFFFF"/>
+          </a:effectRef>
+          <a:fontRef idx="minor">
+            <a:schemeClr val="lt1"/>
+          </a:fontRef>
+        </p:style>
+        <p:txBody>
+          <a:bodyPr rtlCol="0" anchor="ctr"/>
+          <a:p>
+            <a:pPr algn="ctr"/>
+            <a:endParaRPr lang="zh-CN" altLang="en-US"/>
+          </a:p>
+        </p:txBody>
+      </p:sp>
+      <p:sp>
+        <p:nvSpPr>
+          <p:cNvPr id="22" name="椭圆 21"/>
+          <p:cNvSpPr/>
+          <p:nvPr/>
+        </p:nvSpPr>
+        <p:spPr>
+          <a:xfrm>
+            <a:off x="1337310" y="3677920"/>
+            <a:ext cx="914400" cy="914400"/>
+          </a:xfrm>
+          <a:prstGeom prst="ellipse">
+            <a:avLst/>
+          </a:prstGeom>
+          <a:noFill/>
+        </p:spPr>
+        <p:style>
+          <a:lnRef idx="2">
+            <a:schemeClr val="accent1">
+              <a:lumMod val="75000"/>
+            </a:schemeClr>
+          </a:lnRef>
+          <a:fillRef idx="1">
+            <a:schemeClr val="accent1"/>
+          </a:fillRef>
+          <a:effectRef idx="0">
+            <a:srgbClr val="FFFFFF"/>
+          </a:effectRef>
+          <a:fontRef idx="minor">
+            <a:schemeClr val="lt1"/>
+          </a:fontRef>
+        </p:style>
+        <p:txBody>
+          <a:bodyPr rtlCol="0" anchor="ctr"/>
+          <a:p>
+            <a:pPr algn="ctr"/>
+            <a:endParaRPr lang="zh-CN" altLang="en-US"/>
+          </a:p>
+        </p:txBody>
+      </p:sp>
+      <p:sp>
+        <p:nvSpPr>
+          <p:cNvPr id="23" name="矩形 22"/>
+          <p:cNvSpPr/>
+          <p:nvPr/>
+        </p:nvSpPr>
+        <p:spPr>
+          <a:xfrm>
+            <a:off x="1279525" y="3571240"/>
+            <a:ext cx="2655570" cy="1114425"/>
+          </a:xfrm>
+          <a:prstGeom prst="rect">
+            <a:avLst/>
+          </a:prstGeom>
+          <a:noFill/>
+          <a:ln>
+            <a:solidFill>
+              <a:srgbClr val="FF0000"/>
+            </a:solidFill>
+          </a:ln>
+        </p:spPr>
+        <p:style>
+          <a:lnRef idx="2">
+            <a:schemeClr val="accent1">
+              <a:lumMod val="75000"/>
+            </a:schemeClr>
+          </a:lnRef>
+          <a:fillRef idx="1">
+            <a:schemeClr val="accent1"/>
+          </a:fillRef>
+          <a:effectRef idx="0">
+            <a:srgbClr val="FFFFFF"/>
+          </a:effectRef>
+          <a:fontRef idx="minor">
+            <a:schemeClr val="lt1"/>
+          </a:fontRef>
+        </p:style>
+        <p:txBody>
+          <a:bodyPr rtlCol="0" anchor="ctr"/>
+          <a:p>
+            <a:pPr algn="ctr"/>
+            <a:endParaRPr lang="zh-CN" altLang="en-US"/>
+          </a:p>
+        </p:txBody>
+      </p:sp>
+      <p:sp>
+        <p:nvSpPr>
+          <p:cNvPr id="24" name="矩形 23"/>
+          <p:cNvSpPr/>
+          <p:nvPr/>
+        </p:nvSpPr>
+        <p:spPr>
+          <a:xfrm>
+            <a:off x="2806700" y="3677920"/>
+            <a:ext cx="2975610" cy="1114425"/>
+          </a:xfrm>
+          <a:prstGeom prst="rect">
+            <a:avLst/>
+          </a:prstGeom>
+          <a:noFill/>
+          <a:ln>
+            <a:solidFill>
+              <a:srgbClr val="FF0000"/>
+            </a:solidFill>
+          </a:ln>
+        </p:spPr>
+        <p:style>
+          <a:lnRef idx="2">
+            <a:schemeClr val="accent1">
+              <a:lumMod val="75000"/>
+            </a:schemeClr>
+          </a:lnRef>
+          <a:fillRef idx="1">
+            <a:schemeClr val="accent1"/>
+          </a:fillRef>
+          <a:effectRef idx="0">
+            <a:srgbClr val="FFFFFF"/>
+          </a:effectRef>
+          <a:fontRef idx="minor">
+            <a:schemeClr val="lt1"/>
+          </a:fontRef>
+        </p:style>
+        <p:txBody>
+          <a:bodyPr rtlCol="0" anchor="ctr"/>
+          <a:p>
+            <a:pPr algn="ctr"/>
+            <a:endParaRPr lang="zh-CN" altLang="en-US"/>
+          </a:p>
+        </p:txBody>
+      </p:sp>
+      <p:sp>
+        <p:nvSpPr>
+          <p:cNvPr id="25" name="矩形 24"/>
+          <p:cNvSpPr/>
+          <p:nvPr/>
+        </p:nvSpPr>
+        <p:spPr>
+          <a:xfrm>
+            <a:off x="4570730" y="3477895"/>
+            <a:ext cx="2975610" cy="1114425"/>
+          </a:xfrm>
+          <a:prstGeom prst="rect">
+            <a:avLst/>
+          </a:prstGeom>
+          <a:noFill/>
+          <a:ln>
+            <a:solidFill>
+              <a:srgbClr val="FF0000"/>
+            </a:solidFill>
+          </a:ln>
+        </p:spPr>
+        <p:style>
+          <a:lnRef idx="2">
+            <a:schemeClr val="accent1">
+              <a:lumMod val="75000"/>
+            </a:schemeClr>
+          </a:lnRef>
+          <a:fillRef idx="1">
+            <a:schemeClr val="accent1"/>
+          </a:fillRef>
+          <a:effectRef idx="0">
+            <a:srgbClr val="FFFFFF"/>
+          </a:effectRef>
+          <a:fontRef idx="minor">
+            <a:schemeClr val="lt1"/>
+          </a:fontRef>
+        </p:style>
+        <p:txBody>
+          <a:bodyPr rtlCol="0" anchor="ctr"/>
+          <a:p>
+            <a:pPr algn="ctr"/>
+            <a:endParaRPr lang="zh-CN" altLang="en-US"/>
+          </a:p>
+        </p:txBody>
+      </p:sp>
+      <p:sp>
+        <p:nvSpPr>
+          <p:cNvPr id="26" name="矩形 25"/>
+          <p:cNvSpPr/>
+          <p:nvPr/>
+        </p:nvSpPr>
+        <p:spPr>
+          <a:xfrm>
+            <a:off x="6468110" y="3604895"/>
+            <a:ext cx="3162935" cy="1114425"/>
+          </a:xfrm>
+          <a:prstGeom prst="rect">
+            <a:avLst/>
+          </a:prstGeom>
+          <a:noFill/>
+          <a:ln>
+            <a:solidFill>
+              <a:srgbClr val="FF0000"/>
+            </a:solidFill>
+          </a:ln>
+        </p:spPr>
+        <p:style>
+          <a:lnRef idx="2">
+            <a:schemeClr val="accent1">
+              <a:lumMod val="75000"/>
+            </a:schemeClr>
+          </a:lnRef>
+          <a:fillRef idx="1">
+            <a:schemeClr val="accent1"/>
+          </a:fillRef>
+          <a:effectRef idx="0">
+            <a:srgbClr val="FFFFFF"/>
+          </a:effectRef>
+          <a:fontRef idx="minor">
+            <a:schemeClr val="lt1"/>
+          </a:fontRef>
+        </p:style>
+        <p:txBody>
+          <a:bodyPr rtlCol="0" anchor="ctr"/>
+          <a:p>
+            <a:pPr algn="ctr"/>
+            <a:endParaRPr lang="zh-CN" altLang="en-US"/>
+          </a:p>
+        </p:txBody>
+      </p:sp>
+      <p:sp>
+        <p:nvSpPr>
+          <p:cNvPr id="27" name="矩形 26"/>
+          <p:cNvSpPr/>
+          <p:nvPr/>
+        </p:nvSpPr>
+        <p:spPr>
+          <a:xfrm>
+            <a:off x="8485505" y="3571240"/>
+            <a:ext cx="3162935" cy="1114425"/>
+          </a:xfrm>
+          <a:prstGeom prst="rect">
+            <a:avLst/>
+          </a:prstGeom>
+          <a:noFill/>
+          <a:ln>
+            <a:solidFill>
+              <a:srgbClr val="FF0000"/>
+            </a:solidFill>
+          </a:ln>
+        </p:spPr>
+        <p:style>
+          <a:lnRef idx="2">
+            <a:schemeClr val="accent1">
+              <a:lumMod val="75000"/>
+            </a:schemeClr>
+          </a:lnRef>
+          <a:fillRef idx="1">
+            <a:schemeClr val="accent1"/>
+          </a:fillRef>
+          <a:effectRef idx="0">
+            <a:srgbClr val="FFFFFF"/>
+          </a:effectRef>
+          <a:fontRef idx="minor">
+            <a:schemeClr val="lt1"/>
+          </a:fontRef>
+        </p:style>
+        <p:txBody>
+          <a:bodyPr rtlCol="0" anchor="ctr"/>
+          <a:p>
+            <a:pPr algn="ctr"/>
+            <a:endParaRPr lang="zh-CN" altLang="en-US"/>
+          </a:p>
+        </p:txBody>
+      </p:sp>
+    </p:spTree>
+  </p:cSld>
+  <p:clrMapOvr>
+    <a:masterClrMapping/>
+  </p:clrMapOvr>
+  <p:transition advClick="0" advTm="0"/>
+</p:sld>
+</file>
+
+<file path=ppt/slides/slide22.xml><?xml version="1.0" encoding="utf-8"?>
 <p:sld xmlns:a="http://schemas.openxmlformats.org/drawingml/2006/main" xmlns:r="http://schemas.openxmlformats.org/officeDocument/2006/relationships" xmlns:p="http://schemas.openxmlformats.org/presentationml/2006/main">
   <p:cSld>
     <p:spTree>

--- a/Summary.pptx
+++ b/Summary.pptx
@@ -18588,14 +18588,14 @@
                 <a:latin typeface="Arial" panose="020B0604020202020204" pitchFamily="34" charset="0"/>
                 <a:sym typeface="Arial" panose="020B0604020202020204" pitchFamily="34" charset="0"/>
               </a:rPr>
-              <a:t>11. Resnet</a:t>
+              <a:t>11. </a:t>
             </a:r>
             <a:r>
               <a:rPr lang="en-US" altLang="zh-CN" dirty="0">
                 <a:latin typeface="Arial" panose="020B0604020202020204" pitchFamily="34" charset="0"/>
                 <a:sym typeface="Arial" panose="020B0604020202020204" pitchFamily="34" charset="0"/>
               </a:rPr>
-              <a:t> </a:t>
+              <a:t>RNN </a:t>
             </a:r>
             <a:endParaRPr lang="zh-CN" altLang="en-US" dirty="0">
               <a:latin typeface="Arial" panose="020B0604020202020204" pitchFamily="34" charset="0"/>
@@ -18692,14 +18692,14 @@
       </p:cxnSp>
       <p:sp>
         <p:nvSpPr>
-          <p:cNvPr id="14" name="文本框 13"/>
+          <p:cNvPr id="2" name="文本框 1"/>
           <p:cNvSpPr txBox="1"/>
           <p:nvPr/>
         </p:nvSpPr>
         <p:spPr>
           <a:xfrm>
-            <a:off x="462280" y="-403225"/>
-            <a:ext cx="2025015" cy="361315"/>
+            <a:off x="222250" y="-1575435"/>
+            <a:ext cx="4210050" cy="370840"/>
           </a:xfrm>
           <a:prstGeom prst="rect">
             <a:avLst/>
@@ -18712,265 +18712,156 @@
           </a:p>
         </p:txBody>
       </p:sp>
-      <p:sp>
-        <p:nvSpPr>
-          <p:cNvPr id="4" name="椭圆 3"/>
+      <p:pic>
+        <p:nvPicPr>
+          <p:cNvPr id="9" name="图片 8"/>
+          <p:cNvPicPr/>
+          <p:nvPr/>
+        </p:nvPicPr>
+        <p:blipFill>
+          <a:blip r:embed="rId1"/>
+        </p:blipFill>
+        <p:spPr>
+          <a:xfrm>
+            <a:off x="1868805" y="1022350"/>
+            <a:ext cx="7350125" cy="4292600"/>
+          </a:xfrm>
+          <a:prstGeom prst="rect">
+            <a:avLst/>
+          </a:prstGeom>
+        </p:spPr>
+      </p:pic>
+      <p:sp>
+        <p:nvSpPr>
+          <p:cNvPr id="29" name="标题 2"/>
+          <p:cNvSpPr txBox="1"/>
+          <p:nvPr/>
+        </p:nvSpPr>
+        <p:spPr>
+          <a:xfrm>
+            <a:off x="1588135" y="5314950"/>
+            <a:ext cx="8705215" cy="1000125"/>
+          </a:xfrm>
+          <a:prstGeom prst="rect">
+            <a:avLst/>
+          </a:prstGeom>
+        </p:spPr>
+        <p:txBody>
+          <a:bodyPr vert="horz" lIns="91440" tIns="45720" rIns="91440" bIns="45720" rtlCol="0" anchor="ctr">
+            <a:noAutofit/>
+          </a:bodyPr>
+          <a:lstStyle>
+            <a:lvl1pPr marL="0" algn="l" defTabSz="685800" rtl="0" eaLnBrk="1" latinLnBrk="0" hangingPunct="1">
+              <a:lnSpc>
+                <a:spcPct val="100000"/>
+              </a:lnSpc>
+              <a:spcBef>
+                <a:spcPct val="0"/>
+              </a:spcBef>
+              <a:buNone/>
+              <a:defRPr lang="en-US" sz="3200" b="1" kern="1200" dirty="0">
+                <a:solidFill>
+                  <a:srgbClr val="002060"/>
+                </a:solidFill>
+                <a:latin typeface="微软雅黑" panose="020B0503020204020204" pitchFamily="34" charset="-122"/>
+                <a:ea typeface="微软雅黑" panose="020B0503020204020204" pitchFamily="34" charset="-122"/>
+                <a:cs typeface="+mn-cs"/>
+              </a:defRPr>
+            </a:lvl1pPr>
+          </a:lstStyle>
+          <a:p>
+            <a:r>
+              <a:rPr lang="zh-CN" altLang="en-US" sz="2000" dirty="0">
+                <a:latin typeface="Arial" panose="020B0604020202020204" pitchFamily="34" charset="0"/>
+                <a:sym typeface="Arial" panose="020B0604020202020204" pitchFamily="34" charset="0"/>
+              </a:rPr>
+              <a:t>输入的数据是</a:t>
+            </a:r>
+            <a:r>
+              <a:rPr altLang="zh-CN" sz="2000" dirty="0">
+                <a:latin typeface="Arial" panose="020B0604020202020204" pitchFamily="34" charset="0"/>
+                <a:sym typeface="Arial" panose="020B0604020202020204" pitchFamily="34" charset="0"/>
+              </a:rPr>
+              <a:t>(num_steps, batch_size, feature),</a:t>
+            </a:r>
+            <a:r>
+              <a:rPr lang="zh-CN" altLang="en-US" sz="2000" dirty="0">
+                <a:latin typeface="Arial" panose="020B0604020202020204" pitchFamily="34" charset="0"/>
+                <a:sym typeface="Arial" panose="020B0604020202020204" pitchFamily="34" charset="0"/>
+              </a:rPr>
+              <a:t>实际上是</a:t>
+            </a:r>
+            <a:r>
+              <a:rPr lang="zh-CN" altLang="en-US" sz="2000" dirty="0">
+                <a:solidFill>
+                  <a:srgbClr val="FF0000"/>
+                </a:solidFill>
+                <a:latin typeface="Arial" panose="020B0604020202020204" pitchFamily="34" charset="0"/>
+                <a:sym typeface="Arial" panose="020B0604020202020204" pitchFamily="34" charset="0"/>
+              </a:rPr>
+              <a:t>按照步长进行一次</a:t>
+            </a:r>
+            <a:r>
+              <a:rPr altLang="zh-CN" sz="2000" dirty="0">
+                <a:solidFill>
+                  <a:srgbClr val="FF0000"/>
+                </a:solidFill>
+                <a:latin typeface="Arial" panose="020B0604020202020204" pitchFamily="34" charset="0"/>
+                <a:sym typeface="Arial" panose="020B0604020202020204" pitchFamily="34" charset="0"/>
+              </a:rPr>
+              <a:t>for</a:t>
+            </a:r>
+            <a:r>
+              <a:rPr lang="zh-CN" altLang="en-US" sz="2000" dirty="0">
+                <a:solidFill>
+                  <a:srgbClr val="FF0000"/>
+                </a:solidFill>
+                <a:latin typeface="Arial" panose="020B0604020202020204" pitchFamily="34" charset="0"/>
+                <a:sym typeface="Arial" panose="020B0604020202020204" pitchFamily="34" charset="0"/>
+              </a:rPr>
+              <a:t>循环</a:t>
+            </a:r>
+            <a:r>
+              <a:rPr lang="zh-CN" altLang="en-US" sz="2000" dirty="0">
+                <a:latin typeface="Arial" panose="020B0604020202020204" pitchFamily="34" charset="0"/>
+                <a:sym typeface="Arial" panose="020B0604020202020204" pitchFamily="34" charset="0"/>
+              </a:rPr>
+              <a:t>，并且对于隐藏层的输出进行存储，并用于下一次的前向</a:t>
+            </a:r>
+            <a:r>
+              <a:rPr lang="zh-CN" altLang="en-US" sz="2000" dirty="0">
+                <a:latin typeface="Arial" panose="020B0604020202020204" pitchFamily="34" charset="0"/>
+                <a:sym typeface="Arial" panose="020B0604020202020204" pitchFamily="34" charset="0"/>
+              </a:rPr>
+              <a:t>传播</a:t>
+            </a:r>
+            <a:endParaRPr lang="zh-CN" altLang="en-US" sz="2000" dirty="0">
+              <a:latin typeface="Arial" panose="020B0604020202020204" pitchFamily="34" charset="0"/>
+              <a:sym typeface="Arial" panose="020B0604020202020204" pitchFamily="34" charset="0"/>
+            </a:endParaRPr>
+          </a:p>
+        </p:txBody>
+      </p:sp>
+      <p:sp>
+        <p:nvSpPr>
+          <p:cNvPr id="30" name="矩形 29"/>
           <p:cNvSpPr/>
           <p:nvPr/>
         </p:nvSpPr>
         <p:spPr>
           <a:xfrm>
-            <a:off x="8624570" y="1671320"/>
-            <a:ext cx="914400" cy="914400"/>
-          </a:xfrm>
-          <a:prstGeom prst="ellipse">
-            <a:avLst/>
-          </a:prstGeom>
-          <a:noFill/>
-        </p:spPr>
-        <p:style>
-          <a:lnRef idx="2">
-            <a:schemeClr val="accent1">
-              <a:lumMod val="75000"/>
-            </a:schemeClr>
-          </a:lnRef>
-          <a:fillRef idx="1">
-            <a:schemeClr val="accent1"/>
-          </a:fillRef>
-          <a:effectRef idx="0">
-            <a:srgbClr val="FFFFFF"/>
-          </a:effectRef>
-          <a:fontRef idx="minor">
-            <a:schemeClr val="lt1"/>
-          </a:fontRef>
-        </p:style>
-        <p:txBody>
-          <a:bodyPr rtlCol="0" anchor="ctr"/>
-          <a:p>
-            <a:pPr algn="ctr"/>
-            <a:endParaRPr lang="zh-CN" altLang="en-US"/>
-          </a:p>
-        </p:txBody>
-      </p:sp>
-      <p:sp>
-        <p:nvSpPr>
-          <p:cNvPr id="5" name="椭圆 4"/>
-          <p:cNvSpPr/>
-          <p:nvPr/>
-        </p:nvSpPr>
-        <p:spPr>
-          <a:xfrm>
-            <a:off x="10340975" y="1671320"/>
-            <a:ext cx="914400" cy="914400"/>
-          </a:xfrm>
-          <a:prstGeom prst="ellipse">
-            <a:avLst/>
-          </a:prstGeom>
-          <a:noFill/>
-        </p:spPr>
-        <p:style>
-          <a:lnRef idx="2">
-            <a:schemeClr val="accent1">
-              <a:lumMod val="75000"/>
-            </a:schemeClr>
-          </a:lnRef>
-          <a:fillRef idx="1">
-            <a:schemeClr val="accent1"/>
-          </a:fillRef>
-          <a:effectRef idx="0">
-            <a:srgbClr val="FFFFFF"/>
-          </a:effectRef>
-          <a:fontRef idx="minor">
-            <a:schemeClr val="lt1"/>
-          </a:fontRef>
-        </p:style>
-        <p:txBody>
-          <a:bodyPr rtlCol="0" anchor="ctr"/>
-          <a:p>
-            <a:pPr algn="ctr"/>
-            <a:endParaRPr lang="zh-CN" altLang="en-US"/>
-          </a:p>
-        </p:txBody>
-      </p:sp>
-      <p:sp>
-        <p:nvSpPr>
-          <p:cNvPr id="6" name="椭圆 5"/>
-          <p:cNvSpPr/>
-          <p:nvPr/>
-        </p:nvSpPr>
-        <p:spPr>
-          <a:xfrm>
-            <a:off x="6494145" y="1671320"/>
-            <a:ext cx="914400" cy="914400"/>
-          </a:xfrm>
-          <a:prstGeom prst="ellipse">
-            <a:avLst/>
-          </a:prstGeom>
-          <a:noFill/>
-        </p:spPr>
-        <p:style>
-          <a:lnRef idx="2">
-            <a:schemeClr val="accent1">
-              <a:lumMod val="75000"/>
-            </a:schemeClr>
-          </a:lnRef>
-          <a:fillRef idx="1">
-            <a:schemeClr val="accent1"/>
-          </a:fillRef>
-          <a:effectRef idx="0">
-            <a:srgbClr val="FFFFFF"/>
-          </a:effectRef>
-          <a:fontRef idx="minor">
-            <a:schemeClr val="lt1"/>
-          </a:fontRef>
-        </p:style>
-        <p:txBody>
-          <a:bodyPr rtlCol="0" anchor="ctr"/>
-          <a:p>
-            <a:pPr algn="ctr"/>
-            <a:endParaRPr lang="zh-CN" altLang="en-US"/>
-          </a:p>
-        </p:txBody>
-      </p:sp>
-      <p:sp>
-        <p:nvSpPr>
-          <p:cNvPr id="10" name="椭圆 9"/>
-          <p:cNvSpPr/>
-          <p:nvPr/>
-        </p:nvSpPr>
-        <p:spPr>
-          <a:xfrm>
-            <a:off x="2962910" y="1671320"/>
-            <a:ext cx="914400" cy="914400"/>
-          </a:xfrm>
-          <a:prstGeom prst="ellipse">
-            <a:avLst/>
-          </a:prstGeom>
-          <a:noFill/>
-        </p:spPr>
-        <p:style>
-          <a:lnRef idx="2">
-            <a:schemeClr val="accent1">
-              <a:lumMod val="75000"/>
-            </a:schemeClr>
-          </a:lnRef>
-          <a:fillRef idx="1">
-            <a:schemeClr val="accent1"/>
-          </a:fillRef>
-          <a:effectRef idx="0">
-            <a:srgbClr val="FFFFFF"/>
-          </a:effectRef>
-          <a:fontRef idx="minor">
-            <a:schemeClr val="lt1"/>
-          </a:fontRef>
-        </p:style>
-        <p:txBody>
-          <a:bodyPr rtlCol="0" anchor="ctr"/>
-          <a:p>
-            <a:pPr algn="ctr"/>
-            <a:endParaRPr lang="zh-CN" altLang="en-US"/>
-          </a:p>
-        </p:txBody>
-      </p:sp>
-      <p:sp>
-        <p:nvSpPr>
-          <p:cNvPr id="11" name="椭圆 10"/>
-          <p:cNvSpPr/>
-          <p:nvPr/>
-        </p:nvSpPr>
-        <p:spPr>
-          <a:xfrm>
-            <a:off x="4674235" y="1671320"/>
-            <a:ext cx="914400" cy="914400"/>
-          </a:xfrm>
-          <a:prstGeom prst="ellipse">
-            <a:avLst/>
-          </a:prstGeom>
-          <a:noFill/>
-        </p:spPr>
-        <p:style>
-          <a:lnRef idx="2">
-            <a:schemeClr val="accent1">
-              <a:lumMod val="75000"/>
-            </a:schemeClr>
-          </a:lnRef>
-          <a:fillRef idx="1">
-            <a:schemeClr val="accent1"/>
-          </a:fillRef>
-          <a:effectRef idx="0">
-            <a:srgbClr val="FFFFFF"/>
-          </a:effectRef>
-          <a:fontRef idx="minor">
-            <a:schemeClr val="lt1"/>
-          </a:fontRef>
-        </p:style>
-        <p:txBody>
-          <a:bodyPr rtlCol="0" anchor="ctr"/>
-          <a:p>
-            <a:pPr algn="ctr"/>
-            <a:endParaRPr lang="zh-CN" altLang="en-US"/>
-          </a:p>
-        </p:txBody>
-      </p:sp>
-      <p:sp>
-        <p:nvSpPr>
-          <p:cNvPr id="12" name="椭圆 11"/>
-          <p:cNvSpPr/>
-          <p:nvPr/>
-        </p:nvSpPr>
-        <p:spPr>
-          <a:xfrm>
-            <a:off x="1346200" y="1671320"/>
-            <a:ext cx="914400" cy="914400"/>
-          </a:xfrm>
-          <a:prstGeom prst="ellipse">
-            <a:avLst/>
-          </a:prstGeom>
-          <a:noFill/>
-        </p:spPr>
-        <p:style>
-          <a:lnRef idx="2">
-            <a:schemeClr val="accent1">
-              <a:lumMod val="75000"/>
-            </a:schemeClr>
-          </a:lnRef>
-          <a:fillRef idx="1">
-            <a:schemeClr val="accent1"/>
-          </a:fillRef>
-          <a:effectRef idx="0">
-            <a:srgbClr val="FFFFFF"/>
-          </a:effectRef>
-          <a:fontRef idx="minor">
-            <a:schemeClr val="lt1"/>
-          </a:fontRef>
-        </p:style>
-        <p:txBody>
-          <a:bodyPr rtlCol="0" anchor="ctr"/>
-          <a:p>
-            <a:pPr algn="ctr"/>
-            <a:endParaRPr lang="zh-CN" altLang="en-US"/>
-          </a:p>
-        </p:txBody>
-      </p:sp>
-      <p:sp>
-        <p:nvSpPr>
-          <p:cNvPr id="13" name="矩形 12"/>
-          <p:cNvSpPr/>
-          <p:nvPr/>
-        </p:nvSpPr>
-        <p:spPr>
-          <a:xfrm>
-            <a:off x="1288415" y="1564640"/>
-            <a:ext cx="2655570" cy="1114425"/>
+            <a:off x="3391535" y="1681480"/>
+            <a:ext cx="1026795" cy="2907665"/>
           </a:xfrm>
           <a:prstGeom prst="rect">
             <a:avLst/>
           </a:prstGeom>
           <a:noFill/>
-          <a:ln>
+          <a:ln w="25400" cmpd="sng">
             <a:solidFill>
-              <a:srgbClr val="FF0000"/>
+              <a:srgbClr val="00B050"/>
             </a:solidFill>
+            <a:prstDash val="lgDash"/>
           </a:ln>
         </p:spPr>
         <p:style>
@@ -18997,558 +18888,440 @@
           </a:p>
         </p:txBody>
       </p:sp>
-      <p:sp>
-        <p:nvSpPr>
-          <p:cNvPr id="15" name="矩形 14"/>
-          <p:cNvSpPr/>
+      <p:cxnSp>
+        <p:nvCxnSpPr>
+          <p:cNvPr id="31" name="直接箭头连接符 30"/>
+          <p:cNvCxnSpPr>
+            <a:stCxn id="30" idx="3"/>
+          </p:cNvCxnSpPr>
           <p:nvPr/>
-        </p:nvSpPr>
+        </p:nvCxnSpPr>
         <p:spPr>
-          <a:xfrm>
-            <a:off x="4579620" y="1564640"/>
-            <a:ext cx="2975610" cy="1114425"/>
+          <a:xfrm flipV="1">
+            <a:off x="4418330" y="1342390"/>
+            <a:ext cx="3140075" cy="1793240"/>
           </a:xfrm>
-          <a:prstGeom prst="rect">
+          <a:prstGeom prst="straightConnector1">
             <a:avLst/>
           </a:prstGeom>
-          <a:noFill/>
-          <a:ln>
+          <a:ln w="19050" cmpd="sng">
             <a:solidFill>
-              <a:srgbClr val="FF0000"/>
+              <a:srgbClr val="92D050"/>
             </a:solidFill>
+            <a:prstDash val="dash"/>
+            <a:tailEnd type="arrow"/>
           </a:ln>
         </p:spPr>
         <p:style>
           <a:lnRef idx="2">
-            <a:schemeClr val="accent1">
-              <a:lumMod val="75000"/>
-            </a:schemeClr>
+            <a:schemeClr val="accent1"/>
           </a:lnRef>
-          <a:fillRef idx="1">
-            <a:schemeClr val="accent1"/>
+          <a:fillRef idx="0">
+            <a:srgbClr val="FFFFFF"/>
           </a:fillRef>
           <a:effectRef idx="0">
             <a:srgbClr val="FFFFFF"/>
           </a:effectRef>
           <a:fontRef idx="minor">
-            <a:schemeClr val="lt1"/>
+            <a:schemeClr val="tx1"/>
           </a:fontRef>
         </p:style>
-        <p:txBody>
-          <a:bodyPr rtlCol="0" anchor="ctr"/>
-          <a:p>
-            <a:pPr algn="ctr"/>
-            <a:endParaRPr lang="zh-CN" altLang="en-US"/>
-          </a:p>
-        </p:txBody>
-      </p:sp>
-      <p:sp>
-        <p:nvSpPr>
-          <p:cNvPr id="16" name="矩形 15"/>
-          <p:cNvSpPr/>
+      </p:cxnSp>
+      <mc:AlternateContent xmlns:mc="http://schemas.openxmlformats.org/markup-compatibility/2006">
+        <mc:Choice xmlns:a14="http://schemas.microsoft.com/office/drawing/2010/main" Requires="a14">
+          <p:sp>
+            <p:nvSpPr>
+              <p:cNvPr id="32" name="标题 2"/>
+              <p:cNvSpPr txBox="1"/>
+              <p:nvPr/>
+            </p:nvSpPr>
+            <p:spPr>
+              <a:xfrm>
+                <a:off x="7694930" y="748665"/>
+                <a:ext cx="4324985" cy="1000125"/>
+              </a:xfrm>
+              <a:prstGeom prst="rect">
+                <a:avLst/>
+              </a:prstGeom>
+              <a:ln w="28575" cmpd="sng">
+                <a:solidFill>
+                  <a:schemeClr val="accent1">
+                    <a:shade val="50000"/>
+                  </a:schemeClr>
+                </a:solidFill>
+                <a:prstDash val="sysDot"/>
+              </a:ln>
+            </p:spPr>
+            <p:txBody>
+              <a:bodyPr vert="horz" lIns="91440" tIns="45720" rIns="91440" bIns="45720" rtlCol="0" anchor="ctr">
+                <a:noAutofit/>
+              </a:bodyPr>
+              <a:lstStyle>
+                <a:lvl1pPr marL="0" algn="l" defTabSz="685800" rtl="0" eaLnBrk="1" latinLnBrk="0" hangingPunct="1">
+                  <a:lnSpc>
+                    <a:spcPct val="100000"/>
+                  </a:lnSpc>
+                  <a:spcBef>
+                    <a:spcPct val="0"/>
+                  </a:spcBef>
+                  <a:buNone/>
+                  <a:defRPr lang="en-US" sz="3200" b="1" kern="1200" dirty="0">
+                    <a:solidFill>
+                      <a:srgbClr val="002060"/>
+                    </a:solidFill>
+                    <a:latin typeface="微软雅黑" panose="020B0503020204020204" pitchFamily="34" charset="-122"/>
+                    <a:ea typeface="微软雅黑" panose="020B0503020204020204" pitchFamily="34" charset="-122"/>
+                    <a:cs typeface="+mn-cs"/>
+                  </a:defRPr>
+                </a:lvl1pPr>
+              </a:lstStyle>
+              <a:p>
+                <a14:m>
+                  <m:oMathPara xmlns:m="http://schemas.openxmlformats.org/officeDocument/2006/math">
+                    <m:oMathParaPr>
+                      <m:jc m:val="centerGroup"/>
+                    </m:oMathParaPr>
+                    <m:oMath xmlns:m="http://schemas.openxmlformats.org/officeDocument/2006/math">
+                      <m:sSub>
+                        <m:sSubPr>
+                          <m:ctrlPr>
+                            <a:rPr altLang="zh-CN" sz="2000" i="1" dirty="0">
+                              <a:latin typeface="Cambria Math" panose="02040503050406030204" charset="0"/>
+                              <a:cs typeface="Cambria Math" panose="02040503050406030204" charset="0"/>
+                              <a:sym typeface="Arial" panose="020B0604020202020204" pitchFamily="34" charset="0"/>
+                            </a:rPr>
+                          </m:ctrlPr>
+                        </m:sSubPr>
+                        <m:e>
+                          <m:r>
+                            <a:rPr altLang="zh-CN" sz="2000" i="1" dirty="0">
+                              <a:latin typeface="Cambria Math" panose="02040503050406030204" charset="0"/>
+                              <a:cs typeface="Cambria Math" panose="02040503050406030204" charset="0"/>
+                              <a:sym typeface="Arial" panose="020B0604020202020204" pitchFamily="34" charset="0"/>
+                            </a:rPr>
+                            <m:t>𝑯</m:t>
+                          </m:r>
+                        </m:e>
+                        <m:sub>
+                          <m:r>
+                            <a:rPr altLang="zh-CN" sz="2000" i="1" dirty="0">
+                              <a:latin typeface="Cambria Math" panose="02040503050406030204" charset="0"/>
+                              <a:cs typeface="Cambria Math" panose="02040503050406030204" charset="0"/>
+                              <a:sym typeface="Arial" panose="020B0604020202020204" pitchFamily="34" charset="0"/>
+                            </a:rPr>
+                            <m:t>𝒕</m:t>
+                          </m:r>
+                        </m:sub>
+                      </m:sSub>
+                      <m:r>
+                        <a:rPr altLang="zh-CN" sz="2000" i="1" dirty="0">
+                          <a:latin typeface="Cambria Math" panose="02040503050406030204" charset="0"/>
+                          <a:cs typeface="Cambria Math" panose="02040503050406030204" charset="0"/>
+                          <a:sym typeface="Arial" panose="020B0604020202020204" pitchFamily="34" charset="0"/>
+                        </a:rPr>
+                        <m:t> = </m:t>
+                      </m:r>
+                      <m:sSub>
+                        <m:sSubPr>
+                          <m:ctrlPr>
+                            <a:rPr altLang="zh-CN" sz="2000" i="1" dirty="0">
+                              <a:latin typeface="Cambria Math" panose="02040503050406030204" charset="0"/>
+                              <a:cs typeface="Cambria Math" panose="02040503050406030204" charset="0"/>
+                              <a:sym typeface="Arial" panose="020B0604020202020204" pitchFamily="34" charset="0"/>
+                            </a:rPr>
+                          </m:ctrlPr>
+                        </m:sSubPr>
+                        <m:e>
+                          <m:r>
+                            <a:rPr altLang="zh-CN" sz="2000" i="1" dirty="0">
+                              <a:latin typeface="Cambria Math" panose="02040503050406030204" charset="0"/>
+                              <a:cs typeface="Cambria Math" panose="02040503050406030204" charset="0"/>
+                              <a:sym typeface="Arial" panose="020B0604020202020204" pitchFamily="34" charset="0"/>
+                            </a:rPr>
+                            <m:t>𝑿</m:t>
+                          </m:r>
+                        </m:e>
+                        <m:sub>
+                          <m:r>
+                            <a:rPr altLang="zh-CN" sz="2000" i="1" dirty="0">
+                              <a:latin typeface="Cambria Math" panose="02040503050406030204" charset="0"/>
+                              <a:cs typeface="Cambria Math" panose="02040503050406030204" charset="0"/>
+                              <a:sym typeface="Arial" panose="020B0604020202020204" pitchFamily="34" charset="0"/>
+                            </a:rPr>
+                            <m:t>𝒕</m:t>
+                          </m:r>
+                        </m:sub>
+                      </m:sSub>
+                      <m:r>
+                        <a:rPr altLang="zh-CN" sz="2000" i="1" dirty="0">
+                          <a:latin typeface="Cambria Math" panose="02040503050406030204" charset="0"/>
+                          <a:cs typeface="Cambria Math" panose="02040503050406030204" charset="0"/>
+                          <a:sym typeface="Arial" panose="020B0604020202020204" pitchFamily="34" charset="0"/>
+                        </a:rPr>
+                        <m:t> @ </m:t>
+                      </m:r>
+                      <m:sSub>
+                        <m:sSubPr>
+                          <m:ctrlPr>
+                            <a:rPr altLang="zh-CN" sz="2000" i="1" dirty="0">
+                              <a:latin typeface="Cambria Math" panose="02040503050406030204" charset="0"/>
+                              <a:cs typeface="Cambria Math" panose="02040503050406030204" charset="0"/>
+                              <a:sym typeface="Arial" panose="020B0604020202020204" pitchFamily="34" charset="0"/>
+                            </a:rPr>
+                          </m:ctrlPr>
+                        </m:sSubPr>
+                        <m:e>
+                          <m:r>
+                            <a:rPr altLang="zh-CN" sz="2000" i="1" dirty="0">
+                              <a:latin typeface="Cambria Math" panose="02040503050406030204" charset="0"/>
+                              <a:cs typeface="Cambria Math" panose="02040503050406030204" charset="0"/>
+                              <a:sym typeface="Arial" panose="020B0604020202020204" pitchFamily="34" charset="0"/>
+                            </a:rPr>
+                            <m:t>𝑾</m:t>
+                          </m:r>
+                        </m:e>
+                        <m:sub>
+                          <m:r>
+                            <a:rPr altLang="zh-CN" sz="2000" i="1" dirty="0">
+                              <a:latin typeface="Cambria Math" panose="02040503050406030204" charset="0"/>
+                              <a:cs typeface="Cambria Math" panose="02040503050406030204" charset="0"/>
+                              <a:sym typeface="Arial" panose="020B0604020202020204" pitchFamily="34" charset="0"/>
+                            </a:rPr>
+                            <m:t>𝒙𝒉</m:t>
+                          </m:r>
+                        </m:sub>
+                      </m:sSub>
+                      <m:r>
+                        <a:rPr altLang="zh-CN" sz="2000" i="1" dirty="0">
+                          <a:latin typeface="Cambria Math" panose="02040503050406030204" charset="0"/>
+                          <a:cs typeface="Cambria Math" panose="02040503050406030204" charset="0"/>
+                          <a:sym typeface="Arial" panose="020B0604020202020204" pitchFamily="34" charset="0"/>
+                        </a:rPr>
+                        <m:t>+</m:t>
+                      </m:r>
+                      <m:sSub>
+                        <m:sSubPr>
+                          <m:ctrlPr>
+                            <a:rPr altLang="zh-CN" sz="2000" i="1" dirty="0">
+                              <a:latin typeface="Cambria Math" panose="02040503050406030204" charset="0"/>
+                              <a:cs typeface="Cambria Math" panose="02040503050406030204" charset="0"/>
+                              <a:sym typeface="Arial" panose="020B0604020202020204" pitchFamily="34" charset="0"/>
+                            </a:rPr>
+                          </m:ctrlPr>
+                        </m:sSubPr>
+                        <m:e>
+                          <m:r>
+                            <a:rPr altLang="zh-CN" sz="2000" i="1" dirty="0">
+                              <a:latin typeface="Cambria Math" panose="02040503050406030204" charset="0"/>
+                              <a:cs typeface="Cambria Math" panose="02040503050406030204" charset="0"/>
+                              <a:sym typeface="Arial" panose="020B0604020202020204" pitchFamily="34" charset="0"/>
+                            </a:rPr>
+                            <m:t>𝑯</m:t>
+                          </m:r>
+                        </m:e>
+                        <m:sub>
+                          <m:r>
+                            <a:rPr altLang="zh-CN" sz="2000" i="1" dirty="0">
+                              <a:latin typeface="Cambria Math" panose="02040503050406030204" charset="0"/>
+                              <a:cs typeface="Cambria Math" panose="02040503050406030204" charset="0"/>
+                              <a:sym typeface="Arial" panose="020B0604020202020204" pitchFamily="34" charset="0"/>
+                            </a:rPr>
+                            <m:t>𝒕</m:t>
+                          </m:r>
+                          <m:r>
+                            <a:rPr altLang="zh-CN" sz="2000" i="1" dirty="0">
+                              <a:latin typeface="Cambria Math" panose="02040503050406030204" charset="0"/>
+                              <a:cs typeface="Cambria Math" panose="02040503050406030204" charset="0"/>
+                              <a:sym typeface="Arial" panose="020B0604020202020204" pitchFamily="34" charset="0"/>
+                            </a:rPr>
+                            <m:t>−</m:t>
+                          </m:r>
+                          <m:r>
+                            <a:rPr altLang="zh-CN" sz="2000" i="1" dirty="0">
+                              <a:latin typeface="Cambria Math" panose="02040503050406030204" charset="0"/>
+                              <a:cs typeface="Cambria Math" panose="02040503050406030204" charset="0"/>
+                              <a:sym typeface="Arial" panose="020B0604020202020204" pitchFamily="34" charset="0"/>
+                            </a:rPr>
+                            <m:t>𝟏</m:t>
+                          </m:r>
+                        </m:sub>
+                      </m:sSub>
+                      <m:r>
+                        <a:rPr altLang="zh-CN" sz="2000" i="1" dirty="0">
+                          <a:latin typeface="Cambria Math" panose="02040503050406030204" charset="0"/>
+                          <a:cs typeface="Cambria Math" panose="02040503050406030204" charset="0"/>
+                          <a:sym typeface="Arial" panose="020B0604020202020204" pitchFamily="34" charset="0"/>
+                        </a:rPr>
+                        <m:t>@</m:t>
+                      </m:r>
+                      <m:sSub>
+                        <m:sSubPr>
+                          <m:ctrlPr>
+                            <a:rPr altLang="zh-CN" sz="2000" i="1" dirty="0">
+                              <a:latin typeface="Cambria Math" panose="02040503050406030204" charset="0"/>
+                              <a:cs typeface="Cambria Math" panose="02040503050406030204" charset="0"/>
+                              <a:sym typeface="Arial" panose="020B0604020202020204" pitchFamily="34" charset="0"/>
+                            </a:rPr>
+                          </m:ctrlPr>
+                        </m:sSubPr>
+                        <m:e>
+                          <m:r>
+                            <a:rPr altLang="zh-CN" sz="2000" i="1" dirty="0">
+                              <a:latin typeface="Cambria Math" panose="02040503050406030204" charset="0"/>
+                              <a:cs typeface="Cambria Math" panose="02040503050406030204" charset="0"/>
+                              <a:sym typeface="Arial" panose="020B0604020202020204" pitchFamily="34" charset="0"/>
+                            </a:rPr>
+                            <m:t>𝑾</m:t>
+                          </m:r>
+                        </m:e>
+                        <m:sub>
+                          <m:r>
+                            <a:rPr altLang="zh-CN" sz="2000" i="1" dirty="0">
+                              <a:latin typeface="Cambria Math" panose="02040503050406030204" charset="0"/>
+                              <a:cs typeface="Cambria Math" panose="02040503050406030204" charset="0"/>
+                              <a:sym typeface="Arial" panose="020B0604020202020204" pitchFamily="34" charset="0"/>
+                            </a:rPr>
+                            <m:t>𝒉𝒉</m:t>
+                          </m:r>
+                        </m:sub>
+                      </m:sSub>
+                      <m:r>
+                        <a:rPr altLang="zh-CN" sz="2000" i="1" dirty="0">
+                          <a:latin typeface="Cambria Math" panose="02040503050406030204" charset="0"/>
+                          <a:cs typeface="Cambria Math" panose="02040503050406030204" charset="0"/>
+                          <a:sym typeface="Arial" panose="020B0604020202020204" pitchFamily="34" charset="0"/>
+                        </a:rPr>
+                        <m:t>+</m:t>
+                      </m:r>
+                      <m:r>
+                        <a:rPr altLang="zh-CN" sz="2000" i="1" dirty="0">
+                          <a:latin typeface="Cambria Math" panose="02040503050406030204" charset="0"/>
+                          <a:cs typeface="Cambria Math" panose="02040503050406030204" charset="0"/>
+                          <a:sym typeface="Arial" panose="020B0604020202020204" pitchFamily="34" charset="0"/>
+                        </a:rPr>
+                        <m:t>𝒃</m:t>
+                      </m:r>
+                    </m:oMath>
+                  </m:oMathPara>
+                </a14:m>
+                <a:endParaRPr altLang="zh-CN" sz="2000" dirty="0">
+                  <a:latin typeface="Arial" panose="020B0604020202020204" pitchFamily="34" charset="0"/>
+                  <a:sym typeface="Arial" panose="020B0604020202020204" pitchFamily="34" charset="0"/>
+                </a:endParaRPr>
+              </a:p>
+            </p:txBody>
+          </p:sp>
+        </mc:Choice>
+        <mc:Fallback>
+          <p:sp>
+            <p:nvSpPr>
+              <p:cNvPr id="32" name="标题 2"/>
+              <p:cNvSpPr txBox="1">
+                <a:spLocks noRot="1" noChangeAspect="1" noMove="1" noResize="1" noEditPoints="1" noAdjustHandles="1" noChangeArrowheads="1" noChangeShapeType="1" noTextEdit="1"/>
+              </p:cNvSpPr>
+              <p:nvPr/>
+            </p:nvSpPr>
+            <p:spPr>
+              <a:xfrm>
+                <a:off x="7694930" y="748665"/>
+                <a:ext cx="4324985" cy="1000125"/>
+              </a:xfrm>
+              <a:prstGeom prst="rect">
+                <a:avLst/>
+              </a:prstGeom>
+              <a:blipFill rotWithShape="1">
+                <a:blip r:embed="rId2"/>
+                <a:stretch>
+                  <a:fillRect l="-338" t="-1460" r="-323" b="-1397"/>
+                </a:stretch>
+              </a:blipFill>
+              <a:ln w="28575" cmpd="sng">
+                <a:solidFill>
+                  <a:schemeClr val="accent1">
+                    <a:shade val="50000"/>
+                  </a:schemeClr>
+                </a:solidFill>
+                <a:prstDash val="sysDot"/>
+              </a:ln>
+            </p:spPr>
+            <p:txBody>
+              <a:bodyPr/>
+              <a:lstStyle/>
+              <a:p>
+                <a:r>
+                  <a:rPr lang="zh-CN" altLang="en-US">
+                    <a:noFill/>
+                  </a:rPr>
+                  <a:t> </a:t>
+                </a:r>
+              </a:p>
+            </p:txBody>
+          </p:sp>
+        </mc:Fallback>
+      </mc:AlternateContent>
+      <p:sp>
+        <p:nvSpPr>
+          <p:cNvPr id="33" name="标题 2"/>
+          <p:cNvSpPr txBox="1"/>
           <p:nvPr/>
         </p:nvSpPr>
         <p:spPr>
           <a:xfrm>
-            <a:off x="8399780" y="1564640"/>
-            <a:ext cx="2975610" cy="1114425"/>
+            <a:off x="9114155" y="2397760"/>
+            <a:ext cx="2966085" cy="2268220"/>
           </a:xfrm>
           <a:prstGeom prst="rect">
             <a:avLst/>
           </a:prstGeom>
-          <a:noFill/>
-          <a:ln>
-            <a:solidFill>
-              <a:srgbClr val="FF0000"/>
-            </a:solidFill>
-          </a:ln>
         </p:spPr>
-        <p:style>
-          <a:lnRef idx="2">
-            <a:schemeClr val="accent1">
-              <a:lumMod val="75000"/>
-            </a:schemeClr>
-          </a:lnRef>
-          <a:fillRef idx="1">
-            <a:schemeClr val="accent1"/>
-          </a:fillRef>
-          <a:effectRef idx="0">
-            <a:srgbClr val="FFFFFF"/>
-          </a:effectRef>
-          <a:fontRef idx="minor">
-            <a:schemeClr val="lt1"/>
-          </a:fontRef>
-        </p:style>
-        <p:txBody>
-          <a:bodyPr rtlCol="0" anchor="ctr"/>
-          <a:p>
-            <a:pPr algn="ctr"/>
-            <a:endParaRPr lang="zh-CN" altLang="en-US"/>
-          </a:p>
-        </p:txBody>
-      </p:sp>
-      <p:sp>
-        <p:nvSpPr>
-          <p:cNvPr id="17" name="椭圆 16"/>
-          <p:cNvSpPr/>
-          <p:nvPr/>
-        </p:nvSpPr>
-        <p:spPr>
-          <a:xfrm>
-            <a:off x="8615680" y="3677920"/>
-            <a:ext cx="914400" cy="914400"/>
-          </a:xfrm>
-          <a:prstGeom prst="ellipse">
-            <a:avLst/>
-          </a:prstGeom>
-          <a:noFill/>
-        </p:spPr>
-        <p:style>
-          <a:lnRef idx="2">
-            <a:schemeClr val="accent1">
-              <a:lumMod val="75000"/>
-            </a:schemeClr>
-          </a:lnRef>
-          <a:fillRef idx="1">
-            <a:schemeClr val="accent1"/>
-          </a:fillRef>
-          <a:effectRef idx="0">
-            <a:srgbClr val="FFFFFF"/>
-          </a:effectRef>
-          <a:fontRef idx="minor">
-            <a:schemeClr val="lt1"/>
-          </a:fontRef>
-        </p:style>
-        <p:txBody>
-          <a:bodyPr rtlCol="0" anchor="ctr"/>
-          <a:p>
-            <a:pPr algn="ctr"/>
-            <a:endParaRPr lang="zh-CN" altLang="en-US"/>
-          </a:p>
-        </p:txBody>
-      </p:sp>
-      <p:sp>
-        <p:nvSpPr>
-          <p:cNvPr id="18" name="椭圆 17"/>
-          <p:cNvSpPr/>
-          <p:nvPr/>
-        </p:nvSpPr>
-        <p:spPr>
-          <a:xfrm>
-            <a:off x="10332085" y="3677920"/>
-            <a:ext cx="914400" cy="914400"/>
-          </a:xfrm>
-          <a:prstGeom prst="ellipse">
-            <a:avLst/>
-          </a:prstGeom>
-          <a:noFill/>
-        </p:spPr>
-        <p:style>
-          <a:lnRef idx="2">
-            <a:schemeClr val="accent1">
-              <a:lumMod val="75000"/>
-            </a:schemeClr>
-          </a:lnRef>
-          <a:fillRef idx="1">
-            <a:schemeClr val="accent1"/>
-          </a:fillRef>
-          <a:effectRef idx="0">
-            <a:srgbClr val="FFFFFF"/>
-          </a:effectRef>
-          <a:fontRef idx="minor">
-            <a:schemeClr val="lt1"/>
-          </a:fontRef>
-        </p:style>
-        <p:txBody>
-          <a:bodyPr rtlCol="0" anchor="ctr"/>
-          <a:p>
-            <a:pPr algn="ctr"/>
-            <a:endParaRPr lang="zh-CN" altLang="en-US"/>
-          </a:p>
-        </p:txBody>
-      </p:sp>
-      <p:sp>
-        <p:nvSpPr>
-          <p:cNvPr id="19" name="椭圆 18"/>
-          <p:cNvSpPr/>
-          <p:nvPr/>
-        </p:nvSpPr>
-        <p:spPr>
-          <a:xfrm>
-            <a:off x="6485255" y="3677920"/>
-            <a:ext cx="914400" cy="914400"/>
-          </a:xfrm>
-          <a:prstGeom prst="ellipse">
-            <a:avLst/>
-          </a:prstGeom>
-          <a:noFill/>
-        </p:spPr>
-        <p:style>
-          <a:lnRef idx="2">
-            <a:schemeClr val="accent1">
-              <a:lumMod val="75000"/>
-            </a:schemeClr>
-          </a:lnRef>
-          <a:fillRef idx="1">
-            <a:schemeClr val="accent1"/>
-          </a:fillRef>
-          <a:effectRef idx="0">
-            <a:srgbClr val="FFFFFF"/>
-          </a:effectRef>
-          <a:fontRef idx="minor">
-            <a:schemeClr val="lt1"/>
-          </a:fontRef>
-        </p:style>
-        <p:txBody>
-          <a:bodyPr rtlCol="0" anchor="ctr"/>
-          <a:p>
-            <a:pPr algn="ctr"/>
-            <a:endParaRPr lang="zh-CN" altLang="en-US"/>
-          </a:p>
-        </p:txBody>
-      </p:sp>
-      <p:sp>
-        <p:nvSpPr>
-          <p:cNvPr id="20" name="椭圆 19"/>
-          <p:cNvSpPr/>
-          <p:nvPr/>
-        </p:nvSpPr>
-        <p:spPr>
-          <a:xfrm>
-            <a:off x="2954020" y="3677920"/>
-            <a:ext cx="914400" cy="914400"/>
-          </a:xfrm>
-          <a:prstGeom prst="ellipse">
-            <a:avLst/>
-          </a:prstGeom>
-          <a:noFill/>
-        </p:spPr>
-        <p:style>
-          <a:lnRef idx="2">
-            <a:schemeClr val="accent1">
-              <a:lumMod val="75000"/>
-            </a:schemeClr>
-          </a:lnRef>
-          <a:fillRef idx="1">
-            <a:schemeClr val="accent1"/>
-          </a:fillRef>
-          <a:effectRef idx="0">
-            <a:srgbClr val="FFFFFF"/>
-          </a:effectRef>
-          <a:fontRef idx="minor">
-            <a:schemeClr val="lt1"/>
-          </a:fontRef>
-        </p:style>
-        <p:txBody>
-          <a:bodyPr rtlCol="0" anchor="ctr"/>
-          <a:p>
-            <a:pPr algn="ctr"/>
-            <a:endParaRPr lang="zh-CN" altLang="en-US"/>
-          </a:p>
-        </p:txBody>
-      </p:sp>
-      <p:sp>
-        <p:nvSpPr>
-          <p:cNvPr id="21" name="椭圆 20"/>
-          <p:cNvSpPr/>
-          <p:nvPr/>
-        </p:nvSpPr>
-        <p:spPr>
-          <a:xfrm>
-            <a:off x="4665345" y="3677920"/>
-            <a:ext cx="914400" cy="914400"/>
-          </a:xfrm>
-          <a:prstGeom prst="ellipse">
-            <a:avLst/>
-          </a:prstGeom>
-          <a:noFill/>
-        </p:spPr>
-        <p:style>
-          <a:lnRef idx="2">
-            <a:schemeClr val="accent1">
-              <a:lumMod val="75000"/>
-            </a:schemeClr>
-          </a:lnRef>
-          <a:fillRef idx="1">
-            <a:schemeClr val="accent1"/>
-          </a:fillRef>
-          <a:effectRef idx="0">
-            <a:srgbClr val="FFFFFF"/>
-          </a:effectRef>
-          <a:fontRef idx="minor">
-            <a:schemeClr val="lt1"/>
-          </a:fontRef>
-        </p:style>
-        <p:txBody>
-          <a:bodyPr rtlCol="0" anchor="ctr"/>
-          <a:p>
-            <a:pPr algn="ctr"/>
-            <a:endParaRPr lang="zh-CN" altLang="en-US"/>
-          </a:p>
-        </p:txBody>
-      </p:sp>
-      <p:sp>
-        <p:nvSpPr>
-          <p:cNvPr id="22" name="椭圆 21"/>
-          <p:cNvSpPr/>
-          <p:nvPr/>
-        </p:nvSpPr>
-        <p:spPr>
-          <a:xfrm>
-            <a:off x="1337310" y="3677920"/>
-            <a:ext cx="914400" cy="914400"/>
-          </a:xfrm>
-          <a:prstGeom prst="ellipse">
-            <a:avLst/>
-          </a:prstGeom>
-          <a:noFill/>
-        </p:spPr>
-        <p:style>
-          <a:lnRef idx="2">
-            <a:schemeClr val="accent1">
-              <a:lumMod val="75000"/>
-            </a:schemeClr>
-          </a:lnRef>
-          <a:fillRef idx="1">
-            <a:schemeClr val="accent1"/>
-          </a:fillRef>
-          <a:effectRef idx="0">
-            <a:srgbClr val="FFFFFF"/>
-          </a:effectRef>
-          <a:fontRef idx="minor">
-            <a:schemeClr val="lt1"/>
-          </a:fontRef>
-        </p:style>
-        <p:txBody>
-          <a:bodyPr rtlCol="0" anchor="ctr"/>
-          <a:p>
-            <a:pPr algn="ctr"/>
-            <a:endParaRPr lang="zh-CN" altLang="en-US"/>
-          </a:p>
-        </p:txBody>
-      </p:sp>
-      <p:sp>
-        <p:nvSpPr>
-          <p:cNvPr id="23" name="矩形 22"/>
-          <p:cNvSpPr/>
-          <p:nvPr/>
-        </p:nvSpPr>
-        <p:spPr>
-          <a:xfrm>
-            <a:off x="1279525" y="3571240"/>
-            <a:ext cx="2655570" cy="1114425"/>
-          </a:xfrm>
-          <a:prstGeom prst="rect">
-            <a:avLst/>
-          </a:prstGeom>
-          <a:noFill/>
-          <a:ln>
-            <a:solidFill>
-              <a:srgbClr val="FF0000"/>
-            </a:solidFill>
-          </a:ln>
-        </p:spPr>
-        <p:style>
-          <a:lnRef idx="2">
-            <a:schemeClr val="accent1">
-              <a:lumMod val="75000"/>
-            </a:schemeClr>
-          </a:lnRef>
-          <a:fillRef idx="1">
-            <a:schemeClr val="accent1"/>
-          </a:fillRef>
-          <a:effectRef idx="0">
-            <a:srgbClr val="FFFFFF"/>
-          </a:effectRef>
-          <a:fontRef idx="minor">
-            <a:schemeClr val="lt1"/>
-          </a:fontRef>
-        </p:style>
-        <p:txBody>
-          <a:bodyPr rtlCol="0" anchor="ctr"/>
-          <a:p>
-            <a:pPr algn="ctr"/>
-            <a:endParaRPr lang="zh-CN" altLang="en-US"/>
-          </a:p>
-        </p:txBody>
-      </p:sp>
-      <p:sp>
-        <p:nvSpPr>
-          <p:cNvPr id="24" name="矩形 23"/>
-          <p:cNvSpPr/>
-          <p:nvPr/>
-        </p:nvSpPr>
-        <p:spPr>
-          <a:xfrm>
-            <a:off x="2806700" y="3677920"/>
-            <a:ext cx="2975610" cy="1114425"/>
-          </a:xfrm>
-          <a:prstGeom prst="rect">
-            <a:avLst/>
-          </a:prstGeom>
-          <a:noFill/>
-          <a:ln>
-            <a:solidFill>
-              <a:srgbClr val="FF0000"/>
-            </a:solidFill>
-          </a:ln>
-        </p:spPr>
-        <p:style>
-          <a:lnRef idx="2">
-            <a:schemeClr val="accent1">
-              <a:lumMod val="75000"/>
-            </a:schemeClr>
-          </a:lnRef>
-          <a:fillRef idx="1">
-            <a:schemeClr val="accent1"/>
-          </a:fillRef>
-          <a:effectRef idx="0">
-            <a:srgbClr val="FFFFFF"/>
-          </a:effectRef>
-          <a:fontRef idx="minor">
-            <a:schemeClr val="lt1"/>
-          </a:fontRef>
-        </p:style>
-        <p:txBody>
-          <a:bodyPr rtlCol="0" anchor="ctr"/>
-          <a:p>
-            <a:pPr algn="ctr"/>
-            <a:endParaRPr lang="zh-CN" altLang="en-US"/>
-          </a:p>
-        </p:txBody>
-      </p:sp>
-      <p:sp>
-        <p:nvSpPr>
-          <p:cNvPr id="25" name="矩形 24"/>
-          <p:cNvSpPr/>
-          <p:nvPr/>
-        </p:nvSpPr>
-        <p:spPr>
-          <a:xfrm>
-            <a:off x="4570730" y="3477895"/>
-            <a:ext cx="2975610" cy="1114425"/>
-          </a:xfrm>
-          <a:prstGeom prst="rect">
-            <a:avLst/>
-          </a:prstGeom>
-          <a:noFill/>
-          <a:ln>
-            <a:solidFill>
-              <a:srgbClr val="FF0000"/>
-            </a:solidFill>
-          </a:ln>
-        </p:spPr>
-        <p:style>
-          <a:lnRef idx="2">
-            <a:schemeClr val="accent1">
-              <a:lumMod val="75000"/>
-            </a:schemeClr>
-          </a:lnRef>
-          <a:fillRef idx="1">
-            <a:schemeClr val="accent1"/>
-          </a:fillRef>
-          <a:effectRef idx="0">
-            <a:srgbClr val="FFFFFF"/>
-          </a:effectRef>
-          <a:fontRef idx="minor">
-            <a:schemeClr val="lt1"/>
-          </a:fontRef>
-        </p:style>
-        <p:txBody>
-          <a:bodyPr rtlCol="0" anchor="ctr"/>
-          <a:p>
-            <a:pPr algn="ctr"/>
-            <a:endParaRPr lang="zh-CN" altLang="en-US"/>
-          </a:p>
-        </p:txBody>
-      </p:sp>
-      <p:sp>
-        <p:nvSpPr>
-          <p:cNvPr id="26" name="矩形 25"/>
-          <p:cNvSpPr/>
-          <p:nvPr/>
-        </p:nvSpPr>
-        <p:spPr>
-          <a:xfrm>
-            <a:off x="6468110" y="3604895"/>
-            <a:ext cx="3162935" cy="1114425"/>
-          </a:xfrm>
-          <a:prstGeom prst="rect">
-            <a:avLst/>
-          </a:prstGeom>
-          <a:noFill/>
-          <a:ln>
-            <a:solidFill>
-              <a:srgbClr val="FF0000"/>
-            </a:solidFill>
-          </a:ln>
-        </p:spPr>
-        <p:style>
-          <a:lnRef idx="2">
-            <a:schemeClr val="accent1">
-              <a:lumMod val="75000"/>
-            </a:schemeClr>
-          </a:lnRef>
-          <a:fillRef idx="1">
-            <a:schemeClr val="accent1"/>
-          </a:fillRef>
-          <a:effectRef idx="0">
-            <a:srgbClr val="FFFFFF"/>
-          </a:effectRef>
-          <a:fontRef idx="minor">
-            <a:schemeClr val="lt1"/>
-          </a:fontRef>
-        </p:style>
-        <p:txBody>
-          <a:bodyPr rtlCol="0" anchor="ctr"/>
-          <a:p>
-            <a:pPr algn="ctr"/>
-            <a:endParaRPr lang="zh-CN" altLang="en-US"/>
-          </a:p>
-        </p:txBody>
-      </p:sp>
-      <p:sp>
-        <p:nvSpPr>
-          <p:cNvPr id="27" name="矩形 26"/>
-          <p:cNvSpPr/>
-          <p:nvPr/>
-        </p:nvSpPr>
-        <p:spPr>
-          <a:xfrm>
-            <a:off x="8485505" y="3571240"/>
-            <a:ext cx="3162935" cy="1114425"/>
-          </a:xfrm>
-          <a:prstGeom prst="rect">
-            <a:avLst/>
-          </a:prstGeom>
-          <a:noFill/>
-          <a:ln>
-            <a:solidFill>
-              <a:srgbClr val="FF0000"/>
-            </a:solidFill>
-          </a:ln>
-        </p:spPr>
-        <p:style>
-          <a:lnRef idx="2">
-            <a:schemeClr val="accent1">
-              <a:lumMod val="75000"/>
-            </a:schemeClr>
-          </a:lnRef>
-          <a:fillRef idx="1">
-            <a:schemeClr val="accent1"/>
-          </a:fillRef>
-          <a:effectRef idx="0">
-            <a:srgbClr val="FFFFFF"/>
-          </a:effectRef>
-          <a:fontRef idx="minor">
-            <a:schemeClr val="lt1"/>
-          </a:fontRef>
-        </p:style>
-        <p:txBody>
-          <a:bodyPr rtlCol="0" anchor="ctr"/>
-          <a:p>
-            <a:pPr algn="ctr"/>
-            <a:endParaRPr lang="zh-CN" altLang="en-US"/>
+        <p:txBody>
+          <a:bodyPr vert="horz" lIns="91440" tIns="45720" rIns="91440" bIns="45720" rtlCol="0" anchor="ctr">
+            <a:noAutofit/>
+          </a:bodyPr>
+          <a:lstStyle>
+            <a:lvl1pPr marL="0" algn="l" defTabSz="685800" rtl="0" eaLnBrk="1" latinLnBrk="0" hangingPunct="1">
+              <a:lnSpc>
+                <a:spcPct val="100000"/>
+              </a:lnSpc>
+              <a:spcBef>
+                <a:spcPct val="0"/>
+              </a:spcBef>
+              <a:buNone/>
+              <a:defRPr lang="en-US" sz="3200" b="1" kern="1200" dirty="0">
+                <a:solidFill>
+                  <a:srgbClr val="002060"/>
+                </a:solidFill>
+                <a:latin typeface="微软雅黑" panose="020B0503020204020204" pitchFamily="34" charset="-122"/>
+                <a:ea typeface="微软雅黑" panose="020B0503020204020204" pitchFamily="34" charset="-122"/>
+                <a:cs typeface="+mn-cs"/>
+              </a:defRPr>
+            </a:lvl1pPr>
+          </a:lstStyle>
+          <a:p>
+            <a:r>
+              <a:rPr lang="zh-CN" altLang="en-US" sz="2000" dirty="0">
+                <a:latin typeface="Arial" panose="020B0604020202020204" pitchFamily="34" charset="0"/>
+                <a:sym typeface="Arial" panose="020B0604020202020204" pitchFamily="34" charset="0"/>
+              </a:rPr>
+              <a:t>关于偏差，有的人喜欢用两次偏差，有的喜欢一次偏差，</a:t>
+            </a:r>
+            <a:r>
+              <a:rPr lang="zh-CN" altLang="en-US" sz="2000" dirty="0">
+                <a:solidFill>
+                  <a:srgbClr val="FF0000"/>
+                </a:solidFill>
+                <a:latin typeface="Arial" panose="020B0604020202020204" pitchFamily="34" charset="0"/>
+                <a:sym typeface="Arial" panose="020B0604020202020204" pitchFamily="34" charset="0"/>
+              </a:rPr>
+              <a:t>本质相同</a:t>
+            </a:r>
+            <a:endParaRPr lang="zh-CN" altLang="en-US" sz="2000" dirty="0">
+              <a:solidFill>
+                <a:srgbClr val="FF0000"/>
+              </a:solidFill>
+              <a:latin typeface="Arial" panose="020B0604020202020204" pitchFamily="34" charset="0"/>
+              <a:sym typeface="Arial" panose="020B0604020202020204" pitchFamily="34" charset="0"/>
+            </a:endParaRPr>
           </a:p>
         </p:txBody>
       </p:sp>
